--- a/2018/python/Python Programming Concepts II.pptx
+++ b/2018/python/Python Programming Concepts II.pptx
@@ -7,7 +7,7 @@
     <p:sldMasterId id="2147483666" r:id="rId3"/>
   </p:sldMasterIdLst>
   <p:notesMasterIdLst>
-    <p:notesMasterId r:id="rId47"/>
+    <p:notesMasterId r:id="rId46"/>
   </p:notesMasterIdLst>
   <p:sldIdLst>
     <p:sldId id="256" r:id="rId4"/>
@@ -39,20 +39,19 @@
     <p:sldId id="274" r:id="rId30"/>
     <p:sldId id="278" r:id="rId31"/>
     <p:sldId id="279" r:id="rId32"/>
-    <p:sldId id="280" r:id="rId33"/>
-    <p:sldId id="281" r:id="rId34"/>
-    <p:sldId id="282" r:id="rId35"/>
-    <p:sldId id="294" r:id="rId36"/>
-    <p:sldId id="283" r:id="rId37"/>
-    <p:sldId id="284" r:id="rId38"/>
-    <p:sldId id="285" r:id="rId39"/>
-    <p:sldId id="286" r:id="rId40"/>
-    <p:sldId id="287" r:id="rId41"/>
-    <p:sldId id="288" r:id="rId42"/>
-    <p:sldId id="289" r:id="rId43"/>
-    <p:sldId id="290" r:id="rId44"/>
-    <p:sldId id="291" r:id="rId45"/>
-    <p:sldId id="292" r:id="rId46"/>
+    <p:sldId id="281" r:id="rId33"/>
+    <p:sldId id="282" r:id="rId34"/>
+    <p:sldId id="294" r:id="rId35"/>
+    <p:sldId id="283" r:id="rId36"/>
+    <p:sldId id="284" r:id="rId37"/>
+    <p:sldId id="285" r:id="rId38"/>
+    <p:sldId id="286" r:id="rId39"/>
+    <p:sldId id="287" r:id="rId40"/>
+    <p:sldId id="288" r:id="rId41"/>
+    <p:sldId id="289" r:id="rId42"/>
+    <p:sldId id="290" r:id="rId43"/>
+    <p:sldId id="291" r:id="rId44"/>
+    <p:sldId id="292" r:id="rId45"/>
   </p:sldIdLst>
   <p:sldSz cx="9144000" cy="6858000" type="screen4x3"/>
   <p:notesSz cx="6858000" cy="9144000"/>
@@ -269,7 +268,7 @@
   </p:defaultTextStyle>
   <p:extLst>
     <p:ext uri="{EFAFB233-063F-42B5-8137-9DF3F51BA10A}">
-      <p15:sldGuideLst xmlns="" xmlns:p15="http://schemas.microsoft.com/office/powerpoint/2012/main">
+      <p15:sldGuideLst xmlns:p15="http://schemas.microsoft.com/office/powerpoint/2012/main" xmlns="">
         <p15:guide id="1" orient="horz" pos="2160">
           <p15:clr>
             <a:srgbClr val="A4A3A4"/>
@@ -3253,151 +3252,6 @@
   <p:cSld>
     <p:spTree>
       <p:nvGrpSpPr>
-        <p:cNvPr id="1" name="Shape 197"/>
-        <p:cNvGrpSpPr/>
-        <p:nvPr/>
-      </p:nvGrpSpPr>
-      <p:grpSpPr>
-        <a:xfrm>
-          <a:off x="0" y="0"/>
-          <a:ext cx="0" cy="0"/>
-          <a:chOff x="0" y="0"/>
-          <a:chExt cx="0" cy="0"/>
-        </a:xfrm>
-      </p:grpSpPr>
-      <p:sp>
-        <p:nvSpPr>
-          <p:cNvPr id="198" name="Shape 198"/>
-          <p:cNvSpPr>
-            <a:spLocks noGrp="1" noRot="1" noChangeAspect="1"/>
-          </p:cNvSpPr>
-          <p:nvPr>
-            <p:ph type="sldImg" idx="2"/>
-          </p:nvPr>
-        </p:nvSpPr>
-        <p:spPr>
-          <a:xfrm>
-            <a:off x="1143000" y="685800"/>
-            <a:ext cx="4572000" cy="3429000"/>
-          </a:xfrm>
-          <a:custGeom>
-            <a:avLst/>
-            <a:gdLst/>
-            <a:ahLst/>
-            <a:cxnLst/>
-            <a:rect l="0" t="0" r="0" b="0"/>
-            <a:pathLst>
-              <a:path w="120000" h="120000" extrusionOk="0">
-                <a:moveTo>
-                  <a:pt x="0" y="0"/>
-                </a:moveTo>
-                <a:lnTo>
-                  <a:pt x="120000" y="0"/>
-                </a:lnTo>
-                <a:lnTo>
-                  <a:pt x="120000" y="120000"/>
-                </a:lnTo>
-                <a:lnTo>
-                  <a:pt x="0" y="120000"/>
-                </a:lnTo>
-                <a:close/>
-              </a:path>
-            </a:pathLst>
-          </a:custGeom>
-          <a:noFill/>
-          <a:ln w="9525" cap="flat">
-            <a:solidFill>
-              <a:srgbClr val="000000"/>
-            </a:solidFill>
-            <a:prstDash val="solid"/>
-            <a:round/>
-            <a:headEnd type="none" w="med" len="med"/>
-            <a:tailEnd type="none" w="med" len="med"/>
-          </a:ln>
-        </p:spPr>
-      </p:sp>
-      <p:sp>
-        <p:nvSpPr>
-          <p:cNvPr id="199" name="Shape 199"/>
-          <p:cNvSpPr txBox="1">
-            <a:spLocks noGrp="1"/>
-          </p:cNvSpPr>
-          <p:nvPr>
-            <p:ph type="body" idx="1"/>
-          </p:nvPr>
-        </p:nvSpPr>
-        <p:spPr>
-          <a:xfrm>
-            <a:off x="685800" y="4343400"/>
-            <a:ext cx="5486399" cy="4114800"/>
-          </a:xfrm>
-          <a:prstGeom prst="rect">
-            <a:avLst/>
-          </a:prstGeom>
-        </p:spPr>
-        <p:txBody>
-          <a:bodyPr lIns="91425" tIns="91425" rIns="91425" bIns="91425" anchor="t" anchorCtr="0">
-            <a:noAutofit/>
-          </a:bodyPr>
-          <a:lstStyle/>
-          <a:p>
-            <a:pPr>
-              <a:spcBef>
-                <a:spcPts val="0"/>
-              </a:spcBef>
-              <a:buNone/>
-            </a:pPr>
-            <a:r>
-              <a:rPr lang="en-US" dirty="0" smtClean="0"/>
-              <a:t>Really</a:t>
-            </a:r>
-            <a:r>
-              <a:rPr lang="en-US" baseline="0" dirty="0" smtClean="0"/>
-              <a:t> useful when you want to set up flexible programs.</a:t>
-            </a:r>
-          </a:p>
-          <a:p>
-            <a:pPr>
-              <a:spcBef>
-                <a:spcPts val="0"/>
-              </a:spcBef>
-              <a:buNone/>
-            </a:pPr>
-            <a:endParaRPr lang="en-US" baseline="0" dirty="0" smtClean="0"/>
-          </a:p>
-          <a:p>
-            <a:pPr>
-              <a:spcBef>
-                <a:spcPts val="0"/>
-              </a:spcBef>
-              <a:buNone/>
-            </a:pPr>
-            <a:r>
-              <a:rPr lang="en-US" baseline="0" dirty="0" smtClean="0"/>
-              <a:t>So someone could fall your program and have it run on another file!</a:t>
-            </a:r>
-            <a:endParaRPr dirty="0"/>
-          </a:p>
-        </p:txBody>
-      </p:sp>
-    </p:spTree>
-    <p:extLst>
-      <p:ext uri="{BB962C8B-B14F-4D97-AF65-F5344CB8AC3E}">
-        <p14:creationId xmlns:p14="http://schemas.microsoft.com/office/powerpoint/2010/main" val="1297358418"/>
-      </p:ext>
-    </p:extLst>
-  </p:cSld>
-  <p:clrMapOvr>
-    <a:masterClrMapping/>
-  </p:clrMapOvr>
-</p:notes>
-</file>
-
-<file path=ppt/notesSlides/notesSlide31.xml><?xml version="1.0" encoding="utf-8"?>
-<p:notes xmlns:a="http://schemas.openxmlformats.org/drawingml/2006/main" xmlns:r="http://schemas.openxmlformats.org/officeDocument/2006/relationships" xmlns:p="http://schemas.openxmlformats.org/presentationml/2006/main" showMasterSp="0" showMasterPhAnim="0">
-  <p:cSld>
-    <p:spTree>
-      <p:nvGrpSpPr>
         <p:cNvPr id="1" name="Shape 203"/>
         <p:cNvGrpSpPr/>
         <p:nvPr/>
@@ -3508,6 +3362,122 @@
     <p:extLst>
       <p:ext uri="{BB962C8B-B14F-4D97-AF65-F5344CB8AC3E}">
         <p14:creationId xmlns:p14="http://schemas.microsoft.com/office/powerpoint/2010/main" val="3400406870"/>
+      </p:ext>
+    </p:extLst>
+  </p:cSld>
+  <p:clrMapOvr>
+    <a:masterClrMapping/>
+  </p:clrMapOvr>
+</p:notes>
+</file>
+
+<file path=ppt/notesSlides/notesSlide31.xml><?xml version="1.0" encoding="utf-8"?>
+<p:notes xmlns:a="http://schemas.openxmlformats.org/drawingml/2006/main" xmlns:r="http://schemas.openxmlformats.org/officeDocument/2006/relationships" xmlns:p="http://schemas.openxmlformats.org/presentationml/2006/main" showMasterSp="0" showMasterPhAnim="0">
+  <p:cSld>
+    <p:spTree>
+      <p:nvGrpSpPr>
+        <p:cNvPr id="1" name="Shape 209"/>
+        <p:cNvGrpSpPr/>
+        <p:nvPr/>
+      </p:nvGrpSpPr>
+      <p:grpSpPr>
+        <a:xfrm>
+          <a:off x="0" y="0"/>
+          <a:ext cx="0" cy="0"/>
+          <a:chOff x="0" y="0"/>
+          <a:chExt cx="0" cy="0"/>
+        </a:xfrm>
+      </p:grpSpPr>
+      <p:sp>
+        <p:nvSpPr>
+          <p:cNvPr id="210" name="Shape 210"/>
+          <p:cNvSpPr>
+            <a:spLocks noGrp="1" noRot="1" noChangeAspect="1"/>
+          </p:cNvSpPr>
+          <p:nvPr>
+            <p:ph type="sldImg" idx="2"/>
+          </p:nvPr>
+        </p:nvSpPr>
+        <p:spPr>
+          <a:xfrm>
+            <a:off x="1143000" y="685800"/>
+            <a:ext cx="4572000" cy="3429000"/>
+          </a:xfrm>
+          <a:custGeom>
+            <a:avLst/>
+            <a:gdLst/>
+            <a:ahLst/>
+            <a:cxnLst/>
+            <a:rect l="0" t="0" r="0" b="0"/>
+            <a:pathLst>
+              <a:path w="120000" h="120000" extrusionOk="0">
+                <a:moveTo>
+                  <a:pt x="0" y="0"/>
+                </a:moveTo>
+                <a:lnTo>
+                  <a:pt x="120000" y="0"/>
+                </a:lnTo>
+                <a:lnTo>
+                  <a:pt x="120000" y="120000"/>
+                </a:lnTo>
+                <a:lnTo>
+                  <a:pt x="0" y="120000"/>
+                </a:lnTo>
+                <a:close/>
+              </a:path>
+            </a:pathLst>
+          </a:custGeom>
+          <a:noFill/>
+          <a:ln w="9525" cap="flat">
+            <a:solidFill>
+              <a:srgbClr val="000000"/>
+            </a:solidFill>
+            <a:prstDash val="solid"/>
+            <a:round/>
+            <a:headEnd type="none" w="med" len="med"/>
+            <a:tailEnd type="none" w="med" len="med"/>
+          </a:ln>
+        </p:spPr>
+      </p:sp>
+      <p:sp>
+        <p:nvSpPr>
+          <p:cNvPr id="211" name="Shape 211"/>
+          <p:cNvSpPr txBox="1">
+            <a:spLocks noGrp="1"/>
+          </p:cNvSpPr>
+          <p:nvPr>
+            <p:ph type="body" idx="1"/>
+          </p:nvPr>
+        </p:nvSpPr>
+        <p:spPr>
+          <a:xfrm>
+            <a:off x="685800" y="4343400"/>
+            <a:ext cx="5486399" cy="4114800"/>
+          </a:xfrm>
+          <a:prstGeom prst="rect">
+            <a:avLst/>
+          </a:prstGeom>
+        </p:spPr>
+        <p:txBody>
+          <a:bodyPr lIns="91425" tIns="91425" rIns="91425" bIns="91425" anchor="t" anchorCtr="0">
+            <a:noAutofit/>
+          </a:bodyPr>
+          <a:lstStyle/>
+          <a:p>
+            <a:pPr>
+              <a:spcBef>
+                <a:spcPts val="0"/>
+              </a:spcBef>
+              <a:buNone/>
+            </a:pPr>
+            <a:endParaRPr/>
+          </a:p>
+        </p:txBody>
+      </p:sp>
+    </p:spTree>
+    <p:extLst>
+      <p:ext uri="{BB962C8B-B14F-4D97-AF65-F5344CB8AC3E}">
+        <p14:creationId xmlns:p14="http://schemas.microsoft.com/office/powerpoint/2010/main" val="3293991544"/>
       </p:ext>
     </p:extLst>
   </p:cSld>
@@ -3623,7 +3593,7 @@
     </p:spTree>
     <p:extLst>
       <p:ext uri="{BB962C8B-B14F-4D97-AF65-F5344CB8AC3E}">
-        <p14:creationId xmlns:p14="http://schemas.microsoft.com/office/powerpoint/2010/main" val="3293991544"/>
+        <p14:creationId xmlns:p14="http://schemas.microsoft.com/office/powerpoint/2010/main" val="1974267523"/>
       </p:ext>
     </p:extLst>
   </p:cSld>
@@ -3634,122 +3604,6 @@
 </file>
 
 <file path=ppt/notesSlides/notesSlide33.xml><?xml version="1.0" encoding="utf-8"?>
-<p:notes xmlns:a="http://schemas.openxmlformats.org/drawingml/2006/main" xmlns:r="http://schemas.openxmlformats.org/officeDocument/2006/relationships" xmlns:p="http://schemas.openxmlformats.org/presentationml/2006/main" showMasterSp="0" showMasterPhAnim="0">
-  <p:cSld>
-    <p:spTree>
-      <p:nvGrpSpPr>
-        <p:cNvPr id="1" name="Shape 209"/>
-        <p:cNvGrpSpPr/>
-        <p:nvPr/>
-      </p:nvGrpSpPr>
-      <p:grpSpPr>
-        <a:xfrm>
-          <a:off x="0" y="0"/>
-          <a:ext cx="0" cy="0"/>
-          <a:chOff x="0" y="0"/>
-          <a:chExt cx="0" cy="0"/>
-        </a:xfrm>
-      </p:grpSpPr>
-      <p:sp>
-        <p:nvSpPr>
-          <p:cNvPr id="210" name="Shape 210"/>
-          <p:cNvSpPr>
-            <a:spLocks noGrp="1" noRot="1" noChangeAspect="1"/>
-          </p:cNvSpPr>
-          <p:nvPr>
-            <p:ph type="sldImg" idx="2"/>
-          </p:nvPr>
-        </p:nvSpPr>
-        <p:spPr>
-          <a:xfrm>
-            <a:off x="1143000" y="685800"/>
-            <a:ext cx="4572000" cy="3429000"/>
-          </a:xfrm>
-          <a:custGeom>
-            <a:avLst/>
-            <a:gdLst/>
-            <a:ahLst/>
-            <a:cxnLst/>
-            <a:rect l="0" t="0" r="0" b="0"/>
-            <a:pathLst>
-              <a:path w="120000" h="120000" extrusionOk="0">
-                <a:moveTo>
-                  <a:pt x="0" y="0"/>
-                </a:moveTo>
-                <a:lnTo>
-                  <a:pt x="120000" y="0"/>
-                </a:lnTo>
-                <a:lnTo>
-                  <a:pt x="120000" y="120000"/>
-                </a:lnTo>
-                <a:lnTo>
-                  <a:pt x="0" y="120000"/>
-                </a:lnTo>
-                <a:close/>
-              </a:path>
-            </a:pathLst>
-          </a:custGeom>
-          <a:noFill/>
-          <a:ln w="9525" cap="flat">
-            <a:solidFill>
-              <a:srgbClr val="000000"/>
-            </a:solidFill>
-            <a:prstDash val="solid"/>
-            <a:round/>
-            <a:headEnd type="none" w="med" len="med"/>
-            <a:tailEnd type="none" w="med" len="med"/>
-          </a:ln>
-        </p:spPr>
-      </p:sp>
-      <p:sp>
-        <p:nvSpPr>
-          <p:cNvPr id="211" name="Shape 211"/>
-          <p:cNvSpPr txBox="1">
-            <a:spLocks noGrp="1"/>
-          </p:cNvSpPr>
-          <p:nvPr>
-            <p:ph type="body" idx="1"/>
-          </p:nvPr>
-        </p:nvSpPr>
-        <p:spPr>
-          <a:xfrm>
-            <a:off x="685800" y="4343400"/>
-            <a:ext cx="5486399" cy="4114800"/>
-          </a:xfrm>
-          <a:prstGeom prst="rect">
-            <a:avLst/>
-          </a:prstGeom>
-        </p:spPr>
-        <p:txBody>
-          <a:bodyPr lIns="91425" tIns="91425" rIns="91425" bIns="91425" anchor="t" anchorCtr="0">
-            <a:noAutofit/>
-          </a:bodyPr>
-          <a:lstStyle/>
-          <a:p>
-            <a:pPr>
-              <a:spcBef>
-                <a:spcPts val="0"/>
-              </a:spcBef>
-              <a:buNone/>
-            </a:pPr>
-            <a:endParaRPr/>
-          </a:p>
-        </p:txBody>
-      </p:sp>
-    </p:spTree>
-    <p:extLst>
-      <p:ext uri="{BB962C8B-B14F-4D97-AF65-F5344CB8AC3E}">
-        <p14:creationId xmlns:p14="http://schemas.microsoft.com/office/powerpoint/2010/main" val="1974267523"/>
-      </p:ext>
-    </p:extLst>
-  </p:cSld>
-  <p:clrMapOvr>
-    <a:masterClrMapping/>
-  </p:clrMapOvr>
-</p:notes>
-</file>
-
-<file path=ppt/notesSlides/notesSlide34.xml><?xml version="1.0" encoding="utf-8"?>
 <p:notes xmlns:a="http://schemas.openxmlformats.org/drawingml/2006/main" xmlns:r="http://schemas.openxmlformats.org/officeDocument/2006/relationships" xmlns:p="http://schemas.openxmlformats.org/presentationml/2006/main" showMasterSp="0" showMasterPhAnim="0">
   <p:cSld>
     <p:spTree>
@@ -3865,7 +3719,7 @@
 </p:notes>
 </file>
 
-<file path=ppt/notesSlides/notesSlide35.xml><?xml version="1.0" encoding="utf-8"?>
+<file path=ppt/notesSlides/notesSlide34.xml><?xml version="1.0" encoding="utf-8"?>
 <p:notes xmlns:a="http://schemas.openxmlformats.org/drawingml/2006/main" xmlns:r="http://schemas.openxmlformats.org/officeDocument/2006/relationships" xmlns:p="http://schemas.openxmlformats.org/presentationml/2006/main" showMasterSp="0" showMasterPhAnim="0">
   <p:cSld>
     <p:spTree>
@@ -3981,7 +3835,7 @@
 </p:notes>
 </file>
 
-<file path=ppt/notesSlides/notesSlide36.xml><?xml version="1.0" encoding="utf-8"?>
+<file path=ppt/notesSlides/notesSlide35.xml><?xml version="1.0" encoding="utf-8"?>
 <p:notes xmlns:a="http://schemas.openxmlformats.org/drawingml/2006/main" xmlns:r="http://schemas.openxmlformats.org/officeDocument/2006/relationships" xmlns:p="http://schemas.openxmlformats.org/presentationml/2006/main" showMasterSp="0" showMasterPhAnim="0">
   <p:cSld>
     <p:spTree>
@@ -4097,7 +3951,7 @@
 </p:notes>
 </file>
 
-<file path=ppt/notesSlides/notesSlide37.xml><?xml version="1.0" encoding="utf-8"?>
+<file path=ppt/notesSlides/notesSlide36.xml><?xml version="1.0" encoding="utf-8"?>
 <p:notes xmlns:a="http://schemas.openxmlformats.org/drawingml/2006/main" xmlns:r="http://schemas.openxmlformats.org/officeDocument/2006/relationships" xmlns:p="http://schemas.openxmlformats.org/presentationml/2006/main" showMasterSp="0" showMasterPhAnim="0">
   <p:cSld>
     <p:spTree>
@@ -4213,7 +4067,7 @@
 </p:notes>
 </file>
 
-<file path=ppt/notesSlides/notesSlide38.xml><?xml version="1.0" encoding="utf-8"?>
+<file path=ppt/notesSlides/notesSlide37.xml><?xml version="1.0" encoding="utf-8"?>
 <p:notes xmlns:a="http://schemas.openxmlformats.org/drawingml/2006/main" xmlns:r="http://schemas.openxmlformats.org/officeDocument/2006/relationships" xmlns:p="http://schemas.openxmlformats.org/presentationml/2006/main" showMasterSp="0" showMasterPhAnim="0">
   <p:cSld>
     <p:spTree>
@@ -4329,7 +4183,7 @@
 </p:notes>
 </file>
 
-<file path=ppt/notesSlides/notesSlide39.xml><?xml version="1.0" encoding="utf-8"?>
+<file path=ppt/notesSlides/notesSlide38.xml><?xml version="1.0" encoding="utf-8"?>
 <p:notes xmlns:a="http://schemas.openxmlformats.org/drawingml/2006/main" xmlns:r="http://schemas.openxmlformats.org/officeDocument/2006/relationships" xmlns:p="http://schemas.openxmlformats.org/presentationml/2006/main" showMasterSp="0" showMasterPhAnim="0">
   <p:cSld>
     <p:spTree>
@@ -4436,6 +4290,122 @@
     <p:extLst>
       <p:ext uri="{BB962C8B-B14F-4D97-AF65-F5344CB8AC3E}">
         <p14:creationId xmlns:p14="http://schemas.microsoft.com/office/powerpoint/2010/main" val="4006072693"/>
+      </p:ext>
+    </p:extLst>
+  </p:cSld>
+  <p:clrMapOvr>
+    <a:masterClrMapping/>
+  </p:clrMapOvr>
+</p:notes>
+</file>
+
+<file path=ppt/notesSlides/notesSlide39.xml><?xml version="1.0" encoding="utf-8"?>
+<p:notes xmlns:a="http://schemas.openxmlformats.org/drawingml/2006/main" xmlns:r="http://schemas.openxmlformats.org/officeDocument/2006/relationships" xmlns:p="http://schemas.openxmlformats.org/presentationml/2006/main" showMasterSp="0" showMasterPhAnim="0">
+  <p:cSld>
+    <p:spTree>
+      <p:nvGrpSpPr>
+        <p:cNvPr id="1" name="Shape 251"/>
+        <p:cNvGrpSpPr/>
+        <p:nvPr/>
+      </p:nvGrpSpPr>
+      <p:grpSpPr>
+        <a:xfrm>
+          <a:off x="0" y="0"/>
+          <a:ext cx="0" cy="0"/>
+          <a:chOff x="0" y="0"/>
+          <a:chExt cx="0" cy="0"/>
+        </a:xfrm>
+      </p:grpSpPr>
+      <p:sp>
+        <p:nvSpPr>
+          <p:cNvPr id="252" name="Shape 252"/>
+          <p:cNvSpPr>
+            <a:spLocks noGrp="1" noRot="1" noChangeAspect="1"/>
+          </p:cNvSpPr>
+          <p:nvPr>
+            <p:ph type="sldImg" idx="2"/>
+          </p:nvPr>
+        </p:nvSpPr>
+        <p:spPr>
+          <a:xfrm>
+            <a:off x="1143000" y="685800"/>
+            <a:ext cx="4572000" cy="3429000"/>
+          </a:xfrm>
+          <a:custGeom>
+            <a:avLst/>
+            <a:gdLst/>
+            <a:ahLst/>
+            <a:cxnLst/>
+            <a:rect l="0" t="0" r="0" b="0"/>
+            <a:pathLst>
+              <a:path w="120000" h="120000" extrusionOk="0">
+                <a:moveTo>
+                  <a:pt x="0" y="0"/>
+                </a:moveTo>
+                <a:lnTo>
+                  <a:pt x="120000" y="0"/>
+                </a:lnTo>
+                <a:lnTo>
+                  <a:pt x="120000" y="120000"/>
+                </a:lnTo>
+                <a:lnTo>
+                  <a:pt x="0" y="120000"/>
+                </a:lnTo>
+                <a:close/>
+              </a:path>
+            </a:pathLst>
+          </a:custGeom>
+          <a:noFill/>
+          <a:ln w="9525" cap="flat">
+            <a:solidFill>
+              <a:srgbClr val="000000"/>
+            </a:solidFill>
+            <a:prstDash val="solid"/>
+            <a:round/>
+            <a:headEnd type="none" w="med" len="med"/>
+            <a:tailEnd type="none" w="med" len="med"/>
+          </a:ln>
+        </p:spPr>
+      </p:sp>
+      <p:sp>
+        <p:nvSpPr>
+          <p:cNvPr id="253" name="Shape 253"/>
+          <p:cNvSpPr txBox="1">
+            <a:spLocks noGrp="1"/>
+          </p:cNvSpPr>
+          <p:nvPr>
+            <p:ph type="body" idx="1"/>
+          </p:nvPr>
+        </p:nvSpPr>
+        <p:spPr>
+          <a:xfrm>
+            <a:off x="685800" y="4343400"/>
+            <a:ext cx="5486399" cy="4114800"/>
+          </a:xfrm>
+          <a:prstGeom prst="rect">
+            <a:avLst/>
+          </a:prstGeom>
+        </p:spPr>
+        <p:txBody>
+          <a:bodyPr lIns="91425" tIns="91425" rIns="91425" bIns="91425" anchor="t" anchorCtr="0">
+            <a:noAutofit/>
+          </a:bodyPr>
+          <a:lstStyle/>
+          <a:p>
+            <a:pPr>
+              <a:spcBef>
+                <a:spcPts val="0"/>
+              </a:spcBef>
+              <a:buNone/>
+            </a:pPr>
+            <a:endParaRPr/>
+          </a:p>
+        </p:txBody>
+      </p:sp>
+    </p:spTree>
+    <p:extLst>
+      <p:ext uri="{BB962C8B-B14F-4D97-AF65-F5344CB8AC3E}">
+        <p14:creationId xmlns:p14="http://schemas.microsoft.com/office/powerpoint/2010/main" val="2344401661"/>
       </p:ext>
     </p:extLst>
   </p:cSld>
@@ -4566,122 +4536,6 @@
   <p:cSld>
     <p:spTree>
       <p:nvGrpSpPr>
-        <p:cNvPr id="1" name="Shape 251"/>
-        <p:cNvGrpSpPr/>
-        <p:nvPr/>
-      </p:nvGrpSpPr>
-      <p:grpSpPr>
-        <a:xfrm>
-          <a:off x="0" y="0"/>
-          <a:ext cx="0" cy="0"/>
-          <a:chOff x="0" y="0"/>
-          <a:chExt cx="0" cy="0"/>
-        </a:xfrm>
-      </p:grpSpPr>
-      <p:sp>
-        <p:nvSpPr>
-          <p:cNvPr id="252" name="Shape 252"/>
-          <p:cNvSpPr>
-            <a:spLocks noGrp="1" noRot="1" noChangeAspect="1"/>
-          </p:cNvSpPr>
-          <p:nvPr>
-            <p:ph type="sldImg" idx="2"/>
-          </p:nvPr>
-        </p:nvSpPr>
-        <p:spPr>
-          <a:xfrm>
-            <a:off x="1143000" y="685800"/>
-            <a:ext cx="4572000" cy="3429000"/>
-          </a:xfrm>
-          <a:custGeom>
-            <a:avLst/>
-            <a:gdLst/>
-            <a:ahLst/>
-            <a:cxnLst/>
-            <a:rect l="0" t="0" r="0" b="0"/>
-            <a:pathLst>
-              <a:path w="120000" h="120000" extrusionOk="0">
-                <a:moveTo>
-                  <a:pt x="0" y="0"/>
-                </a:moveTo>
-                <a:lnTo>
-                  <a:pt x="120000" y="0"/>
-                </a:lnTo>
-                <a:lnTo>
-                  <a:pt x="120000" y="120000"/>
-                </a:lnTo>
-                <a:lnTo>
-                  <a:pt x="0" y="120000"/>
-                </a:lnTo>
-                <a:close/>
-              </a:path>
-            </a:pathLst>
-          </a:custGeom>
-          <a:noFill/>
-          <a:ln w="9525" cap="flat">
-            <a:solidFill>
-              <a:srgbClr val="000000"/>
-            </a:solidFill>
-            <a:prstDash val="solid"/>
-            <a:round/>
-            <a:headEnd type="none" w="med" len="med"/>
-            <a:tailEnd type="none" w="med" len="med"/>
-          </a:ln>
-        </p:spPr>
-      </p:sp>
-      <p:sp>
-        <p:nvSpPr>
-          <p:cNvPr id="253" name="Shape 253"/>
-          <p:cNvSpPr txBox="1">
-            <a:spLocks noGrp="1"/>
-          </p:cNvSpPr>
-          <p:nvPr>
-            <p:ph type="body" idx="1"/>
-          </p:nvPr>
-        </p:nvSpPr>
-        <p:spPr>
-          <a:xfrm>
-            <a:off x="685800" y="4343400"/>
-            <a:ext cx="5486399" cy="4114800"/>
-          </a:xfrm>
-          <a:prstGeom prst="rect">
-            <a:avLst/>
-          </a:prstGeom>
-        </p:spPr>
-        <p:txBody>
-          <a:bodyPr lIns="91425" tIns="91425" rIns="91425" bIns="91425" anchor="t" anchorCtr="0">
-            <a:noAutofit/>
-          </a:bodyPr>
-          <a:lstStyle/>
-          <a:p>
-            <a:pPr>
-              <a:spcBef>
-                <a:spcPts val="0"/>
-              </a:spcBef>
-              <a:buNone/>
-            </a:pPr>
-            <a:endParaRPr/>
-          </a:p>
-        </p:txBody>
-      </p:sp>
-    </p:spTree>
-    <p:extLst>
-      <p:ext uri="{BB962C8B-B14F-4D97-AF65-F5344CB8AC3E}">
-        <p14:creationId xmlns:p14="http://schemas.microsoft.com/office/powerpoint/2010/main" val="2344401661"/>
-      </p:ext>
-    </p:extLst>
-  </p:cSld>
-  <p:clrMapOvr>
-    <a:masterClrMapping/>
-  </p:clrMapOvr>
-</p:notes>
-</file>
-
-<file path=ppt/notesSlides/notesSlide41.xml><?xml version="1.0" encoding="utf-8"?>
-<p:notes xmlns:a="http://schemas.openxmlformats.org/drawingml/2006/main" xmlns:r="http://schemas.openxmlformats.org/officeDocument/2006/relationships" xmlns:p="http://schemas.openxmlformats.org/presentationml/2006/main" showMasterSp="0" showMasterPhAnim="0">
-  <p:cSld>
-    <p:spTree>
-      <p:nvGrpSpPr>
         <p:cNvPr id="1" name="Shape 257"/>
         <p:cNvGrpSpPr/>
         <p:nvPr/>
@@ -4793,7 +4647,7 @@
 </p:notes>
 </file>
 
-<file path=ppt/notesSlides/notesSlide42.xml><?xml version="1.0" encoding="utf-8"?>
+<file path=ppt/notesSlides/notesSlide41.xml><?xml version="1.0" encoding="utf-8"?>
 <p:notes xmlns:a="http://schemas.openxmlformats.org/drawingml/2006/main" xmlns:r="http://schemas.openxmlformats.org/officeDocument/2006/relationships" xmlns:p="http://schemas.openxmlformats.org/presentationml/2006/main" showMasterSp="0" showMasterPhAnim="0">
   <p:cSld>
     <p:spTree>
@@ -4909,7 +4763,7 @@
 </p:notes>
 </file>
 
-<file path=ppt/notesSlides/notesSlide43.xml><?xml version="1.0" encoding="utf-8"?>
+<file path=ppt/notesSlides/notesSlide42.xml><?xml version="1.0" encoding="utf-8"?>
 <p:notes xmlns:a="http://schemas.openxmlformats.org/drawingml/2006/main" xmlns:r="http://schemas.openxmlformats.org/officeDocument/2006/relationships" xmlns:p="http://schemas.openxmlformats.org/presentationml/2006/main" showMasterSp="0" showMasterPhAnim="0">
   <p:cSld>
     <p:spTree>
@@ -13721,55 +13575,7 @@
                 <a:cs typeface="Menlo Regular"/>
                 <a:sym typeface="courier new"/>
               </a:rPr>
-              <a:t>	print</a:t>
-            </a:r>
-            <a:r>
-              <a:rPr lang="en-US" sz="2400" dirty="0" smtClean="0">
-                <a:solidFill>
-                  <a:srgbClr val="0B5C92"/>
-                </a:solidFill>
-                <a:latin typeface="Menlo Regular"/>
-                <a:ea typeface="Menlo Regular"/>
-                <a:cs typeface="Menlo Regular"/>
-                <a:sym typeface="courier new"/>
-              </a:rPr>
-              <a:t>(code </a:t>
-            </a:r>
-            <a:r>
-              <a:rPr lang="en-US" sz="2400" dirty="0" smtClean="0">
-                <a:solidFill>
-                  <a:srgbClr val="0B5C92"/>
-                </a:solidFill>
-                <a:latin typeface="Menlo Regular"/>
-                <a:ea typeface="Menlo Regular"/>
-                <a:cs typeface="Menlo Regular"/>
-                <a:sym typeface="courier new"/>
-              </a:rPr>
-              <a:t>+ " is the code for " </a:t>
-            </a:r>
-            <a:r>
-              <a:rPr lang="en-US" sz="2400" dirty="0" smtClean="0">
-                <a:solidFill>
-                  <a:srgbClr val="0B5C92"/>
-                </a:solidFill>
-                <a:latin typeface="Menlo Regular"/>
-                <a:ea typeface="Menlo Regular"/>
-                <a:cs typeface="Menlo Regular"/>
-                <a:sym typeface="courier new"/>
-              </a:rPr>
-              <a:t>+ state</a:t>
-            </a:r>
-            <a:r>
-              <a:rPr lang="en-US" sz="2400" dirty="0" smtClean="0">
-                <a:solidFill>
-                  <a:srgbClr val="0B5C92"/>
-                </a:solidFill>
-                <a:latin typeface="Menlo Regular"/>
-                <a:ea typeface="Menlo Regular"/>
-                <a:cs typeface="Menlo Regular"/>
-                <a:sym typeface="courier new"/>
-              </a:rPr>
-              <a:t>)</a:t>
+              <a:t>	print(code + " is the code for " + state)</a:t>
             </a:r>
           </a:p>
           <a:p>
@@ -21688,413 +21494,6 @@
   <p:cSld>
     <p:spTree>
       <p:nvGrpSpPr>
-        <p:cNvPr id="1" name="Shape 194"/>
-        <p:cNvGrpSpPr/>
-        <p:nvPr/>
-      </p:nvGrpSpPr>
-      <p:grpSpPr>
-        <a:xfrm>
-          <a:off x="0" y="0"/>
-          <a:ext cx="0" cy="0"/>
-          <a:chOff x="0" y="0"/>
-          <a:chExt cx="0" cy="0"/>
-        </a:xfrm>
-      </p:grpSpPr>
-      <p:sp>
-        <p:nvSpPr>
-          <p:cNvPr id="195" name="Shape 195"/>
-          <p:cNvSpPr txBox="1">
-            <a:spLocks noGrp="1"/>
-          </p:cNvSpPr>
-          <p:nvPr>
-            <p:ph type="title"/>
-          </p:nvPr>
-        </p:nvSpPr>
-        <p:spPr>
-          <a:xfrm>
-            <a:off x="457200" y="274636"/>
-            <a:ext cx="8229600" cy="1244953"/>
-          </a:xfrm>
-          <a:prstGeom prst="rect">
-            <a:avLst/>
-          </a:prstGeom>
-        </p:spPr>
-        <p:txBody>
-          <a:bodyPr lIns="91425" tIns="91425" rIns="91425" bIns="91425" anchor="b" anchorCtr="0">
-            <a:noAutofit/>
-          </a:bodyPr>
-          <a:lstStyle/>
-          <a:p>
-            <a:pPr>
-              <a:spcBef>
-                <a:spcPts val="0"/>
-              </a:spcBef>
-              <a:buNone/>
-            </a:pPr>
-            <a:r>
-              <a:rPr lang="en" sz="9600" dirty="0">
-                <a:solidFill>
-                  <a:srgbClr val="FF0000"/>
-                </a:solidFill>
-                <a:latin typeface="Yanone Kaffeesatz Bold"/>
-                <a:cs typeface="Yanone Kaffeesatz Bold"/>
-                <a:sym typeface="Ubuntu"/>
-              </a:rPr>
-              <a:t>Arguments</a:t>
-            </a:r>
-          </a:p>
-        </p:txBody>
-      </p:sp>
-      <p:sp>
-        <p:nvSpPr>
-          <p:cNvPr id="196" name="Shape 196"/>
-          <p:cNvSpPr txBox="1">
-            <a:spLocks noGrp="1"/>
-          </p:cNvSpPr>
-          <p:nvPr>
-            <p:ph type="body" idx="1"/>
-          </p:nvPr>
-        </p:nvSpPr>
-        <p:spPr>
-          <a:xfrm>
-            <a:off x="457200" y="1600200"/>
-            <a:ext cx="8229600" cy="4967700"/>
-          </a:xfrm>
-          <a:prstGeom prst="rect">
-            <a:avLst/>
-          </a:prstGeom>
-        </p:spPr>
-        <p:txBody>
-          <a:bodyPr lIns="91425" tIns="91425" rIns="91425" bIns="91425" anchor="t" anchorCtr="0">
-            <a:noAutofit/>
-          </a:bodyPr>
-          <a:lstStyle/>
-          <a:p>
-            <a:pPr lvl="0" rtl="0">
-              <a:spcBef>
-                <a:spcPts val="0"/>
-              </a:spcBef>
-              <a:buNone/>
-            </a:pPr>
-            <a:r>
-              <a:rPr lang="en" dirty="0"/>
-              <a:t>Update </a:t>
-            </a:r>
-            <a:r>
-              <a:rPr lang="en" dirty="0" smtClean="0">
-                <a:solidFill>
-                  <a:srgbClr val="0B5C92"/>
-                </a:solidFill>
-                <a:latin typeface="Menlo Regular"/>
-                <a:ea typeface="Menlo Regular"/>
-                <a:cs typeface="Menlo Regular"/>
-                <a:sym typeface="Courier New"/>
-              </a:rPr>
-              <a:t>hello.py</a:t>
-            </a:r>
-            <a:r>
-              <a:rPr lang="en" dirty="0" smtClean="0"/>
-              <a:t> </a:t>
-            </a:r>
-            <a:r>
-              <a:rPr lang="en" dirty="0"/>
-              <a:t>with the following</a:t>
-            </a:r>
-          </a:p>
-          <a:p>
-            <a:pPr lvl="0" rtl="0">
-              <a:spcBef>
-                <a:spcPts val="0"/>
-              </a:spcBef>
-              <a:buNone/>
-            </a:pPr>
-            <a:endParaRPr lang="en-US" dirty="0" smtClean="0"/>
-          </a:p>
-          <a:p>
-            <a:pPr lvl="0" rtl="0">
-              <a:spcBef>
-                <a:spcPts val="0"/>
-              </a:spcBef>
-              <a:buNone/>
-            </a:pPr>
-            <a:r>
-              <a:rPr lang="en-US" sz="2400" dirty="0" smtClean="0"/>
-              <a:t>	from sys import </a:t>
-            </a:r>
-            <a:r>
-              <a:rPr lang="en-US" sz="2400" dirty="0" err="1" smtClean="0"/>
-              <a:t>argv</a:t>
-            </a:r>
-            <a:endParaRPr lang="en-US" sz="2400" dirty="0" smtClean="0"/>
-          </a:p>
-          <a:p>
-            <a:pPr lvl="0" rtl="0">
-              <a:spcBef>
-                <a:spcPts val="0"/>
-              </a:spcBef>
-              <a:buNone/>
-            </a:pPr>
-            <a:endParaRPr lang="en-US" sz="2400" dirty="0"/>
-          </a:p>
-          <a:p>
-            <a:pPr lvl="0" rtl="0">
-              <a:spcBef>
-                <a:spcPts val="0"/>
-              </a:spcBef>
-              <a:buNone/>
-            </a:pPr>
-            <a:r>
-              <a:rPr lang="en-US" sz="2400" dirty="0" smtClean="0"/>
-              <a:t>	script, </a:t>
-            </a:r>
-            <a:r>
-              <a:rPr lang="en-US" sz="2400" dirty="0" err="1" smtClean="0"/>
-              <a:t>user_name</a:t>
-            </a:r>
-            <a:r>
-              <a:rPr lang="en-US" sz="2400" dirty="0" smtClean="0"/>
-              <a:t> = </a:t>
-            </a:r>
-            <a:r>
-              <a:rPr lang="en-US" sz="2400" dirty="0" err="1" smtClean="0"/>
-              <a:t>argv</a:t>
-            </a:r>
-            <a:endParaRPr lang="en-US" sz="2400" dirty="0" smtClean="0"/>
-          </a:p>
-          <a:p>
-            <a:pPr lvl="0" rtl="0">
-              <a:spcBef>
-                <a:spcPts val="0"/>
-              </a:spcBef>
-              <a:buNone/>
-            </a:pPr>
-            <a:endParaRPr lang="en-US" sz="2400" dirty="0"/>
-          </a:p>
-          <a:p>
-            <a:pPr lvl="0" rtl="0">
-              <a:spcBef>
-                <a:spcPts val="0"/>
-              </a:spcBef>
-              <a:buNone/>
-            </a:pPr>
-            <a:r>
-              <a:rPr lang="en-US" sz="2400" dirty="0" smtClean="0">
-                <a:ea typeface="Menlo Regular"/>
-                <a:cs typeface="Menlo Regular"/>
-              </a:rPr>
-              <a:t>	print(</a:t>
-            </a:r>
-            <a:r>
-              <a:rPr lang="en" sz="2400" dirty="0" smtClean="0">
-                <a:solidFill>
-                  <a:srgbClr val="771100"/>
-                </a:solidFill>
-                <a:latin typeface="Menlo Regular"/>
-                <a:ea typeface="Menlo Regular"/>
-                <a:cs typeface="Menlo Regular"/>
-                <a:sym typeface="Courier New"/>
-              </a:rPr>
-              <a:t>"</a:t>
-            </a:r>
-            <a:r>
-              <a:rPr lang="en" sz="2400" dirty="0" smtClean="0">
-                <a:solidFill>
-                  <a:srgbClr val="DD2200"/>
-                </a:solidFill>
-                <a:latin typeface="Menlo Regular"/>
-                <a:ea typeface="Menlo Regular"/>
-                <a:cs typeface="Menlo Regular"/>
-                <a:sym typeface="Courier New"/>
-              </a:rPr>
-              <a:t>Hello, %s!</a:t>
-            </a:r>
-            <a:r>
-              <a:rPr lang="en" sz="2400" dirty="0" smtClean="0">
-                <a:solidFill>
-                  <a:srgbClr val="771100"/>
-                </a:solidFill>
-                <a:latin typeface="Menlo Regular"/>
-                <a:ea typeface="Menlo Regular"/>
-                <a:cs typeface="Menlo Regular"/>
-                <a:sym typeface="Courier New"/>
-              </a:rPr>
-              <a:t>“ % user_name)</a:t>
-            </a:r>
-            <a:endParaRPr lang="en" sz="2400" dirty="0">
-              <a:solidFill>
-                <a:srgbClr val="771100"/>
-              </a:solidFill>
-              <a:latin typeface="Menlo Regular"/>
-              <a:ea typeface="Menlo Regular"/>
-              <a:cs typeface="Menlo Regular"/>
-              <a:sym typeface="Courier New"/>
-            </a:endParaRPr>
-          </a:p>
-          <a:p>
-            <a:pPr lvl="0" rtl="0">
-              <a:spcBef>
-                <a:spcPts val="0"/>
-              </a:spcBef>
-              <a:buNone/>
-            </a:pPr>
-            <a:endParaRPr dirty="0"/>
-          </a:p>
-          <a:p>
-            <a:pPr lvl="0" rtl="0">
-              <a:spcBef>
-                <a:spcPts val="0"/>
-              </a:spcBef>
-              <a:buNone/>
-            </a:pPr>
-            <a:r>
-              <a:rPr lang="en" dirty="0"/>
-              <a:t>Now run it with the following</a:t>
-            </a:r>
-          </a:p>
-          <a:p>
-            <a:pPr lvl="0" rtl="0">
-              <a:spcBef>
-                <a:spcPts val="0"/>
-              </a:spcBef>
-              <a:buNone/>
-            </a:pPr>
-            <a:endParaRPr dirty="0"/>
-          </a:p>
-          <a:p>
-            <a:pPr lvl="0" rtl="0">
-              <a:spcBef>
-                <a:spcPts val="0"/>
-              </a:spcBef>
-              <a:buNone/>
-            </a:pPr>
-            <a:r>
-              <a:rPr lang="en" dirty="0">
-                <a:solidFill>
-                  <a:schemeClr val="tx1"/>
-                </a:solidFill>
-                <a:latin typeface="Menlo Regular"/>
-                <a:ea typeface="Menlo Regular"/>
-                <a:cs typeface="Menlo Regular"/>
-                <a:sym typeface="Courier New"/>
-              </a:rPr>
-              <a:t>$ </a:t>
-            </a:r>
-            <a:r>
-              <a:rPr lang="en" dirty="0" smtClean="0">
-                <a:solidFill>
-                  <a:schemeClr val="tx1"/>
-                </a:solidFill>
-                <a:latin typeface="Menlo Regular"/>
-                <a:ea typeface="Menlo Regular"/>
-                <a:cs typeface="Menlo Regular"/>
-                <a:sym typeface="Courier New"/>
-              </a:rPr>
-              <a:t>python hello.py </a:t>
-            </a:r>
-            <a:r>
-              <a:rPr lang="en-US" dirty="0" smtClean="0">
-                <a:solidFill>
-                  <a:schemeClr val="tx1"/>
-                </a:solidFill>
-                <a:latin typeface="Menlo Regular"/>
-                <a:ea typeface="Menlo Regular"/>
-                <a:cs typeface="Menlo Regular"/>
-                <a:sym typeface="Courier New"/>
-              </a:rPr>
-              <a:t>Ethan</a:t>
-            </a:r>
-            <a:endParaRPr lang="en" dirty="0">
-              <a:solidFill>
-                <a:schemeClr val="tx1"/>
-              </a:solidFill>
-              <a:latin typeface="Menlo Regular"/>
-              <a:ea typeface="Menlo Regular"/>
-              <a:cs typeface="Menlo Regular"/>
-              <a:sym typeface="Courier New"/>
-            </a:endParaRPr>
-          </a:p>
-          <a:p>
-            <a:pPr>
-              <a:spcBef>
-                <a:spcPts val="0"/>
-              </a:spcBef>
-              <a:buNone/>
-            </a:pPr>
-            <a:r>
-              <a:rPr lang="en" dirty="0">
-                <a:solidFill>
-                  <a:schemeClr val="tx1"/>
-                </a:solidFill>
-                <a:latin typeface="Menlo Regular"/>
-                <a:ea typeface="Menlo Regular"/>
-                <a:cs typeface="Menlo Regular"/>
-                <a:sym typeface="Courier New"/>
-              </a:rPr>
-              <a:t>Hello, </a:t>
-            </a:r>
-            <a:r>
-              <a:rPr lang="en-US" dirty="0" smtClean="0">
-                <a:solidFill>
-                  <a:schemeClr val="tx1"/>
-                </a:solidFill>
-                <a:latin typeface="Menlo Regular"/>
-                <a:ea typeface="Menlo Regular"/>
-                <a:cs typeface="Menlo Regular"/>
-                <a:sym typeface="Courier New"/>
-              </a:rPr>
-              <a:t>Ethan</a:t>
-            </a:r>
-            <a:r>
-              <a:rPr lang="en" dirty="0" smtClean="0">
-                <a:solidFill>
-                  <a:schemeClr val="tx1"/>
-                </a:solidFill>
-                <a:latin typeface="Menlo Regular"/>
-                <a:ea typeface="Menlo Regular"/>
-                <a:cs typeface="Menlo Regular"/>
-                <a:sym typeface="Courier New"/>
-              </a:rPr>
-              <a:t>!</a:t>
-            </a:r>
-            <a:r>
-              <a:rPr lang="en" dirty="0" smtClean="0">
-                <a:solidFill>
-                  <a:schemeClr val="tx1"/>
-                </a:solidFill>
-              </a:rPr>
-              <a:t> </a:t>
-            </a:r>
-            <a:endParaRPr lang="en" dirty="0">
-              <a:solidFill>
-                <a:schemeClr val="tx1"/>
-              </a:solidFill>
-            </a:endParaRPr>
-          </a:p>
-        </p:txBody>
-      </p:sp>
-    </p:spTree>
-  </p:cSld>
-  <p:clrMapOvr>
-    <a:masterClrMapping/>
-  </p:clrMapOvr>
-  <p:transition xmlns:p14="http://schemas.microsoft.com/office/powerpoint/2010/main" spd="slow">
-    <p:cut/>
-  </p:transition>
-  <p:timing>
-    <p:tnLst>
-      <p:par>
-        <p:cTn xmlns:p14="http://schemas.microsoft.com/office/powerpoint/2010/main" id="1" dur="indefinite" restart="never" nodeType="tmRoot"/>
-      </p:par>
-    </p:tnLst>
-  </p:timing>
-</p:sld>
-</file>
-
-<file path=ppt/slides/slide31.xml><?xml version="1.0" encoding="utf-8"?>
-<p:sld xmlns:a="http://schemas.openxmlformats.org/drawingml/2006/main" xmlns:r="http://schemas.openxmlformats.org/officeDocument/2006/relationships" xmlns:p="http://schemas.openxmlformats.org/presentationml/2006/main">
-  <p:cSld>
-    <p:spTree>
-      <p:nvGrpSpPr>
         <p:cNvPr id="1" name="Shape 200"/>
         <p:cNvGrpSpPr/>
         <p:nvPr/>
@@ -22538,6 +21937,293 @@
               <a:buNone/>
             </a:pPr>
             <a:endParaRPr sz="2200" dirty="0"/>
+          </a:p>
+        </p:txBody>
+      </p:sp>
+    </p:spTree>
+  </p:cSld>
+  <p:clrMapOvr>
+    <a:masterClrMapping/>
+  </p:clrMapOvr>
+  <p:transition xmlns:p14="http://schemas.microsoft.com/office/powerpoint/2010/main" spd="slow">
+    <p:cut/>
+  </p:transition>
+  <p:timing>
+    <p:tnLst>
+      <p:par>
+        <p:cTn xmlns:p14="http://schemas.microsoft.com/office/powerpoint/2010/main" id="1" dur="indefinite" restart="never" nodeType="tmRoot"/>
+      </p:par>
+    </p:tnLst>
+  </p:timing>
+</p:sld>
+</file>
+
+<file path=ppt/slides/slide31.xml><?xml version="1.0" encoding="utf-8"?>
+<p:sld xmlns:a="http://schemas.openxmlformats.org/drawingml/2006/main" xmlns:r="http://schemas.openxmlformats.org/officeDocument/2006/relationships" xmlns:p="http://schemas.openxmlformats.org/presentationml/2006/main">
+  <p:cSld>
+    <p:spTree>
+      <p:nvGrpSpPr>
+        <p:cNvPr id="1" name="Shape 206"/>
+        <p:cNvGrpSpPr/>
+        <p:nvPr/>
+      </p:nvGrpSpPr>
+      <p:grpSpPr>
+        <a:xfrm>
+          <a:off x="0" y="0"/>
+          <a:ext cx="0" cy="0"/>
+          <a:chOff x="0" y="0"/>
+          <a:chExt cx="0" cy="0"/>
+        </a:xfrm>
+      </p:grpSpPr>
+      <p:sp>
+        <p:nvSpPr>
+          <p:cNvPr id="207" name="Shape 207"/>
+          <p:cNvSpPr txBox="1">
+            <a:spLocks noGrp="1"/>
+          </p:cNvSpPr>
+          <p:nvPr>
+            <p:ph type="title"/>
+          </p:nvPr>
+        </p:nvSpPr>
+        <p:spPr>
+          <a:xfrm>
+            <a:off x="457200" y="274636"/>
+            <a:ext cx="8229600" cy="1325563"/>
+          </a:xfrm>
+          <a:prstGeom prst="rect">
+            <a:avLst/>
+          </a:prstGeom>
+        </p:spPr>
+        <p:txBody>
+          <a:bodyPr lIns="91425" tIns="91425" rIns="91425" bIns="91425" anchor="b" anchorCtr="0">
+            <a:noAutofit/>
+          </a:bodyPr>
+          <a:lstStyle/>
+          <a:p>
+            <a:pPr>
+              <a:spcBef>
+                <a:spcPts val="0"/>
+              </a:spcBef>
+              <a:buNone/>
+            </a:pPr>
+            <a:r>
+              <a:rPr lang="en-US" sz="9600" dirty="0" smtClean="0">
+                <a:solidFill>
+                  <a:srgbClr val="FF0000"/>
+                </a:solidFill>
+                <a:latin typeface="Yanone Kaffeesatz Bold"/>
+                <a:cs typeface="Yanone Kaffeesatz Bold"/>
+                <a:sym typeface="Ubuntu"/>
+              </a:rPr>
+              <a:t>Packages</a:t>
+            </a:r>
+            <a:endParaRPr lang="en" sz="9600" dirty="0">
+              <a:solidFill>
+                <a:srgbClr val="FF0000"/>
+              </a:solidFill>
+              <a:latin typeface="Yanone Kaffeesatz Bold"/>
+              <a:cs typeface="Yanone Kaffeesatz Bold"/>
+              <a:sym typeface="Ubuntu"/>
+            </a:endParaRPr>
+          </a:p>
+        </p:txBody>
+      </p:sp>
+      <p:sp>
+        <p:nvSpPr>
+          <p:cNvPr id="208" name="Shape 208"/>
+          <p:cNvSpPr txBox="1">
+            <a:spLocks noGrp="1"/>
+          </p:cNvSpPr>
+          <p:nvPr>
+            <p:ph type="body" idx="1"/>
+          </p:nvPr>
+        </p:nvSpPr>
+        <p:spPr>
+          <a:xfrm>
+            <a:off x="457200" y="1600200"/>
+            <a:ext cx="8229600" cy="4967700"/>
+          </a:xfrm>
+          <a:prstGeom prst="rect">
+            <a:avLst/>
+          </a:prstGeom>
+        </p:spPr>
+        <p:txBody>
+          <a:bodyPr lIns="91425" tIns="91425" rIns="91425" bIns="91425" anchor="t" anchorCtr="0">
+            <a:noAutofit/>
+          </a:bodyPr>
+          <a:lstStyle/>
+          <a:p>
+            <a:pPr lvl="0" rtl="0">
+              <a:spcBef>
+                <a:spcPts val="0"/>
+              </a:spcBef>
+              <a:buNone/>
+            </a:pPr>
+            <a:r>
+              <a:rPr lang="en" dirty="0"/>
+              <a:t>Useful behavior beyond the "basics"</a:t>
+            </a:r>
+          </a:p>
+          <a:p>
+            <a:pPr lvl="0" rtl="0">
+              <a:spcBef>
+                <a:spcPts val="0"/>
+              </a:spcBef>
+              <a:buNone/>
+            </a:pPr>
+            <a:endParaRPr dirty="0"/>
+          </a:p>
+          <a:p>
+            <a:pPr marL="457200" lvl="0" indent="-419100" rtl="0">
+              <a:spcBef>
+                <a:spcPts val="0"/>
+              </a:spcBef>
+              <a:buClr>
+                <a:schemeClr val="dk1"/>
+              </a:buClr>
+              <a:buSzPct val="100000"/>
+              <a:buFont typeface="Arial"/>
+              <a:buChar char="●"/>
+            </a:pPr>
+            <a:r>
+              <a:rPr lang="en-US" dirty="0"/>
+              <a:t>Python </a:t>
+            </a:r>
+            <a:r>
+              <a:rPr lang="en" dirty="0"/>
+              <a:t>Standard Library</a:t>
+            </a:r>
+          </a:p>
+          <a:p>
+            <a:pPr marL="914400" lvl="1" indent="-381000" rtl="0">
+              <a:spcBef>
+                <a:spcPts val="0"/>
+              </a:spcBef>
+              <a:buClr>
+                <a:schemeClr val="dk1"/>
+              </a:buClr>
+              <a:buSzPct val="80000"/>
+              <a:buFont typeface="Courier New"/>
+              <a:buChar char="o"/>
+            </a:pPr>
+            <a:r>
+              <a:rPr lang="en-US" dirty="0">
+                <a:latin typeface="Open Sans"/>
+                <a:ea typeface="Open Sans"/>
+                <a:cs typeface="Open Sans"/>
+              </a:rPr>
+              <a:t>Math functions</a:t>
+            </a:r>
+            <a:endParaRPr lang="en" dirty="0">
+              <a:latin typeface="Open Sans"/>
+              <a:ea typeface="Open Sans"/>
+              <a:cs typeface="Open Sans"/>
+            </a:endParaRPr>
+          </a:p>
+          <a:p>
+            <a:pPr marL="914400" lvl="1" indent="-381000" rtl="0">
+              <a:spcBef>
+                <a:spcPts val="0"/>
+              </a:spcBef>
+              <a:buClr>
+                <a:schemeClr val="dk1"/>
+              </a:buClr>
+              <a:buSzPct val="80000"/>
+              <a:buFont typeface="Courier New"/>
+              <a:buChar char="o"/>
+            </a:pPr>
+            <a:r>
+              <a:rPr lang="en-US" dirty="0">
+                <a:latin typeface="Open Sans"/>
+                <a:ea typeface="Open Sans"/>
+                <a:cs typeface="Open Sans"/>
+              </a:rPr>
+              <a:t>Everything we've done so far</a:t>
+            </a:r>
+            <a:endParaRPr lang="en" dirty="0">
+              <a:latin typeface="Open Sans"/>
+              <a:ea typeface="Open Sans"/>
+              <a:cs typeface="Open Sans"/>
+            </a:endParaRPr>
+          </a:p>
+          <a:p>
+            <a:pPr marL="457200" lvl="0" indent="-419100" rtl="0">
+              <a:spcBef>
+                <a:spcPts val="0"/>
+              </a:spcBef>
+              <a:buClr>
+                <a:schemeClr val="dk1"/>
+              </a:buClr>
+              <a:buSzPct val="100000"/>
+              <a:buFont typeface="Arial"/>
+              <a:buChar char="●"/>
+            </a:pPr>
+            <a:r>
+              <a:rPr lang="en-US" dirty="0"/>
+              <a:t>Python packages</a:t>
+            </a:r>
+            <a:endParaRPr lang="en" dirty="0"/>
+          </a:p>
+          <a:p>
+            <a:pPr marL="914400" lvl="1" indent="-381000" rtl="0">
+              <a:spcBef>
+                <a:spcPts val="0"/>
+              </a:spcBef>
+              <a:buClr>
+                <a:schemeClr val="dk1"/>
+              </a:buClr>
+              <a:buSzPct val="80000"/>
+              <a:buFont typeface="Courier New"/>
+              <a:buChar char="o"/>
+            </a:pPr>
+            <a:r>
+              <a:rPr lang="en" dirty="0">
+                <a:latin typeface="Open Sans"/>
+                <a:ea typeface="Open Sans"/>
+                <a:cs typeface="Open Sans"/>
+              </a:rPr>
+              <a:t>Just about everything else</a:t>
+            </a:r>
+            <a:endParaRPr lang="en-US" dirty="0">
+              <a:latin typeface="Open Sans"/>
+              <a:ea typeface="Open Sans"/>
+              <a:cs typeface="Open Sans"/>
+            </a:endParaRPr>
+          </a:p>
+          <a:p>
+            <a:pPr marL="914400" lvl="1" indent="-381000" rtl="0">
+              <a:spcBef>
+                <a:spcPts val="0"/>
+              </a:spcBef>
+              <a:buClr>
+                <a:schemeClr val="dk1"/>
+              </a:buClr>
+              <a:buSzPct val="80000"/>
+              <a:buFont typeface="Courier New"/>
+              <a:buChar char="o"/>
+            </a:pPr>
+            <a:r>
+              <a:rPr lang="en-US" dirty="0">
+                <a:latin typeface="Open Sans"/>
+                <a:ea typeface="Open Sans"/>
+                <a:cs typeface="Open Sans"/>
+              </a:rPr>
+              <a:t>Anythin you might not need to use everytime</a:t>
+            </a:r>
+            <a:endParaRPr lang="en" dirty="0">
+              <a:latin typeface="Open Sans"/>
+              <a:ea typeface="Open Sans"/>
+              <a:cs typeface="Open Sans"/>
+            </a:endParaRPr>
+          </a:p>
+          <a:p>
+            <a:pPr>
+              <a:spcBef>
+                <a:spcPts val="0"/>
+              </a:spcBef>
+              <a:buNone/>
+            </a:pPr>
+            <a:endParaRPr dirty="0"/>
           </a:p>
         </p:txBody>
       </p:sp>
@@ -22608,7 +22294,7 @@
               <a:buNone/>
             </a:pPr>
             <a:r>
-              <a:rPr lang="en-US" sz="9600" dirty="0" smtClean="0">
+              <a:rPr lang="en-US" sz="5500" dirty="0" smtClean="0">
                 <a:solidFill>
                   <a:srgbClr val="FF0000"/>
                 </a:solidFill>
@@ -22616,9 +22302,9 @@
                 <a:cs typeface="Yanone Kaffeesatz Bold"/>
                 <a:sym typeface="Ubuntu"/>
               </a:rPr>
-              <a:t>Packages</a:t>
-            </a:r>
-            <a:endParaRPr lang="en" sz="9600" dirty="0">
+              <a:t>Installing Packages</a:t>
+            </a:r>
+            <a:endParaRPr lang="en" sz="5500" dirty="0">
               <a:solidFill>
                 <a:srgbClr val="FF0000"/>
               </a:solidFill>
@@ -22661,293 +22347,6 @@
               <a:buNone/>
             </a:pPr>
             <a:r>
-              <a:rPr lang="en" dirty="0"/>
-              <a:t>Useful behavior beyond the "basics"</a:t>
-            </a:r>
-          </a:p>
-          <a:p>
-            <a:pPr lvl="0" rtl="0">
-              <a:spcBef>
-                <a:spcPts val="0"/>
-              </a:spcBef>
-              <a:buNone/>
-            </a:pPr>
-            <a:endParaRPr dirty="0"/>
-          </a:p>
-          <a:p>
-            <a:pPr marL="457200" lvl="0" indent="-419100" rtl="0">
-              <a:spcBef>
-                <a:spcPts val="0"/>
-              </a:spcBef>
-              <a:buClr>
-                <a:schemeClr val="dk1"/>
-              </a:buClr>
-              <a:buSzPct val="100000"/>
-              <a:buFont typeface="Arial"/>
-              <a:buChar char="●"/>
-            </a:pPr>
-            <a:r>
-              <a:rPr lang="en-US" dirty="0"/>
-              <a:t>Python </a:t>
-            </a:r>
-            <a:r>
-              <a:rPr lang="en" dirty="0"/>
-              <a:t>Standard Library</a:t>
-            </a:r>
-          </a:p>
-          <a:p>
-            <a:pPr marL="914400" lvl="1" indent="-381000" rtl="0">
-              <a:spcBef>
-                <a:spcPts val="0"/>
-              </a:spcBef>
-              <a:buClr>
-                <a:schemeClr val="dk1"/>
-              </a:buClr>
-              <a:buSzPct val="80000"/>
-              <a:buFont typeface="Courier New"/>
-              <a:buChar char="o"/>
-            </a:pPr>
-            <a:r>
-              <a:rPr lang="en-US" dirty="0">
-                <a:latin typeface="Open Sans"/>
-                <a:ea typeface="Open Sans"/>
-                <a:cs typeface="Open Sans"/>
-              </a:rPr>
-              <a:t>Math functions</a:t>
-            </a:r>
-            <a:endParaRPr lang="en" dirty="0">
-              <a:latin typeface="Open Sans"/>
-              <a:ea typeface="Open Sans"/>
-              <a:cs typeface="Open Sans"/>
-            </a:endParaRPr>
-          </a:p>
-          <a:p>
-            <a:pPr marL="914400" lvl="1" indent="-381000" rtl="0">
-              <a:spcBef>
-                <a:spcPts val="0"/>
-              </a:spcBef>
-              <a:buClr>
-                <a:schemeClr val="dk1"/>
-              </a:buClr>
-              <a:buSzPct val="80000"/>
-              <a:buFont typeface="Courier New"/>
-              <a:buChar char="o"/>
-            </a:pPr>
-            <a:r>
-              <a:rPr lang="en-US" dirty="0">
-                <a:latin typeface="Open Sans"/>
-                <a:ea typeface="Open Sans"/>
-                <a:cs typeface="Open Sans"/>
-              </a:rPr>
-              <a:t>Everything we've done so far</a:t>
-            </a:r>
-            <a:endParaRPr lang="en" dirty="0">
-              <a:latin typeface="Open Sans"/>
-              <a:ea typeface="Open Sans"/>
-              <a:cs typeface="Open Sans"/>
-            </a:endParaRPr>
-          </a:p>
-          <a:p>
-            <a:pPr marL="457200" lvl="0" indent="-419100" rtl="0">
-              <a:spcBef>
-                <a:spcPts val="0"/>
-              </a:spcBef>
-              <a:buClr>
-                <a:schemeClr val="dk1"/>
-              </a:buClr>
-              <a:buSzPct val="100000"/>
-              <a:buFont typeface="Arial"/>
-              <a:buChar char="●"/>
-            </a:pPr>
-            <a:r>
-              <a:rPr lang="en-US" dirty="0"/>
-              <a:t>Python packages</a:t>
-            </a:r>
-            <a:endParaRPr lang="en" dirty="0"/>
-          </a:p>
-          <a:p>
-            <a:pPr marL="914400" lvl="1" indent="-381000" rtl="0">
-              <a:spcBef>
-                <a:spcPts val="0"/>
-              </a:spcBef>
-              <a:buClr>
-                <a:schemeClr val="dk1"/>
-              </a:buClr>
-              <a:buSzPct val="80000"/>
-              <a:buFont typeface="Courier New"/>
-              <a:buChar char="o"/>
-            </a:pPr>
-            <a:r>
-              <a:rPr lang="en" dirty="0">
-                <a:latin typeface="Open Sans"/>
-                <a:ea typeface="Open Sans"/>
-                <a:cs typeface="Open Sans"/>
-              </a:rPr>
-              <a:t>Just about everything else</a:t>
-            </a:r>
-            <a:endParaRPr lang="en-US" dirty="0">
-              <a:latin typeface="Open Sans"/>
-              <a:ea typeface="Open Sans"/>
-              <a:cs typeface="Open Sans"/>
-            </a:endParaRPr>
-          </a:p>
-          <a:p>
-            <a:pPr marL="914400" lvl="1" indent="-381000" rtl="0">
-              <a:spcBef>
-                <a:spcPts val="0"/>
-              </a:spcBef>
-              <a:buClr>
-                <a:schemeClr val="dk1"/>
-              </a:buClr>
-              <a:buSzPct val="80000"/>
-              <a:buFont typeface="Courier New"/>
-              <a:buChar char="o"/>
-            </a:pPr>
-            <a:r>
-              <a:rPr lang="en-US" dirty="0">
-                <a:latin typeface="Open Sans"/>
-                <a:ea typeface="Open Sans"/>
-                <a:cs typeface="Open Sans"/>
-              </a:rPr>
-              <a:t>Anythin you might not need to use everytime</a:t>
-            </a:r>
-            <a:endParaRPr lang="en" dirty="0">
-              <a:latin typeface="Open Sans"/>
-              <a:ea typeface="Open Sans"/>
-              <a:cs typeface="Open Sans"/>
-            </a:endParaRPr>
-          </a:p>
-          <a:p>
-            <a:pPr>
-              <a:spcBef>
-                <a:spcPts val="0"/>
-              </a:spcBef>
-              <a:buNone/>
-            </a:pPr>
-            <a:endParaRPr dirty="0"/>
-          </a:p>
-        </p:txBody>
-      </p:sp>
-    </p:spTree>
-  </p:cSld>
-  <p:clrMapOvr>
-    <a:masterClrMapping/>
-  </p:clrMapOvr>
-  <p:transition xmlns:p14="http://schemas.microsoft.com/office/powerpoint/2010/main" spd="slow">
-    <p:cut/>
-  </p:transition>
-  <p:timing>
-    <p:tnLst>
-      <p:par>
-        <p:cTn xmlns:p14="http://schemas.microsoft.com/office/powerpoint/2010/main" id="1" dur="indefinite" restart="never" nodeType="tmRoot"/>
-      </p:par>
-    </p:tnLst>
-  </p:timing>
-</p:sld>
-</file>
-
-<file path=ppt/slides/slide33.xml><?xml version="1.0" encoding="utf-8"?>
-<p:sld xmlns:a="http://schemas.openxmlformats.org/drawingml/2006/main" xmlns:r="http://schemas.openxmlformats.org/officeDocument/2006/relationships" xmlns:p="http://schemas.openxmlformats.org/presentationml/2006/main">
-  <p:cSld>
-    <p:spTree>
-      <p:nvGrpSpPr>
-        <p:cNvPr id="1" name="Shape 206"/>
-        <p:cNvGrpSpPr/>
-        <p:nvPr/>
-      </p:nvGrpSpPr>
-      <p:grpSpPr>
-        <a:xfrm>
-          <a:off x="0" y="0"/>
-          <a:ext cx="0" cy="0"/>
-          <a:chOff x="0" y="0"/>
-          <a:chExt cx="0" cy="0"/>
-        </a:xfrm>
-      </p:grpSpPr>
-      <p:sp>
-        <p:nvSpPr>
-          <p:cNvPr id="207" name="Shape 207"/>
-          <p:cNvSpPr txBox="1">
-            <a:spLocks noGrp="1"/>
-          </p:cNvSpPr>
-          <p:nvPr>
-            <p:ph type="title"/>
-          </p:nvPr>
-        </p:nvSpPr>
-        <p:spPr>
-          <a:xfrm>
-            <a:off x="457200" y="274636"/>
-            <a:ext cx="8229600" cy="1325563"/>
-          </a:xfrm>
-          <a:prstGeom prst="rect">
-            <a:avLst/>
-          </a:prstGeom>
-        </p:spPr>
-        <p:txBody>
-          <a:bodyPr lIns="91425" tIns="91425" rIns="91425" bIns="91425" anchor="b" anchorCtr="0">
-            <a:noAutofit/>
-          </a:bodyPr>
-          <a:lstStyle/>
-          <a:p>
-            <a:pPr>
-              <a:spcBef>
-                <a:spcPts val="0"/>
-              </a:spcBef>
-              <a:buNone/>
-            </a:pPr>
-            <a:r>
-              <a:rPr lang="en-US" sz="5500" dirty="0" smtClean="0">
-                <a:solidFill>
-                  <a:srgbClr val="FF0000"/>
-                </a:solidFill>
-                <a:latin typeface="Yanone Kaffeesatz Bold"/>
-                <a:cs typeface="Yanone Kaffeesatz Bold"/>
-                <a:sym typeface="Ubuntu"/>
-              </a:rPr>
-              <a:t>Installing Packages</a:t>
-            </a:r>
-            <a:endParaRPr lang="en" sz="5500" dirty="0">
-              <a:solidFill>
-                <a:srgbClr val="FF0000"/>
-              </a:solidFill>
-              <a:latin typeface="Yanone Kaffeesatz Bold"/>
-              <a:cs typeface="Yanone Kaffeesatz Bold"/>
-              <a:sym typeface="Ubuntu"/>
-            </a:endParaRPr>
-          </a:p>
-        </p:txBody>
-      </p:sp>
-      <p:sp>
-        <p:nvSpPr>
-          <p:cNvPr id="208" name="Shape 208"/>
-          <p:cNvSpPr txBox="1">
-            <a:spLocks noGrp="1"/>
-          </p:cNvSpPr>
-          <p:nvPr>
-            <p:ph type="body" idx="1"/>
-          </p:nvPr>
-        </p:nvSpPr>
-        <p:spPr>
-          <a:xfrm>
-            <a:off x="457200" y="1600200"/>
-            <a:ext cx="8229600" cy="4967700"/>
-          </a:xfrm>
-          <a:prstGeom prst="rect">
-            <a:avLst/>
-          </a:prstGeom>
-        </p:spPr>
-        <p:txBody>
-          <a:bodyPr lIns="91425" tIns="91425" rIns="91425" bIns="91425" anchor="t" anchorCtr="0">
-            <a:noAutofit/>
-          </a:bodyPr>
-          <a:lstStyle/>
-          <a:p>
-            <a:pPr lvl="0" rtl="0">
-              <a:spcBef>
-                <a:spcPts val="0"/>
-              </a:spcBef>
-              <a:buNone/>
-            </a:pPr>
-            <a:r>
               <a:rPr lang="en-US" sz="2000" dirty="0" smtClean="0"/>
               <a:t>How do you get them on your computer?</a:t>
             </a:r>
@@ -23157,7 +22556,7 @@
 </p:sld>
 </file>
 
-<file path=ppt/slides/slide34.xml><?xml version="1.0" encoding="utf-8"?>
+<file path=ppt/slides/slide33.xml><?xml version="1.0" encoding="utf-8"?>
 <p:sld xmlns:a="http://schemas.openxmlformats.org/drawingml/2006/main" xmlns:r="http://schemas.openxmlformats.org/officeDocument/2006/relationships" xmlns:p="http://schemas.openxmlformats.org/presentationml/2006/main">
   <p:cSld>
     <p:spTree>
@@ -23553,19 +22952,7 @@
                 <a:cs typeface="Menlo Regular"/>
                 <a:sym typeface="Courier New"/>
               </a:rPr>
-              <a:t>y</a:t>
-            </a:r>
-            <a:r>
-              <a:rPr lang="en" sz="2400" dirty="0" smtClean="0">
-                <a:solidFill>
-                  <a:srgbClr val="000000"/>
-                </a:solidFill>
-                <a:latin typeface="Menlo Regular"/>
-                <a:ea typeface="Menlo Regular"/>
-                <a:cs typeface="Menlo Regular"/>
-                <a:sym typeface="Courier New"/>
-              </a:rPr>
-              <a:t>)</a:t>
+              <a:t>y)</a:t>
             </a:r>
             <a:endParaRPr lang="en-US" sz="2400" dirty="0" smtClean="0">
               <a:solidFill>
@@ -23663,7 +23050,7 @@
 </p:sld>
 </file>
 
-<file path=ppt/slides/slide35.xml><?xml version="1.0" encoding="utf-8"?>
+<file path=ppt/slides/slide34.xml><?xml version="1.0" encoding="utf-8"?>
 <p:sld xmlns:a="http://schemas.openxmlformats.org/drawingml/2006/main" xmlns:r="http://schemas.openxmlformats.org/officeDocument/2006/relationships" xmlns:p="http://schemas.openxmlformats.org/presentationml/2006/main">
   <p:cSld>
     <p:spTree>
@@ -23969,7 +23356,7 @@
 </p:sld>
 </file>
 
-<file path=ppt/slides/slide36.xml><?xml version="1.0" encoding="utf-8"?>
+<file path=ppt/slides/slide35.xml><?xml version="1.0" encoding="utf-8"?>
 <p:sld xmlns:a="http://schemas.openxmlformats.org/drawingml/2006/main" xmlns:r="http://schemas.openxmlformats.org/officeDocument/2006/relationships" xmlns:p="http://schemas.openxmlformats.org/presentationml/2006/main">
   <p:cSld>
     <p:spTree>
@@ -24654,7 +24041,7 @@
 </p:sld>
 </file>
 
-<file path=ppt/slides/slide37.xml><?xml version="1.0" encoding="utf-8"?>
+<file path=ppt/slides/slide36.xml><?xml version="1.0" encoding="utf-8"?>
 <p:sld xmlns:a="http://schemas.openxmlformats.org/drawingml/2006/main" xmlns:r="http://schemas.openxmlformats.org/officeDocument/2006/relationships" xmlns:p="http://schemas.openxmlformats.org/presentationml/2006/main">
   <p:cSld>
     <p:spTree>
@@ -24874,7 +24261,7 @@
 </p:sld>
 </file>
 
-<file path=ppt/slides/slide38.xml><?xml version="1.0" encoding="utf-8"?>
+<file path=ppt/slides/slide37.xml><?xml version="1.0" encoding="utf-8"?>
 <p:sld xmlns:a="http://schemas.openxmlformats.org/drawingml/2006/main" xmlns:r="http://schemas.openxmlformats.org/officeDocument/2006/relationships" xmlns:p="http://schemas.openxmlformats.org/presentationml/2006/main">
   <p:cSld>
     <p:spTree>
@@ -25608,7 +24995,7 @@
 </p:sld>
 </file>
 
-<file path=ppt/slides/slide39.xml><?xml version="1.0" encoding="utf-8"?>
+<file path=ppt/slides/slide38.xml><?xml version="1.0" encoding="utf-8"?>
 <p:sld xmlns:a="http://schemas.openxmlformats.org/drawingml/2006/main" xmlns:r="http://schemas.openxmlformats.org/officeDocument/2006/relationships" xmlns:p="http://schemas.openxmlformats.org/presentationml/2006/main">
   <p:cSld>
     <p:spTree>
@@ -26353,6 +25740,357 @@
               <a:t>reeting(3000)</a:t>
             </a:r>
             <a:endParaRPr lang="en" sz="2200" dirty="0"/>
+          </a:p>
+        </p:txBody>
+      </p:sp>
+    </p:spTree>
+  </p:cSld>
+  <p:clrMapOvr>
+    <a:masterClrMapping/>
+  </p:clrMapOvr>
+  <p:transition xmlns:p14="http://schemas.microsoft.com/office/powerpoint/2010/main" spd="slow">
+    <p:cut/>
+  </p:transition>
+  <p:timing>
+    <p:tnLst>
+      <p:par>
+        <p:cTn xmlns:p14="http://schemas.microsoft.com/office/powerpoint/2010/main" id="1" dur="indefinite" restart="never" nodeType="tmRoot"/>
+      </p:par>
+    </p:tnLst>
+  </p:timing>
+</p:sld>
+</file>
+
+<file path=ppt/slides/slide39.xml><?xml version="1.0" encoding="utf-8"?>
+<p:sld xmlns:a="http://schemas.openxmlformats.org/drawingml/2006/main" xmlns:r="http://schemas.openxmlformats.org/officeDocument/2006/relationships" xmlns:p="http://schemas.openxmlformats.org/presentationml/2006/main">
+  <p:cSld>
+    <p:spTree>
+      <p:nvGrpSpPr>
+        <p:cNvPr id="1" name="Shape 248"/>
+        <p:cNvGrpSpPr/>
+        <p:nvPr/>
+      </p:nvGrpSpPr>
+      <p:grpSpPr>
+        <a:xfrm>
+          <a:off x="0" y="0"/>
+          <a:ext cx="0" cy="0"/>
+          <a:chOff x="0" y="0"/>
+          <a:chExt cx="0" cy="0"/>
+        </a:xfrm>
+      </p:grpSpPr>
+      <p:sp>
+        <p:nvSpPr>
+          <p:cNvPr id="249" name="Shape 249"/>
+          <p:cNvSpPr txBox="1">
+            <a:spLocks noGrp="1"/>
+          </p:cNvSpPr>
+          <p:nvPr>
+            <p:ph type="title"/>
+          </p:nvPr>
+        </p:nvSpPr>
+        <p:spPr>
+          <a:xfrm>
+            <a:off x="457200" y="274636"/>
+            <a:ext cx="8229600" cy="1325563"/>
+          </a:xfrm>
+          <a:prstGeom prst="rect">
+            <a:avLst/>
+          </a:prstGeom>
+        </p:spPr>
+        <p:txBody>
+          <a:bodyPr lIns="91425" tIns="91425" rIns="91425" bIns="91425" anchor="b" anchorCtr="0">
+            <a:noAutofit/>
+          </a:bodyPr>
+          <a:lstStyle/>
+          <a:p>
+            <a:pPr>
+              <a:spcBef>
+                <a:spcPts val="0"/>
+              </a:spcBef>
+              <a:buNone/>
+            </a:pPr>
+            <a:r>
+              <a:rPr lang="en" sz="9600" dirty="0" smtClean="0">
+                <a:solidFill>
+                  <a:srgbClr val="FF0000"/>
+                </a:solidFill>
+                <a:latin typeface="Yanone Kaffeesatz Bold"/>
+                <a:cs typeface="Yanone Kaffeesatz Bold"/>
+              </a:rPr>
+              <a:t>Exercise</a:t>
+            </a:r>
+            <a:endParaRPr lang="en" dirty="0"/>
+          </a:p>
+        </p:txBody>
+      </p:sp>
+      <p:sp>
+        <p:nvSpPr>
+          <p:cNvPr id="250" name="Shape 250"/>
+          <p:cNvSpPr txBox="1">
+            <a:spLocks noGrp="1"/>
+          </p:cNvSpPr>
+          <p:nvPr>
+            <p:ph type="body" idx="1"/>
+          </p:nvPr>
+        </p:nvSpPr>
+        <p:spPr>
+          <a:xfrm>
+            <a:off x="457200" y="1600200"/>
+            <a:ext cx="8229600" cy="4967700"/>
+          </a:xfrm>
+          <a:prstGeom prst="rect">
+            <a:avLst/>
+          </a:prstGeom>
+        </p:spPr>
+        <p:txBody>
+          <a:bodyPr lIns="91425" tIns="91425" rIns="91425" bIns="91425" anchor="t" anchorCtr="0">
+            <a:noAutofit/>
+          </a:bodyPr>
+          <a:lstStyle/>
+          <a:p>
+            <a:pPr lvl="0" rtl="0">
+              <a:lnSpc>
+                <a:spcPct val="115000"/>
+              </a:lnSpc>
+              <a:spcBef>
+                <a:spcPts val="0"/>
+              </a:spcBef>
+              <a:buNone/>
+            </a:pPr>
+            <a:r>
+              <a:rPr lang="en" sz="2000" dirty="0">
+                <a:solidFill>
+                  <a:srgbClr val="000000"/>
+                </a:solidFill>
+              </a:rPr>
+              <a:t>Create a collection of 19th- and 20th-century authors (or historical/political figures if that's your bag!) and their birth dates (historical accuracy doesn't matter).  An example:</a:t>
+            </a:r>
+          </a:p>
+          <a:p>
+            <a:pPr lvl="0" rtl="0">
+              <a:lnSpc>
+                <a:spcPct val="115000"/>
+              </a:lnSpc>
+              <a:spcBef>
+                <a:spcPts val="0"/>
+              </a:spcBef>
+              <a:buNone/>
+            </a:pPr>
+            <a:endParaRPr sz="2000" dirty="0">
+              <a:solidFill>
+                <a:srgbClr val="000000"/>
+              </a:solidFill>
+            </a:endParaRPr>
+          </a:p>
+          <a:p>
+            <a:pPr lvl="0" rtl="0">
+              <a:lnSpc>
+                <a:spcPct val="115000"/>
+              </a:lnSpc>
+              <a:spcBef>
+                <a:spcPts val="0"/>
+              </a:spcBef>
+              <a:buNone/>
+            </a:pPr>
+            <a:r>
+              <a:rPr lang="en" sz="2000" dirty="0">
+                <a:solidFill>
+                  <a:srgbClr val="000000"/>
+                </a:solidFill>
+                <a:latin typeface="Menlo Regular"/>
+                <a:ea typeface="Menlo Regular"/>
+                <a:cs typeface="Menlo Regular"/>
+                <a:sym typeface="Courier New"/>
+              </a:rPr>
+              <a:t>birth_dates = </a:t>
+            </a:r>
+            <a:r>
+              <a:rPr lang="en" sz="2000" dirty="0">
+                <a:solidFill>
+                  <a:srgbClr val="FF0000"/>
+                </a:solidFill>
+                <a:latin typeface="Menlo Regular"/>
+                <a:ea typeface="Menlo Regular"/>
+                <a:cs typeface="Menlo Regular"/>
+                <a:sym typeface="Courier New"/>
+              </a:rPr>
+              <a:t>{"Wallace </a:t>
+            </a:r>
+            <a:r>
+              <a:rPr lang="en" sz="2000" dirty="0" smtClean="0">
+                <a:solidFill>
+                  <a:srgbClr val="FF0000"/>
+                </a:solidFill>
+                <a:latin typeface="Menlo Regular"/>
+                <a:ea typeface="Menlo Regular"/>
+                <a:cs typeface="Menlo Regular"/>
+                <a:sym typeface="Courier New"/>
+              </a:rPr>
+              <a:t>Stevens</a:t>
+            </a:r>
+            <a:r>
+              <a:rPr lang="en-US" sz="2000" dirty="0" smtClean="0">
+                <a:solidFill>
+                  <a:srgbClr val="FF0000"/>
+                </a:solidFill>
+                <a:latin typeface="Menlo Regular"/>
+                <a:ea typeface="Menlo Regular"/>
+                <a:cs typeface="Menlo Regular"/>
+                <a:sym typeface="Courier New"/>
+              </a:rPr>
+              <a:t>"</a:t>
+            </a:r>
+            <a:r>
+              <a:rPr lang="en" sz="2000" dirty="0" smtClean="0">
+                <a:solidFill>
+                  <a:srgbClr val="FF0000"/>
+                </a:solidFill>
+                <a:latin typeface="Menlo Regular"/>
+                <a:ea typeface="Menlo Regular"/>
+                <a:cs typeface="Menlo Regular"/>
+                <a:sym typeface="Courier New"/>
+              </a:rPr>
+              <a:t>:</a:t>
+            </a:r>
+            <a:r>
+              <a:rPr lang="en" sz="2000" dirty="0" smtClean="0">
+                <a:solidFill>
+                  <a:srgbClr val="000000"/>
+                </a:solidFill>
+                <a:latin typeface="Menlo Regular"/>
+                <a:ea typeface="Menlo Regular"/>
+                <a:cs typeface="Menlo Regular"/>
+                <a:sym typeface="Courier New"/>
+              </a:rPr>
+              <a:t> </a:t>
+            </a:r>
+            <a:r>
+              <a:rPr lang="en" sz="2000" dirty="0">
+                <a:solidFill>
+                  <a:srgbClr val="11889C"/>
+                </a:solidFill>
+                <a:latin typeface="Menlo Regular"/>
+                <a:ea typeface="Menlo Regular"/>
+                <a:cs typeface="Menlo Regular"/>
+                <a:sym typeface="Courier New"/>
+              </a:rPr>
+              <a:t>1879</a:t>
+            </a:r>
+            <a:r>
+              <a:rPr lang="en" sz="2000" dirty="0">
+                <a:solidFill>
+                  <a:srgbClr val="000000"/>
+                </a:solidFill>
+                <a:latin typeface="Menlo Regular"/>
+                <a:ea typeface="Menlo Regular"/>
+                <a:cs typeface="Menlo Regular"/>
+                <a:sym typeface="Courier New"/>
+              </a:rPr>
+              <a:t>}</a:t>
+            </a:r>
+          </a:p>
+          <a:p>
+            <a:pPr lvl="0" rtl="0">
+              <a:lnSpc>
+                <a:spcPct val="115000"/>
+              </a:lnSpc>
+              <a:spcBef>
+                <a:spcPts val="0"/>
+              </a:spcBef>
+              <a:buNone/>
+            </a:pPr>
+            <a:endParaRPr sz="2000" dirty="0">
+              <a:solidFill>
+                <a:srgbClr val="000000"/>
+              </a:solidFill>
+              <a:latin typeface="Menlo Regular"/>
+              <a:ea typeface="Menlo Regular"/>
+              <a:cs typeface="Menlo Regular"/>
+              <a:sym typeface="Courier New"/>
+            </a:endParaRPr>
+          </a:p>
+          <a:p>
+            <a:pPr lvl="0" rtl="0">
+              <a:lnSpc>
+                <a:spcPct val="115000"/>
+              </a:lnSpc>
+              <a:spcBef>
+                <a:spcPts val="0"/>
+              </a:spcBef>
+              <a:buNone/>
+            </a:pPr>
+            <a:r>
+              <a:rPr lang="en" sz="2000" dirty="0">
+                <a:solidFill>
+                  <a:srgbClr val="000000"/>
+                </a:solidFill>
+              </a:rPr>
+              <a:t>Count the number of 19th-century birth dates and the number of 20th-century birth dates, then print the results like:</a:t>
+            </a:r>
+          </a:p>
+          <a:p>
+            <a:pPr lvl="0" rtl="0">
+              <a:lnSpc>
+                <a:spcPct val="115000"/>
+              </a:lnSpc>
+              <a:spcBef>
+                <a:spcPts val="0"/>
+              </a:spcBef>
+              <a:buNone/>
+            </a:pPr>
+            <a:endParaRPr sz="2000" dirty="0">
+              <a:solidFill>
+                <a:srgbClr val="000000"/>
+              </a:solidFill>
+            </a:endParaRPr>
+          </a:p>
+          <a:p>
+            <a:pPr lvl="0" rtl="0">
+              <a:lnSpc>
+                <a:spcPct val="115000"/>
+              </a:lnSpc>
+              <a:spcBef>
+                <a:spcPts val="0"/>
+              </a:spcBef>
+              <a:buNone/>
+            </a:pPr>
+            <a:r>
+              <a:rPr lang="en" sz="2000" dirty="0">
+                <a:solidFill>
+                  <a:srgbClr val="000000"/>
+                </a:solidFill>
+                <a:latin typeface="Menlo Regular"/>
+                <a:ea typeface="Menlo Regular"/>
+                <a:cs typeface="Menlo Regular"/>
+                <a:sym typeface="Courier New"/>
+              </a:rPr>
+              <a:t>There are 3 19th-c. births and 2 20th-c. births in my collection.</a:t>
+            </a:r>
+          </a:p>
+          <a:p>
+            <a:pPr lvl="0" rtl="0">
+              <a:lnSpc>
+                <a:spcPct val="115000"/>
+              </a:lnSpc>
+              <a:spcBef>
+                <a:spcPts val="0"/>
+              </a:spcBef>
+              <a:buNone/>
+            </a:pPr>
+            <a:endParaRPr sz="2000" dirty="0">
+              <a:solidFill>
+                <a:srgbClr val="000000"/>
+              </a:solidFill>
+            </a:endParaRPr>
+          </a:p>
+          <a:p>
+            <a:pPr>
+              <a:spcBef>
+                <a:spcPts val="0"/>
+              </a:spcBef>
+              <a:buNone/>
+            </a:pPr>
+            <a:endParaRPr sz="2000" dirty="0"/>
           </a:p>
         </p:txBody>
       </p:sp>
@@ -26948,357 +26686,6 @@
   <p:cSld>
     <p:spTree>
       <p:nvGrpSpPr>
-        <p:cNvPr id="1" name="Shape 248"/>
-        <p:cNvGrpSpPr/>
-        <p:nvPr/>
-      </p:nvGrpSpPr>
-      <p:grpSpPr>
-        <a:xfrm>
-          <a:off x="0" y="0"/>
-          <a:ext cx="0" cy="0"/>
-          <a:chOff x="0" y="0"/>
-          <a:chExt cx="0" cy="0"/>
-        </a:xfrm>
-      </p:grpSpPr>
-      <p:sp>
-        <p:nvSpPr>
-          <p:cNvPr id="249" name="Shape 249"/>
-          <p:cNvSpPr txBox="1">
-            <a:spLocks noGrp="1"/>
-          </p:cNvSpPr>
-          <p:nvPr>
-            <p:ph type="title"/>
-          </p:nvPr>
-        </p:nvSpPr>
-        <p:spPr>
-          <a:xfrm>
-            <a:off x="457200" y="274636"/>
-            <a:ext cx="8229600" cy="1325563"/>
-          </a:xfrm>
-          <a:prstGeom prst="rect">
-            <a:avLst/>
-          </a:prstGeom>
-        </p:spPr>
-        <p:txBody>
-          <a:bodyPr lIns="91425" tIns="91425" rIns="91425" bIns="91425" anchor="b" anchorCtr="0">
-            <a:noAutofit/>
-          </a:bodyPr>
-          <a:lstStyle/>
-          <a:p>
-            <a:pPr>
-              <a:spcBef>
-                <a:spcPts val="0"/>
-              </a:spcBef>
-              <a:buNone/>
-            </a:pPr>
-            <a:r>
-              <a:rPr lang="en" sz="9600" dirty="0" smtClean="0">
-                <a:solidFill>
-                  <a:srgbClr val="FF0000"/>
-                </a:solidFill>
-                <a:latin typeface="Yanone Kaffeesatz Bold"/>
-                <a:cs typeface="Yanone Kaffeesatz Bold"/>
-              </a:rPr>
-              <a:t>Exercise</a:t>
-            </a:r>
-            <a:endParaRPr lang="en" dirty="0"/>
-          </a:p>
-        </p:txBody>
-      </p:sp>
-      <p:sp>
-        <p:nvSpPr>
-          <p:cNvPr id="250" name="Shape 250"/>
-          <p:cNvSpPr txBox="1">
-            <a:spLocks noGrp="1"/>
-          </p:cNvSpPr>
-          <p:nvPr>
-            <p:ph type="body" idx="1"/>
-          </p:nvPr>
-        </p:nvSpPr>
-        <p:spPr>
-          <a:xfrm>
-            <a:off x="457200" y="1600200"/>
-            <a:ext cx="8229600" cy="4967700"/>
-          </a:xfrm>
-          <a:prstGeom prst="rect">
-            <a:avLst/>
-          </a:prstGeom>
-        </p:spPr>
-        <p:txBody>
-          <a:bodyPr lIns="91425" tIns="91425" rIns="91425" bIns="91425" anchor="t" anchorCtr="0">
-            <a:noAutofit/>
-          </a:bodyPr>
-          <a:lstStyle/>
-          <a:p>
-            <a:pPr lvl="0" rtl="0">
-              <a:lnSpc>
-                <a:spcPct val="115000"/>
-              </a:lnSpc>
-              <a:spcBef>
-                <a:spcPts val="0"/>
-              </a:spcBef>
-              <a:buNone/>
-            </a:pPr>
-            <a:r>
-              <a:rPr lang="en" sz="2000" dirty="0">
-                <a:solidFill>
-                  <a:srgbClr val="000000"/>
-                </a:solidFill>
-              </a:rPr>
-              <a:t>Create a collection of 19th- and 20th-century authors (or historical/political figures if that's your bag!) and their birth dates (historical accuracy doesn't matter).  An example:</a:t>
-            </a:r>
-          </a:p>
-          <a:p>
-            <a:pPr lvl="0" rtl="0">
-              <a:lnSpc>
-                <a:spcPct val="115000"/>
-              </a:lnSpc>
-              <a:spcBef>
-                <a:spcPts val="0"/>
-              </a:spcBef>
-              <a:buNone/>
-            </a:pPr>
-            <a:endParaRPr sz="2000" dirty="0">
-              <a:solidFill>
-                <a:srgbClr val="000000"/>
-              </a:solidFill>
-            </a:endParaRPr>
-          </a:p>
-          <a:p>
-            <a:pPr lvl="0" rtl="0">
-              <a:lnSpc>
-                <a:spcPct val="115000"/>
-              </a:lnSpc>
-              <a:spcBef>
-                <a:spcPts val="0"/>
-              </a:spcBef>
-              <a:buNone/>
-            </a:pPr>
-            <a:r>
-              <a:rPr lang="en" sz="2000" dirty="0">
-                <a:solidFill>
-                  <a:srgbClr val="000000"/>
-                </a:solidFill>
-                <a:latin typeface="Menlo Regular"/>
-                <a:ea typeface="Menlo Regular"/>
-                <a:cs typeface="Menlo Regular"/>
-                <a:sym typeface="Courier New"/>
-              </a:rPr>
-              <a:t>birth_dates = </a:t>
-            </a:r>
-            <a:r>
-              <a:rPr lang="en" sz="2000" dirty="0">
-                <a:solidFill>
-                  <a:srgbClr val="FF0000"/>
-                </a:solidFill>
-                <a:latin typeface="Menlo Regular"/>
-                <a:ea typeface="Menlo Regular"/>
-                <a:cs typeface="Menlo Regular"/>
-                <a:sym typeface="Courier New"/>
-              </a:rPr>
-              <a:t>{"Wallace </a:t>
-            </a:r>
-            <a:r>
-              <a:rPr lang="en" sz="2000" dirty="0" smtClean="0">
-                <a:solidFill>
-                  <a:srgbClr val="FF0000"/>
-                </a:solidFill>
-                <a:latin typeface="Menlo Regular"/>
-                <a:ea typeface="Menlo Regular"/>
-                <a:cs typeface="Menlo Regular"/>
-                <a:sym typeface="Courier New"/>
-              </a:rPr>
-              <a:t>Stevens</a:t>
-            </a:r>
-            <a:r>
-              <a:rPr lang="en-US" sz="2000" dirty="0" smtClean="0">
-                <a:solidFill>
-                  <a:srgbClr val="FF0000"/>
-                </a:solidFill>
-                <a:latin typeface="Menlo Regular"/>
-                <a:ea typeface="Menlo Regular"/>
-                <a:cs typeface="Menlo Regular"/>
-                <a:sym typeface="Courier New"/>
-              </a:rPr>
-              <a:t>"</a:t>
-            </a:r>
-            <a:r>
-              <a:rPr lang="en" sz="2000" dirty="0" smtClean="0">
-                <a:solidFill>
-                  <a:srgbClr val="FF0000"/>
-                </a:solidFill>
-                <a:latin typeface="Menlo Regular"/>
-                <a:ea typeface="Menlo Regular"/>
-                <a:cs typeface="Menlo Regular"/>
-                <a:sym typeface="Courier New"/>
-              </a:rPr>
-              <a:t>:</a:t>
-            </a:r>
-            <a:r>
-              <a:rPr lang="en" sz="2000" dirty="0" smtClean="0">
-                <a:solidFill>
-                  <a:srgbClr val="000000"/>
-                </a:solidFill>
-                <a:latin typeface="Menlo Regular"/>
-                <a:ea typeface="Menlo Regular"/>
-                <a:cs typeface="Menlo Regular"/>
-                <a:sym typeface="Courier New"/>
-              </a:rPr>
-              <a:t> </a:t>
-            </a:r>
-            <a:r>
-              <a:rPr lang="en" sz="2000" dirty="0">
-                <a:solidFill>
-                  <a:srgbClr val="11889C"/>
-                </a:solidFill>
-                <a:latin typeface="Menlo Regular"/>
-                <a:ea typeface="Menlo Regular"/>
-                <a:cs typeface="Menlo Regular"/>
-                <a:sym typeface="Courier New"/>
-              </a:rPr>
-              <a:t>1879</a:t>
-            </a:r>
-            <a:r>
-              <a:rPr lang="en" sz="2000" dirty="0">
-                <a:solidFill>
-                  <a:srgbClr val="000000"/>
-                </a:solidFill>
-                <a:latin typeface="Menlo Regular"/>
-                <a:ea typeface="Menlo Regular"/>
-                <a:cs typeface="Menlo Regular"/>
-                <a:sym typeface="Courier New"/>
-              </a:rPr>
-              <a:t>}</a:t>
-            </a:r>
-          </a:p>
-          <a:p>
-            <a:pPr lvl="0" rtl="0">
-              <a:lnSpc>
-                <a:spcPct val="115000"/>
-              </a:lnSpc>
-              <a:spcBef>
-                <a:spcPts val="0"/>
-              </a:spcBef>
-              <a:buNone/>
-            </a:pPr>
-            <a:endParaRPr sz="2000" dirty="0">
-              <a:solidFill>
-                <a:srgbClr val="000000"/>
-              </a:solidFill>
-              <a:latin typeface="Menlo Regular"/>
-              <a:ea typeface="Menlo Regular"/>
-              <a:cs typeface="Menlo Regular"/>
-              <a:sym typeface="Courier New"/>
-            </a:endParaRPr>
-          </a:p>
-          <a:p>
-            <a:pPr lvl="0" rtl="0">
-              <a:lnSpc>
-                <a:spcPct val="115000"/>
-              </a:lnSpc>
-              <a:spcBef>
-                <a:spcPts val="0"/>
-              </a:spcBef>
-              <a:buNone/>
-            </a:pPr>
-            <a:r>
-              <a:rPr lang="en" sz="2000" dirty="0">
-                <a:solidFill>
-                  <a:srgbClr val="000000"/>
-                </a:solidFill>
-              </a:rPr>
-              <a:t>Count the number of 19th-century birth dates and the number of 20th-century birth dates, then print the results like:</a:t>
-            </a:r>
-          </a:p>
-          <a:p>
-            <a:pPr lvl="0" rtl="0">
-              <a:lnSpc>
-                <a:spcPct val="115000"/>
-              </a:lnSpc>
-              <a:spcBef>
-                <a:spcPts val="0"/>
-              </a:spcBef>
-              <a:buNone/>
-            </a:pPr>
-            <a:endParaRPr sz="2000" dirty="0">
-              <a:solidFill>
-                <a:srgbClr val="000000"/>
-              </a:solidFill>
-            </a:endParaRPr>
-          </a:p>
-          <a:p>
-            <a:pPr lvl="0" rtl="0">
-              <a:lnSpc>
-                <a:spcPct val="115000"/>
-              </a:lnSpc>
-              <a:spcBef>
-                <a:spcPts val="0"/>
-              </a:spcBef>
-              <a:buNone/>
-            </a:pPr>
-            <a:r>
-              <a:rPr lang="en" sz="2000" dirty="0">
-                <a:solidFill>
-                  <a:srgbClr val="000000"/>
-                </a:solidFill>
-                <a:latin typeface="Menlo Regular"/>
-                <a:ea typeface="Menlo Regular"/>
-                <a:cs typeface="Menlo Regular"/>
-                <a:sym typeface="Courier New"/>
-              </a:rPr>
-              <a:t>There are 3 19th-c. births and 2 20th-c. births in my collection.</a:t>
-            </a:r>
-          </a:p>
-          <a:p>
-            <a:pPr lvl="0" rtl="0">
-              <a:lnSpc>
-                <a:spcPct val="115000"/>
-              </a:lnSpc>
-              <a:spcBef>
-                <a:spcPts val="0"/>
-              </a:spcBef>
-              <a:buNone/>
-            </a:pPr>
-            <a:endParaRPr sz="2000" dirty="0">
-              <a:solidFill>
-                <a:srgbClr val="000000"/>
-              </a:solidFill>
-            </a:endParaRPr>
-          </a:p>
-          <a:p>
-            <a:pPr>
-              <a:spcBef>
-                <a:spcPts val="0"/>
-              </a:spcBef>
-              <a:buNone/>
-            </a:pPr>
-            <a:endParaRPr sz="2000" dirty="0"/>
-          </a:p>
-        </p:txBody>
-      </p:sp>
-    </p:spTree>
-  </p:cSld>
-  <p:clrMapOvr>
-    <a:masterClrMapping/>
-  </p:clrMapOvr>
-  <p:transition xmlns:p14="http://schemas.microsoft.com/office/powerpoint/2010/main" spd="slow">
-    <p:cut/>
-  </p:transition>
-  <p:timing>
-    <p:tnLst>
-      <p:par>
-        <p:cTn xmlns:p14="http://schemas.microsoft.com/office/powerpoint/2010/main" id="1" dur="indefinite" restart="never" nodeType="tmRoot"/>
-      </p:par>
-    </p:tnLst>
-  </p:timing>
-</p:sld>
-</file>
-
-<file path=ppt/slides/slide41.xml><?xml version="1.0" encoding="utf-8"?>
-<p:sld xmlns:a="http://schemas.openxmlformats.org/drawingml/2006/main" xmlns:r="http://schemas.openxmlformats.org/officeDocument/2006/relationships" xmlns:p="http://schemas.openxmlformats.org/presentationml/2006/main">
-  <p:cSld>
-    <p:spTree>
-      <p:nvGrpSpPr>
         <p:cNvPr id="1" name="Shape 254"/>
         <p:cNvGrpSpPr/>
         <p:nvPr/>
@@ -28010,7 +27397,7 @@
 </p:sld>
 </file>
 
-<file path=ppt/slides/slide42.xml><?xml version="1.0" encoding="utf-8"?>
+<file path=ppt/slides/slide41.xml><?xml version="1.0" encoding="utf-8"?>
 <p:sld xmlns:a="http://schemas.openxmlformats.org/drawingml/2006/main" xmlns:r="http://schemas.openxmlformats.org/officeDocument/2006/relationships" xmlns:p="http://schemas.openxmlformats.org/presentationml/2006/main">
   <p:cSld>
     <p:spTree>
@@ -28329,7 +27716,7 @@
 </p:sld>
 </file>
 
-<file path=ppt/slides/slide43.xml><?xml version="1.0" encoding="utf-8"?>
+<file path=ppt/slides/slide42.xml><?xml version="1.0" encoding="utf-8"?>
 <p:sld xmlns:a="http://schemas.openxmlformats.org/drawingml/2006/main" xmlns:r="http://schemas.openxmlformats.org/officeDocument/2006/relationships" xmlns:p="http://schemas.openxmlformats.org/presentationml/2006/main">
   <p:cSld>
     <p:spTree>

--- a/2018/python/Python Programming Concepts II.pptx
+++ b/2018/python/Python Programming Concepts II.pptx
@@ -7,7 +7,7 @@
     <p:sldMasterId id="2147483666" r:id="rId3"/>
   </p:sldMasterIdLst>
   <p:notesMasterIdLst>
-    <p:notesMasterId r:id="rId46"/>
+    <p:notesMasterId r:id="rId45"/>
   </p:notesMasterIdLst>
   <p:sldIdLst>
     <p:sldId id="256" r:id="rId4"/>
@@ -39,19 +39,18 @@
     <p:sldId id="274" r:id="rId30"/>
     <p:sldId id="278" r:id="rId31"/>
     <p:sldId id="279" r:id="rId32"/>
-    <p:sldId id="281" r:id="rId33"/>
-    <p:sldId id="282" r:id="rId34"/>
-    <p:sldId id="294" r:id="rId35"/>
-    <p:sldId id="283" r:id="rId36"/>
-    <p:sldId id="284" r:id="rId37"/>
-    <p:sldId id="285" r:id="rId38"/>
-    <p:sldId id="286" r:id="rId39"/>
-    <p:sldId id="287" r:id="rId40"/>
-    <p:sldId id="288" r:id="rId41"/>
-    <p:sldId id="289" r:id="rId42"/>
-    <p:sldId id="290" r:id="rId43"/>
-    <p:sldId id="291" r:id="rId44"/>
-    <p:sldId id="292" r:id="rId45"/>
+    <p:sldId id="282" r:id="rId33"/>
+    <p:sldId id="294" r:id="rId34"/>
+    <p:sldId id="283" r:id="rId35"/>
+    <p:sldId id="284" r:id="rId36"/>
+    <p:sldId id="285" r:id="rId37"/>
+    <p:sldId id="286" r:id="rId38"/>
+    <p:sldId id="287" r:id="rId39"/>
+    <p:sldId id="288" r:id="rId40"/>
+    <p:sldId id="289" r:id="rId41"/>
+    <p:sldId id="290" r:id="rId42"/>
+    <p:sldId id="291" r:id="rId43"/>
+    <p:sldId id="292" r:id="rId44"/>
   </p:sldIdLst>
   <p:sldSz cx="9144000" cy="6858000" type="screen4x3"/>
   <p:notesSz cx="6858000" cy="9144000"/>
@@ -268,7 +267,7 @@
   </p:defaultTextStyle>
   <p:extLst>
     <p:ext uri="{EFAFB233-063F-42B5-8137-9DF3F51BA10A}">
-      <p15:sldGuideLst xmlns:p15="http://schemas.microsoft.com/office/powerpoint/2012/main" xmlns="">
+      <p15:sldGuideLst xmlns="" xmlns:p15="http://schemas.microsoft.com/office/powerpoint/2012/main">
         <p15:guide id="1" orient="horz" pos="2160">
           <p15:clr>
             <a:srgbClr val="A4A3A4"/>
@@ -3252,7 +3251,7 @@
   <p:cSld>
     <p:spTree>
       <p:nvGrpSpPr>
-        <p:cNvPr id="1" name="Shape 203"/>
+        <p:cNvPr id="1" name="Shape 209"/>
         <p:cNvGrpSpPr/>
         <p:nvPr/>
       </p:nvGrpSpPr>
@@ -3266,7 +3265,7 @@
       </p:grpSpPr>
       <p:sp>
         <p:nvSpPr>
-          <p:cNvPr id="204" name="Shape 204"/>
+          <p:cNvPr id="210" name="Shape 210"/>
           <p:cNvSpPr>
             <a:spLocks noGrp="1" noRot="1" noChangeAspect="1"/>
           </p:cNvSpPr>
@@ -3317,7 +3316,7 @@
       </p:sp>
       <p:sp>
         <p:nvSpPr>
-          <p:cNvPr id="205" name="Shape 205"/>
+          <p:cNvPr id="211" name="Shape 211"/>
           <p:cNvSpPr txBox="1">
             <a:spLocks noGrp="1"/>
           </p:cNvSpPr>
@@ -3346,22 +3345,14 @@
               </a:spcBef>
               <a:buNone/>
             </a:pPr>
-            <a:r>
-              <a:rPr lang="en-US" dirty="0" smtClean="0"/>
-              <a:t>Explain what refactoring</a:t>
-            </a:r>
-            <a:r>
-              <a:rPr lang="en-US" baseline="0" dirty="0" smtClean="0"/>
-              <a:t> is</a:t>
-            </a:r>
-            <a:endParaRPr dirty="0"/>
+            <a:endParaRPr/>
           </a:p>
         </p:txBody>
       </p:sp>
     </p:spTree>
     <p:extLst>
       <p:ext uri="{BB962C8B-B14F-4D97-AF65-F5344CB8AC3E}">
-        <p14:creationId xmlns:p14="http://schemas.microsoft.com/office/powerpoint/2010/main" val="3400406870"/>
+        <p14:creationId xmlns:p14="http://schemas.microsoft.com/office/powerpoint/2010/main" val="3293991544"/>
       </p:ext>
     </p:extLst>
   </p:cSld>
@@ -3477,7 +3468,7 @@
     </p:spTree>
     <p:extLst>
       <p:ext uri="{BB962C8B-B14F-4D97-AF65-F5344CB8AC3E}">
-        <p14:creationId xmlns:p14="http://schemas.microsoft.com/office/powerpoint/2010/main" val="3293991544"/>
+        <p14:creationId xmlns:p14="http://schemas.microsoft.com/office/powerpoint/2010/main" val="1974267523"/>
       </p:ext>
     </p:extLst>
   </p:cSld>
@@ -3488,122 +3479,6 @@
 </file>
 
 <file path=ppt/notesSlides/notesSlide32.xml><?xml version="1.0" encoding="utf-8"?>
-<p:notes xmlns:a="http://schemas.openxmlformats.org/drawingml/2006/main" xmlns:r="http://schemas.openxmlformats.org/officeDocument/2006/relationships" xmlns:p="http://schemas.openxmlformats.org/presentationml/2006/main" showMasterSp="0" showMasterPhAnim="0">
-  <p:cSld>
-    <p:spTree>
-      <p:nvGrpSpPr>
-        <p:cNvPr id="1" name="Shape 209"/>
-        <p:cNvGrpSpPr/>
-        <p:nvPr/>
-      </p:nvGrpSpPr>
-      <p:grpSpPr>
-        <a:xfrm>
-          <a:off x="0" y="0"/>
-          <a:ext cx="0" cy="0"/>
-          <a:chOff x="0" y="0"/>
-          <a:chExt cx="0" cy="0"/>
-        </a:xfrm>
-      </p:grpSpPr>
-      <p:sp>
-        <p:nvSpPr>
-          <p:cNvPr id="210" name="Shape 210"/>
-          <p:cNvSpPr>
-            <a:spLocks noGrp="1" noRot="1" noChangeAspect="1"/>
-          </p:cNvSpPr>
-          <p:nvPr>
-            <p:ph type="sldImg" idx="2"/>
-          </p:nvPr>
-        </p:nvSpPr>
-        <p:spPr>
-          <a:xfrm>
-            <a:off x="1143000" y="685800"/>
-            <a:ext cx="4572000" cy="3429000"/>
-          </a:xfrm>
-          <a:custGeom>
-            <a:avLst/>
-            <a:gdLst/>
-            <a:ahLst/>
-            <a:cxnLst/>
-            <a:rect l="0" t="0" r="0" b="0"/>
-            <a:pathLst>
-              <a:path w="120000" h="120000" extrusionOk="0">
-                <a:moveTo>
-                  <a:pt x="0" y="0"/>
-                </a:moveTo>
-                <a:lnTo>
-                  <a:pt x="120000" y="0"/>
-                </a:lnTo>
-                <a:lnTo>
-                  <a:pt x="120000" y="120000"/>
-                </a:lnTo>
-                <a:lnTo>
-                  <a:pt x="0" y="120000"/>
-                </a:lnTo>
-                <a:close/>
-              </a:path>
-            </a:pathLst>
-          </a:custGeom>
-          <a:noFill/>
-          <a:ln w="9525" cap="flat">
-            <a:solidFill>
-              <a:srgbClr val="000000"/>
-            </a:solidFill>
-            <a:prstDash val="solid"/>
-            <a:round/>
-            <a:headEnd type="none" w="med" len="med"/>
-            <a:tailEnd type="none" w="med" len="med"/>
-          </a:ln>
-        </p:spPr>
-      </p:sp>
-      <p:sp>
-        <p:nvSpPr>
-          <p:cNvPr id="211" name="Shape 211"/>
-          <p:cNvSpPr txBox="1">
-            <a:spLocks noGrp="1"/>
-          </p:cNvSpPr>
-          <p:nvPr>
-            <p:ph type="body" idx="1"/>
-          </p:nvPr>
-        </p:nvSpPr>
-        <p:spPr>
-          <a:xfrm>
-            <a:off x="685800" y="4343400"/>
-            <a:ext cx="5486399" cy="4114800"/>
-          </a:xfrm>
-          <a:prstGeom prst="rect">
-            <a:avLst/>
-          </a:prstGeom>
-        </p:spPr>
-        <p:txBody>
-          <a:bodyPr lIns="91425" tIns="91425" rIns="91425" bIns="91425" anchor="t" anchorCtr="0">
-            <a:noAutofit/>
-          </a:bodyPr>
-          <a:lstStyle/>
-          <a:p>
-            <a:pPr>
-              <a:spcBef>
-                <a:spcPts val="0"/>
-              </a:spcBef>
-              <a:buNone/>
-            </a:pPr>
-            <a:endParaRPr/>
-          </a:p>
-        </p:txBody>
-      </p:sp>
-    </p:spTree>
-    <p:extLst>
-      <p:ext uri="{BB962C8B-B14F-4D97-AF65-F5344CB8AC3E}">
-        <p14:creationId xmlns:p14="http://schemas.microsoft.com/office/powerpoint/2010/main" val="1974267523"/>
-      </p:ext>
-    </p:extLst>
-  </p:cSld>
-  <p:clrMapOvr>
-    <a:masterClrMapping/>
-  </p:clrMapOvr>
-</p:notes>
-</file>
-
-<file path=ppt/notesSlides/notesSlide33.xml><?xml version="1.0" encoding="utf-8"?>
 <p:notes xmlns:a="http://schemas.openxmlformats.org/drawingml/2006/main" xmlns:r="http://schemas.openxmlformats.org/officeDocument/2006/relationships" xmlns:p="http://schemas.openxmlformats.org/presentationml/2006/main" showMasterSp="0" showMasterPhAnim="0">
   <p:cSld>
     <p:spTree>
@@ -3719,7 +3594,7 @@
 </p:notes>
 </file>
 
-<file path=ppt/notesSlides/notesSlide34.xml><?xml version="1.0" encoding="utf-8"?>
+<file path=ppt/notesSlides/notesSlide33.xml><?xml version="1.0" encoding="utf-8"?>
 <p:notes xmlns:a="http://schemas.openxmlformats.org/drawingml/2006/main" xmlns:r="http://schemas.openxmlformats.org/officeDocument/2006/relationships" xmlns:p="http://schemas.openxmlformats.org/presentationml/2006/main" showMasterSp="0" showMasterPhAnim="0">
   <p:cSld>
     <p:spTree>
@@ -3835,7 +3710,7 @@
 </p:notes>
 </file>
 
-<file path=ppt/notesSlides/notesSlide35.xml><?xml version="1.0" encoding="utf-8"?>
+<file path=ppt/notesSlides/notesSlide34.xml><?xml version="1.0" encoding="utf-8"?>
 <p:notes xmlns:a="http://schemas.openxmlformats.org/drawingml/2006/main" xmlns:r="http://schemas.openxmlformats.org/officeDocument/2006/relationships" xmlns:p="http://schemas.openxmlformats.org/presentationml/2006/main" showMasterSp="0" showMasterPhAnim="0">
   <p:cSld>
     <p:spTree>
@@ -3951,7 +3826,7 @@
 </p:notes>
 </file>
 
-<file path=ppt/notesSlides/notesSlide36.xml><?xml version="1.0" encoding="utf-8"?>
+<file path=ppt/notesSlides/notesSlide35.xml><?xml version="1.0" encoding="utf-8"?>
 <p:notes xmlns:a="http://schemas.openxmlformats.org/drawingml/2006/main" xmlns:r="http://schemas.openxmlformats.org/officeDocument/2006/relationships" xmlns:p="http://schemas.openxmlformats.org/presentationml/2006/main" showMasterSp="0" showMasterPhAnim="0">
   <p:cSld>
     <p:spTree>
@@ -4067,7 +3942,7 @@
 </p:notes>
 </file>
 
-<file path=ppt/notesSlides/notesSlide37.xml><?xml version="1.0" encoding="utf-8"?>
+<file path=ppt/notesSlides/notesSlide36.xml><?xml version="1.0" encoding="utf-8"?>
 <p:notes xmlns:a="http://schemas.openxmlformats.org/drawingml/2006/main" xmlns:r="http://schemas.openxmlformats.org/officeDocument/2006/relationships" xmlns:p="http://schemas.openxmlformats.org/presentationml/2006/main" showMasterSp="0" showMasterPhAnim="0">
   <p:cSld>
     <p:spTree>
@@ -4183,7 +4058,7 @@
 </p:notes>
 </file>
 
-<file path=ppt/notesSlides/notesSlide38.xml><?xml version="1.0" encoding="utf-8"?>
+<file path=ppt/notesSlides/notesSlide37.xml><?xml version="1.0" encoding="utf-8"?>
 <p:notes xmlns:a="http://schemas.openxmlformats.org/drawingml/2006/main" xmlns:r="http://schemas.openxmlformats.org/officeDocument/2006/relationships" xmlns:p="http://schemas.openxmlformats.org/presentationml/2006/main" showMasterSp="0" showMasterPhAnim="0">
   <p:cSld>
     <p:spTree>
@@ -4299,7 +4174,7 @@
 </p:notes>
 </file>
 
-<file path=ppt/notesSlides/notesSlide39.xml><?xml version="1.0" encoding="utf-8"?>
+<file path=ppt/notesSlides/notesSlide38.xml><?xml version="1.0" encoding="utf-8"?>
 <p:notes xmlns:a="http://schemas.openxmlformats.org/drawingml/2006/main" xmlns:r="http://schemas.openxmlformats.org/officeDocument/2006/relationships" xmlns:p="http://schemas.openxmlformats.org/presentationml/2006/main" showMasterSp="0" showMasterPhAnim="0">
   <p:cSld>
     <p:spTree>
@@ -4406,6 +4281,122 @@
     <p:extLst>
       <p:ext uri="{BB962C8B-B14F-4D97-AF65-F5344CB8AC3E}">
         <p14:creationId xmlns:p14="http://schemas.microsoft.com/office/powerpoint/2010/main" val="2344401661"/>
+      </p:ext>
+    </p:extLst>
+  </p:cSld>
+  <p:clrMapOvr>
+    <a:masterClrMapping/>
+  </p:clrMapOvr>
+</p:notes>
+</file>
+
+<file path=ppt/notesSlides/notesSlide39.xml><?xml version="1.0" encoding="utf-8"?>
+<p:notes xmlns:a="http://schemas.openxmlformats.org/drawingml/2006/main" xmlns:r="http://schemas.openxmlformats.org/officeDocument/2006/relationships" xmlns:p="http://schemas.openxmlformats.org/presentationml/2006/main" showMasterSp="0" showMasterPhAnim="0">
+  <p:cSld>
+    <p:spTree>
+      <p:nvGrpSpPr>
+        <p:cNvPr id="1" name="Shape 257"/>
+        <p:cNvGrpSpPr/>
+        <p:nvPr/>
+      </p:nvGrpSpPr>
+      <p:grpSpPr>
+        <a:xfrm>
+          <a:off x="0" y="0"/>
+          <a:ext cx="0" cy="0"/>
+          <a:chOff x="0" y="0"/>
+          <a:chExt cx="0" cy="0"/>
+        </a:xfrm>
+      </p:grpSpPr>
+      <p:sp>
+        <p:nvSpPr>
+          <p:cNvPr id="258" name="Shape 258"/>
+          <p:cNvSpPr>
+            <a:spLocks noGrp="1" noRot="1" noChangeAspect="1"/>
+          </p:cNvSpPr>
+          <p:nvPr>
+            <p:ph type="sldImg" idx="2"/>
+          </p:nvPr>
+        </p:nvSpPr>
+        <p:spPr>
+          <a:xfrm>
+            <a:off x="1143000" y="685800"/>
+            <a:ext cx="4572000" cy="3429000"/>
+          </a:xfrm>
+          <a:custGeom>
+            <a:avLst/>
+            <a:gdLst/>
+            <a:ahLst/>
+            <a:cxnLst/>
+            <a:rect l="0" t="0" r="0" b="0"/>
+            <a:pathLst>
+              <a:path w="120000" h="120000" extrusionOk="0">
+                <a:moveTo>
+                  <a:pt x="0" y="0"/>
+                </a:moveTo>
+                <a:lnTo>
+                  <a:pt x="120000" y="0"/>
+                </a:lnTo>
+                <a:lnTo>
+                  <a:pt x="120000" y="120000"/>
+                </a:lnTo>
+                <a:lnTo>
+                  <a:pt x="0" y="120000"/>
+                </a:lnTo>
+                <a:close/>
+              </a:path>
+            </a:pathLst>
+          </a:custGeom>
+          <a:noFill/>
+          <a:ln w="9525" cap="flat">
+            <a:solidFill>
+              <a:srgbClr val="000000"/>
+            </a:solidFill>
+            <a:prstDash val="solid"/>
+            <a:round/>
+            <a:headEnd type="none" w="med" len="med"/>
+            <a:tailEnd type="none" w="med" len="med"/>
+          </a:ln>
+        </p:spPr>
+      </p:sp>
+      <p:sp>
+        <p:nvSpPr>
+          <p:cNvPr id="259" name="Shape 259"/>
+          <p:cNvSpPr txBox="1">
+            <a:spLocks noGrp="1"/>
+          </p:cNvSpPr>
+          <p:nvPr>
+            <p:ph type="body" idx="1"/>
+          </p:nvPr>
+        </p:nvSpPr>
+        <p:spPr>
+          <a:xfrm>
+            <a:off x="685800" y="4343400"/>
+            <a:ext cx="5486399" cy="4114800"/>
+          </a:xfrm>
+          <a:prstGeom prst="rect">
+            <a:avLst/>
+          </a:prstGeom>
+        </p:spPr>
+        <p:txBody>
+          <a:bodyPr lIns="91425" tIns="91425" rIns="91425" bIns="91425" anchor="t" anchorCtr="0">
+            <a:noAutofit/>
+          </a:bodyPr>
+          <a:lstStyle/>
+          <a:p>
+            <a:pPr>
+              <a:spcBef>
+                <a:spcPts val="0"/>
+              </a:spcBef>
+              <a:buNone/>
+            </a:pPr>
+            <a:endParaRPr/>
+          </a:p>
+        </p:txBody>
+      </p:sp>
+    </p:spTree>
+    <p:extLst>
+      <p:ext uri="{BB962C8B-B14F-4D97-AF65-F5344CB8AC3E}">
+        <p14:creationId xmlns:p14="http://schemas.microsoft.com/office/powerpoint/2010/main" val="723385235"/>
       </p:ext>
     </p:extLst>
   </p:cSld>
@@ -4536,122 +4527,6 @@
   <p:cSld>
     <p:spTree>
       <p:nvGrpSpPr>
-        <p:cNvPr id="1" name="Shape 257"/>
-        <p:cNvGrpSpPr/>
-        <p:nvPr/>
-      </p:nvGrpSpPr>
-      <p:grpSpPr>
-        <a:xfrm>
-          <a:off x="0" y="0"/>
-          <a:ext cx="0" cy="0"/>
-          <a:chOff x="0" y="0"/>
-          <a:chExt cx="0" cy="0"/>
-        </a:xfrm>
-      </p:grpSpPr>
-      <p:sp>
-        <p:nvSpPr>
-          <p:cNvPr id="258" name="Shape 258"/>
-          <p:cNvSpPr>
-            <a:spLocks noGrp="1" noRot="1" noChangeAspect="1"/>
-          </p:cNvSpPr>
-          <p:nvPr>
-            <p:ph type="sldImg" idx="2"/>
-          </p:nvPr>
-        </p:nvSpPr>
-        <p:spPr>
-          <a:xfrm>
-            <a:off x="1143000" y="685800"/>
-            <a:ext cx="4572000" cy="3429000"/>
-          </a:xfrm>
-          <a:custGeom>
-            <a:avLst/>
-            <a:gdLst/>
-            <a:ahLst/>
-            <a:cxnLst/>
-            <a:rect l="0" t="0" r="0" b="0"/>
-            <a:pathLst>
-              <a:path w="120000" h="120000" extrusionOk="0">
-                <a:moveTo>
-                  <a:pt x="0" y="0"/>
-                </a:moveTo>
-                <a:lnTo>
-                  <a:pt x="120000" y="0"/>
-                </a:lnTo>
-                <a:lnTo>
-                  <a:pt x="120000" y="120000"/>
-                </a:lnTo>
-                <a:lnTo>
-                  <a:pt x="0" y="120000"/>
-                </a:lnTo>
-                <a:close/>
-              </a:path>
-            </a:pathLst>
-          </a:custGeom>
-          <a:noFill/>
-          <a:ln w="9525" cap="flat">
-            <a:solidFill>
-              <a:srgbClr val="000000"/>
-            </a:solidFill>
-            <a:prstDash val="solid"/>
-            <a:round/>
-            <a:headEnd type="none" w="med" len="med"/>
-            <a:tailEnd type="none" w="med" len="med"/>
-          </a:ln>
-        </p:spPr>
-      </p:sp>
-      <p:sp>
-        <p:nvSpPr>
-          <p:cNvPr id="259" name="Shape 259"/>
-          <p:cNvSpPr txBox="1">
-            <a:spLocks noGrp="1"/>
-          </p:cNvSpPr>
-          <p:nvPr>
-            <p:ph type="body" idx="1"/>
-          </p:nvPr>
-        </p:nvSpPr>
-        <p:spPr>
-          <a:xfrm>
-            <a:off x="685800" y="4343400"/>
-            <a:ext cx="5486399" cy="4114800"/>
-          </a:xfrm>
-          <a:prstGeom prst="rect">
-            <a:avLst/>
-          </a:prstGeom>
-        </p:spPr>
-        <p:txBody>
-          <a:bodyPr lIns="91425" tIns="91425" rIns="91425" bIns="91425" anchor="t" anchorCtr="0">
-            <a:noAutofit/>
-          </a:bodyPr>
-          <a:lstStyle/>
-          <a:p>
-            <a:pPr>
-              <a:spcBef>
-                <a:spcPts val="0"/>
-              </a:spcBef>
-              <a:buNone/>
-            </a:pPr>
-            <a:endParaRPr/>
-          </a:p>
-        </p:txBody>
-      </p:sp>
-    </p:spTree>
-    <p:extLst>
-      <p:ext uri="{BB962C8B-B14F-4D97-AF65-F5344CB8AC3E}">
-        <p14:creationId xmlns:p14="http://schemas.microsoft.com/office/powerpoint/2010/main" val="723385235"/>
-      </p:ext>
-    </p:extLst>
-  </p:cSld>
-  <p:clrMapOvr>
-    <a:masterClrMapping/>
-  </p:clrMapOvr>
-</p:notes>
-</file>
-
-<file path=ppt/notesSlides/notesSlide41.xml><?xml version="1.0" encoding="utf-8"?>
-<p:notes xmlns:a="http://schemas.openxmlformats.org/drawingml/2006/main" xmlns:r="http://schemas.openxmlformats.org/officeDocument/2006/relationships" xmlns:p="http://schemas.openxmlformats.org/presentationml/2006/main" showMasterSp="0" showMasterPhAnim="0">
-  <p:cSld>
-    <p:spTree>
-      <p:nvGrpSpPr>
         <p:cNvPr id="1" name="Shape 263"/>
         <p:cNvGrpSpPr/>
         <p:nvPr/>
@@ -4763,7 +4638,7 @@
 </p:notes>
 </file>
 
-<file path=ppt/notesSlides/notesSlide42.xml><?xml version="1.0" encoding="utf-8"?>
+<file path=ppt/notesSlides/notesSlide41.xml><?xml version="1.0" encoding="utf-8"?>
 <p:notes xmlns:a="http://schemas.openxmlformats.org/drawingml/2006/main" xmlns:r="http://schemas.openxmlformats.org/officeDocument/2006/relationships" xmlns:p="http://schemas.openxmlformats.org/presentationml/2006/main" showMasterSp="0" showMasterPhAnim="0">
   <p:cSld>
     <p:spTree>
@@ -21494,7 +21369,7 @@
   <p:cSld>
     <p:spTree>
       <p:nvGrpSpPr>
-        <p:cNvPr id="1" name="Shape 200"/>
+        <p:cNvPr id="1" name="Shape 206"/>
         <p:cNvGrpSpPr/>
         <p:nvPr/>
       </p:nvGrpSpPr>
@@ -21508,7 +21383,7 @@
       </p:grpSpPr>
       <p:sp>
         <p:nvSpPr>
-          <p:cNvPr id="201" name="Shape 201"/>
+          <p:cNvPr id="207" name="Shape 207"/>
           <p:cNvSpPr txBox="1">
             <a:spLocks noGrp="1"/>
           </p:cNvSpPr>
@@ -21538,7 +21413,7 @@
               <a:buNone/>
             </a:pPr>
             <a:r>
-              <a:rPr lang="en" sz="9600" dirty="0">
+              <a:rPr lang="en-US" sz="9600" dirty="0" smtClean="0">
                 <a:solidFill>
                   <a:srgbClr val="FF0000"/>
                 </a:solidFill>
@@ -21546,14 +21421,22 @@
                 <a:cs typeface="Yanone Kaffeesatz Bold"/>
                 <a:sym typeface="Ubuntu"/>
               </a:rPr>
-              <a:t>Conditionals</a:t>
-            </a:r>
+              <a:t>Packages</a:t>
+            </a:r>
+            <a:endParaRPr lang="en" sz="9600" dirty="0">
+              <a:solidFill>
+                <a:srgbClr val="FF0000"/>
+              </a:solidFill>
+              <a:latin typeface="Yanone Kaffeesatz Bold"/>
+              <a:cs typeface="Yanone Kaffeesatz Bold"/>
+              <a:sym typeface="Ubuntu"/>
+            </a:endParaRPr>
           </a:p>
         </p:txBody>
       </p:sp>
       <p:sp>
         <p:nvSpPr>
-          <p:cNvPr id="202" name="Shape 202"/>
+          <p:cNvPr id="208" name="Shape 208"/>
           <p:cNvSpPr txBox="1">
             <a:spLocks noGrp="1"/>
           </p:cNvSpPr>
@@ -21583,360 +21466,170 @@
               <a:buNone/>
             </a:pPr>
             <a:r>
-              <a:rPr lang="en" sz="2200" dirty="0"/>
-              <a:t>Refactor </a:t>
-            </a:r>
-            <a:r>
-              <a:rPr lang="en" sz="2200" dirty="0" smtClean="0">
-                <a:solidFill>
-                  <a:srgbClr val="0B5C92"/>
-                </a:solidFill>
-                <a:latin typeface="Menlo Regular"/>
-                <a:cs typeface="Menlo Regular"/>
-              </a:rPr>
-              <a:t>hello.py</a:t>
-            </a:r>
-            <a:endParaRPr lang="en-US" sz="2200" dirty="0" smtClean="0">
-              <a:solidFill>
-                <a:srgbClr val="0B5C92"/>
-              </a:solidFill>
-              <a:latin typeface="Menlo Regular"/>
-              <a:cs typeface="Menlo Regular"/>
+              <a:rPr lang="en" dirty="0"/>
+              <a:t>Useful behavior beyond the "basics"</a:t>
+            </a:r>
+          </a:p>
+          <a:p>
+            <a:pPr lvl="0" rtl="0">
+              <a:spcBef>
+                <a:spcPts val="0"/>
+              </a:spcBef>
+              <a:buNone/>
+            </a:pPr>
+            <a:endParaRPr dirty="0"/>
+          </a:p>
+          <a:p>
+            <a:pPr marL="457200" lvl="0" indent="-419100" rtl="0">
+              <a:spcBef>
+                <a:spcPts val="0"/>
+              </a:spcBef>
+              <a:buClr>
+                <a:schemeClr val="dk1"/>
+              </a:buClr>
+              <a:buSzPct val="100000"/>
+              <a:buFont typeface="Arial"/>
+              <a:buChar char="●"/>
+            </a:pPr>
+            <a:r>
+              <a:rPr lang="en-US" dirty="0"/>
+              <a:t>Python </a:t>
+            </a:r>
+            <a:r>
+              <a:rPr lang="en" dirty="0"/>
+              <a:t>Standard Library</a:t>
+            </a:r>
+          </a:p>
+          <a:p>
+            <a:pPr marL="914400" lvl="1" indent="-381000" rtl="0">
+              <a:spcBef>
+                <a:spcPts val="0"/>
+              </a:spcBef>
+              <a:buClr>
+                <a:schemeClr val="dk1"/>
+              </a:buClr>
+              <a:buSzPct val="80000"/>
+              <a:buFont typeface="Courier New"/>
+              <a:buChar char="o"/>
+            </a:pPr>
+            <a:r>
+              <a:rPr lang="en-US" dirty="0">
+                <a:latin typeface="Open Sans"/>
+                <a:ea typeface="Open Sans"/>
+                <a:cs typeface="Open Sans"/>
+              </a:rPr>
+              <a:t>Math functions</a:t>
+            </a:r>
+            <a:endParaRPr lang="en" dirty="0">
+              <a:latin typeface="Open Sans"/>
+              <a:ea typeface="Open Sans"/>
+              <a:cs typeface="Open Sans"/>
             </a:endParaRPr>
           </a:p>
           <a:p>
-            <a:pPr lvl="0" rtl="0">
-              <a:spcBef>
-                <a:spcPts val="0"/>
-              </a:spcBef>
-              <a:buNone/>
-            </a:pPr>
-            <a:endParaRPr lang="en" sz="2200" dirty="0"/>
-          </a:p>
-          <a:p>
-            <a:pPr lvl="0">
-              <a:buNone/>
-            </a:pPr>
-            <a:r>
-              <a:rPr lang="en" sz="2200" dirty="0">
-                <a:solidFill>
-                  <a:srgbClr val="008800"/>
-                </a:solidFill>
-                <a:latin typeface="Menlo Regular"/>
-                <a:ea typeface="Menlo Regular"/>
-                <a:cs typeface="Menlo Regular"/>
-                <a:sym typeface="Courier New"/>
-              </a:rPr>
-              <a:t>from sys import argv</a:t>
-            </a:r>
-            <a:endParaRPr lang="en-US" sz="2200" dirty="0">
-              <a:solidFill>
-                <a:srgbClr val="008800"/>
-              </a:solidFill>
-              <a:latin typeface="Menlo Regular"/>
-              <a:ea typeface="Menlo Regular"/>
-              <a:cs typeface="Menlo Regular"/>
-              <a:sym typeface="Courier New"/>
+            <a:pPr marL="914400" lvl="1" indent="-381000" rtl="0">
+              <a:spcBef>
+                <a:spcPts val="0"/>
+              </a:spcBef>
+              <a:buClr>
+                <a:schemeClr val="dk1"/>
+              </a:buClr>
+              <a:buSzPct val="80000"/>
+              <a:buFont typeface="Courier New"/>
+              <a:buChar char="o"/>
+            </a:pPr>
+            <a:r>
+              <a:rPr lang="en-US" dirty="0">
+                <a:latin typeface="Open Sans"/>
+                <a:ea typeface="Open Sans"/>
+                <a:cs typeface="Open Sans"/>
+              </a:rPr>
+              <a:t>Everything we've done so far</a:t>
+            </a:r>
+            <a:endParaRPr lang="en" dirty="0">
+              <a:latin typeface="Open Sans"/>
+              <a:ea typeface="Open Sans"/>
+              <a:cs typeface="Open Sans"/>
             </a:endParaRPr>
           </a:p>
           <a:p>
-            <a:pPr lvl="0">
-              <a:buNone/>
-            </a:pPr>
-            <a:endParaRPr lang="en-US" sz="2200" dirty="0">
-              <a:solidFill>
-                <a:srgbClr val="008800"/>
-              </a:solidFill>
-              <a:latin typeface="Menlo Regular"/>
-              <a:ea typeface="Menlo Regular"/>
-              <a:cs typeface="Menlo Regular"/>
-              <a:sym typeface="Courier New"/>
+            <a:pPr marL="457200" lvl="0" indent="-419100" rtl="0">
+              <a:spcBef>
+                <a:spcPts val="0"/>
+              </a:spcBef>
+              <a:buClr>
+                <a:schemeClr val="dk1"/>
+              </a:buClr>
+              <a:buSzPct val="100000"/>
+              <a:buFont typeface="Arial"/>
+              <a:buChar char="●"/>
+            </a:pPr>
+            <a:r>
+              <a:rPr lang="en-US" dirty="0"/>
+              <a:t>Python packages</a:t>
+            </a:r>
+            <a:endParaRPr lang="en" dirty="0"/>
+          </a:p>
+          <a:p>
+            <a:pPr marL="914400" lvl="1" indent="-381000" rtl="0">
+              <a:spcBef>
+                <a:spcPts val="0"/>
+              </a:spcBef>
+              <a:buClr>
+                <a:schemeClr val="dk1"/>
+              </a:buClr>
+              <a:buSzPct val="80000"/>
+              <a:buFont typeface="Courier New"/>
+              <a:buChar char="o"/>
+            </a:pPr>
+            <a:r>
+              <a:rPr lang="en" dirty="0">
+                <a:latin typeface="Open Sans"/>
+                <a:ea typeface="Open Sans"/>
+                <a:cs typeface="Open Sans"/>
+              </a:rPr>
+              <a:t>Just about everything else</a:t>
+            </a:r>
+            <a:endParaRPr lang="en-US" dirty="0">
+              <a:latin typeface="Open Sans"/>
+              <a:ea typeface="Open Sans"/>
+              <a:cs typeface="Open Sans"/>
             </a:endParaRPr>
           </a:p>
           <a:p>
-            <a:pPr lvl="0">
-              <a:buNone/>
-            </a:pPr>
-            <a:r>
-              <a:rPr lang="en" sz="2200" dirty="0">
-                <a:solidFill>
-                  <a:srgbClr val="008800"/>
-                </a:solidFill>
-                <a:latin typeface="Menlo Regular"/>
-                <a:ea typeface="Menlo Regular"/>
-                <a:cs typeface="Menlo Regular"/>
-                <a:sym typeface="Courier New"/>
-              </a:rPr>
-              <a:t>if len(argv) == 1:    </a:t>
-            </a:r>
-            <a:endParaRPr lang="en-US" sz="2200" dirty="0">
-              <a:solidFill>
-                <a:srgbClr val="008800"/>
-              </a:solidFill>
-              <a:latin typeface="Menlo Regular"/>
-              <a:ea typeface="Menlo Regular"/>
-              <a:cs typeface="Menlo Regular"/>
-              <a:sym typeface="Courier New"/>
+            <a:pPr marL="914400" lvl="1" indent="-381000" rtl="0">
+              <a:spcBef>
+                <a:spcPts val="0"/>
+              </a:spcBef>
+              <a:buClr>
+                <a:schemeClr val="dk1"/>
+              </a:buClr>
+              <a:buSzPct val="80000"/>
+              <a:buFont typeface="Courier New"/>
+              <a:buChar char="o"/>
+            </a:pPr>
+            <a:r>
+              <a:rPr lang="en-US" dirty="0">
+                <a:latin typeface="Open Sans"/>
+                <a:ea typeface="Open Sans"/>
+                <a:cs typeface="Open Sans"/>
+              </a:rPr>
+              <a:t>Anythin you might not need to use everytime</a:t>
+            </a:r>
+            <a:endParaRPr lang="en" dirty="0">
+              <a:latin typeface="Open Sans"/>
+              <a:ea typeface="Open Sans"/>
+              <a:cs typeface="Open Sans"/>
             </a:endParaRPr>
           </a:p>
           <a:p>
-            <a:pPr lvl="0">
-              <a:buNone/>
-            </a:pPr>
-            <a:r>
-              <a:rPr lang="en-US" sz="2200" dirty="0">
-                <a:solidFill>
-                  <a:srgbClr val="008800"/>
-                </a:solidFill>
-                <a:latin typeface="Menlo Regular"/>
-                <a:ea typeface="Menlo Regular"/>
-                <a:cs typeface="Menlo Regular"/>
-                <a:sym typeface="Courier New"/>
-              </a:rPr>
-              <a:t>	</a:t>
-            </a:r>
-            <a:r>
-              <a:rPr lang="en" sz="2200" dirty="0">
-                <a:solidFill>
-                  <a:srgbClr val="008800"/>
-                </a:solidFill>
-                <a:latin typeface="Menlo Regular"/>
-                <a:ea typeface="Menlo Regular"/>
-                <a:cs typeface="Menlo Regular"/>
-                <a:sym typeface="Courier New"/>
-              </a:rPr>
-              <a:t>print('Hello, World!')</a:t>
-            </a:r>
-            <a:endParaRPr lang="en-US" sz="2200" dirty="0">
-              <a:solidFill>
-                <a:srgbClr val="008800"/>
-              </a:solidFill>
-              <a:latin typeface="Menlo Regular"/>
-              <a:ea typeface="Menlo Regular"/>
-              <a:cs typeface="Menlo Regular"/>
-              <a:sym typeface="Courier New"/>
-            </a:endParaRPr>
-          </a:p>
-          <a:p>
-            <a:pPr lvl="0">
-              <a:buNone/>
-            </a:pPr>
-            <a:r>
-              <a:rPr lang="en" sz="2200" dirty="0">
-                <a:solidFill>
-                  <a:srgbClr val="008800"/>
-                </a:solidFill>
-                <a:latin typeface="Menlo Regular"/>
-                <a:ea typeface="Menlo Regular"/>
-                <a:cs typeface="Menlo Regular"/>
-                <a:sym typeface="Courier New"/>
-              </a:rPr>
-              <a:t>else:    </a:t>
-            </a:r>
-            <a:endParaRPr lang="en-US" sz="2200" dirty="0">
-              <a:solidFill>
-                <a:srgbClr val="008800"/>
-              </a:solidFill>
-              <a:latin typeface="Menlo Regular"/>
-              <a:ea typeface="Menlo Regular"/>
-              <a:cs typeface="Menlo Regular"/>
-              <a:sym typeface="Courier New"/>
-            </a:endParaRPr>
-          </a:p>
-          <a:p>
-            <a:pPr lvl="0">
-              <a:buNone/>
-            </a:pPr>
-            <a:r>
-              <a:rPr lang="en-US" sz="2200" dirty="0">
-                <a:solidFill>
-                  <a:srgbClr val="008800"/>
-                </a:solidFill>
-                <a:latin typeface="Menlo Regular"/>
-                <a:ea typeface="Menlo Regular"/>
-                <a:cs typeface="Menlo Regular"/>
-                <a:sym typeface="Courier New"/>
-              </a:rPr>
-              <a:t>	</a:t>
-            </a:r>
-            <a:r>
-              <a:rPr lang="en" sz="2200" dirty="0">
-                <a:solidFill>
-                  <a:srgbClr val="008800"/>
-                </a:solidFill>
-                <a:latin typeface="Menlo Regular"/>
-                <a:ea typeface="Menlo Regular"/>
-                <a:cs typeface="Menlo Regular"/>
-                <a:sym typeface="Courier New"/>
-              </a:rPr>
-              <a:t>print('Hello, ' + argv[1])</a:t>
-            </a:r>
-            <a:endParaRPr lang="en-US" sz="2200" dirty="0" smtClean="0"/>
-          </a:p>
-          <a:p>
-            <a:pPr lvl="0" rtl="0">
-              <a:spcBef>
-                <a:spcPts val="0"/>
-              </a:spcBef>
-              <a:buNone/>
-            </a:pPr>
-            <a:r>
-              <a:rPr lang="en" sz="2200" dirty="0" smtClean="0"/>
-              <a:t>Now </a:t>
-            </a:r>
-            <a:r>
-              <a:rPr lang="en" sz="2200" dirty="0"/>
-              <a:t>run it:</a:t>
-            </a:r>
-          </a:p>
-          <a:p>
-            <a:pPr lvl="0" rtl="0">
-              <a:spcBef>
-                <a:spcPts val="0"/>
-              </a:spcBef>
-              <a:buNone/>
-            </a:pPr>
-            <a:r>
-              <a:rPr lang="en" sz="2200" dirty="0">
-                <a:latin typeface="Menlo Regular"/>
-                <a:ea typeface="Menlo Regular"/>
-                <a:cs typeface="Menlo Regular"/>
-                <a:sym typeface="Courier New"/>
-              </a:rPr>
-              <a:t>$ </a:t>
-            </a:r>
-            <a:r>
-              <a:rPr lang="en-US" sz="2200" dirty="0">
-                <a:latin typeface="Menlo Regular"/>
-                <a:ea typeface="Menlo Regular"/>
-                <a:cs typeface="Menlo Regular"/>
-                <a:sym typeface="Courier New"/>
-              </a:rPr>
-              <a:t>python </a:t>
-            </a:r>
-            <a:r>
-              <a:rPr lang="en" sz="2200" dirty="0">
-                <a:latin typeface="Menlo Regular"/>
-                <a:ea typeface="Menlo Regular"/>
-                <a:cs typeface="Menlo Regular"/>
-                <a:sym typeface="Courier New"/>
-              </a:rPr>
-              <a:t>hello.</a:t>
-            </a:r>
-            <a:r>
-              <a:rPr lang="en-US" sz="2200" dirty="0">
-                <a:latin typeface="Menlo Regular"/>
-                <a:ea typeface="Menlo Regular"/>
-                <a:cs typeface="Menlo Regular"/>
-                <a:sym typeface="Courier New"/>
-              </a:rPr>
-              <a:t>py</a:t>
-            </a:r>
-            <a:endParaRPr lang="en" sz="2200" dirty="0">
-              <a:latin typeface="Menlo Regular"/>
-              <a:ea typeface="Menlo Regular"/>
-              <a:cs typeface="Menlo Regular"/>
-              <a:sym typeface="Courier New"/>
-            </a:endParaRPr>
-          </a:p>
-          <a:p>
-            <a:pPr lvl="0" rtl="0">
-              <a:spcBef>
-                <a:spcPts val="0"/>
-              </a:spcBef>
-              <a:buNone/>
-            </a:pPr>
-            <a:r>
-              <a:rPr lang="en" sz="2200" dirty="0">
-                <a:latin typeface="Menlo Regular"/>
-                <a:ea typeface="Menlo Regular"/>
-                <a:cs typeface="Menlo Regular"/>
-                <a:sym typeface="Courier New"/>
-              </a:rPr>
-              <a:t>Hello, World!</a:t>
-            </a:r>
-          </a:p>
-          <a:p>
-            <a:pPr lvl="0" rtl="0">
-              <a:spcBef>
-                <a:spcPts val="0"/>
-              </a:spcBef>
-              <a:buNone/>
-            </a:pPr>
-            <a:r>
-              <a:rPr lang="en" sz="2200" dirty="0">
-                <a:latin typeface="Menlo Regular"/>
-                <a:ea typeface="Menlo Regular"/>
-                <a:cs typeface="Menlo Regular"/>
-                <a:sym typeface="Courier New"/>
-              </a:rPr>
-              <a:t>$ </a:t>
-            </a:r>
-            <a:r>
-              <a:rPr lang="en-US" sz="2200" dirty="0">
-                <a:latin typeface="Menlo Regular"/>
-                <a:ea typeface="Menlo Regular"/>
-                <a:cs typeface="Menlo Regular"/>
-                <a:sym typeface="Courier New"/>
-              </a:rPr>
-              <a:t>python hello.py </a:t>
-            </a:r>
-            <a:r>
-              <a:rPr lang="en-US" sz="2200" dirty="0" smtClean="0">
-                <a:latin typeface="Menlo Regular"/>
-                <a:ea typeface="Menlo Regular"/>
-                <a:cs typeface="Menlo Regular"/>
-                <a:sym typeface="Courier New"/>
-              </a:rPr>
-              <a:t>Brandon</a:t>
-            </a:r>
-            <a:endParaRPr lang="en" sz="2200" dirty="0">
-              <a:latin typeface="Menlo Regular"/>
-              <a:ea typeface="Menlo Regular"/>
-              <a:cs typeface="Menlo Regular"/>
-              <a:sym typeface="Courier New"/>
-            </a:endParaRPr>
-          </a:p>
-          <a:p>
-            <a:pPr lvl="0" rtl="0">
-              <a:spcBef>
-                <a:spcPts val="0"/>
-              </a:spcBef>
-              <a:buNone/>
-            </a:pPr>
-            <a:r>
-              <a:rPr lang="en" sz="2200" dirty="0">
-                <a:latin typeface="Menlo Regular"/>
-                <a:ea typeface="Menlo Regular"/>
-                <a:cs typeface="Menlo Regular"/>
-                <a:sym typeface="Courier New"/>
-              </a:rPr>
-              <a:t>Hello, </a:t>
-            </a:r>
-            <a:r>
-              <a:rPr lang="en-US" sz="2200" dirty="0" smtClean="0">
-                <a:latin typeface="Menlo Regular"/>
-                <a:ea typeface="Menlo Regular"/>
-                <a:cs typeface="Menlo Regular"/>
-                <a:sym typeface="Courier New"/>
-              </a:rPr>
-              <a:t>Brandon!</a:t>
-            </a:r>
-            <a:endParaRPr lang="en" sz="2200" dirty="0">
-              <a:latin typeface="Menlo Regular"/>
-              <a:ea typeface="Menlo Regular"/>
-              <a:cs typeface="Menlo Regular"/>
-              <a:sym typeface="Courier New"/>
-            </a:endParaRPr>
-          </a:p>
-          <a:p>
             <a:pPr>
               <a:spcBef>
                 <a:spcPts val="0"/>
               </a:spcBef>
               <a:buNone/>
             </a:pPr>
-            <a:endParaRPr sz="2200" dirty="0"/>
+            <a:endParaRPr dirty="0"/>
           </a:p>
         </p:txBody>
       </p:sp>
@@ -22007,7 +21700,7 @@
               <a:buNone/>
             </a:pPr>
             <a:r>
-              <a:rPr lang="en-US" sz="9600" dirty="0" smtClean="0">
+              <a:rPr lang="en-US" sz="5500" dirty="0" smtClean="0">
                 <a:solidFill>
                   <a:srgbClr val="FF0000"/>
                 </a:solidFill>
@@ -22015,9 +21708,9 @@
                 <a:cs typeface="Yanone Kaffeesatz Bold"/>
                 <a:sym typeface="Ubuntu"/>
               </a:rPr>
-              <a:t>Packages</a:t>
-            </a:r>
-            <a:endParaRPr lang="en" sz="9600" dirty="0">
+              <a:t>Installing Packages</a:t>
+            </a:r>
+            <a:endParaRPr lang="en" sz="5500" dirty="0">
               <a:solidFill>
                 <a:srgbClr val="FF0000"/>
               </a:solidFill>
@@ -22060,293 +21753,6 @@
               <a:buNone/>
             </a:pPr>
             <a:r>
-              <a:rPr lang="en" dirty="0"/>
-              <a:t>Useful behavior beyond the "basics"</a:t>
-            </a:r>
-          </a:p>
-          <a:p>
-            <a:pPr lvl="0" rtl="0">
-              <a:spcBef>
-                <a:spcPts val="0"/>
-              </a:spcBef>
-              <a:buNone/>
-            </a:pPr>
-            <a:endParaRPr dirty="0"/>
-          </a:p>
-          <a:p>
-            <a:pPr marL="457200" lvl="0" indent="-419100" rtl="0">
-              <a:spcBef>
-                <a:spcPts val="0"/>
-              </a:spcBef>
-              <a:buClr>
-                <a:schemeClr val="dk1"/>
-              </a:buClr>
-              <a:buSzPct val="100000"/>
-              <a:buFont typeface="Arial"/>
-              <a:buChar char="●"/>
-            </a:pPr>
-            <a:r>
-              <a:rPr lang="en-US" dirty="0"/>
-              <a:t>Python </a:t>
-            </a:r>
-            <a:r>
-              <a:rPr lang="en" dirty="0"/>
-              <a:t>Standard Library</a:t>
-            </a:r>
-          </a:p>
-          <a:p>
-            <a:pPr marL="914400" lvl="1" indent="-381000" rtl="0">
-              <a:spcBef>
-                <a:spcPts val="0"/>
-              </a:spcBef>
-              <a:buClr>
-                <a:schemeClr val="dk1"/>
-              </a:buClr>
-              <a:buSzPct val="80000"/>
-              <a:buFont typeface="Courier New"/>
-              <a:buChar char="o"/>
-            </a:pPr>
-            <a:r>
-              <a:rPr lang="en-US" dirty="0">
-                <a:latin typeface="Open Sans"/>
-                <a:ea typeface="Open Sans"/>
-                <a:cs typeface="Open Sans"/>
-              </a:rPr>
-              <a:t>Math functions</a:t>
-            </a:r>
-            <a:endParaRPr lang="en" dirty="0">
-              <a:latin typeface="Open Sans"/>
-              <a:ea typeface="Open Sans"/>
-              <a:cs typeface="Open Sans"/>
-            </a:endParaRPr>
-          </a:p>
-          <a:p>
-            <a:pPr marL="914400" lvl="1" indent="-381000" rtl="0">
-              <a:spcBef>
-                <a:spcPts val="0"/>
-              </a:spcBef>
-              <a:buClr>
-                <a:schemeClr val="dk1"/>
-              </a:buClr>
-              <a:buSzPct val="80000"/>
-              <a:buFont typeface="Courier New"/>
-              <a:buChar char="o"/>
-            </a:pPr>
-            <a:r>
-              <a:rPr lang="en-US" dirty="0">
-                <a:latin typeface="Open Sans"/>
-                <a:ea typeface="Open Sans"/>
-                <a:cs typeface="Open Sans"/>
-              </a:rPr>
-              <a:t>Everything we've done so far</a:t>
-            </a:r>
-            <a:endParaRPr lang="en" dirty="0">
-              <a:latin typeface="Open Sans"/>
-              <a:ea typeface="Open Sans"/>
-              <a:cs typeface="Open Sans"/>
-            </a:endParaRPr>
-          </a:p>
-          <a:p>
-            <a:pPr marL="457200" lvl="0" indent="-419100" rtl="0">
-              <a:spcBef>
-                <a:spcPts val="0"/>
-              </a:spcBef>
-              <a:buClr>
-                <a:schemeClr val="dk1"/>
-              </a:buClr>
-              <a:buSzPct val="100000"/>
-              <a:buFont typeface="Arial"/>
-              <a:buChar char="●"/>
-            </a:pPr>
-            <a:r>
-              <a:rPr lang="en-US" dirty="0"/>
-              <a:t>Python packages</a:t>
-            </a:r>
-            <a:endParaRPr lang="en" dirty="0"/>
-          </a:p>
-          <a:p>
-            <a:pPr marL="914400" lvl="1" indent="-381000" rtl="0">
-              <a:spcBef>
-                <a:spcPts val="0"/>
-              </a:spcBef>
-              <a:buClr>
-                <a:schemeClr val="dk1"/>
-              </a:buClr>
-              <a:buSzPct val="80000"/>
-              <a:buFont typeface="Courier New"/>
-              <a:buChar char="o"/>
-            </a:pPr>
-            <a:r>
-              <a:rPr lang="en" dirty="0">
-                <a:latin typeface="Open Sans"/>
-                <a:ea typeface="Open Sans"/>
-                <a:cs typeface="Open Sans"/>
-              </a:rPr>
-              <a:t>Just about everything else</a:t>
-            </a:r>
-            <a:endParaRPr lang="en-US" dirty="0">
-              <a:latin typeface="Open Sans"/>
-              <a:ea typeface="Open Sans"/>
-              <a:cs typeface="Open Sans"/>
-            </a:endParaRPr>
-          </a:p>
-          <a:p>
-            <a:pPr marL="914400" lvl="1" indent="-381000" rtl="0">
-              <a:spcBef>
-                <a:spcPts val="0"/>
-              </a:spcBef>
-              <a:buClr>
-                <a:schemeClr val="dk1"/>
-              </a:buClr>
-              <a:buSzPct val="80000"/>
-              <a:buFont typeface="Courier New"/>
-              <a:buChar char="o"/>
-            </a:pPr>
-            <a:r>
-              <a:rPr lang="en-US" dirty="0">
-                <a:latin typeface="Open Sans"/>
-                <a:ea typeface="Open Sans"/>
-                <a:cs typeface="Open Sans"/>
-              </a:rPr>
-              <a:t>Anythin you might not need to use everytime</a:t>
-            </a:r>
-            <a:endParaRPr lang="en" dirty="0">
-              <a:latin typeface="Open Sans"/>
-              <a:ea typeface="Open Sans"/>
-              <a:cs typeface="Open Sans"/>
-            </a:endParaRPr>
-          </a:p>
-          <a:p>
-            <a:pPr>
-              <a:spcBef>
-                <a:spcPts val="0"/>
-              </a:spcBef>
-              <a:buNone/>
-            </a:pPr>
-            <a:endParaRPr dirty="0"/>
-          </a:p>
-        </p:txBody>
-      </p:sp>
-    </p:spTree>
-  </p:cSld>
-  <p:clrMapOvr>
-    <a:masterClrMapping/>
-  </p:clrMapOvr>
-  <p:transition xmlns:p14="http://schemas.microsoft.com/office/powerpoint/2010/main" spd="slow">
-    <p:cut/>
-  </p:transition>
-  <p:timing>
-    <p:tnLst>
-      <p:par>
-        <p:cTn xmlns:p14="http://schemas.microsoft.com/office/powerpoint/2010/main" id="1" dur="indefinite" restart="never" nodeType="tmRoot"/>
-      </p:par>
-    </p:tnLst>
-  </p:timing>
-</p:sld>
-</file>
-
-<file path=ppt/slides/slide32.xml><?xml version="1.0" encoding="utf-8"?>
-<p:sld xmlns:a="http://schemas.openxmlformats.org/drawingml/2006/main" xmlns:r="http://schemas.openxmlformats.org/officeDocument/2006/relationships" xmlns:p="http://schemas.openxmlformats.org/presentationml/2006/main">
-  <p:cSld>
-    <p:spTree>
-      <p:nvGrpSpPr>
-        <p:cNvPr id="1" name="Shape 206"/>
-        <p:cNvGrpSpPr/>
-        <p:nvPr/>
-      </p:nvGrpSpPr>
-      <p:grpSpPr>
-        <a:xfrm>
-          <a:off x="0" y="0"/>
-          <a:ext cx="0" cy="0"/>
-          <a:chOff x="0" y="0"/>
-          <a:chExt cx="0" cy="0"/>
-        </a:xfrm>
-      </p:grpSpPr>
-      <p:sp>
-        <p:nvSpPr>
-          <p:cNvPr id="207" name="Shape 207"/>
-          <p:cNvSpPr txBox="1">
-            <a:spLocks noGrp="1"/>
-          </p:cNvSpPr>
-          <p:nvPr>
-            <p:ph type="title"/>
-          </p:nvPr>
-        </p:nvSpPr>
-        <p:spPr>
-          <a:xfrm>
-            <a:off x="457200" y="274636"/>
-            <a:ext cx="8229600" cy="1325563"/>
-          </a:xfrm>
-          <a:prstGeom prst="rect">
-            <a:avLst/>
-          </a:prstGeom>
-        </p:spPr>
-        <p:txBody>
-          <a:bodyPr lIns="91425" tIns="91425" rIns="91425" bIns="91425" anchor="b" anchorCtr="0">
-            <a:noAutofit/>
-          </a:bodyPr>
-          <a:lstStyle/>
-          <a:p>
-            <a:pPr>
-              <a:spcBef>
-                <a:spcPts val="0"/>
-              </a:spcBef>
-              <a:buNone/>
-            </a:pPr>
-            <a:r>
-              <a:rPr lang="en-US" sz="5500" dirty="0" smtClean="0">
-                <a:solidFill>
-                  <a:srgbClr val="FF0000"/>
-                </a:solidFill>
-                <a:latin typeface="Yanone Kaffeesatz Bold"/>
-                <a:cs typeface="Yanone Kaffeesatz Bold"/>
-                <a:sym typeface="Ubuntu"/>
-              </a:rPr>
-              <a:t>Installing Packages</a:t>
-            </a:r>
-            <a:endParaRPr lang="en" sz="5500" dirty="0">
-              <a:solidFill>
-                <a:srgbClr val="FF0000"/>
-              </a:solidFill>
-              <a:latin typeface="Yanone Kaffeesatz Bold"/>
-              <a:cs typeface="Yanone Kaffeesatz Bold"/>
-              <a:sym typeface="Ubuntu"/>
-            </a:endParaRPr>
-          </a:p>
-        </p:txBody>
-      </p:sp>
-      <p:sp>
-        <p:nvSpPr>
-          <p:cNvPr id="208" name="Shape 208"/>
-          <p:cNvSpPr txBox="1">
-            <a:spLocks noGrp="1"/>
-          </p:cNvSpPr>
-          <p:nvPr>
-            <p:ph type="body" idx="1"/>
-          </p:nvPr>
-        </p:nvSpPr>
-        <p:spPr>
-          <a:xfrm>
-            <a:off x="457200" y="1600200"/>
-            <a:ext cx="8229600" cy="4967700"/>
-          </a:xfrm>
-          <a:prstGeom prst="rect">
-            <a:avLst/>
-          </a:prstGeom>
-        </p:spPr>
-        <p:txBody>
-          <a:bodyPr lIns="91425" tIns="91425" rIns="91425" bIns="91425" anchor="t" anchorCtr="0">
-            <a:noAutofit/>
-          </a:bodyPr>
-          <a:lstStyle/>
-          <a:p>
-            <a:pPr lvl="0" rtl="0">
-              <a:spcBef>
-                <a:spcPts val="0"/>
-              </a:spcBef>
-              <a:buNone/>
-            </a:pPr>
-            <a:r>
               <a:rPr lang="en-US" sz="2000" dirty="0" smtClean="0"/>
               <a:t>How do you get them on your computer?</a:t>
             </a:r>
@@ -22556,7 +21962,7 @@
 </p:sld>
 </file>
 
-<file path=ppt/slides/slide33.xml><?xml version="1.0" encoding="utf-8"?>
+<file path=ppt/slides/slide32.xml><?xml version="1.0" encoding="utf-8"?>
 <p:sld xmlns:a="http://schemas.openxmlformats.org/drawingml/2006/main" xmlns:r="http://schemas.openxmlformats.org/officeDocument/2006/relationships" xmlns:p="http://schemas.openxmlformats.org/presentationml/2006/main">
   <p:cSld>
     <p:spTree>
@@ -23050,7 +22456,7 @@
 </p:sld>
 </file>
 
-<file path=ppt/slides/slide34.xml><?xml version="1.0" encoding="utf-8"?>
+<file path=ppt/slides/slide33.xml><?xml version="1.0" encoding="utf-8"?>
 <p:sld xmlns:a="http://schemas.openxmlformats.org/drawingml/2006/main" xmlns:r="http://schemas.openxmlformats.org/officeDocument/2006/relationships" xmlns:p="http://schemas.openxmlformats.org/presentationml/2006/main">
   <p:cSld>
     <p:spTree>
@@ -23356,7 +22762,7 @@
 </p:sld>
 </file>
 
-<file path=ppt/slides/slide35.xml><?xml version="1.0" encoding="utf-8"?>
+<file path=ppt/slides/slide34.xml><?xml version="1.0" encoding="utf-8"?>
 <p:sld xmlns:a="http://schemas.openxmlformats.org/drawingml/2006/main" xmlns:r="http://schemas.openxmlformats.org/officeDocument/2006/relationships" xmlns:p="http://schemas.openxmlformats.org/presentationml/2006/main">
   <p:cSld>
     <p:spTree>
@@ -24041,7 +23447,7 @@
 </p:sld>
 </file>
 
-<file path=ppt/slides/slide36.xml><?xml version="1.0" encoding="utf-8"?>
+<file path=ppt/slides/slide35.xml><?xml version="1.0" encoding="utf-8"?>
 <p:sld xmlns:a="http://schemas.openxmlformats.org/drawingml/2006/main" xmlns:r="http://schemas.openxmlformats.org/officeDocument/2006/relationships" xmlns:p="http://schemas.openxmlformats.org/presentationml/2006/main">
   <p:cSld>
     <p:spTree>
@@ -24261,7 +23667,7 @@
 </p:sld>
 </file>
 
-<file path=ppt/slides/slide37.xml><?xml version="1.0" encoding="utf-8"?>
+<file path=ppt/slides/slide36.xml><?xml version="1.0" encoding="utf-8"?>
 <p:sld xmlns:a="http://schemas.openxmlformats.org/drawingml/2006/main" xmlns:r="http://schemas.openxmlformats.org/officeDocument/2006/relationships" xmlns:p="http://schemas.openxmlformats.org/presentationml/2006/main">
   <p:cSld>
     <p:spTree>
@@ -24995,7 +24401,7 @@
 </p:sld>
 </file>
 
-<file path=ppt/slides/slide38.xml><?xml version="1.0" encoding="utf-8"?>
+<file path=ppt/slides/slide37.xml><?xml version="1.0" encoding="utf-8"?>
 <p:sld xmlns:a="http://schemas.openxmlformats.org/drawingml/2006/main" xmlns:r="http://schemas.openxmlformats.org/officeDocument/2006/relationships" xmlns:p="http://schemas.openxmlformats.org/presentationml/2006/main">
   <p:cSld>
     <p:spTree>
@@ -25761,7 +25167,7 @@
 </p:sld>
 </file>
 
-<file path=ppt/slides/slide39.xml><?xml version="1.0" encoding="utf-8"?>
+<file path=ppt/slides/slide38.xml><?xml version="1.0" encoding="utf-8"?>
 <p:sld xmlns:a="http://schemas.openxmlformats.org/drawingml/2006/main" xmlns:r="http://schemas.openxmlformats.org/officeDocument/2006/relationships" xmlns:p="http://schemas.openxmlformats.org/presentationml/2006/main">
   <p:cSld>
     <p:spTree>
@@ -26109,6 +25515,722 @@
       </p:par>
     </p:tnLst>
   </p:timing>
+</p:sld>
+</file>
+
+<file path=ppt/slides/slide39.xml><?xml version="1.0" encoding="utf-8"?>
+<p:sld xmlns:a="http://schemas.openxmlformats.org/drawingml/2006/main" xmlns:r="http://schemas.openxmlformats.org/officeDocument/2006/relationships" xmlns:p="http://schemas.openxmlformats.org/presentationml/2006/main">
+  <p:cSld>
+    <p:spTree>
+      <p:nvGrpSpPr>
+        <p:cNvPr id="1" name="Shape 254"/>
+        <p:cNvGrpSpPr/>
+        <p:nvPr/>
+      </p:nvGrpSpPr>
+      <p:grpSpPr>
+        <a:xfrm>
+          <a:off x="0" y="0"/>
+          <a:ext cx="0" cy="0"/>
+          <a:chOff x="0" y="0"/>
+          <a:chExt cx="0" cy="0"/>
+        </a:xfrm>
+      </p:grpSpPr>
+      <p:sp>
+        <p:nvSpPr>
+          <p:cNvPr id="255" name="Shape 255"/>
+          <p:cNvSpPr txBox="1">
+            <a:spLocks noGrp="1"/>
+          </p:cNvSpPr>
+          <p:nvPr>
+            <p:ph type="title"/>
+          </p:nvPr>
+        </p:nvSpPr>
+        <p:spPr>
+          <a:xfrm>
+            <a:off x="457200" y="274636"/>
+            <a:ext cx="8229600" cy="1325563"/>
+          </a:xfrm>
+          <a:prstGeom prst="rect">
+            <a:avLst/>
+          </a:prstGeom>
+        </p:spPr>
+        <p:txBody>
+          <a:bodyPr lIns="91425" tIns="91425" rIns="91425" bIns="91425" anchor="b" anchorCtr="0">
+            <a:noAutofit/>
+          </a:bodyPr>
+          <a:lstStyle/>
+          <a:p>
+            <a:pPr>
+              <a:spcBef>
+                <a:spcPts val="0"/>
+              </a:spcBef>
+              <a:buNone/>
+            </a:pPr>
+            <a:r>
+              <a:rPr lang="en-US" sz="9600" dirty="0">
+                <a:solidFill>
+                  <a:srgbClr val="FF0000"/>
+                </a:solidFill>
+                <a:latin typeface="Yanone Kaffeesatz Bold"/>
+                <a:cs typeface="Yanone Kaffeesatz Bold"/>
+              </a:rPr>
+              <a:t>An Answer</a:t>
+            </a:r>
+            <a:endParaRPr lang="en" sz="9600" dirty="0">
+              <a:solidFill>
+                <a:srgbClr val="FF0000"/>
+              </a:solidFill>
+              <a:latin typeface="Yanone Kaffeesatz Bold"/>
+              <a:cs typeface="Yanone Kaffeesatz Bold"/>
+            </a:endParaRPr>
+          </a:p>
+        </p:txBody>
+      </p:sp>
+      <p:sp>
+        <p:nvSpPr>
+          <p:cNvPr id="256" name="Shape 256"/>
+          <p:cNvSpPr txBox="1">
+            <a:spLocks noGrp="1"/>
+          </p:cNvSpPr>
+          <p:nvPr>
+            <p:ph type="body" idx="1"/>
+          </p:nvPr>
+        </p:nvSpPr>
+        <p:spPr>
+          <a:xfrm>
+            <a:off x="457200" y="1600200"/>
+            <a:ext cx="8229600" cy="4967700"/>
+          </a:xfrm>
+          <a:prstGeom prst="rect">
+            <a:avLst/>
+          </a:prstGeom>
+        </p:spPr>
+        <p:txBody>
+          <a:bodyPr lIns="91425" tIns="91425" rIns="91425" bIns="91425" anchor="t" anchorCtr="0">
+            <a:noAutofit/>
+          </a:bodyPr>
+          <a:lstStyle/>
+          <a:p>
+            <a:pPr lvl="0" rtl="0">
+              <a:lnSpc>
+                <a:spcPct val="115000"/>
+              </a:lnSpc>
+              <a:spcBef>
+                <a:spcPts val="0"/>
+              </a:spcBef>
+              <a:buNone/>
+            </a:pPr>
+            <a:r>
+              <a:rPr lang="en" sz="2100" dirty="0">
+                <a:solidFill>
+                  <a:schemeClr val="tx1"/>
+                </a:solidFill>
+                <a:latin typeface="Menlo Regular"/>
+                <a:ea typeface="Menlo Regular"/>
+                <a:cs typeface="Menlo Regular"/>
+                <a:sym typeface="Courier New"/>
+              </a:rPr>
+              <a:t>birth_dates = {</a:t>
+            </a:r>
+            <a:r>
+              <a:rPr lang="en" sz="2100" dirty="0">
+                <a:solidFill>
+                  <a:srgbClr val="FF0000"/>
+                </a:solidFill>
+                <a:latin typeface="Menlo Regular"/>
+                <a:ea typeface="Menlo Regular"/>
+                <a:cs typeface="Menlo Regular"/>
+                <a:sym typeface="Courier New"/>
+              </a:rPr>
+              <a:t>'Wallace </a:t>
+            </a:r>
+            <a:r>
+              <a:rPr lang="en" sz="2100" dirty="0" smtClean="0">
+                <a:solidFill>
+                  <a:srgbClr val="FF0000"/>
+                </a:solidFill>
+                <a:latin typeface="Menlo Regular"/>
+                <a:ea typeface="Menlo Regular"/>
+                <a:cs typeface="Menlo Regular"/>
+                <a:sym typeface="Courier New"/>
+              </a:rPr>
+              <a:t>Stevens</a:t>
+            </a:r>
+            <a:r>
+              <a:rPr lang="en-US" sz="2100" dirty="0" smtClean="0">
+                <a:solidFill>
+                  <a:srgbClr val="FF0000"/>
+                </a:solidFill>
+                <a:latin typeface="Menlo Regular"/>
+                <a:ea typeface="Menlo Regular"/>
+                <a:cs typeface="Menlo Regular"/>
+                <a:sym typeface="Courier New"/>
+              </a:rPr>
+              <a:t>'</a:t>
+            </a:r>
+            <a:r>
+              <a:rPr lang="en" sz="2100" dirty="0" smtClean="0">
+                <a:solidFill>
+                  <a:srgbClr val="FF0000"/>
+                </a:solidFill>
+                <a:latin typeface="Menlo Regular"/>
+                <a:ea typeface="Menlo Regular"/>
+                <a:cs typeface="Menlo Regular"/>
+                <a:sym typeface="Courier New"/>
+              </a:rPr>
+              <a:t>:</a:t>
+            </a:r>
+            <a:r>
+              <a:rPr lang="en" sz="2100" dirty="0" smtClean="0">
+                <a:solidFill>
+                  <a:schemeClr val="tx1"/>
+                </a:solidFill>
+                <a:latin typeface="Menlo Regular"/>
+                <a:ea typeface="Menlo Regular"/>
+                <a:cs typeface="Menlo Regular"/>
+                <a:sym typeface="Courier New"/>
+              </a:rPr>
+              <a:t> </a:t>
+            </a:r>
+            <a:r>
+              <a:rPr lang="en" sz="2100" dirty="0">
+                <a:solidFill>
+                  <a:srgbClr val="11889C"/>
+                </a:solidFill>
+                <a:latin typeface="Menlo Regular"/>
+                <a:ea typeface="Menlo Regular"/>
+                <a:cs typeface="Menlo Regular"/>
+                <a:sym typeface="Courier New"/>
+              </a:rPr>
+              <a:t>1897</a:t>
+            </a:r>
+            <a:r>
+              <a:rPr lang="en" sz="2100" dirty="0">
+                <a:solidFill>
+                  <a:schemeClr val="tx1"/>
+                </a:solidFill>
+                <a:latin typeface="Menlo Regular"/>
+                <a:ea typeface="Menlo Regular"/>
+                <a:cs typeface="Menlo Regular"/>
+                <a:sym typeface="Courier New"/>
+              </a:rPr>
+              <a:t>, </a:t>
+            </a:r>
+            <a:r>
+              <a:rPr lang="en-US" sz="2100" dirty="0">
+                <a:solidFill>
+                  <a:srgbClr val="FF0000"/>
+                </a:solidFill>
+                <a:latin typeface="Menlo Regular"/>
+                <a:ea typeface="Menlo Regular"/>
+                <a:cs typeface="Menlo Regular"/>
+                <a:sym typeface="Courier New"/>
+              </a:rPr>
+              <a:t>'</a:t>
+            </a:r>
+            <a:r>
+              <a:rPr lang="en-US" sz="2100" dirty="0" smtClean="0">
+                <a:solidFill>
+                  <a:srgbClr val="FF0000"/>
+                </a:solidFill>
+                <a:latin typeface="Menlo Regular"/>
+                <a:ea typeface="Menlo Regular"/>
+                <a:cs typeface="Menlo Regular"/>
+                <a:sym typeface="Courier New"/>
+              </a:rPr>
+              <a:t>Brandon</a:t>
+            </a:r>
+            <a:r>
+              <a:rPr lang="en" sz="2100" dirty="0" smtClean="0">
+                <a:solidFill>
+                  <a:srgbClr val="FF0000"/>
+                </a:solidFill>
+                <a:latin typeface="Menlo Regular"/>
+                <a:ea typeface="Menlo Regular"/>
+                <a:cs typeface="Menlo Regular"/>
+                <a:sym typeface="Courier New"/>
+              </a:rPr>
+              <a:t> </a:t>
+            </a:r>
+            <a:r>
+              <a:rPr lang="en-US" sz="2100" dirty="0" smtClean="0">
+                <a:solidFill>
+                  <a:srgbClr val="FF0000"/>
+                </a:solidFill>
+                <a:latin typeface="Menlo Regular"/>
+                <a:ea typeface="Menlo Regular"/>
+                <a:cs typeface="Menlo Regular"/>
+                <a:sym typeface="Courier New"/>
+              </a:rPr>
+              <a:t>Walsh</a:t>
+            </a:r>
+            <a:r>
+              <a:rPr lang="en-US" sz="2200" dirty="0">
+                <a:solidFill>
+                  <a:srgbClr val="FF0000"/>
+                </a:solidFill>
+                <a:latin typeface="Menlo Regular"/>
+                <a:ea typeface="Menlo Regular"/>
+                <a:cs typeface="Menlo Regular"/>
+                <a:sym typeface="Courier New"/>
+              </a:rPr>
+              <a:t>'</a:t>
+            </a:r>
+            <a:r>
+              <a:rPr lang="en" sz="2200" dirty="0" smtClean="0">
+                <a:solidFill>
+                  <a:schemeClr val="tx1"/>
+                </a:solidFill>
+                <a:latin typeface="Menlo Regular"/>
+                <a:ea typeface="Menlo Regular"/>
+                <a:cs typeface="Menlo Regular"/>
+                <a:sym typeface="Courier New"/>
+              </a:rPr>
+              <a:t>: </a:t>
+            </a:r>
+            <a:r>
+              <a:rPr lang="en" sz="2200" dirty="0">
+                <a:solidFill>
+                  <a:srgbClr val="11889C"/>
+                </a:solidFill>
+                <a:latin typeface="Menlo Regular"/>
+                <a:ea typeface="Menlo Regular"/>
+                <a:cs typeface="Menlo Regular"/>
+                <a:sym typeface="Courier New"/>
+              </a:rPr>
+              <a:t>1977</a:t>
+            </a:r>
+            <a:r>
+              <a:rPr lang="en" sz="2200" dirty="0">
+                <a:solidFill>
+                  <a:schemeClr val="tx1"/>
+                </a:solidFill>
+                <a:latin typeface="Menlo Regular"/>
+                <a:ea typeface="Menlo Regular"/>
+                <a:cs typeface="Menlo Regular"/>
+                <a:sym typeface="Courier New"/>
+              </a:rPr>
+              <a:t>}</a:t>
+            </a:r>
+          </a:p>
+          <a:p>
+            <a:pPr lvl="0" rtl="0">
+              <a:lnSpc>
+                <a:spcPct val="115000"/>
+              </a:lnSpc>
+              <a:spcBef>
+                <a:spcPts val="0"/>
+              </a:spcBef>
+              <a:buNone/>
+            </a:pPr>
+            <a:endParaRPr sz="1000" dirty="0">
+              <a:solidFill>
+                <a:schemeClr val="tx1"/>
+              </a:solidFill>
+              <a:latin typeface="Menlo Regular"/>
+              <a:ea typeface="Menlo Regular"/>
+              <a:cs typeface="Menlo Regular"/>
+              <a:sym typeface="Courier New"/>
+            </a:endParaRPr>
+          </a:p>
+          <a:p>
+            <a:pPr lvl="0" rtl="0">
+              <a:lnSpc>
+                <a:spcPct val="115000"/>
+              </a:lnSpc>
+              <a:spcBef>
+                <a:spcPts val="0"/>
+              </a:spcBef>
+              <a:buNone/>
+            </a:pPr>
+            <a:r>
+              <a:rPr lang="en" sz="2200" dirty="0">
+                <a:solidFill>
+                  <a:schemeClr val="tx1"/>
+                </a:solidFill>
+                <a:latin typeface="Menlo Regular"/>
+                <a:ea typeface="Menlo Regular"/>
+                <a:cs typeface="Menlo Regular"/>
+                <a:sym typeface="Courier New"/>
+              </a:rPr>
+              <a:t>nineteenth_count = </a:t>
+            </a:r>
+            <a:r>
+              <a:rPr lang="en" sz="2200" dirty="0">
+                <a:solidFill>
+                  <a:srgbClr val="11889C"/>
+                </a:solidFill>
+                <a:latin typeface="Menlo Regular"/>
+                <a:ea typeface="Menlo Regular"/>
+                <a:cs typeface="Menlo Regular"/>
+                <a:sym typeface="Courier New"/>
+              </a:rPr>
+              <a:t>0</a:t>
+            </a:r>
+          </a:p>
+          <a:p>
+            <a:pPr lvl="0" rtl="0">
+              <a:lnSpc>
+                <a:spcPct val="115000"/>
+              </a:lnSpc>
+              <a:spcBef>
+                <a:spcPts val="0"/>
+              </a:spcBef>
+              <a:buNone/>
+            </a:pPr>
+            <a:r>
+              <a:rPr lang="en" sz="2200" dirty="0">
+                <a:solidFill>
+                  <a:schemeClr val="tx1"/>
+                </a:solidFill>
+                <a:latin typeface="Menlo Regular"/>
+                <a:ea typeface="Menlo Regular"/>
+                <a:cs typeface="Menlo Regular"/>
+                <a:sym typeface="Courier New"/>
+              </a:rPr>
+              <a:t>twentieth_count = </a:t>
+            </a:r>
+            <a:r>
+              <a:rPr lang="en" sz="2200" dirty="0">
+                <a:solidFill>
+                  <a:srgbClr val="11889C"/>
+                </a:solidFill>
+                <a:latin typeface="Menlo Regular"/>
+                <a:ea typeface="Menlo Regular"/>
+                <a:cs typeface="Menlo Regular"/>
+                <a:sym typeface="Courier New"/>
+              </a:rPr>
+              <a:t>0</a:t>
+            </a:r>
+            <a:r>
+              <a:rPr lang="en" sz="2200" dirty="0">
+                <a:solidFill>
+                  <a:schemeClr val="tx1"/>
+                </a:solidFill>
+                <a:latin typeface="Menlo Regular"/>
+                <a:ea typeface="Menlo Regular"/>
+                <a:cs typeface="Menlo Regular"/>
+                <a:sym typeface="Courier New"/>
+              </a:rPr>
+              <a:t> </a:t>
+            </a:r>
+            <a:endParaRPr lang="en" sz="2200" dirty="0" smtClean="0">
+              <a:solidFill>
+                <a:schemeClr val="tx1"/>
+              </a:solidFill>
+              <a:latin typeface="Menlo Regular"/>
+              <a:ea typeface="Menlo Regular"/>
+              <a:cs typeface="Menlo Regular"/>
+              <a:sym typeface="Courier New"/>
+            </a:endParaRPr>
+          </a:p>
+          <a:p>
+            <a:pPr lvl="0" rtl="0">
+              <a:lnSpc>
+                <a:spcPct val="115000"/>
+              </a:lnSpc>
+              <a:spcBef>
+                <a:spcPts val="0"/>
+              </a:spcBef>
+              <a:buNone/>
+            </a:pPr>
+            <a:endParaRPr lang="en" sz="2200" dirty="0">
+              <a:solidFill>
+                <a:schemeClr val="tx1"/>
+              </a:solidFill>
+              <a:latin typeface="Menlo Regular"/>
+              <a:ea typeface="Menlo Regular"/>
+              <a:cs typeface="Menlo Regular"/>
+              <a:sym typeface="Courier New"/>
+            </a:endParaRPr>
+          </a:p>
+          <a:p>
+            <a:pPr lvl="0" rtl="0">
+              <a:lnSpc>
+                <a:spcPct val="115000"/>
+              </a:lnSpc>
+              <a:spcBef>
+                <a:spcPts val="0"/>
+              </a:spcBef>
+              <a:buNone/>
+            </a:pPr>
+            <a:r>
+              <a:rPr lang="en-US" sz="2200" dirty="0" smtClean="0">
+                <a:solidFill>
+                  <a:schemeClr val="tx1"/>
+                </a:solidFill>
+                <a:latin typeface="Menlo Regular"/>
+                <a:ea typeface="Menlo Regular"/>
+                <a:cs typeface="Menlo Regular"/>
+                <a:sym typeface="Courier New"/>
+              </a:rPr>
+              <a:t>for person, </a:t>
+            </a:r>
+            <a:r>
+              <a:rPr lang="en-US" sz="2200" dirty="0" err="1" smtClean="0">
+                <a:solidFill>
+                  <a:schemeClr val="tx1"/>
+                </a:solidFill>
+                <a:latin typeface="Menlo Regular"/>
+                <a:ea typeface="Menlo Regular"/>
+                <a:cs typeface="Menlo Regular"/>
+                <a:sym typeface="Courier New"/>
+              </a:rPr>
+              <a:t>b_date</a:t>
+            </a:r>
+            <a:r>
+              <a:rPr lang="en-US" sz="2200" dirty="0" smtClean="0">
+                <a:solidFill>
+                  <a:schemeClr val="tx1"/>
+                </a:solidFill>
+                <a:latin typeface="Menlo Regular"/>
+                <a:ea typeface="Menlo Regular"/>
+                <a:cs typeface="Menlo Regular"/>
+                <a:sym typeface="Courier New"/>
+              </a:rPr>
+              <a:t> in </a:t>
+            </a:r>
+            <a:r>
+              <a:rPr lang="en-US" sz="2200" dirty="0" err="1" smtClean="0">
+                <a:solidFill>
+                  <a:schemeClr val="tx1"/>
+                </a:solidFill>
+                <a:latin typeface="Menlo Regular"/>
+                <a:ea typeface="Menlo Regular"/>
+                <a:cs typeface="Menlo Regular"/>
+                <a:sym typeface="Courier New"/>
+              </a:rPr>
+              <a:t>birth_dates.items</a:t>
+            </a:r>
+            <a:r>
+              <a:rPr lang="en-US" sz="2200" dirty="0" smtClean="0">
+                <a:solidFill>
+                  <a:schemeClr val="tx1"/>
+                </a:solidFill>
+                <a:latin typeface="Menlo Regular"/>
+                <a:ea typeface="Menlo Regular"/>
+                <a:cs typeface="Menlo Regular"/>
+                <a:sym typeface="Courier New"/>
+              </a:rPr>
+              <a:t>():</a:t>
+            </a:r>
+            <a:endParaRPr lang="en" sz="2200" dirty="0">
+              <a:solidFill>
+                <a:schemeClr val="tx1"/>
+              </a:solidFill>
+              <a:latin typeface="Menlo Regular"/>
+              <a:ea typeface="Menlo Regular"/>
+              <a:cs typeface="Menlo Regular"/>
+              <a:sym typeface="Courier New"/>
+            </a:endParaRPr>
+          </a:p>
+          <a:p>
+            <a:pPr lvl="0" rtl="0">
+              <a:lnSpc>
+                <a:spcPct val="115000"/>
+              </a:lnSpc>
+              <a:spcBef>
+                <a:spcPts val="0"/>
+              </a:spcBef>
+              <a:buNone/>
+            </a:pPr>
+            <a:r>
+              <a:rPr lang="en" sz="2200" dirty="0">
+                <a:solidFill>
+                  <a:schemeClr val="tx1"/>
+                </a:solidFill>
+                <a:latin typeface="Menlo Regular"/>
+                <a:ea typeface="Menlo Regular"/>
+                <a:cs typeface="Menlo Regular"/>
+                <a:sym typeface="Courier New"/>
+              </a:rPr>
+              <a:t>  if b_date &lt; </a:t>
+            </a:r>
+            <a:r>
+              <a:rPr lang="en" sz="2200" dirty="0" smtClean="0">
+                <a:solidFill>
+                  <a:srgbClr val="11889C"/>
+                </a:solidFill>
+                <a:latin typeface="Menlo Regular"/>
+                <a:ea typeface="Menlo Regular"/>
+                <a:cs typeface="Menlo Regular"/>
+                <a:sym typeface="Courier New"/>
+              </a:rPr>
+              <a:t>1900:</a:t>
+            </a:r>
+            <a:endParaRPr lang="en" sz="2200" dirty="0">
+              <a:solidFill>
+                <a:srgbClr val="11889C"/>
+              </a:solidFill>
+              <a:latin typeface="Menlo Regular"/>
+              <a:ea typeface="Menlo Regular"/>
+              <a:cs typeface="Menlo Regular"/>
+              <a:sym typeface="Courier New"/>
+            </a:endParaRPr>
+          </a:p>
+          <a:p>
+            <a:pPr lvl="0" rtl="0">
+              <a:lnSpc>
+                <a:spcPct val="115000"/>
+              </a:lnSpc>
+              <a:spcBef>
+                <a:spcPts val="0"/>
+              </a:spcBef>
+              <a:buNone/>
+            </a:pPr>
+            <a:r>
+              <a:rPr lang="en" sz="2200" dirty="0">
+                <a:solidFill>
+                  <a:schemeClr val="tx1"/>
+                </a:solidFill>
+                <a:latin typeface="Menlo Regular"/>
+                <a:ea typeface="Menlo Regular"/>
+                <a:cs typeface="Menlo Regular"/>
+                <a:sym typeface="Courier New"/>
+              </a:rPr>
+              <a:t>    nineteenth_count += </a:t>
+            </a:r>
+            <a:r>
+              <a:rPr lang="en" sz="2200" dirty="0">
+                <a:solidFill>
+                  <a:srgbClr val="11889C"/>
+                </a:solidFill>
+                <a:latin typeface="Menlo Regular"/>
+                <a:ea typeface="Menlo Regular"/>
+                <a:cs typeface="Menlo Regular"/>
+                <a:sym typeface="Courier New"/>
+              </a:rPr>
+              <a:t>1</a:t>
+            </a:r>
+          </a:p>
+          <a:p>
+            <a:pPr lvl="0" rtl="0">
+              <a:lnSpc>
+                <a:spcPct val="115000"/>
+              </a:lnSpc>
+              <a:spcBef>
+                <a:spcPts val="0"/>
+              </a:spcBef>
+              <a:buNone/>
+            </a:pPr>
+            <a:r>
+              <a:rPr lang="en" sz="2200" dirty="0">
+                <a:solidFill>
+                  <a:schemeClr val="tx1"/>
+                </a:solidFill>
+                <a:latin typeface="Menlo Regular"/>
+                <a:ea typeface="Menlo Regular"/>
+                <a:cs typeface="Menlo Regular"/>
+                <a:sym typeface="Courier New"/>
+              </a:rPr>
+              <a:t>  </a:t>
+            </a:r>
+            <a:r>
+              <a:rPr lang="en" sz="2200" dirty="0" smtClean="0">
+                <a:solidFill>
+                  <a:schemeClr val="tx1"/>
+                </a:solidFill>
+                <a:latin typeface="Menlo Regular"/>
+                <a:ea typeface="Menlo Regular"/>
+                <a:cs typeface="Menlo Regular"/>
+                <a:sym typeface="Courier New"/>
+              </a:rPr>
+              <a:t>else:</a:t>
+            </a:r>
+            <a:endParaRPr lang="en" sz="2200" dirty="0">
+              <a:solidFill>
+                <a:schemeClr val="tx1"/>
+              </a:solidFill>
+              <a:latin typeface="Menlo Regular"/>
+              <a:ea typeface="Menlo Regular"/>
+              <a:cs typeface="Menlo Regular"/>
+              <a:sym typeface="Courier New"/>
+            </a:endParaRPr>
+          </a:p>
+          <a:p>
+            <a:pPr lvl="0" rtl="0">
+              <a:lnSpc>
+                <a:spcPct val="115000"/>
+              </a:lnSpc>
+              <a:spcBef>
+                <a:spcPts val="0"/>
+              </a:spcBef>
+              <a:buNone/>
+            </a:pPr>
+            <a:r>
+              <a:rPr lang="en" sz="2200" dirty="0">
+                <a:solidFill>
+                  <a:schemeClr val="tx1"/>
+                </a:solidFill>
+                <a:latin typeface="Menlo Regular"/>
+                <a:ea typeface="Menlo Regular"/>
+                <a:cs typeface="Menlo Regular"/>
+                <a:sym typeface="Courier New"/>
+              </a:rPr>
+              <a:t>    twentieth_count += </a:t>
+            </a:r>
+            <a:r>
+              <a:rPr lang="en" sz="2200" dirty="0" smtClean="0">
+                <a:solidFill>
+                  <a:srgbClr val="11889C"/>
+                </a:solidFill>
+                <a:latin typeface="Menlo Regular"/>
+                <a:ea typeface="Menlo Regular"/>
+                <a:cs typeface="Menlo Regular"/>
+                <a:sym typeface="Courier New"/>
+              </a:rPr>
+              <a:t>1</a:t>
+            </a:r>
+            <a:endParaRPr lang="en" sz="2200" dirty="0">
+              <a:solidFill>
+                <a:schemeClr val="tx1"/>
+              </a:solidFill>
+              <a:latin typeface="Menlo Regular"/>
+              <a:ea typeface="Menlo Regular"/>
+              <a:cs typeface="Menlo Regular"/>
+              <a:sym typeface="Courier New"/>
+            </a:endParaRPr>
+          </a:p>
+          <a:p>
+            <a:pPr lvl="0" rtl="0">
+              <a:spcBef>
+                <a:spcPts val="0"/>
+              </a:spcBef>
+              <a:buNone/>
+            </a:pPr>
+            <a:endParaRPr sz="1800" b="1" dirty="0">
+              <a:solidFill>
+                <a:srgbClr val="000000"/>
+              </a:solidFill>
+              <a:latin typeface="Menlo Regular"/>
+              <a:ea typeface="Menlo Regular"/>
+              <a:cs typeface="Menlo Regular"/>
+              <a:sym typeface="Courier New"/>
+            </a:endParaRPr>
+          </a:p>
+          <a:p>
+            <a:pPr>
+              <a:spcBef>
+                <a:spcPts val="0"/>
+              </a:spcBef>
+              <a:buNone/>
+            </a:pPr>
+            <a:endParaRPr dirty="0">
+              <a:solidFill>
+                <a:srgbClr val="000000"/>
+              </a:solidFill>
+            </a:endParaRPr>
+          </a:p>
+        </p:txBody>
+      </p:sp>
+    </p:spTree>
+  </p:cSld>
+  <p:clrMapOvr>
+    <a:masterClrMapping/>
+  </p:clrMapOvr>
+  <p:transition xmlns:p14="http://schemas.microsoft.com/office/powerpoint/2010/main" spd="slow">
+    <p:cut/>
+  </p:transition>
 </p:sld>
 </file>
 
@@ -26686,722 +26808,6 @@
   <p:cSld>
     <p:spTree>
       <p:nvGrpSpPr>
-        <p:cNvPr id="1" name="Shape 254"/>
-        <p:cNvGrpSpPr/>
-        <p:nvPr/>
-      </p:nvGrpSpPr>
-      <p:grpSpPr>
-        <a:xfrm>
-          <a:off x="0" y="0"/>
-          <a:ext cx="0" cy="0"/>
-          <a:chOff x="0" y="0"/>
-          <a:chExt cx="0" cy="0"/>
-        </a:xfrm>
-      </p:grpSpPr>
-      <p:sp>
-        <p:nvSpPr>
-          <p:cNvPr id="255" name="Shape 255"/>
-          <p:cNvSpPr txBox="1">
-            <a:spLocks noGrp="1"/>
-          </p:cNvSpPr>
-          <p:nvPr>
-            <p:ph type="title"/>
-          </p:nvPr>
-        </p:nvSpPr>
-        <p:spPr>
-          <a:xfrm>
-            <a:off x="457200" y="274636"/>
-            <a:ext cx="8229600" cy="1325563"/>
-          </a:xfrm>
-          <a:prstGeom prst="rect">
-            <a:avLst/>
-          </a:prstGeom>
-        </p:spPr>
-        <p:txBody>
-          <a:bodyPr lIns="91425" tIns="91425" rIns="91425" bIns="91425" anchor="b" anchorCtr="0">
-            <a:noAutofit/>
-          </a:bodyPr>
-          <a:lstStyle/>
-          <a:p>
-            <a:pPr>
-              <a:spcBef>
-                <a:spcPts val="0"/>
-              </a:spcBef>
-              <a:buNone/>
-            </a:pPr>
-            <a:r>
-              <a:rPr lang="en-US" sz="9600" dirty="0">
-                <a:solidFill>
-                  <a:srgbClr val="FF0000"/>
-                </a:solidFill>
-                <a:latin typeface="Yanone Kaffeesatz Bold"/>
-                <a:cs typeface="Yanone Kaffeesatz Bold"/>
-              </a:rPr>
-              <a:t>An Answer</a:t>
-            </a:r>
-            <a:endParaRPr lang="en" sz="9600" dirty="0">
-              <a:solidFill>
-                <a:srgbClr val="FF0000"/>
-              </a:solidFill>
-              <a:latin typeface="Yanone Kaffeesatz Bold"/>
-              <a:cs typeface="Yanone Kaffeesatz Bold"/>
-            </a:endParaRPr>
-          </a:p>
-        </p:txBody>
-      </p:sp>
-      <p:sp>
-        <p:nvSpPr>
-          <p:cNvPr id="256" name="Shape 256"/>
-          <p:cNvSpPr txBox="1">
-            <a:spLocks noGrp="1"/>
-          </p:cNvSpPr>
-          <p:nvPr>
-            <p:ph type="body" idx="1"/>
-          </p:nvPr>
-        </p:nvSpPr>
-        <p:spPr>
-          <a:xfrm>
-            <a:off x="457200" y="1600200"/>
-            <a:ext cx="8229600" cy="4967700"/>
-          </a:xfrm>
-          <a:prstGeom prst="rect">
-            <a:avLst/>
-          </a:prstGeom>
-        </p:spPr>
-        <p:txBody>
-          <a:bodyPr lIns="91425" tIns="91425" rIns="91425" bIns="91425" anchor="t" anchorCtr="0">
-            <a:noAutofit/>
-          </a:bodyPr>
-          <a:lstStyle/>
-          <a:p>
-            <a:pPr lvl="0" rtl="0">
-              <a:lnSpc>
-                <a:spcPct val="115000"/>
-              </a:lnSpc>
-              <a:spcBef>
-                <a:spcPts val="0"/>
-              </a:spcBef>
-              <a:buNone/>
-            </a:pPr>
-            <a:r>
-              <a:rPr lang="en" sz="2100" dirty="0">
-                <a:solidFill>
-                  <a:schemeClr val="tx1"/>
-                </a:solidFill>
-                <a:latin typeface="Menlo Regular"/>
-                <a:ea typeface="Menlo Regular"/>
-                <a:cs typeface="Menlo Regular"/>
-                <a:sym typeface="Courier New"/>
-              </a:rPr>
-              <a:t>birth_dates = {</a:t>
-            </a:r>
-            <a:r>
-              <a:rPr lang="en" sz="2100" dirty="0">
-                <a:solidFill>
-                  <a:srgbClr val="FF0000"/>
-                </a:solidFill>
-                <a:latin typeface="Menlo Regular"/>
-                <a:ea typeface="Menlo Regular"/>
-                <a:cs typeface="Menlo Regular"/>
-                <a:sym typeface="Courier New"/>
-              </a:rPr>
-              <a:t>'Wallace </a:t>
-            </a:r>
-            <a:r>
-              <a:rPr lang="en" sz="2100" dirty="0" smtClean="0">
-                <a:solidFill>
-                  <a:srgbClr val="FF0000"/>
-                </a:solidFill>
-                <a:latin typeface="Menlo Regular"/>
-                <a:ea typeface="Menlo Regular"/>
-                <a:cs typeface="Menlo Regular"/>
-                <a:sym typeface="Courier New"/>
-              </a:rPr>
-              <a:t>Stevens</a:t>
-            </a:r>
-            <a:r>
-              <a:rPr lang="en-US" sz="2100" dirty="0" smtClean="0">
-                <a:solidFill>
-                  <a:srgbClr val="FF0000"/>
-                </a:solidFill>
-                <a:latin typeface="Menlo Regular"/>
-                <a:ea typeface="Menlo Regular"/>
-                <a:cs typeface="Menlo Regular"/>
-                <a:sym typeface="Courier New"/>
-              </a:rPr>
-              <a:t>'</a:t>
-            </a:r>
-            <a:r>
-              <a:rPr lang="en" sz="2100" dirty="0" smtClean="0">
-                <a:solidFill>
-                  <a:srgbClr val="FF0000"/>
-                </a:solidFill>
-                <a:latin typeface="Menlo Regular"/>
-                <a:ea typeface="Menlo Regular"/>
-                <a:cs typeface="Menlo Regular"/>
-                <a:sym typeface="Courier New"/>
-              </a:rPr>
-              <a:t>:</a:t>
-            </a:r>
-            <a:r>
-              <a:rPr lang="en" sz="2100" dirty="0" smtClean="0">
-                <a:solidFill>
-                  <a:schemeClr val="tx1"/>
-                </a:solidFill>
-                <a:latin typeface="Menlo Regular"/>
-                <a:ea typeface="Menlo Regular"/>
-                <a:cs typeface="Menlo Regular"/>
-                <a:sym typeface="Courier New"/>
-              </a:rPr>
-              <a:t> </a:t>
-            </a:r>
-            <a:r>
-              <a:rPr lang="en" sz="2100" dirty="0">
-                <a:solidFill>
-                  <a:srgbClr val="11889C"/>
-                </a:solidFill>
-                <a:latin typeface="Menlo Regular"/>
-                <a:ea typeface="Menlo Regular"/>
-                <a:cs typeface="Menlo Regular"/>
-                <a:sym typeface="Courier New"/>
-              </a:rPr>
-              <a:t>1897</a:t>
-            </a:r>
-            <a:r>
-              <a:rPr lang="en" sz="2100" dirty="0">
-                <a:solidFill>
-                  <a:schemeClr val="tx1"/>
-                </a:solidFill>
-                <a:latin typeface="Menlo Regular"/>
-                <a:ea typeface="Menlo Regular"/>
-                <a:cs typeface="Menlo Regular"/>
-                <a:sym typeface="Courier New"/>
-              </a:rPr>
-              <a:t>, </a:t>
-            </a:r>
-            <a:r>
-              <a:rPr lang="en-US" sz="2100" dirty="0">
-                <a:solidFill>
-                  <a:srgbClr val="FF0000"/>
-                </a:solidFill>
-                <a:latin typeface="Menlo Regular"/>
-                <a:ea typeface="Menlo Regular"/>
-                <a:cs typeface="Menlo Regular"/>
-                <a:sym typeface="Courier New"/>
-              </a:rPr>
-              <a:t>'</a:t>
-            </a:r>
-            <a:r>
-              <a:rPr lang="en-US" sz="2100" dirty="0" smtClean="0">
-                <a:solidFill>
-                  <a:srgbClr val="FF0000"/>
-                </a:solidFill>
-                <a:latin typeface="Menlo Regular"/>
-                <a:ea typeface="Menlo Regular"/>
-                <a:cs typeface="Menlo Regular"/>
-                <a:sym typeface="Courier New"/>
-              </a:rPr>
-              <a:t>Brandon</a:t>
-            </a:r>
-            <a:r>
-              <a:rPr lang="en" sz="2100" dirty="0" smtClean="0">
-                <a:solidFill>
-                  <a:srgbClr val="FF0000"/>
-                </a:solidFill>
-                <a:latin typeface="Menlo Regular"/>
-                <a:ea typeface="Menlo Regular"/>
-                <a:cs typeface="Menlo Regular"/>
-                <a:sym typeface="Courier New"/>
-              </a:rPr>
-              <a:t> </a:t>
-            </a:r>
-            <a:r>
-              <a:rPr lang="en-US" sz="2100" dirty="0" smtClean="0">
-                <a:solidFill>
-                  <a:srgbClr val="FF0000"/>
-                </a:solidFill>
-                <a:latin typeface="Menlo Regular"/>
-                <a:ea typeface="Menlo Regular"/>
-                <a:cs typeface="Menlo Regular"/>
-                <a:sym typeface="Courier New"/>
-              </a:rPr>
-              <a:t>Walsh</a:t>
-            </a:r>
-            <a:r>
-              <a:rPr lang="en-US" sz="2200" dirty="0">
-                <a:solidFill>
-                  <a:srgbClr val="FF0000"/>
-                </a:solidFill>
-                <a:latin typeface="Menlo Regular"/>
-                <a:ea typeface="Menlo Regular"/>
-                <a:cs typeface="Menlo Regular"/>
-                <a:sym typeface="Courier New"/>
-              </a:rPr>
-              <a:t>'</a:t>
-            </a:r>
-            <a:r>
-              <a:rPr lang="en" sz="2200" dirty="0" smtClean="0">
-                <a:solidFill>
-                  <a:schemeClr val="tx1"/>
-                </a:solidFill>
-                <a:latin typeface="Menlo Regular"/>
-                <a:ea typeface="Menlo Regular"/>
-                <a:cs typeface="Menlo Regular"/>
-                <a:sym typeface="Courier New"/>
-              </a:rPr>
-              <a:t>: </a:t>
-            </a:r>
-            <a:r>
-              <a:rPr lang="en" sz="2200" dirty="0">
-                <a:solidFill>
-                  <a:srgbClr val="11889C"/>
-                </a:solidFill>
-                <a:latin typeface="Menlo Regular"/>
-                <a:ea typeface="Menlo Regular"/>
-                <a:cs typeface="Menlo Regular"/>
-                <a:sym typeface="Courier New"/>
-              </a:rPr>
-              <a:t>1977</a:t>
-            </a:r>
-            <a:r>
-              <a:rPr lang="en" sz="2200" dirty="0">
-                <a:solidFill>
-                  <a:schemeClr val="tx1"/>
-                </a:solidFill>
-                <a:latin typeface="Menlo Regular"/>
-                <a:ea typeface="Menlo Regular"/>
-                <a:cs typeface="Menlo Regular"/>
-                <a:sym typeface="Courier New"/>
-              </a:rPr>
-              <a:t>}</a:t>
-            </a:r>
-          </a:p>
-          <a:p>
-            <a:pPr lvl="0" rtl="0">
-              <a:lnSpc>
-                <a:spcPct val="115000"/>
-              </a:lnSpc>
-              <a:spcBef>
-                <a:spcPts val="0"/>
-              </a:spcBef>
-              <a:buNone/>
-            </a:pPr>
-            <a:endParaRPr sz="1000" dirty="0">
-              <a:solidFill>
-                <a:schemeClr val="tx1"/>
-              </a:solidFill>
-              <a:latin typeface="Menlo Regular"/>
-              <a:ea typeface="Menlo Regular"/>
-              <a:cs typeface="Menlo Regular"/>
-              <a:sym typeface="Courier New"/>
-            </a:endParaRPr>
-          </a:p>
-          <a:p>
-            <a:pPr lvl="0" rtl="0">
-              <a:lnSpc>
-                <a:spcPct val="115000"/>
-              </a:lnSpc>
-              <a:spcBef>
-                <a:spcPts val="0"/>
-              </a:spcBef>
-              <a:buNone/>
-            </a:pPr>
-            <a:r>
-              <a:rPr lang="en" sz="2200" dirty="0">
-                <a:solidFill>
-                  <a:schemeClr val="tx1"/>
-                </a:solidFill>
-                <a:latin typeface="Menlo Regular"/>
-                <a:ea typeface="Menlo Regular"/>
-                <a:cs typeface="Menlo Regular"/>
-                <a:sym typeface="Courier New"/>
-              </a:rPr>
-              <a:t>nineteenth_count = </a:t>
-            </a:r>
-            <a:r>
-              <a:rPr lang="en" sz="2200" dirty="0">
-                <a:solidFill>
-                  <a:srgbClr val="11889C"/>
-                </a:solidFill>
-                <a:latin typeface="Menlo Regular"/>
-                <a:ea typeface="Menlo Regular"/>
-                <a:cs typeface="Menlo Regular"/>
-                <a:sym typeface="Courier New"/>
-              </a:rPr>
-              <a:t>0</a:t>
-            </a:r>
-          </a:p>
-          <a:p>
-            <a:pPr lvl="0" rtl="0">
-              <a:lnSpc>
-                <a:spcPct val="115000"/>
-              </a:lnSpc>
-              <a:spcBef>
-                <a:spcPts val="0"/>
-              </a:spcBef>
-              <a:buNone/>
-            </a:pPr>
-            <a:r>
-              <a:rPr lang="en" sz="2200" dirty="0">
-                <a:solidFill>
-                  <a:schemeClr val="tx1"/>
-                </a:solidFill>
-                <a:latin typeface="Menlo Regular"/>
-                <a:ea typeface="Menlo Regular"/>
-                <a:cs typeface="Menlo Regular"/>
-                <a:sym typeface="Courier New"/>
-              </a:rPr>
-              <a:t>twentieth_count = </a:t>
-            </a:r>
-            <a:r>
-              <a:rPr lang="en" sz="2200" dirty="0">
-                <a:solidFill>
-                  <a:srgbClr val="11889C"/>
-                </a:solidFill>
-                <a:latin typeface="Menlo Regular"/>
-                <a:ea typeface="Menlo Regular"/>
-                <a:cs typeface="Menlo Regular"/>
-                <a:sym typeface="Courier New"/>
-              </a:rPr>
-              <a:t>0</a:t>
-            </a:r>
-            <a:r>
-              <a:rPr lang="en" sz="2200" dirty="0">
-                <a:solidFill>
-                  <a:schemeClr val="tx1"/>
-                </a:solidFill>
-                <a:latin typeface="Menlo Regular"/>
-                <a:ea typeface="Menlo Regular"/>
-                <a:cs typeface="Menlo Regular"/>
-                <a:sym typeface="Courier New"/>
-              </a:rPr>
-              <a:t> </a:t>
-            </a:r>
-            <a:endParaRPr lang="en" sz="2200" dirty="0" smtClean="0">
-              <a:solidFill>
-                <a:schemeClr val="tx1"/>
-              </a:solidFill>
-              <a:latin typeface="Menlo Regular"/>
-              <a:ea typeface="Menlo Regular"/>
-              <a:cs typeface="Menlo Regular"/>
-              <a:sym typeface="Courier New"/>
-            </a:endParaRPr>
-          </a:p>
-          <a:p>
-            <a:pPr lvl="0" rtl="0">
-              <a:lnSpc>
-                <a:spcPct val="115000"/>
-              </a:lnSpc>
-              <a:spcBef>
-                <a:spcPts val="0"/>
-              </a:spcBef>
-              <a:buNone/>
-            </a:pPr>
-            <a:endParaRPr lang="en" sz="2200" dirty="0">
-              <a:solidFill>
-                <a:schemeClr val="tx1"/>
-              </a:solidFill>
-              <a:latin typeface="Menlo Regular"/>
-              <a:ea typeface="Menlo Regular"/>
-              <a:cs typeface="Menlo Regular"/>
-              <a:sym typeface="Courier New"/>
-            </a:endParaRPr>
-          </a:p>
-          <a:p>
-            <a:pPr lvl="0" rtl="0">
-              <a:lnSpc>
-                <a:spcPct val="115000"/>
-              </a:lnSpc>
-              <a:spcBef>
-                <a:spcPts val="0"/>
-              </a:spcBef>
-              <a:buNone/>
-            </a:pPr>
-            <a:r>
-              <a:rPr lang="en-US" sz="2200" dirty="0" smtClean="0">
-                <a:solidFill>
-                  <a:schemeClr val="tx1"/>
-                </a:solidFill>
-                <a:latin typeface="Menlo Regular"/>
-                <a:ea typeface="Menlo Regular"/>
-                <a:cs typeface="Menlo Regular"/>
-                <a:sym typeface="Courier New"/>
-              </a:rPr>
-              <a:t>for person, </a:t>
-            </a:r>
-            <a:r>
-              <a:rPr lang="en-US" sz="2200" dirty="0" err="1" smtClean="0">
-                <a:solidFill>
-                  <a:schemeClr val="tx1"/>
-                </a:solidFill>
-                <a:latin typeface="Menlo Regular"/>
-                <a:ea typeface="Menlo Regular"/>
-                <a:cs typeface="Menlo Regular"/>
-                <a:sym typeface="Courier New"/>
-              </a:rPr>
-              <a:t>b_date</a:t>
-            </a:r>
-            <a:r>
-              <a:rPr lang="en-US" sz="2200" dirty="0" smtClean="0">
-                <a:solidFill>
-                  <a:schemeClr val="tx1"/>
-                </a:solidFill>
-                <a:latin typeface="Menlo Regular"/>
-                <a:ea typeface="Menlo Regular"/>
-                <a:cs typeface="Menlo Regular"/>
-                <a:sym typeface="Courier New"/>
-              </a:rPr>
-              <a:t> in </a:t>
-            </a:r>
-            <a:r>
-              <a:rPr lang="en-US" sz="2200" dirty="0" err="1" smtClean="0">
-                <a:solidFill>
-                  <a:schemeClr val="tx1"/>
-                </a:solidFill>
-                <a:latin typeface="Menlo Regular"/>
-                <a:ea typeface="Menlo Regular"/>
-                <a:cs typeface="Menlo Regular"/>
-                <a:sym typeface="Courier New"/>
-              </a:rPr>
-              <a:t>birth_dates.items</a:t>
-            </a:r>
-            <a:r>
-              <a:rPr lang="en-US" sz="2200" dirty="0" smtClean="0">
-                <a:solidFill>
-                  <a:schemeClr val="tx1"/>
-                </a:solidFill>
-                <a:latin typeface="Menlo Regular"/>
-                <a:ea typeface="Menlo Regular"/>
-                <a:cs typeface="Menlo Regular"/>
-                <a:sym typeface="Courier New"/>
-              </a:rPr>
-              <a:t>():</a:t>
-            </a:r>
-            <a:endParaRPr lang="en" sz="2200" dirty="0">
-              <a:solidFill>
-                <a:schemeClr val="tx1"/>
-              </a:solidFill>
-              <a:latin typeface="Menlo Regular"/>
-              <a:ea typeface="Menlo Regular"/>
-              <a:cs typeface="Menlo Regular"/>
-              <a:sym typeface="Courier New"/>
-            </a:endParaRPr>
-          </a:p>
-          <a:p>
-            <a:pPr lvl="0" rtl="0">
-              <a:lnSpc>
-                <a:spcPct val="115000"/>
-              </a:lnSpc>
-              <a:spcBef>
-                <a:spcPts val="0"/>
-              </a:spcBef>
-              <a:buNone/>
-            </a:pPr>
-            <a:r>
-              <a:rPr lang="en" sz="2200" dirty="0">
-                <a:solidFill>
-                  <a:schemeClr val="tx1"/>
-                </a:solidFill>
-                <a:latin typeface="Menlo Regular"/>
-                <a:ea typeface="Menlo Regular"/>
-                <a:cs typeface="Menlo Regular"/>
-                <a:sym typeface="Courier New"/>
-              </a:rPr>
-              <a:t>  if b_date &lt; </a:t>
-            </a:r>
-            <a:r>
-              <a:rPr lang="en" sz="2200" dirty="0" smtClean="0">
-                <a:solidFill>
-                  <a:srgbClr val="11889C"/>
-                </a:solidFill>
-                <a:latin typeface="Menlo Regular"/>
-                <a:ea typeface="Menlo Regular"/>
-                <a:cs typeface="Menlo Regular"/>
-                <a:sym typeface="Courier New"/>
-              </a:rPr>
-              <a:t>1900:</a:t>
-            </a:r>
-            <a:endParaRPr lang="en" sz="2200" dirty="0">
-              <a:solidFill>
-                <a:srgbClr val="11889C"/>
-              </a:solidFill>
-              <a:latin typeface="Menlo Regular"/>
-              <a:ea typeface="Menlo Regular"/>
-              <a:cs typeface="Menlo Regular"/>
-              <a:sym typeface="Courier New"/>
-            </a:endParaRPr>
-          </a:p>
-          <a:p>
-            <a:pPr lvl="0" rtl="0">
-              <a:lnSpc>
-                <a:spcPct val="115000"/>
-              </a:lnSpc>
-              <a:spcBef>
-                <a:spcPts val="0"/>
-              </a:spcBef>
-              <a:buNone/>
-            </a:pPr>
-            <a:r>
-              <a:rPr lang="en" sz="2200" dirty="0">
-                <a:solidFill>
-                  <a:schemeClr val="tx1"/>
-                </a:solidFill>
-                <a:latin typeface="Menlo Regular"/>
-                <a:ea typeface="Menlo Regular"/>
-                <a:cs typeface="Menlo Regular"/>
-                <a:sym typeface="Courier New"/>
-              </a:rPr>
-              <a:t>    nineteenth_count += </a:t>
-            </a:r>
-            <a:r>
-              <a:rPr lang="en" sz="2200" dirty="0">
-                <a:solidFill>
-                  <a:srgbClr val="11889C"/>
-                </a:solidFill>
-                <a:latin typeface="Menlo Regular"/>
-                <a:ea typeface="Menlo Regular"/>
-                <a:cs typeface="Menlo Regular"/>
-                <a:sym typeface="Courier New"/>
-              </a:rPr>
-              <a:t>1</a:t>
-            </a:r>
-          </a:p>
-          <a:p>
-            <a:pPr lvl="0" rtl="0">
-              <a:lnSpc>
-                <a:spcPct val="115000"/>
-              </a:lnSpc>
-              <a:spcBef>
-                <a:spcPts val="0"/>
-              </a:spcBef>
-              <a:buNone/>
-            </a:pPr>
-            <a:r>
-              <a:rPr lang="en" sz="2200" dirty="0">
-                <a:solidFill>
-                  <a:schemeClr val="tx1"/>
-                </a:solidFill>
-                <a:latin typeface="Menlo Regular"/>
-                <a:ea typeface="Menlo Regular"/>
-                <a:cs typeface="Menlo Regular"/>
-                <a:sym typeface="Courier New"/>
-              </a:rPr>
-              <a:t>  </a:t>
-            </a:r>
-            <a:r>
-              <a:rPr lang="en" sz="2200" dirty="0" smtClean="0">
-                <a:solidFill>
-                  <a:schemeClr val="tx1"/>
-                </a:solidFill>
-                <a:latin typeface="Menlo Regular"/>
-                <a:ea typeface="Menlo Regular"/>
-                <a:cs typeface="Menlo Regular"/>
-                <a:sym typeface="Courier New"/>
-              </a:rPr>
-              <a:t>else:</a:t>
-            </a:r>
-            <a:endParaRPr lang="en" sz="2200" dirty="0">
-              <a:solidFill>
-                <a:schemeClr val="tx1"/>
-              </a:solidFill>
-              <a:latin typeface="Menlo Regular"/>
-              <a:ea typeface="Menlo Regular"/>
-              <a:cs typeface="Menlo Regular"/>
-              <a:sym typeface="Courier New"/>
-            </a:endParaRPr>
-          </a:p>
-          <a:p>
-            <a:pPr lvl="0" rtl="0">
-              <a:lnSpc>
-                <a:spcPct val="115000"/>
-              </a:lnSpc>
-              <a:spcBef>
-                <a:spcPts val="0"/>
-              </a:spcBef>
-              <a:buNone/>
-            </a:pPr>
-            <a:r>
-              <a:rPr lang="en" sz="2200" dirty="0">
-                <a:solidFill>
-                  <a:schemeClr val="tx1"/>
-                </a:solidFill>
-                <a:latin typeface="Menlo Regular"/>
-                <a:ea typeface="Menlo Regular"/>
-                <a:cs typeface="Menlo Regular"/>
-                <a:sym typeface="Courier New"/>
-              </a:rPr>
-              <a:t>    twentieth_count += </a:t>
-            </a:r>
-            <a:r>
-              <a:rPr lang="en" sz="2200" dirty="0" smtClean="0">
-                <a:solidFill>
-                  <a:srgbClr val="11889C"/>
-                </a:solidFill>
-                <a:latin typeface="Menlo Regular"/>
-                <a:ea typeface="Menlo Regular"/>
-                <a:cs typeface="Menlo Regular"/>
-                <a:sym typeface="Courier New"/>
-              </a:rPr>
-              <a:t>1</a:t>
-            </a:r>
-            <a:endParaRPr lang="en" sz="2200" dirty="0">
-              <a:solidFill>
-                <a:schemeClr val="tx1"/>
-              </a:solidFill>
-              <a:latin typeface="Menlo Regular"/>
-              <a:ea typeface="Menlo Regular"/>
-              <a:cs typeface="Menlo Regular"/>
-              <a:sym typeface="Courier New"/>
-            </a:endParaRPr>
-          </a:p>
-          <a:p>
-            <a:pPr lvl="0" rtl="0">
-              <a:spcBef>
-                <a:spcPts val="0"/>
-              </a:spcBef>
-              <a:buNone/>
-            </a:pPr>
-            <a:endParaRPr sz="1800" b="1" dirty="0">
-              <a:solidFill>
-                <a:srgbClr val="000000"/>
-              </a:solidFill>
-              <a:latin typeface="Menlo Regular"/>
-              <a:ea typeface="Menlo Regular"/>
-              <a:cs typeface="Menlo Regular"/>
-              <a:sym typeface="Courier New"/>
-            </a:endParaRPr>
-          </a:p>
-          <a:p>
-            <a:pPr>
-              <a:spcBef>
-                <a:spcPts val="0"/>
-              </a:spcBef>
-              <a:buNone/>
-            </a:pPr>
-            <a:endParaRPr dirty="0">
-              <a:solidFill>
-                <a:srgbClr val="000000"/>
-              </a:solidFill>
-            </a:endParaRPr>
-          </a:p>
-        </p:txBody>
-      </p:sp>
-    </p:spTree>
-  </p:cSld>
-  <p:clrMapOvr>
-    <a:masterClrMapping/>
-  </p:clrMapOvr>
-  <p:transition xmlns:p14="http://schemas.microsoft.com/office/powerpoint/2010/main" spd="slow">
-    <p:cut/>
-  </p:transition>
-</p:sld>
-</file>
-
-<file path=ppt/slides/slide41.xml><?xml version="1.0" encoding="utf-8"?>
-<p:sld xmlns:a="http://schemas.openxmlformats.org/drawingml/2006/main" xmlns:r="http://schemas.openxmlformats.org/officeDocument/2006/relationships" xmlns:p="http://schemas.openxmlformats.org/presentationml/2006/main">
-  <p:cSld>
-    <p:spTree>
-      <p:nvGrpSpPr>
         <p:cNvPr id="1" name="Shape 260"/>
         <p:cNvGrpSpPr/>
         <p:nvPr/>
@@ -27716,7 +27122,7 @@
 </p:sld>
 </file>
 
-<file path=ppt/slides/slide42.xml><?xml version="1.0" encoding="utf-8"?>
+<file path=ppt/slides/slide41.xml><?xml version="1.0" encoding="utf-8"?>
 <p:sld xmlns:a="http://schemas.openxmlformats.org/drawingml/2006/main" xmlns:r="http://schemas.openxmlformats.org/officeDocument/2006/relationships" xmlns:p="http://schemas.openxmlformats.org/presentationml/2006/main">
   <p:cSld>
     <p:spTree>

--- a/2018/python/Python Programming Concepts II.pptx
+++ b/2018/python/Python Programming Concepts II.pptx
@@ -7,7 +7,7 @@
     <p:sldMasterId id="2147483666" r:id="rId3"/>
   </p:sldMasterIdLst>
   <p:notesMasterIdLst>
-    <p:notesMasterId r:id="rId45"/>
+    <p:notesMasterId r:id="rId49"/>
   </p:notesMasterIdLst>
   <p:sldIdLst>
     <p:sldId id="256" r:id="rId4"/>
@@ -26,31 +26,35 @@
     <p:sldId id="261" r:id="rId17"/>
     <p:sldId id="262" r:id="rId18"/>
     <p:sldId id="263" r:id="rId19"/>
-    <p:sldId id="264" r:id="rId20"/>
-    <p:sldId id="265" r:id="rId21"/>
-    <p:sldId id="266" r:id="rId22"/>
-    <p:sldId id="267" r:id="rId23"/>
-    <p:sldId id="268" r:id="rId24"/>
-    <p:sldId id="269" r:id="rId25"/>
-    <p:sldId id="270" r:id="rId26"/>
-    <p:sldId id="271" r:id="rId27"/>
-    <p:sldId id="272" r:id="rId28"/>
-    <p:sldId id="273" r:id="rId29"/>
-    <p:sldId id="274" r:id="rId30"/>
-    <p:sldId id="278" r:id="rId31"/>
-    <p:sldId id="279" r:id="rId32"/>
-    <p:sldId id="282" r:id="rId33"/>
-    <p:sldId id="294" r:id="rId34"/>
-    <p:sldId id="283" r:id="rId35"/>
-    <p:sldId id="284" r:id="rId36"/>
-    <p:sldId id="285" r:id="rId37"/>
-    <p:sldId id="286" r:id="rId38"/>
-    <p:sldId id="287" r:id="rId39"/>
-    <p:sldId id="288" r:id="rId40"/>
-    <p:sldId id="289" r:id="rId41"/>
-    <p:sldId id="290" r:id="rId42"/>
-    <p:sldId id="291" r:id="rId43"/>
-    <p:sldId id="292" r:id="rId44"/>
+    <p:sldId id="303" r:id="rId20"/>
+    <p:sldId id="264" r:id="rId21"/>
+    <p:sldId id="265" r:id="rId22"/>
+    <p:sldId id="266" r:id="rId23"/>
+    <p:sldId id="267" r:id="rId24"/>
+    <p:sldId id="268" r:id="rId25"/>
+    <p:sldId id="269" r:id="rId26"/>
+    <p:sldId id="270" r:id="rId27"/>
+    <p:sldId id="271" r:id="rId28"/>
+    <p:sldId id="272" r:id="rId29"/>
+    <p:sldId id="273" r:id="rId30"/>
+    <p:sldId id="274" r:id="rId31"/>
+    <p:sldId id="278" r:id="rId32"/>
+    <p:sldId id="279" r:id="rId33"/>
+    <p:sldId id="282" r:id="rId34"/>
+    <p:sldId id="294" r:id="rId35"/>
+    <p:sldId id="283" r:id="rId36"/>
+    <p:sldId id="284" r:id="rId37"/>
+    <p:sldId id="285" r:id="rId38"/>
+    <p:sldId id="304" r:id="rId39"/>
+    <p:sldId id="286" r:id="rId40"/>
+    <p:sldId id="287" r:id="rId41"/>
+    <p:sldId id="288" r:id="rId42"/>
+    <p:sldId id="305" r:id="rId43"/>
+    <p:sldId id="289" r:id="rId44"/>
+    <p:sldId id="290" r:id="rId45"/>
+    <p:sldId id="291" r:id="rId46"/>
+    <p:sldId id="306" r:id="rId47"/>
+    <p:sldId id="292" r:id="rId48"/>
   </p:sldIdLst>
   <p:sldSz cx="9144000" cy="6858000" type="screen4x3"/>
   <p:notesSz cx="6858000" cy="9144000"/>
@@ -267,7 +271,7 @@
   </p:defaultTextStyle>
   <p:extLst>
     <p:ext uri="{EFAFB233-063F-42B5-8137-9DF3F51BA10A}">
-      <p15:sldGuideLst xmlns="" xmlns:p15="http://schemas.microsoft.com/office/powerpoint/2012/main">
+      <p15:sldGuideLst xmlns:p15="http://schemas.microsoft.com/office/powerpoint/2012/main" xmlns="">
         <p15:guide id="1" orient="horz" pos="2160">
           <p15:clr>
             <a:srgbClr val="A4A3A4"/>
@@ -13038,6 +13042,98 @@
   <p:cSld>
     <p:spTree>
       <p:nvGrpSpPr>
+        <p:cNvPr id="1" name=""/>
+        <p:cNvGrpSpPr/>
+        <p:nvPr/>
+      </p:nvGrpSpPr>
+      <p:grpSpPr>
+        <a:xfrm>
+          <a:off x="0" y="0"/>
+          <a:ext cx="0" cy="0"/>
+          <a:chOff x="0" y="0"/>
+          <a:chExt cx="0" cy="0"/>
+        </a:xfrm>
+      </p:grpSpPr>
+      <p:sp>
+        <p:nvSpPr>
+          <p:cNvPr id="2" name="Title 1"/>
+          <p:cNvSpPr>
+            <a:spLocks noGrp="1"/>
+          </p:cNvSpPr>
+          <p:nvPr>
+            <p:ph type="title"/>
+          </p:nvPr>
+        </p:nvSpPr>
+        <p:spPr/>
+        <p:txBody>
+          <a:bodyPr/>
+          <a:lstStyle/>
+          <a:p>
+            <a:endParaRPr lang="en-US"/>
+          </a:p>
+        </p:txBody>
+      </p:sp>
+      <p:sp>
+        <p:nvSpPr>
+          <p:cNvPr id="3" name="Text Placeholder 2"/>
+          <p:cNvSpPr>
+            <a:spLocks noGrp="1"/>
+          </p:cNvSpPr>
+          <p:nvPr>
+            <p:ph type="body" idx="1"/>
+          </p:nvPr>
+        </p:nvSpPr>
+        <p:spPr/>
+        <p:txBody>
+          <a:bodyPr/>
+          <a:lstStyle/>
+          <a:p>
+            <a:endParaRPr lang="en-US" dirty="0"/>
+          </a:p>
+        </p:txBody>
+      </p:sp>
+      <p:pic>
+        <p:nvPicPr>
+          <p:cNvPr id="4" name="Picture 3"/>
+          <p:cNvPicPr>
+            <a:picLocks noChangeAspect="1"/>
+          </p:cNvPicPr>
+          <p:nvPr/>
+        </p:nvPicPr>
+        <p:blipFill>
+          <a:blip r:embed="rId2"/>
+          <a:stretch>
+            <a:fillRect/>
+          </a:stretch>
+        </p:blipFill>
+        <p:spPr>
+          <a:xfrm>
+            <a:off x="1809119" y="666119"/>
+            <a:ext cx="5525763" cy="5525763"/>
+          </a:xfrm>
+          <a:prstGeom prst="rect">
+            <a:avLst/>
+          </a:prstGeom>
+        </p:spPr>
+      </p:pic>
+    </p:spTree>
+    <p:extLst>
+      <p:ext uri="{BB962C8B-B14F-4D97-AF65-F5344CB8AC3E}">
+        <p14:creationId xmlns:p14="http://schemas.microsoft.com/office/powerpoint/2010/main" val="1774815290"/>
+      </p:ext>
+    </p:extLst>
+  </p:cSld>
+  <p:clrMapOvr>
+    <a:masterClrMapping/>
+  </p:clrMapOvr>
+</p:sld>
+</file>
+
+<file path=ppt/slides/slide18.xml><?xml version="1.0" encoding="utf-8"?>
+<p:sld xmlns:a="http://schemas.openxmlformats.org/drawingml/2006/main" xmlns:r="http://schemas.openxmlformats.org/officeDocument/2006/relationships" xmlns:p="http://schemas.openxmlformats.org/presentationml/2006/main">
+  <p:cSld>
+    <p:spTree>
+      <p:nvGrpSpPr>
         <p:cNvPr id="1" name="Shape 98"/>
         <p:cNvGrpSpPr/>
         <p:nvPr/>
@@ -13513,7 +13609,7 @@
 </p:sld>
 </file>
 
-<file path=ppt/slides/slide18.xml><?xml version="1.0" encoding="utf-8"?>
+<file path=ppt/slides/slide19.xml><?xml version="1.0" encoding="utf-8"?>
 <p:sld xmlns:a="http://schemas.openxmlformats.org/drawingml/2006/main" xmlns:r="http://schemas.openxmlformats.org/officeDocument/2006/relationships" xmlns:p="http://schemas.openxmlformats.org/presentationml/2006/main">
   <p:cSld>
     <p:spTree>
@@ -14438,496 +14534,6 @@
               <a:buNone/>
             </a:pPr>
             <a:endParaRPr dirty="0"/>
-          </a:p>
-        </p:txBody>
-      </p:sp>
-    </p:spTree>
-  </p:cSld>
-  <p:clrMapOvr>
-    <a:masterClrMapping/>
-  </p:clrMapOvr>
-  <p:transition xmlns:p14="http://schemas.microsoft.com/office/powerpoint/2010/main" spd="slow">
-    <p:cut/>
-  </p:transition>
-  <p:timing>
-    <p:tnLst>
-      <p:par>
-        <p:cTn xmlns:p14="http://schemas.microsoft.com/office/powerpoint/2010/main" id="1" dur="indefinite" restart="never" nodeType="tmRoot"/>
-      </p:par>
-    </p:tnLst>
-  </p:timing>
-</p:sld>
-</file>
-
-<file path=ppt/slides/slide19.xml><?xml version="1.0" encoding="utf-8"?>
-<p:sld xmlns:a="http://schemas.openxmlformats.org/drawingml/2006/main" xmlns:r="http://schemas.openxmlformats.org/officeDocument/2006/relationships" xmlns:p="http://schemas.openxmlformats.org/presentationml/2006/main">
-  <p:cSld>
-    <p:spTree>
-      <p:nvGrpSpPr>
-        <p:cNvPr id="1" name="Shape 110"/>
-        <p:cNvGrpSpPr/>
-        <p:nvPr/>
-      </p:nvGrpSpPr>
-      <p:grpSpPr>
-        <a:xfrm>
-          <a:off x="0" y="0"/>
-          <a:ext cx="0" cy="0"/>
-          <a:chOff x="0" y="0"/>
-          <a:chExt cx="0" cy="0"/>
-        </a:xfrm>
-      </p:grpSpPr>
-      <p:sp>
-        <p:nvSpPr>
-          <p:cNvPr id="111" name="Shape 111"/>
-          <p:cNvSpPr txBox="1">
-            <a:spLocks noGrp="1"/>
-          </p:cNvSpPr>
-          <p:nvPr>
-            <p:ph type="title"/>
-          </p:nvPr>
-        </p:nvSpPr>
-        <p:spPr>
-          <a:xfrm>
-            <a:off x="457200" y="274637"/>
-            <a:ext cx="8229600" cy="1143000"/>
-          </a:xfrm>
-          <a:prstGeom prst="rect">
-            <a:avLst/>
-          </a:prstGeom>
-        </p:spPr>
-        <p:txBody>
-          <a:bodyPr lIns="91425" tIns="91425" rIns="91425" bIns="91425" anchor="b" anchorCtr="0">
-            <a:noAutofit/>
-          </a:bodyPr>
-          <a:lstStyle/>
-          <a:p>
-            <a:pPr>
-              <a:spcBef>
-                <a:spcPts val="0"/>
-              </a:spcBef>
-              <a:buNone/>
-            </a:pPr>
-            <a:r>
-              <a:rPr lang="en" sz="7200" dirty="0">
-                <a:solidFill>
-                  <a:srgbClr val="FF0000"/>
-                </a:solidFill>
-                <a:latin typeface="Yanone Kaffeesatz Bold"/>
-                <a:cs typeface="Yanone Kaffeesatz Bold"/>
-                <a:sym typeface="Ubuntu"/>
-              </a:rPr>
-              <a:t>Fun</a:t>
-            </a:r>
-            <a:r>
-              <a:rPr lang="en" b="0" dirty="0">
-                <a:latin typeface="Ubuntu"/>
-                <a:ea typeface="Ubuntu"/>
-                <a:cs typeface="Ubuntu"/>
-                <a:sym typeface="Ubuntu"/>
-              </a:rPr>
-              <a:t> </a:t>
-            </a:r>
-            <a:r>
-              <a:rPr lang="en" sz="7200" dirty="0" smtClean="0">
-                <a:solidFill>
-                  <a:srgbClr val="FF0000"/>
-                </a:solidFill>
-                <a:latin typeface="Yanone Kaffeesatz Bold"/>
-                <a:cs typeface="Yanone Kaffeesatz Bold"/>
-                <a:sym typeface="Ubuntu"/>
-              </a:rPr>
-              <a:t>with Lists</a:t>
-            </a:r>
-            <a:endParaRPr lang="en" sz="7200" dirty="0">
-              <a:solidFill>
-                <a:srgbClr val="FF0000"/>
-              </a:solidFill>
-              <a:latin typeface="Yanone Kaffeesatz Bold"/>
-              <a:cs typeface="Yanone Kaffeesatz Bold"/>
-              <a:sym typeface="Ubuntu"/>
-            </a:endParaRPr>
-          </a:p>
-        </p:txBody>
-      </p:sp>
-      <p:sp>
-        <p:nvSpPr>
-          <p:cNvPr id="112" name="Shape 112"/>
-          <p:cNvSpPr txBox="1">
-            <a:spLocks noGrp="1"/>
-          </p:cNvSpPr>
-          <p:nvPr>
-            <p:ph type="body" idx="1"/>
-          </p:nvPr>
-        </p:nvSpPr>
-        <p:spPr>
-          <a:xfrm>
-            <a:off x="457200" y="1600200"/>
-            <a:ext cx="8229600" cy="4967700"/>
-          </a:xfrm>
-          <a:prstGeom prst="rect">
-            <a:avLst/>
-          </a:prstGeom>
-        </p:spPr>
-        <p:txBody>
-          <a:bodyPr lIns="91425" tIns="91425" rIns="91425" bIns="91425" anchor="t" anchorCtr="0">
-            <a:noAutofit/>
-          </a:bodyPr>
-          <a:lstStyle/>
-          <a:p>
-            <a:pPr lvl="0" rtl="0">
-              <a:spcBef>
-                <a:spcPts val="0"/>
-              </a:spcBef>
-              <a:buNone/>
-            </a:pPr>
-            <a:r>
-              <a:rPr lang="en" sz="2400" dirty="0" smtClean="0">
-                <a:solidFill>
-                  <a:srgbClr val="000000"/>
-                </a:solidFill>
-                <a:latin typeface="Menlo Regular"/>
-                <a:ea typeface="Menlo Regular"/>
-                <a:cs typeface="Menlo Regular"/>
-                <a:sym typeface="Courier New"/>
-              </a:rPr>
-              <a:t>list.append(item)	</a:t>
-            </a:r>
-            <a:r>
-              <a:rPr lang="en" sz="2400" dirty="0" smtClean="0">
-                <a:solidFill>
-                  <a:srgbClr val="000000"/>
-                </a:solidFill>
-              </a:rPr>
-              <a:t># add item to end of list</a:t>
-            </a:r>
-            <a:endParaRPr lang="en" sz="2400" dirty="0">
-              <a:solidFill>
-                <a:srgbClr val="000000"/>
-              </a:solidFill>
-            </a:endParaRPr>
-          </a:p>
-          <a:p>
-            <a:pPr lvl="0" rtl="0">
-              <a:spcBef>
-                <a:spcPts val="0"/>
-              </a:spcBef>
-              <a:buNone/>
-            </a:pPr>
-            <a:r>
-              <a:rPr lang="en" sz="2400" dirty="0" smtClean="0">
-                <a:solidFill>
-                  <a:srgbClr val="000000"/>
-                </a:solidFill>
-                <a:latin typeface="Menlo Regular"/>
-                <a:ea typeface="Menlo Regular"/>
-                <a:cs typeface="Menlo Regular"/>
-                <a:sym typeface="Courier New"/>
-              </a:rPr>
-              <a:t>list.index(item)	</a:t>
-            </a:r>
-            <a:r>
-              <a:rPr lang="en" sz="2400" dirty="0" smtClean="0">
-                <a:solidFill>
-                  <a:srgbClr val="000000"/>
-                </a:solidFill>
-              </a:rPr>
-              <a:t># searches for item and gives its index</a:t>
-            </a:r>
-            <a:endParaRPr lang="en" sz="2400" dirty="0">
-              <a:solidFill>
-                <a:srgbClr val="000000"/>
-              </a:solidFill>
-            </a:endParaRPr>
-          </a:p>
-          <a:p>
-            <a:pPr lvl="0" rtl="0">
-              <a:spcBef>
-                <a:spcPts val="0"/>
-              </a:spcBef>
-              <a:buNone/>
-            </a:pPr>
-            <a:r>
-              <a:rPr lang="en" sz="2400" dirty="0" smtClean="0">
-                <a:solidFill>
-                  <a:srgbClr val="000000"/>
-                </a:solidFill>
-                <a:latin typeface="Menlo Regular"/>
-                <a:ea typeface="Menlo Regular"/>
-                <a:cs typeface="Menlo Regular"/>
-                <a:sym typeface="Courier New"/>
-              </a:rPr>
-              <a:t>list.remove(item)</a:t>
-            </a:r>
-            <a:r>
-              <a:rPr lang="en-US" sz="2400" dirty="0" smtClean="0">
-                <a:solidFill>
-                  <a:srgbClr val="000000"/>
-                </a:solidFill>
-                <a:latin typeface="Menlo Regular"/>
-                <a:ea typeface="Menlo Regular"/>
-                <a:cs typeface="Menlo Regular"/>
-                <a:sym typeface="Courier New"/>
-              </a:rPr>
-              <a:t>	</a:t>
-            </a:r>
-            <a:r>
-              <a:rPr lang="en" sz="2400" dirty="0" smtClean="0">
-                <a:solidFill>
-                  <a:srgbClr val="000000"/>
-                </a:solidFill>
-              </a:rPr>
-              <a:t># removes first item of that name</a:t>
-            </a:r>
-            <a:endParaRPr lang="en" sz="2400" dirty="0">
-              <a:solidFill>
-                <a:srgbClr val="000000"/>
-              </a:solidFill>
-            </a:endParaRPr>
-          </a:p>
-          <a:p>
-            <a:pPr lvl="0">
-              <a:buNone/>
-            </a:pPr>
-            <a:r>
-              <a:rPr lang="en-US" sz="2400" dirty="0">
-                <a:solidFill>
-                  <a:srgbClr val="000000"/>
-                </a:solidFill>
-                <a:latin typeface="Menlo Regular"/>
-                <a:ea typeface="Menlo Regular"/>
-                <a:cs typeface="Menlo Regular"/>
-                <a:sym typeface="Courier New"/>
-              </a:rPr>
-              <a:t>l</a:t>
-            </a:r>
-            <a:r>
-              <a:rPr lang="en" sz="2400" dirty="0">
-                <a:solidFill>
-                  <a:srgbClr val="000000"/>
-                </a:solidFill>
-                <a:latin typeface="Menlo Regular"/>
-                <a:ea typeface="Menlo Regular"/>
-                <a:cs typeface="Menlo Regular"/>
-                <a:sym typeface="Courier New"/>
-              </a:rPr>
-              <a:t>ist.reverse</a:t>
-            </a:r>
-            <a:r>
-              <a:rPr lang="en" sz="2400" dirty="0">
-                <a:solidFill>
-                  <a:srgbClr val="000000"/>
-                </a:solidFill>
-                <a:ea typeface="Menlo Regular"/>
-                <a:cs typeface="Menlo Regular"/>
-              </a:rPr>
-              <a:t>()</a:t>
-            </a:r>
-            <a:r>
-              <a:rPr lang="en" sz="2400" dirty="0">
-                <a:solidFill>
-                  <a:srgbClr val="000000"/>
-                </a:solidFill>
-              </a:rPr>
-              <a:t> 		# reverses the order of a list</a:t>
-            </a:r>
-            <a:endParaRPr lang="en-US" sz="2400" dirty="0" smtClean="0">
-              <a:solidFill>
-                <a:srgbClr val="000000"/>
-              </a:solidFill>
-              <a:latin typeface="Menlo Regular"/>
-              <a:ea typeface="Menlo Regular"/>
-              <a:cs typeface="Menlo Regular"/>
-              <a:sym typeface="Courier New"/>
-            </a:endParaRPr>
-          </a:p>
-          <a:p>
-            <a:pPr lvl="0" rtl="0">
-              <a:spcBef>
-                <a:spcPts val="0"/>
-              </a:spcBef>
-              <a:buNone/>
-            </a:pPr>
-            <a:r>
-              <a:rPr lang="en-US" sz="2400" dirty="0" err="1" smtClean="0">
-                <a:solidFill>
-                  <a:srgbClr val="000000"/>
-                </a:solidFill>
-                <a:latin typeface="Menlo Regular"/>
-                <a:ea typeface="Menlo Regular"/>
-                <a:cs typeface="Menlo Regular"/>
-                <a:sym typeface="Courier New"/>
-              </a:rPr>
-              <a:t>len</a:t>
-            </a:r>
-            <a:r>
-              <a:rPr lang="en-US" sz="2400" dirty="0" smtClean="0">
-                <a:solidFill>
-                  <a:srgbClr val="000000"/>
-                </a:solidFill>
-                <a:latin typeface="Menlo Regular"/>
-                <a:ea typeface="Menlo Regular"/>
-                <a:cs typeface="Menlo Regular"/>
-                <a:sym typeface="Courier New"/>
-              </a:rPr>
-              <a:t>(</a:t>
-            </a:r>
-            <a:r>
-              <a:rPr lang="en" sz="2400" dirty="0" smtClean="0">
-                <a:solidFill>
-                  <a:srgbClr val="000000"/>
-                </a:solidFill>
-                <a:latin typeface="Menlo Regular"/>
-                <a:ea typeface="Menlo Regular"/>
-                <a:cs typeface="Menlo Regular"/>
-                <a:sym typeface="Courier New"/>
-              </a:rPr>
-              <a:t>list)	</a:t>
-            </a:r>
-            <a:r>
-              <a:rPr lang="en" sz="2400" dirty="0" smtClean="0">
-                <a:solidFill>
-                  <a:srgbClr val="000000"/>
-                </a:solidFill>
-              </a:rPr>
-              <a:t>    	# gives number of items in list</a:t>
-            </a:r>
-            <a:endParaRPr lang="en" sz="2400" dirty="0">
-              <a:solidFill>
-                <a:srgbClr val="000000"/>
-              </a:solidFill>
-            </a:endParaRPr>
-          </a:p>
-          <a:p>
-            <a:pPr lvl="0" rtl="0">
-              <a:spcBef>
-                <a:spcPts val="0"/>
-              </a:spcBef>
-              <a:buNone/>
-            </a:pPr>
-            <a:r>
-              <a:rPr lang="en" sz="2400" dirty="0" smtClean="0">
-                <a:solidFill>
-                  <a:srgbClr val="000000"/>
-                </a:solidFill>
-              </a:rPr>
-              <a:t>count(item)		# counts number of that item in list</a:t>
-            </a:r>
-            <a:endParaRPr lang="en" sz="2400" dirty="0">
-              <a:solidFill>
-                <a:srgbClr val="000000"/>
-              </a:solidFill>
-            </a:endParaRPr>
-          </a:p>
-          <a:p>
-            <a:pPr lvl="0" rtl="0">
-              <a:spcBef>
-                <a:spcPts val="0"/>
-              </a:spcBef>
-              <a:buNone/>
-            </a:pPr>
-            <a:endParaRPr dirty="0"/>
-          </a:p>
-          <a:p>
-            <a:pPr lvl="0">
-              <a:buNone/>
-            </a:pPr>
-            <a:r>
-              <a:rPr lang="en" dirty="0">
-                <a:latin typeface="Open Sans"/>
-                <a:ea typeface="Open Sans"/>
-                <a:cs typeface="Open Sans"/>
-                <a:sym typeface="Open Sans"/>
-              </a:rPr>
-              <a:t>There are </a:t>
-            </a:r>
-            <a:r>
-              <a:rPr lang="en-US" b="1" dirty="0" smtClean="0">
-                <a:latin typeface="Open Sans"/>
-                <a:ea typeface="Open Sans"/>
-                <a:cs typeface="Open Sans"/>
-                <a:sym typeface="Open Sans"/>
-              </a:rPr>
-              <a:t>many</a:t>
-            </a:r>
-            <a:r>
-              <a:rPr lang="en-US" dirty="0" smtClean="0">
-                <a:latin typeface="Open Sans"/>
-                <a:ea typeface="Open Sans"/>
-                <a:cs typeface="Open Sans"/>
-                <a:sym typeface="Open Sans"/>
-              </a:rPr>
-              <a:t> </a:t>
-            </a:r>
-            <a:r>
-              <a:rPr lang="en" dirty="0" smtClean="0">
-                <a:latin typeface="Open Sans"/>
-                <a:ea typeface="Open Sans"/>
-                <a:cs typeface="Open Sans"/>
-                <a:sym typeface="Open Sans"/>
-              </a:rPr>
-              <a:t>more methods and things to do with list! </a:t>
-            </a:r>
-            <a:r>
-              <a:rPr lang="en" dirty="0">
-                <a:latin typeface="Open Sans"/>
-                <a:ea typeface="Open Sans"/>
-                <a:cs typeface="Open Sans"/>
-                <a:sym typeface="Open Sans"/>
-              </a:rPr>
-              <a:t>See the </a:t>
-            </a:r>
-            <a:r>
-              <a:rPr lang="en" dirty="0" smtClean="0">
-                <a:sym typeface="Open Sans"/>
-              </a:rPr>
-              <a:t>List documentation </a:t>
-            </a:r>
-            <a:r>
-              <a:rPr lang="en" dirty="0" smtClean="0">
-                <a:sym typeface="Open Sans"/>
-                <a:hlinkClick r:id="rId3"/>
-              </a:rPr>
-              <a:t>here</a:t>
-            </a:r>
-            <a:r>
-              <a:rPr lang="en" dirty="0" smtClean="0">
-                <a:sym typeface="Open Sans"/>
-              </a:rPr>
-              <a:t> and </a:t>
-            </a:r>
-            <a:r>
-              <a:rPr lang="en-US" dirty="0" smtClean="0">
-                <a:sym typeface="Open Sans"/>
-                <a:hlinkClick r:id="rId4"/>
-              </a:rPr>
-              <a:t>here</a:t>
-            </a:r>
-            <a:r>
-              <a:rPr lang="en-US" dirty="0" smtClean="0">
-                <a:sym typeface="Open Sans"/>
-              </a:rPr>
-              <a:t>.</a:t>
-            </a:r>
-            <a:endParaRPr lang="en" dirty="0">
-              <a:latin typeface="Open Sans"/>
-              <a:ea typeface="Open Sans"/>
-              <a:cs typeface="Open Sans"/>
-              <a:sym typeface="Open Sans"/>
-            </a:endParaRPr>
-          </a:p>
-          <a:p>
-            <a:pPr>
-              <a:spcBef>
-                <a:spcPts val="0"/>
-              </a:spcBef>
-              <a:buNone/>
-            </a:pPr>
-            <a:endParaRPr dirty="0">
-              <a:latin typeface="Ubuntu"/>
-              <a:ea typeface="Ubuntu"/>
-              <a:cs typeface="Ubuntu"/>
-              <a:sym typeface="Ubuntu"/>
-            </a:endParaRPr>
           </a:p>
         </p:txBody>
       </p:sp>
@@ -15091,6 +14697,496 @@
   <p:cSld>
     <p:spTree>
       <p:nvGrpSpPr>
+        <p:cNvPr id="1" name="Shape 110"/>
+        <p:cNvGrpSpPr/>
+        <p:nvPr/>
+      </p:nvGrpSpPr>
+      <p:grpSpPr>
+        <a:xfrm>
+          <a:off x="0" y="0"/>
+          <a:ext cx="0" cy="0"/>
+          <a:chOff x="0" y="0"/>
+          <a:chExt cx="0" cy="0"/>
+        </a:xfrm>
+      </p:grpSpPr>
+      <p:sp>
+        <p:nvSpPr>
+          <p:cNvPr id="111" name="Shape 111"/>
+          <p:cNvSpPr txBox="1">
+            <a:spLocks noGrp="1"/>
+          </p:cNvSpPr>
+          <p:nvPr>
+            <p:ph type="title"/>
+          </p:nvPr>
+        </p:nvSpPr>
+        <p:spPr>
+          <a:xfrm>
+            <a:off x="457200" y="274637"/>
+            <a:ext cx="8229600" cy="1143000"/>
+          </a:xfrm>
+          <a:prstGeom prst="rect">
+            <a:avLst/>
+          </a:prstGeom>
+        </p:spPr>
+        <p:txBody>
+          <a:bodyPr lIns="91425" tIns="91425" rIns="91425" bIns="91425" anchor="b" anchorCtr="0">
+            <a:noAutofit/>
+          </a:bodyPr>
+          <a:lstStyle/>
+          <a:p>
+            <a:pPr>
+              <a:spcBef>
+                <a:spcPts val="0"/>
+              </a:spcBef>
+              <a:buNone/>
+            </a:pPr>
+            <a:r>
+              <a:rPr lang="en" sz="7200" dirty="0">
+                <a:solidFill>
+                  <a:srgbClr val="FF0000"/>
+                </a:solidFill>
+                <a:latin typeface="Yanone Kaffeesatz Bold"/>
+                <a:cs typeface="Yanone Kaffeesatz Bold"/>
+                <a:sym typeface="Ubuntu"/>
+              </a:rPr>
+              <a:t>Fun</a:t>
+            </a:r>
+            <a:r>
+              <a:rPr lang="en" b="0" dirty="0">
+                <a:latin typeface="Ubuntu"/>
+                <a:ea typeface="Ubuntu"/>
+                <a:cs typeface="Ubuntu"/>
+                <a:sym typeface="Ubuntu"/>
+              </a:rPr>
+              <a:t> </a:t>
+            </a:r>
+            <a:r>
+              <a:rPr lang="en" sz="7200" dirty="0" smtClean="0">
+                <a:solidFill>
+                  <a:srgbClr val="FF0000"/>
+                </a:solidFill>
+                <a:latin typeface="Yanone Kaffeesatz Bold"/>
+                <a:cs typeface="Yanone Kaffeesatz Bold"/>
+                <a:sym typeface="Ubuntu"/>
+              </a:rPr>
+              <a:t>with Lists</a:t>
+            </a:r>
+            <a:endParaRPr lang="en" sz="7200" dirty="0">
+              <a:solidFill>
+                <a:srgbClr val="FF0000"/>
+              </a:solidFill>
+              <a:latin typeface="Yanone Kaffeesatz Bold"/>
+              <a:cs typeface="Yanone Kaffeesatz Bold"/>
+              <a:sym typeface="Ubuntu"/>
+            </a:endParaRPr>
+          </a:p>
+        </p:txBody>
+      </p:sp>
+      <p:sp>
+        <p:nvSpPr>
+          <p:cNvPr id="112" name="Shape 112"/>
+          <p:cNvSpPr txBox="1">
+            <a:spLocks noGrp="1"/>
+          </p:cNvSpPr>
+          <p:nvPr>
+            <p:ph type="body" idx="1"/>
+          </p:nvPr>
+        </p:nvSpPr>
+        <p:spPr>
+          <a:xfrm>
+            <a:off x="457200" y="1600200"/>
+            <a:ext cx="8229600" cy="4967700"/>
+          </a:xfrm>
+          <a:prstGeom prst="rect">
+            <a:avLst/>
+          </a:prstGeom>
+        </p:spPr>
+        <p:txBody>
+          <a:bodyPr lIns="91425" tIns="91425" rIns="91425" bIns="91425" anchor="t" anchorCtr="0">
+            <a:noAutofit/>
+          </a:bodyPr>
+          <a:lstStyle/>
+          <a:p>
+            <a:pPr lvl="0" rtl="0">
+              <a:spcBef>
+                <a:spcPts val="0"/>
+              </a:spcBef>
+              <a:buNone/>
+            </a:pPr>
+            <a:r>
+              <a:rPr lang="en" sz="2400" dirty="0" smtClean="0">
+                <a:solidFill>
+                  <a:srgbClr val="000000"/>
+                </a:solidFill>
+                <a:latin typeface="Menlo Regular"/>
+                <a:ea typeface="Menlo Regular"/>
+                <a:cs typeface="Menlo Regular"/>
+                <a:sym typeface="Courier New"/>
+              </a:rPr>
+              <a:t>list.append(item)	</a:t>
+            </a:r>
+            <a:r>
+              <a:rPr lang="en" sz="2400" dirty="0" smtClean="0">
+                <a:solidFill>
+                  <a:srgbClr val="000000"/>
+                </a:solidFill>
+              </a:rPr>
+              <a:t># add item to end of list</a:t>
+            </a:r>
+            <a:endParaRPr lang="en" sz="2400" dirty="0">
+              <a:solidFill>
+                <a:srgbClr val="000000"/>
+              </a:solidFill>
+            </a:endParaRPr>
+          </a:p>
+          <a:p>
+            <a:pPr lvl="0" rtl="0">
+              <a:spcBef>
+                <a:spcPts val="0"/>
+              </a:spcBef>
+              <a:buNone/>
+            </a:pPr>
+            <a:r>
+              <a:rPr lang="en" sz="2400" dirty="0" smtClean="0">
+                <a:solidFill>
+                  <a:srgbClr val="000000"/>
+                </a:solidFill>
+                <a:latin typeface="Menlo Regular"/>
+                <a:ea typeface="Menlo Regular"/>
+                <a:cs typeface="Menlo Regular"/>
+                <a:sym typeface="Courier New"/>
+              </a:rPr>
+              <a:t>list.index(item)	</a:t>
+            </a:r>
+            <a:r>
+              <a:rPr lang="en" sz="2400" dirty="0" smtClean="0">
+                <a:solidFill>
+                  <a:srgbClr val="000000"/>
+                </a:solidFill>
+              </a:rPr>
+              <a:t># searches for item and gives its index</a:t>
+            </a:r>
+            <a:endParaRPr lang="en" sz="2400" dirty="0">
+              <a:solidFill>
+                <a:srgbClr val="000000"/>
+              </a:solidFill>
+            </a:endParaRPr>
+          </a:p>
+          <a:p>
+            <a:pPr lvl="0" rtl="0">
+              <a:spcBef>
+                <a:spcPts val="0"/>
+              </a:spcBef>
+              <a:buNone/>
+            </a:pPr>
+            <a:r>
+              <a:rPr lang="en" sz="2400" dirty="0" smtClean="0">
+                <a:solidFill>
+                  <a:srgbClr val="000000"/>
+                </a:solidFill>
+                <a:latin typeface="Menlo Regular"/>
+                <a:ea typeface="Menlo Regular"/>
+                <a:cs typeface="Menlo Regular"/>
+                <a:sym typeface="Courier New"/>
+              </a:rPr>
+              <a:t>list.remove(item)</a:t>
+            </a:r>
+            <a:r>
+              <a:rPr lang="en-US" sz="2400" dirty="0" smtClean="0">
+                <a:solidFill>
+                  <a:srgbClr val="000000"/>
+                </a:solidFill>
+                <a:latin typeface="Menlo Regular"/>
+                <a:ea typeface="Menlo Regular"/>
+                <a:cs typeface="Menlo Regular"/>
+                <a:sym typeface="Courier New"/>
+              </a:rPr>
+              <a:t>	</a:t>
+            </a:r>
+            <a:r>
+              <a:rPr lang="en" sz="2400" dirty="0" smtClean="0">
+                <a:solidFill>
+                  <a:srgbClr val="000000"/>
+                </a:solidFill>
+              </a:rPr>
+              <a:t># removes first item of that name</a:t>
+            </a:r>
+            <a:endParaRPr lang="en" sz="2400" dirty="0">
+              <a:solidFill>
+                <a:srgbClr val="000000"/>
+              </a:solidFill>
+            </a:endParaRPr>
+          </a:p>
+          <a:p>
+            <a:pPr lvl="0">
+              <a:buNone/>
+            </a:pPr>
+            <a:r>
+              <a:rPr lang="en-US" sz="2400" dirty="0">
+                <a:solidFill>
+                  <a:srgbClr val="000000"/>
+                </a:solidFill>
+                <a:latin typeface="Menlo Regular"/>
+                <a:ea typeface="Menlo Regular"/>
+                <a:cs typeface="Menlo Regular"/>
+                <a:sym typeface="Courier New"/>
+              </a:rPr>
+              <a:t>l</a:t>
+            </a:r>
+            <a:r>
+              <a:rPr lang="en" sz="2400" dirty="0">
+                <a:solidFill>
+                  <a:srgbClr val="000000"/>
+                </a:solidFill>
+                <a:latin typeface="Menlo Regular"/>
+                <a:ea typeface="Menlo Regular"/>
+                <a:cs typeface="Menlo Regular"/>
+                <a:sym typeface="Courier New"/>
+              </a:rPr>
+              <a:t>ist.reverse</a:t>
+            </a:r>
+            <a:r>
+              <a:rPr lang="en" sz="2400" dirty="0">
+                <a:solidFill>
+                  <a:srgbClr val="000000"/>
+                </a:solidFill>
+                <a:ea typeface="Menlo Regular"/>
+                <a:cs typeface="Menlo Regular"/>
+              </a:rPr>
+              <a:t>()</a:t>
+            </a:r>
+            <a:r>
+              <a:rPr lang="en" sz="2400" dirty="0">
+                <a:solidFill>
+                  <a:srgbClr val="000000"/>
+                </a:solidFill>
+              </a:rPr>
+              <a:t> 		# reverses the order of a list</a:t>
+            </a:r>
+            <a:endParaRPr lang="en-US" sz="2400" dirty="0" smtClean="0">
+              <a:solidFill>
+                <a:srgbClr val="000000"/>
+              </a:solidFill>
+              <a:latin typeface="Menlo Regular"/>
+              <a:ea typeface="Menlo Regular"/>
+              <a:cs typeface="Menlo Regular"/>
+              <a:sym typeface="Courier New"/>
+            </a:endParaRPr>
+          </a:p>
+          <a:p>
+            <a:pPr lvl="0" rtl="0">
+              <a:spcBef>
+                <a:spcPts val="0"/>
+              </a:spcBef>
+              <a:buNone/>
+            </a:pPr>
+            <a:r>
+              <a:rPr lang="en-US" sz="2400" dirty="0" err="1" smtClean="0">
+                <a:solidFill>
+                  <a:srgbClr val="000000"/>
+                </a:solidFill>
+                <a:latin typeface="Menlo Regular"/>
+                <a:ea typeface="Menlo Regular"/>
+                <a:cs typeface="Menlo Regular"/>
+                <a:sym typeface="Courier New"/>
+              </a:rPr>
+              <a:t>len</a:t>
+            </a:r>
+            <a:r>
+              <a:rPr lang="en-US" sz="2400" dirty="0" smtClean="0">
+                <a:solidFill>
+                  <a:srgbClr val="000000"/>
+                </a:solidFill>
+                <a:latin typeface="Menlo Regular"/>
+                <a:ea typeface="Menlo Regular"/>
+                <a:cs typeface="Menlo Regular"/>
+                <a:sym typeface="Courier New"/>
+              </a:rPr>
+              <a:t>(</a:t>
+            </a:r>
+            <a:r>
+              <a:rPr lang="en" sz="2400" dirty="0" smtClean="0">
+                <a:solidFill>
+                  <a:srgbClr val="000000"/>
+                </a:solidFill>
+                <a:latin typeface="Menlo Regular"/>
+                <a:ea typeface="Menlo Regular"/>
+                <a:cs typeface="Menlo Regular"/>
+                <a:sym typeface="Courier New"/>
+              </a:rPr>
+              <a:t>list)	</a:t>
+            </a:r>
+            <a:r>
+              <a:rPr lang="en" sz="2400" dirty="0" smtClean="0">
+                <a:solidFill>
+                  <a:srgbClr val="000000"/>
+                </a:solidFill>
+              </a:rPr>
+              <a:t>    	# gives number of items in list</a:t>
+            </a:r>
+            <a:endParaRPr lang="en" sz="2400" dirty="0">
+              <a:solidFill>
+                <a:srgbClr val="000000"/>
+              </a:solidFill>
+            </a:endParaRPr>
+          </a:p>
+          <a:p>
+            <a:pPr lvl="0" rtl="0">
+              <a:spcBef>
+                <a:spcPts val="0"/>
+              </a:spcBef>
+              <a:buNone/>
+            </a:pPr>
+            <a:r>
+              <a:rPr lang="en" sz="2400" dirty="0" smtClean="0">
+                <a:solidFill>
+                  <a:srgbClr val="000000"/>
+                </a:solidFill>
+              </a:rPr>
+              <a:t>count(item)		# counts number of that item in list</a:t>
+            </a:r>
+            <a:endParaRPr lang="en" sz="2400" dirty="0">
+              <a:solidFill>
+                <a:srgbClr val="000000"/>
+              </a:solidFill>
+            </a:endParaRPr>
+          </a:p>
+          <a:p>
+            <a:pPr lvl="0" rtl="0">
+              <a:spcBef>
+                <a:spcPts val="0"/>
+              </a:spcBef>
+              <a:buNone/>
+            </a:pPr>
+            <a:endParaRPr dirty="0"/>
+          </a:p>
+          <a:p>
+            <a:pPr lvl="0">
+              <a:buNone/>
+            </a:pPr>
+            <a:r>
+              <a:rPr lang="en" dirty="0">
+                <a:latin typeface="Open Sans"/>
+                <a:ea typeface="Open Sans"/>
+                <a:cs typeface="Open Sans"/>
+                <a:sym typeface="Open Sans"/>
+              </a:rPr>
+              <a:t>There are </a:t>
+            </a:r>
+            <a:r>
+              <a:rPr lang="en-US" b="1" dirty="0" smtClean="0">
+                <a:latin typeface="Open Sans"/>
+                <a:ea typeface="Open Sans"/>
+                <a:cs typeface="Open Sans"/>
+                <a:sym typeface="Open Sans"/>
+              </a:rPr>
+              <a:t>many</a:t>
+            </a:r>
+            <a:r>
+              <a:rPr lang="en-US" dirty="0" smtClean="0">
+                <a:latin typeface="Open Sans"/>
+                <a:ea typeface="Open Sans"/>
+                <a:cs typeface="Open Sans"/>
+                <a:sym typeface="Open Sans"/>
+              </a:rPr>
+              <a:t> </a:t>
+            </a:r>
+            <a:r>
+              <a:rPr lang="en" dirty="0" smtClean="0">
+                <a:latin typeface="Open Sans"/>
+                <a:ea typeface="Open Sans"/>
+                <a:cs typeface="Open Sans"/>
+                <a:sym typeface="Open Sans"/>
+              </a:rPr>
+              <a:t>more methods and things to do with list! </a:t>
+            </a:r>
+            <a:r>
+              <a:rPr lang="en" dirty="0">
+                <a:latin typeface="Open Sans"/>
+                <a:ea typeface="Open Sans"/>
+                <a:cs typeface="Open Sans"/>
+                <a:sym typeface="Open Sans"/>
+              </a:rPr>
+              <a:t>See the </a:t>
+            </a:r>
+            <a:r>
+              <a:rPr lang="en" dirty="0" smtClean="0">
+                <a:sym typeface="Open Sans"/>
+              </a:rPr>
+              <a:t>List documentation </a:t>
+            </a:r>
+            <a:r>
+              <a:rPr lang="en" dirty="0" smtClean="0">
+                <a:sym typeface="Open Sans"/>
+                <a:hlinkClick r:id="rId3"/>
+              </a:rPr>
+              <a:t>here</a:t>
+            </a:r>
+            <a:r>
+              <a:rPr lang="en" dirty="0" smtClean="0">
+                <a:sym typeface="Open Sans"/>
+              </a:rPr>
+              <a:t> and </a:t>
+            </a:r>
+            <a:r>
+              <a:rPr lang="en-US" dirty="0" smtClean="0">
+                <a:sym typeface="Open Sans"/>
+                <a:hlinkClick r:id="rId4"/>
+              </a:rPr>
+              <a:t>here</a:t>
+            </a:r>
+            <a:r>
+              <a:rPr lang="en-US" dirty="0" smtClean="0">
+                <a:sym typeface="Open Sans"/>
+              </a:rPr>
+              <a:t>.</a:t>
+            </a:r>
+            <a:endParaRPr lang="en" dirty="0">
+              <a:latin typeface="Open Sans"/>
+              <a:ea typeface="Open Sans"/>
+              <a:cs typeface="Open Sans"/>
+              <a:sym typeface="Open Sans"/>
+            </a:endParaRPr>
+          </a:p>
+          <a:p>
+            <a:pPr>
+              <a:spcBef>
+                <a:spcPts val="0"/>
+              </a:spcBef>
+              <a:buNone/>
+            </a:pPr>
+            <a:endParaRPr dirty="0">
+              <a:latin typeface="Ubuntu"/>
+              <a:ea typeface="Ubuntu"/>
+              <a:cs typeface="Ubuntu"/>
+              <a:sym typeface="Ubuntu"/>
+            </a:endParaRPr>
+          </a:p>
+        </p:txBody>
+      </p:sp>
+    </p:spTree>
+  </p:cSld>
+  <p:clrMapOvr>
+    <a:masterClrMapping/>
+  </p:clrMapOvr>
+  <p:transition xmlns:p14="http://schemas.microsoft.com/office/powerpoint/2010/main" spd="slow">
+    <p:cut/>
+  </p:transition>
+  <p:timing>
+    <p:tnLst>
+      <p:par>
+        <p:cTn xmlns:p14="http://schemas.microsoft.com/office/powerpoint/2010/main" id="1" dur="indefinite" restart="never" nodeType="tmRoot"/>
+      </p:par>
+    </p:tnLst>
+  </p:timing>
+</p:sld>
+</file>
+
+<file path=ppt/slides/slide21.xml><?xml version="1.0" encoding="utf-8"?>
+<p:sld xmlns:a="http://schemas.openxmlformats.org/drawingml/2006/main" xmlns:r="http://schemas.openxmlformats.org/officeDocument/2006/relationships" xmlns:p="http://schemas.openxmlformats.org/presentationml/2006/main">
+  <p:cSld>
+    <p:spTree>
+      <p:nvGrpSpPr>
         <p:cNvPr id="1" name="Shape 116"/>
         <p:cNvGrpSpPr/>
         <p:nvPr/>
@@ -15709,7 +15805,7 @@
 </p:sld>
 </file>
 
-<file path=ppt/slides/slide21.xml><?xml version="1.0" encoding="utf-8"?>
+<file path=ppt/slides/slide22.xml><?xml version="1.0" encoding="utf-8"?>
 <p:sld xmlns:a="http://schemas.openxmlformats.org/drawingml/2006/main" xmlns:r="http://schemas.openxmlformats.org/officeDocument/2006/relationships" xmlns:p="http://schemas.openxmlformats.org/presentationml/2006/main">
   <p:cSld>
     <p:spTree>
@@ -16660,7 +16756,7 @@
 </p:sld>
 </file>
 
-<file path=ppt/slides/slide22.xml><?xml version="1.0" encoding="utf-8"?>
+<file path=ppt/slides/slide23.xml><?xml version="1.0" encoding="utf-8"?>
 <p:sld xmlns:a="http://schemas.openxmlformats.org/drawingml/2006/main" xmlns:r="http://schemas.openxmlformats.org/officeDocument/2006/relationships" xmlns:p="http://schemas.openxmlformats.org/presentationml/2006/main">
   <p:cSld>
     <p:spTree>
@@ -17398,7 +17494,7 @@
 </p:sld>
 </file>
 
-<file path=ppt/slides/slide23.xml><?xml version="1.0" encoding="utf-8"?>
+<file path=ppt/slides/slide24.xml><?xml version="1.0" encoding="utf-8"?>
 <p:sld xmlns:a="http://schemas.openxmlformats.org/drawingml/2006/main" xmlns:r="http://schemas.openxmlformats.org/officeDocument/2006/relationships" xmlns:p="http://schemas.openxmlformats.org/presentationml/2006/main">
   <p:cSld>
     <p:spTree>
@@ -17951,7 +18047,7 @@
 </p:sld>
 </file>
 
-<file path=ppt/slides/slide24.xml><?xml version="1.0" encoding="utf-8"?>
+<file path=ppt/slides/slide25.xml><?xml version="1.0" encoding="utf-8"?>
 <p:sld xmlns:a="http://schemas.openxmlformats.org/drawingml/2006/main" xmlns:r="http://schemas.openxmlformats.org/officeDocument/2006/relationships" xmlns:p="http://schemas.openxmlformats.org/presentationml/2006/main">
   <p:cSld>
     <p:spTree>
@@ -18452,7 +18548,7 @@
 </p:sld>
 </file>
 
-<file path=ppt/slides/slide25.xml><?xml version="1.0" encoding="utf-8"?>
+<file path=ppt/slides/slide26.xml><?xml version="1.0" encoding="utf-8"?>
 <p:sld xmlns:a="http://schemas.openxmlformats.org/drawingml/2006/main" xmlns:r="http://schemas.openxmlformats.org/officeDocument/2006/relationships" xmlns:p="http://schemas.openxmlformats.org/presentationml/2006/main">
   <p:cSld>
     <p:spTree>
@@ -19428,7 +19524,7 @@
 </p:sld>
 </file>
 
-<file path=ppt/slides/slide26.xml><?xml version="1.0" encoding="utf-8"?>
+<file path=ppt/slides/slide27.xml><?xml version="1.0" encoding="utf-8"?>
 <p:sld xmlns:a="http://schemas.openxmlformats.org/drawingml/2006/main" xmlns:r="http://schemas.openxmlformats.org/officeDocument/2006/relationships" xmlns:p="http://schemas.openxmlformats.org/presentationml/2006/main">
   <p:cSld>
     <p:spTree>
@@ -19625,7 +19721,7 @@
 </p:sld>
 </file>
 
-<file path=ppt/slides/slide27.xml><?xml version="1.0" encoding="utf-8"?>
+<file path=ppt/slides/slide28.xml><?xml version="1.0" encoding="utf-8"?>
 <p:sld xmlns:a="http://schemas.openxmlformats.org/drawingml/2006/main" xmlns:r="http://schemas.openxmlformats.org/officeDocument/2006/relationships" xmlns:p="http://schemas.openxmlformats.org/presentationml/2006/main">
   <p:cSld>
     <p:spTree>
@@ -19808,7 +19904,7 @@
 </p:sld>
 </file>
 
-<file path=ppt/slides/slide28.xml><?xml version="1.0" encoding="utf-8"?>
+<file path=ppt/slides/slide29.xml><?xml version="1.0" encoding="utf-8"?>
 <p:sld xmlns:a="http://schemas.openxmlformats.org/drawingml/2006/main" xmlns:r="http://schemas.openxmlformats.org/officeDocument/2006/relationships" xmlns:p="http://schemas.openxmlformats.org/presentationml/2006/main">
   <p:cSld>
     <p:spTree>
@@ -19867,386 +19963,6 @@
               </a:rPr>
               <a:t>Your Own Command Line Program</a:t>
             </a:r>
-          </a:p>
-        </p:txBody>
-      </p:sp>
-    </p:spTree>
-  </p:cSld>
-  <p:clrMapOvr>
-    <a:masterClrMapping/>
-  </p:clrMapOvr>
-  <p:transition xmlns:p14="http://schemas.microsoft.com/office/powerpoint/2010/main" spd="slow">
-    <p:cut/>
-  </p:transition>
-  <p:timing>
-    <p:tnLst>
-      <p:par>
-        <p:cTn xmlns:p14="http://schemas.microsoft.com/office/powerpoint/2010/main" id="1" dur="indefinite" restart="never" nodeType="tmRoot"/>
-      </p:par>
-    </p:tnLst>
-  </p:timing>
-</p:sld>
-</file>
-
-<file path=ppt/slides/slide29.xml><?xml version="1.0" encoding="utf-8"?>
-<p:sld xmlns:a="http://schemas.openxmlformats.org/drawingml/2006/main" xmlns:r="http://schemas.openxmlformats.org/officeDocument/2006/relationships" xmlns:p="http://schemas.openxmlformats.org/presentationml/2006/main">
-  <p:cSld>
-    <p:spTree>
-      <p:nvGrpSpPr>
-        <p:cNvPr id="1" name="Shape 188"/>
-        <p:cNvGrpSpPr/>
-        <p:nvPr/>
-      </p:nvGrpSpPr>
-      <p:grpSpPr>
-        <a:xfrm>
-          <a:off x="0" y="0"/>
-          <a:ext cx="0" cy="0"/>
-          <a:chOff x="0" y="0"/>
-          <a:chExt cx="0" cy="0"/>
-        </a:xfrm>
-      </p:grpSpPr>
-      <p:sp>
-        <p:nvSpPr>
-          <p:cNvPr id="189" name="Shape 189"/>
-          <p:cNvSpPr txBox="1">
-            <a:spLocks noGrp="1"/>
-          </p:cNvSpPr>
-          <p:nvPr>
-            <p:ph type="title"/>
-          </p:nvPr>
-        </p:nvSpPr>
-        <p:spPr>
-          <a:xfrm>
-            <a:off x="457200" y="274636"/>
-            <a:ext cx="8229600" cy="1325563"/>
-          </a:xfrm>
-          <a:prstGeom prst="rect">
-            <a:avLst/>
-          </a:prstGeom>
-        </p:spPr>
-        <p:txBody>
-          <a:bodyPr lIns="91425" tIns="91425" rIns="91425" bIns="91425" anchor="b" anchorCtr="0">
-            <a:noAutofit/>
-          </a:bodyPr>
-          <a:lstStyle/>
-          <a:p>
-            <a:pPr>
-              <a:spcBef>
-                <a:spcPts val="0"/>
-              </a:spcBef>
-              <a:buNone/>
-            </a:pPr>
-            <a:r>
-              <a:rPr lang="en" sz="9600" dirty="0">
-                <a:solidFill>
-                  <a:srgbClr val="FF0000"/>
-                </a:solidFill>
-                <a:latin typeface="Yanone Kaffeesatz Bold"/>
-                <a:cs typeface="Yanone Kaffeesatz Bold"/>
-                <a:sym typeface="Ubuntu"/>
-              </a:rPr>
-              <a:t>Hello</a:t>
-            </a:r>
-            <a:r>
-              <a:rPr lang="en" dirty="0">
-                <a:latin typeface="Ubuntu"/>
-                <a:ea typeface="Ubuntu"/>
-                <a:cs typeface="Ubuntu"/>
-                <a:sym typeface="Ubuntu"/>
-              </a:rPr>
-              <a:t> </a:t>
-            </a:r>
-            <a:r>
-              <a:rPr lang="en" sz="9600" dirty="0">
-                <a:solidFill>
-                  <a:srgbClr val="FF0000"/>
-                </a:solidFill>
-                <a:latin typeface="Yanone Kaffeesatz Bold"/>
-                <a:cs typeface="Yanone Kaffeesatz Bold"/>
-                <a:sym typeface="Ubuntu"/>
-              </a:rPr>
-              <a:t>World</a:t>
-            </a:r>
-          </a:p>
-        </p:txBody>
-      </p:sp>
-      <p:sp>
-        <p:nvSpPr>
-          <p:cNvPr id="190" name="Shape 190"/>
-          <p:cNvSpPr txBox="1">
-            <a:spLocks noGrp="1"/>
-          </p:cNvSpPr>
-          <p:nvPr>
-            <p:ph type="body" idx="1"/>
-          </p:nvPr>
-        </p:nvSpPr>
-        <p:spPr>
-          <a:xfrm>
-            <a:off x="457200" y="1600200"/>
-            <a:ext cx="8229600" cy="4967700"/>
-          </a:xfrm>
-          <a:prstGeom prst="rect">
-            <a:avLst/>
-          </a:prstGeom>
-        </p:spPr>
-        <p:txBody>
-          <a:bodyPr lIns="91425" tIns="91425" rIns="91425" bIns="91425" anchor="t" anchorCtr="0">
-            <a:noAutofit/>
-          </a:bodyPr>
-          <a:lstStyle/>
-          <a:p>
-            <a:pPr lvl="0" rtl="0">
-              <a:spcBef>
-                <a:spcPts val="0"/>
-              </a:spcBef>
-              <a:buNone/>
-            </a:pPr>
-            <a:r>
-              <a:rPr lang="en" dirty="0"/>
-              <a:t>Create a file </a:t>
-            </a:r>
-            <a:r>
-              <a:rPr lang="en" dirty="0" smtClean="0"/>
-              <a:t>name</a:t>
-            </a:r>
-            <a:r>
-              <a:rPr lang="en-US" dirty="0" smtClean="0"/>
-              <a:t>d</a:t>
-            </a:r>
-            <a:r>
-              <a:rPr lang="en" dirty="0" smtClean="0"/>
-              <a:t> </a:t>
-            </a:r>
-            <a:r>
-              <a:rPr lang="en" dirty="0" smtClean="0">
-                <a:solidFill>
-                  <a:srgbClr val="0B5C92"/>
-                </a:solidFill>
-                <a:latin typeface="Menlo Regular"/>
-                <a:ea typeface="Menlo Regular"/>
-                <a:cs typeface="Menlo Regular"/>
-                <a:sym typeface="Courier New"/>
-              </a:rPr>
-              <a:t>hello.py</a:t>
-            </a:r>
-            <a:r>
-              <a:rPr lang="en" dirty="0" smtClean="0"/>
-              <a:t> </a:t>
-            </a:r>
-            <a:r>
-              <a:rPr lang="en" dirty="0"/>
-              <a:t>and </a:t>
-            </a:r>
-            <a:r>
-              <a:rPr lang="en-US" dirty="0" smtClean="0"/>
-              <a:t>add </a:t>
-            </a:r>
-            <a:r>
-              <a:rPr lang="en" dirty="0" smtClean="0"/>
-              <a:t>the </a:t>
-            </a:r>
-            <a:r>
-              <a:rPr lang="en" dirty="0"/>
-              <a:t>following code</a:t>
-            </a:r>
-          </a:p>
-          <a:p>
-            <a:pPr lvl="0" rtl="0">
-              <a:spcBef>
-                <a:spcPts val="0"/>
-              </a:spcBef>
-              <a:buNone/>
-            </a:pPr>
-            <a:endParaRPr dirty="0"/>
-          </a:p>
-          <a:p>
-            <a:pPr lvl="0" rtl="0">
-              <a:spcBef>
-                <a:spcPts val="0"/>
-              </a:spcBef>
-              <a:buNone/>
-            </a:pPr>
-            <a:r>
-              <a:rPr lang="en-US" dirty="0">
-                <a:solidFill>
-                  <a:srgbClr val="771100"/>
-                </a:solidFill>
-                <a:latin typeface="Menlo Regular"/>
-                <a:ea typeface="Menlo Regular"/>
-                <a:cs typeface="Menlo Regular"/>
-                <a:sym typeface="Courier New"/>
-              </a:rPr>
-              <a:t>p</a:t>
-            </a:r>
-            <a:r>
-              <a:rPr lang="en" dirty="0" smtClean="0">
-                <a:solidFill>
-                  <a:srgbClr val="771100"/>
-                </a:solidFill>
-                <a:latin typeface="Menlo Regular"/>
-                <a:ea typeface="Menlo Regular"/>
-                <a:cs typeface="Menlo Regular"/>
-                <a:sym typeface="Courier New"/>
-              </a:rPr>
-              <a:t>rint("</a:t>
-            </a:r>
-            <a:r>
-              <a:rPr lang="en" dirty="0" smtClean="0">
-                <a:solidFill>
-                  <a:srgbClr val="DD2200"/>
-                </a:solidFill>
-                <a:latin typeface="Menlo Regular"/>
-                <a:ea typeface="Menlo Regular"/>
-                <a:cs typeface="Menlo Regular"/>
-                <a:sym typeface="Courier New"/>
-              </a:rPr>
-              <a:t>Hello</a:t>
-            </a:r>
-            <a:r>
-              <a:rPr lang="en" dirty="0">
-                <a:solidFill>
-                  <a:srgbClr val="DD2200"/>
-                </a:solidFill>
-                <a:latin typeface="Menlo Regular"/>
-                <a:ea typeface="Menlo Regular"/>
-                <a:cs typeface="Menlo Regular"/>
-                <a:sym typeface="Courier New"/>
-              </a:rPr>
-              <a:t>, World</a:t>
-            </a:r>
-            <a:r>
-              <a:rPr lang="en" dirty="0" smtClean="0">
-                <a:solidFill>
-                  <a:srgbClr val="DD2200"/>
-                </a:solidFill>
-                <a:latin typeface="Menlo Regular"/>
-                <a:ea typeface="Menlo Regular"/>
-                <a:cs typeface="Menlo Regular"/>
-                <a:sym typeface="Courier New"/>
-              </a:rPr>
-              <a:t>!</a:t>
-            </a:r>
-            <a:r>
-              <a:rPr lang="en" dirty="0" smtClean="0">
-                <a:solidFill>
-                  <a:srgbClr val="771100"/>
-                </a:solidFill>
-                <a:latin typeface="Menlo Regular"/>
-                <a:ea typeface="Menlo Regular"/>
-                <a:cs typeface="Menlo Regular"/>
-                <a:sym typeface="Courier New"/>
-              </a:rPr>
-              <a:t>“)</a:t>
-            </a:r>
-            <a:endParaRPr lang="en" dirty="0">
-              <a:solidFill>
-                <a:srgbClr val="771100"/>
-              </a:solidFill>
-              <a:latin typeface="Menlo Regular"/>
-              <a:ea typeface="Menlo Regular"/>
-              <a:cs typeface="Menlo Regular"/>
-              <a:sym typeface="Courier New"/>
-            </a:endParaRPr>
-          </a:p>
-          <a:p>
-            <a:pPr lvl="0" rtl="0">
-              <a:spcBef>
-                <a:spcPts val="0"/>
-              </a:spcBef>
-              <a:buNone/>
-            </a:pPr>
-            <a:endParaRPr dirty="0">
-              <a:solidFill>
-                <a:srgbClr val="771100"/>
-              </a:solidFill>
-              <a:latin typeface="Menlo Regular"/>
-              <a:ea typeface="Menlo Regular"/>
-              <a:cs typeface="Menlo Regular"/>
-              <a:sym typeface="Courier New"/>
-            </a:endParaRPr>
-          </a:p>
-          <a:p>
-            <a:pPr lvl="0" rtl="0">
-              <a:spcBef>
-                <a:spcPts val="0"/>
-              </a:spcBef>
-              <a:buNone/>
-            </a:pPr>
-            <a:r>
-              <a:rPr lang="en" dirty="0">
-                <a:solidFill>
-                  <a:srgbClr val="000000"/>
-                </a:solidFill>
-              </a:rPr>
-              <a:t>Now run it</a:t>
-            </a:r>
-          </a:p>
-          <a:p>
-            <a:pPr lvl="0" rtl="0">
-              <a:spcBef>
-                <a:spcPts val="0"/>
-              </a:spcBef>
-              <a:buNone/>
-            </a:pPr>
-            <a:endParaRPr dirty="0">
-              <a:solidFill>
-                <a:srgbClr val="771100"/>
-              </a:solidFill>
-              <a:latin typeface="Menlo Regular"/>
-              <a:ea typeface="Menlo Regular"/>
-              <a:cs typeface="Menlo Regular"/>
-              <a:sym typeface="Courier New"/>
-            </a:endParaRPr>
-          </a:p>
-          <a:p>
-            <a:pPr lvl="0" rtl="0">
-              <a:spcBef>
-                <a:spcPts val="0"/>
-              </a:spcBef>
-              <a:buNone/>
-            </a:pPr>
-            <a:r>
-              <a:rPr lang="en" dirty="0">
-                <a:solidFill>
-                  <a:srgbClr val="0B5C92"/>
-                </a:solidFill>
-                <a:latin typeface="Menlo Regular"/>
-                <a:ea typeface="Menlo Regular"/>
-                <a:cs typeface="Menlo Regular"/>
-                <a:sym typeface="Courier New"/>
-              </a:rPr>
-              <a:t>$ </a:t>
-            </a:r>
-            <a:r>
-              <a:rPr lang="en" dirty="0" smtClean="0">
-                <a:solidFill>
-                  <a:srgbClr val="0B5C92"/>
-                </a:solidFill>
-                <a:latin typeface="Menlo Regular"/>
-                <a:ea typeface="Menlo Regular"/>
-                <a:cs typeface="Menlo Regular"/>
-                <a:sym typeface="Courier New"/>
-              </a:rPr>
-              <a:t>python3 hello.py</a:t>
-            </a:r>
-            <a:endParaRPr lang="en" dirty="0">
-              <a:solidFill>
-                <a:srgbClr val="0B5C92"/>
-              </a:solidFill>
-              <a:latin typeface="Menlo Regular"/>
-              <a:ea typeface="Menlo Regular"/>
-              <a:cs typeface="Menlo Regular"/>
-              <a:sym typeface="Courier New"/>
-            </a:endParaRPr>
-          </a:p>
-          <a:p>
-            <a:pPr>
-              <a:spcBef>
-                <a:spcPts val="0"/>
-              </a:spcBef>
-              <a:buNone/>
-            </a:pPr>
-            <a:endParaRPr dirty="0"/>
           </a:p>
         </p:txBody>
       </p:sp>
@@ -21369,7 +21085,7 @@
   <p:cSld>
     <p:spTree>
       <p:nvGrpSpPr>
-        <p:cNvPr id="1" name="Shape 206"/>
+        <p:cNvPr id="1" name="Shape 188"/>
         <p:cNvGrpSpPr/>
         <p:nvPr/>
       </p:nvGrpSpPr>
@@ -21383,7 +21099,7 @@
       </p:grpSpPr>
       <p:sp>
         <p:nvSpPr>
-          <p:cNvPr id="207" name="Shape 207"/>
+          <p:cNvPr id="189" name="Shape 189"/>
           <p:cNvSpPr txBox="1">
             <a:spLocks noGrp="1"/>
           </p:cNvSpPr>
@@ -21413,7 +21129,7 @@
               <a:buNone/>
             </a:pPr>
             <a:r>
-              <a:rPr lang="en-US" sz="9600" dirty="0" smtClean="0">
+              <a:rPr lang="en" sz="9600" dirty="0">
                 <a:solidFill>
                   <a:srgbClr val="FF0000"/>
                 </a:solidFill>
@@ -21421,22 +21137,34 @@
                 <a:cs typeface="Yanone Kaffeesatz Bold"/>
                 <a:sym typeface="Ubuntu"/>
               </a:rPr>
-              <a:t>Packages</a:t>
-            </a:r>
-            <a:endParaRPr lang="en" sz="9600" dirty="0">
-              <a:solidFill>
-                <a:srgbClr val="FF0000"/>
-              </a:solidFill>
-              <a:latin typeface="Yanone Kaffeesatz Bold"/>
-              <a:cs typeface="Yanone Kaffeesatz Bold"/>
-              <a:sym typeface="Ubuntu"/>
-            </a:endParaRPr>
+              <a:t>Hello</a:t>
+            </a:r>
+            <a:r>
+              <a:rPr lang="en" dirty="0">
+                <a:latin typeface="Ubuntu"/>
+                <a:ea typeface="Ubuntu"/>
+                <a:cs typeface="Ubuntu"/>
+                <a:sym typeface="Ubuntu"/>
+              </a:rPr>
+              <a:t> </a:t>
+            </a:r>
+            <a:r>
+              <a:rPr lang="en" sz="9600" dirty="0">
+                <a:solidFill>
+                  <a:srgbClr val="FF0000"/>
+                </a:solidFill>
+                <a:latin typeface="Yanone Kaffeesatz Bold"/>
+                <a:cs typeface="Yanone Kaffeesatz Bold"/>
+                <a:sym typeface="Ubuntu"/>
+              </a:rPr>
+              <a:t>World</a:t>
+            </a:r>
           </a:p>
         </p:txBody>
       </p:sp>
       <p:sp>
         <p:nvSpPr>
-          <p:cNvPr id="208" name="Shape 208"/>
+          <p:cNvPr id="190" name="Shape 190"/>
           <p:cNvSpPr txBox="1">
             <a:spLocks noGrp="1"/>
           </p:cNvSpPr>
@@ -21467,7 +21195,51 @@
             </a:pPr>
             <a:r>
               <a:rPr lang="en" dirty="0"/>
-              <a:t>Useful behavior beyond the "basics"</a:t>
+              <a:t>Create a file </a:t>
+            </a:r>
+            <a:r>
+              <a:rPr lang="en" dirty="0" smtClean="0"/>
+              <a:t>name</a:t>
+            </a:r>
+            <a:r>
+              <a:rPr lang="en-US" dirty="0" smtClean="0"/>
+              <a:t>d</a:t>
+            </a:r>
+            <a:r>
+              <a:rPr lang="en" dirty="0" smtClean="0"/>
+              <a:t> </a:t>
+            </a:r>
+            <a:r>
+              <a:rPr lang="en" dirty="0" smtClean="0">
+                <a:solidFill>
+                  <a:srgbClr val="0B5C92"/>
+                </a:solidFill>
+                <a:latin typeface="Menlo Regular"/>
+                <a:ea typeface="Menlo Regular"/>
+                <a:cs typeface="Menlo Regular"/>
+                <a:sym typeface="Courier New"/>
+              </a:rPr>
+              <a:t>hello.py</a:t>
+            </a:r>
+            <a:r>
+              <a:rPr lang="en" dirty="0" smtClean="0"/>
+              <a:t> </a:t>
+            </a:r>
+            <a:r>
+              <a:rPr lang="en" dirty="0"/>
+              <a:t>and </a:t>
+            </a:r>
+            <a:r>
+              <a:rPr lang="en-US" dirty="0" smtClean="0"/>
+              <a:t>add </a:t>
+            </a:r>
+            <a:r>
+              <a:rPr lang="en" dirty="0" smtClean="0"/>
+              <a:t>the </a:t>
+            </a:r>
+            <a:r>
+              <a:rPr lang="en" dirty="0"/>
+              <a:t>following code</a:t>
             </a:r>
           </a:p>
           <a:p>
@@ -21480,146 +21252,183 @@
             <a:endParaRPr dirty="0"/>
           </a:p>
           <a:p>
-            <a:pPr marL="457200" lvl="0" indent="-419100" rtl="0">
-              <a:spcBef>
-                <a:spcPts val="0"/>
-              </a:spcBef>
-              <a:buClr>
-                <a:schemeClr val="dk1"/>
-              </a:buClr>
-              <a:buSzPct val="100000"/>
-              <a:buFont typeface="Arial"/>
-              <a:buChar char="●"/>
-            </a:pPr>
-            <a:r>
-              <a:rPr lang="en-US" dirty="0"/>
-              <a:t>Python </a:t>
-            </a:r>
-            <a:r>
-              <a:rPr lang="en" dirty="0"/>
-              <a:t>Standard Library</a:t>
-            </a:r>
-          </a:p>
-          <a:p>
-            <a:pPr marL="914400" lvl="1" indent="-381000" rtl="0">
-              <a:spcBef>
-                <a:spcPts val="0"/>
-              </a:spcBef>
-              <a:buClr>
-                <a:schemeClr val="dk1"/>
-              </a:buClr>
-              <a:buSzPct val="80000"/>
-              <a:buFont typeface="Courier New"/>
-              <a:buChar char="o"/>
+            <a:pPr lvl="0" rtl="0">
+              <a:spcBef>
+                <a:spcPts val="0"/>
+              </a:spcBef>
+              <a:buNone/>
             </a:pPr>
             <a:r>
               <a:rPr lang="en-US" dirty="0">
-                <a:latin typeface="Open Sans"/>
-                <a:ea typeface="Open Sans"/>
-                <a:cs typeface="Open Sans"/>
-              </a:rPr>
-              <a:t>Math functions</a:t>
+                <a:solidFill>
+                  <a:srgbClr val="771100"/>
+                </a:solidFill>
+                <a:latin typeface="Menlo Regular"/>
+                <a:ea typeface="Menlo Regular"/>
+                <a:cs typeface="Menlo Regular"/>
+                <a:sym typeface="Courier New"/>
+              </a:rPr>
+              <a:t>p</a:t>
+            </a:r>
+            <a:r>
+              <a:rPr lang="en" dirty="0" smtClean="0">
+                <a:solidFill>
+                  <a:srgbClr val="771100"/>
+                </a:solidFill>
+                <a:latin typeface="Menlo Regular"/>
+                <a:ea typeface="Menlo Regular"/>
+                <a:cs typeface="Menlo Regular"/>
+                <a:sym typeface="Courier New"/>
+              </a:rPr>
+              <a:t>rint("</a:t>
+            </a:r>
+            <a:r>
+              <a:rPr lang="en" dirty="0" smtClean="0">
+                <a:solidFill>
+                  <a:srgbClr val="DD2200"/>
+                </a:solidFill>
+                <a:latin typeface="Menlo Regular"/>
+                <a:ea typeface="Menlo Regular"/>
+                <a:cs typeface="Menlo Regular"/>
+                <a:sym typeface="Courier New"/>
+              </a:rPr>
+              <a:t>Hello</a:t>
+            </a:r>
+            <a:r>
+              <a:rPr lang="en" dirty="0">
+                <a:solidFill>
+                  <a:srgbClr val="DD2200"/>
+                </a:solidFill>
+                <a:latin typeface="Menlo Regular"/>
+                <a:ea typeface="Menlo Regular"/>
+                <a:cs typeface="Menlo Regular"/>
+                <a:sym typeface="Courier New"/>
+              </a:rPr>
+              <a:t>, World</a:t>
+            </a:r>
+            <a:r>
+              <a:rPr lang="en" dirty="0" smtClean="0">
+                <a:solidFill>
+                  <a:srgbClr val="DD2200"/>
+                </a:solidFill>
+                <a:latin typeface="Menlo Regular"/>
+                <a:ea typeface="Menlo Regular"/>
+                <a:cs typeface="Menlo Regular"/>
+                <a:sym typeface="Courier New"/>
+              </a:rPr>
+              <a:t>!</a:t>
+            </a:r>
+            <a:r>
+              <a:rPr lang="en" dirty="0" smtClean="0">
+                <a:solidFill>
+                  <a:srgbClr val="771100"/>
+                </a:solidFill>
+                <a:latin typeface="Menlo Regular"/>
+                <a:ea typeface="Menlo Regular"/>
+                <a:cs typeface="Menlo Regular"/>
+                <a:sym typeface="Courier New"/>
+              </a:rPr>
+              <a:t>“)</a:t>
             </a:r>
             <a:endParaRPr lang="en" dirty="0">
-              <a:latin typeface="Open Sans"/>
-              <a:ea typeface="Open Sans"/>
-              <a:cs typeface="Open Sans"/>
+              <a:solidFill>
+                <a:srgbClr val="771100"/>
+              </a:solidFill>
+              <a:latin typeface="Menlo Regular"/>
+              <a:ea typeface="Menlo Regular"/>
+              <a:cs typeface="Menlo Regular"/>
+              <a:sym typeface="Courier New"/>
             </a:endParaRPr>
           </a:p>
           <a:p>
-            <a:pPr marL="914400" lvl="1" indent="-381000" rtl="0">
-              <a:spcBef>
-                <a:spcPts val="0"/>
-              </a:spcBef>
-              <a:buClr>
-                <a:schemeClr val="dk1"/>
-              </a:buClr>
-              <a:buSzPct val="80000"/>
-              <a:buFont typeface="Courier New"/>
-              <a:buChar char="o"/>
-            </a:pPr>
-            <a:r>
-              <a:rPr lang="en-US" dirty="0">
-                <a:latin typeface="Open Sans"/>
-                <a:ea typeface="Open Sans"/>
-                <a:cs typeface="Open Sans"/>
-              </a:rPr>
-              <a:t>Everything we've done so far</a:t>
+            <a:pPr lvl="0" rtl="0">
+              <a:spcBef>
+                <a:spcPts val="0"/>
+              </a:spcBef>
+              <a:buNone/>
+            </a:pPr>
+            <a:endParaRPr dirty="0">
+              <a:solidFill>
+                <a:srgbClr val="771100"/>
+              </a:solidFill>
+              <a:latin typeface="Menlo Regular"/>
+              <a:ea typeface="Menlo Regular"/>
+              <a:cs typeface="Menlo Regular"/>
+              <a:sym typeface="Courier New"/>
+            </a:endParaRPr>
+          </a:p>
+          <a:p>
+            <a:pPr lvl="0" rtl="0">
+              <a:spcBef>
+                <a:spcPts val="0"/>
+              </a:spcBef>
+              <a:buNone/>
+            </a:pPr>
+            <a:r>
+              <a:rPr lang="en" dirty="0">
+                <a:solidFill>
+                  <a:srgbClr val="000000"/>
+                </a:solidFill>
+              </a:rPr>
+              <a:t>Now run it</a:t>
+            </a:r>
+          </a:p>
+          <a:p>
+            <a:pPr lvl="0" rtl="0">
+              <a:spcBef>
+                <a:spcPts val="0"/>
+              </a:spcBef>
+              <a:buNone/>
+            </a:pPr>
+            <a:endParaRPr dirty="0">
+              <a:solidFill>
+                <a:srgbClr val="771100"/>
+              </a:solidFill>
+              <a:latin typeface="Menlo Regular"/>
+              <a:ea typeface="Menlo Regular"/>
+              <a:cs typeface="Menlo Regular"/>
+              <a:sym typeface="Courier New"/>
+            </a:endParaRPr>
+          </a:p>
+          <a:p>
+            <a:pPr lvl="0" rtl="0">
+              <a:spcBef>
+                <a:spcPts val="0"/>
+              </a:spcBef>
+              <a:buNone/>
+            </a:pPr>
+            <a:r>
+              <a:rPr lang="en" dirty="0">
+                <a:solidFill>
+                  <a:srgbClr val="0B5C92"/>
+                </a:solidFill>
+                <a:latin typeface="Menlo Regular"/>
+                <a:ea typeface="Menlo Regular"/>
+                <a:cs typeface="Menlo Regular"/>
+                <a:sym typeface="Courier New"/>
+              </a:rPr>
+              <a:t>$ </a:t>
+            </a:r>
+            <a:r>
+              <a:rPr lang="en" dirty="0" smtClean="0">
+                <a:solidFill>
+                  <a:srgbClr val="0B5C92"/>
+                </a:solidFill>
+                <a:latin typeface="Menlo Regular"/>
+                <a:ea typeface="Menlo Regular"/>
+                <a:cs typeface="Menlo Regular"/>
+                <a:sym typeface="Courier New"/>
+              </a:rPr>
+              <a:t>python3 hello.py</a:t>
             </a:r>
             <a:endParaRPr lang="en" dirty="0">
-              <a:latin typeface="Open Sans"/>
-              <a:ea typeface="Open Sans"/>
-              <a:cs typeface="Open Sans"/>
-            </a:endParaRPr>
-          </a:p>
-          <a:p>
-            <a:pPr marL="457200" lvl="0" indent="-419100" rtl="0">
-              <a:spcBef>
-                <a:spcPts val="0"/>
-              </a:spcBef>
-              <a:buClr>
-                <a:schemeClr val="dk1"/>
-              </a:buClr>
-              <a:buSzPct val="100000"/>
-              <a:buFont typeface="Arial"/>
-              <a:buChar char="●"/>
-            </a:pPr>
-            <a:r>
-              <a:rPr lang="en-US" dirty="0"/>
-              <a:t>Python packages</a:t>
-            </a:r>
-            <a:endParaRPr lang="en" dirty="0"/>
-          </a:p>
-          <a:p>
-            <a:pPr marL="914400" lvl="1" indent="-381000" rtl="0">
-              <a:spcBef>
-                <a:spcPts val="0"/>
-              </a:spcBef>
-              <a:buClr>
-                <a:schemeClr val="dk1"/>
-              </a:buClr>
-              <a:buSzPct val="80000"/>
-              <a:buFont typeface="Courier New"/>
-              <a:buChar char="o"/>
-            </a:pPr>
-            <a:r>
-              <a:rPr lang="en" dirty="0">
-                <a:latin typeface="Open Sans"/>
-                <a:ea typeface="Open Sans"/>
-                <a:cs typeface="Open Sans"/>
-              </a:rPr>
-              <a:t>Just about everything else</a:t>
-            </a:r>
-            <a:endParaRPr lang="en-US" dirty="0">
-              <a:latin typeface="Open Sans"/>
-              <a:ea typeface="Open Sans"/>
-              <a:cs typeface="Open Sans"/>
-            </a:endParaRPr>
-          </a:p>
-          <a:p>
-            <a:pPr marL="914400" lvl="1" indent="-381000" rtl="0">
-              <a:spcBef>
-                <a:spcPts val="0"/>
-              </a:spcBef>
-              <a:buClr>
-                <a:schemeClr val="dk1"/>
-              </a:buClr>
-              <a:buSzPct val="80000"/>
-              <a:buFont typeface="Courier New"/>
-              <a:buChar char="o"/>
-            </a:pPr>
-            <a:r>
-              <a:rPr lang="en-US" dirty="0">
-                <a:latin typeface="Open Sans"/>
-                <a:ea typeface="Open Sans"/>
-                <a:cs typeface="Open Sans"/>
-              </a:rPr>
-              <a:t>Anythin you might not need to use everytime</a:t>
-            </a:r>
-            <a:endParaRPr lang="en" dirty="0">
-              <a:latin typeface="Open Sans"/>
-              <a:ea typeface="Open Sans"/>
-              <a:cs typeface="Open Sans"/>
+              <a:solidFill>
+                <a:srgbClr val="0B5C92"/>
+              </a:solidFill>
+              <a:latin typeface="Menlo Regular"/>
+              <a:ea typeface="Menlo Regular"/>
+              <a:cs typeface="Menlo Regular"/>
+              <a:sym typeface="Courier New"/>
             </a:endParaRPr>
           </a:p>
           <a:p>
@@ -21700,7 +21509,7 @@
               <a:buNone/>
             </a:pPr>
             <a:r>
-              <a:rPr lang="en-US" sz="5500" dirty="0" smtClean="0">
+              <a:rPr lang="en-US" sz="9600" dirty="0" smtClean="0">
                 <a:solidFill>
                   <a:srgbClr val="FF0000"/>
                 </a:solidFill>
@@ -21708,9 +21517,9 @@
                 <a:cs typeface="Yanone Kaffeesatz Bold"/>
                 <a:sym typeface="Ubuntu"/>
               </a:rPr>
-              <a:t>Installing Packages</a:t>
-            </a:r>
-            <a:endParaRPr lang="en" sz="5500" dirty="0">
+              <a:t>Packages</a:t>
+            </a:r>
+            <a:endParaRPr lang="en" sz="9600" dirty="0">
               <a:solidFill>
                 <a:srgbClr val="FF0000"/>
               </a:solidFill>
@@ -21753,6 +21562,293 @@
               <a:buNone/>
             </a:pPr>
             <a:r>
+              <a:rPr lang="en" dirty="0"/>
+              <a:t>Useful behavior beyond the "basics"</a:t>
+            </a:r>
+          </a:p>
+          <a:p>
+            <a:pPr lvl="0" rtl="0">
+              <a:spcBef>
+                <a:spcPts val="0"/>
+              </a:spcBef>
+              <a:buNone/>
+            </a:pPr>
+            <a:endParaRPr dirty="0"/>
+          </a:p>
+          <a:p>
+            <a:pPr marL="457200" lvl="0" indent="-419100" rtl="0">
+              <a:spcBef>
+                <a:spcPts val="0"/>
+              </a:spcBef>
+              <a:buClr>
+                <a:schemeClr val="dk1"/>
+              </a:buClr>
+              <a:buSzPct val="100000"/>
+              <a:buFont typeface="Arial"/>
+              <a:buChar char="●"/>
+            </a:pPr>
+            <a:r>
+              <a:rPr lang="en-US" dirty="0"/>
+              <a:t>Python </a:t>
+            </a:r>
+            <a:r>
+              <a:rPr lang="en" dirty="0"/>
+              <a:t>Standard Library</a:t>
+            </a:r>
+          </a:p>
+          <a:p>
+            <a:pPr marL="914400" lvl="1" indent="-381000" rtl="0">
+              <a:spcBef>
+                <a:spcPts val="0"/>
+              </a:spcBef>
+              <a:buClr>
+                <a:schemeClr val="dk1"/>
+              </a:buClr>
+              <a:buSzPct val="80000"/>
+              <a:buFont typeface="Courier New"/>
+              <a:buChar char="o"/>
+            </a:pPr>
+            <a:r>
+              <a:rPr lang="en-US" dirty="0">
+                <a:latin typeface="Open Sans"/>
+                <a:ea typeface="Open Sans"/>
+                <a:cs typeface="Open Sans"/>
+              </a:rPr>
+              <a:t>Math functions</a:t>
+            </a:r>
+            <a:endParaRPr lang="en" dirty="0">
+              <a:latin typeface="Open Sans"/>
+              <a:ea typeface="Open Sans"/>
+              <a:cs typeface="Open Sans"/>
+            </a:endParaRPr>
+          </a:p>
+          <a:p>
+            <a:pPr marL="914400" lvl="1" indent="-381000" rtl="0">
+              <a:spcBef>
+                <a:spcPts val="0"/>
+              </a:spcBef>
+              <a:buClr>
+                <a:schemeClr val="dk1"/>
+              </a:buClr>
+              <a:buSzPct val="80000"/>
+              <a:buFont typeface="Courier New"/>
+              <a:buChar char="o"/>
+            </a:pPr>
+            <a:r>
+              <a:rPr lang="en-US" dirty="0">
+                <a:latin typeface="Open Sans"/>
+                <a:ea typeface="Open Sans"/>
+                <a:cs typeface="Open Sans"/>
+              </a:rPr>
+              <a:t>Everything we've done so far</a:t>
+            </a:r>
+            <a:endParaRPr lang="en" dirty="0">
+              <a:latin typeface="Open Sans"/>
+              <a:ea typeface="Open Sans"/>
+              <a:cs typeface="Open Sans"/>
+            </a:endParaRPr>
+          </a:p>
+          <a:p>
+            <a:pPr marL="457200" lvl="0" indent="-419100" rtl="0">
+              <a:spcBef>
+                <a:spcPts val="0"/>
+              </a:spcBef>
+              <a:buClr>
+                <a:schemeClr val="dk1"/>
+              </a:buClr>
+              <a:buSzPct val="100000"/>
+              <a:buFont typeface="Arial"/>
+              <a:buChar char="●"/>
+            </a:pPr>
+            <a:r>
+              <a:rPr lang="en-US" dirty="0"/>
+              <a:t>Python packages</a:t>
+            </a:r>
+            <a:endParaRPr lang="en" dirty="0"/>
+          </a:p>
+          <a:p>
+            <a:pPr marL="914400" lvl="1" indent="-381000" rtl="0">
+              <a:spcBef>
+                <a:spcPts val="0"/>
+              </a:spcBef>
+              <a:buClr>
+                <a:schemeClr val="dk1"/>
+              </a:buClr>
+              <a:buSzPct val="80000"/>
+              <a:buFont typeface="Courier New"/>
+              <a:buChar char="o"/>
+            </a:pPr>
+            <a:r>
+              <a:rPr lang="en" dirty="0">
+                <a:latin typeface="Open Sans"/>
+                <a:ea typeface="Open Sans"/>
+                <a:cs typeface="Open Sans"/>
+              </a:rPr>
+              <a:t>Just about everything else</a:t>
+            </a:r>
+            <a:endParaRPr lang="en-US" dirty="0">
+              <a:latin typeface="Open Sans"/>
+              <a:ea typeface="Open Sans"/>
+              <a:cs typeface="Open Sans"/>
+            </a:endParaRPr>
+          </a:p>
+          <a:p>
+            <a:pPr marL="914400" lvl="1" indent="-381000" rtl="0">
+              <a:spcBef>
+                <a:spcPts val="0"/>
+              </a:spcBef>
+              <a:buClr>
+                <a:schemeClr val="dk1"/>
+              </a:buClr>
+              <a:buSzPct val="80000"/>
+              <a:buFont typeface="Courier New"/>
+              <a:buChar char="o"/>
+            </a:pPr>
+            <a:r>
+              <a:rPr lang="en-US" dirty="0">
+                <a:latin typeface="Open Sans"/>
+                <a:ea typeface="Open Sans"/>
+                <a:cs typeface="Open Sans"/>
+              </a:rPr>
+              <a:t>Anythin you might not need to use everytime</a:t>
+            </a:r>
+            <a:endParaRPr lang="en" dirty="0">
+              <a:latin typeface="Open Sans"/>
+              <a:ea typeface="Open Sans"/>
+              <a:cs typeface="Open Sans"/>
+            </a:endParaRPr>
+          </a:p>
+          <a:p>
+            <a:pPr>
+              <a:spcBef>
+                <a:spcPts val="0"/>
+              </a:spcBef>
+              <a:buNone/>
+            </a:pPr>
+            <a:endParaRPr dirty="0"/>
+          </a:p>
+        </p:txBody>
+      </p:sp>
+    </p:spTree>
+  </p:cSld>
+  <p:clrMapOvr>
+    <a:masterClrMapping/>
+  </p:clrMapOvr>
+  <p:transition xmlns:p14="http://schemas.microsoft.com/office/powerpoint/2010/main" spd="slow">
+    <p:cut/>
+  </p:transition>
+  <p:timing>
+    <p:tnLst>
+      <p:par>
+        <p:cTn xmlns:p14="http://schemas.microsoft.com/office/powerpoint/2010/main" id="1" dur="indefinite" restart="never" nodeType="tmRoot"/>
+      </p:par>
+    </p:tnLst>
+  </p:timing>
+</p:sld>
+</file>
+
+<file path=ppt/slides/slide32.xml><?xml version="1.0" encoding="utf-8"?>
+<p:sld xmlns:a="http://schemas.openxmlformats.org/drawingml/2006/main" xmlns:r="http://schemas.openxmlformats.org/officeDocument/2006/relationships" xmlns:p="http://schemas.openxmlformats.org/presentationml/2006/main">
+  <p:cSld>
+    <p:spTree>
+      <p:nvGrpSpPr>
+        <p:cNvPr id="1" name="Shape 206"/>
+        <p:cNvGrpSpPr/>
+        <p:nvPr/>
+      </p:nvGrpSpPr>
+      <p:grpSpPr>
+        <a:xfrm>
+          <a:off x="0" y="0"/>
+          <a:ext cx="0" cy="0"/>
+          <a:chOff x="0" y="0"/>
+          <a:chExt cx="0" cy="0"/>
+        </a:xfrm>
+      </p:grpSpPr>
+      <p:sp>
+        <p:nvSpPr>
+          <p:cNvPr id="207" name="Shape 207"/>
+          <p:cNvSpPr txBox="1">
+            <a:spLocks noGrp="1"/>
+          </p:cNvSpPr>
+          <p:nvPr>
+            <p:ph type="title"/>
+          </p:nvPr>
+        </p:nvSpPr>
+        <p:spPr>
+          <a:xfrm>
+            <a:off x="457200" y="274636"/>
+            <a:ext cx="8229600" cy="1325563"/>
+          </a:xfrm>
+          <a:prstGeom prst="rect">
+            <a:avLst/>
+          </a:prstGeom>
+        </p:spPr>
+        <p:txBody>
+          <a:bodyPr lIns="91425" tIns="91425" rIns="91425" bIns="91425" anchor="b" anchorCtr="0">
+            <a:noAutofit/>
+          </a:bodyPr>
+          <a:lstStyle/>
+          <a:p>
+            <a:pPr>
+              <a:spcBef>
+                <a:spcPts val="0"/>
+              </a:spcBef>
+              <a:buNone/>
+            </a:pPr>
+            <a:r>
+              <a:rPr lang="en-US" sz="5500" dirty="0" smtClean="0">
+                <a:solidFill>
+                  <a:srgbClr val="FF0000"/>
+                </a:solidFill>
+                <a:latin typeface="Yanone Kaffeesatz Bold"/>
+                <a:cs typeface="Yanone Kaffeesatz Bold"/>
+                <a:sym typeface="Ubuntu"/>
+              </a:rPr>
+              <a:t>Installing Packages</a:t>
+            </a:r>
+            <a:endParaRPr lang="en" sz="5500" dirty="0">
+              <a:solidFill>
+                <a:srgbClr val="FF0000"/>
+              </a:solidFill>
+              <a:latin typeface="Yanone Kaffeesatz Bold"/>
+              <a:cs typeface="Yanone Kaffeesatz Bold"/>
+              <a:sym typeface="Ubuntu"/>
+            </a:endParaRPr>
+          </a:p>
+        </p:txBody>
+      </p:sp>
+      <p:sp>
+        <p:nvSpPr>
+          <p:cNvPr id="208" name="Shape 208"/>
+          <p:cNvSpPr txBox="1">
+            <a:spLocks noGrp="1"/>
+          </p:cNvSpPr>
+          <p:nvPr>
+            <p:ph type="body" idx="1"/>
+          </p:nvPr>
+        </p:nvSpPr>
+        <p:spPr>
+          <a:xfrm>
+            <a:off x="457200" y="1600200"/>
+            <a:ext cx="8229600" cy="4967700"/>
+          </a:xfrm>
+          <a:prstGeom prst="rect">
+            <a:avLst/>
+          </a:prstGeom>
+        </p:spPr>
+        <p:txBody>
+          <a:bodyPr lIns="91425" tIns="91425" rIns="91425" bIns="91425" anchor="t" anchorCtr="0">
+            <a:noAutofit/>
+          </a:bodyPr>
+          <a:lstStyle/>
+          <a:p>
+            <a:pPr lvl="0" rtl="0">
+              <a:spcBef>
+                <a:spcPts val="0"/>
+              </a:spcBef>
+              <a:buNone/>
+            </a:pPr>
+            <a:r>
               <a:rPr lang="en-US" sz="2000" dirty="0" smtClean="0"/>
               <a:t>How do you get them on your computer?</a:t>
             </a:r>
@@ -21962,7 +22058,7 @@
 </p:sld>
 </file>
 
-<file path=ppt/slides/slide32.xml><?xml version="1.0" encoding="utf-8"?>
+<file path=ppt/slides/slide33.xml><?xml version="1.0" encoding="utf-8"?>
 <p:sld xmlns:a="http://schemas.openxmlformats.org/drawingml/2006/main" xmlns:r="http://schemas.openxmlformats.org/officeDocument/2006/relationships" xmlns:p="http://schemas.openxmlformats.org/presentationml/2006/main">
   <p:cSld>
     <p:spTree>
@@ -22456,7 +22552,7 @@
 </p:sld>
 </file>
 
-<file path=ppt/slides/slide33.xml><?xml version="1.0" encoding="utf-8"?>
+<file path=ppt/slides/slide34.xml><?xml version="1.0" encoding="utf-8"?>
 <p:sld xmlns:a="http://schemas.openxmlformats.org/drawingml/2006/main" xmlns:r="http://schemas.openxmlformats.org/officeDocument/2006/relationships" xmlns:p="http://schemas.openxmlformats.org/presentationml/2006/main">
   <p:cSld>
     <p:spTree>
@@ -22762,7 +22858,7 @@
 </p:sld>
 </file>
 
-<file path=ppt/slides/slide34.xml><?xml version="1.0" encoding="utf-8"?>
+<file path=ppt/slides/slide35.xml><?xml version="1.0" encoding="utf-8"?>
 <p:sld xmlns:a="http://schemas.openxmlformats.org/drawingml/2006/main" xmlns:r="http://schemas.openxmlformats.org/officeDocument/2006/relationships" xmlns:p="http://schemas.openxmlformats.org/presentationml/2006/main">
   <p:cSld>
     <p:spTree>
@@ -23447,7 +23543,99 @@
 </p:sld>
 </file>
 
-<file path=ppt/slides/slide35.xml><?xml version="1.0" encoding="utf-8"?>
+<file path=ppt/slides/slide36.xml><?xml version="1.0" encoding="utf-8"?>
+<p:sld xmlns:a="http://schemas.openxmlformats.org/drawingml/2006/main" xmlns:r="http://schemas.openxmlformats.org/officeDocument/2006/relationships" xmlns:p="http://schemas.openxmlformats.org/presentationml/2006/main">
+  <p:cSld>
+    <p:spTree>
+      <p:nvGrpSpPr>
+        <p:cNvPr id="1" name=""/>
+        <p:cNvGrpSpPr/>
+        <p:nvPr/>
+      </p:nvGrpSpPr>
+      <p:grpSpPr>
+        <a:xfrm>
+          <a:off x="0" y="0"/>
+          <a:ext cx="0" cy="0"/>
+          <a:chOff x="0" y="0"/>
+          <a:chExt cx="0" cy="0"/>
+        </a:xfrm>
+      </p:grpSpPr>
+      <p:sp>
+        <p:nvSpPr>
+          <p:cNvPr id="2" name="Title 1"/>
+          <p:cNvSpPr>
+            <a:spLocks noGrp="1"/>
+          </p:cNvSpPr>
+          <p:nvPr>
+            <p:ph type="title"/>
+          </p:nvPr>
+        </p:nvSpPr>
+        <p:spPr/>
+        <p:txBody>
+          <a:bodyPr/>
+          <a:lstStyle/>
+          <a:p>
+            <a:endParaRPr lang="en-US"/>
+          </a:p>
+        </p:txBody>
+      </p:sp>
+      <p:sp>
+        <p:nvSpPr>
+          <p:cNvPr id="3" name="Text Placeholder 2"/>
+          <p:cNvSpPr>
+            <a:spLocks noGrp="1"/>
+          </p:cNvSpPr>
+          <p:nvPr>
+            <p:ph type="body" idx="1"/>
+          </p:nvPr>
+        </p:nvSpPr>
+        <p:spPr/>
+        <p:txBody>
+          <a:bodyPr/>
+          <a:lstStyle/>
+          <a:p>
+            <a:endParaRPr lang="en-US"/>
+          </a:p>
+        </p:txBody>
+      </p:sp>
+      <p:pic>
+        <p:nvPicPr>
+          <p:cNvPr id="4" name="Picture 3"/>
+          <p:cNvPicPr>
+            <a:picLocks noChangeAspect="1"/>
+          </p:cNvPicPr>
+          <p:nvPr/>
+        </p:nvPicPr>
+        <p:blipFill>
+          <a:blip r:embed="rId2"/>
+          <a:stretch>
+            <a:fillRect/>
+          </a:stretch>
+        </p:blipFill>
+        <p:spPr>
+          <a:xfrm>
+            <a:off x="2146300" y="0"/>
+            <a:ext cx="4834890" cy="6858000"/>
+          </a:xfrm>
+          <a:prstGeom prst="rect">
+            <a:avLst/>
+          </a:prstGeom>
+        </p:spPr>
+      </p:pic>
+    </p:spTree>
+    <p:extLst>
+      <p:ext uri="{BB962C8B-B14F-4D97-AF65-F5344CB8AC3E}">
+        <p14:creationId xmlns:p14="http://schemas.microsoft.com/office/powerpoint/2010/main" val="2003699491"/>
+      </p:ext>
+    </p:extLst>
+  </p:cSld>
+  <p:clrMapOvr>
+    <a:masterClrMapping/>
+  </p:clrMapOvr>
+</p:sld>
+</file>
+
+<file path=ppt/slides/slide37.xml><?xml version="1.0" encoding="utf-8"?>
 <p:sld xmlns:a="http://schemas.openxmlformats.org/drawingml/2006/main" xmlns:r="http://schemas.openxmlformats.org/officeDocument/2006/relationships" xmlns:p="http://schemas.openxmlformats.org/presentationml/2006/main">
   <p:cSld>
     <p:spTree>
@@ -23667,7 +23855,7 @@
 </p:sld>
 </file>
 
-<file path=ppt/slides/slide36.xml><?xml version="1.0" encoding="utf-8"?>
+<file path=ppt/slides/slide38.xml><?xml version="1.0" encoding="utf-8"?>
 <p:sld xmlns:a="http://schemas.openxmlformats.org/drawingml/2006/main" xmlns:r="http://schemas.openxmlformats.org/officeDocument/2006/relationships" xmlns:p="http://schemas.openxmlformats.org/presentationml/2006/main">
   <p:cSld>
     <p:spTree>
@@ -24401,7 +24589,7 @@
 </p:sld>
 </file>
 
-<file path=ppt/slides/slide37.xml><?xml version="1.0" encoding="utf-8"?>
+<file path=ppt/slides/slide39.xml><?xml version="1.0" encoding="utf-8"?>
 <p:sld xmlns:a="http://schemas.openxmlformats.org/drawingml/2006/main" xmlns:r="http://schemas.openxmlformats.org/officeDocument/2006/relationships" xmlns:p="http://schemas.openxmlformats.org/presentationml/2006/main">
   <p:cSld>
     <p:spTree>
@@ -25164,1073 +25352,6 @@
       </p:par>
     </p:tnLst>
   </p:timing>
-</p:sld>
-</file>
-
-<file path=ppt/slides/slide38.xml><?xml version="1.0" encoding="utf-8"?>
-<p:sld xmlns:a="http://schemas.openxmlformats.org/drawingml/2006/main" xmlns:r="http://schemas.openxmlformats.org/officeDocument/2006/relationships" xmlns:p="http://schemas.openxmlformats.org/presentationml/2006/main">
-  <p:cSld>
-    <p:spTree>
-      <p:nvGrpSpPr>
-        <p:cNvPr id="1" name="Shape 248"/>
-        <p:cNvGrpSpPr/>
-        <p:nvPr/>
-      </p:nvGrpSpPr>
-      <p:grpSpPr>
-        <a:xfrm>
-          <a:off x="0" y="0"/>
-          <a:ext cx="0" cy="0"/>
-          <a:chOff x="0" y="0"/>
-          <a:chExt cx="0" cy="0"/>
-        </a:xfrm>
-      </p:grpSpPr>
-      <p:sp>
-        <p:nvSpPr>
-          <p:cNvPr id="249" name="Shape 249"/>
-          <p:cNvSpPr txBox="1">
-            <a:spLocks noGrp="1"/>
-          </p:cNvSpPr>
-          <p:nvPr>
-            <p:ph type="title"/>
-          </p:nvPr>
-        </p:nvSpPr>
-        <p:spPr>
-          <a:xfrm>
-            <a:off x="457200" y="274636"/>
-            <a:ext cx="8229600" cy="1325563"/>
-          </a:xfrm>
-          <a:prstGeom prst="rect">
-            <a:avLst/>
-          </a:prstGeom>
-        </p:spPr>
-        <p:txBody>
-          <a:bodyPr lIns="91425" tIns="91425" rIns="91425" bIns="91425" anchor="b" anchorCtr="0">
-            <a:noAutofit/>
-          </a:bodyPr>
-          <a:lstStyle/>
-          <a:p>
-            <a:pPr>
-              <a:spcBef>
-                <a:spcPts val="0"/>
-              </a:spcBef>
-              <a:buNone/>
-            </a:pPr>
-            <a:r>
-              <a:rPr lang="en" sz="9600" dirty="0" smtClean="0">
-                <a:solidFill>
-                  <a:srgbClr val="FF0000"/>
-                </a:solidFill>
-                <a:latin typeface="Yanone Kaffeesatz Bold"/>
-                <a:cs typeface="Yanone Kaffeesatz Bold"/>
-              </a:rPr>
-              <a:t>Exercise</a:t>
-            </a:r>
-            <a:endParaRPr lang="en" dirty="0"/>
-          </a:p>
-        </p:txBody>
-      </p:sp>
-      <p:sp>
-        <p:nvSpPr>
-          <p:cNvPr id="250" name="Shape 250"/>
-          <p:cNvSpPr txBox="1">
-            <a:spLocks noGrp="1"/>
-          </p:cNvSpPr>
-          <p:nvPr>
-            <p:ph type="body" idx="1"/>
-          </p:nvPr>
-        </p:nvSpPr>
-        <p:spPr>
-          <a:xfrm>
-            <a:off x="457200" y="1600200"/>
-            <a:ext cx="8229600" cy="4967700"/>
-          </a:xfrm>
-          <a:prstGeom prst="rect">
-            <a:avLst/>
-          </a:prstGeom>
-        </p:spPr>
-        <p:txBody>
-          <a:bodyPr lIns="91425" tIns="91425" rIns="91425" bIns="91425" anchor="t" anchorCtr="0">
-            <a:noAutofit/>
-          </a:bodyPr>
-          <a:lstStyle/>
-          <a:p>
-            <a:pPr lvl="0" rtl="0">
-              <a:lnSpc>
-                <a:spcPct val="115000"/>
-              </a:lnSpc>
-              <a:spcBef>
-                <a:spcPts val="0"/>
-              </a:spcBef>
-              <a:buNone/>
-            </a:pPr>
-            <a:r>
-              <a:rPr lang="en" sz="2000" dirty="0">
-                <a:solidFill>
-                  <a:srgbClr val="000000"/>
-                </a:solidFill>
-              </a:rPr>
-              <a:t>Create a collection of 19th- and 20th-century authors (or historical/political figures if that's your bag!) and their birth dates (historical accuracy doesn't matter).  An example:</a:t>
-            </a:r>
-          </a:p>
-          <a:p>
-            <a:pPr lvl="0" rtl="0">
-              <a:lnSpc>
-                <a:spcPct val="115000"/>
-              </a:lnSpc>
-              <a:spcBef>
-                <a:spcPts val="0"/>
-              </a:spcBef>
-              <a:buNone/>
-            </a:pPr>
-            <a:endParaRPr sz="2000" dirty="0">
-              <a:solidFill>
-                <a:srgbClr val="000000"/>
-              </a:solidFill>
-            </a:endParaRPr>
-          </a:p>
-          <a:p>
-            <a:pPr lvl="0" rtl="0">
-              <a:lnSpc>
-                <a:spcPct val="115000"/>
-              </a:lnSpc>
-              <a:spcBef>
-                <a:spcPts val="0"/>
-              </a:spcBef>
-              <a:buNone/>
-            </a:pPr>
-            <a:r>
-              <a:rPr lang="en" sz="2000" dirty="0">
-                <a:solidFill>
-                  <a:srgbClr val="000000"/>
-                </a:solidFill>
-                <a:latin typeface="Menlo Regular"/>
-                <a:ea typeface="Menlo Regular"/>
-                <a:cs typeface="Menlo Regular"/>
-                <a:sym typeface="Courier New"/>
-              </a:rPr>
-              <a:t>birth_dates = </a:t>
-            </a:r>
-            <a:r>
-              <a:rPr lang="en" sz="2000" dirty="0">
-                <a:solidFill>
-                  <a:srgbClr val="FF0000"/>
-                </a:solidFill>
-                <a:latin typeface="Menlo Regular"/>
-                <a:ea typeface="Menlo Regular"/>
-                <a:cs typeface="Menlo Regular"/>
-                <a:sym typeface="Courier New"/>
-              </a:rPr>
-              <a:t>{"Wallace </a:t>
-            </a:r>
-            <a:r>
-              <a:rPr lang="en" sz="2000" dirty="0" smtClean="0">
-                <a:solidFill>
-                  <a:srgbClr val="FF0000"/>
-                </a:solidFill>
-                <a:latin typeface="Menlo Regular"/>
-                <a:ea typeface="Menlo Regular"/>
-                <a:cs typeface="Menlo Regular"/>
-                <a:sym typeface="Courier New"/>
-              </a:rPr>
-              <a:t>Stevens</a:t>
-            </a:r>
-            <a:r>
-              <a:rPr lang="en-US" sz="2000" dirty="0" smtClean="0">
-                <a:solidFill>
-                  <a:srgbClr val="FF0000"/>
-                </a:solidFill>
-                <a:latin typeface="Menlo Regular"/>
-                <a:ea typeface="Menlo Regular"/>
-                <a:cs typeface="Menlo Regular"/>
-                <a:sym typeface="Courier New"/>
-              </a:rPr>
-              <a:t>"</a:t>
-            </a:r>
-            <a:r>
-              <a:rPr lang="en" sz="2000" dirty="0" smtClean="0">
-                <a:solidFill>
-                  <a:srgbClr val="FF0000"/>
-                </a:solidFill>
-                <a:latin typeface="Menlo Regular"/>
-                <a:ea typeface="Menlo Regular"/>
-                <a:cs typeface="Menlo Regular"/>
-                <a:sym typeface="Courier New"/>
-              </a:rPr>
-              <a:t>:</a:t>
-            </a:r>
-            <a:r>
-              <a:rPr lang="en" sz="2000" dirty="0" smtClean="0">
-                <a:solidFill>
-                  <a:srgbClr val="000000"/>
-                </a:solidFill>
-                <a:latin typeface="Menlo Regular"/>
-                <a:ea typeface="Menlo Regular"/>
-                <a:cs typeface="Menlo Regular"/>
-                <a:sym typeface="Courier New"/>
-              </a:rPr>
-              <a:t> </a:t>
-            </a:r>
-            <a:r>
-              <a:rPr lang="en" sz="2000" dirty="0">
-                <a:solidFill>
-                  <a:srgbClr val="11889C"/>
-                </a:solidFill>
-                <a:latin typeface="Menlo Regular"/>
-                <a:ea typeface="Menlo Regular"/>
-                <a:cs typeface="Menlo Regular"/>
-                <a:sym typeface="Courier New"/>
-              </a:rPr>
-              <a:t>1879</a:t>
-            </a:r>
-            <a:r>
-              <a:rPr lang="en" sz="2000" dirty="0">
-                <a:solidFill>
-                  <a:srgbClr val="000000"/>
-                </a:solidFill>
-                <a:latin typeface="Menlo Regular"/>
-                <a:ea typeface="Menlo Regular"/>
-                <a:cs typeface="Menlo Regular"/>
-                <a:sym typeface="Courier New"/>
-              </a:rPr>
-              <a:t>}</a:t>
-            </a:r>
-          </a:p>
-          <a:p>
-            <a:pPr lvl="0" rtl="0">
-              <a:lnSpc>
-                <a:spcPct val="115000"/>
-              </a:lnSpc>
-              <a:spcBef>
-                <a:spcPts val="0"/>
-              </a:spcBef>
-              <a:buNone/>
-            </a:pPr>
-            <a:endParaRPr sz="2000" dirty="0">
-              <a:solidFill>
-                <a:srgbClr val="000000"/>
-              </a:solidFill>
-              <a:latin typeface="Menlo Regular"/>
-              <a:ea typeface="Menlo Regular"/>
-              <a:cs typeface="Menlo Regular"/>
-              <a:sym typeface="Courier New"/>
-            </a:endParaRPr>
-          </a:p>
-          <a:p>
-            <a:pPr lvl="0" rtl="0">
-              <a:lnSpc>
-                <a:spcPct val="115000"/>
-              </a:lnSpc>
-              <a:spcBef>
-                <a:spcPts val="0"/>
-              </a:spcBef>
-              <a:buNone/>
-            </a:pPr>
-            <a:r>
-              <a:rPr lang="en" sz="2000" dirty="0">
-                <a:solidFill>
-                  <a:srgbClr val="000000"/>
-                </a:solidFill>
-              </a:rPr>
-              <a:t>Count the number of 19th-century birth dates and the number of 20th-century birth dates, then print the results like:</a:t>
-            </a:r>
-          </a:p>
-          <a:p>
-            <a:pPr lvl="0" rtl="0">
-              <a:lnSpc>
-                <a:spcPct val="115000"/>
-              </a:lnSpc>
-              <a:spcBef>
-                <a:spcPts val="0"/>
-              </a:spcBef>
-              <a:buNone/>
-            </a:pPr>
-            <a:endParaRPr sz="2000" dirty="0">
-              <a:solidFill>
-                <a:srgbClr val="000000"/>
-              </a:solidFill>
-            </a:endParaRPr>
-          </a:p>
-          <a:p>
-            <a:pPr lvl="0" rtl="0">
-              <a:lnSpc>
-                <a:spcPct val="115000"/>
-              </a:lnSpc>
-              <a:spcBef>
-                <a:spcPts val="0"/>
-              </a:spcBef>
-              <a:buNone/>
-            </a:pPr>
-            <a:r>
-              <a:rPr lang="en" sz="2000" dirty="0">
-                <a:solidFill>
-                  <a:srgbClr val="000000"/>
-                </a:solidFill>
-                <a:latin typeface="Menlo Regular"/>
-                <a:ea typeface="Menlo Regular"/>
-                <a:cs typeface="Menlo Regular"/>
-                <a:sym typeface="Courier New"/>
-              </a:rPr>
-              <a:t>There are 3 19th-c. births and 2 20th-c. births in my collection.</a:t>
-            </a:r>
-          </a:p>
-          <a:p>
-            <a:pPr lvl="0" rtl="0">
-              <a:lnSpc>
-                <a:spcPct val="115000"/>
-              </a:lnSpc>
-              <a:spcBef>
-                <a:spcPts val="0"/>
-              </a:spcBef>
-              <a:buNone/>
-            </a:pPr>
-            <a:endParaRPr sz="2000" dirty="0">
-              <a:solidFill>
-                <a:srgbClr val="000000"/>
-              </a:solidFill>
-            </a:endParaRPr>
-          </a:p>
-          <a:p>
-            <a:pPr>
-              <a:spcBef>
-                <a:spcPts val="0"/>
-              </a:spcBef>
-              <a:buNone/>
-            </a:pPr>
-            <a:endParaRPr sz="2000" dirty="0"/>
-          </a:p>
-        </p:txBody>
-      </p:sp>
-    </p:spTree>
-  </p:cSld>
-  <p:clrMapOvr>
-    <a:masterClrMapping/>
-  </p:clrMapOvr>
-  <p:transition xmlns:p14="http://schemas.microsoft.com/office/powerpoint/2010/main" spd="slow">
-    <p:cut/>
-  </p:transition>
-  <p:timing>
-    <p:tnLst>
-      <p:par>
-        <p:cTn xmlns:p14="http://schemas.microsoft.com/office/powerpoint/2010/main" id="1" dur="indefinite" restart="never" nodeType="tmRoot"/>
-      </p:par>
-    </p:tnLst>
-  </p:timing>
-</p:sld>
-</file>
-
-<file path=ppt/slides/slide39.xml><?xml version="1.0" encoding="utf-8"?>
-<p:sld xmlns:a="http://schemas.openxmlformats.org/drawingml/2006/main" xmlns:r="http://schemas.openxmlformats.org/officeDocument/2006/relationships" xmlns:p="http://schemas.openxmlformats.org/presentationml/2006/main">
-  <p:cSld>
-    <p:spTree>
-      <p:nvGrpSpPr>
-        <p:cNvPr id="1" name="Shape 254"/>
-        <p:cNvGrpSpPr/>
-        <p:nvPr/>
-      </p:nvGrpSpPr>
-      <p:grpSpPr>
-        <a:xfrm>
-          <a:off x="0" y="0"/>
-          <a:ext cx="0" cy="0"/>
-          <a:chOff x="0" y="0"/>
-          <a:chExt cx="0" cy="0"/>
-        </a:xfrm>
-      </p:grpSpPr>
-      <p:sp>
-        <p:nvSpPr>
-          <p:cNvPr id="255" name="Shape 255"/>
-          <p:cNvSpPr txBox="1">
-            <a:spLocks noGrp="1"/>
-          </p:cNvSpPr>
-          <p:nvPr>
-            <p:ph type="title"/>
-          </p:nvPr>
-        </p:nvSpPr>
-        <p:spPr>
-          <a:xfrm>
-            <a:off x="457200" y="274636"/>
-            <a:ext cx="8229600" cy="1325563"/>
-          </a:xfrm>
-          <a:prstGeom prst="rect">
-            <a:avLst/>
-          </a:prstGeom>
-        </p:spPr>
-        <p:txBody>
-          <a:bodyPr lIns="91425" tIns="91425" rIns="91425" bIns="91425" anchor="b" anchorCtr="0">
-            <a:noAutofit/>
-          </a:bodyPr>
-          <a:lstStyle/>
-          <a:p>
-            <a:pPr>
-              <a:spcBef>
-                <a:spcPts val="0"/>
-              </a:spcBef>
-              <a:buNone/>
-            </a:pPr>
-            <a:r>
-              <a:rPr lang="en-US" sz="9600" dirty="0">
-                <a:solidFill>
-                  <a:srgbClr val="FF0000"/>
-                </a:solidFill>
-                <a:latin typeface="Yanone Kaffeesatz Bold"/>
-                <a:cs typeface="Yanone Kaffeesatz Bold"/>
-              </a:rPr>
-              <a:t>An Answer</a:t>
-            </a:r>
-            <a:endParaRPr lang="en" sz="9600" dirty="0">
-              <a:solidFill>
-                <a:srgbClr val="FF0000"/>
-              </a:solidFill>
-              <a:latin typeface="Yanone Kaffeesatz Bold"/>
-              <a:cs typeface="Yanone Kaffeesatz Bold"/>
-            </a:endParaRPr>
-          </a:p>
-        </p:txBody>
-      </p:sp>
-      <p:sp>
-        <p:nvSpPr>
-          <p:cNvPr id="256" name="Shape 256"/>
-          <p:cNvSpPr txBox="1">
-            <a:spLocks noGrp="1"/>
-          </p:cNvSpPr>
-          <p:nvPr>
-            <p:ph type="body" idx="1"/>
-          </p:nvPr>
-        </p:nvSpPr>
-        <p:spPr>
-          <a:xfrm>
-            <a:off x="457200" y="1600200"/>
-            <a:ext cx="8229600" cy="4967700"/>
-          </a:xfrm>
-          <a:prstGeom prst="rect">
-            <a:avLst/>
-          </a:prstGeom>
-        </p:spPr>
-        <p:txBody>
-          <a:bodyPr lIns="91425" tIns="91425" rIns="91425" bIns="91425" anchor="t" anchorCtr="0">
-            <a:noAutofit/>
-          </a:bodyPr>
-          <a:lstStyle/>
-          <a:p>
-            <a:pPr lvl="0" rtl="0">
-              <a:lnSpc>
-                <a:spcPct val="115000"/>
-              </a:lnSpc>
-              <a:spcBef>
-                <a:spcPts val="0"/>
-              </a:spcBef>
-              <a:buNone/>
-            </a:pPr>
-            <a:r>
-              <a:rPr lang="en" sz="2100" dirty="0">
-                <a:solidFill>
-                  <a:schemeClr val="tx1"/>
-                </a:solidFill>
-                <a:latin typeface="Menlo Regular"/>
-                <a:ea typeface="Menlo Regular"/>
-                <a:cs typeface="Menlo Regular"/>
-                <a:sym typeface="Courier New"/>
-              </a:rPr>
-              <a:t>birth_dates = {</a:t>
-            </a:r>
-            <a:r>
-              <a:rPr lang="en" sz="2100" dirty="0">
-                <a:solidFill>
-                  <a:srgbClr val="FF0000"/>
-                </a:solidFill>
-                <a:latin typeface="Menlo Regular"/>
-                <a:ea typeface="Menlo Regular"/>
-                <a:cs typeface="Menlo Regular"/>
-                <a:sym typeface="Courier New"/>
-              </a:rPr>
-              <a:t>'Wallace </a:t>
-            </a:r>
-            <a:r>
-              <a:rPr lang="en" sz="2100" dirty="0" smtClean="0">
-                <a:solidFill>
-                  <a:srgbClr val="FF0000"/>
-                </a:solidFill>
-                <a:latin typeface="Menlo Regular"/>
-                <a:ea typeface="Menlo Regular"/>
-                <a:cs typeface="Menlo Regular"/>
-                <a:sym typeface="Courier New"/>
-              </a:rPr>
-              <a:t>Stevens</a:t>
-            </a:r>
-            <a:r>
-              <a:rPr lang="en-US" sz="2100" dirty="0" smtClean="0">
-                <a:solidFill>
-                  <a:srgbClr val="FF0000"/>
-                </a:solidFill>
-                <a:latin typeface="Menlo Regular"/>
-                <a:ea typeface="Menlo Regular"/>
-                <a:cs typeface="Menlo Regular"/>
-                <a:sym typeface="Courier New"/>
-              </a:rPr>
-              <a:t>'</a:t>
-            </a:r>
-            <a:r>
-              <a:rPr lang="en" sz="2100" dirty="0" smtClean="0">
-                <a:solidFill>
-                  <a:srgbClr val="FF0000"/>
-                </a:solidFill>
-                <a:latin typeface="Menlo Regular"/>
-                <a:ea typeface="Menlo Regular"/>
-                <a:cs typeface="Menlo Regular"/>
-                <a:sym typeface="Courier New"/>
-              </a:rPr>
-              <a:t>:</a:t>
-            </a:r>
-            <a:r>
-              <a:rPr lang="en" sz="2100" dirty="0" smtClean="0">
-                <a:solidFill>
-                  <a:schemeClr val="tx1"/>
-                </a:solidFill>
-                <a:latin typeface="Menlo Regular"/>
-                <a:ea typeface="Menlo Regular"/>
-                <a:cs typeface="Menlo Regular"/>
-                <a:sym typeface="Courier New"/>
-              </a:rPr>
-              <a:t> </a:t>
-            </a:r>
-            <a:r>
-              <a:rPr lang="en" sz="2100" dirty="0">
-                <a:solidFill>
-                  <a:srgbClr val="11889C"/>
-                </a:solidFill>
-                <a:latin typeface="Menlo Regular"/>
-                <a:ea typeface="Menlo Regular"/>
-                <a:cs typeface="Menlo Regular"/>
-                <a:sym typeface="Courier New"/>
-              </a:rPr>
-              <a:t>1897</a:t>
-            </a:r>
-            <a:r>
-              <a:rPr lang="en" sz="2100" dirty="0">
-                <a:solidFill>
-                  <a:schemeClr val="tx1"/>
-                </a:solidFill>
-                <a:latin typeface="Menlo Regular"/>
-                <a:ea typeface="Menlo Regular"/>
-                <a:cs typeface="Menlo Regular"/>
-                <a:sym typeface="Courier New"/>
-              </a:rPr>
-              <a:t>, </a:t>
-            </a:r>
-            <a:r>
-              <a:rPr lang="en-US" sz="2100" dirty="0">
-                <a:solidFill>
-                  <a:srgbClr val="FF0000"/>
-                </a:solidFill>
-                <a:latin typeface="Menlo Regular"/>
-                <a:ea typeface="Menlo Regular"/>
-                <a:cs typeface="Menlo Regular"/>
-                <a:sym typeface="Courier New"/>
-              </a:rPr>
-              <a:t>'</a:t>
-            </a:r>
-            <a:r>
-              <a:rPr lang="en-US" sz="2100" dirty="0" smtClean="0">
-                <a:solidFill>
-                  <a:srgbClr val="FF0000"/>
-                </a:solidFill>
-                <a:latin typeface="Menlo Regular"/>
-                <a:ea typeface="Menlo Regular"/>
-                <a:cs typeface="Menlo Regular"/>
-                <a:sym typeface="Courier New"/>
-              </a:rPr>
-              <a:t>Brandon</a:t>
-            </a:r>
-            <a:r>
-              <a:rPr lang="en" sz="2100" dirty="0" smtClean="0">
-                <a:solidFill>
-                  <a:srgbClr val="FF0000"/>
-                </a:solidFill>
-                <a:latin typeface="Menlo Regular"/>
-                <a:ea typeface="Menlo Regular"/>
-                <a:cs typeface="Menlo Regular"/>
-                <a:sym typeface="Courier New"/>
-              </a:rPr>
-              <a:t> </a:t>
-            </a:r>
-            <a:r>
-              <a:rPr lang="en-US" sz="2100" dirty="0" smtClean="0">
-                <a:solidFill>
-                  <a:srgbClr val="FF0000"/>
-                </a:solidFill>
-                <a:latin typeface="Menlo Regular"/>
-                <a:ea typeface="Menlo Regular"/>
-                <a:cs typeface="Menlo Regular"/>
-                <a:sym typeface="Courier New"/>
-              </a:rPr>
-              <a:t>Walsh</a:t>
-            </a:r>
-            <a:r>
-              <a:rPr lang="en-US" sz="2200" dirty="0">
-                <a:solidFill>
-                  <a:srgbClr val="FF0000"/>
-                </a:solidFill>
-                <a:latin typeface="Menlo Regular"/>
-                <a:ea typeface="Menlo Regular"/>
-                <a:cs typeface="Menlo Regular"/>
-                <a:sym typeface="Courier New"/>
-              </a:rPr>
-              <a:t>'</a:t>
-            </a:r>
-            <a:r>
-              <a:rPr lang="en" sz="2200" dirty="0" smtClean="0">
-                <a:solidFill>
-                  <a:schemeClr val="tx1"/>
-                </a:solidFill>
-                <a:latin typeface="Menlo Regular"/>
-                <a:ea typeface="Menlo Regular"/>
-                <a:cs typeface="Menlo Regular"/>
-                <a:sym typeface="Courier New"/>
-              </a:rPr>
-              <a:t>: </a:t>
-            </a:r>
-            <a:r>
-              <a:rPr lang="en" sz="2200" dirty="0">
-                <a:solidFill>
-                  <a:srgbClr val="11889C"/>
-                </a:solidFill>
-                <a:latin typeface="Menlo Regular"/>
-                <a:ea typeface="Menlo Regular"/>
-                <a:cs typeface="Menlo Regular"/>
-                <a:sym typeface="Courier New"/>
-              </a:rPr>
-              <a:t>1977</a:t>
-            </a:r>
-            <a:r>
-              <a:rPr lang="en" sz="2200" dirty="0">
-                <a:solidFill>
-                  <a:schemeClr val="tx1"/>
-                </a:solidFill>
-                <a:latin typeface="Menlo Regular"/>
-                <a:ea typeface="Menlo Regular"/>
-                <a:cs typeface="Menlo Regular"/>
-                <a:sym typeface="Courier New"/>
-              </a:rPr>
-              <a:t>}</a:t>
-            </a:r>
-          </a:p>
-          <a:p>
-            <a:pPr lvl="0" rtl="0">
-              <a:lnSpc>
-                <a:spcPct val="115000"/>
-              </a:lnSpc>
-              <a:spcBef>
-                <a:spcPts val="0"/>
-              </a:spcBef>
-              <a:buNone/>
-            </a:pPr>
-            <a:endParaRPr sz="1000" dirty="0">
-              <a:solidFill>
-                <a:schemeClr val="tx1"/>
-              </a:solidFill>
-              <a:latin typeface="Menlo Regular"/>
-              <a:ea typeface="Menlo Regular"/>
-              <a:cs typeface="Menlo Regular"/>
-              <a:sym typeface="Courier New"/>
-            </a:endParaRPr>
-          </a:p>
-          <a:p>
-            <a:pPr lvl="0" rtl="0">
-              <a:lnSpc>
-                <a:spcPct val="115000"/>
-              </a:lnSpc>
-              <a:spcBef>
-                <a:spcPts val="0"/>
-              </a:spcBef>
-              <a:buNone/>
-            </a:pPr>
-            <a:r>
-              <a:rPr lang="en" sz="2200" dirty="0">
-                <a:solidFill>
-                  <a:schemeClr val="tx1"/>
-                </a:solidFill>
-                <a:latin typeface="Menlo Regular"/>
-                <a:ea typeface="Menlo Regular"/>
-                <a:cs typeface="Menlo Regular"/>
-                <a:sym typeface="Courier New"/>
-              </a:rPr>
-              <a:t>nineteenth_count = </a:t>
-            </a:r>
-            <a:r>
-              <a:rPr lang="en" sz="2200" dirty="0">
-                <a:solidFill>
-                  <a:srgbClr val="11889C"/>
-                </a:solidFill>
-                <a:latin typeface="Menlo Regular"/>
-                <a:ea typeface="Menlo Regular"/>
-                <a:cs typeface="Menlo Regular"/>
-                <a:sym typeface="Courier New"/>
-              </a:rPr>
-              <a:t>0</a:t>
-            </a:r>
-          </a:p>
-          <a:p>
-            <a:pPr lvl="0" rtl="0">
-              <a:lnSpc>
-                <a:spcPct val="115000"/>
-              </a:lnSpc>
-              <a:spcBef>
-                <a:spcPts val="0"/>
-              </a:spcBef>
-              <a:buNone/>
-            </a:pPr>
-            <a:r>
-              <a:rPr lang="en" sz="2200" dirty="0">
-                <a:solidFill>
-                  <a:schemeClr val="tx1"/>
-                </a:solidFill>
-                <a:latin typeface="Menlo Regular"/>
-                <a:ea typeface="Menlo Regular"/>
-                <a:cs typeface="Menlo Regular"/>
-                <a:sym typeface="Courier New"/>
-              </a:rPr>
-              <a:t>twentieth_count = </a:t>
-            </a:r>
-            <a:r>
-              <a:rPr lang="en" sz="2200" dirty="0">
-                <a:solidFill>
-                  <a:srgbClr val="11889C"/>
-                </a:solidFill>
-                <a:latin typeface="Menlo Regular"/>
-                <a:ea typeface="Menlo Regular"/>
-                <a:cs typeface="Menlo Regular"/>
-                <a:sym typeface="Courier New"/>
-              </a:rPr>
-              <a:t>0</a:t>
-            </a:r>
-            <a:r>
-              <a:rPr lang="en" sz="2200" dirty="0">
-                <a:solidFill>
-                  <a:schemeClr val="tx1"/>
-                </a:solidFill>
-                <a:latin typeface="Menlo Regular"/>
-                <a:ea typeface="Menlo Regular"/>
-                <a:cs typeface="Menlo Regular"/>
-                <a:sym typeface="Courier New"/>
-              </a:rPr>
-              <a:t> </a:t>
-            </a:r>
-            <a:endParaRPr lang="en" sz="2200" dirty="0" smtClean="0">
-              <a:solidFill>
-                <a:schemeClr val="tx1"/>
-              </a:solidFill>
-              <a:latin typeface="Menlo Regular"/>
-              <a:ea typeface="Menlo Regular"/>
-              <a:cs typeface="Menlo Regular"/>
-              <a:sym typeface="Courier New"/>
-            </a:endParaRPr>
-          </a:p>
-          <a:p>
-            <a:pPr lvl="0" rtl="0">
-              <a:lnSpc>
-                <a:spcPct val="115000"/>
-              </a:lnSpc>
-              <a:spcBef>
-                <a:spcPts val="0"/>
-              </a:spcBef>
-              <a:buNone/>
-            </a:pPr>
-            <a:endParaRPr lang="en" sz="2200" dirty="0">
-              <a:solidFill>
-                <a:schemeClr val="tx1"/>
-              </a:solidFill>
-              <a:latin typeface="Menlo Regular"/>
-              <a:ea typeface="Menlo Regular"/>
-              <a:cs typeface="Menlo Regular"/>
-              <a:sym typeface="Courier New"/>
-            </a:endParaRPr>
-          </a:p>
-          <a:p>
-            <a:pPr lvl="0" rtl="0">
-              <a:lnSpc>
-                <a:spcPct val="115000"/>
-              </a:lnSpc>
-              <a:spcBef>
-                <a:spcPts val="0"/>
-              </a:spcBef>
-              <a:buNone/>
-            </a:pPr>
-            <a:r>
-              <a:rPr lang="en-US" sz="2200" dirty="0" smtClean="0">
-                <a:solidFill>
-                  <a:schemeClr val="tx1"/>
-                </a:solidFill>
-                <a:latin typeface="Menlo Regular"/>
-                <a:ea typeface="Menlo Regular"/>
-                <a:cs typeface="Menlo Regular"/>
-                <a:sym typeface="Courier New"/>
-              </a:rPr>
-              <a:t>for person, </a:t>
-            </a:r>
-            <a:r>
-              <a:rPr lang="en-US" sz="2200" dirty="0" err="1" smtClean="0">
-                <a:solidFill>
-                  <a:schemeClr val="tx1"/>
-                </a:solidFill>
-                <a:latin typeface="Menlo Regular"/>
-                <a:ea typeface="Menlo Regular"/>
-                <a:cs typeface="Menlo Regular"/>
-                <a:sym typeface="Courier New"/>
-              </a:rPr>
-              <a:t>b_date</a:t>
-            </a:r>
-            <a:r>
-              <a:rPr lang="en-US" sz="2200" dirty="0" smtClean="0">
-                <a:solidFill>
-                  <a:schemeClr val="tx1"/>
-                </a:solidFill>
-                <a:latin typeface="Menlo Regular"/>
-                <a:ea typeface="Menlo Regular"/>
-                <a:cs typeface="Menlo Regular"/>
-                <a:sym typeface="Courier New"/>
-              </a:rPr>
-              <a:t> in </a:t>
-            </a:r>
-            <a:r>
-              <a:rPr lang="en-US" sz="2200" dirty="0" err="1" smtClean="0">
-                <a:solidFill>
-                  <a:schemeClr val="tx1"/>
-                </a:solidFill>
-                <a:latin typeface="Menlo Regular"/>
-                <a:ea typeface="Menlo Regular"/>
-                <a:cs typeface="Menlo Regular"/>
-                <a:sym typeface="Courier New"/>
-              </a:rPr>
-              <a:t>birth_dates.items</a:t>
-            </a:r>
-            <a:r>
-              <a:rPr lang="en-US" sz="2200" dirty="0" smtClean="0">
-                <a:solidFill>
-                  <a:schemeClr val="tx1"/>
-                </a:solidFill>
-                <a:latin typeface="Menlo Regular"/>
-                <a:ea typeface="Menlo Regular"/>
-                <a:cs typeface="Menlo Regular"/>
-                <a:sym typeface="Courier New"/>
-              </a:rPr>
-              <a:t>():</a:t>
-            </a:r>
-            <a:endParaRPr lang="en" sz="2200" dirty="0">
-              <a:solidFill>
-                <a:schemeClr val="tx1"/>
-              </a:solidFill>
-              <a:latin typeface="Menlo Regular"/>
-              <a:ea typeface="Menlo Regular"/>
-              <a:cs typeface="Menlo Regular"/>
-              <a:sym typeface="Courier New"/>
-            </a:endParaRPr>
-          </a:p>
-          <a:p>
-            <a:pPr lvl="0" rtl="0">
-              <a:lnSpc>
-                <a:spcPct val="115000"/>
-              </a:lnSpc>
-              <a:spcBef>
-                <a:spcPts val="0"/>
-              </a:spcBef>
-              <a:buNone/>
-            </a:pPr>
-            <a:r>
-              <a:rPr lang="en" sz="2200" dirty="0">
-                <a:solidFill>
-                  <a:schemeClr val="tx1"/>
-                </a:solidFill>
-                <a:latin typeface="Menlo Regular"/>
-                <a:ea typeface="Menlo Regular"/>
-                <a:cs typeface="Menlo Regular"/>
-                <a:sym typeface="Courier New"/>
-              </a:rPr>
-              <a:t>  if b_date &lt; </a:t>
-            </a:r>
-            <a:r>
-              <a:rPr lang="en" sz="2200" dirty="0" smtClean="0">
-                <a:solidFill>
-                  <a:srgbClr val="11889C"/>
-                </a:solidFill>
-                <a:latin typeface="Menlo Regular"/>
-                <a:ea typeface="Menlo Regular"/>
-                <a:cs typeface="Menlo Regular"/>
-                <a:sym typeface="Courier New"/>
-              </a:rPr>
-              <a:t>1900:</a:t>
-            </a:r>
-            <a:endParaRPr lang="en" sz="2200" dirty="0">
-              <a:solidFill>
-                <a:srgbClr val="11889C"/>
-              </a:solidFill>
-              <a:latin typeface="Menlo Regular"/>
-              <a:ea typeface="Menlo Regular"/>
-              <a:cs typeface="Menlo Regular"/>
-              <a:sym typeface="Courier New"/>
-            </a:endParaRPr>
-          </a:p>
-          <a:p>
-            <a:pPr lvl="0" rtl="0">
-              <a:lnSpc>
-                <a:spcPct val="115000"/>
-              </a:lnSpc>
-              <a:spcBef>
-                <a:spcPts val="0"/>
-              </a:spcBef>
-              <a:buNone/>
-            </a:pPr>
-            <a:r>
-              <a:rPr lang="en" sz="2200" dirty="0">
-                <a:solidFill>
-                  <a:schemeClr val="tx1"/>
-                </a:solidFill>
-                <a:latin typeface="Menlo Regular"/>
-                <a:ea typeface="Menlo Regular"/>
-                <a:cs typeface="Menlo Regular"/>
-                <a:sym typeface="Courier New"/>
-              </a:rPr>
-              <a:t>    nineteenth_count += </a:t>
-            </a:r>
-            <a:r>
-              <a:rPr lang="en" sz="2200" dirty="0">
-                <a:solidFill>
-                  <a:srgbClr val="11889C"/>
-                </a:solidFill>
-                <a:latin typeface="Menlo Regular"/>
-                <a:ea typeface="Menlo Regular"/>
-                <a:cs typeface="Menlo Regular"/>
-                <a:sym typeface="Courier New"/>
-              </a:rPr>
-              <a:t>1</a:t>
-            </a:r>
-          </a:p>
-          <a:p>
-            <a:pPr lvl="0" rtl="0">
-              <a:lnSpc>
-                <a:spcPct val="115000"/>
-              </a:lnSpc>
-              <a:spcBef>
-                <a:spcPts val="0"/>
-              </a:spcBef>
-              <a:buNone/>
-            </a:pPr>
-            <a:r>
-              <a:rPr lang="en" sz="2200" dirty="0">
-                <a:solidFill>
-                  <a:schemeClr val="tx1"/>
-                </a:solidFill>
-                <a:latin typeface="Menlo Regular"/>
-                <a:ea typeface="Menlo Regular"/>
-                <a:cs typeface="Menlo Regular"/>
-                <a:sym typeface="Courier New"/>
-              </a:rPr>
-              <a:t>  </a:t>
-            </a:r>
-            <a:r>
-              <a:rPr lang="en" sz="2200" dirty="0" smtClean="0">
-                <a:solidFill>
-                  <a:schemeClr val="tx1"/>
-                </a:solidFill>
-                <a:latin typeface="Menlo Regular"/>
-                <a:ea typeface="Menlo Regular"/>
-                <a:cs typeface="Menlo Regular"/>
-                <a:sym typeface="Courier New"/>
-              </a:rPr>
-              <a:t>else:</a:t>
-            </a:r>
-            <a:endParaRPr lang="en" sz="2200" dirty="0">
-              <a:solidFill>
-                <a:schemeClr val="tx1"/>
-              </a:solidFill>
-              <a:latin typeface="Menlo Regular"/>
-              <a:ea typeface="Menlo Regular"/>
-              <a:cs typeface="Menlo Regular"/>
-              <a:sym typeface="Courier New"/>
-            </a:endParaRPr>
-          </a:p>
-          <a:p>
-            <a:pPr lvl="0" rtl="0">
-              <a:lnSpc>
-                <a:spcPct val="115000"/>
-              </a:lnSpc>
-              <a:spcBef>
-                <a:spcPts val="0"/>
-              </a:spcBef>
-              <a:buNone/>
-            </a:pPr>
-            <a:r>
-              <a:rPr lang="en" sz="2200" dirty="0">
-                <a:solidFill>
-                  <a:schemeClr val="tx1"/>
-                </a:solidFill>
-                <a:latin typeface="Menlo Regular"/>
-                <a:ea typeface="Menlo Regular"/>
-                <a:cs typeface="Menlo Regular"/>
-                <a:sym typeface="Courier New"/>
-              </a:rPr>
-              <a:t>    twentieth_count += </a:t>
-            </a:r>
-            <a:r>
-              <a:rPr lang="en" sz="2200" dirty="0" smtClean="0">
-                <a:solidFill>
-                  <a:srgbClr val="11889C"/>
-                </a:solidFill>
-                <a:latin typeface="Menlo Regular"/>
-                <a:ea typeface="Menlo Regular"/>
-                <a:cs typeface="Menlo Regular"/>
-                <a:sym typeface="Courier New"/>
-              </a:rPr>
-              <a:t>1</a:t>
-            </a:r>
-            <a:endParaRPr lang="en" sz="2200" dirty="0">
-              <a:solidFill>
-                <a:schemeClr val="tx1"/>
-              </a:solidFill>
-              <a:latin typeface="Menlo Regular"/>
-              <a:ea typeface="Menlo Regular"/>
-              <a:cs typeface="Menlo Regular"/>
-              <a:sym typeface="Courier New"/>
-            </a:endParaRPr>
-          </a:p>
-          <a:p>
-            <a:pPr lvl="0" rtl="0">
-              <a:spcBef>
-                <a:spcPts val="0"/>
-              </a:spcBef>
-              <a:buNone/>
-            </a:pPr>
-            <a:endParaRPr sz="1800" b="1" dirty="0">
-              <a:solidFill>
-                <a:srgbClr val="000000"/>
-              </a:solidFill>
-              <a:latin typeface="Menlo Regular"/>
-              <a:ea typeface="Menlo Regular"/>
-              <a:cs typeface="Menlo Regular"/>
-              <a:sym typeface="Courier New"/>
-            </a:endParaRPr>
-          </a:p>
-          <a:p>
-            <a:pPr>
-              <a:spcBef>
-                <a:spcPts val="0"/>
-              </a:spcBef>
-              <a:buNone/>
-            </a:pPr>
-            <a:endParaRPr dirty="0">
-              <a:solidFill>
-                <a:srgbClr val="000000"/>
-              </a:solidFill>
-            </a:endParaRPr>
-          </a:p>
-        </p:txBody>
-      </p:sp>
-    </p:spTree>
-  </p:cSld>
-  <p:clrMapOvr>
-    <a:masterClrMapping/>
-  </p:clrMapOvr>
-  <p:transition xmlns:p14="http://schemas.microsoft.com/office/powerpoint/2010/main" spd="slow">
-    <p:cut/>
-  </p:transition>
 </p:sld>
 </file>
 
@@ -26808,6 +25929,1165 @@
   <p:cSld>
     <p:spTree>
       <p:nvGrpSpPr>
+        <p:cNvPr id="1" name=""/>
+        <p:cNvGrpSpPr/>
+        <p:nvPr/>
+      </p:nvGrpSpPr>
+      <p:grpSpPr>
+        <a:xfrm>
+          <a:off x="0" y="0"/>
+          <a:ext cx="0" cy="0"/>
+          <a:chOff x="0" y="0"/>
+          <a:chExt cx="0" cy="0"/>
+        </a:xfrm>
+      </p:grpSpPr>
+      <p:sp>
+        <p:nvSpPr>
+          <p:cNvPr id="2" name="Title 1"/>
+          <p:cNvSpPr>
+            <a:spLocks noGrp="1"/>
+          </p:cNvSpPr>
+          <p:nvPr>
+            <p:ph type="title"/>
+          </p:nvPr>
+        </p:nvSpPr>
+        <p:spPr/>
+        <p:txBody>
+          <a:bodyPr/>
+          <a:lstStyle/>
+          <a:p>
+            <a:endParaRPr lang="en-US"/>
+          </a:p>
+        </p:txBody>
+      </p:sp>
+      <p:sp>
+        <p:nvSpPr>
+          <p:cNvPr id="3" name="Text Placeholder 2"/>
+          <p:cNvSpPr>
+            <a:spLocks noGrp="1"/>
+          </p:cNvSpPr>
+          <p:nvPr>
+            <p:ph type="body" idx="1"/>
+          </p:nvPr>
+        </p:nvSpPr>
+        <p:spPr/>
+        <p:txBody>
+          <a:bodyPr/>
+          <a:lstStyle/>
+          <a:p>
+            <a:endParaRPr lang="en-US"/>
+          </a:p>
+        </p:txBody>
+      </p:sp>
+      <p:pic>
+        <p:nvPicPr>
+          <p:cNvPr id="4" name="Picture 3"/>
+          <p:cNvPicPr>
+            <a:picLocks noChangeAspect="1"/>
+          </p:cNvPicPr>
+          <p:nvPr/>
+        </p:nvPicPr>
+        <p:blipFill>
+          <a:blip r:embed="rId2"/>
+          <a:stretch>
+            <a:fillRect/>
+          </a:stretch>
+        </p:blipFill>
+        <p:spPr>
+          <a:xfrm>
+            <a:off x="762000" y="990600"/>
+            <a:ext cx="7620000" cy="4864100"/>
+          </a:xfrm>
+          <a:prstGeom prst="rect">
+            <a:avLst/>
+          </a:prstGeom>
+        </p:spPr>
+      </p:pic>
+    </p:spTree>
+    <p:extLst>
+      <p:ext uri="{BB962C8B-B14F-4D97-AF65-F5344CB8AC3E}">
+        <p14:creationId xmlns:p14="http://schemas.microsoft.com/office/powerpoint/2010/main" val="2230707868"/>
+      </p:ext>
+    </p:extLst>
+  </p:cSld>
+  <p:clrMapOvr>
+    <a:masterClrMapping/>
+  </p:clrMapOvr>
+</p:sld>
+</file>
+
+<file path=ppt/slides/slide41.xml><?xml version="1.0" encoding="utf-8"?>
+<p:sld xmlns:a="http://schemas.openxmlformats.org/drawingml/2006/main" xmlns:r="http://schemas.openxmlformats.org/officeDocument/2006/relationships" xmlns:p="http://schemas.openxmlformats.org/presentationml/2006/main">
+  <p:cSld>
+    <p:spTree>
+      <p:nvGrpSpPr>
+        <p:cNvPr id="1" name="Shape 248"/>
+        <p:cNvGrpSpPr/>
+        <p:nvPr/>
+      </p:nvGrpSpPr>
+      <p:grpSpPr>
+        <a:xfrm>
+          <a:off x="0" y="0"/>
+          <a:ext cx="0" cy="0"/>
+          <a:chOff x="0" y="0"/>
+          <a:chExt cx="0" cy="0"/>
+        </a:xfrm>
+      </p:grpSpPr>
+      <p:sp>
+        <p:nvSpPr>
+          <p:cNvPr id="249" name="Shape 249"/>
+          <p:cNvSpPr txBox="1">
+            <a:spLocks noGrp="1"/>
+          </p:cNvSpPr>
+          <p:nvPr>
+            <p:ph type="title"/>
+          </p:nvPr>
+        </p:nvSpPr>
+        <p:spPr>
+          <a:xfrm>
+            <a:off x="457200" y="274636"/>
+            <a:ext cx="8229600" cy="1325563"/>
+          </a:xfrm>
+          <a:prstGeom prst="rect">
+            <a:avLst/>
+          </a:prstGeom>
+        </p:spPr>
+        <p:txBody>
+          <a:bodyPr lIns="91425" tIns="91425" rIns="91425" bIns="91425" anchor="b" anchorCtr="0">
+            <a:noAutofit/>
+          </a:bodyPr>
+          <a:lstStyle/>
+          <a:p>
+            <a:pPr>
+              <a:spcBef>
+                <a:spcPts val="0"/>
+              </a:spcBef>
+              <a:buNone/>
+            </a:pPr>
+            <a:r>
+              <a:rPr lang="en" sz="9600" dirty="0" smtClean="0">
+                <a:solidFill>
+                  <a:srgbClr val="FF0000"/>
+                </a:solidFill>
+                <a:latin typeface="Yanone Kaffeesatz Bold"/>
+                <a:cs typeface="Yanone Kaffeesatz Bold"/>
+              </a:rPr>
+              <a:t>Exercise</a:t>
+            </a:r>
+            <a:endParaRPr lang="en" dirty="0"/>
+          </a:p>
+        </p:txBody>
+      </p:sp>
+      <p:sp>
+        <p:nvSpPr>
+          <p:cNvPr id="250" name="Shape 250"/>
+          <p:cNvSpPr txBox="1">
+            <a:spLocks noGrp="1"/>
+          </p:cNvSpPr>
+          <p:nvPr>
+            <p:ph type="body" idx="1"/>
+          </p:nvPr>
+        </p:nvSpPr>
+        <p:spPr>
+          <a:xfrm>
+            <a:off x="457200" y="1600200"/>
+            <a:ext cx="8229600" cy="4967700"/>
+          </a:xfrm>
+          <a:prstGeom prst="rect">
+            <a:avLst/>
+          </a:prstGeom>
+        </p:spPr>
+        <p:txBody>
+          <a:bodyPr lIns="91425" tIns="91425" rIns="91425" bIns="91425" anchor="t" anchorCtr="0">
+            <a:noAutofit/>
+          </a:bodyPr>
+          <a:lstStyle/>
+          <a:p>
+            <a:pPr lvl="0" rtl="0">
+              <a:lnSpc>
+                <a:spcPct val="115000"/>
+              </a:lnSpc>
+              <a:spcBef>
+                <a:spcPts val="0"/>
+              </a:spcBef>
+              <a:buNone/>
+            </a:pPr>
+            <a:r>
+              <a:rPr lang="en" sz="2000" dirty="0">
+                <a:solidFill>
+                  <a:srgbClr val="000000"/>
+                </a:solidFill>
+              </a:rPr>
+              <a:t>Create a collection of 19th- and 20th-century authors (or historical/political figures if that's your bag!) and their birth dates (historical accuracy doesn't matter).  An example:</a:t>
+            </a:r>
+          </a:p>
+          <a:p>
+            <a:pPr lvl="0" rtl="0">
+              <a:lnSpc>
+                <a:spcPct val="115000"/>
+              </a:lnSpc>
+              <a:spcBef>
+                <a:spcPts val="0"/>
+              </a:spcBef>
+              <a:buNone/>
+            </a:pPr>
+            <a:endParaRPr sz="2000" dirty="0">
+              <a:solidFill>
+                <a:srgbClr val="000000"/>
+              </a:solidFill>
+            </a:endParaRPr>
+          </a:p>
+          <a:p>
+            <a:pPr lvl="0" rtl="0">
+              <a:lnSpc>
+                <a:spcPct val="115000"/>
+              </a:lnSpc>
+              <a:spcBef>
+                <a:spcPts val="0"/>
+              </a:spcBef>
+              <a:buNone/>
+            </a:pPr>
+            <a:r>
+              <a:rPr lang="en" sz="2000" dirty="0">
+                <a:solidFill>
+                  <a:srgbClr val="000000"/>
+                </a:solidFill>
+                <a:latin typeface="Menlo Regular"/>
+                <a:ea typeface="Menlo Regular"/>
+                <a:cs typeface="Menlo Regular"/>
+                <a:sym typeface="Courier New"/>
+              </a:rPr>
+              <a:t>birth_dates = </a:t>
+            </a:r>
+            <a:r>
+              <a:rPr lang="en" sz="2000" dirty="0">
+                <a:solidFill>
+                  <a:srgbClr val="FF0000"/>
+                </a:solidFill>
+                <a:latin typeface="Menlo Regular"/>
+                <a:ea typeface="Menlo Regular"/>
+                <a:cs typeface="Menlo Regular"/>
+                <a:sym typeface="Courier New"/>
+              </a:rPr>
+              <a:t>{"Wallace </a:t>
+            </a:r>
+            <a:r>
+              <a:rPr lang="en" sz="2000" dirty="0" smtClean="0">
+                <a:solidFill>
+                  <a:srgbClr val="FF0000"/>
+                </a:solidFill>
+                <a:latin typeface="Menlo Regular"/>
+                <a:ea typeface="Menlo Regular"/>
+                <a:cs typeface="Menlo Regular"/>
+                <a:sym typeface="Courier New"/>
+              </a:rPr>
+              <a:t>Stevens</a:t>
+            </a:r>
+            <a:r>
+              <a:rPr lang="en-US" sz="2000" dirty="0" smtClean="0">
+                <a:solidFill>
+                  <a:srgbClr val="FF0000"/>
+                </a:solidFill>
+                <a:latin typeface="Menlo Regular"/>
+                <a:ea typeface="Menlo Regular"/>
+                <a:cs typeface="Menlo Regular"/>
+                <a:sym typeface="Courier New"/>
+              </a:rPr>
+              <a:t>"</a:t>
+            </a:r>
+            <a:r>
+              <a:rPr lang="en" sz="2000" dirty="0" smtClean="0">
+                <a:solidFill>
+                  <a:srgbClr val="FF0000"/>
+                </a:solidFill>
+                <a:latin typeface="Menlo Regular"/>
+                <a:ea typeface="Menlo Regular"/>
+                <a:cs typeface="Menlo Regular"/>
+                <a:sym typeface="Courier New"/>
+              </a:rPr>
+              <a:t>:</a:t>
+            </a:r>
+            <a:r>
+              <a:rPr lang="en" sz="2000" dirty="0" smtClean="0">
+                <a:solidFill>
+                  <a:srgbClr val="000000"/>
+                </a:solidFill>
+                <a:latin typeface="Menlo Regular"/>
+                <a:ea typeface="Menlo Regular"/>
+                <a:cs typeface="Menlo Regular"/>
+                <a:sym typeface="Courier New"/>
+              </a:rPr>
+              <a:t> </a:t>
+            </a:r>
+            <a:r>
+              <a:rPr lang="en" sz="2000" dirty="0">
+                <a:solidFill>
+                  <a:srgbClr val="11889C"/>
+                </a:solidFill>
+                <a:latin typeface="Menlo Regular"/>
+                <a:ea typeface="Menlo Regular"/>
+                <a:cs typeface="Menlo Regular"/>
+                <a:sym typeface="Courier New"/>
+              </a:rPr>
+              <a:t>1879</a:t>
+            </a:r>
+            <a:r>
+              <a:rPr lang="en" sz="2000" dirty="0">
+                <a:solidFill>
+                  <a:srgbClr val="000000"/>
+                </a:solidFill>
+                <a:latin typeface="Menlo Regular"/>
+                <a:ea typeface="Menlo Regular"/>
+                <a:cs typeface="Menlo Regular"/>
+                <a:sym typeface="Courier New"/>
+              </a:rPr>
+              <a:t>}</a:t>
+            </a:r>
+          </a:p>
+          <a:p>
+            <a:pPr lvl="0" rtl="0">
+              <a:lnSpc>
+                <a:spcPct val="115000"/>
+              </a:lnSpc>
+              <a:spcBef>
+                <a:spcPts val="0"/>
+              </a:spcBef>
+              <a:buNone/>
+            </a:pPr>
+            <a:endParaRPr sz="2000" dirty="0">
+              <a:solidFill>
+                <a:srgbClr val="000000"/>
+              </a:solidFill>
+              <a:latin typeface="Menlo Regular"/>
+              <a:ea typeface="Menlo Regular"/>
+              <a:cs typeface="Menlo Regular"/>
+              <a:sym typeface="Courier New"/>
+            </a:endParaRPr>
+          </a:p>
+          <a:p>
+            <a:pPr lvl="0" rtl="0">
+              <a:lnSpc>
+                <a:spcPct val="115000"/>
+              </a:lnSpc>
+              <a:spcBef>
+                <a:spcPts val="0"/>
+              </a:spcBef>
+              <a:buNone/>
+            </a:pPr>
+            <a:r>
+              <a:rPr lang="en" sz="2000" dirty="0">
+                <a:solidFill>
+                  <a:srgbClr val="000000"/>
+                </a:solidFill>
+              </a:rPr>
+              <a:t>Count the number of 19th-century birth dates and the number of 20th-century birth dates, then print the results like:</a:t>
+            </a:r>
+          </a:p>
+          <a:p>
+            <a:pPr lvl="0" rtl="0">
+              <a:lnSpc>
+                <a:spcPct val="115000"/>
+              </a:lnSpc>
+              <a:spcBef>
+                <a:spcPts val="0"/>
+              </a:spcBef>
+              <a:buNone/>
+            </a:pPr>
+            <a:endParaRPr sz="2000" dirty="0">
+              <a:solidFill>
+                <a:srgbClr val="000000"/>
+              </a:solidFill>
+            </a:endParaRPr>
+          </a:p>
+          <a:p>
+            <a:pPr lvl="0" rtl="0">
+              <a:lnSpc>
+                <a:spcPct val="115000"/>
+              </a:lnSpc>
+              <a:spcBef>
+                <a:spcPts val="0"/>
+              </a:spcBef>
+              <a:buNone/>
+            </a:pPr>
+            <a:r>
+              <a:rPr lang="en" sz="2000" dirty="0">
+                <a:solidFill>
+                  <a:srgbClr val="000000"/>
+                </a:solidFill>
+                <a:latin typeface="Menlo Regular"/>
+                <a:ea typeface="Menlo Regular"/>
+                <a:cs typeface="Menlo Regular"/>
+                <a:sym typeface="Courier New"/>
+              </a:rPr>
+              <a:t>There are 3 19th-c. births and 2 20th-c. births in my collection.</a:t>
+            </a:r>
+          </a:p>
+          <a:p>
+            <a:pPr lvl="0" rtl="0">
+              <a:lnSpc>
+                <a:spcPct val="115000"/>
+              </a:lnSpc>
+              <a:spcBef>
+                <a:spcPts val="0"/>
+              </a:spcBef>
+              <a:buNone/>
+            </a:pPr>
+            <a:endParaRPr sz="2000" dirty="0">
+              <a:solidFill>
+                <a:srgbClr val="000000"/>
+              </a:solidFill>
+            </a:endParaRPr>
+          </a:p>
+          <a:p>
+            <a:pPr>
+              <a:spcBef>
+                <a:spcPts val="0"/>
+              </a:spcBef>
+              <a:buNone/>
+            </a:pPr>
+            <a:endParaRPr sz="2000" dirty="0"/>
+          </a:p>
+        </p:txBody>
+      </p:sp>
+    </p:spTree>
+  </p:cSld>
+  <p:clrMapOvr>
+    <a:masterClrMapping/>
+  </p:clrMapOvr>
+  <p:transition xmlns:p14="http://schemas.microsoft.com/office/powerpoint/2010/main" spd="slow">
+    <p:cut/>
+  </p:transition>
+  <p:timing>
+    <p:tnLst>
+      <p:par>
+        <p:cTn xmlns:p14="http://schemas.microsoft.com/office/powerpoint/2010/main" id="1" dur="indefinite" restart="never" nodeType="tmRoot"/>
+      </p:par>
+    </p:tnLst>
+  </p:timing>
+</p:sld>
+</file>
+
+<file path=ppt/slides/slide42.xml><?xml version="1.0" encoding="utf-8"?>
+<p:sld xmlns:a="http://schemas.openxmlformats.org/drawingml/2006/main" xmlns:r="http://schemas.openxmlformats.org/officeDocument/2006/relationships" xmlns:p="http://schemas.openxmlformats.org/presentationml/2006/main">
+  <p:cSld>
+    <p:spTree>
+      <p:nvGrpSpPr>
+        <p:cNvPr id="1" name="Shape 254"/>
+        <p:cNvGrpSpPr/>
+        <p:nvPr/>
+      </p:nvGrpSpPr>
+      <p:grpSpPr>
+        <a:xfrm>
+          <a:off x="0" y="0"/>
+          <a:ext cx="0" cy="0"/>
+          <a:chOff x="0" y="0"/>
+          <a:chExt cx="0" cy="0"/>
+        </a:xfrm>
+      </p:grpSpPr>
+      <p:sp>
+        <p:nvSpPr>
+          <p:cNvPr id="255" name="Shape 255"/>
+          <p:cNvSpPr txBox="1">
+            <a:spLocks noGrp="1"/>
+          </p:cNvSpPr>
+          <p:nvPr>
+            <p:ph type="title"/>
+          </p:nvPr>
+        </p:nvSpPr>
+        <p:spPr>
+          <a:xfrm>
+            <a:off x="457200" y="274636"/>
+            <a:ext cx="8229600" cy="1325563"/>
+          </a:xfrm>
+          <a:prstGeom prst="rect">
+            <a:avLst/>
+          </a:prstGeom>
+        </p:spPr>
+        <p:txBody>
+          <a:bodyPr lIns="91425" tIns="91425" rIns="91425" bIns="91425" anchor="b" anchorCtr="0">
+            <a:noAutofit/>
+          </a:bodyPr>
+          <a:lstStyle/>
+          <a:p>
+            <a:pPr>
+              <a:spcBef>
+                <a:spcPts val="0"/>
+              </a:spcBef>
+              <a:buNone/>
+            </a:pPr>
+            <a:r>
+              <a:rPr lang="en-US" sz="9600" dirty="0">
+                <a:solidFill>
+                  <a:srgbClr val="FF0000"/>
+                </a:solidFill>
+                <a:latin typeface="Yanone Kaffeesatz Bold"/>
+                <a:cs typeface="Yanone Kaffeesatz Bold"/>
+              </a:rPr>
+              <a:t>An Answer</a:t>
+            </a:r>
+            <a:endParaRPr lang="en" sz="9600" dirty="0">
+              <a:solidFill>
+                <a:srgbClr val="FF0000"/>
+              </a:solidFill>
+              <a:latin typeface="Yanone Kaffeesatz Bold"/>
+              <a:cs typeface="Yanone Kaffeesatz Bold"/>
+            </a:endParaRPr>
+          </a:p>
+        </p:txBody>
+      </p:sp>
+      <p:sp>
+        <p:nvSpPr>
+          <p:cNvPr id="256" name="Shape 256"/>
+          <p:cNvSpPr txBox="1">
+            <a:spLocks noGrp="1"/>
+          </p:cNvSpPr>
+          <p:nvPr>
+            <p:ph type="body" idx="1"/>
+          </p:nvPr>
+        </p:nvSpPr>
+        <p:spPr>
+          <a:xfrm>
+            <a:off x="457200" y="1600200"/>
+            <a:ext cx="8229600" cy="4967700"/>
+          </a:xfrm>
+          <a:prstGeom prst="rect">
+            <a:avLst/>
+          </a:prstGeom>
+        </p:spPr>
+        <p:txBody>
+          <a:bodyPr lIns="91425" tIns="91425" rIns="91425" bIns="91425" anchor="t" anchorCtr="0">
+            <a:noAutofit/>
+          </a:bodyPr>
+          <a:lstStyle/>
+          <a:p>
+            <a:pPr lvl="0" rtl="0">
+              <a:lnSpc>
+                <a:spcPct val="115000"/>
+              </a:lnSpc>
+              <a:spcBef>
+                <a:spcPts val="0"/>
+              </a:spcBef>
+              <a:buNone/>
+            </a:pPr>
+            <a:r>
+              <a:rPr lang="en" sz="2100" dirty="0">
+                <a:solidFill>
+                  <a:schemeClr val="tx1"/>
+                </a:solidFill>
+                <a:latin typeface="Menlo Regular"/>
+                <a:ea typeface="Menlo Regular"/>
+                <a:cs typeface="Menlo Regular"/>
+                <a:sym typeface="Courier New"/>
+              </a:rPr>
+              <a:t>birth_dates = {</a:t>
+            </a:r>
+            <a:r>
+              <a:rPr lang="en" sz="2100" dirty="0">
+                <a:solidFill>
+                  <a:srgbClr val="FF0000"/>
+                </a:solidFill>
+                <a:latin typeface="Menlo Regular"/>
+                <a:ea typeface="Menlo Regular"/>
+                <a:cs typeface="Menlo Regular"/>
+                <a:sym typeface="Courier New"/>
+              </a:rPr>
+              <a:t>'Wallace </a:t>
+            </a:r>
+            <a:r>
+              <a:rPr lang="en" sz="2100" dirty="0" smtClean="0">
+                <a:solidFill>
+                  <a:srgbClr val="FF0000"/>
+                </a:solidFill>
+                <a:latin typeface="Menlo Regular"/>
+                <a:ea typeface="Menlo Regular"/>
+                <a:cs typeface="Menlo Regular"/>
+                <a:sym typeface="Courier New"/>
+              </a:rPr>
+              <a:t>Stevens</a:t>
+            </a:r>
+            <a:r>
+              <a:rPr lang="en-US" sz="2100" dirty="0" smtClean="0">
+                <a:solidFill>
+                  <a:srgbClr val="FF0000"/>
+                </a:solidFill>
+                <a:latin typeface="Menlo Regular"/>
+                <a:ea typeface="Menlo Regular"/>
+                <a:cs typeface="Menlo Regular"/>
+                <a:sym typeface="Courier New"/>
+              </a:rPr>
+              <a:t>'</a:t>
+            </a:r>
+            <a:r>
+              <a:rPr lang="en" sz="2100" dirty="0" smtClean="0">
+                <a:solidFill>
+                  <a:srgbClr val="FF0000"/>
+                </a:solidFill>
+                <a:latin typeface="Menlo Regular"/>
+                <a:ea typeface="Menlo Regular"/>
+                <a:cs typeface="Menlo Regular"/>
+                <a:sym typeface="Courier New"/>
+              </a:rPr>
+              <a:t>:</a:t>
+            </a:r>
+            <a:r>
+              <a:rPr lang="en" sz="2100" dirty="0" smtClean="0">
+                <a:solidFill>
+                  <a:schemeClr val="tx1"/>
+                </a:solidFill>
+                <a:latin typeface="Menlo Regular"/>
+                <a:ea typeface="Menlo Regular"/>
+                <a:cs typeface="Menlo Regular"/>
+                <a:sym typeface="Courier New"/>
+              </a:rPr>
+              <a:t> </a:t>
+            </a:r>
+            <a:r>
+              <a:rPr lang="en" sz="2100" dirty="0">
+                <a:solidFill>
+                  <a:srgbClr val="11889C"/>
+                </a:solidFill>
+                <a:latin typeface="Menlo Regular"/>
+                <a:ea typeface="Menlo Regular"/>
+                <a:cs typeface="Menlo Regular"/>
+                <a:sym typeface="Courier New"/>
+              </a:rPr>
+              <a:t>1897</a:t>
+            </a:r>
+            <a:r>
+              <a:rPr lang="en" sz="2100" dirty="0">
+                <a:solidFill>
+                  <a:schemeClr val="tx1"/>
+                </a:solidFill>
+                <a:latin typeface="Menlo Regular"/>
+                <a:ea typeface="Menlo Regular"/>
+                <a:cs typeface="Menlo Regular"/>
+                <a:sym typeface="Courier New"/>
+              </a:rPr>
+              <a:t>, </a:t>
+            </a:r>
+            <a:r>
+              <a:rPr lang="en-US" sz="2100" dirty="0">
+                <a:solidFill>
+                  <a:srgbClr val="FF0000"/>
+                </a:solidFill>
+                <a:latin typeface="Menlo Regular"/>
+                <a:ea typeface="Menlo Regular"/>
+                <a:cs typeface="Menlo Regular"/>
+                <a:sym typeface="Courier New"/>
+              </a:rPr>
+              <a:t>'</a:t>
+            </a:r>
+            <a:r>
+              <a:rPr lang="en-US" sz="2100" dirty="0" smtClean="0">
+                <a:solidFill>
+                  <a:srgbClr val="FF0000"/>
+                </a:solidFill>
+                <a:latin typeface="Menlo Regular"/>
+                <a:ea typeface="Menlo Regular"/>
+                <a:cs typeface="Menlo Regular"/>
+                <a:sym typeface="Courier New"/>
+              </a:rPr>
+              <a:t>Brandon</a:t>
+            </a:r>
+            <a:r>
+              <a:rPr lang="en" sz="2100" dirty="0" smtClean="0">
+                <a:solidFill>
+                  <a:srgbClr val="FF0000"/>
+                </a:solidFill>
+                <a:latin typeface="Menlo Regular"/>
+                <a:ea typeface="Menlo Regular"/>
+                <a:cs typeface="Menlo Regular"/>
+                <a:sym typeface="Courier New"/>
+              </a:rPr>
+              <a:t> </a:t>
+            </a:r>
+            <a:r>
+              <a:rPr lang="en-US" sz="2100" dirty="0" smtClean="0">
+                <a:solidFill>
+                  <a:srgbClr val="FF0000"/>
+                </a:solidFill>
+                <a:latin typeface="Menlo Regular"/>
+                <a:ea typeface="Menlo Regular"/>
+                <a:cs typeface="Menlo Regular"/>
+                <a:sym typeface="Courier New"/>
+              </a:rPr>
+              <a:t>Walsh</a:t>
+            </a:r>
+            <a:r>
+              <a:rPr lang="en-US" sz="2200" dirty="0">
+                <a:solidFill>
+                  <a:srgbClr val="FF0000"/>
+                </a:solidFill>
+                <a:latin typeface="Menlo Regular"/>
+                <a:ea typeface="Menlo Regular"/>
+                <a:cs typeface="Menlo Regular"/>
+                <a:sym typeface="Courier New"/>
+              </a:rPr>
+              <a:t>'</a:t>
+            </a:r>
+            <a:r>
+              <a:rPr lang="en" sz="2200" dirty="0" smtClean="0">
+                <a:solidFill>
+                  <a:schemeClr val="tx1"/>
+                </a:solidFill>
+                <a:latin typeface="Menlo Regular"/>
+                <a:ea typeface="Menlo Regular"/>
+                <a:cs typeface="Menlo Regular"/>
+                <a:sym typeface="Courier New"/>
+              </a:rPr>
+              <a:t>: </a:t>
+            </a:r>
+            <a:r>
+              <a:rPr lang="en" sz="2200" dirty="0">
+                <a:solidFill>
+                  <a:srgbClr val="11889C"/>
+                </a:solidFill>
+                <a:latin typeface="Menlo Regular"/>
+                <a:ea typeface="Menlo Regular"/>
+                <a:cs typeface="Menlo Regular"/>
+                <a:sym typeface="Courier New"/>
+              </a:rPr>
+              <a:t>1977</a:t>
+            </a:r>
+            <a:r>
+              <a:rPr lang="en" sz="2200" dirty="0">
+                <a:solidFill>
+                  <a:schemeClr val="tx1"/>
+                </a:solidFill>
+                <a:latin typeface="Menlo Regular"/>
+                <a:ea typeface="Menlo Regular"/>
+                <a:cs typeface="Menlo Regular"/>
+                <a:sym typeface="Courier New"/>
+              </a:rPr>
+              <a:t>}</a:t>
+            </a:r>
+          </a:p>
+          <a:p>
+            <a:pPr lvl="0" rtl="0">
+              <a:lnSpc>
+                <a:spcPct val="115000"/>
+              </a:lnSpc>
+              <a:spcBef>
+                <a:spcPts val="0"/>
+              </a:spcBef>
+              <a:buNone/>
+            </a:pPr>
+            <a:endParaRPr sz="1000" dirty="0">
+              <a:solidFill>
+                <a:schemeClr val="tx1"/>
+              </a:solidFill>
+              <a:latin typeface="Menlo Regular"/>
+              <a:ea typeface="Menlo Regular"/>
+              <a:cs typeface="Menlo Regular"/>
+              <a:sym typeface="Courier New"/>
+            </a:endParaRPr>
+          </a:p>
+          <a:p>
+            <a:pPr lvl="0" rtl="0">
+              <a:lnSpc>
+                <a:spcPct val="115000"/>
+              </a:lnSpc>
+              <a:spcBef>
+                <a:spcPts val="0"/>
+              </a:spcBef>
+              <a:buNone/>
+            </a:pPr>
+            <a:r>
+              <a:rPr lang="en" sz="2200" dirty="0">
+                <a:solidFill>
+                  <a:schemeClr val="tx1"/>
+                </a:solidFill>
+                <a:latin typeface="Menlo Regular"/>
+                <a:ea typeface="Menlo Regular"/>
+                <a:cs typeface="Menlo Regular"/>
+                <a:sym typeface="Courier New"/>
+              </a:rPr>
+              <a:t>nineteenth_count = </a:t>
+            </a:r>
+            <a:r>
+              <a:rPr lang="en" sz="2200" dirty="0">
+                <a:solidFill>
+                  <a:srgbClr val="11889C"/>
+                </a:solidFill>
+                <a:latin typeface="Menlo Regular"/>
+                <a:ea typeface="Menlo Regular"/>
+                <a:cs typeface="Menlo Regular"/>
+                <a:sym typeface="Courier New"/>
+              </a:rPr>
+              <a:t>0</a:t>
+            </a:r>
+          </a:p>
+          <a:p>
+            <a:pPr lvl="0" rtl="0">
+              <a:lnSpc>
+                <a:spcPct val="115000"/>
+              </a:lnSpc>
+              <a:spcBef>
+                <a:spcPts val="0"/>
+              </a:spcBef>
+              <a:buNone/>
+            </a:pPr>
+            <a:r>
+              <a:rPr lang="en" sz="2200" dirty="0">
+                <a:solidFill>
+                  <a:schemeClr val="tx1"/>
+                </a:solidFill>
+                <a:latin typeface="Menlo Regular"/>
+                <a:ea typeface="Menlo Regular"/>
+                <a:cs typeface="Menlo Regular"/>
+                <a:sym typeface="Courier New"/>
+              </a:rPr>
+              <a:t>twentieth_count = </a:t>
+            </a:r>
+            <a:r>
+              <a:rPr lang="en" sz="2200" dirty="0">
+                <a:solidFill>
+                  <a:srgbClr val="11889C"/>
+                </a:solidFill>
+                <a:latin typeface="Menlo Regular"/>
+                <a:ea typeface="Menlo Regular"/>
+                <a:cs typeface="Menlo Regular"/>
+                <a:sym typeface="Courier New"/>
+              </a:rPr>
+              <a:t>0</a:t>
+            </a:r>
+            <a:r>
+              <a:rPr lang="en" sz="2200" dirty="0">
+                <a:solidFill>
+                  <a:schemeClr val="tx1"/>
+                </a:solidFill>
+                <a:latin typeface="Menlo Regular"/>
+                <a:ea typeface="Menlo Regular"/>
+                <a:cs typeface="Menlo Regular"/>
+                <a:sym typeface="Courier New"/>
+              </a:rPr>
+              <a:t> </a:t>
+            </a:r>
+            <a:endParaRPr lang="en" sz="2200" dirty="0" smtClean="0">
+              <a:solidFill>
+                <a:schemeClr val="tx1"/>
+              </a:solidFill>
+              <a:latin typeface="Menlo Regular"/>
+              <a:ea typeface="Menlo Regular"/>
+              <a:cs typeface="Menlo Regular"/>
+              <a:sym typeface="Courier New"/>
+            </a:endParaRPr>
+          </a:p>
+          <a:p>
+            <a:pPr lvl="0" rtl="0">
+              <a:lnSpc>
+                <a:spcPct val="115000"/>
+              </a:lnSpc>
+              <a:spcBef>
+                <a:spcPts val="0"/>
+              </a:spcBef>
+              <a:buNone/>
+            </a:pPr>
+            <a:endParaRPr lang="en" sz="2200" dirty="0">
+              <a:solidFill>
+                <a:schemeClr val="tx1"/>
+              </a:solidFill>
+              <a:latin typeface="Menlo Regular"/>
+              <a:ea typeface="Menlo Regular"/>
+              <a:cs typeface="Menlo Regular"/>
+              <a:sym typeface="Courier New"/>
+            </a:endParaRPr>
+          </a:p>
+          <a:p>
+            <a:pPr lvl="0" rtl="0">
+              <a:lnSpc>
+                <a:spcPct val="115000"/>
+              </a:lnSpc>
+              <a:spcBef>
+                <a:spcPts val="0"/>
+              </a:spcBef>
+              <a:buNone/>
+            </a:pPr>
+            <a:r>
+              <a:rPr lang="en-US" sz="2200" dirty="0" smtClean="0">
+                <a:solidFill>
+                  <a:schemeClr val="tx1"/>
+                </a:solidFill>
+                <a:latin typeface="Menlo Regular"/>
+                <a:ea typeface="Menlo Regular"/>
+                <a:cs typeface="Menlo Regular"/>
+                <a:sym typeface="Courier New"/>
+              </a:rPr>
+              <a:t>for person, </a:t>
+            </a:r>
+            <a:r>
+              <a:rPr lang="en-US" sz="2200" dirty="0" err="1" smtClean="0">
+                <a:solidFill>
+                  <a:schemeClr val="tx1"/>
+                </a:solidFill>
+                <a:latin typeface="Menlo Regular"/>
+                <a:ea typeface="Menlo Regular"/>
+                <a:cs typeface="Menlo Regular"/>
+                <a:sym typeface="Courier New"/>
+              </a:rPr>
+              <a:t>b_date</a:t>
+            </a:r>
+            <a:r>
+              <a:rPr lang="en-US" sz="2200" dirty="0" smtClean="0">
+                <a:solidFill>
+                  <a:schemeClr val="tx1"/>
+                </a:solidFill>
+                <a:latin typeface="Menlo Regular"/>
+                <a:ea typeface="Menlo Regular"/>
+                <a:cs typeface="Menlo Regular"/>
+                <a:sym typeface="Courier New"/>
+              </a:rPr>
+              <a:t> in </a:t>
+            </a:r>
+            <a:r>
+              <a:rPr lang="en-US" sz="2200" dirty="0" err="1" smtClean="0">
+                <a:solidFill>
+                  <a:schemeClr val="tx1"/>
+                </a:solidFill>
+                <a:latin typeface="Menlo Regular"/>
+                <a:ea typeface="Menlo Regular"/>
+                <a:cs typeface="Menlo Regular"/>
+                <a:sym typeface="Courier New"/>
+              </a:rPr>
+              <a:t>birth_dates.items</a:t>
+            </a:r>
+            <a:r>
+              <a:rPr lang="en-US" sz="2200" dirty="0" smtClean="0">
+                <a:solidFill>
+                  <a:schemeClr val="tx1"/>
+                </a:solidFill>
+                <a:latin typeface="Menlo Regular"/>
+                <a:ea typeface="Menlo Regular"/>
+                <a:cs typeface="Menlo Regular"/>
+                <a:sym typeface="Courier New"/>
+              </a:rPr>
+              <a:t>():</a:t>
+            </a:r>
+            <a:endParaRPr lang="en" sz="2200" dirty="0">
+              <a:solidFill>
+                <a:schemeClr val="tx1"/>
+              </a:solidFill>
+              <a:latin typeface="Menlo Regular"/>
+              <a:ea typeface="Menlo Regular"/>
+              <a:cs typeface="Menlo Regular"/>
+              <a:sym typeface="Courier New"/>
+            </a:endParaRPr>
+          </a:p>
+          <a:p>
+            <a:pPr lvl="0" rtl="0">
+              <a:lnSpc>
+                <a:spcPct val="115000"/>
+              </a:lnSpc>
+              <a:spcBef>
+                <a:spcPts val="0"/>
+              </a:spcBef>
+              <a:buNone/>
+            </a:pPr>
+            <a:r>
+              <a:rPr lang="en" sz="2200" dirty="0">
+                <a:solidFill>
+                  <a:schemeClr val="tx1"/>
+                </a:solidFill>
+                <a:latin typeface="Menlo Regular"/>
+                <a:ea typeface="Menlo Regular"/>
+                <a:cs typeface="Menlo Regular"/>
+                <a:sym typeface="Courier New"/>
+              </a:rPr>
+              <a:t>  if b_date &lt; </a:t>
+            </a:r>
+            <a:r>
+              <a:rPr lang="en" sz="2200" dirty="0" smtClean="0">
+                <a:solidFill>
+                  <a:srgbClr val="11889C"/>
+                </a:solidFill>
+                <a:latin typeface="Menlo Regular"/>
+                <a:ea typeface="Menlo Regular"/>
+                <a:cs typeface="Menlo Regular"/>
+                <a:sym typeface="Courier New"/>
+              </a:rPr>
+              <a:t>1900:</a:t>
+            </a:r>
+            <a:endParaRPr lang="en" sz="2200" dirty="0">
+              <a:solidFill>
+                <a:srgbClr val="11889C"/>
+              </a:solidFill>
+              <a:latin typeface="Menlo Regular"/>
+              <a:ea typeface="Menlo Regular"/>
+              <a:cs typeface="Menlo Regular"/>
+              <a:sym typeface="Courier New"/>
+            </a:endParaRPr>
+          </a:p>
+          <a:p>
+            <a:pPr lvl="0" rtl="0">
+              <a:lnSpc>
+                <a:spcPct val="115000"/>
+              </a:lnSpc>
+              <a:spcBef>
+                <a:spcPts val="0"/>
+              </a:spcBef>
+              <a:buNone/>
+            </a:pPr>
+            <a:r>
+              <a:rPr lang="en" sz="2200" dirty="0">
+                <a:solidFill>
+                  <a:schemeClr val="tx1"/>
+                </a:solidFill>
+                <a:latin typeface="Menlo Regular"/>
+                <a:ea typeface="Menlo Regular"/>
+                <a:cs typeface="Menlo Regular"/>
+                <a:sym typeface="Courier New"/>
+              </a:rPr>
+              <a:t>    nineteenth_count += </a:t>
+            </a:r>
+            <a:r>
+              <a:rPr lang="en" sz="2200" dirty="0">
+                <a:solidFill>
+                  <a:srgbClr val="11889C"/>
+                </a:solidFill>
+                <a:latin typeface="Menlo Regular"/>
+                <a:ea typeface="Menlo Regular"/>
+                <a:cs typeface="Menlo Regular"/>
+                <a:sym typeface="Courier New"/>
+              </a:rPr>
+              <a:t>1</a:t>
+            </a:r>
+          </a:p>
+          <a:p>
+            <a:pPr lvl="0" rtl="0">
+              <a:lnSpc>
+                <a:spcPct val="115000"/>
+              </a:lnSpc>
+              <a:spcBef>
+                <a:spcPts val="0"/>
+              </a:spcBef>
+              <a:buNone/>
+            </a:pPr>
+            <a:r>
+              <a:rPr lang="en" sz="2200" dirty="0">
+                <a:solidFill>
+                  <a:schemeClr val="tx1"/>
+                </a:solidFill>
+                <a:latin typeface="Menlo Regular"/>
+                <a:ea typeface="Menlo Regular"/>
+                <a:cs typeface="Menlo Regular"/>
+                <a:sym typeface="Courier New"/>
+              </a:rPr>
+              <a:t>  </a:t>
+            </a:r>
+            <a:r>
+              <a:rPr lang="en" sz="2200" dirty="0" smtClean="0">
+                <a:solidFill>
+                  <a:schemeClr val="tx1"/>
+                </a:solidFill>
+                <a:latin typeface="Menlo Regular"/>
+                <a:ea typeface="Menlo Regular"/>
+                <a:cs typeface="Menlo Regular"/>
+                <a:sym typeface="Courier New"/>
+              </a:rPr>
+              <a:t>else:</a:t>
+            </a:r>
+            <a:endParaRPr lang="en" sz="2200" dirty="0">
+              <a:solidFill>
+                <a:schemeClr val="tx1"/>
+              </a:solidFill>
+              <a:latin typeface="Menlo Regular"/>
+              <a:ea typeface="Menlo Regular"/>
+              <a:cs typeface="Menlo Regular"/>
+              <a:sym typeface="Courier New"/>
+            </a:endParaRPr>
+          </a:p>
+          <a:p>
+            <a:pPr lvl="0" rtl="0">
+              <a:lnSpc>
+                <a:spcPct val="115000"/>
+              </a:lnSpc>
+              <a:spcBef>
+                <a:spcPts val="0"/>
+              </a:spcBef>
+              <a:buNone/>
+            </a:pPr>
+            <a:r>
+              <a:rPr lang="en" sz="2200" dirty="0">
+                <a:solidFill>
+                  <a:schemeClr val="tx1"/>
+                </a:solidFill>
+                <a:latin typeface="Menlo Regular"/>
+                <a:ea typeface="Menlo Regular"/>
+                <a:cs typeface="Menlo Regular"/>
+                <a:sym typeface="Courier New"/>
+              </a:rPr>
+              <a:t>    twentieth_count += </a:t>
+            </a:r>
+            <a:r>
+              <a:rPr lang="en" sz="2200" dirty="0" smtClean="0">
+                <a:solidFill>
+                  <a:srgbClr val="11889C"/>
+                </a:solidFill>
+                <a:latin typeface="Menlo Regular"/>
+                <a:ea typeface="Menlo Regular"/>
+                <a:cs typeface="Menlo Regular"/>
+                <a:sym typeface="Courier New"/>
+              </a:rPr>
+              <a:t>1</a:t>
+            </a:r>
+            <a:endParaRPr lang="en" sz="2200" dirty="0">
+              <a:solidFill>
+                <a:schemeClr val="tx1"/>
+              </a:solidFill>
+              <a:latin typeface="Menlo Regular"/>
+              <a:ea typeface="Menlo Regular"/>
+              <a:cs typeface="Menlo Regular"/>
+              <a:sym typeface="Courier New"/>
+            </a:endParaRPr>
+          </a:p>
+          <a:p>
+            <a:pPr lvl="0" rtl="0">
+              <a:spcBef>
+                <a:spcPts val="0"/>
+              </a:spcBef>
+              <a:buNone/>
+            </a:pPr>
+            <a:endParaRPr sz="1800" b="1" dirty="0">
+              <a:solidFill>
+                <a:srgbClr val="000000"/>
+              </a:solidFill>
+              <a:latin typeface="Menlo Regular"/>
+              <a:ea typeface="Menlo Regular"/>
+              <a:cs typeface="Menlo Regular"/>
+              <a:sym typeface="Courier New"/>
+            </a:endParaRPr>
+          </a:p>
+          <a:p>
+            <a:pPr>
+              <a:spcBef>
+                <a:spcPts val="0"/>
+              </a:spcBef>
+              <a:buNone/>
+            </a:pPr>
+            <a:endParaRPr dirty="0">
+              <a:solidFill>
+                <a:srgbClr val="000000"/>
+              </a:solidFill>
+            </a:endParaRPr>
+          </a:p>
+        </p:txBody>
+      </p:sp>
+    </p:spTree>
+  </p:cSld>
+  <p:clrMapOvr>
+    <a:masterClrMapping/>
+  </p:clrMapOvr>
+  <p:transition xmlns:p14="http://schemas.microsoft.com/office/powerpoint/2010/main" spd="slow">
+    <p:cut/>
+  </p:transition>
+</p:sld>
+</file>
+
+<file path=ppt/slides/slide43.xml><?xml version="1.0" encoding="utf-8"?>
+<p:sld xmlns:a="http://schemas.openxmlformats.org/drawingml/2006/main" xmlns:r="http://schemas.openxmlformats.org/officeDocument/2006/relationships" xmlns:p="http://schemas.openxmlformats.org/presentationml/2006/main">
+  <p:cSld>
+    <p:spTree>
+      <p:nvGrpSpPr>
         <p:cNvPr id="1" name="Shape 260"/>
         <p:cNvGrpSpPr/>
         <p:nvPr/>
@@ -27122,7 +27402,99 @@
 </p:sld>
 </file>
 
-<file path=ppt/slides/slide41.xml><?xml version="1.0" encoding="utf-8"?>
+<file path=ppt/slides/slide44.xml><?xml version="1.0" encoding="utf-8"?>
+<p:sld xmlns:a="http://schemas.openxmlformats.org/drawingml/2006/main" xmlns:r="http://schemas.openxmlformats.org/officeDocument/2006/relationships" xmlns:p="http://schemas.openxmlformats.org/presentationml/2006/main">
+  <p:cSld>
+    <p:spTree>
+      <p:nvGrpSpPr>
+        <p:cNvPr id="1" name=""/>
+        <p:cNvGrpSpPr/>
+        <p:nvPr/>
+      </p:nvGrpSpPr>
+      <p:grpSpPr>
+        <a:xfrm>
+          <a:off x="0" y="0"/>
+          <a:ext cx="0" cy="0"/>
+          <a:chOff x="0" y="0"/>
+          <a:chExt cx="0" cy="0"/>
+        </a:xfrm>
+      </p:grpSpPr>
+      <p:sp>
+        <p:nvSpPr>
+          <p:cNvPr id="2" name="Title 1"/>
+          <p:cNvSpPr>
+            <a:spLocks noGrp="1"/>
+          </p:cNvSpPr>
+          <p:nvPr>
+            <p:ph type="title"/>
+          </p:nvPr>
+        </p:nvSpPr>
+        <p:spPr/>
+        <p:txBody>
+          <a:bodyPr/>
+          <a:lstStyle/>
+          <a:p>
+            <a:endParaRPr lang="en-US"/>
+          </a:p>
+        </p:txBody>
+      </p:sp>
+      <p:sp>
+        <p:nvSpPr>
+          <p:cNvPr id="3" name="Text Placeholder 2"/>
+          <p:cNvSpPr>
+            <a:spLocks noGrp="1"/>
+          </p:cNvSpPr>
+          <p:nvPr>
+            <p:ph type="body" idx="1"/>
+          </p:nvPr>
+        </p:nvSpPr>
+        <p:spPr/>
+        <p:txBody>
+          <a:bodyPr/>
+          <a:lstStyle/>
+          <a:p>
+            <a:endParaRPr lang="en-US" dirty="0"/>
+          </a:p>
+        </p:txBody>
+      </p:sp>
+      <p:pic>
+        <p:nvPicPr>
+          <p:cNvPr id="4" name="Picture 3"/>
+          <p:cNvPicPr>
+            <a:picLocks noChangeAspect="1"/>
+          </p:cNvPicPr>
+          <p:nvPr/>
+        </p:nvPicPr>
+        <p:blipFill>
+          <a:blip r:embed="rId2"/>
+          <a:stretch>
+            <a:fillRect/>
+          </a:stretch>
+        </p:blipFill>
+        <p:spPr>
+          <a:xfrm>
+            <a:off x="2650737" y="87673"/>
+            <a:ext cx="3842526" cy="6682654"/>
+          </a:xfrm>
+          <a:prstGeom prst="rect">
+            <a:avLst/>
+          </a:prstGeom>
+        </p:spPr>
+      </p:pic>
+    </p:spTree>
+    <p:extLst>
+      <p:ext uri="{BB962C8B-B14F-4D97-AF65-F5344CB8AC3E}">
+        <p14:creationId xmlns:p14="http://schemas.microsoft.com/office/powerpoint/2010/main" val="2758202568"/>
+      </p:ext>
+    </p:extLst>
+  </p:cSld>
+  <p:clrMapOvr>
+    <a:masterClrMapping/>
+  </p:clrMapOvr>
+</p:sld>
+</file>
+
+<file path=ppt/slides/slide45.xml><?xml version="1.0" encoding="utf-8"?>
 <p:sld xmlns:a="http://schemas.openxmlformats.org/drawingml/2006/main" xmlns:r="http://schemas.openxmlformats.org/officeDocument/2006/relationships" xmlns:p="http://schemas.openxmlformats.org/presentationml/2006/main">
   <p:cSld>
     <p:spTree>

--- a/2018/python/Python Programming Concepts II.pptx
+++ b/2018/python/Python Programming Concepts II.pptx
@@ -7,7 +7,7 @@
     <p:sldMasterId id="2147483666" r:id="rId3"/>
   </p:sldMasterIdLst>
   <p:notesMasterIdLst>
-    <p:notesMasterId r:id="rId49"/>
+    <p:notesMasterId r:id="rId47"/>
   </p:notesMasterIdLst>
   <p:sldIdLst>
     <p:sldId id="256" r:id="rId4"/>
@@ -18,43 +18,41 @@
     <p:sldId id="293" r:id="rId9"/>
     <p:sldId id="295" r:id="rId10"/>
     <p:sldId id="297" r:id="rId11"/>
-    <p:sldId id="298" r:id="rId12"/>
-    <p:sldId id="299" r:id="rId13"/>
-    <p:sldId id="300" r:id="rId14"/>
-    <p:sldId id="301" r:id="rId15"/>
-    <p:sldId id="302" r:id="rId16"/>
-    <p:sldId id="261" r:id="rId17"/>
-    <p:sldId id="262" r:id="rId18"/>
-    <p:sldId id="263" r:id="rId19"/>
-    <p:sldId id="303" r:id="rId20"/>
-    <p:sldId id="264" r:id="rId21"/>
-    <p:sldId id="265" r:id="rId22"/>
-    <p:sldId id="266" r:id="rId23"/>
-    <p:sldId id="267" r:id="rId24"/>
-    <p:sldId id="268" r:id="rId25"/>
-    <p:sldId id="269" r:id="rId26"/>
-    <p:sldId id="270" r:id="rId27"/>
-    <p:sldId id="271" r:id="rId28"/>
-    <p:sldId id="272" r:id="rId29"/>
-    <p:sldId id="273" r:id="rId30"/>
-    <p:sldId id="274" r:id="rId31"/>
-    <p:sldId id="278" r:id="rId32"/>
-    <p:sldId id="279" r:id="rId33"/>
-    <p:sldId id="282" r:id="rId34"/>
-    <p:sldId id="294" r:id="rId35"/>
-    <p:sldId id="283" r:id="rId36"/>
-    <p:sldId id="284" r:id="rId37"/>
-    <p:sldId id="285" r:id="rId38"/>
-    <p:sldId id="304" r:id="rId39"/>
-    <p:sldId id="286" r:id="rId40"/>
-    <p:sldId id="287" r:id="rId41"/>
-    <p:sldId id="288" r:id="rId42"/>
-    <p:sldId id="305" r:id="rId43"/>
-    <p:sldId id="289" r:id="rId44"/>
-    <p:sldId id="290" r:id="rId45"/>
-    <p:sldId id="291" r:id="rId46"/>
-    <p:sldId id="306" r:id="rId47"/>
-    <p:sldId id="292" r:id="rId48"/>
+    <p:sldId id="307" r:id="rId12"/>
+    <p:sldId id="308" r:id="rId13"/>
+    <p:sldId id="298" r:id="rId14"/>
+    <p:sldId id="299" r:id="rId15"/>
+    <p:sldId id="300" r:id="rId16"/>
+    <p:sldId id="301" r:id="rId17"/>
+    <p:sldId id="302" r:id="rId18"/>
+    <p:sldId id="261" r:id="rId19"/>
+    <p:sldId id="262" r:id="rId20"/>
+    <p:sldId id="263" r:id="rId21"/>
+    <p:sldId id="303" r:id="rId22"/>
+    <p:sldId id="264" r:id="rId23"/>
+    <p:sldId id="265" r:id="rId24"/>
+    <p:sldId id="266" r:id="rId25"/>
+    <p:sldId id="267" r:id="rId26"/>
+    <p:sldId id="268" r:id="rId27"/>
+    <p:sldId id="269" r:id="rId28"/>
+    <p:sldId id="270" r:id="rId29"/>
+    <p:sldId id="271" r:id="rId30"/>
+    <p:sldId id="272" r:id="rId31"/>
+    <p:sldId id="282" r:id="rId32"/>
+    <p:sldId id="294" r:id="rId33"/>
+    <p:sldId id="283" r:id="rId34"/>
+    <p:sldId id="284" r:id="rId35"/>
+    <p:sldId id="285" r:id="rId36"/>
+    <p:sldId id="304" r:id="rId37"/>
+    <p:sldId id="286" r:id="rId38"/>
+    <p:sldId id="287" r:id="rId39"/>
+    <p:sldId id="288" r:id="rId40"/>
+    <p:sldId id="305" r:id="rId41"/>
+    <p:sldId id="289" r:id="rId42"/>
+    <p:sldId id="290" r:id="rId43"/>
+    <p:sldId id="291" r:id="rId44"/>
+    <p:sldId id="306" r:id="rId45"/>
+    <p:sldId id="292" r:id="rId46"/>
   </p:sldIdLst>
   <p:sldSz cx="9144000" cy="6858000" type="screen4x3"/>
   <p:notesSz cx="6858000" cy="9144000"/>
@@ -780,7 +778,7 @@
     </p:spTree>
     <p:extLst>
       <p:ext uri="{BB962C8B-B14F-4D97-AF65-F5344CB8AC3E}">
-        <p14:creationId xmlns:p14="http://schemas.microsoft.com/office/powerpoint/2010/main" val="77334850"/>
+        <p14:creationId xmlns:p14="http://schemas.microsoft.com/office/powerpoint/2010/main" val="1433099041"/>
       </p:ext>
     </p:extLst>
   </p:cSld>
@@ -904,7 +902,7 @@
     </p:spTree>
     <p:extLst>
       <p:ext uri="{BB962C8B-B14F-4D97-AF65-F5344CB8AC3E}">
-        <p14:creationId xmlns:p14="http://schemas.microsoft.com/office/powerpoint/2010/main" val="1717370112"/>
+        <p14:creationId xmlns:p14="http://schemas.microsoft.com/office/powerpoint/2010/main" val="1012341335"/>
       </p:ext>
     </p:extLst>
   </p:cSld>
@@ -1028,7 +1026,7 @@
     </p:spTree>
     <p:extLst>
       <p:ext uri="{BB962C8B-B14F-4D97-AF65-F5344CB8AC3E}">
-        <p14:creationId xmlns:p14="http://schemas.microsoft.com/office/powerpoint/2010/main" val="1171846710"/>
+        <p14:creationId xmlns:p14="http://schemas.microsoft.com/office/powerpoint/2010/main" val="77334850"/>
       </p:ext>
     </p:extLst>
   </p:cSld>
@@ -1152,6 +1150,254 @@
     </p:spTree>
     <p:extLst>
       <p:ext uri="{BB962C8B-B14F-4D97-AF65-F5344CB8AC3E}">
+        <p14:creationId xmlns:p14="http://schemas.microsoft.com/office/powerpoint/2010/main" val="1717370112"/>
+      </p:ext>
+    </p:extLst>
+  </p:cSld>
+  <p:clrMapOvr>
+    <a:masterClrMapping/>
+  </p:clrMapOvr>
+</p:notes>
+</file>
+
+<file path=ppt/notesSlides/notesSlide14.xml><?xml version="1.0" encoding="utf-8"?>
+<p:notes xmlns:a="http://schemas.openxmlformats.org/drawingml/2006/main" xmlns:r="http://schemas.openxmlformats.org/officeDocument/2006/relationships" xmlns:p="http://schemas.openxmlformats.org/presentationml/2006/main" showMasterSp="0" showMasterPhAnim="0">
+  <p:cSld>
+    <p:spTree>
+      <p:nvGrpSpPr>
+        <p:cNvPr id="1" name="Shape 77"/>
+        <p:cNvGrpSpPr/>
+        <p:nvPr/>
+      </p:nvGrpSpPr>
+      <p:grpSpPr>
+        <a:xfrm>
+          <a:off x="0" y="0"/>
+          <a:ext cx="0" cy="0"/>
+          <a:chOff x="0" y="0"/>
+          <a:chExt cx="0" cy="0"/>
+        </a:xfrm>
+      </p:grpSpPr>
+      <p:sp>
+        <p:nvSpPr>
+          <p:cNvPr id="78" name="Shape 78"/>
+          <p:cNvSpPr>
+            <a:spLocks noGrp="1" noRot="1" noChangeAspect="1"/>
+          </p:cNvSpPr>
+          <p:nvPr>
+            <p:ph type="sldImg" idx="2"/>
+          </p:nvPr>
+        </p:nvSpPr>
+        <p:spPr>
+          <a:xfrm>
+            <a:off x="1143000" y="685800"/>
+            <a:ext cx="4572000" cy="3429000"/>
+          </a:xfrm>
+          <a:custGeom>
+            <a:avLst/>
+            <a:gdLst/>
+            <a:ahLst/>
+            <a:cxnLst/>
+            <a:rect l="0" t="0" r="0" b="0"/>
+            <a:pathLst>
+              <a:path w="120000" h="120000" extrusionOk="0">
+                <a:moveTo>
+                  <a:pt x="0" y="0"/>
+                </a:moveTo>
+                <a:lnTo>
+                  <a:pt x="120000" y="0"/>
+                </a:lnTo>
+                <a:lnTo>
+                  <a:pt x="120000" y="120000"/>
+                </a:lnTo>
+                <a:lnTo>
+                  <a:pt x="0" y="120000"/>
+                </a:lnTo>
+                <a:close/>
+              </a:path>
+            </a:pathLst>
+          </a:custGeom>
+          <a:noFill/>
+          <a:ln w="9525" cap="flat">
+            <a:solidFill>
+              <a:srgbClr val="000000"/>
+            </a:solidFill>
+            <a:prstDash val="solid"/>
+            <a:round/>
+            <a:headEnd type="none" w="med" len="med"/>
+            <a:tailEnd type="none" w="med" len="med"/>
+          </a:ln>
+        </p:spPr>
+      </p:sp>
+      <p:sp>
+        <p:nvSpPr>
+          <p:cNvPr id="79" name="Shape 79"/>
+          <p:cNvSpPr txBox="1">
+            <a:spLocks noGrp="1"/>
+          </p:cNvSpPr>
+          <p:nvPr>
+            <p:ph type="body" idx="1"/>
+          </p:nvPr>
+        </p:nvSpPr>
+        <p:spPr>
+          <a:xfrm>
+            <a:off x="685800" y="4343400"/>
+            <a:ext cx="5486399" cy="4114800"/>
+          </a:xfrm>
+          <a:prstGeom prst="rect">
+            <a:avLst/>
+          </a:prstGeom>
+        </p:spPr>
+        <p:txBody>
+          <a:bodyPr lIns="91425" tIns="91425" rIns="91425" bIns="91425" anchor="t" anchorCtr="0">
+            <a:noAutofit/>
+          </a:bodyPr>
+          <a:lstStyle/>
+          <a:p>
+            <a:pPr>
+              <a:spcBef>
+                <a:spcPts val="0"/>
+              </a:spcBef>
+              <a:buNone/>
+            </a:pPr>
+            <a:r>
+              <a:rPr lang="en-US" dirty="0" smtClean="0"/>
+              <a:t>These</a:t>
+            </a:r>
+            <a:r>
+              <a:rPr lang="en-US" baseline="0" dirty="0" smtClean="0"/>
+              <a:t> should all output the same thing.</a:t>
+            </a:r>
+            <a:endParaRPr dirty="0"/>
+          </a:p>
+        </p:txBody>
+      </p:sp>
+    </p:spTree>
+    <p:extLst>
+      <p:ext uri="{BB962C8B-B14F-4D97-AF65-F5344CB8AC3E}">
+        <p14:creationId xmlns:p14="http://schemas.microsoft.com/office/powerpoint/2010/main" val="1171846710"/>
+      </p:ext>
+    </p:extLst>
+  </p:cSld>
+  <p:clrMapOvr>
+    <a:masterClrMapping/>
+  </p:clrMapOvr>
+</p:notes>
+</file>
+
+<file path=ppt/notesSlides/notesSlide15.xml><?xml version="1.0" encoding="utf-8"?>
+<p:notes xmlns:a="http://schemas.openxmlformats.org/drawingml/2006/main" xmlns:r="http://schemas.openxmlformats.org/officeDocument/2006/relationships" xmlns:p="http://schemas.openxmlformats.org/presentationml/2006/main" showMasterSp="0" showMasterPhAnim="0">
+  <p:cSld>
+    <p:spTree>
+      <p:nvGrpSpPr>
+        <p:cNvPr id="1" name="Shape 77"/>
+        <p:cNvGrpSpPr/>
+        <p:nvPr/>
+      </p:nvGrpSpPr>
+      <p:grpSpPr>
+        <a:xfrm>
+          <a:off x="0" y="0"/>
+          <a:ext cx="0" cy="0"/>
+          <a:chOff x="0" y="0"/>
+          <a:chExt cx="0" cy="0"/>
+        </a:xfrm>
+      </p:grpSpPr>
+      <p:sp>
+        <p:nvSpPr>
+          <p:cNvPr id="78" name="Shape 78"/>
+          <p:cNvSpPr>
+            <a:spLocks noGrp="1" noRot="1" noChangeAspect="1"/>
+          </p:cNvSpPr>
+          <p:nvPr>
+            <p:ph type="sldImg" idx="2"/>
+          </p:nvPr>
+        </p:nvSpPr>
+        <p:spPr>
+          <a:xfrm>
+            <a:off x="1143000" y="685800"/>
+            <a:ext cx="4572000" cy="3429000"/>
+          </a:xfrm>
+          <a:custGeom>
+            <a:avLst/>
+            <a:gdLst/>
+            <a:ahLst/>
+            <a:cxnLst/>
+            <a:rect l="0" t="0" r="0" b="0"/>
+            <a:pathLst>
+              <a:path w="120000" h="120000" extrusionOk="0">
+                <a:moveTo>
+                  <a:pt x="0" y="0"/>
+                </a:moveTo>
+                <a:lnTo>
+                  <a:pt x="120000" y="0"/>
+                </a:lnTo>
+                <a:lnTo>
+                  <a:pt x="120000" y="120000"/>
+                </a:lnTo>
+                <a:lnTo>
+                  <a:pt x="0" y="120000"/>
+                </a:lnTo>
+                <a:close/>
+              </a:path>
+            </a:pathLst>
+          </a:custGeom>
+          <a:noFill/>
+          <a:ln w="9525" cap="flat">
+            <a:solidFill>
+              <a:srgbClr val="000000"/>
+            </a:solidFill>
+            <a:prstDash val="solid"/>
+            <a:round/>
+            <a:headEnd type="none" w="med" len="med"/>
+            <a:tailEnd type="none" w="med" len="med"/>
+          </a:ln>
+        </p:spPr>
+      </p:sp>
+      <p:sp>
+        <p:nvSpPr>
+          <p:cNvPr id="79" name="Shape 79"/>
+          <p:cNvSpPr txBox="1">
+            <a:spLocks noGrp="1"/>
+          </p:cNvSpPr>
+          <p:nvPr>
+            <p:ph type="body" idx="1"/>
+          </p:nvPr>
+        </p:nvSpPr>
+        <p:spPr>
+          <a:xfrm>
+            <a:off x="685800" y="4343400"/>
+            <a:ext cx="5486399" cy="4114800"/>
+          </a:xfrm>
+          <a:prstGeom prst="rect">
+            <a:avLst/>
+          </a:prstGeom>
+        </p:spPr>
+        <p:txBody>
+          <a:bodyPr lIns="91425" tIns="91425" rIns="91425" bIns="91425" anchor="t" anchorCtr="0">
+            <a:noAutofit/>
+          </a:bodyPr>
+          <a:lstStyle/>
+          <a:p>
+            <a:pPr>
+              <a:spcBef>
+                <a:spcPts val="0"/>
+              </a:spcBef>
+              <a:buNone/>
+            </a:pPr>
+            <a:r>
+              <a:rPr lang="en-US" dirty="0" smtClean="0"/>
+              <a:t>These</a:t>
+            </a:r>
+            <a:r>
+              <a:rPr lang="en-US" baseline="0" dirty="0" smtClean="0"/>
+              <a:t> should all output the same thing.</a:t>
+            </a:r>
+            <a:endParaRPr dirty="0"/>
+          </a:p>
+        </p:txBody>
+      </p:sp>
+    </p:spTree>
+    <p:extLst>
+      <p:ext uri="{BB962C8B-B14F-4D97-AF65-F5344CB8AC3E}">
         <p14:creationId xmlns:p14="http://schemas.microsoft.com/office/powerpoint/2010/main" val="872893182"/>
       </p:ext>
     </p:extLst>
@@ -1162,7 +1408,7 @@
 </p:notes>
 </file>
 
-<file path=ppt/notesSlides/notesSlide14.xml><?xml version="1.0" encoding="utf-8"?>
+<file path=ppt/notesSlides/notesSlide16.xml><?xml version="1.0" encoding="utf-8"?>
 <p:notes xmlns:a="http://schemas.openxmlformats.org/drawingml/2006/main" xmlns:r="http://schemas.openxmlformats.org/officeDocument/2006/relationships" xmlns:p="http://schemas.openxmlformats.org/presentationml/2006/main" showMasterSp="0" showMasterPhAnim="0">
   <p:cSld>
     <p:spTree>
@@ -1278,7 +1524,7 @@
 </p:notes>
 </file>
 
-<file path=ppt/notesSlides/notesSlide15.xml><?xml version="1.0" encoding="utf-8"?>
+<file path=ppt/notesSlides/notesSlide17.xml><?xml version="1.0" encoding="utf-8"?>
 <p:notes xmlns:a="http://schemas.openxmlformats.org/drawingml/2006/main" xmlns:r="http://schemas.openxmlformats.org/officeDocument/2006/relationships" xmlns:p="http://schemas.openxmlformats.org/presentationml/2006/main" showMasterSp="0" showMasterPhAnim="0">
   <p:cSld>
     <p:spTree>
@@ -1394,7 +1640,7 @@
 </p:notes>
 </file>
 
-<file path=ppt/notesSlides/notesSlide16.xml><?xml version="1.0" encoding="utf-8"?>
+<file path=ppt/notesSlides/notesSlide18.xml><?xml version="1.0" encoding="utf-8"?>
 <p:notes xmlns:a="http://schemas.openxmlformats.org/drawingml/2006/main" xmlns:r="http://schemas.openxmlformats.org/officeDocument/2006/relationships" xmlns:p="http://schemas.openxmlformats.org/presentationml/2006/main" showMasterSp="0" showMasterPhAnim="0">
   <p:cSld>
     <p:spTree>
@@ -1510,7 +1756,7 @@
 </p:notes>
 </file>
 
-<file path=ppt/notesSlides/notesSlide17.xml><?xml version="1.0" encoding="utf-8"?>
+<file path=ppt/notesSlides/notesSlide19.xml><?xml version="1.0" encoding="utf-8"?>
 <p:notes xmlns:a="http://schemas.openxmlformats.org/drawingml/2006/main" xmlns:r="http://schemas.openxmlformats.org/officeDocument/2006/relationships" xmlns:p="http://schemas.openxmlformats.org/presentationml/2006/main" showMasterSp="0" showMasterPhAnim="0">
   <p:cSld>
     <p:spTree>
@@ -1617,238 +1863,6 @@
     <p:extLst>
       <p:ext uri="{BB962C8B-B14F-4D97-AF65-F5344CB8AC3E}">
         <p14:creationId xmlns:p14="http://schemas.microsoft.com/office/powerpoint/2010/main" val="1173545823"/>
-      </p:ext>
-    </p:extLst>
-  </p:cSld>
-  <p:clrMapOvr>
-    <a:masterClrMapping/>
-  </p:clrMapOvr>
-</p:notes>
-</file>
-
-<file path=ppt/notesSlides/notesSlide18.xml><?xml version="1.0" encoding="utf-8"?>
-<p:notes xmlns:a="http://schemas.openxmlformats.org/drawingml/2006/main" xmlns:r="http://schemas.openxmlformats.org/officeDocument/2006/relationships" xmlns:p="http://schemas.openxmlformats.org/presentationml/2006/main" showMasterSp="0" showMasterPhAnim="0">
-  <p:cSld>
-    <p:spTree>
-      <p:nvGrpSpPr>
-        <p:cNvPr id="1" name="Shape 107"/>
-        <p:cNvGrpSpPr/>
-        <p:nvPr/>
-      </p:nvGrpSpPr>
-      <p:grpSpPr>
-        <a:xfrm>
-          <a:off x="0" y="0"/>
-          <a:ext cx="0" cy="0"/>
-          <a:chOff x="0" y="0"/>
-          <a:chExt cx="0" cy="0"/>
-        </a:xfrm>
-      </p:grpSpPr>
-      <p:sp>
-        <p:nvSpPr>
-          <p:cNvPr id="108" name="Shape 108"/>
-          <p:cNvSpPr>
-            <a:spLocks noGrp="1" noRot="1" noChangeAspect="1"/>
-          </p:cNvSpPr>
-          <p:nvPr>
-            <p:ph type="sldImg" idx="2"/>
-          </p:nvPr>
-        </p:nvSpPr>
-        <p:spPr>
-          <a:xfrm>
-            <a:off x="1143000" y="685800"/>
-            <a:ext cx="4572000" cy="3429000"/>
-          </a:xfrm>
-          <a:custGeom>
-            <a:avLst/>
-            <a:gdLst/>
-            <a:ahLst/>
-            <a:cxnLst/>
-            <a:rect l="0" t="0" r="0" b="0"/>
-            <a:pathLst>
-              <a:path w="120000" h="120000" extrusionOk="0">
-                <a:moveTo>
-                  <a:pt x="0" y="0"/>
-                </a:moveTo>
-                <a:lnTo>
-                  <a:pt x="120000" y="0"/>
-                </a:lnTo>
-                <a:lnTo>
-                  <a:pt x="120000" y="120000"/>
-                </a:lnTo>
-                <a:lnTo>
-                  <a:pt x="0" y="120000"/>
-                </a:lnTo>
-                <a:close/>
-              </a:path>
-            </a:pathLst>
-          </a:custGeom>
-          <a:noFill/>
-          <a:ln w="9525" cap="flat">
-            <a:solidFill>
-              <a:srgbClr val="000000"/>
-            </a:solidFill>
-            <a:prstDash val="solid"/>
-            <a:round/>
-            <a:headEnd type="none" w="med" len="med"/>
-            <a:tailEnd type="none" w="med" len="med"/>
-          </a:ln>
-        </p:spPr>
-      </p:sp>
-      <p:sp>
-        <p:nvSpPr>
-          <p:cNvPr id="109" name="Shape 109"/>
-          <p:cNvSpPr txBox="1">
-            <a:spLocks noGrp="1"/>
-          </p:cNvSpPr>
-          <p:nvPr>
-            <p:ph type="body" idx="1"/>
-          </p:nvPr>
-        </p:nvSpPr>
-        <p:spPr>
-          <a:xfrm>
-            <a:off x="685800" y="4343400"/>
-            <a:ext cx="5486399" cy="4114800"/>
-          </a:xfrm>
-          <a:prstGeom prst="rect">
-            <a:avLst/>
-          </a:prstGeom>
-        </p:spPr>
-        <p:txBody>
-          <a:bodyPr lIns="91425" tIns="91425" rIns="91425" bIns="91425" anchor="t" anchorCtr="0">
-            <a:noAutofit/>
-          </a:bodyPr>
-          <a:lstStyle/>
-          <a:p>
-            <a:pPr>
-              <a:spcBef>
-                <a:spcPts val="0"/>
-              </a:spcBef>
-              <a:buNone/>
-            </a:pPr>
-            <a:endParaRPr/>
-          </a:p>
-        </p:txBody>
-      </p:sp>
-    </p:spTree>
-    <p:extLst>
-      <p:ext uri="{BB962C8B-B14F-4D97-AF65-F5344CB8AC3E}">
-        <p14:creationId xmlns:p14="http://schemas.microsoft.com/office/powerpoint/2010/main" val="3895211858"/>
-      </p:ext>
-    </p:extLst>
-  </p:cSld>
-  <p:clrMapOvr>
-    <a:masterClrMapping/>
-  </p:clrMapOvr>
-</p:notes>
-</file>
-
-<file path=ppt/notesSlides/notesSlide19.xml><?xml version="1.0" encoding="utf-8"?>
-<p:notes xmlns:a="http://schemas.openxmlformats.org/drawingml/2006/main" xmlns:r="http://schemas.openxmlformats.org/officeDocument/2006/relationships" xmlns:p="http://schemas.openxmlformats.org/presentationml/2006/main" showMasterSp="0" showMasterPhAnim="0">
-  <p:cSld>
-    <p:spTree>
-      <p:nvGrpSpPr>
-        <p:cNvPr id="1" name="Shape 113"/>
-        <p:cNvGrpSpPr/>
-        <p:nvPr/>
-      </p:nvGrpSpPr>
-      <p:grpSpPr>
-        <a:xfrm>
-          <a:off x="0" y="0"/>
-          <a:ext cx="0" cy="0"/>
-          <a:chOff x="0" y="0"/>
-          <a:chExt cx="0" cy="0"/>
-        </a:xfrm>
-      </p:grpSpPr>
-      <p:sp>
-        <p:nvSpPr>
-          <p:cNvPr id="114" name="Shape 114"/>
-          <p:cNvSpPr>
-            <a:spLocks noGrp="1" noRot="1" noChangeAspect="1"/>
-          </p:cNvSpPr>
-          <p:nvPr>
-            <p:ph type="sldImg" idx="2"/>
-          </p:nvPr>
-        </p:nvSpPr>
-        <p:spPr>
-          <a:xfrm>
-            <a:off x="1143000" y="685800"/>
-            <a:ext cx="4572000" cy="3429000"/>
-          </a:xfrm>
-          <a:custGeom>
-            <a:avLst/>
-            <a:gdLst/>
-            <a:ahLst/>
-            <a:cxnLst/>
-            <a:rect l="0" t="0" r="0" b="0"/>
-            <a:pathLst>
-              <a:path w="120000" h="120000" extrusionOk="0">
-                <a:moveTo>
-                  <a:pt x="0" y="0"/>
-                </a:moveTo>
-                <a:lnTo>
-                  <a:pt x="120000" y="0"/>
-                </a:lnTo>
-                <a:lnTo>
-                  <a:pt x="120000" y="120000"/>
-                </a:lnTo>
-                <a:lnTo>
-                  <a:pt x="0" y="120000"/>
-                </a:lnTo>
-                <a:close/>
-              </a:path>
-            </a:pathLst>
-          </a:custGeom>
-          <a:noFill/>
-          <a:ln w="9525" cap="flat">
-            <a:solidFill>
-              <a:srgbClr val="000000"/>
-            </a:solidFill>
-            <a:prstDash val="solid"/>
-            <a:round/>
-            <a:headEnd type="none" w="med" len="med"/>
-            <a:tailEnd type="none" w="med" len="med"/>
-          </a:ln>
-        </p:spPr>
-      </p:sp>
-      <p:sp>
-        <p:nvSpPr>
-          <p:cNvPr id="115" name="Shape 115"/>
-          <p:cNvSpPr txBox="1">
-            <a:spLocks noGrp="1"/>
-          </p:cNvSpPr>
-          <p:nvPr>
-            <p:ph type="body" idx="1"/>
-          </p:nvPr>
-        </p:nvSpPr>
-        <p:spPr>
-          <a:xfrm>
-            <a:off x="685800" y="4343400"/>
-            <a:ext cx="5486399" cy="4114800"/>
-          </a:xfrm>
-          <a:prstGeom prst="rect">
-            <a:avLst/>
-          </a:prstGeom>
-        </p:spPr>
-        <p:txBody>
-          <a:bodyPr lIns="91425" tIns="91425" rIns="91425" bIns="91425" anchor="t" anchorCtr="0">
-            <a:noAutofit/>
-          </a:bodyPr>
-          <a:lstStyle/>
-          <a:p>
-            <a:pPr>
-              <a:spcBef>
-                <a:spcPts val="0"/>
-              </a:spcBef>
-              <a:buNone/>
-            </a:pPr>
-            <a:endParaRPr/>
-          </a:p>
-        </p:txBody>
-      </p:sp>
-    </p:spTree>
-    <p:extLst>
-      <p:ext uri="{BB962C8B-B14F-4D97-AF65-F5344CB8AC3E}">
-        <p14:creationId xmlns:p14="http://schemas.microsoft.com/office/powerpoint/2010/main" val="802867466"/>
       </p:ext>
     </p:extLst>
   </p:cSld>
@@ -1979,6 +1993,238 @@
   <p:cSld>
     <p:spTree>
       <p:nvGrpSpPr>
+        <p:cNvPr id="1" name="Shape 107"/>
+        <p:cNvGrpSpPr/>
+        <p:nvPr/>
+      </p:nvGrpSpPr>
+      <p:grpSpPr>
+        <a:xfrm>
+          <a:off x="0" y="0"/>
+          <a:ext cx="0" cy="0"/>
+          <a:chOff x="0" y="0"/>
+          <a:chExt cx="0" cy="0"/>
+        </a:xfrm>
+      </p:grpSpPr>
+      <p:sp>
+        <p:nvSpPr>
+          <p:cNvPr id="108" name="Shape 108"/>
+          <p:cNvSpPr>
+            <a:spLocks noGrp="1" noRot="1" noChangeAspect="1"/>
+          </p:cNvSpPr>
+          <p:nvPr>
+            <p:ph type="sldImg" idx="2"/>
+          </p:nvPr>
+        </p:nvSpPr>
+        <p:spPr>
+          <a:xfrm>
+            <a:off x="1143000" y="685800"/>
+            <a:ext cx="4572000" cy="3429000"/>
+          </a:xfrm>
+          <a:custGeom>
+            <a:avLst/>
+            <a:gdLst/>
+            <a:ahLst/>
+            <a:cxnLst/>
+            <a:rect l="0" t="0" r="0" b="0"/>
+            <a:pathLst>
+              <a:path w="120000" h="120000" extrusionOk="0">
+                <a:moveTo>
+                  <a:pt x="0" y="0"/>
+                </a:moveTo>
+                <a:lnTo>
+                  <a:pt x="120000" y="0"/>
+                </a:lnTo>
+                <a:lnTo>
+                  <a:pt x="120000" y="120000"/>
+                </a:lnTo>
+                <a:lnTo>
+                  <a:pt x="0" y="120000"/>
+                </a:lnTo>
+                <a:close/>
+              </a:path>
+            </a:pathLst>
+          </a:custGeom>
+          <a:noFill/>
+          <a:ln w="9525" cap="flat">
+            <a:solidFill>
+              <a:srgbClr val="000000"/>
+            </a:solidFill>
+            <a:prstDash val="solid"/>
+            <a:round/>
+            <a:headEnd type="none" w="med" len="med"/>
+            <a:tailEnd type="none" w="med" len="med"/>
+          </a:ln>
+        </p:spPr>
+      </p:sp>
+      <p:sp>
+        <p:nvSpPr>
+          <p:cNvPr id="109" name="Shape 109"/>
+          <p:cNvSpPr txBox="1">
+            <a:spLocks noGrp="1"/>
+          </p:cNvSpPr>
+          <p:nvPr>
+            <p:ph type="body" idx="1"/>
+          </p:nvPr>
+        </p:nvSpPr>
+        <p:spPr>
+          <a:xfrm>
+            <a:off x="685800" y="4343400"/>
+            <a:ext cx="5486399" cy="4114800"/>
+          </a:xfrm>
+          <a:prstGeom prst="rect">
+            <a:avLst/>
+          </a:prstGeom>
+        </p:spPr>
+        <p:txBody>
+          <a:bodyPr lIns="91425" tIns="91425" rIns="91425" bIns="91425" anchor="t" anchorCtr="0">
+            <a:noAutofit/>
+          </a:bodyPr>
+          <a:lstStyle/>
+          <a:p>
+            <a:pPr>
+              <a:spcBef>
+                <a:spcPts val="0"/>
+              </a:spcBef>
+              <a:buNone/>
+            </a:pPr>
+            <a:endParaRPr/>
+          </a:p>
+        </p:txBody>
+      </p:sp>
+    </p:spTree>
+    <p:extLst>
+      <p:ext uri="{BB962C8B-B14F-4D97-AF65-F5344CB8AC3E}">
+        <p14:creationId xmlns:p14="http://schemas.microsoft.com/office/powerpoint/2010/main" val="3895211858"/>
+      </p:ext>
+    </p:extLst>
+  </p:cSld>
+  <p:clrMapOvr>
+    <a:masterClrMapping/>
+  </p:clrMapOvr>
+</p:notes>
+</file>
+
+<file path=ppt/notesSlides/notesSlide21.xml><?xml version="1.0" encoding="utf-8"?>
+<p:notes xmlns:a="http://schemas.openxmlformats.org/drawingml/2006/main" xmlns:r="http://schemas.openxmlformats.org/officeDocument/2006/relationships" xmlns:p="http://schemas.openxmlformats.org/presentationml/2006/main" showMasterSp="0" showMasterPhAnim="0">
+  <p:cSld>
+    <p:spTree>
+      <p:nvGrpSpPr>
+        <p:cNvPr id="1" name="Shape 113"/>
+        <p:cNvGrpSpPr/>
+        <p:nvPr/>
+      </p:nvGrpSpPr>
+      <p:grpSpPr>
+        <a:xfrm>
+          <a:off x="0" y="0"/>
+          <a:ext cx="0" cy="0"/>
+          <a:chOff x="0" y="0"/>
+          <a:chExt cx="0" cy="0"/>
+        </a:xfrm>
+      </p:grpSpPr>
+      <p:sp>
+        <p:nvSpPr>
+          <p:cNvPr id="114" name="Shape 114"/>
+          <p:cNvSpPr>
+            <a:spLocks noGrp="1" noRot="1" noChangeAspect="1"/>
+          </p:cNvSpPr>
+          <p:nvPr>
+            <p:ph type="sldImg" idx="2"/>
+          </p:nvPr>
+        </p:nvSpPr>
+        <p:spPr>
+          <a:xfrm>
+            <a:off x="1143000" y="685800"/>
+            <a:ext cx="4572000" cy="3429000"/>
+          </a:xfrm>
+          <a:custGeom>
+            <a:avLst/>
+            <a:gdLst/>
+            <a:ahLst/>
+            <a:cxnLst/>
+            <a:rect l="0" t="0" r="0" b="0"/>
+            <a:pathLst>
+              <a:path w="120000" h="120000" extrusionOk="0">
+                <a:moveTo>
+                  <a:pt x="0" y="0"/>
+                </a:moveTo>
+                <a:lnTo>
+                  <a:pt x="120000" y="0"/>
+                </a:lnTo>
+                <a:lnTo>
+                  <a:pt x="120000" y="120000"/>
+                </a:lnTo>
+                <a:lnTo>
+                  <a:pt x="0" y="120000"/>
+                </a:lnTo>
+                <a:close/>
+              </a:path>
+            </a:pathLst>
+          </a:custGeom>
+          <a:noFill/>
+          <a:ln w="9525" cap="flat">
+            <a:solidFill>
+              <a:srgbClr val="000000"/>
+            </a:solidFill>
+            <a:prstDash val="solid"/>
+            <a:round/>
+            <a:headEnd type="none" w="med" len="med"/>
+            <a:tailEnd type="none" w="med" len="med"/>
+          </a:ln>
+        </p:spPr>
+      </p:sp>
+      <p:sp>
+        <p:nvSpPr>
+          <p:cNvPr id="115" name="Shape 115"/>
+          <p:cNvSpPr txBox="1">
+            <a:spLocks noGrp="1"/>
+          </p:cNvSpPr>
+          <p:nvPr>
+            <p:ph type="body" idx="1"/>
+          </p:nvPr>
+        </p:nvSpPr>
+        <p:spPr>
+          <a:xfrm>
+            <a:off x="685800" y="4343400"/>
+            <a:ext cx="5486399" cy="4114800"/>
+          </a:xfrm>
+          <a:prstGeom prst="rect">
+            <a:avLst/>
+          </a:prstGeom>
+        </p:spPr>
+        <p:txBody>
+          <a:bodyPr lIns="91425" tIns="91425" rIns="91425" bIns="91425" anchor="t" anchorCtr="0">
+            <a:noAutofit/>
+          </a:bodyPr>
+          <a:lstStyle/>
+          <a:p>
+            <a:pPr>
+              <a:spcBef>
+                <a:spcPts val="0"/>
+              </a:spcBef>
+              <a:buNone/>
+            </a:pPr>
+            <a:endParaRPr/>
+          </a:p>
+        </p:txBody>
+      </p:sp>
+    </p:spTree>
+    <p:extLst>
+      <p:ext uri="{BB962C8B-B14F-4D97-AF65-F5344CB8AC3E}">
+        <p14:creationId xmlns:p14="http://schemas.microsoft.com/office/powerpoint/2010/main" val="802867466"/>
+      </p:ext>
+    </p:extLst>
+  </p:cSld>
+  <p:clrMapOvr>
+    <a:masterClrMapping/>
+  </p:clrMapOvr>
+</p:notes>
+</file>
+
+<file path=ppt/notesSlides/notesSlide22.xml><?xml version="1.0" encoding="utf-8"?>
+<p:notes xmlns:a="http://schemas.openxmlformats.org/drawingml/2006/main" xmlns:r="http://schemas.openxmlformats.org/officeDocument/2006/relationships" xmlns:p="http://schemas.openxmlformats.org/presentationml/2006/main" showMasterSp="0" showMasterPhAnim="0">
+  <p:cSld>
+    <p:spTree>
+      <p:nvGrpSpPr>
         <p:cNvPr id="1" name="Shape 119"/>
         <p:cNvGrpSpPr/>
         <p:nvPr/>
@@ -2090,7 +2336,7 @@
 </p:notes>
 </file>
 
-<file path=ppt/notesSlides/notesSlide21.xml><?xml version="1.0" encoding="utf-8"?>
+<file path=ppt/notesSlides/notesSlide23.xml><?xml version="1.0" encoding="utf-8"?>
 <p:notes xmlns:a="http://schemas.openxmlformats.org/drawingml/2006/main" xmlns:r="http://schemas.openxmlformats.org/officeDocument/2006/relationships" xmlns:p="http://schemas.openxmlformats.org/presentationml/2006/main" showMasterSp="0" showMasterPhAnim="0">
   <p:cSld>
     <p:spTree>
@@ -2206,7 +2452,7 @@
 </p:notes>
 </file>
 
-<file path=ppt/notesSlides/notesSlide22.xml><?xml version="1.0" encoding="utf-8"?>
+<file path=ppt/notesSlides/notesSlide24.xml><?xml version="1.0" encoding="utf-8"?>
 <p:notes xmlns:a="http://schemas.openxmlformats.org/drawingml/2006/main" xmlns:r="http://schemas.openxmlformats.org/officeDocument/2006/relationships" xmlns:p="http://schemas.openxmlformats.org/presentationml/2006/main" showMasterSp="0" showMasterPhAnim="0">
   <p:cSld>
     <p:spTree>
@@ -2322,7 +2568,7 @@
 </p:notes>
 </file>
 
-<file path=ppt/notesSlides/notesSlide23.xml><?xml version="1.0" encoding="utf-8"?>
+<file path=ppt/notesSlides/notesSlide25.xml><?xml version="1.0" encoding="utf-8"?>
 <p:notes xmlns:a="http://schemas.openxmlformats.org/drawingml/2006/main" xmlns:r="http://schemas.openxmlformats.org/officeDocument/2006/relationships" xmlns:p="http://schemas.openxmlformats.org/presentationml/2006/main" showMasterSp="0" showMasterPhAnim="0">
   <p:cSld>
     <p:spTree>
@@ -2438,7 +2684,7 @@
 </p:notes>
 </file>
 
-<file path=ppt/notesSlides/notesSlide24.xml><?xml version="1.0" encoding="utf-8"?>
+<file path=ppt/notesSlides/notesSlide26.xml><?xml version="1.0" encoding="utf-8"?>
 <p:notes xmlns:a="http://schemas.openxmlformats.org/drawingml/2006/main" xmlns:r="http://schemas.openxmlformats.org/officeDocument/2006/relationships" xmlns:p="http://schemas.openxmlformats.org/presentationml/2006/main" showMasterSp="0" showMasterPhAnim="0">
   <p:cSld>
     <p:spTree>
@@ -2554,7 +2800,7 @@
 </p:notes>
 </file>
 
-<file path=ppt/notesSlides/notesSlide25.xml><?xml version="1.0" encoding="utf-8"?>
+<file path=ppt/notesSlides/notesSlide27.xml><?xml version="1.0" encoding="utf-8"?>
 <p:notes xmlns:a="http://schemas.openxmlformats.org/drawingml/2006/main" xmlns:r="http://schemas.openxmlformats.org/officeDocument/2006/relationships" xmlns:p="http://schemas.openxmlformats.org/presentationml/2006/main" showMasterSp="0" showMasterPhAnim="0">
   <p:cSld>
     <p:spTree>
@@ -2670,12 +2916,12 @@
 </p:notes>
 </file>
 
-<file path=ppt/notesSlides/notesSlide26.xml><?xml version="1.0" encoding="utf-8"?>
+<file path=ppt/notesSlides/notesSlide28.xml><?xml version="1.0" encoding="utf-8"?>
 <p:notes xmlns:a="http://schemas.openxmlformats.org/drawingml/2006/main" xmlns:r="http://schemas.openxmlformats.org/officeDocument/2006/relationships" xmlns:p="http://schemas.openxmlformats.org/presentationml/2006/main" showMasterSp="0" showMasterPhAnim="0">
   <p:cSld>
     <p:spTree>
       <p:nvGrpSpPr>
-        <p:cNvPr id="1" name="Shape 155"/>
+        <p:cNvPr id="1" name="Shape 209"/>
         <p:cNvGrpSpPr/>
         <p:nvPr/>
       </p:nvGrpSpPr>
@@ -2689,7 +2935,7 @@
       </p:grpSpPr>
       <p:sp>
         <p:nvSpPr>
-          <p:cNvPr id="156" name="Shape 156"/>
+          <p:cNvPr id="210" name="Shape 210"/>
           <p:cNvSpPr>
             <a:spLocks noGrp="1" noRot="1" noChangeAspect="1"/>
           </p:cNvSpPr>
@@ -2740,7 +2986,7 @@
       </p:sp>
       <p:sp>
         <p:nvSpPr>
-          <p:cNvPr id="157" name="Shape 157"/>
+          <p:cNvPr id="211" name="Shape 211"/>
           <p:cNvSpPr txBox="1">
             <a:spLocks noGrp="1"/>
           </p:cNvSpPr>
@@ -2776,7 +3022,7 @@
     </p:spTree>
     <p:extLst>
       <p:ext uri="{BB962C8B-B14F-4D97-AF65-F5344CB8AC3E}">
-        <p14:creationId xmlns:p14="http://schemas.microsoft.com/office/powerpoint/2010/main" val="549009411"/>
+        <p14:creationId xmlns:p14="http://schemas.microsoft.com/office/powerpoint/2010/main" val="3293991544"/>
       </p:ext>
     </p:extLst>
   </p:cSld>
@@ -2786,12 +3032,12 @@
 </p:notes>
 </file>
 
-<file path=ppt/notesSlides/notesSlide27.xml><?xml version="1.0" encoding="utf-8"?>
+<file path=ppt/notesSlides/notesSlide29.xml><?xml version="1.0" encoding="utf-8"?>
 <p:notes xmlns:a="http://schemas.openxmlformats.org/drawingml/2006/main" xmlns:r="http://schemas.openxmlformats.org/officeDocument/2006/relationships" xmlns:p="http://schemas.openxmlformats.org/presentationml/2006/main" showMasterSp="0" showMasterPhAnim="0">
   <p:cSld>
     <p:spTree>
       <p:nvGrpSpPr>
-        <p:cNvPr id="1" name="Shape 161"/>
+        <p:cNvPr id="1" name="Shape 209"/>
         <p:cNvGrpSpPr/>
         <p:nvPr/>
       </p:nvGrpSpPr>
@@ -2805,7 +3051,7 @@
       </p:grpSpPr>
       <p:sp>
         <p:nvSpPr>
-          <p:cNvPr id="162" name="Shape 162"/>
+          <p:cNvPr id="210" name="Shape 210"/>
           <p:cNvSpPr>
             <a:spLocks noGrp="1" noRot="1" noChangeAspect="1"/>
           </p:cNvSpPr>
@@ -2856,7 +3102,7 @@
       </p:sp>
       <p:sp>
         <p:nvSpPr>
-          <p:cNvPr id="163" name="Shape 163"/>
+          <p:cNvPr id="211" name="Shape 211"/>
           <p:cNvSpPr txBox="1">
             <a:spLocks noGrp="1"/>
           </p:cNvSpPr>
@@ -2892,239 +3138,7 @@
     </p:spTree>
     <p:extLst>
       <p:ext uri="{BB962C8B-B14F-4D97-AF65-F5344CB8AC3E}">
-        <p14:creationId xmlns:p14="http://schemas.microsoft.com/office/powerpoint/2010/main" val="2764106087"/>
-      </p:ext>
-    </p:extLst>
-  </p:cSld>
-  <p:clrMapOvr>
-    <a:masterClrMapping/>
-  </p:clrMapOvr>
-</p:notes>
-</file>
-
-<file path=ppt/notesSlides/notesSlide28.xml><?xml version="1.0" encoding="utf-8"?>
-<p:notes xmlns:a="http://schemas.openxmlformats.org/drawingml/2006/main" xmlns:r="http://schemas.openxmlformats.org/officeDocument/2006/relationships" xmlns:p="http://schemas.openxmlformats.org/presentationml/2006/main" showMasterSp="0" showMasterPhAnim="0">
-  <p:cSld>
-    <p:spTree>
-      <p:nvGrpSpPr>
-        <p:cNvPr id="1" name="Shape 185"/>
-        <p:cNvGrpSpPr/>
-        <p:nvPr/>
-      </p:nvGrpSpPr>
-      <p:grpSpPr>
-        <a:xfrm>
-          <a:off x="0" y="0"/>
-          <a:ext cx="0" cy="0"/>
-          <a:chOff x="0" y="0"/>
-          <a:chExt cx="0" cy="0"/>
-        </a:xfrm>
-      </p:grpSpPr>
-      <p:sp>
-        <p:nvSpPr>
-          <p:cNvPr id="186" name="Shape 186"/>
-          <p:cNvSpPr>
-            <a:spLocks noGrp="1" noRot="1" noChangeAspect="1"/>
-          </p:cNvSpPr>
-          <p:nvPr>
-            <p:ph type="sldImg" idx="2"/>
-          </p:nvPr>
-        </p:nvSpPr>
-        <p:spPr>
-          <a:xfrm>
-            <a:off x="1143000" y="685800"/>
-            <a:ext cx="4572000" cy="3429000"/>
-          </a:xfrm>
-          <a:custGeom>
-            <a:avLst/>
-            <a:gdLst/>
-            <a:ahLst/>
-            <a:cxnLst/>
-            <a:rect l="0" t="0" r="0" b="0"/>
-            <a:pathLst>
-              <a:path w="120000" h="120000" extrusionOk="0">
-                <a:moveTo>
-                  <a:pt x="0" y="0"/>
-                </a:moveTo>
-                <a:lnTo>
-                  <a:pt x="120000" y="0"/>
-                </a:lnTo>
-                <a:lnTo>
-                  <a:pt x="120000" y="120000"/>
-                </a:lnTo>
-                <a:lnTo>
-                  <a:pt x="0" y="120000"/>
-                </a:lnTo>
-                <a:close/>
-              </a:path>
-            </a:pathLst>
-          </a:custGeom>
-          <a:noFill/>
-          <a:ln w="9525" cap="flat">
-            <a:solidFill>
-              <a:srgbClr val="000000"/>
-            </a:solidFill>
-            <a:prstDash val="solid"/>
-            <a:round/>
-            <a:headEnd type="none" w="med" len="med"/>
-            <a:tailEnd type="none" w="med" len="med"/>
-          </a:ln>
-        </p:spPr>
-      </p:sp>
-      <p:sp>
-        <p:nvSpPr>
-          <p:cNvPr id="187" name="Shape 187"/>
-          <p:cNvSpPr txBox="1">
-            <a:spLocks noGrp="1"/>
-          </p:cNvSpPr>
-          <p:nvPr>
-            <p:ph type="body" idx="1"/>
-          </p:nvPr>
-        </p:nvSpPr>
-        <p:spPr>
-          <a:xfrm>
-            <a:off x="685800" y="4343400"/>
-            <a:ext cx="5486399" cy="4114800"/>
-          </a:xfrm>
-          <a:prstGeom prst="rect">
-            <a:avLst/>
-          </a:prstGeom>
-        </p:spPr>
-        <p:txBody>
-          <a:bodyPr lIns="91425" tIns="91425" rIns="91425" bIns="91425" anchor="t" anchorCtr="0">
-            <a:noAutofit/>
-          </a:bodyPr>
-          <a:lstStyle/>
-          <a:p>
-            <a:pPr>
-              <a:spcBef>
-                <a:spcPts val="0"/>
-              </a:spcBef>
-              <a:buNone/>
-            </a:pPr>
-            <a:endParaRPr/>
-          </a:p>
-        </p:txBody>
-      </p:sp>
-    </p:spTree>
-    <p:extLst>
-      <p:ext uri="{BB962C8B-B14F-4D97-AF65-F5344CB8AC3E}">
-        <p14:creationId xmlns:p14="http://schemas.microsoft.com/office/powerpoint/2010/main" val="493387478"/>
-      </p:ext>
-    </p:extLst>
-  </p:cSld>
-  <p:clrMapOvr>
-    <a:masterClrMapping/>
-  </p:clrMapOvr>
-</p:notes>
-</file>
-
-<file path=ppt/notesSlides/notesSlide29.xml><?xml version="1.0" encoding="utf-8"?>
-<p:notes xmlns:a="http://schemas.openxmlformats.org/drawingml/2006/main" xmlns:r="http://schemas.openxmlformats.org/officeDocument/2006/relationships" xmlns:p="http://schemas.openxmlformats.org/presentationml/2006/main" showMasterSp="0" showMasterPhAnim="0">
-  <p:cSld>
-    <p:spTree>
-      <p:nvGrpSpPr>
-        <p:cNvPr id="1" name="Shape 191"/>
-        <p:cNvGrpSpPr/>
-        <p:nvPr/>
-      </p:nvGrpSpPr>
-      <p:grpSpPr>
-        <a:xfrm>
-          <a:off x="0" y="0"/>
-          <a:ext cx="0" cy="0"/>
-          <a:chOff x="0" y="0"/>
-          <a:chExt cx="0" cy="0"/>
-        </a:xfrm>
-      </p:grpSpPr>
-      <p:sp>
-        <p:nvSpPr>
-          <p:cNvPr id="192" name="Shape 192"/>
-          <p:cNvSpPr>
-            <a:spLocks noGrp="1" noRot="1" noChangeAspect="1"/>
-          </p:cNvSpPr>
-          <p:nvPr>
-            <p:ph type="sldImg" idx="2"/>
-          </p:nvPr>
-        </p:nvSpPr>
-        <p:spPr>
-          <a:xfrm>
-            <a:off x="1143000" y="685800"/>
-            <a:ext cx="4572000" cy="3429000"/>
-          </a:xfrm>
-          <a:custGeom>
-            <a:avLst/>
-            <a:gdLst/>
-            <a:ahLst/>
-            <a:cxnLst/>
-            <a:rect l="0" t="0" r="0" b="0"/>
-            <a:pathLst>
-              <a:path w="120000" h="120000" extrusionOk="0">
-                <a:moveTo>
-                  <a:pt x="0" y="0"/>
-                </a:moveTo>
-                <a:lnTo>
-                  <a:pt x="120000" y="0"/>
-                </a:lnTo>
-                <a:lnTo>
-                  <a:pt x="120000" y="120000"/>
-                </a:lnTo>
-                <a:lnTo>
-                  <a:pt x="0" y="120000"/>
-                </a:lnTo>
-                <a:close/>
-              </a:path>
-            </a:pathLst>
-          </a:custGeom>
-          <a:noFill/>
-          <a:ln w="9525" cap="flat">
-            <a:solidFill>
-              <a:srgbClr val="000000"/>
-            </a:solidFill>
-            <a:prstDash val="solid"/>
-            <a:round/>
-            <a:headEnd type="none" w="med" len="med"/>
-            <a:tailEnd type="none" w="med" len="med"/>
-          </a:ln>
-        </p:spPr>
-      </p:sp>
-      <p:sp>
-        <p:nvSpPr>
-          <p:cNvPr id="193" name="Shape 193"/>
-          <p:cNvSpPr txBox="1">
-            <a:spLocks noGrp="1"/>
-          </p:cNvSpPr>
-          <p:nvPr>
-            <p:ph type="body" idx="1"/>
-          </p:nvPr>
-        </p:nvSpPr>
-        <p:spPr>
-          <a:xfrm>
-            <a:off x="685800" y="4343400"/>
-            <a:ext cx="5486399" cy="4114800"/>
-          </a:xfrm>
-          <a:prstGeom prst="rect">
-            <a:avLst/>
-          </a:prstGeom>
-        </p:spPr>
-        <p:txBody>
-          <a:bodyPr lIns="91425" tIns="91425" rIns="91425" bIns="91425" anchor="t" anchorCtr="0">
-            <a:noAutofit/>
-          </a:bodyPr>
-          <a:lstStyle/>
-          <a:p>
-            <a:pPr>
-              <a:spcBef>
-                <a:spcPts val="0"/>
-              </a:spcBef>
-              <a:buNone/>
-            </a:pPr>
-            <a:endParaRPr/>
-          </a:p>
-        </p:txBody>
-      </p:sp>
-    </p:spTree>
-    <p:extLst>
-      <p:ext uri="{BB962C8B-B14F-4D97-AF65-F5344CB8AC3E}">
-        <p14:creationId xmlns:p14="http://schemas.microsoft.com/office/powerpoint/2010/main" val="1703961445"/>
+        <p14:creationId xmlns:p14="http://schemas.microsoft.com/office/powerpoint/2010/main" val="1974267523"/>
       </p:ext>
     </p:extLst>
   </p:cSld>
@@ -3255,238 +3269,6 @@
   <p:cSld>
     <p:spTree>
       <p:nvGrpSpPr>
-        <p:cNvPr id="1" name="Shape 209"/>
-        <p:cNvGrpSpPr/>
-        <p:nvPr/>
-      </p:nvGrpSpPr>
-      <p:grpSpPr>
-        <a:xfrm>
-          <a:off x="0" y="0"/>
-          <a:ext cx="0" cy="0"/>
-          <a:chOff x="0" y="0"/>
-          <a:chExt cx="0" cy="0"/>
-        </a:xfrm>
-      </p:grpSpPr>
-      <p:sp>
-        <p:nvSpPr>
-          <p:cNvPr id="210" name="Shape 210"/>
-          <p:cNvSpPr>
-            <a:spLocks noGrp="1" noRot="1" noChangeAspect="1"/>
-          </p:cNvSpPr>
-          <p:nvPr>
-            <p:ph type="sldImg" idx="2"/>
-          </p:nvPr>
-        </p:nvSpPr>
-        <p:spPr>
-          <a:xfrm>
-            <a:off x="1143000" y="685800"/>
-            <a:ext cx="4572000" cy="3429000"/>
-          </a:xfrm>
-          <a:custGeom>
-            <a:avLst/>
-            <a:gdLst/>
-            <a:ahLst/>
-            <a:cxnLst/>
-            <a:rect l="0" t="0" r="0" b="0"/>
-            <a:pathLst>
-              <a:path w="120000" h="120000" extrusionOk="0">
-                <a:moveTo>
-                  <a:pt x="0" y="0"/>
-                </a:moveTo>
-                <a:lnTo>
-                  <a:pt x="120000" y="0"/>
-                </a:lnTo>
-                <a:lnTo>
-                  <a:pt x="120000" y="120000"/>
-                </a:lnTo>
-                <a:lnTo>
-                  <a:pt x="0" y="120000"/>
-                </a:lnTo>
-                <a:close/>
-              </a:path>
-            </a:pathLst>
-          </a:custGeom>
-          <a:noFill/>
-          <a:ln w="9525" cap="flat">
-            <a:solidFill>
-              <a:srgbClr val="000000"/>
-            </a:solidFill>
-            <a:prstDash val="solid"/>
-            <a:round/>
-            <a:headEnd type="none" w="med" len="med"/>
-            <a:tailEnd type="none" w="med" len="med"/>
-          </a:ln>
-        </p:spPr>
-      </p:sp>
-      <p:sp>
-        <p:nvSpPr>
-          <p:cNvPr id="211" name="Shape 211"/>
-          <p:cNvSpPr txBox="1">
-            <a:spLocks noGrp="1"/>
-          </p:cNvSpPr>
-          <p:nvPr>
-            <p:ph type="body" idx="1"/>
-          </p:nvPr>
-        </p:nvSpPr>
-        <p:spPr>
-          <a:xfrm>
-            <a:off x="685800" y="4343400"/>
-            <a:ext cx="5486399" cy="4114800"/>
-          </a:xfrm>
-          <a:prstGeom prst="rect">
-            <a:avLst/>
-          </a:prstGeom>
-        </p:spPr>
-        <p:txBody>
-          <a:bodyPr lIns="91425" tIns="91425" rIns="91425" bIns="91425" anchor="t" anchorCtr="0">
-            <a:noAutofit/>
-          </a:bodyPr>
-          <a:lstStyle/>
-          <a:p>
-            <a:pPr>
-              <a:spcBef>
-                <a:spcPts val="0"/>
-              </a:spcBef>
-              <a:buNone/>
-            </a:pPr>
-            <a:endParaRPr/>
-          </a:p>
-        </p:txBody>
-      </p:sp>
-    </p:spTree>
-    <p:extLst>
-      <p:ext uri="{BB962C8B-B14F-4D97-AF65-F5344CB8AC3E}">
-        <p14:creationId xmlns:p14="http://schemas.microsoft.com/office/powerpoint/2010/main" val="3293991544"/>
-      </p:ext>
-    </p:extLst>
-  </p:cSld>
-  <p:clrMapOvr>
-    <a:masterClrMapping/>
-  </p:clrMapOvr>
-</p:notes>
-</file>
-
-<file path=ppt/notesSlides/notesSlide31.xml><?xml version="1.0" encoding="utf-8"?>
-<p:notes xmlns:a="http://schemas.openxmlformats.org/drawingml/2006/main" xmlns:r="http://schemas.openxmlformats.org/officeDocument/2006/relationships" xmlns:p="http://schemas.openxmlformats.org/presentationml/2006/main" showMasterSp="0" showMasterPhAnim="0">
-  <p:cSld>
-    <p:spTree>
-      <p:nvGrpSpPr>
-        <p:cNvPr id="1" name="Shape 209"/>
-        <p:cNvGrpSpPr/>
-        <p:nvPr/>
-      </p:nvGrpSpPr>
-      <p:grpSpPr>
-        <a:xfrm>
-          <a:off x="0" y="0"/>
-          <a:ext cx="0" cy="0"/>
-          <a:chOff x="0" y="0"/>
-          <a:chExt cx="0" cy="0"/>
-        </a:xfrm>
-      </p:grpSpPr>
-      <p:sp>
-        <p:nvSpPr>
-          <p:cNvPr id="210" name="Shape 210"/>
-          <p:cNvSpPr>
-            <a:spLocks noGrp="1" noRot="1" noChangeAspect="1"/>
-          </p:cNvSpPr>
-          <p:nvPr>
-            <p:ph type="sldImg" idx="2"/>
-          </p:nvPr>
-        </p:nvSpPr>
-        <p:spPr>
-          <a:xfrm>
-            <a:off x="1143000" y="685800"/>
-            <a:ext cx="4572000" cy="3429000"/>
-          </a:xfrm>
-          <a:custGeom>
-            <a:avLst/>
-            <a:gdLst/>
-            <a:ahLst/>
-            <a:cxnLst/>
-            <a:rect l="0" t="0" r="0" b="0"/>
-            <a:pathLst>
-              <a:path w="120000" h="120000" extrusionOk="0">
-                <a:moveTo>
-                  <a:pt x="0" y="0"/>
-                </a:moveTo>
-                <a:lnTo>
-                  <a:pt x="120000" y="0"/>
-                </a:lnTo>
-                <a:lnTo>
-                  <a:pt x="120000" y="120000"/>
-                </a:lnTo>
-                <a:lnTo>
-                  <a:pt x="0" y="120000"/>
-                </a:lnTo>
-                <a:close/>
-              </a:path>
-            </a:pathLst>
-          </a:custGeom>
-          <a:noFill/>
-          <a:ln w="9525" cap="flat">
-            <a:solidFill>
-              <a:srgbClr val="000000"/>
-            </a:solidFill>
-            <a:prstDash val="solid"/>
-            <a:round/>
-            <a:headEnd type="none" w="med" len="med"/>
-            <a:tailEnd type="none" w="med" len="med"/>
-          </a:ln>
-        </p:spPr>
-      </p:sp>
-      <p:sp>
-        <p:nvSpPr>
-          <p:cNvPr id="211" name="Shape 211"/>
-          <p:cNvSpPr txBox="1">
-            <a:spLocks noGrp="1"/>
-          </p:cNvSpPr>
-          <p:nvPr>
-            <p:ph type="body" idx="1"/>
-          </p:nvPr>
-        </p:nvSpPr>
-        <p:spPr>
-          <a:xfrm>
-            <a:off x="685800" y="4343400"/>
-            <a:ext cx="5486399" cy="4114800"/>
-          </a:xfrm>
-          <a:prstGeom prst="rect">
-            <a:avLst/>
-          </a:prstGeom>
-        </p:spPr>
-        <p:txBody>
-          <a:bodyPr lIns="91425" tIns="91425" rIns="91425" bIns="91425" anchor="t" anchorCtr="0">
-            <a:noAutofit/>
-          </a:bodyPr>
-          <a:lstStyle/>
-          <a:p>
-            <a:pPr>
-              <a:spcBef>
-                <a:spcPts val="0"/>
-              </a:spcBef>
-              <a:buNone/>
-            </a:pPr>
-            <a:endParaRPr/>
-          </a:p>
-        </p:txBody>
-      </p:sp>
-    </p:spTree>
-    <p:extLst>
-      <p:ext uri="{BB962C8B-B14F-4D97-AF65-F5344CB8AC3E}">
-        <p14:creationId xmlns:p14="http://schemas.microsoft.com/office/powerpoint/2010/main" val="1974267523"/>
-      </p:ext>
-    </p:extLst>
-  </p:cSld>
-  <p:clrMapOvr>
-    <a:masterClrMapping/>
-  </p:clrMapOvr>
-</p:notes>
-</file>
-
-<file path=ppt/notesSlides/notesSlide32.xml><?xml version="1.0" encoding="utf-8"?>
-<p:notes xmlns:a="http://schemas.openxmlformats.org/drawingml/2006/main" xmlns:r="http://schemas.openxmlformats.org/officeDocument/2006/relationships" xmlns:p="http://schemas.openxmlformats.org/presentationml/2006/main" showMasterSp="0" showMasterPhAnim="0">
-  <p:cSld>
-    <p:spTree>
-      <p:nvGrpSpPr>
         <p:cNvPr id="1" name="Shape 215"/>
         <p:cNvGrpSpPr/>
         <p:nvPr/>
@@ -3598,7 +3380,7 @@
 </p:notes>
 </file>
 
-<file path=ppt/notesSlides/notesSlide33.xml><?xml version="1.0" encoding="utf-8"?>
+<file path=ppt/notesSlides/notesSlide31.xml><?xml version="1.0" encoding="utf-8"?>
 <p:notes xmlns:a="http://schemas.openxmlformats.org/drawingml/2006/main" xmlns:r="http://schemas.openxmlformats.org/officeDocument/2006/relationships" xmlns:p="http://schemas.openxmlformats.org/presentationml/2006/main" showMasterSp="0" showMasterPhAnim="0">
   <p:cSld>
     <p:spTree>
@@ -3714,7 +3496,7 @@
 </p:notes>
 </file>
 
-<file path=ppt/notesSlides/notesSlide34.xml><?xml version="1.0" encoding="utf-8"?>
+<file path=ppt/notesSlides/notesSlide32.xml><?xml version="1.0" encoding="utf-8"?>
 <p:notes xmlns:a="http://schemas.openxmlformats.org/drawingml/2006/main" xmlns:r="http://schemas.openxmlformats.org/officeDocument/2006/relationships" xmlns:p="http://schemas.openxmlformats.org/presentationml/2006/main" showMasterSp="0" showMasterPhAnim="0">
   <p:cSld>
     <p:spTree>
@@ -3830,7 +3612,7 @@
 </p:notes>
 </file>
 
-<file path=ppt/notesSlides/notesSlide35.xml><?xml version="1.0" encoding="utf-8"?>
+<file path=ppt/notesSlides/notesSlide33.xml><?xml version="1.0" encoding="utf-8"?>
 <p:notes xmlns:a="http://schemas.openxmlformats.org/drawingml/2006/main" xmlns:r="http://schemas.openxmlformats.org/officeDocument/2006/relationships" xmlns:p="http://schemas.openxmlformats.org/presentationml/2006/main" showMasterSp="0" showMasterPhAnim="0">
   <p:cSld>
     <p:spTree>
@@ -3946,7 +3728,7 @@
 </p:notes>
 </file>
 
-<file path=ppt/notesSlides/notesSlide36.xml><?xml version="1.0" encoding="utf-8"?>
+<file path=ppt/notesSlides/notesSlide34.xml><?xml version="1.0" encoding="utf-8"?>
 <p:notes xmlns:a="http://schemas.openxmlformats.org/drawingml/2006/main" xmlns:r="http://schemas.openxmlformats.org/officeDocument/2006/relationships" xmlns:p="http://schemas.openxmlformats.org/presentationml/2006/main" showMasterSp="0" showMasterPhAnim="0">
   <p:cSld>
     <p:spTree>
@@ -4062,7 +3844,7 @@
 </p:notes>
 </file>
 
-<file path=ppt/notesSlides/notesSlide37.xml><?xml version="1.0" encoding="utf-8"?>
+<file path=ppt/notesSlides/notesSlide35.xml><?xml version="1.0" encoding="utf-8"?>
 <p:notes xmlns:a="http://schemas.openxmlformats.org/drawingml/2006/main" xmlns:r="http://schemas.openxmlformats.org/officeDocument/2006/relationships" xmlns:p="http://schemas.openxmlformats.org/presentationml/2006/main" showMasterSp="0" showMasterPhAnim="0">
   <p:cSld>
     <p:spTree>
@@ -4178,7 +3960,7 @@
 </p:notes>
 </file>
 
-<file path=ppt/notesSlides/notesSlide38.xml><?xml version="1.0" encoding="utf-8"?>
+<file path=ppt/notesSlides/notesSlide36.xml><?xml version="1.0" encoding="utf-8"?>
 <p:notes xmlns:a="http://schemas.openxmlformats.org/drawingml/2006/main" xmlns:r="http://schemas.openxmlformats.org/officeDocument/2006/relationships" xmlns:p="http://schemas.openxmlformats.org/presentationml/2006/main" showMasterSp="0" showMasterPhAnim="0">
   <p:cSld>
     <p:spTree>
@@ -4294,7 +4076,7 @@
 </p:notes>
 </file>
 
-<file path=ppt/notesSlides/notesSlide39.xml><?xml version="1.0" encoding="utf-8"?>
+<file path=ppt/notesSlides/notesSlide37.xml><?xml version="1.0" encoding="utf-8"?>
 <p:notes xmlns:a="http://schemas.openxmlformats.org/drawingml/2006/main" xmlns:r="http://schemas.openxmlformats.org/officeDocument/2006/relationships" xmlns:p="http://schemas.openxmlformats.org/presentationml/2006/main" showMasterSp="0" showMasterPhAnim="0">
   <p:cSld>
     <p:spTree>
@@ -4401,6 +4183,238 @@
     <p:extLst>
       <p:ext uri="{BB962C8B-B14F-4D97-AF65-F5344CB8AC3E}">
         <p14:creationId xmlns:p14="http://schemas.microsoft.com/office/powerpoint/2010/main" val="723385235"/>
+      </p:ext>
+    </p:extLst>
+  </p:cSld>
+  <p:clrMapOvr>
+    <a:masterClrMapping/>
+  </p:clrMapOvr>
+</p:notes>
+</file>
+
+<file path=ppt/notesSlides/notesSlide38.xml><?xml version="1.0" encoding="utf-8"?>
+<p:notes xmlns:a="http://schemas.openxmlformats.org/drawingml/2006/main" xmlns:r="http://schemas.openxmlformats.org/officeDocument/2006/relationships" xmlns:p="http://schemas.openxmlformats.org/presentationml/2006/main" showMasterSp="0" showMasterPhAnim="0">
+  <p:cSld>
+    <p:spTree>
+      <p:nvGrpSpPr>
+        <p:cNvPr id="1" name="Shape 263"/>
+        <p:cNvGrpSpPr/>
+        <p:nvPr/>
+      </p:nvGrpSpPr>
+      <p:grpSpPr>
+        <a:xfrm>
+          <a:off x="0" y="0"/>
+          <a:ext cx="0" cy="0"/>
+          <a:chOff x="0" y="0"/>
+          <a:chExt cx="0" cy="0"/>
+        </a:xfrm>
+      </p:grpSpPr>
+      <p:sp>
+        <p:nvSpPr>
+          <p:cNvPr id="264" name="Shape 264"/>
+          <p:cNvSpPr>
+            <a:spLocks noGrp="1" noRot="1" noChangeAspect="1"/>
+          </p:cNvSpPr>
+          <p:nvPr>
+            <p:ph type="sldImg" idx="2"/>
+          </p:nvPr>
+        </p:nvSpPr>
+        <p:spPr>
+          <a:xfrm>
+            <a:off x="1143000" y="685800"/>
+            <a:ext cx="4572000" cy="3429000"/>
+          </a:xfrm>
+          <a:custGeom>
+            <a:avLst/>
+            <a:gdLst/>
+            <a:ahLst/>
+            <a:cxnLst/>
+            <a:rect l="0" t="0" r="0" b="0"/>
+            <a:pathLst>
+              <a:path w="120000" h="120000" extrusionOk="0">
+                <a:moveTo>
+                  <a:pt x="0" y="0"/>
+                </a:moveTo>
+                <a:lnTo>
+                  <a:pt x="120000" y="0"/>
+                </a:lnTo>
+                <a:lnTo>
+                  <a:pt x="120000" y="120000"/>
+                </a:lnTo>
+                <a:lnTo>
+                  <a:pt x="0" y="120000"/>
+                </a:lnTo>
+                <a:close/>
+              </a:path>
+            </a:pathLst>
+          </a:custGeom>
+          <a:noFill/>
+          <a:ln w="9525" cap="flat">
+            <a:solidFill>
+              <a:srgbClr val="000000"/>
+            </a:solidFill>
+            <a:prstDash val="solid"/>
+            <a:round/>
+            <a:headEnd type="none" w="med" len="med"/>
+            <a:tailEnd type="none" w="med" len="med"/>
+          </a:ln>
+        </p:spPr>
+      </p:sp>
+      <p:sp>
+        <p:nvSpPr>
+          <p:cNvPr id="265" name="Shape 265"/>
+          <p:cNvSpPr txBox="1">
+            <a:spLocks noGrp="1"/>
+          </p:cNvSpPr>
+          <p:nvPr>
+            <p:ph type="body" idx="1"/>
+          </p:nvPr>
+        </p:nvSpPr>
+        <p:spPr>
+          <a:xfrm>
+            <a:off x="685800" y="4343400"/>
+            <a:ext cx="5486399" cy="4114800"/>
+          </a:xfrm>
+          <a:prstGeom prst="rect">
+            <a:avLst/>
+          </a:prstGeom>
+        </p:spPr>
+        <p:txBody>
+          <a:bodyPr lIns="91425" tIns="91425" rIns="91425" bIns="91425" anchor="t" anchorCtr="0">
+            <a:noAutofit/>
+          </a:bodyPr>
+          <a:lstStyle/>
+          <a:p>
+            <a:pPr>
+              <a:spcBef>
+                <a:spcPts val="0"/>
+              </a:spcBef>
+              <a:buNone/>
+            </a:pPr>
+            <a:endParaRPr/>
+          </a:p>
+        </p:txBody>
+      </p:sp>
+    </p:spTree>
+    <p:extLst>
+      <p:ext uri="{BB962C8B-B14F-4D97-AF65-F5344CB8AC3E}">
+        <p14:creationId xmlns:p14="http://schemas.microsoft.com/office/powerpoint/2010/main" val="3556418011"/>
+      </p:ext>
+    </p:extLst>
+  </p:cSld>
+  <p:clrMapOvr>
+    <a:masterClrMapping/>
+  </p:clrMapOvr>
+</p:notes>
+</file>
+
+<file path=ppt/notesSlides/notesSlide39.xml><?xml version="1.0" encoding="utf-8"?>
+<p:notes xmlns:a="http://schemas.openxmlformats.org/drawingml/2006/main" xmlns:r="http://schemas.openxmlformats.org/officeDocument/2006/relationships" xmlns:p="http://schemas.openxmlformats.org/presentationml/2006/main" showMasterSp="0" showMasterPhAnim="0">
+  <p:cSld>
+    <p:spTree>
+      <p:nvGrpSpPr>
+        <p:cNvPr id="1" name="Shape 269"/>
+        <p:cNvGrpSpPr/>
+        <p:nvPr/>
+      </p:nvGrpSpPr>
+      <p:grpSpPr>
+        <a:xfrm>
+          <a:off x="0" y="0"/>
+          <a:ext cx="0" cy="0"/>
+          <a:chOff x="0" y="0"/>
+          <a:chExt cx="0" cy="0"/>
+        </a:xfrm>
+      </p:grpSpPr>
+      <p:sp>
+        <p:nvSpPr>
+          <p:cNvPr id="270" name="Shape 270"/>
+          <p:cNvSpPr>
+            <a:spLocks noGrp="1" noRot="1" noChangeAspect="1"/>
+          </p:cNvSpPr>
+          <p:nvPr>
+            <p:ph type="sldImg" idx="2"/>
+          </p:nvPr>
+        </p:nvSpPr>
+        <p:spPr>
+          <a:xfrm>
+            <a:off x="1143000" y="685800"/>
+            <a:ext cx="4572000" cy="3429000"/>
+          </a:xfrm>
+          <a:custGeom>
+            <a:avLst/>
+            <a:gdLst/>
+            <a:ahLst/>
+            <a:cxnLst/>
+            <a:rect l="0" t="0" r="0" b="0"/>
+            <a:pathLst>
+              <a:path w="120000" h="120000" extrusionOk="0">
+                <a:moveTo>
+                  <a:pt x="0" y="0"/>
+                </a:moveTo>
+                <a:lnTo>
+                  <a:pt x="120000" y="0"/>
+                </a:lnTo>
+                <a:lnTo>
+                  <a:pt x="120000" y="120000"/>
+                </a:lnTo>
+                <a:lnTo>
+                  <a:pt x="0" y="120000"/>
+                </a:lnTo>
+                <a:close/>
+              </a:path>
+            </a:pathLst>
+          </a:custGeom>
+          <a:noFill/>
+          <a:ln w="9525" cap="flat">
+            <a:solidFill>
+              <a:srgbClr val="000000"/>
+            </a:solidFill>
+            <a:prstDash val="solid"/>
+            <a:round/>
+            <a:headEnd type="none" w="med" len="med"/>
+            <a:tailEnd type="none" w="med" len="med"/>
+          </a:ln>
+        </p:spPr>
+      </p:sp>
+      <p:sp>
+        <p:nvSpPr>
+          <p:cNvPr id="271" name="Shape 271"/>
+          <p:cNvSpPr txBox="1">
+            <a:spLocks noGrp="1"/>
+          </p:cNvSpPr>
+          <p:nvPr>
+            <p:ph type="body" idx="1"/>
+          </p:nvPr>
+        </p:nvSpPr>
+        <p:spPr>
+          <a:xfrm>
+            <a:off x="685800" y="4343400"/>
+            <a:ext cx="5486399" cy="4114800"/>
+          </a:xfrm>
+          <a:prstGeom prst="rect">
+            <a:avLst/>
+          </a:prstGeom>
+        </p:spPr>
+        <p:txBody>
+          <a:bodyPr lIns="91425" tIns="91425" rIns="91425" bIns="91425" anchor="t" anchorCtr="0">
+            <a:noAutofit/>
+          </a:bodyPr>
+          <a:lstStyle/>
+          <a:p>
+            <a:pPr>
+              <a:spcBef>
+                <a:spcPts val="0"/>
+              </a:spcBef>
+              <a:buNone/>
+            </a:pPr>
+            <a:endParaRPr/>
+          </a:p>
+        </p:txBody>
+      </p:sp>
+    </p:spTree>
+    <p:extLst>
+      <p:ext uri="{BB962C8B-B14F-4D97-AF65-F5344CB8AC3E}">
+        <p14:creationId xmlns:p14="http://schemas.microsoft.com/office/powerpoint/2010/main" val="3694530560"/>
       </p:ext>
     </p:extLst>
   </p:cSld>
@@ -4517,238 +4531,6 @@
     <p:extLst>
       <p:ext uri="{BB962C8B-B14F-4D97-AF65-F5344CB8AC3E}">
         <p14:creationId xmlns:p14="http://schemas.microsoft.com/office/powerpoint/2010/main" val="1045365270"/>
-      </p:ext>
-    </p:extLst>
-  </p:cSld>
-  <p:clrMapOvr>
-    <a:masterClrMapping/>
-  </p:clrMapOvr>
-</p:notes>
-</file>
-
-<file path=ppt/notesSlides/notesSlide40.xml><?xml version="1.0" encoding="utf-8"?>
-<p:notes xmlns:a="http://schemas.openxmlformats.org/drawingml/2006/main" xmlns:r="http://schemas.openxmlformats.org/officeDocument/2006/relationships" xmlns:p="http://schemas.openxmlformats.org/presentationml/2006/main" showMasterSp="0" showMasterPhAnim="0">
-  <p:cSld>
-    <p:spTree>
-      <p:nvGrpSpPr>
-        <p:cNvPr id="1" name="Shape 263"/>
-        <p:cNvGrpSpPr/>
-        <p:nvPr/>
-      </p:nvGrpSpPr>
-      <p:grpSpPr>
-        <a:xfrm>
-          <a:off x="0" y="0"/>
-          <a:ext cx="0" cy="0"/>
-          <a:chOff x="0" y="0"/>
-          <a:chExt cx="0" cy="0"/>
-        </a:xfrm>
-      </p:grpSpPr>
-      <p:sp>
-        <p:nvSpPr>
-          <p:cNvPr id="264" name="Shape 264"/>
-          <p:cNvSpPr>
-            <a:spLocks noGrp="1" noRot="1" noChangeAspect="1"/>
-          </p:cNvSpPr>
-          <p:nvPr>
-            <p:ph type="sldImg" idx="2"/>
-          </p:nvPr>
-        </p:nvSpPr>
-        <p:spPr>
-          <a:xfrm>
-            <a:off x="1143000" y="685800"/>
-            <a:ext cx="4572000" cy="3429000"/>
-          </a:xfrm>
-          <a:custGeom>
-            <a:avLst/>
-            <a:gdLst/>
-            <a:ahLst/>
-            <a:cxnLst/>
-            <a:rect l="0" t="0" r="0" b="0"/>
-            <a:pathLst>
-              <a:path w="120000" h="120000" extrusionOk="0">
-                <a:moveTo>
-                  <a:pt x="0" y="0"/>
-                </a:moveTo>
-                <a:lnTo>
-                  <a:pt x="120000" y="0"/>
-                </a:lnTo>
-                <a:lnTo>
-                  <a:pt x="120000" y="120000"/>
-                </a:lnTo>
-                <a:lnTo>
-                  <a:pt x="0" y="120000"/>
-                </a:lnTo>
-                <a:close/>
-              </a:path>
-            </a:pathLst>
-          </a:custGeom>
-          <a:noFill/>
-          <a:ln w="9525" cap="flat">
-            <a:solidFill>
-              <a:srgbClr val="000000"/>
-            </a:solidFill>
-            <a:prstDash val="solid"/>
-            <a:round/>
-            <a:headEnd type="none" w="med" len="med"/>
-            <a:tailEnd type="none" w="med" len="med"/>
-          </a:ln>
-        </p:spPr>
-      </p:sp>
-      <p:sp>
-        <p:nvSpPr>
-          <p:cNvPr id="265" name="Shape 265"/>
-          <p:cNvSpPr txBox="1">
-            <a:spLocks noGrp="1"/>
-          </p:cNvSpPr>
-          <p:nvPr>
-            <p:ph type="body" idx="1"/>
-          </p:nvPr>
-        </p:nvSpPr>
-        <p:spPr>
-          <a:xfrm>
-            <a:off x="685800" y="4343400"/>
-            <a:ext cx="5486399" cy="4114800"/>
-          </a:xfrm>
-          <a:prstGeom prst="rect">
-            <a:avLst/>
-          </a:prstGeom>
-        </p:spPr>
-        <p:txBody>
-          <a:bodyPr lIns="91425" tIns="91425" rIns="91425" bIns="91425" anchor="t" anchorCtr="0">
-            <a:noAutofit/>
-          </a:bodyPr>
-          <a:lstStyle/>
-          <a:p>
-            <a:pPr>
-              <a:spcBef>
-                <a:spcPts val="0"/>
-              </a:spcBef>
-              <a:buNone/>
-            </a:pPr>
-            <a:endParaRPr/>
-          </a:p>
-        </p:txBody>
-      </p:sp>
-    </p:spTree>
-    <p:extLst>
-      <p:ext uri="{BB962C8B-B14F-4D97-AF65-F5344CB8AC3E}">
-        <p14:creationId xmlns:p14="http://schemas.microsoft.com/office/powerpoint/2010/main" val="3556418011"/>
-      </p:ext>
-    </p:extLst>
-  </p:cSld>
-  <p:clrMapOvr>
-    <a:masterClrMapping/>
-  </p:clrMapOvr>
-</p:notes>
-</file>
-
-<file path=ppt/notesSlides/notesSlide41.xml><?xml version="1.0" encoding="utf-8"?>
-<p:notes xmlns:a="http://schemas.openxmlformats.org/drawingml/2006/main" xmlns:r="http://schemas.openxmlformats.org/officeDocument/2006/relationships" xmlns:p="http://schemas.openxmlformats.org/presentationml/2006/main" showMasterSp="0" showMasterPhAnim="0">
-  <p:cSld>
-    <p:spTree>
-      <p:nvGrpSpPr>
-        <p:cNvPr id="1" name="Shape 269"/>
-        <p:cNvGrpSpPr/>
-        <p:nvPr/>
-      </p:nvGrpSpPr>
-      <p:grpSpPr>
-        <a:xfrm>
-          <a:off x="0" y="0"/>
-          <a:ext cx="0" cy="0"/>
-          <a:chOff x="0" y="0"/>
-          <a:chExt cx="0" cy="0"/>
-        </a:xfrm>
-      </p:grpSpPr>
-      <p:sp>
-        <p:nvSpPr>
-          <p:cNvPr id="270" name="Shape 270"/>
-          <p:cNvSpPr>
-            <a:spLocks noGrp="1" noRot="1" noChangeAspect="1"/>
-          </p:cNvSpPr>
-          <p:nvPr>
-            <p:ph type="sldImg" idx="2"/>
-          </p:nvPr>
-        </p:nvSpPr>
-        <p:spPr>
-          <a:xfrm>
-            <a:off x="1143000" y="685800"/>
-            <a:ext cx="4572000" cy="3429000"/>
-          </a:xfrm>
-          <a:custGeom>
-            <a:avLst/>
-            <a:gdLst/>
-            <a:ahLst/>
-            <a:cxnLst/>
-            <a:rect l="0" t="0" r="0" b="0"/>
-            <a:pathLst>
-              <a:path w="120000" h="120000" extrusionOk="0">
-                <a:moveTo>
-                  <a:pt x="0" y="0"/>
-                </a:moveTo>
-                <a:lnTo>
-                  <a:pt x="120000" y="0"/>
-                </a:lnTo>
-                <a:lnTo>
-                  <a:pt x="120000" y="120000"/>
-                </a:lnTo>
-                <a:lnTo>
-                  <a:pt x="0" y="120000"/>
-                </a:lnTo>
-                <a:close/>
-              </a:path>
-            </a:pathLst>
-          </a:custGeom>
-          <a:noFill/>
-          <a:ln w="9525" cap="flat">
-            <a:solidFill>
-              <a:srgbClr val="000000"/>
-            </a:solidFill>
-            <a:prstDash val="solid"/>
-            <a:round/>
-            <a:headEnd type="none" w="med" len="med"/>
-            <a:tailEnd type="none" w="med" len="med"/>
-          </a:ln>
-        </p:spPr>
-      </p:sp>
-      <p:sp>
-        <p:nvSpPr>
-          <p:cNvPr id="271" name="Shape 271"/>
-          <p:cNvSpPr txBox="1">
-            <a:spLocks noGrp="1"/>
-          </p:cNvSpPr>
-          <p:nvPr>
-            <p:ph type="body" idx="1"/>
-          </p:nvPr>
-        </p:nvSpPr>
-        <p:spPr>
-          <a:xfrm>
-            <a:off x="685800" y="4343400"/>
-            <a:ext cx="5486399" cy="4114800"/>
-          </a:xfrm>
-          <a:prstGeom prst="rect">
-            <a:avLst/>
-          </a:prstGeom>
-        </p:spPr>
-        <p:txBody>
-          <a:bodyPr lIns="91425" tIns="91425" rIns="91425" bIns="91425" anchor="t" anchorCtr="0">
-            <a:noAutofit/>
-          </a:bodyPr>
-          <a:lstStyle/>
-          <a:p>
-            <a:pPr>
-              <a:spcBef>
-                <a:spcPts val="0"/>
-              </a:spcBef>
-              <a:buNone/>
-            </a:pPr>
-            <a:endParaRPr/>
-          </a:p>
-        </p:txBody>
-      </p:sp>
-    </p:spTree>
-    <p:extLst>
-      <p:ext uri="{BB962C8B-B14F-4D97-AF65-F5344CB8AC3E}">
-        <p14:creationId xmlns:p14="http://schemas.microsoft.com/office/powerpoint/2010/main" val="3694530560"/>
       </p:ext>
     </p:extLst>
   </p:cSld>
@@ -5389,7 +5171,7 @@
     </p:spTree>
     <p:extLst>
       <p:ext uri="{BB962C8B-B14F-4D97-AF65-F5344CB8AC3E}">
-        <p14:creationId xmlns:p14="http://schemas.microsoft.com/office/powerpoint/2010/main" val="1012341335"/>
+        <p14:creationId xmlns:p14="http://schemas.microsoft.com/office/powerpoint/2010/main" val="1433099041"/>
       </p:ext>
     </p:extLst>
   </p:cSld>
@@ -11127,12 +10909,7 @@
           </a:bodyPr>
           <a:lstStyle/>
           <a:p>
-            <a:pPr lvl="0" rtl="0">
-              <a:spcBef>
-                <a:spcPts val="0"/>
-              </a:spcBef>
-              <a:buNone/>
-            </a:pPr>
+            <a:pPr lvl="0"/>
             <a:r>
               <a:rPr lang="en-US" sz="7200" dirty="0">
                 <a:solidFill>
@@ -11168,7 +10945,7 @@
         </p:nvSpPr>
         <p:spPr>
           <a:xfrm>
-            <a:off x="457200" y="1632473"/>
+            <a:off x="457200" y="1600200"/>
             <a:ext cx="8229600" cy="4967700"/>
           </a:xfrm>
           <a:prstGeom prst="rect">
@@ -11181,7 +10958,7 @@
           </a:bodyPr>
           <a:lstStyle/>
           <a:p>
-            <a:pPr lvl="0">
+            <a:pPr>
               <a:buNone/>
             </a:pPr>
             <a:r>
@@ -11194,13 +10971,20 @@
                 <a:cs typeface="Menlo Regular"/>
                 <a:sym typeface="Courier New"/>
               </a:rPr>
-              <a:t>Use a list comprehension to simplify this: </a:t>
-            </a:r>
-          </a:p>
-          <a:p>
-            <a:pPr lvl="0">
-              <a:buNone/>
-            </a:pPr>
+              <a:t>Keep in mind </a:t>
+            </a:r>
+            <a:r>
+              <a:rPr lang="en-US" sz="2400" dirty="0" smtClean="0">
+                <a:solidFill>
+                  <a:schemeClr val="tx1"/>
+                </a:solidFill>
+                <a:latin typeface="Menlo Regular"/>
+                <a:ea typeface="Menlo Regular"/>
+                <a:cs typeface="Menlo Regular"/>
+                <a:sym typeface="Courier New"/>
+              </a:rPr>
+              <a:t>that we can call the current point in the loop anything we want:</a:t>
+            </a:r>
             <a:endParaRPr lang="en-US" sz="2400" dirty="0">
               <a:solidFill>
                 <a:schemeClr val="tx1"/>
@@ -11215,8 +10999,22 @@
             <a:pPr lvl="0">
               <a:buNone/>
             </a:pPr>
-            <a:r>
-              <a:rPr lang="en-US" sz="2400" dirty="0">
+            <a:endParaRPr lang="en-US" sz="2400" dirty="0" smtClean="0">
+              <a:solidFill>
+                <a:schemeClr val="tx1"/>
+              </a:solidFill>
+              <a:latin typeface="Menlo Regular"/>
+              <a:ea typeface="Menlo Regular"/>
+              <a:cs typeface="Menlo Regular"/>
+              <a:sym typeface="Courier New"/>
+            </a:endParaRPr>
+          </a:p>
+          <a:p>
+            <a:pPr lvl="0">
+              <a:buNone/>
+            </a:pPr>
+            <a:r>
+              <a:rPr lang="en" sz="2400" dirty="0" smtClean="0">
                 <a:solidFill>
                   <a:schemeClr val="tx1"/>
                 </a:solidFill>
@@ -11225,13 +11023,8 @@
                 <a:cs typeface="Menlo Regular"/>
                 <a:sym typeface="Courier New"/>
               </a:rPr>
-              <a:t>names = ['Brandon', 'Ethan', 'Tony']</a:t>
-            </a:r>
-          </a:p>
-          <a:p>
-            <a:pPr lvl="0">
-              <a:buNone/>
-            </a:pPr>
+              <a:t>results </a:t>
+            </a:r>
             <a:r>
               <a:rPr lang="en" sz="2400" dirty="0">
                 <a:solidFill>
@@ -11242,7 +11035,7 @@
                 <a:cs typeface="Menlo Regular"/>
                 <a:sym typeface="Courier New"/>
               </a:rPr>
-              <a:t>results = []</a:t>
+              <a:t>= []</a:t>
             </a:r>
             <a:endParaRPr lang="en-US" sz="2400" dirty="0">
               <a:solidFill>
@@ -11294,7 +11087,7 @@
                 <a:cs typeface="Menlo Regular"/>
                 <a:sym typeface="Courier New"/>
               </a:rPr>
-              <a:t>name </a:t>
+              <a:t>nugget </a:t>
             </a:r>
             <a:r>
               <a:rPr lang="en" sz="2400" dirty="0" smtClean="0">
@@ -11309,6 +11102,30 @@
               <a:t>in </a:t>
             </a:r>
             <a:r>
+              <a:rPr lang="en-US" sz="2400" dirty="0" smtClean="0">
+                <a:solidFill>
+                  <a:schemeClr val="tx1"/>
+                </a:solidFill>
+                <a:latin typeface="Menlo Regular"/>
+                <a:ea typeface="Menlo Regular"/>
+                <a:cs typeface="Menlo Regular"/>
+                <a:sym typeface="Courier New"/>
+              </a:rPr>
+              <a:t>numbers</a:t>
+            </a:r>
+            <a:r>
+              <a:rPr lang="en" sz="2400" dirty="0" smtClean="0">
+                <a:solidFill>
+                  <a:schemeClr val="tx1"/>
+                </a:solidFill>
+                <a:latin typeface="Menlo Regular"/>
+                <a:ea typeface="Menlo Regular"/>
+                <a:cs typeface="Menlo Regular"/>
+                <a:sym typeface="Courier New"/>
+              </a:rPr>
+              <a:t>:     </a:t>
+            </a:r>
+            <a:r>
               <a:rPr lang="en-US" sz="2400" dirty="0">
                 <a:solidFill>
                   <a:schemeClr val="tx1"/>
@@ -11318,10 +11135,10 @@
                 <a:cs typeface="Menlo Regular"/>
                 <a:sym typeface="Courier New"/>
               </a:rPr>
-              <a:t>names</a:t>
-            </a:r>
-            <a:r>
-              <a:rPr lang="en" sz="2400" dirty="0">
+              <a:t>	</a:t>
+            </a:r>
+            <a:r>
+              <a:rPr lang="en" sz="2400" dirty="0" smtClean="0">
                 <a:solidFill>
                   <a:schemeClr val="tx1"/>
                 </a:solidFill>
@@ -11330,10 +11147,10 @@
                 <a:cs typeface="Menlo Regular"/>
                 <a:sym typeface="Courier New"/>
               </a:rPr>
-              <a:t>:     </a:t>
-            </a:r>
-            <a:r>
-              <a:rPr lang="en-US" sz="2400" dirty="0">
+              <a:t>results.append(</a:t>
+            </a:r>
+            <a:r>
+              <a:rPr lang="en-US" sz="2400" dirty="0" smtClean="0">
                 <a:solidFill>
                   <a:schemeClr val="tx1"/>
                 </a:solidFill>
@@ -11342,60 +11159,7 @@
                 <a:cs typeface="Menlo Regular"/>
                 <a:sym typeface="Courier New"/>
               </a:rPr>
-              <a:t>	</a:t>
-            </a:r>
-          </a:p>
-          <a:p>
-            <a:pPr lvl="0">
-              <a:buNone/>
-            </a:pPr>
-            <a:r>
-              <a:rPr lang="en-US" sz="2400" dirty="0">
-                <a:solidFill>
-                  <a:schemeClr val="tx1"/>
-                </a:solidFill>
-                <a:latin typeface="Menlo Regular"/>
-                <a:ea typeface="Menlo Regular"/>
-                <a:cs typeface="Menlo Regular"/>
-                <a:sym typeface="Courier New"/>
-              </a:rPr>
-              <a:t>	</a:t>
-            </a:r>
-            <a:r>
-              <a:rPr lang="en" sz="2400" dirty="0">
-                <a:solidFill>
-                  <a:schemeClr val="tx1"/>
-                </a:solidFill>
-                <a:latin typeface="Menlo Regular"/>
-                <a:ea typeface="Menlo Regular"/>
-                <a:cs typeface="Menlo Regular"/>
-                <a:sym typeface="Courier New"/>
-              </a:rPr>
-              <a:t>results.append(</a:t>
-            </a:r>
-            <a:r>
-              <a:rPr lang="en-US" sz="2400" dirty="0">
-                <a:solidFill>
-                  <a:schemeClr val="tx1"/>
-                </a:solidFill>
-                <a:latin typeface="Menlo Regular"/>
-                <a:ea typeface="Menlo Regular"/>
-                <a:cs typeface="Menlo Regular"/>
-                <a:sym typeface="Courier New"/>
-              </a:rPr>
-              <a:t>'Hi my name is' + name</a:t>
-            </a:r>
-            <a:r>
-              <a:rPr lang="en" sz="2400" dirty="0">
-                <a:solidFill>
-                  <a:schemeClr val="tx1"/>
-                </a:solidFill>
-                <a:latin typeface="Menlo Regular"/>
-                <a:ea typeface="Menlo Regular"/>
-                <a:cs typeface="Menlo Regular"/>
-                <a:sym typeface="Courier New"/>
-              </a:rPr>
-              <a:t>)</a:t>
+              <a:t>nugget)</a:t>
             </a:r>
             <a:endParaRPr lang="en-US" sz="2400" dirty="0">
               <a:solidFill>
@@ -11442,6 +11206,37 @@
             <a:pPr lvl="0">
               <a:buNone/>
             </a:pPr>
+            <a:endParaRPr lang="en-US" sz="2400" dirty="0" smtClean="0">
+              <a:solidFill>
+                <a:schemeClr val="tx1"/>
+              </a:solidFill>
+              <a:latin typeface="Menlo Regular"/>
+              <a:ea typeface="Menlo Regular"/>
+              <a:cs typeface="Menlo Regular"/>
+              <a:sym typeface="Courier New"/>
+            </a:endParaRPr>
+          </a:p>
+          <a:p>
+            <a:pPr lvl="0">
+              <a:buNone/>
+            </a:pPr>
+            <a:r>
+              <a:rPr lang="en-US" sz="2400" dirty="0" smtClean="0">
+                <a:solidFill>
+                  <a:schemeClr val="tx1"/>
+                </a:solidFill>
+                <a:latin typeface="Menlo Regular"/>
+                <a:ea typeface="Menlo Regular"/>
+                <a:cs typeface="Menlo Regular"/>
+                <a:sym typeface="Courier New"/>
+              </a:rPr>
+              <a:t>or </a:t>
+            </a:r>
+          </a:p>
+          <a:p>
+            <a:pPr lvl="0">
+              <a:buNone/>
+            </a:pPr>
             <a:endParaRPr lang="en-US" sz="2400" dirty="0">
               <a:solidFill>
                 <a:schemeClr val="tx1"/>
@@ -11452,12 +11247,81 @@
               <a:sym typeface="Courier New"/>
             </a:endParaRPr>
           </a:p>
+          <a:p>
+            <a:pPr>
+              <a:buNone/>
+            </a:pPr>
+            <a:r>
+              <a:rPr lang="en-US" sz="2400" dirty="0">
+                <a:solidFill>
+                  <a:schemeClr val="tx1"/>
+                </a:solidFill>
+                <a:latin typeface="Menlo Regular"/>
+                <a:ea typeface="Menlo Regular"/>
+                <a:cs typeface="Menlo Regular"/>
+                <a:sym typeface="Courier New"/>
+              </a:rPr>
+              <a:t>results = </a:t>
+            </a:r>
+            <a:r>
+              <a:rPr lang="en-US" sz="2400" dirty="0" smtClean="0">
+                <a:solidFill>
+                  <a:schemeClr val="tx1"/>
+                </a:solidFill>
+                <a:latin typeface="Menlo Regular"/>
+                <a:ea typeface="Menlo Regular"/>
+                <a:cs typeface="Menlo Regular"/>
+                <a:sym typeface="Courier New"/>
+              </a:rPr>
+              <a:t>[nugget for nugget in </a:t>
+            </a:r>
+            <a:r>
+              <a:rPr lang="en-US" sz="2400" dirty="0">
+                <a:solidFill>
+                  <a:schemeClr val="tx1"/>
+                </a:solidFill>
+                <a:latin typeface="Menlo Regular"/>
+                <a:ea typeface="Menlo Regular"/>
+                <a:cs typeface="Menlo Regular"/>
+                <a:sym typeface="Courier New"/>
+              </a:rPr>
+              <a:t>numbers]</a:t>
+            </a:r>
+          </a:p>
+          <a:p>
+            <a:pPr lvl="0">
+              <a:buNone/>
+            </a:pPr>
+            <a:endParaRPr lang="en-US" sz="2400" dirty="0">
+              <a:solidFill>
+                <a:schemeClr val="tx1"/>
+              </a:solidFill>
+              <a:latin typeface="Menlo Regular"/>
+              <a:ea typeface="Menlo Regular"/>
+              <a:cs typeface="Menlo Regular"/>
+              <a:sym typeface="Courier New"/>
+            </a:endParaRPr>
+          </a:p>
+          <a:p>
+            <a:pPr lvl="0">
+              <a:buNone/>
+            </a:pPr>
+            <a:endParaRPr lang="en-US" sz="2400" dirty="0">
+              <a:solidFill>
+                <a:schemeClr val="tx1"/>
+              </a:solidFill>
+              <a:latin typeface="Menlo Regular"/>
+              <a:ea typeface="Menlo Regular"/>
+              <a:cs typeface="Menlo Regular"/>
+              <a:sym typeface="Courier New"/>
+            </a:endParaRPr>
+          </a:p>
         </p:txBody>
       </p:sp>
     </p:spTree>
     <p:extLst>
       <p:ext uri="{BB962C8B-B14F-4D97-AF65-F5344CB8AC3E}">
-        <p14:creationId xmlns:p14="http://schemas.microsoft.com/office/powerpoint/2010/main" val="194347591"/>
+        <p14:creationId xmlns:p14="http://schemas.microsoft.com/office/powerpoint/2010/main" val="1019079565"/>
       </p:ext>
     </p:extLst>
   </p:cSld>
@@ -11519,12 +11383,7 @@
           </a:bodyPr>
           <a:lstStyle/>
           <a:p>
-            <a:pPr lvl="0" rtl="0">
-              <a:spcBef>
-                <a:spcPts val="0"/>
-              </a:spcBef>
-              <a:buNone/>
-            </a:pPr>
+            <a:pPr lvl="0"/>
             <a:r>
               <a:rPr lang="en-US" sz="7200" dirty="0">
                 <a:solidFill>
@@ -11560,8 +11419,8 @@
         </p:nvSpPr>
         <p:spPr>
           <a:xfrm>
-            <a:off x="457199" y="1632473"/>
-            <a:ext cx="8482405" cy="4967700"/>
+            <a:off x="457200" y="1600200"/>
+            <a:ext cx="8229600" cy="4967700"/>
           </a:xfrm>
           <a:prstGeom prst="rect">
             <a:avLst/>
@@ -11577,7 +11436,7 @@
               <a:buNone/>
             </a:pPr>
             <a:r>
-              <a:rPr lang="en-US" sz="2000" dirty="0">
+              <a:rPr lang="en-US" sz="2400" dirty="0">
                 <a:solidFill>
                   <a:schemeClr val="tx1"/>
                 </a:solidFill>
@@ -11586,14 +11445,26 @@
                 <a:cs typeface="Menlo Regular"/>
                 <a:sym typeface="Courier New"/>
               </a:rPr>
-              <a:t>Use a list comprehension to simplify this: </a:t>
+              <a:t>numbers = [1,2,3,4,5]</a:t>
             </a:r>
           </a:p>
           <a:p>
             <a:pPr lvl="0">
               <a:buNone/>
             </a:pPr>
-            <a:endParaRPr lang="en-US" sz="2000" dirty="0">
+            <a:r>
+              <a:rPr lang="en" sz="2400" dirty="0">
+                <a:solidFill>
+                  <a:schemeClr val="tx1"/>
+                </a:solidFill>
+                <a:latin typeface="Menlo Regular"/>
+                <a:ea typeface="Menlo Regular"/>
+                <a:cs typeface="Menlo Regular"/>
+                <a:sym typeface="Courier New"/>
+              </a:rPr>
+              <a:t>results = []</a:t>
+            </a:r>
+            <a:endParaRPr lang="en-US" sz="2400" dirty="0">
               <a:solidFill>
                 <a:schemeClr val="tx1"/>
               </a:solidFill>
@@ -11607,36 +11478,7 @@
             <a:pPr lvl="0">
               <a:buNone/>
             </a:pPr>
-            <a:r>
-              <a:rPr lang="en-US" sz="2000" dirty="0">
-                <a:solidFill>
-                  <a:schemeClr val="tx1"/>
-                </a:solidFill>
-                <a:latin typeface="Menlo Regular"/>
-                <a:ea typeface="Menlo Regular"/>
-                <a:cs typeface="Menlo Regular"/>
-                <a:sym typeface="Courier New"/>
-              </a:rPr>
-              <a:t>names = ['Brandon', 'Ethan', 'Tony']</a:t>
-            </a:r>
-          </a:p>
-          <a:p>
-            <a:pPr lvl="0">
-              <a:buNone/>
-            </a:pPr>
-            <a:r>
-              <a:rPr lang="en" sz="2000" dirty="0">
-                <a:solidFill>
-                  <a:schemeClr val="tx1"/>
-                </a:solidFill>
-                <a:latin typeface="Menlo Regular"/>
-                <a:ea typeface="Menlo Regular"/>
-                <a:cs typeface="Menlo Regular"/>
-                <a:sym typeface="Courier New"/>
-              </a:rPr>
-              <a:t>results = []</a:t>
-            </a:r>
-            <a:endParaRPr lang="en-US" sz="2000" dirty="0">
+            <a:endParaRPr lang="en-US" sz="2400" dirty="0">
               <a:solidFill>
                 <a:schemeClr val="tx1"/>
               </a:solidFill>
@@ -11650,7 +11492,91 @@
             <a:pPr lvl="0">
               <a:buNone/>
             </a:pPr>
-            <a:endParaRPr lang="en-US" sz="2000" dirty="0">
+            <a:r>
+              <a:rPr lang="en" sz="2400" dirty="0">
+                <a:solidFill>
+                  <a:schemeClr val="tx1"/>
+                </a:solidFill>
+                <a:latin typeface="Menlo Regular"/>
+                <a:ea typeface="Menlo Regular"/>
+                <a:cs typeface="Menlo Regular"/>
+                <a:sym typeface="Courier New"/>
+              </a:rPr>
+              <a:t>for item in </a:t>
+            </a:r>
+            <a:r>
+              <a:rPr lang="en-US" sz="2400" dirty="0">
+                <a:solidFill>
+                  <a:schemeClr val="tx1"/>
+                </a:solidFill>
+                <a:latin typeface="Menlo Regular"/>
+                <a:ea typeface="Menlo Regular"/>
+                <a:cs typeface="Menlo Regular"/>
+                <a:sym typeface="Courier New"/>
+              </a:rPr>
+              <a:t>numbers</a:t>
+            </a:r>
+            <a:r>
+              <a:rPr lang="en" sz="2400" dirty="0">
+                <a:solidFill>
+                  <a:schemeClr val="tx1"/>
+                </a:solidFill>
+                <a:latin typeface="Menlo Regular"/>
+                <a:ea typeface="Menlo Regular"/>
+                <a:cs typeface="Menlo Regular"/>
+                <a:sym typeface="Courier New"/>
+              </a:rPr>
+              <a:t>:     </a:t>
+            </a:r>
+            <a:r>
+              <a:rPr lang="en-US" sz="2400" dirty="0">
+                <a:solidFill>
+                  <a:schemeClr val="tx1"/>
+                </a:solidFill>
+                <a:latin typeface="Menlo Regular"/>
+                <a:ea typeface="Menlo Regular"/>
+                <a:cs typeface="Menlo Regular"/>
+                <a:sym typeface="Courier New"/>
+              </a:rPr>
+              <a:t>	</a:t>
+            </a:r>
+            <a:r>
+              <a:rPr lang="en" sz="2400" dirty="0">
+                <a:solidFill>
+                  <a:schemeClr val="tx1"/>
+                </a:solidFill>
+                <a:latin typeface="Menlo Regular"/>
+                <a:ea typeface="Menlo Regular"/>
+                <a:cs typeface="Menlo Regular"/>
+                <a:sym typeface="Courier New"/>
+              </a:rPr>
+              <a:t>results.append(</a:t>
+            </a:r>
+            <a:r>
+              <a:rPr lang="en-US" sz="2400" dirty="0">
+                <a:solidFill>
+                  <a:schemeClr val="tx1"/>
+                </a:solidFill>
+                <a:latin typeface="Menlo Regular"/>
+                <a:ea typeface="Menlo Regular"/>
+                <a:cs typeface="Menlo Regular"/>
+                <a:sym typeface="Courier New"/>
+              </a:rPr>
+              <a:t>item + 5</a:t>
+            </a:r>
+            <a:r>
+              <a:rPr lang="en" sz="2400" dirty="0">
+                <a:solidFill>
+                  <a:schemeClr val="tx1"/>
+                </a:solidFill>
+                <a:latin typeface="Menlo Regular"/>
+                <a:ea typeface="Menlo Regular"/>
+                <a:cs typeface="Menlo Regular"/>
+                <a:sym typeface="Courier New"/>
+              </a:rPr>
+              <a:t>)</a:t>
+            </a:r>
+            <a:endParaRPr lang="en-US" sz="2400" dirty="0">
               <a:solidFill>
                 <a:schemeClr val="tx1"/>
               </a:solidFill>
@@ -11664,108 +11590,7 @@
             <a:pPr lvl="0">
               <a:buNone/>
             </a:pPr>
-            <a:r>
-              <a:rPr lang="en" sz="2000" dirty="0">
-                <a:solidFill>
-                  <a:schemeClr val="tx1"/>
-                </a:solidFill>
-                <a:latin typeface="Menlo Regular"/>
-                <a:ea typeface="Menlo Regular"/>
-                <a:cs typeface="Menlo Regular"/>
-                <a:sym typeface="Courier New"/>
-              </a:rPr>
-              <a:t>for item in </a:t>
-            </a:r>
-            <a:r>
-              <a:rPr lang="en-US" sz="2000" dirty="0">
-                <a:solidFill>
-                  <a:schemeClr val="tx1"/>
-                </a:solidFill>
-                <a:latin typeface="Menlo Regular"/>
-                <a:ea typeface="Menlo Regular"/>
-                <a:cs typeface="Menlo Regular"/>
-                <a:sym typeface="Courier New"/>
-              </a:rPr>
-              <a:t>names</a:t>
-            </a:r>
-            <a:r>
-              <a:rPr lang="en" sz="2000" dirty="0">
-                <a:solidFill>
-                  <a:schemeClr val="tx1"/>
-                </a:solidFill>
-                <a:latin typeface="Menlo Regular"/>
-                <a:ea typeface="Menlo Regular"/>
-                <a:cs typeface="Menlo Regular"/>
-                <a:sym typeface="Courier New"/>
-              </a:rPr>
-              <a:t>:     </a:t>
-            </a:r>
-            <a:r>
-              <a:rPr lang="en-US" sz="2000" dirty="0">
-                <a:solidFill>
-                  <a:schemeClr val="tx1"/>
-                </a:solidFill>
-                <a:latin typeface="Menlo Regular"/>
-                <a:ea typeface="Menlo Regular"/>
-                <a:cs typeface="Menlo Regular"/>
-                <a:sym typeface="Courier New"/>
-              </a:rPr>
-              <a:t>	</a:t>
-            </a:r>
-          </a:p>
-          <a:p>
-            <a:pPr lvl="0">
-              <a:buNone/>
-            </a:pPr>
-            <a:r>
-              <a:rPr lang="en-US" sz="2000" dirty="0">
-                <a:solidFill>
-                  <a:schemeClr val="tx1"/>
-                </a:solidFill>
-                <a:latin typeface="Menlo Regular"/>
-                <a:ea typeface="Menlo Regular"/>
-                <a:cs typeface="Menlo Regular"/>
-                <a:sym typeface="Courier New"/>
-              </a:rPr>
-              <a:t>	</a:t>
-            </a:r>
-            <a:r>
-              <a:rPr lang="en" sz="2000" dirty="0">
-                <a:solidFill>
-                  <a:schemeClr val="tx1"/>
-                </a:solidFill>
-                <a:latin typeface="Menlo Regular"/>
-                <a:ea typeface="Menlo Regular"/>
-                <a:cs typeface="Menlo Regular"/>
-                <a:sym typeface="Courier New"/>
-              </a:rPr>
-              <a:t>results.append(</a:t>
-            </a:r>
-            <a:r>
-              <a:rPr lang="en-US" sz="2000" dirty="0">
-                <a:solidFill>
-                  <a:schemeClr val="tx1"/>
-                </a:solidFill>
-                <a:latin typeface="Menlo Regular"/>
-                <a:ea typeface="Menlo Regular"/>
-                <a:cs typeface="Menlo Regular"/>
-                <a:sym typeface="Courier New"/>
-              </a:rPr>
-              <a:t>'Hi my name is' + name</a:t>
-            </a:r>
-            <a:r>
-              <a:rPr lang="en" sz="2000" dirty="0">
-                <a:solidFill>
-                  <a:schemeClr val="tx1"/>
-                </a:solidFill>
-                <a:latin typeface="Menlo Regular"/>
-                <a:ea typeface="Menlo Regular"/>
-                <a:cs typeface="Menlo Regular"/>
-                <a:sym typeface="Courier New"/>
-              </a:rPr>
-              <a:t>)</a:t>
-            </a:r>
-            <a:endParaRPr lang="en-US" sz="2000" dirty="0">
+            <a:endParaRPr lang="en-US" sz="2400" dirty="0">
               <a:solidFill>
                 <a:schemeClr val="tx1"/>
               </a:solidFill>
@@ -11779,7 +11604,24 @@
             <a:pPr lvl="0">
               <a:buNone/>
             </a:pPr>
-            <a:endParaRPr lang="en-US" sz="2000" dirty="0">
+            <a:r>
+              <a:rPr lang="en-US" sz="2400" dirty="0">
+                <a:solidFill>
+                  <a:schemeClr val="tx1"/>
+                </a:solidFill>
+                <a:latin typeface="Menlo Regular"/>
+                <a:ea typeface="Menlo Regular"/>
+                <a:cs typeface="Menlo Regular"/>
+                <a:sym typeface="Courier New"/>
+              </a:rPr>
+              <a:t>results</a:t>
+            </a:r>
+          </a:p>
+          <a:p>
+            <a:pPr lvl="0">
+              <a:buNone/>
+            </a:pPr>
+            <a:endParaRPr lang="en-US" sz="2400" dirty="0">
               <a:solidFill>
                 <a:schemeClr val="tx1"/>
               </a:solidFill>
@@ -11794,7 +11636,7 @@
               <a:buNone/>
             </a:pPr>
             <a:r>
-              <a:rPr lang="en-US" sz="2000" dirty="0">
+              <a:rPr lang="en-US" sz="2400" dirty="0">
                 <a:solidFill>
                   <a:schemeClr val="tx1"/>
                 </a:solidFill>
@@ -11803,14 +11645,14 @@
                 <a:cs typeface="Menlo Regular"/>
                 <a:sym typeface="Courier New"/>
               </a:rPr>
-              <a:t>Answer:</a:t>
+              <a:t>or </a:t>
             </a:r>
           </a:p>
           <a:p>
             <a:pPr lvl="0">
               <a:buNone/>
             </a:pPr>
-            <a:endParaRPr lang="en-US" sz="2000" dirty="0">
+            <a:endParaRPr lang="en-US" sz="2400" dirty="0">
               <a:solidFill>
                 <a:schemeClr val="tx1"/>
               </a:solidFill>
@@ -11825,7 +11667,7 @@
               <a:buNone/>
             </a:pPr>
             <a:r>
-              <a:rPr lang="en-US" sz="2000" dirty="0">
+              <a:rPr lang="en-US" sz="2400" dirty="0">
                 <a:solidFill>
                   <a:schemeClr val="tx1"/>
                 </a:solidFill>
@@ -11834,14 +11676,14 @@
                 <a:cs typeface="Menlo Regular"/>
                 <a:sym typeface="Courier New"/>
               </a:rPr>
-              <a:t>results = ['Hi my name is ' + item for item in names]</a:t>
+              <a:t>results = [item + 5 for item in numbers]</a:t>
             </a:r>
           </a:p>
           <a:p>
             <a:pPr lvl="0">
               <a:buNone/>
             </a:pPr>
-            <a:endParaRPr lang="en-US" sz="2000" dirty="0">
+            <a:endParaRPr lang="en-US" sz="2400" dirty="0">
               <a:solidFill>
                 <a:schemeClr val="tx1"/>
               </a:solidFill>
@@ -11856,7 +11698,7 @@
               <a:buNone/>
             </a:pPr>
             <a:r>
-              <a:rPr lang="en-US" sz="2000" dirty="0">
+              <a:rPr lang="en-US" sz="2400" dirty="0">
                 <a:solidFill>
                   <a:schemeClr val="tx1"/>
                 </a:solidFill>
@@ -11865,60 +11707,15 @@
                 <a:cs typeface="Menlo Regular"/>
                 <a:sym typeface="Courier New"/>
               </a:rPr>
-              <a:t>or</a:t>
-            </a:r>
-          </a:p>
-          <a:p>
-            <a:pPr lvl="0">
-              <a:buNone/>
-            </a:pPr>
-            <a:endParaRPr lang="en-US" sz="2000" dirty="0">
-              <a:solidFill>
-                <a:schemeClr val="tx1"/>
-              </a:solidFill>
-              <a:latin typeface="Menlo Regular"/>
-              <a:ea typeface="Menlo Regular"/>
-              <a:cs typeface="Menlo Regular"/>
-              <a:sym typeface="Courier New"/>
-            </a:endParaRPr>
-          </a:p>
-          <a:p>
-            <a:pPr lvl="0">
-              <a:buNone/>
-            </a:pPr>
-            <a:r>
-              <a:rPr lang="en-US" sz="2000" dirty="0">
-                <a:solidFill>
-                  <a:schemeClr val="tx1"/>
-                </a:solidFill>
-                <a:latin typeface="Menlo Regular"/>
-                <a:ea typeface="Menlo Regular"/>
-                <a:cs typeface="Menlo Regular"/>
-                <a:sym typeface="Courier New"/>
-              </a:rPr>
-              <a:t>results = ['Hi my name is ' + name for name in names]</a:t>
-            </a:r>
-          </a:p>
-          <a:p>
-            <a:pPr lvl="0">
-              <a:buNone/>
-            </a:pPr>
-            <a:endParaRPr lang="en-US" sz="2000" dirty="0">
-              <a:solidFill>
-                <a:schemeClr val="tx1"/>
-              </a:solidFill>
-              <a:latin typeface="Menlo Regular"/>
-              <a:ea typeface="Menlo Regular"/>
-              <a:cs typeface="Menlo Regular"/>
-              <a:sym typeface="Courier New"/>
-            </a:endParaRPr>
+              <a:t>Quick! Easy! but confusing!</a:t>
+            </a:r>
           </a:p>
         </p:txBody>
       </p:sp>
     </p:spTree>
     <p:extLst>
       <p:ext uri="{BB962C8B-B14F-4D97-AF65-F5344CB8AC3E}">
-        <p14:creationId xmlns:p14="http://schemas.microsoft.com/office/powerpoint/2010/main" val="1089112899"/>
+        <p14:creationId xmlns:p14="http://schemas.microsoft.com/office/powerpoint/2010/main" val="1665711261"/>
       </p:ext>
     </p:extLst>
   </p:cSld>
@@ -12021,8 +11818,8 @@
         </p:nvSpPr>
         <p:spPr>
           <a:xfrm>
-            <a:off x="457199" y="1632473"/>
-            <a:ext cx="8482405" cy="4967700"/>
+            <a:off x="457200" y="1632473"/>
+            <a:ext cx="8229600" cy="4967700"/>
           </a:xfrm>
           <a:prstGeom prst="rect">
             <a:avLst/>
@@ -12038,7 +11835,7 @@
               <a:buNone/>
             </a:pPr>
             <a:r>
-              <a:rPr lang="en-US" sz="2000" dirty="0">
+              <a:rPr lang="en-US" sz="2400" dirty="0">
                 <a:solidFill>
                   <a:schemeClr val="tx1"/>
                 </a:solidFill>
@@ -12047,15 +11844,270 @@
                 <a:cs typeface="Menlo Regular"/>
                 <a:sym typeface="Courier New"/>
               </a:rPr>
-              <a:t>Given a list of 5 numbers, use a list comprehension to create a new list named "data" that consists of each of the original numbers but with five added to each of them.</a:t>
-            </a:r>
+              <a:t>Use a list comprehension to simplify this: </a:t>
+            </a:r>
+          </a:p>
+          <a:p>
+            <a:pPr lvl="0">
+              <a:buNone/>
+            </a:pPr>
+            <a:endParaRPr lang="en-US" sz="2400" dirty="0">
+              <a:solidFill>
+                <a:schemeClr val="tx1"/>
+              </a:solidFill>
+              <a:latin typeface="Menlo Regular"/>
+              <a:ea typeface="Menlo Regular"/>
+              <a:cs typeface="Menlo Regular"/>
+              <a:sym typeface="Courier New"/>
+            </a:endParaRPr>
+          </a:p>
+          <a:p>
+            <a:pPr lvl="0">
+              <a:buNone/>
+            </a:pPr>
+            <a:r>
+              <a:rPr lang="en-US" sz="2400" dirty="0">
+                <a:solidFill>
+                  <a:schemeClr val="tx1"/>
+                </a:solidFill>
+                <a:latin typeface="Menlo Regular"/>
+                <a:ea typeface="Menlo Regular"/>
+                <a:cs typeface="Menlo Regular"/>
+                <a:sym typeface="Courier New"/>
+              </a:rPr>
+              <a:t>names = ['Brandon', 'Ethan', 'Tony']</a:t>
+            </a:r>
+          </a:p>
+          <a:p>
+            <a:pPr lvl="0">
+              <a:buNone/>
+            </a:pPr>
+            <a:r>
+              <a:rPr lang="en" sz="2400" dirty="0">
+                <a:solidFill>
+                  <a:schemeClr val="tx1"/>
+                </a:solidFill>
+                <a:latin typeface="Menlo Regular"/>
+                <a:ea typeface="Menlo Regular"/>
+                <a:cs typeface="Menlo Regular"/>
+                <a:sym typeface="Courier New"/>
+              </a:rPr>
+              <a:t>results = []</a:t>
+            </a:r>
+            <a:endParaRPr lang="en-US" sz="2400" dirty="0">
+              <a:solidFill>
+                <a:schemeClr val="tx1"/>
+              </a:solidFill>
+              <a:latin typeface="Menlo Regular"/>
+              <a:ea typeface="Menlo Regular"/>
+              <a:cs typeface="Menlo Regular"/>
+              <a:sym typeface="Courier New"/>
+            </a:endParaRPr>
+          </a:p>
+          <a:p>
+            <a:pPr lvl="0">
+              <a:buNone/>
+            </a:pPr>
+            <a:endParaRPr lang="en-US" sz="2400" dirty="0">
+              <a:solidFill>
+                <a:schemeClr val="tx1"/>
+              </a:solidFill>
+              <a:latin typeface="Menlo Regular"/>
+              <a:ea typeface="Menlo Regular"/>
+              <a:cs typeface="Menlo Regular"/>
+              <a:sym typeface="Courier New"/>
+            </a:endParaRPr>
+          </a:p>
+          <a:p>
+            <a:pPr lvl="0">
+              <a:buNone/>
+            </a:pPr>
+            <a:r>
+              <a:rPr lang="en" sz="2400" dirty="0">
+                <a:solidFill>
+                  <a:schemeClr val="tx1"/>
+                </a:solidFill>
+                <a:latin typeface="Menlo Regular"/>
+                <a:ea typeface="Menlo Regular"/>
+                <a:cs typeface="Menlo Regular"/>
+                <a:sym typeface="Courier New"/>
+              </a:rPr>
+              <a:t>for </a:t>
+            </a:r>
+            <a:r>
+              <a:rPr lang="en-US" sz="2400" dirty="0" smtClean="0">
+                <a:solidFill>
+                  <a:schemeClr val="tx1"/>
+                </a:solidFill>
+                <a:latin typeface="Menlo Regular"/>
+                <a:ea typeface="Menlo Regular"/>
+                <a:cs typeface="Menlo Regular"/>
+                <a:sym typeface="Courier New"/>
+              </a:rPr>
+              <a:t>name </a:t>
+            </a:r>
+            <a:r>
+              <a:rPr lang="en" sz="2400" dirty="0" smtClean="0">
+                <a:solidFill>
+                  <a:schemeClr val="tx1"/>
+                </a:solidFill>
+                <a:latin typeface="Menlo Regular"/>
+                <a:ea typeface="Menlo Regular"/>
+                <a:cs typeface="Menlo Regular"/>
+                <a:sym typeface="Courier New"/>
+              </a:rPr>
+              <a:t>in </a:t>
+            </a:r>
+            <a:r>
+              <a:rPr lang="en-US" sz="2400" dirty="0">
+                <a:solidFill>
+                  <a:schemeClr val="tx1"/>
+                </a:solidFill>
+                <a:latin typeface="Menlo Regular"/>
+                <a:ea typeface="Menlo Regular"/>
+                <a:cs typeface="Menlo Regular"/>
+                <a:sym typeface="Courier New"/>
+              </a:rPr>
+              <a:t>names</a:t>
+            </a:r>
+            <a:r>
+              <a:rPr lang="en" sz="2400" dirty="0">
+                <a:solidFill>
+                  <a:schemeClr val="tx1"/>
+                </a:solidFill>
+                <a:latin typeface="Menlo Regular"/>
+                <a:ea typeface="Menlo Regular"/>
+                <a:cs typeface="Menlo Regular"/>
+                <a:sym typeface="Courier New"/>
+              </a:rPr>
+              <a:t>:     </a:t>
+            </a:r>
+            <a:r>
+              <a:rPr lang="en-US" sz="2400" dirty="0">
+                <a:solidFill>
+                  <a:schemeClr val="tx1"/>
+                </a:solidFill>
+                <a:latin typeface="Menlo Regular"/>
+                <a:ea typeface="Menlo Regular"/>
+                <a:cs typeface="Menlo Regular"/>
+                <a:sym typeface="Courier New"/>
+              </a:rPr>
+              <a:t>	</a:t>
+            </a:r>
+          </a:p>
+          <a:p>
+            <a:pPr lvl="0">
+              <a:buNone/>
+            </a:pPr>
+            <a:r>
+              <a:rPr lang="en-US" sz="2400" dirty="0">
+                <a:solidFill>
+                  <a:schemeClr val="tx1"/>
+                </a:solidFill>
+                <a:latin typeface="Menlo Regular"/>
+                <a:ea typeface="Menlo Regular"/>
+                <a:cs typeface="Menlo Regular"/>
+                <a:sym typeface="Courier New"/>
+              </a:rPr>
+              <a:t>	</a:t>
+            </a:r>
+            <a:r>
+              <a:rPr lang="en" sz="2400" dirty="0">
+                <a:solidFill>
+                  <a:schemeClr val="tx1"/>
+                </a:solidFill>
+                <a:latin typeface="Menlo Regular"/>
+                <a:ea typeface="Menlo Regular"/>
+                <a:cs typeface="Menlo Regular"/>
+                <a:sym typeface="Courier New"/>
+              </a:rPr>
+              <a:t>results.append(</a:t>
+            </a:r>
+            <a:r>
+              <a:rPr lang="en-US" sz="2400" dirty="0">
+                <a:solidFill>
+                  <a:schemeClr val="tx1"/>
+                </a:solidFill>
+                <a:latin typeface="Menlo Regular"/>
+                <a:ea typeface="Menlo Regular"/>
+                <a:cs typeface="Menlo Regular"/>
+                <a:sym typeface="Courier New"/>
+              </a:rPr>
+              <a:t>'Hi my name is' + name</a:t>
+            </a:r>
+            <a:r>
+              <a:rPr lang="en" sz="2400" dirty="0">
+                <a:solidFill>
+                  <a:schemeClr val="tx1"/>
+                </a:solidFill>
+                <a:latin typeface="Menlo Regular"/>
+                <a:ea typeface="Menlo Regular"/>
+                <a:cs typeface="Menlo Regular"/>
+                <a:sym typeface="Courier New"/>
+              </a:rPr>
+              <a:t>)</a:t>
+            </a:r>
+            <a:endParaRPr lang="en-US" sz="2400" dirty="0">
+              <a:solidFill>
+                <a:schemeClr val="tx1"/>
+              </a:solidFill>
+              <a:latin typeface="Menlo Regular"/>
+              <a:ea typeface="Menlo Regular"/>
+              <a:cs typeface="Menlo Regular"/>
+              <a:sym typeface="Courier New"/>
+            </a:endParaRPr>
+          </a:p>
+          <a:p>
+            <a:pPr lvl="0">
+              <a:buNone/>
+            </a:pPr>
+            <a:endParaRPr lang="en-US" sz="2400" dirty="0">
+              <a:solidFill>
+                <a:schemeClr val="tx1"/>
+              </a:solidFill>
+              <a:latin typeface="Menlo Regular"/>
+              <a:ea typeface="Menlo Regular"/>
+              <a:cs typeface="Menlo Regular"/>
+              <a:sym typeface="Courier New"/>
+            </a:endParaRPr>
+          </a:p>
+          <a:p>
+            <a:pPr lvl="0">
+              <a:buNone/>
+            </a:pPr>
+            <a:r>
+              <a:rPr lang="en-US" sz="2400" dirty="0">
+                <a:solidFill>
+                  <a:schemeClr val="tx1"/>
+                </a:solidFill>
+                <a:latin typeface="Menlo Regular"/>
+                <a:ea typeface="Menlo Regular"/>
+                <a:cs typeface="Menlo Regular"/>
+                <a:sym typeface="Courier New"/>
+              </a:rPr>
+              <a:t>results</a:t>
+            </a:r>
+          </a:p>
+          <a:p>
+            <a:pPr lvl="0">
+              <a:buNone/>
+            </a:pPr>
+            <a:endParaRPr lang="en-US" sz="2400" dirty="0">
+              <a:solidFill>
+                <a:schemeClr val="tx1"/>
+              </a:solidFill>
+              <a:latin typeface="Menlo Regular"/>
+              <a:ea typeface="Menlo Regular"/>
+              <a:cs typeface="Menlo Regular"/>
+              <a:sym typeface="Courier New"/>
+            </a:endParaRPr>
           </a:p>
         </p:txBody>
       </p:sp>
     </p:spTree>
     <p:extLst>
       <p:ext uri="{BB962C8B-B14F-4D97-AF65-F5344CB8AC3E}">
-        <p14:creationId xmlns:p14="http://schemas.microsoft.com/office/powerpoint/2010/main" val="489440960"/>
+        <p14:creationId xmlns:p14="http://schemas.microsoft.com/office/powerpoint/2010/main" val="194347591"/>
       </p:ext>
     </p:extLst>
   </p:cSld>
@@ -12184,13 +12236,27 @@
                 <a:cs typeface="Menlo Regular"/>
                 <a:sym typeface="Courier New"/>
               </a:rPr>
-              <a:t>Given a list of 5 numbers, use a list comprehension to create a new list named "data" that consists of each of the original numbers but with five added to each of them.</a:t>
+              <a:t>Use a list comprehension to simplify this: </a:t>
             </a:r>
           </a:p>
           <a:p>
             <a:pPr lvl="0">
               <a:buNone/>
             </a:pPr>
+            <a:endParaRPr lang="en-US" sz="2000" dirty="0">
+              <a:solidFill>
+                <a:schemeClr val="tx1"/>
+              </a:solidFill>
+              <a:latin typeface="Menlo Regular"/>
+              <a:ea typeface="Menlo Regular"/>
+              <a:cs typeface="Menlo Regular"/>
+              <a:sym typeface="Courier New"/>
+            </a:endParaRPr>
+          </a:p>
+          <a:p>
+            <a:pPr lvl="0">
+              <a:buNone/>
+            </a:pPr>
             <a:r>
               <a:rPr lang="en-US" sz="2000" dirty="0">
                 <a:solidFill>
@@ -12201,7 +12267,7 @@
                 <a:cs typeface="Menlo Regular"/>
                 <a:sym typeface="Courier New"/>
               </a:rPr>
-              <a:t>my_list = [1,2,3,4,5]</a:t>
+              <a:t>names = ['Brandon', 'Ethan', 'Tony']</a:t>
             </a:r>
           </a:p>
           <a:p>
@@ -12209,6 +12275,58 @@
               <a:buNone/>
             </a:pPr>
             <a:r>
+              <a:rPr lang="en" sz="2000" dirty="0">
+                <a:solidFill>
+                  <a:schemeClr val="tx1"/>
+                </a:solidFill>
+                <a:latin typeface="Menlo Regular"/>
+                <a:ea typeface="Menlo Regular"/>
+                <a:cs typeface="Menlo Regular"/>
+                <a:sym typeface="Courier New"/>
+              </a:rPr>
+              <a:t>results = []</a:t>
+            </a:r>
+            <a:endParaRPr lang="en-US" sz="2000" dirty="0">
+              <a:solidFill>
+                <a:schemeClr val="tx1"/>
+              </a:solidFill>
+              <a:latin typeface="Menlo Regular"/>
+              <a:ea typeface="Menlo Regular"/>
+              <a:cs typeface="Menlo Regular"/>
+              <a:sym typeface="Courier New"/>
+            </a:endParaRPr>
+          </a:p>
+          <a:p>
+            <a:pPr lvl="0">
+              <a:buNone/>
+            </a:pPr>
+            <a:endParaRPr lang="en-US" sz="2000" dirty="0">
+              <a:solidFill>
+                <a:schemeClr val="tx1"/>
+              </a:solidFill>
+              <a:latin typeface="Menlo Regular"/>
+              <a:ea typeface="Menlo Regular"/>
+              <a:cs typeface="Menlo Regular"/>
+              <a:sym typeface="Courier New"/>
+            </a:endParaRPr>
+          </a:p>
+          <a:p>
+            <a:pPr lvl="0">
+              <a:buNone/>
+            </a:pPr>
+            <a:r>
+              <a:rPr lang="en" sz="2000" dirty="0">
+                <a:solidFill>
+                  <a:schemeClr val="tx1"/>
+                </a:solidFill>
+                <a:latin typeface="Menlo Regular"/>
+                <a:ea typeface="Menlo Regular"/>
+                <a:cs typeface="Menlo Regular"/>
+                <a:sym typeface="Courier New"/>
+              </a:rPr>
+              <a:t>for item in </a:t>
+            </a:r>
+            <a:r>
               <a:rPr lang="en-US" sz="2000" dirty="0">
                 <a:solidFill>
                   <a:schemeClr val="tx1"/>
@@ -12218,7 +12336,908 @@
                 <a:cs typeface="Menlo Regular"/>
                 <a:sym typeface="Courier New"/>
               </a:rPr>
-              <a:t>data = [number + 5 for number in my_list]</a:t>
+              <a:t>names</a:t>
+            </a:r>
+            <a:r>
+              <a:rPr lang="en" sz="2000" dirty="0">
+                <a:solidFill>
+                  <a:schemeClr val="tx1"/>
+                </a:solidFill>
+                <a:latin typeface="Menlo Regular"/>
+                <a:ea typeface="Menlo Regular"/>
+                <a:cs typeface="Menlo Regular"/>
+                <a:sym typeface="Courier New"/>
+              </a:rPr>
+              <a:t>:     </a:t>
+            </a:r>
+            <a:r>
+              <a:rPr lang="en-US" sz="2000" dirty="0">
+                <a:solidFill>
+                  <a:schemeClr val="tx1"/>
+                </a:solidFill>
+                <a:latin typeface="Menlo Regular"/>
+                <a:ea typeface="Menlo Regular"/>
+                <a:cs typeface="Menlo Regular"/>
+                <a:sym typeface="Courier New"/>
+              </a:rPr>
+              <a:t>	</a:t>
+            </a:r>
+          </a:p>
+          <a:p>
+            <a:pPr lvl="0">
+              <a:buNone/>
+            </a:pPr>
+            <a:r>
+              <a:rPr lang="en-US" sz="2000" dirty="0">
+                <a:solidFill>
+                  <a:schemeClr val="tx1"/>
+                </a:solidFill>
+                <a:latin typeface="Menlo Regular"/>
+                <a:ea typeface="Menlo Regular"/>
+                <a:cs typeface="Menlo Regular"/>
+                <a:sym typeface="Courier New"/>
+              </a:rPr>
+              <a:t>	</a:t>
+            </a:r>
+            <a:r>
+              <a:rPr lang="en" sz="2000" dirty="0">
+                <a:solidFill>
+                  <a:schemeClr val="tx1"/>
+                </a:solidFill>
+                <a:latin typeface="Menlo Regular"/>
+                <a:ea typeface="Menlo Regular"/>
+                <a:cs typeface="Menlo Regular"/>
+                <a:sym typeface="Courier New"/>
+              </a:rPr>
+              <a:t>results.append(</a:t>
+            </a:r>
+            <a:r>
+              <a:rPr lang="en-US" sz="2000" dirty="0">
+                <a:solidFill>
+                  <a:schemeClr val="tx1"/>
+                </a:solidFill>
+                <a:latin typeface="Menlo Regular"/>
+                <a:ea typeface="Menlo Regular"/>
+                <a:cs typeface="Menlo Regular"/>
+                <a:sym typeface="Courier New"/>
+              </a:rPr>
+              <a:t>'Hi my name is' + name</a:t>
+            </a:r>
+            <a:r>
+              <a:rPr lang="en" sz="2000" dirty="0">
+                <a:solidFill>
+                  <a:schemeClr val="tx1"/>
+                </a:solidFill>
+                <a:latin typeface="Menlo Regular"/>
+                <a:ea typeface="Menlo Regular"/>
+                <a:cs typeface="Menlo Regular"/>
+                <a:sym typeface="Courier New"/>
+              </a:rPr>
+              <a:t>)</a:t>
+            </a:r>
+            <a:endParaRPr lang="en-US" sz="2000" dirty="0">
+              <a:solidFill>
+                <a:schemeClr val="tx1"/>
+              </a:solidFill>
+              <a:latin typeface="Menlo Regular"/>
+              <a:ea typeface="Menlo Regular"/>
+              <a:cs typeface="Menlo Regular"/>
+              <a:sym typeface="Courier New"/>
+            </a:endParaRPr>
+          </a:p>
+          <a:p>
+            <a:pPr lvl="0">
+              <a:buNone/>
+            </a:pPr>
+            <a:endParaRPr lang="en-US" sz="2000" dirty="0">
+              <a:solidFill>
+                <a:schemeClr val="tx1"/>
+              </a:solidFill>
+              <a:latin typeface="Menlo Regular"/>
+              <a:ea typeface="Menlo Regular"/>
+              <a:cs typeface="Menlo Regular"/>
+              <a:sym typeface="Courier New"/>
+            </a:endParaRPr>
+          </a:p>
+          <a:p>
+            <a:pPr lvl="0">
+              <a:buNone/>
+            </a:pPr>
+            <a:r>
+              <a:rPr lang="en-US" sz="2000" dirty="0">
+                <a:solidFill>
+                  <a:schemeClr val="tx1"/>
+                </a:solidFill>
+                <a:latin typeface="Menlo Regular"/>
+                <a:ea typeface="Menlo Regular"/>
+                <a:cs typeface="Menlo Regular"/>
+                <a:sym typeface="Courier New"/>
+              </a:rPr>
+              <a:t>Answer:</a:t>
+            </a:r>
+          </a:p>
+          <a:p>
+            <a:pPr lvl="0">
+              <a:buNone/>
+            </a:pPr>
+            <a:endParaRPr lang="en-US" sz="2000" dirty="0">
+              <a:solidFill>
+                <a:schemeClr val="tx1"/>
+              </a:solidFill>
+              <a:latin typeface="Menlo Regular"/>
+              <a:ea typeface="Menlo Regular"/>
+              <a:cs typeface="Menlo Regular"/>
+              <a:sym typeface="Courier New"/>
+            </a:endParaRPr>
+          </a:p>
+          <a:p>
+            <a:pPr lvl="0">
+              <a:buNone/>
+            </a:pPr>
+            <a:r>
+              <a:rPr lang="en-US" sz="2000" dirty="0">
+                <a:solidFill>
+                  <a:schemeClr val="tx1"/>
+                </a:solidFill>
+                <a:latin typeface="Menlo Regular"/>
+                <a:ea typeface="Menlo Regular"/>
+                <a:cs typeface="Menlo Regular"/>
+                <a:sym typeface="Courier New"/>
+              </a:rPr>
+              <a:t>results = ['Hi my name is ' + item for item in names]</a:t>
+            </a:r>
+          </a:p>
+          <a:p>
+            <a:pPr lvl="0">
+              <a:buNone/>
+            </a:pPr>
+            <a:endParaRPr lang="en-US" sz="2000" dirty="0">
+              <a:solidFill>
+                <a:schemeClr val="tx1"/>
+              </a:solidFill>
+              <a:latin typeface="Menlo Regular"/>
+              <a:ea typeface="Menlo Regular"/>
+              <a:cs typeface="Menlo Regular"/>
+              <a:sym typeface="Courier New"/>
+            </a:endParaRPr>
+          </a:p>
+          <a:p>
+            <a:pPr lvl="0">
+              <a:buNone/>
+            </a:pPr>
+            <a:r>
+              <a:rPr lang="en-US" sz="2000" dirty="0">
+                <a:solidFill>
+                  <a:schemeClr val="tx1"/>
+                </a:solidFill>
+                <a:latin typeface="Menlo Regular"/>
+                <a:ea typeface="Menlo Regular"/>
+                <a:cs typeface="Menlo Regular"/>
+                <a:sym typeface="Courier New"/>
+              </a:rPr>
+              <a:t>or</a:t>
+            </a:r>
+          </a:p>
+          <a:p>
+            <a:pPr lvl="0">
+              <a:buNone/>
+            </a:pPr>
+            <a:endParaRPr lang="en-US" sz="2000" dirty="0">
+              <a:solidFill>
+                <a:schemeClr val="tx1"/>
+              </a:solidFill>
+              <a:latin typeface="Menlo Regular"/>
+              <a:ea typeface="Menlo Regular"/>
+              <a:cs typeface="Menlo Regular"/>
+              <a:sym typeface="Courier New"/>
+            </a:endParaRPr>
+          </a:p>
+          <a:p>
+            <a:pPr lvl="0">
+              <a:buNone/>
+            </a:pPr>
+            <a:r>
+              <a:rPr lang="en-US" sz="2000" dirty="0">
+                <a:solidFill>
+                  <a:schemeClr val="tx1"/>
+                </a:solidFill>
+                <a:latin typeface="Menlo Regular"/>
+                <a:ea typeface="Menlo Regular"/>
+                <a:cs typeface="Menlo Regular"/>
+                <a:sym typeface="Courier New"/>
+              </a:rPr>
+              <a:t>results = ['Hi my name is ' + name for name in names]</a:t>
+            </a:r>
+          </a:p>
+          <a:p>
+            <a:pPr lvl="0">
+              <a:buNone/>
+            </a:pPr>
+            <a:endParaRPr lang="en-US" sz="2000" dirty="0">
+              <a:solidFill>
+                <a:schemeClr val="tx1"/>
+              </a:solidFill>
+              <a:latin typeface="Menlo Regular"/>
+              <a:ea typeface="Menlo Regular"/>
+              <a:cs typeface="Menlo Regular"/>
+              <a:sym typeface="Courier New"/>
+            </a:endParaRPr>
+          </a:p>
+        </p:txBody>
+      </p:sp>
+    </p:spTree>
+    <p:extLst>
+      <p:ext uri="{BB962C8B-B14F-4D97-AF65-F5344CB8AC3E}">
+        <p14:creationId xmlns:p14="http://schemas.microsoft.com/office/powerpoint/2010/main" val="1089112899"/>
+      </p:ext>
+    </p:extLst>
+  </p:cSld>
+  <p:clrMapOvr>
+    <a:masterClrMapping/>
+  </p:clrMapOvr>
+  <p:transition xmlns:p14="http://schemas.microsoft.com/office/powerpoint/2010/main" spd="slow">
+    <p:cut/>
+  </p:transition>
+  <p:timing>
+    <p:tnLst>
+      <p:par>
+        <p:cTn xmlns:p14="http://schemas.microsoft.com/office/powerpoint/2010/main" id="1" dur="indefinite" restart="never" nodeType="tmRoot"/>
+      </p:par>
+    </p:tnLst>
+  </p:timing>
+</p:sld>
+</file>
+
+<file path=ppt/slides/slide14.xml><?xml version="1.0" encoding="utf-8"?>
+<p:sld xmlns:a="http://schemas.openxmlformats.org/drawingml/2006/main" xmlns:r="http://schemas.openxmlformats.org/officeDocument/2006/relationships" xmlns:p="http://schemas.openxmlformats.org/presentationml/2006/main">
+  <p:cSld>
+    <p:spTree>
+      <p:nvGrpSpPr>
+        <p:cNvPr id="1" name="Shape 74"/>
+        <p:cNvGrpSpPr/>
+        <p:nvPr/>
+      </p:nvGrpSpPr>
+      <p:grpSpPr>
+        <a:xfrm>
+          <a:off x="0" y="0"/>
+          <a:ext cx="0" cy="0"/>
+          <a:chOff x="0" y="0"/>
+          <a:chExt cx="0" cy="0"/>
+        </a:xfrm>
+      </p:grpSpPr>
+      <p:sp>
+        <p:nvSpPr>
+          <p:cNvPr id="75" name="Shape 75"/>
+          <p:cNvSpPr txBox="1">
+            <a:spLocks noGrp="1"/>
+          </p:cNvSpPr>
+          <p:nvPr>
+            <p:ph type="title"/>
+          </p:nvPr>
+        </p:nvSpPr>
+        <p:spPr>
+          <a:xfrm>
+            <a:off x="457200" y="274637"/>
+            <a:ext cx="8229600" cy="1143000"/>
+          </a:xfrm>
+          <a:prstGeom prst="rect">
+            <a:avLst/>
+          </a:prstGeom>
+        </p:spPr>
+        <p:txBody>
+          <a:bodyPr lIns="91425" tIns="91425" rIns="91425" bIns="91425" anchor="b" anchorCtr="0">
+            <a:noAutofit/>
+          </a:bodyPr>
+          <a:lstStyle/>
+          <a:p>
+            <a:pPr lvl="0" rtl="0">
+              <a:spcBef>
+                <a:spcPts val="0"/>
+              </a:spcBef>
+              <a:buNone/>
+            </a:pPr>
+            <a:r>
+              <a:rPr lang="en-US" sz="7200" dirty="0" smtClean="0">
+                <a:solidFill>
+                  <a:srgbClr val="FF0000"/>
+                </a:solidFill>
+                <a:latin typeface="Yanone Kaffeesatz Bold"/>
+                <a:cs typeface="Yanone Kaffeesatz Bold"/>
+                <a:sym typeface="Ubuntu"/>
+              </a:rPr>
+              <a:t>Exercise</a:t>
+            </a:r>
+            <a:endParaRPr lang="en" sz="2800" b="0" dirty="0">
+              <a:solidFill>
+                <a:srgbClr val="4D4D4D"/>
+              </a:solidFill>
+              <a:latin typeface="Ubuntu"/>
+              <a:ea typeface="Ubuntu"/>
+              <a:cs typeface="Ubuntu"/>
+              <a:sym typeface="Ubuntu"/>
+            </a:endParaRPr>
+          </a:p>
+        </p:txBody>
+      </p:sp>
+      <p:sp>
+        <p:nvSpPr>
+          <p:cNvPr id="76" name="Shape 76"/>
+          <p:cNvSpPr txBox="1">
+            <a:spLocks noGrp="1"/>
+          </p:cNvSpPr>
+          <p:nvPr>
+            <p:ph type="body" idx="1"/>
+          </p:nvPr>
+        </p:nvSpPr>
+        <p:spPr>
+          <a:xfrm>
+            <a:off x="457199" y="1632473"/>
+            <a:ext cx="8482405" cy="4967700"/>
+          </a:xfrm>
+          <a:prstGeom prst="rect">
+            <a:avLst/>
+          </a:prstGeom>
+        </p:spPr>
+        <p:txBody>
+          <a:bodyPr lIns="91425" tIns="91425" rIns="91425" bIns="91425" anchor="t" anchorCtr="0">
+            <a:noAutofit/>
+          </a:bodyPr>
+          <a:lstStyle/>
+          <a:p>
+            <a:pPr lvl="0">
+              <a:buNone/>
+            </a:pPr>
+            <a:r>
+              <a:rPr lang="en-US" sz="2000" dirty="0" smtClean="0">
+                <a:solidFill>
+                  <a:schemeClr val="tx1"/>
+                </a:solidFill>
+                <a:latin typeface="Menlo Regular"/>
+                <a:ea typeface="Menlo Regular"/>
+                <a:cs typeface="Menlo Regular"/>
+                <a:sym typeface="Courier New"/>
+              </a:rPr>
+              <a:t>1. Given </a:t>
+            </a:r>
+            <a:r>
+              <a:rPr lang="en-US" sz="2000" dirty="0">
+                <a:solidFill>
+                  <a:schemeClr val="tx1"/>
+                </a:solidFill>
+                <a:latin typeface="Menlo Regular"/>
+                <a:ea typeface="Menlo Regular"/>
+                <a:cs typeface="Menlo Regular"/>
+                <a:sym typeface="Courier New"/>
+              </a:rPr>
+              <a:t>a list of 5 numbers, use a </a:t>
+            </a:r>
+            <a:r>
+              <a:rPr lang="en-US" sz="2000" dirty="0" smtClean="0">
+                <a:solidFill>
+                  <a:schemeClr val="tx1"/>
+                </a:solidFill>
+                <a:latin typeface="Menlo Regular"/>
+                <a:ea typeface="Menlo Regular"/>
+                <a:cs typeface="Menlo Regular"/>
+                <a:sym typeface="Courier New"/>
+              </a:rPr>
+              <a:t>for loop to create a new list named "data" that consists of the original numbers but with 10 subtracted from each of them.</a:t>
+            </a:r>
+          </a:p>
+          <a:p>
+            <a:pPr lvl="0">
+              <a:buNone/>
+            </a:pPr>
+            <a:endParaRPr lang="en-US" sz="2000" dirty="0" smtClean="0">
+              <a:solidFill>
+                <a:schemeClr val="tx1"/>
+              </a:solidFill>
+              <a:latin typeface="Menlo Regular"/>
+              <a:ea typeface="Menlo Regular"/>
+              <a:cs typeface="Menlo Regular"/>
+              <a:sym typeface="Courier New"/>
+            </a:endParaRPr>
+          </a:p>
+          <a:p>
+            <a:pPr lvl="0">
+              <a:buNone/>
+            </a:pPr>
+            <a:r>
+              <a:rPr lang="en-US" sz="2000" dirty="0" smtClean="0">
+                <a:solidFill>
+                  <a:schemeClr val="tx1"/>
+                </a:solidFill>
+                <a:latin typeface="Menlo Regular"/>
+                <a:ea typeface="Menlo Regular"/>
+                <a:cs typeface="Menlo Regular"/>
+                <a:sym typeface="Courier New"/>
+              </a:rPr>
+              <a:t>2. Do the same thing, but simplify your code so that it uses a list comprehension.</a:t>
+            </a:r>
+            <a:endParaRPr lang="en-US" sz="2000" dirty="0">
+              <a:solidFill>
+                <a:schemeClr val="tx1"/>
+              </a:solidFill>
+              <a:latin typeface="Menlo Regular"/>
+              <a:ea typeface="Menlo Regular"/>
+              <a:cs typeface="Menlo Regular"/>
+              <a:sym typeface="Courier New"/>
+            </a:endParaRPr>
+          </a:p>
+        </p:txBody>
+      </p:sp>
+    </p:spTree>
+    <p:extLst>
+      <p:ext uri="{BB962C8B-B14F-4D97-AF65-F5344CB8AC3E}">
+        <p14:creationId xmlns:p14="http://schemas.microsoft.com/office/powerpoint/2010/main" val="489440960"/>
+      </p:ext>
+    </p:extLst>
+  </p:cSld>
+  <p:clrMapOvr>
+    <a:masterClrMapping/>
+  </p:clrMapOvr>
+  <p:transition xmlns:p14="http://schemas.microsoft.com/office/powerpoint/2010/main" spd="slow">
+    <p:cut/>
+  </p:transition>
+  <p:timing>
+    <p:tnLst>
+      <p:par>
+        <p:cTn xmlns:p14="http://schemas.microsoft.com/office/powerpoint/2010/main" id="1" dur="indefinite" restart="never" nodeType="tmRoot"/>
+      </p:par>
+    </p:tnLst>
+  </p:timing>
+</p:sld>
+</file>
+
+<file path=ppt/slides/slide15.xml><?xml version="1.0" encoding="utf-8"?>
+<p:sld xmlns:a="http://schemas.openxmlformats.org/drawingml/2006/main" xmlns:r="http://schemas.openxmlformats.org/officeDocument/2006/relationships" xmlns:p="http://schemas.openxmlformats.org/presentationml/2006/main">
+  <p:cSld>
+    <p:spTree>
+      <p:nvGrpSpPr>
+        <p:cNvPr id="1" name="Shape 74"/>
+        <p:cNvGrpSpPr/>
+        <p:nvPr/>
+      </p:nvGrpSpPr>
+      <p:grpSpPr>
+        <a:xfrm>
+          <a:off x="0" y="0"/>
+          <a:ext cx="0" cy="0"/>
+          <a:chOff x="0" y="0"/>
+          <a:chExt cx="0" cy="0"/>
+        </a:xfrm>
+      </p:grpSpPr>
+      <p:sp>
+        <p:nvSpPr>
+          <p:cNvPr id="75" name="Shape 75"/>
+          <p:cNvSpPr txBox="1">
+            <a:spLocks noGrp="1"/>
+          </p:cNvSpPr>
+          <p:nvPr>
+            <p:ph type="title"/>
+          </p:nvPr>
+        </p:nvSpPr>
+        <p:spPr>
+          <a:xfrm>
+            <a:off x="457200" y="274637"/>
+            <a:ext cx="8229600" cy="1143000"/>
+          </a:xfrm>
+          <a:prstGeom prst="rect">
+            <a:avLst/>
+          </a:prstGeom>
+        </p:spPr>
+        <p:txBody>
+          <a:bodyPr lIns="91425" tIns="91425" rIns="91425" bIns="91425" anchor="b" anchorCtr="0">
+            <a:noAutofit/>
+          </a:bodyPr>
+          <a:lstStyle/>
+          <a:p>
+            <a:pPr lvl="0" rtl="0">
+              <a:spcBef>
+                <a:spcPts val="0"/>
+              </a:spcBef>
+              <a:buNone/>
+            </a:pPr>
+            <a:r>
+              <a:rPr lang="en-US" sz="7200" dirty="0">
+                <a:solidFill>
+                  <a:srgbClr val="FF0000"/>
+                </a:solidFill>
+                <a:latin typeface="Yanone Kaffeesatz Bold"/>
+                <a:cs typeface="Yanone Kaffeesatz Bold"/>
+                <a:sym typeface="Ubuntu"/>
+              </a:rPr>
+              <a:t>Comprehensions</a:t>
+            </a:r>
+            <a:endParaRPr lang="en" sz="2800" b="0" dirty="0">
+              <a:solidFill>
+                <a:srgbClr val="4D4D4D"/>
+              </a:solidFill>
+              <a:latin typeface="Ubuntu"/>
+              <a:ea typeface="Ubuntu"/>
+              <a:cs typeface="Ubuntu"/>
+              <a:sym typeface="Ubuntu"/>
+            </a:endParaRPr>
+          </a:p>
+        </p:txBody>
+      </p:sp>
+      <p:sp>
+        <p:nvSpPr>
+          <p:cNvPr id="76" name="Shape 76"/>
+          <p:cNvSpPr txBox="1">
+            <a:spLocks noGrp="1"/>
+          </p:cNvSpPr>
+          <p:nvPr>
+            <p:ph type="body" idx="1"/>
+          </p:nvPr>
+        </p:nvSpPr>
+        <p:spPr>
+          <a:xfrm>
+            <a:off x="457199" y="1632473"/>
+            <a:ext cx="8482405" cy="4967700"/>
+          </a:xfrm>
+          <a:prstGeom prst="rect">
+            <a:avLst/>
+          </a:prstGeom>
+        </p:spPr>
+        <p:txBody>
+          <a:bodyPr lIns="91425" tIns="91425" rIns="91425" bIns="91425" anchor="t" anchorCtr="0">
+            <a:noAutofit/>
+          </a:bodyPr>
+          <a:lstStyle/>
+          <a:p>
+            <a:pPr lvl="0">
+              <a:buNone/>
+            </a:pPr>
+            <a:r>
+              <a:rPr lang="en-US" sz="2000" dirty="0">
+                <a:solidFill>
+                  <a:schemeClr val="tx1"/>
+                </a:solidFill>
+                <a:latin typeface="Menlo Regular"/>
+                <a:ea typeface="Menlo Regular"/>
+                <a:cs typeface="Menlo Regular"/>
+                <a:sym typeface="Courier New"/>
+              </a:rPr>
+              <a:t>1. Given a list of 5 numbers, use a for loop to create a new list named "data" that consists of the original numbers but with 10 subtracted from each of them.</a:t>
+            </a:r>
+          </a:p>
+          <a:p>
+            <a:pPr lvl="0">
+              <a:buNone/>
+            </a:pPr>
+            <a:endParaRPr lang="en-US" sz="2000" dirty="0">
+              <a:solidFill>
+                <a:schemeClr val="tx1"/>
+              </a:solidFill>
+              <a:latin typeface="Menlo Regular"/>
+              <a:ea typeface="Menlo Regular"/>
+              <a:cs typeface="Menlo Regular"/>
+              <a:sym typeface="Courier New"/>
+            </a:endParaRPr>
+          </a:p>
+          <a:p>
+            <a:pPr lvl="0">
+              <a:buNone/>
+            </a:pPr>
+            <a:r>
+              <a:rPr lang="en-US" sz="2000" dirty="0">
+                <a:solidFill>
+                  <a:schemeClr val="tx1"/>
+                </a:solidFill>
+                <a:latin typeface="Menlo Regular"/>
+                <a:ea typeface="Menlo Regular"/>
+                <a:cs typeface="Menlo Regular"/>
+                <a:sym typeface="Courier New"/>
+              </a:rPr>
+              <a:t>2. Do the same thing, but simplify your code so that it uses a list comprehension</a:t>
+            </a:r>
+            <a:r>
+              <a:rPr lang="en-US" sz="2000" dirty="0" smtClean="0">
+                <a:solidFill>
+                  <a:schemeClr val="tx1"/>
+                </a:solidFill>
+                <a:latin typeface="Menlo Regular"/>
+                <a:ea typeface="Menlo Regular"/>
+                <a:cs typeface="Menlo Regular"/>
+                <a:sym typeface="Courier New"/>
+              </a:rPr>
+              <a:t>.</a:t>
+            </a:r>
+          </a:p>
+          <a:p>
+            <a:pPr lvl="0">
+              <a:buNone/>
+            </a:pPr>
+            <a:endParaRPr lang="en-US" sz="2000" dirty="0">
+              <a:solidFill>
+                <a:schemeClr val="tx1"/>
+              </a:solidFill>
+              <a:latin typeface="Menlo Regular"/>
+              <a:ea typeface="Menlo Regular"/>
+              <a:cs typeface="Menlo Regular"/>
+              <a:sym typeface="Courier New"/>
+            </a:endParaRPr>
+          </a:p>
+          <a:p>
+            <a:pPr lvl="0">
+              <a:buNone/>
+            </a:pPr>
+            <a:r>
+              <a:rPr lang="en-US" sz="2000" dirty="0" err="1" smtClean="0">
+                <a:solidFill>
+                  <a:schemeClr val="tx1"/>
+                </a:solidFill>
+                <a:latin typeface="Menlo Regular"/>
+                <a:ea typeface="Menlo Regular"/>
+                <a:cs typeface="Menlo Regular"/>
+                <a:sym typeface="Courier New"/>
+              </a:rPr>
+              <a:t>my_list</a:t>
+            </a:r>
+            <a:r>
+              <a:rPr lang="en-US" sz="2000" dirty="0" smtClean="0">
+                <a:solidFill>
+                  <a:schemeClr val="tx1"/>
+                </a:solidFill>
+                <a:latin typeface="Menlo Regular"/>
+                <a:ea typeface="Menlo Regular"/>
+                <a:cs typeface="Menlo Regular"/>
+                <a:sym typeface="Courier New"/>
+              </a:rPr>
+              <a:t> </a:t>
+            </a:r>
+            <a:r>
+              <a:rPr lang="en-US" sz="2000" dirty="0">
+                <a:solidFill>
+                  <a:schemeClr val="tx1"/>
+                </a:solidFill>
+                <a:latin typeface="Menlo Regular"/>
+                <a:ea typeface="Menlo Regular"/>
+                <a:cs typeface="Menlo Regular"/>
+                <a:sym typeface="Courier New"/>
+              </a:rPr>
+              <a:t>= [1,2,3,4,5</a:t>
+            </a:r>
+            <a:r>
+              <a:rPr lang="en-US" sz="2000" dirty="0" smtClean="0">
+                <a:solidFill>
+                  <a:schemeClr val="tx1"/>
+                </a:solidFill>
+                <a:latin typeface="Menlo Regular"/>
+                <a:ea typeface="Menlo Regular"/>
+                <a:cs typeface="Menlo Regular"/>
+                <a:sym typeface="Courier New"/>
+              </a:rPr>
+              <a:t>]</a:t>
+            </a:r>
+          </a:p>
+          <a:p>
+            <a:pPr lvl="0">
+              <a:buNone/>
+            </a:pPr>
+            <a:endParaRPr lang="en-US" sz="2000" dirty="0">
+              <a:solidFill>
+                <a:schemeClr val="tx1"/>
+              </a:solidFill>
+              <a:latin typeface="Menlo Regular"/>
+              <a:ea typeface="Menlo Regular"/>
+              <a:cs typeface="Menlo Regular"/>
+              <a:sym typeface="Courier New"/>
+            </a:endParaRPr>
+          </a:p>
+          <a:p>
+            <a:pPr lvl="0">
+              <a:buNone/>
+            </a:pPr>
+            <a:r>
+              <a:rPr lang="en-US" sz="2000" dirty="0" smtClean="0">
+                <a:solidFill>
+                  <a:schemeClr val="tx1"/>
+                </a:solidFill>
+                <a:latin typeface="Menlo Regular"/>
+                <a:ea typeface="Menlo Regular"/>
+                <a:cs typeface="Menlo Regular"/>
+                <a:sym typeface="Courier New"/>
+              </a:rPr>
+              <a:t>data = []</a:t>
+            </a:r>
+            <a:endParaRPr lang="en-US" sz="2000" dirty="0">
+              <a:solidFill>
+                <a:schemeClr val="tx1"/>
+              </a:solidFill>
+              <a:latin typeface="Menlo Regular"/>
+              <a:ea typeface="Menlo Regular"/>
+              <a:cs typeface="Menlo Regular"/>
+              <a:sym typeface="Courier New"/>
+            </a:endParaRPr>
+          </a:p>
+          <a:p>
+            <a:pPr lvl="0">
+              <a:buNone/>
+            </a:pPr>
+            <a:r>
+              <a:rPr lang="en-US" sz="2000" dirty="0" smtClean="0">
+                <a:solidFill>
+                  <a:schemeClr val="tx1"/>
+                </a:solidFill>
+                <a:latin typeface="Menlo Regular"/>
+                <a:ea typeface="Menlo Regular"/>
+                <a:cs typeface="Menlo Regular"/>
+                <a:sym typeface="Courier New"/>
+              </a:rPr>
+              <a:t>for nugget in </a:t>
+            </a:r>
+            <a:r>
+              <a:rPr lang="en-US" sz="2000" dirty="0" err="1" smtClean="0">
+                <a:solidFill>
+                  <a:schemeClr val="tx1"/>
+                </a:solidFill>
+                <a:latin typeface="Menlo Regular"/>
+                <a:ea typeface="Menlo Regular"/>
+                <a:cs typeface="Menlo Regular"/>
+                <a:sym typeface="Courier New"/>
+              </a:rPr>
+              <a:t>my_list</a:t>
+            </a:r>
+            <a:r>
+              <a:rPr lang="en-US" sz="2000" dirty="0" smtClean="0">
+                <a:solidFill>
+                  <a:schemeClr val="tx1"/>
+                </a:solidFill>
+                <a:latin typeface="Menlo Regular"/>
+                <a:ea typeface="Menlo Regular"/>
+                <a:cs typeface="Menlo Regular"/>
+                <a:sym typeface="Courier New"/>
+              </a:rPr>
+              <a:t>:</a:t>
+            </a:r>
+          </a:p>
+          <a:p>
+            <a:pPr lvl="0">
+              <a:buNone/>
+            </a:pPr>
+            <a:r>
+              <a:rPr lang="en-US" sz="2000" dirty="0">
+                <a:solidFill>
+                  <a:schemeClr val="tx1"/>
+                </a:solidFill>
+                <a:latin typeface="Menlo Regular"/>
+                <a:ea typeface="Menlo Regular"/>
+                <a:cs typeface="Menlo Regular"/>
+                <a:sym typeface="Courier New"/>
+              </a:rPr>
+              <a:t>	</a:t>
+            </a:r>
+            <a:r>
+              <a:rPr lang="en-US" sz="2000" dirty="0" err="1" smtClean="0">
+                <a:solidFill>
+                  <a:schemeClr val="tx1"/>
+                </a:solidFill>
+                <a:latin typeface="Menlo Regular"/>
+                <a:ea typeface="Menlo Regular"/>
+                <a:cs typeface="Menlo Regular"/>
+                <a:sym typeface="Courier New"/>
+              </a:rPr>
+              <a:t>data.append</a:t>
+            </a:r>
+            <a:r>
+              <a:rPr lang="en-US" sz="2000" dirty="0" smtClean="0">
+                <a:solidFill>
+                  <a:schemeClr val="tx1"/>
+                </a:solidFill>
+                <a:latin typeface="Menlo Regular"/>
+                <a:ea typeface="Menlo Regular"/>
+                <a:cs typeface="Menlo Regular"/>
+                <a:sym typeface="Courier New"/>
+              </a:rPr>
+              <a:t>(nugget - 10)</a:t>
+            </a:r>
+          </a:p>
+          <a:p>
+            <a:pPr lvl="0">
+              <a:buNone/>
+            </a:pPr>
+            <a:endParaRPr lang="en-US" sz="2000" dirty="0">
+              <a:solidFill>
+                <a:schemeClr val="tx1"/>
+              </a:solidFill>
+              <a:latin typeface="Menlo Regular"/>
+              <a:ea typeface="Menlo Regular"/>
+              <a:cs typeface="Menlo Regular"/>
+              <a:sym typeface="Courier New"/>
+            </a:endParaRPr>
+          </a:p>
+          <a:p>
+            <a:pPr lvl="0">
+              <a:buNone/>
+            </a:pPr>
+            <a:r>
+              <a:rPr lang="en-US" sz="2000" dirty="0" smtClean="0">
+                <a:solidFill>
+                  <a:schemeClr val="tx1"/>
+                </a:solidFill>
+                <a:latin typeface="Menlo Regular"/>
+                <a:ea typeface="Menlo Regular"/>
+                <a:cs typeface="Menlo Regular"/>
+                <a:sym typeface="Courier New"/>
+              </a:rPr>
+              <a:t>or</a:t>
+            </a:r>
+            <a:endParaRPr lang="en-US" sz="2000" dirty="0">
+              <a:solidFill>
+                <a:schemeClr val="tx1"/>
+              </a:solidFill>
+              <a:latin typeface="Menlo Regular"/>
+              <a:ea typeface="Menlo Regular"/>
+              <a:cs typeface="Menlo Regular"/>
+              <a:sym typeface="Courier New"/>
+            </a:endParaRPr>
+          </a:p>
+          <a:p>
+            <a:pPr lvl="0">
+              <a:buNone/>
+            </a:pPr>
+            <a:endParaRPr lang="en-US" sz="2000" dirty="0" smtClean="0">
+              <a:solidFill>
+                <a:schemeClr val="tx1"/>
+              </a:solidFill>
+              <a:latin typeface="Menlo Regular"/>
+              <a:ea typeface="Menlo Regular"/>
+              <a:cs typeface="Menlo Regular"/>
+              <a:sym typeface="Courier New"/>
+            </a:endParaRPr>
+          </a:p>
+          <a:p>
+            <a:pPr lvl="0">
+              <a:buNone/>
+            </a:pPr>
+            <a:r>
+              <a:rPr lang="en-US" sz="2000" dirty="0" smtClean="0">
+                <a:solidFill>
+                  <a:schemeClr val="tx1"/>
+                </a:solidFill>
+                <a:latin typeface="Menlo Regular"/>
+                <a:ea typeface="Menlo Regular"/>
+                <a:cs typeface="Menlo Regular"/>
+                <a:sym typeface="Courier New"/>
+              </a:rPr>
+              <a:t>data </a:t>
+            </a:r>
+            <a:r>
+              <a:rPr lang="en-US" sz="2000" dirty="0">
+                <a:solidFill>
+                  <a:schemeClr val="tx1"/>
+                </a:solidFill>
+                <a:latin typeface="Menlo Regular"/>
+                <a:ea typeface="Menlo Regular"/>
+                <a:cs typeface="Menlo Regular"/>
+                <a:sym typeface="Courier New"/>
+              </a:rPr>
+              <a:t>= [number + </a:t>
+            </a:r>
+            <a:r>
+              <a:rPr lang="en-US" sz="2000" dirty="0" smtClean="0">
+                <a:solidFill>
+                  <a:schemeClr val="tx1"/>
+                </a:solidFill>
+                <a:latin typeface="Menlo Regular"/>
+                <a:ea typeface="Menlo Regular"/>
+                <a:cs typeface="Menlo Regular"/>
+                <a:sym typeface="Courier New"/>
+              </a:rPr>
+              <a:t>10 </a:t>
+            </a:r>
+            <a:r>
+              <a:rPr lang="en-US" sz="2000" dirty="0">
+                <a:solidFill>
+                  <a:schemeClr val="tx1"/>
+                </a:solidFill>
+                <a:latin typeface="Menlo Regular"/>
+                <a:ea typeface="Menlo Regular"/>
+                <a:cs typeface="Menlo Regular"/>
+                <a:sym typeface="Courier New"/>
+              </a:rPr>
+              <a:t>for number in my_list]</a:t>
             </a:r>
           </a:p>
         </p:txBody>
@@ -12246,7 +13265,7 @@
 </p:sld>
 </file>
 
-<file path=ppt/slides/slide14.xml><?xml version="1.0" encoding="utf-8"?>
+<file path=ppt/slides/slide16.xml><?xml version="1.0" encoding="utf-8"?>
 <p:sld xmlns:a="http://schemas.openxmlformats.org/drawingml/2006/main" xmlns:r="http://schemas.openxmlformats.org/officeDocument/2006/relationships" xmlns:p="http://schemas.openxmlformats.org/presentationml/2006/main">
   <p:cSld>
     <p:spTree>
@@ -12516,7 +13535,7 @@
 </p:sld>
 </file>
 
-<file path=ppt/slides/slide15.xml><?xml version="1.0" encoding="utf-8"?>
+<file path=ppt/slides/slide17.xml><?xml version="1.0" encoding="utf-8"?>
 <p:sld xmlns:a="http://schemas.openxmlformats.org/drawingml/2006/main" xmlns:r="http://schemas.openxmlformats.org/officeDocument/2006/relationships" xmlns:p="http://schemas.openxmlformats.org/presentationml/2006/main">
   <p:cSld>
     <p:spTree>
@@ -12584,32 +13603,17 @@
                 <a:cs typeface="Yanone Kaffeesatz Bold"/>
                 <a:sym typeface="Ubuntu"/>
               </a:rPr>
-              <a:t>: </a:t>
-            </a:r>
-            <a:r>
-              <a:rPr lang="en" sz="3200" b="0" dirty="0" smtClean="0">
-                <a:solidFill>
-                  <a:srgbClr val="4D4D4D"/>
-                </a:solidFill>
-                <a:latin typeface="Ubuntu"/>
-                <a:ea typeface="Ubuntu"/>
-                <a:cs typeface="Ubuntu"/>
-                <a:sym typeface="Ubuntu"/>
-              </a:rPr>
-              <a:t>do </a:t>
-            </a:r>
-            <a:r>
-              <a:rPr lang="en" sz="3200" b="0" dirty="0">
-                <a:solidFill>
-                  <a:srgbClr val="4D4D4D"/>
-                </a:solidFill>
-                <a:latin typeface="Ubuntu"/>
-                <a:ea typeface="Ubuntu"/>
-                <a:cs typeface="Ubuntu"/>
-                <a:sym typeface="Ubuntu"/>
-              </a:rPr>
-              <a:t>something if a condition is true</a:t>
-            </a:r>
+              <a:t>:</a:t>
+            </a:r>
+            <a:endParaRPr lang="en" sz="3200" b="0" dirty="0">
+              <a:solidFill>
+                <a:srgbClr val="4D4D4D"/>
+              </a:solidFill>
+              <a:latin typeface="Ubuntu"/>
+              <a:ea typeface="Ubuntu"/>
+              <a:cs typeface="Ubuntu"/>
+              <a:sym typeface="Ubuntu"/>
+            </a:endParaRPr>
           </a:p>
         </p:txBody>
       </p:sp>
@@ -12625,7 +13629,7 @@
         </p:nvSpPr>
         <p:spPr>
           <a:xfrm>
-            <a:off x="640080" y="2148840"/>
+            <a:off x="457200" y="1417637"/>
             <a:ext cx="8229600" cy="4967700"/>
           </a:xfrm>
           <a:prstGeom prst="rect">
@@ -12642,8 +13646,60 @@
               <a:buNone/>
             </a:pPr>
             <a:r>
+              <a:rPr lang="en" sz="2800" dirty="0" smtClean="0">
+                <a:solidFill>
+                  <a:srgbClr val="4D4D4D"/>
+                </a:solidFill>
+                <a:latin typeface="Ubuntu"/>
+                <a:ea typeface="Ubuntu"/>
+                <a:cs typeface="Ubuntu"/>
+                <a:sym typeface="Ubuntu"/>
+              </a:rPr>
+              <a:t>do </a:t>
+            </a:r>
+            <a:r>
               <a:rPr lang="en" sz="2800" dirty="0">
                 <a:solidFill>
+                  <a:srgbClr val="4D4D4D"/>
+                </a:solidFill>
+                <a:latin typeface="Ubuntu"/>
+                <a:ea typeface="Ubuntu"/>
+                <a:cs typeface="Ubuntu"/>
+                <a:sym typeface="Ubuntu"/>
+              </a:rPr>
+              <a:t>something if a condition is true</a:t>
+            </a:r>
+            <a:endParaRPr lang="en-US" sz="2800" dirty="0">
+              <a:solidFill>
+                <a:srgbClr val="0B5C92"/>
+              </a:solidFill>
+              <a:latin typeface="Menlo Regular"/>
+              <a:ea typeface="Menlo Regular"/>
+              <a:cs typeface="Menlo Regular"/>
+              <a:sym typeface="Courier New"/>
+            </a:endParaRPr>
+          </a:p>
+          <a:p>
+            <a:pPr lvl="0">
+              <a:buNone/>
+            </a:pPr>
+            <a:endParaRPr lang="en-US" sz="2800" dirty="0" smtClean="0">
+              <a:solidFill>
+                <a:srgbClr val="0B5C92"/>
+              </a:solidFill>
+              <a:latin typeface="Menlo Regular"/>
+              <a:ea typeface="Menlo Regular"/>
+              <a:cs typeface="Menlo Regular"/>
+              <a:sym typeface="Courier New"/>
+            </a:endParaRPr>
+          </a:p>
+          <a:p>
+            <a:pPr lvl="0">
+              <a:buNone/>
+            </a:pPr>
+            <a:r>
+              <a:rPr lang="en" sz="2800" dirty="0" smtClean="0">
+                <a:solidFill>
                   <a:srgbClr val="0B5C92"/>
                 </a:solidFill>
                 <a:latin typeface="Menlo Regular"/>
@@ -12651,7 +13707,19 @@
                 <a:cs typeface="Menlo Regular"/>
                 <a:sym typeface="Courier New"/>
               </a:rPr>
-              <a:t>for fruit in fruits:</a:t>
+              <a:t>for </a:t>
+            </a:r>
+            <a:r>
+              <a:rPr lang="en" sz="2800" dirty="0">
+                <a:solidFill>
+                  <a:srgbClr val="0B5C92"/>
+                </a:solidFill>
+                <a:latin typeface="Menlo Regular"/>
+                <a:ea typeface="Menlo Regular"/>
+                <a:cs typeface="Menlo Regular"/>
+                <a:sym typeface="Courier New"/>
+              </a:rPr>
+              <a:t>fruit in fruits:</a:t>
             </a:r>
           </a:p>
           <a:p>
@@ -12812,7 +13880,7 @@
 </p:sld>
 </file>
 
-<file path=ppt/slides/slide16.xml><?xml version="1.0" encoding="utf-8"?>
+<file path=ppt/slides/slide18.xml><?xml version="1.0" encoding="utf-8"?>
 <p:sld xmlns:a="http://schemas.openxmlformats.org/drawingml/2006/main" xmlns:r="http://schemas.openxmlformats.org/officeDocument/2006/relationships" xmlns:p="http://schemas.openxmlformats.org/presentationml/2006/main">
   <p:cSld>
     <p:spTree>
@@ -13037,7 +14105,7 @@
 </p:sld>
 </file>
 
-<file path=ppt/slides/slide17.xml><?xml version="1.0" encoding="utf-8"?>
+<file path=ppt/slides/slide19.xml><?xml version="1.0" encoding="utf-8"?>
 <p:sld xmlns:a="http://schemas.openxmlformats.org/drawingml/2006/main" xmlns:r="http://schemas.openxmlformats.org/officeDocument/2006/relationships" xmlns:p="http://schemas.openxmlformats.org/presentationml/2006/main">
   <p:cSld>
     <p:spTree>
@@ -13126,1432 +14194,6 @@
   <p:clrMapOvr>
     <a:masterClrMapping/>
   </p:clrMapOvr>
-</p:sld>
-</file>
-
-<file path=ppt/slides/slide18.xml><?xml version="1.0" encoding="utf-8"?>
-<p:sld xmlns:a="http://schemas.openxmlformats.org/drawingml/2006/main" xmlns:r="http://schemas.openxmlformats.org/officeDocument/2006/relationships" xmlns:p="http://schemas.openxmlformats.org/presentationml/2006/main">
-  <p:cSld>
-    <p:spTree>
-      <p:nvGrpSpPr>
-        <p:cNvPr id="1" name="Shape 98"/>
-        <p:cNvGrpSpPr/>
-        <p:nvPr/>
-      </p:nvGrpSpPr>
-      <p:grpSpPr>
-        <a:xfrm>
-          <a:off x="0" y="0"/>
-          <a:ext cx="0" cy="0"/>
-          <a:chOff x="0" y="0"/>
-          <a:chExt cx="0" cy="0"/>
-        </a:xfrm>
-      </p:grpSpPr>
-      <p:sp>
-        <p:nvSpPr>
-          <p:cNvPr id="99" name="Shape 99"/>
-          <p:cNvSpPr txBox="1">
-            <a:spLocks noGrp="1"/>
-          </p:cNvSpPr>
-          <p:nvPr>
-            <p:ph type="title"/>
-          </p:nvPr>
-        </p:nvSpPr>
-        <p:spPr>
-          <a:xfrm>
-            <a:off x="269775" y="270314"/>
-            <a:ext cx="8658810" cy="996794"/>
-          </a:xfrm>
-          <a:prstGeom prst="rect">
-            <a:avLst/>
-          </a:prstGeom>
-        </p:spPr>
-        <p:txBody>
-          <a:bodyPr lIns="38100" tIns="38100" rIns="38100" bIns="38100" anchor="t" anchorCtr="0">
-            <a:noAutofit/>
-          </a:bodyPr>
-          <a:lstStyle/>
-          <a:p>
-            <a:pPr rtl="0">
-              <a:lnSpc>
-                <a:spcPct val="100000"/>
-              </a:lnSpc>
-              <a:spcBef>
-                <a:spcPts val="0"/>
-              </a:spcBef>
-              <a:buNone/>
-            </a:pPr>
-            <a:r>
-              <a:rPr lang="en-US" sz="7200" b="1" dirty="0">
-                <a:solidFill>
-                  <a:srgbClr val="FF0000"/>
-                </a:solidFill>
-                <a:latin typeface="Yanone Kaffeesatz Bold"/>
-                <a:cs typeface="Yanone Kaffeesatz Bold"/>
-                <a:sym typeface="trebuchet ms"/>
-              </a:rPr>
-              <a:t>f</a:t>
-            </a:r>
-            <a:r>
-              <a:rPr lang="en" sz="7200" b="1" dirty="0" smtClean="0">
-                <a:solidFill>
-                  <a:srgbClr val="FF0000"/>
-                </a:solidFill>
-                <a:latin typeface="Yanone Kaffeesatz Bold"/>
-                <a:cs typeface="Yanone Kaffeesatz Bold"/>
-                <a:sym typeface="trebuchet ms"/>
-              </a:rPr>
-              <a:t>or loops</a:t>
-            </a:r>
-            <a:r>
-              <a:rPr lang="en-US" sz="7200" b="1" dirty="0" smtClean="0">
-                <a:solidFill>
-                  <a:srgbClr val="FF0000"/>
-                </a:solidFill>
-                <a:latin typeface="Yanone Kaffeesatz Bold"/>
-                <a:cs typeface="Yanone Kaffeesatz Bold"/>
-                <a:sym typeface="trebuchet ms"/>
-              </a:rPr>
-              <a:t>: </a:t>
-            </a:r>
-            <a:r>
-              <a:rPr lang="en" sz="3000" dirty="0" smtClean="0">
-                <a:solidFill>
-                  <a:schemeClr val="tx1">
-                    <a:lumMod val="50000"/>
-                    <a:lumOff val="50000"/>
-                  </a:schemeClr>
-                </a:solidFill>
-                <a:latin typeface="Ubuntu"/>
-                <a:ea typeface="arial"/>
-                <a:cs typeface="Ubuntu"/>
-                <a:sym typeface="arial"/>
-              </a:rPr>
-              <a:t>for dictionaries</a:t>
-            </a:r>
-            <a:endParaRPr lang="en" sz="3000" dirty="0">
-              <a:solidFill>
-                <a:schemeClr val="tx1">
-                  <a:lumMod val="50000"/>
-                  <a:lumOff val="50000"/>
-                </a:schemeClr>
-              </a:solidFill>
-              <a:latin typeface="Ubuntu"/>
-              <a:ea typeface="arial"/>
-              <a:cs typeface="Ubuntu"/>
-              <a:sym typeface="arial"/>
-            </a:endParaRPr>
-          </a:p>
-        </p:txBody>
-      </p:sp>
-      <p:sp>
-        <p:nvSpPr>
-          <p:cNvPr id="100" name="Shape 100"/>
-          <p:cNvSpPr txBox="1">
-            <a:spLocks noGrp="1"/>
-          </p:cNvSpPr>
-          <p:nvPr>
-            <p:ph type="body" idx="1"/>
-          </p:nvPr>
-        </p:nvSpPr>
-        <p:spPr>
-          <a:xfrm>
-            <a:off x="274319" y="1645919"/>
-            <a:ext cx="8663939" cy="5006339"/>
-          </a:xfrm>
-          <a:prstGeom prst="rect">
-            <a:avLst/>
-          </a:prstGeom>
-        </p:spPr>
-        <p:txBody>
-          <a:bodyPr lIns="38100" tIns="38100" rIns="38100" bIns="38100" anchor="t" anchorCtr="0">
-            <a:noAutofit/>
-          </a:bodyPr>
-          <a:lstStyle/>
-          <a:p>
-            <a:pPr marL="38100"/>
-            <a:endParaRPr lang="en" sz="2400" dirty="0" smtClean="0">
-              <a:solidFill>
-                <a:schemeClr val="tx1"/>
-              </a:solidFill>
-              <a:latin typeface="Menlo Regular"/>
-              <a:cs typeface="Menlo Regular"/>
-              <a:sym typeface="Courier New"/>
-            </a:endParaRPr>
-          </a:p>
-          <a:p>
-            <a:pPr marL="38100"/>
-            <a:endParaRPr lang="en" sz="2400" dirty="0">
-              <a:solidFill>
-                <a:schemeClr val="tx1"/>
-              </a:solidFill>
-              <a:latin typeface="Menlo Regular"/>
-              <a:cs typeface="Menlo Regular"/>
-              <a:sym typeface="Courier New"/>
-            </a:endParaRPr>
-          </a:p>
-          <a:p>
-            <a:pPr marL="38100"/>
-            <a:r>
-              <a:rPr lang="en" sz="2400" dirty="0" smtClean="0">
-                <a:solidFill>
-                  <a:schemeClr val="tx1"/>
-                </a:solidFill>
-                <a:latin typeface="Menlo Regular"/>
-                <a:cs typeface="Menlo Regular"/>
-                <a:sym typeface="Courier New"/>
-              </a:rPr>
-              <a:t>&gt;&gt;&gt; states </a:t>
-            </a:r>
-            <a:r>
-              <a:rPr lang="en" sz="2400" dirty="0">
-                <a:solidFill>
-                  <a:schemeClr val="tx1"/>
-                </a:solidFill>
-                <a:latin typeface="Menlo Regular"/>
-                <a:cs typeface="Menlo Regular"/>
-                <a:sym typeface="Courier New"/>
-              </a:rPr>
-              <a:t>= {</a:t>
-            </a:r>
-            <a:r>
-              <a:rPr lang="en" sz="2400" dirty="0">
-                <a:solidFill>
-                  <a:srgbClr val="D20035"/>
-                </a:solidFill>
-                <a:latin typeface="Menlo Regular"/>
-                <a:cs typeface="Menlo Regular"/>
-                <a:sym typeface="Courier New"/>
-              </a:rPr>
-              <a:t>"</a:t>
-            </a:r>
-            <a:r>
-              <a:rPr lang="en" sz="2400" dirty="0" smtClean="0">
-                <a:solidFill>
-                  <a:srgbClr val="D20035"/>
-                </a:solidFill>
-                <a:latin typeface="Menlo Regular"/>
-                <a:cs typeface="Menlo Regular"/>
-                <a:sym typeface="Courier New"/>
-              </a:rPr>
-              <a:t>VA</a:t>
-            </a:r>
-            <a:r>
-              <a:rPr lang="en-US" sz="2400" dirty="0" smtClean="0">
-                <a:solidFill>
-                  <a:srgbClr val="D20035"/>
-                </a:solidFill>
-                <a:latin typeface="Menlo Regular"/>
-                <a:cs typeface="Menlo Regular"/>
-                <a:sym typeface="Courier New"/>
-              </a:rPr>
-              <a:t>"</a:t>
-            </a:r>
-            <a:r>
-              <a:rPr lang="en" sz="2400" dirty="0" smtClean="0">
-                <a:latin typeface="Menlo Regular"/>
-                <a:cs typeface="Menlo Regular"/>
-                <a:sym typeface="Courier New"/>
-              </a:rPr>
-              <a:t>: </a:t>
-            </a:r>
-            <a:r>
-              <a:rPr lang="en" sz="2400" dirty="0">
-                <a:solidFill>
-                  <a:srgbClr val="D20035"/>
-                </a:solidFill>
-                <a:latin typeface="Menlo Regular"/>
-                <a:cs typeface="Menlo Regular"/>
-                <a:sym typeface="Courier New"/>
-              </a:rPr>
-              <a:t>"Virginia"</a:t>
-            </a:r>
-            <a:r>
-              <a:rPr lang="en" sz="2400" dirty="0">
-                <a:latin typeface="Menlo Regular"/>
-                <a:cs typeface="Menlo Regular"/>
-                <a:sym typeface="Courier New"/>
-              </a:rPr>
-              <a:t>,</a:t>
-            </a:r>
-            <a:r>
-              <a:rPr lang="en" sz="2400" dirty="0">
-                <a:solidFill>
-                  <a:srgbClr val="0E72A4"/>
-                </a:solidFill>
-                <a:latin typeface="Menlo Regular"/>
-                <a:cs typeface="Menlo Regular"/>
-                <a:sym typeface="Courier New"/>
-              </a:rPr>
-              <a:t> </a:t>
-            </a:r>
-            <a:r>
-              <a:rPr lang="en" sz="2400" dirty="0">
-                <a:solidFill>
-                  <a:srgbClr val="D20035"/>
-                </a:solidFill>
-                <a:latin typeface="Menlo Regular"/>
-                <a:cs typeface="Menlo Regular"/>
-                <a:sym typeface="Courier New"/>
-              </a:rPr>
-              <a:t>"</a:t>
-            </a:r>
-            <a:r>
-              <a:rPr lang="en" sz="2400" dirty="0" smtClean="0">
-                <a:solidFill>
-                  <a:srgbClr val="D20035"/>
-                </a:solidFill>
-                <a:latin typeface="Menlo Regular"/>
-                <a:cs typeface="Menlo Regular"/>
-                <a:sym typeface="Courier New"/>
-              </a:rPr>
-              <a:t>MD</a:t>
-            </a:r>
-            <a:r>
-              <a:rPr lang="en-US" sz="2400" dirty="0" smtClean="0">
-                <a:solidFill>
-                  <a:srgbClr val="D20035"/>
-                </a:solidFill>
-                <a:latin typeface="Menlo Regular"/>
-                <a:cs typeface="Menlo Regular"/>
-                <a:sym typeface="Courier New"/>
-              </a:rPr>
-              <a:t>"</a:t>
-            </a:r>
-            <a:r>
-              <a:rPr lang="en" sz="2400" dirty="0" smtClean="0">
-                <a:solidFill>
-                  <a:srgbClr val="D20035"/>
-                </a:solidFill>
-                <a:latin typeface="Menlo Regular"/>
-                <a:cs typeface="Menlo Regular"/>
-                <a:sym typeface="Courier New"/>
-              </a:rPr>
-              <a:t>:</a:t>
-            </a:r>
-            <a:r>
-              <a:rPr lang="en" sz="2400" dirty="0" smtClean="0">
-                <a:solidFill>
-                  <a:srgbClr val="0E72A4"/>
-                </a:solidFill>
-                <a:latin typeface="Menlo Regular"/>
-                <a:cs typeface="Menlo Regular"/>
-                <a:sym typeface="Courier New"/>
-              </a:rPr>
-              <a:t> </a:t>
-            </a:r>
-            <a:r>
-              <a:rPr lang="en" sz="2400" dirty="0">
-                <a:solidFill>
-                  <a:srgbClr val="D20035"/>
-                </a:solidFill>
-                <a:latin typeface="Menlo Regular"/>
-                <a:cs typeface="Menlo Regular"/>
-                <a:sym typeface="Courier New"/>
-              </a:rPr>
-              <a:t>"Maryland"</a:t>
-            </a:r>
-            <a:r>
-              <a:rPr lang="en" sz="2400" dirty="0">
-                <a:latin typeface="Menlo Regular"/>
-                <a:cs typeface="Menlo Regular"/>
-                <a:sym typeface="Courier New"/>
-              </a:rPr>
-              <a:t>}</a:t>
-            </a:r>
-          </a:p>
-          <a:p>
-            <a:pPr rtl="0">
-              <a:lnSpc>
-                <a:spcPct val="100000"/>
-              </a:lnSpc>
-              <a:spcBef>
-                <a:spcPts val="0"/>
-              </a:spcBef>
-              <a:buNone/>
-            </a:pPr>
-            <a:endParaRPr lang="en-US" sz="2400" dirty="0" smtClean="0">
-              <a:solidFill>
-                <a:srgbClr val="0B5C92"/>
-              </a:solidFill>
-              <a:latin typeface="Menlo Regular"/>
-              <a:ea typeface="Menlo Regular"/>
-              <a:cs typeface="Menlo Regular"/>
-              <a:sym typeface="courier new"/>
-            </a:endParaRPr>
-          </a:p>
-          <a:p>
-            <a:pPr rtl="0">
-              <a:lnSpc>
-                <a:spcPct val="100000"/>
-              </a:lnSpc>
-              <a:spcBef>
-                <a:spcPts val="0"/>
-              </a:spcBef>
-              <a:buNone/>
-            </a:pPr>
-            <a:r>
-              <a:rPr lang="en-US" sz="2400" dirty="0" smtClean="0">
-                <a:solidFill>
-                  <a:srgbClr val="0B5C92"/>
-                </a:solidFill>
-                <a:latin typeface="Menlo Regular"/>
-                <a:ea typeface="Menlo Regular"/>
-                <a:cs typeface="Menlo Regular"/>
-                <a:sym typeface="courier new"/>
-              </a:rPr>
-              <a:t>for code, state in </a:t>
-            </a:r>
-            <a:r>
-              <a:rPr lang="en-US" sz="2400" dirty="0" err="1" smtClean="0">
-                <a:solidFill>
-                  <a:srgbClr val="0B5C92"/>
-                </a:solidFill>
-                <a:latin typeface="Menlo Regular"/>
-                <a:ea typeface="Menlo Regular"/>
-                <a:cs typeface="Menlo Regular"/>
-                <a:sym typeface="courier new"/>
-              </a:rPr>
-              <a:t>states.items</a:t>
-            </a:r>
-            <a:r>
-              <a:rPr lang="en-US" sz="2400" dirty="0" smtClean="0">
-                <a:solidFill>
-                  <a:srgbClr val="0B5C92"/>
-                </a:solidFill>
-                <a:latin typeface="Menlo Regular"/>
-                <a:ea typeface="Menlo Regular"/>
-                <a:cs typeface="Menlo Regular"/>
-                <a:sym typeface="courier new"/>
-              </a:rPr>
-              <a:t>():</a:t>
-            </a:r>
-          </a:p>
-          <a:p>
-            <a:pPr rtl="0">
-              <a:lnSpc>
-                <a:spcPct val="100000"/>
-              </a:lnSpc>
-              <a:spcBef>
-                <a:spcPts val="0"/>
-              </a:spcBef>
-              <a:buNone/>
-            </a:pPr>
-            <a:r>
-              <a:rPr lang="en-US" sz="2400" dirty="0" smtClean="0">
-                <a:solidFill>
-                  <a:srgbClr val="0B5C92"/>
-                </a:solidFill>
-                <a:latin typeface="Menlo Regular"/>
-                <a:ea typeface="Menlo Regular"/>
-                <a:cs typeface="Menlo Regular"/>
-                <a:sym typeface="courier new"/>
-              </a:rPr>
-              <a:t>	print(code + " is the code for " + state)</a:t>
-            </a:r>
-          </a:p>
-          <a:p>
-            <a:pPr rtl="0">
-              <a:lnSpc>
-                <a:spcPct val="100000"/>
-              </a:lnSpc>
-              <a:spcBef>
-                <a:spcPts val="0"/>
-              </a:spcBef>
-              <a:buNone/>
-            </a:pPr>
-            <a:endParaRPr lang="en-US" sz="2400" dirty="0" smtClean="0">
-              <a:solidFill>
-                <a:schemeClr val="tx1"/>
-              </a:solidFill>
-              <a:latin typeface="Menlo Regular"/>
-              <a:ea typeface="Menlo Regular"/>
-              <a:cs typeface="Menlo Regular"/>
-              <a:sym typeface="courier new"/>
-            </a:endParaRPr>
-          </a:p>
-          <a:p>
-            <a:pPr rtl="0">
-              <a:lnSpc>
-                <a:spcPct val="100000"/>
-              </a:lnSpc>
-              <a:spcBef>
-                <a:spcPts val="0"/>
-              </a:spcBef>
-              <a:buNone/>
-            </a:pPr>
-            <a:endParaRPr lang="en-US" sz="2400" dirty="0">
-              <a:solidFill>
-                <a:schemeClr val="tx1"/>
-              </a:solidFill>
-              <a:latin typeface="Menlo Regular"/>
-              <a:ea typeface="Menlo Regular"/>
-              <a:cs typeface="Menlo Regular"/>
-              <a:sym typeface="courier new"/>
-            </a:endParaRPr>
-          </a:p>
-        </p:txBody>
-      </p:sp>
-    </p:spTree>
-  </p:cSld>
-  <p:clrMapOvr>
-    <a:masterClrMapping/>
-  </p:clrMapOvr>
-  <p:transition xmlns:p14="http://schemas.microsoft.com/office/powerpoint/2010/main" spd="slow">
-    <p:cut/>
-  </p:transition>
-  <p:timing>
-    <p:tnLst>
-      <p:par>
-        <p:cTn xmlns:p14="http://schemas.microsoft.com/office/powerpoint/2010/main" id="1" dur="indefinite" restart="never" nodeType="tmRoot"/>
-      </p:par>
-    </p:tnLst>
-  </p:timing>
-</p:sld>
-</file>
-
-<file path=ppt/slides/slide19.xml><?xml version="1.0" encoding="utf-8"?>
-<p:sld xmlns:a="http://schemas.openxmlformats.org/drawingml/2006/main" xmlns:r="http://schemas.openxmlformats.org/officeDocument/2006/relationships" xmlns:p="http://schemas.openxmlformats.org/presentationml/2006/main">
-  <p:cSld>
-    <p:spTree>
-      <p:nvGrpSpPr>
-        <p:cNvPr id="1" name="Shape 104"/>
-        <p:cNvGrpSpPr/>
-        <p:nvPr/>
-      </p:nvGrpSpPr>
-      <p:grpSpPr>
-        <a:xfrm>
-          <a:off x="0" y="0"/>
-          <a:ext cx="0" cy="0"/>
-          <a:chOff x="0" y="0"/>
-          <a:chExt cx="0" cy="0"/>
-        </a:xfrm>
-      </p:grpSpPr>
-      <p:sp>
-        <p:nvSpPr>
-          <p:cNvPr id="105" name="Shape 105"/>
-          <p:cNvSpPr txBox="1">
-            <a:spLocks noGrp="1"/>
-          </p:cNvSpPr>
-          <p:nvPr>
-            <p:ph type="title"/>
-          </p:nvPr>
-        </p:nvSpPr>
-        <p:spPr>
-          <a:xfrm>
-            <a:off x="457200" y="274637"/>
-            <a:ext cx="8229600" cy="1143000"/>
-          </a:xfrm>
-          <a:prstGeom prst="rect">
-            <a:avLst/>
-          </a:prstGeom>
-        </p:spPr>
-        <p:txBody>
-          <a:bodyPr lIns="91425" tIns="91425" rIns="91425" bIns="91425" anchor="b" anchorCtr="0">
-            <a:noAutofit/>
-          </a:bodyPr>
-          <a:lstStyle/>
-          <a:p>
-            <a:pPr>
-              <a:spcBef>
-                <a:spcPts val="0"/>
-              </a:spcBef>
-              <a:buNone/>
-            </a:pPr>
-            <a:r>
-              <a:rPr lang="en" sz="7200" dirty="0" smtClean="0">
-                <a:solidFill>
-                  <a:srgbClr val="FF0000"/>
-                </a:solidFill>
-                <a:latin typeface="Yanone Kaffeesatz Bold"/>
-                <a:cs typeface="Yanone Kaffeesatz Bold"/>
-                <a:sym typeface="Ubuntu"/>
-              </a:rPr>
-              <a:t>range</a:t>
-            </a:r>
-            <a:endParaRPr lang="en" sz="7200" dirty="0">
-              <a:solidFill>
-                <a:srgbClr val="FF0000"/>
-              </a:solidFill>
-              <a:latin typeface="Yanone Kaffeesatz Bold"/>
-              <a:cs typeface="Yanone Kaffeesatz Bold"/>
-              <a:sym typeface="Ubuntu"/>
-            </a:endParaRPr>
-          </a:p>
-        </p:txBody>
-      </p:sp>
-      <p:sp>
-        <p:nvSpPr>
-          <p:cNvPr id="106" name="Shape 106"/>
-          <p:cNvSpPr txBox="1">
-            <a:spLocks noGrp="1"/>
-          </p:cNvSpPr>
-          <p:nvPr>
-            <p:ph type="body" idx="1"/>
-          </p:nvPr>
-        </p:nvSpPr>
-        <p:spPr>
-          <a:xfrm>
-            <a:off x="457200" y="1600200"/>
-            <a:ext cx="8229600" cy="4967700"/>
-          </a:xfrm>
-          <a:prstGeom prst="rect">
-            <a:avLst/>
-          </a:prstGeom>
-        </p:spPr>
-        <p:txBody>
-          <a:bodyPr lIns="91425" tIns="91425" rIns="91425" bIns="91425" anchor="t" anchorCtr="0">
-            <a:noAutofit/>
-          </a:bodyPr>
-          <a:lstStyle/>
-          <a:p>
-            <a:pPr lvl="0">
-              <a:buNone/>
-            </a:pPr>
-            <a:endParaRPr lang="en-US" sz="2400" dirty="0" smtClean="0">
-              <a:solidFill>
-                <a:schemeClr val="tx1"/>
-              </a:solidFill>
-              <a:latin typeface="Menlo Regular"/>
-              <a:ea typeface="Menlo Regular"/>
-              <a:cs typeface="Menlo Regular"/>
-              <a:sym typeface="Courier New"/>
-            </a:endParaRPr>
-          </a:p>
-          <a:p>
-            <a:pPr lvl="0">
-              <a:buNone/>
-            </a:pPr>
-            <a:r>
-              <a:rPr lang="en-US" sz="2400" dirty="0" smtClean="0">
-                <a:solidFill>
-                  <a:schemeClr val="tx1"/>
-                </a:solidFill>
-                <a:latin typeface="Menlo Regular"/>
-                <a:ea typeface="Menlo Regular"/>
-                <a:cs typeface="Menlo Regular"/>
-                <a:sym typeface="Courier New"/>
-              </a:rPr>
-              <a:t>for </a:t>
-            </a:r>
-            <a:r>
-              <a:rPr lang="en-US" sz="2400" dirty="0" err="1" smtClean="0">
-                <a:solidFill>
-                  <a:schemeClr val="tx1"/>
-                </a:solidFill>
-                <a:latin typeface="Menlo Regular"/>
-                <a:ea typeface="Menlo Regular"/>
-                <a:cs typeface="Menlo Regular"/>
-                <a:sym typeface="Courier New"/>
-              </a:rPr>
-              <a:t>i</a:t>
-            </a:r>
-            <a:r>
-              <a:rPr lang="en-US" sz="2400" dirty="0" smtClean="0">
-                <a:solidFill>
-                  <a:schemeClr val="tx1"/>
-                </a:solidFill>
-                <a:latin typeface="Menlo Regular"/>
-                <a:ea typeface="Menlo Regular"/>
-                <a:cs typeface="Menlo Regular"/>
-                <a:sym typeface="Courier New"/>
-              </a:rPr>
-              <a:t> in range(</a:t>
-            </a:r>
-            <a:r>
-              <a:rPr lang="en-US" sz="2400" dirty="0" smtClean="0">
-                <a:solidFill>
-                  <a:srgbClr val="11889C"/>
-                </a:solidFill>
-                <a:latin typeface="Menlo Regular"/>
-                <a:ea typeface="Menlo Regular"/>
-                <a:cs typeface="Menlo Regular"/>
-                <a:sym typeface="Courier New"/>
-              </a:rPr>
-              <a:t>10</a:t>
-            </a:r>
-            <a:r>
-              <a:rPr lang="en-US" sz="2400" dirty="0" smtClean="0">
-                <a:solidFill>
-                  <a:schemeClr val="tx1"/>
-                </a:solidFill>
-                <a:latin typeface="Menlo Regular"/>
-                <a:ea typeface="Menlo Regular"/>
-                <a:cs typeface="Menlo Regular"/>
-                <a:sym typeface="Courier New"/>
-              </a:rPr>
-              <a:t>)</a:t>
-            </a:r>
-            <a:r>
-              <a:rPr lang="en-US" sz="2400" dirty="0" smtClean="0">
-                <a:solidFill>
-                  <a:srgbClr val="11889C"/>
-                </a:solidFill>
-                <a:latin typeface="Menlo Regular"/>
-                <a:ea typeface="Menlo Regular"/>
-                <a:cs typeface="Menlo Regular"/>
-                <a:sym typeface="Courier New"/>
-              </a:rPr>
-              <a:t>:</a:t>
-            </a:r>
-          </a:p>
-          <a:p>
-            <a:pPr lvl="0">
-              <a:buNone/>
-            </a:pPr>
-            <a:r>
-              <a:rPr lang="en-US" sz="2400" dirty="0">
-                <a:solidFill>
-                  <a:srgbClr val="11889C"/>
-                </a:solidFill>
-                <a:latin typeface="Menlo Regular"/>
-                <a:ea typeface="Menlo Regular"/>
-                <a:cs typeface="Menlo Regular"/>
-                <a:sym typeface="Courier New"/>
-              </a:rPr>
-              <a:t>	</a:t>
-            </a:r>
-            <a:r>
-              <a:rPr lang="en-US" sz="2400" dirty="0" smtClean="0">
-                <a:solidFill>
-                  <a:srgbClr val="0B5C92"/>
-                </a:solidFill>
-                <a:latin typeface="Menlo Regular"/>
-                <a:ea typeface="Menlo Regular"/>
-                <a:cs typeface="Menlo Regular"/>
-                <a:sym typeface="Courier New"/>
-              </a:rPr>
-              <a:t>print</a:t>
-            </a:r>
-            <a:r>
-              <a:rPr lang="en-US" sz="2400" dirty="0" smtClean="0">
-                <a:solidFill>
-                  <a:schemeClr val="tx1"/>
-                </a:solidFill>
-                <a:latin typeface="Menlo Regular"/>
-                <a:ea typeface="Menlo Regular"/>
-                <a:cs typeface="Menlo Regular"/>
-                <a:sym typeface="Courier New"/>
-              </a:rPr>
-              <a:t>(</a:t>
-            </a:r>
-            <a:r>
-              <a:rPr lang="en-US" sz="2400" dirty="0">
-                <a:solidFill>
-                  <a:srgbClr val="FF0000"/>
-                </a:solidFill>
-                <a:latin typeface="Menlo Regular"/>
-                <a:ea typeface="Menlo Regular"/>
-                <a:cs typeface="Menlo Regular"/>
-                <a:sym typeface="Courier New"/>
-              </a:rPr>
-              <a:t>"</a:t>
-            </a:r>
-            <a:r>
-              <a:rPr lang="en-US" sz="2400" dirty="0" smtClean="0">
-                <a:solidFill>
-                  <a:srgbClr val="FF0000"/>
-                </a:solidFill>
-                <a:latin typeface="Menlo Regular"/>
-                <a:ea typeface="Menlo Regular"/>
-                <a:cs typeface="Menlo Regular"/>
-                <a:sym typeface="Courier New"/>
-              </a:rPr>
-              <a:t>I'm at number " </a:t>
-            </a:r>
-            <a:r>
-              <a:rPr lang="en-US" sz="2400" dirty="0" smtClean="0">
-                <a:solidFill>
-                  <a:srgbClr val="11889C"/>
-                </a:solidFill>
-                <a:latin typeface="Menlo Regular"/>
-                <a:ea typeface="Menlo Regular"/>
-                <a:cs typeface="Menlo Regular"/>
-                <a:sym typeface="Courier New"/>
-              </a:rPr>
-              <a:t>+ </a:t>
-            </a:r>
-            <a:r>
-              <a:rPr lang="en-US" sz="2400" dirty="0" err="1" smtClean="0">
-                <a:solidFill>
-                  <a:srgbClr val="0B5C92"/>
-                </a:solidFill>
-                <a:latin typeface="Menlo Regular"/>
-                <a:ea typeface="Menlo Regular"/>
-                <a:cs typeface="Menlo Regular"/>
-                <a:sym typeface="Courier New"/>
-              </a:rPr>
-              <a:t>str</a:t>
-            </a:r>
-            <a:r>
-              <a:rPr lang="en-US" sz="2400" dirty="0" smtClean="0">
-                <a:solidFill>
-                  <a:srgbClr val="0B5C92"/>
-                </a:solidFill>
-                <a:latin typeface="Menlo Regular"/>
-                <a:ea typeface="Menlo Regular"/>
-                <a:cs typeface="Menlo Regular"/>
-                <a:sym typeface="Courier New"/>
-              </a:rPr>
-              <a:t>(</a:t>
-            </a:r>
-            <a:r>
-              <a:rPr lang="en-US" sz="2400" dirty="0" err="1" smtClean="0">
-                <a:solidFill>
-                  <a:schemeClr val="tx1"/>
-                </a:solidFill>
-                <a:latin typeface="Menlo Regular"/>
-                <a:ea typeface="Menlo Regular"/>
-                <a:cs typeface="Menlo Regular"/>
-                <a:sym typeface="Courier New"/>
-              </a:rPr>
-              <a:t>i</a:t>
-            </a:r>
-            <a:r>
-              <a:rPr lang="en-US" sz="2400" dirty="0" smtClean="0">
-                <a:solidFill>
-                  <a:srgbClr val="0B5C92"/>
-                </a:solidFill>
-                <a:latin typeface="Menlo Regular"/>
-                <a:ea typeface="Menlo Regular"/>
-                <a:cs typeface="Menlo Regular"/>
-                <a:sym typeface="Courier New"/>
-              </a:rPr>
-              <a:t>)</a:t>
-            </a:r>
-            <a:r>
-              <a:rPr lang="en-US" sz="2400" dirty="0" smtClean="0">
-                <a:solidFill>
-                  <a:srgbClr val="11889C"/>
-                </a:solidFill>
-                <a:latin typeface="Menlo Regular"/>
-                <a:ea typeface="Menlo Regular"/>
-                <a:cs typeface="Menlo Regular"/>
-                <a:sym typeface="Courier New"/>
-              </a:rPr>
-              <a:t>)</a:t>
-            </a:r>
-            <a:endParaRPr lang="en" sz="2400" dirty="0">
-              <a:solidFill>
-                <a:srgbClr val="000000"/>
-              </a:solidFill>
-              <a:latin typeface="Menlo Regular"/>
-              <a:ea typeface="Menlo Regular"/>
-              <a:cs typeface="Menlo Regular"/>
-              <a:sym typeface="Courier New"/>
-            </a:endParaRPr>
-          </a:p>
-          <a:p>
-            <a:pPr lvl="0" rtl="0">
-              <a:spcBef>
-                <a:spcPts val="0"/>
-              </a:spcBef>
-              <a:buNone/>
-            </a:pPr>
-            <a:endParaRPr lang="en" sz="2400" dirty="0" smtClean="0">
-              <a:solidFill>
-                <a:srgbClr val="000000"/>
-              </a:solidFill>
-              <a:latin typeface="Menlo Regular"/>
-              <a:ea typeface="Menlo Regular"/>
-              <a:cs typeface="Menlo Regular"/>
-              <a:sym typeface="Courier New"/>
-            </a:endParaRPr>
-          </a:p>
-          <a:p>
-            <a:pPr lvl="0">
-              <a:buNone/>
-            </a:pPr>
-            <a:endParaRPr lang="en-US" sz="2400" dirty="0" smtClean="0">
-              <a:solidFill>
-                <a:schemeClr val="tx1"/>
-              </a:solidFill>
-              <a:latin typeface="Menlo Regular"/>
-              <a:ea typeface="Menlo Regular"/>
-              <a:cs typeface="Menlo Regular"/>
-              <a:sym typeface="Courier New"/>
-            </a:endParaRPr>
-          </a:p>
-          <a:p>
-            <a:pPr lvl="0">
-              <a:buNone/>
-            </a:pPr>
-            <a:r>
-              <a:rPr lang="en-US" sz="2400" dirty="0" smtClean="0">
-                <a:solidFill>
-                  <a:schemeClr val="tx1"/>
-                </a:solidFill>
-                <a:latin typeface="Menlo Regular"/>
-                <a:ea typeface="Menlo Regular"/>
-                <a:cs typeface="Menlo Regular"/>
-                <a:sym typeface="Courier New"/>
-              </a:rPr>
-              <a:t>for </a:t>
-            </a:r>
-            <a:r>
-              <a:rPr lang="en-US" sz="2400" dirty="0" err="1">
-                <a:solidFill>
-                  <a:schemeClr val="tx1"/>
-                </a:solidFill>
-                <a:latin typeface="Menlo Regular"/>
-                <a:ea typeface="Menlo Regular"/>
-                <a:cs typeface="Menlo Regular"/>
-                <a:sym typeface="Courier New"/>
-              </a:rPr>
-              <a:t>i</a:t>
-            </a:r>
-            <a:r>
-              <a:rPr lang="en-US" sz="2400" dirty="0">
-                <a:solidFill>
-                  <a:schemeClr val="tx1"/>
-                </a:solidFill>
-                <a:latin typeface="Menlo Regular"/>
-                <a:ea typeface="Menlo Regular"/>
-                <a:cs typeface="Menlo Regular"/>
-                <a:sym typeface="Courier New"/>
-              </a:rPr>
-              <a:t> in </a:t>
-            </a:r>
-            <a:r>
-              <a:rPr lang="en-US" sz="2400" dirty="0" smtClean="0">
-                <a:solidFill>
-                  <a:schemeClr val="tx1"/>
-                </a:solidFill>
-                <a:latin typeface="Menlo Regular"/>
-                <a:ea typeface="Menlo Regular"/>
-                <a:cs typeface="Menlo Regular"/>
-                <a:sym typeface="Courier New"/>
-              </a:rPr>
-              <a:t>range(</a:t>
-            </a:r>
-            <a:r>
-              <a:rPr lang="en-US" sz="2400" dirty="0" smtClean="0">
-                <a:solidFill>
-                  <a:srgbClr val="11889C"/>
-                </a:solidFill>
-                <a:latin typeface="Menlo Regular"/>
-                <a:ea typeface="Menlo Regular"/>
-                <a:cs typeface="Menlo Regular"/>
-                <a:sym typeface="Courier New"/>
-              </a:rPr>
-              <a:t>5, 10</a:t>
-            </a:r>
-            <a:r>
-              <a:rPr lang="en-US" sz="2400" dirty="0" smtClean="0">
-                <a:solidFill>
-                  <a:schemeClr val="tx1"/>
-                </a:solidFill>
-                <a:latin typeface="Menlo Regular"/>
-                <a:ea typeface="Menlo Regular"/>
-                <a:cs typeface="Menlo Regular"/>
-                <a:sym typeface="Courier New"/>
-              </a:rPr>
-              <a:t>)</a:t>
-            </a:r>
-            <a:r>
-              <a:rPr lang="en-US" sz="2400" dirty="0" smtClean="0">
-                <a:solidFill>
-                  <a:srgbClr val="11889C"/>
-                </a:solidFill>
-                <a:latin typeface="Menlo Regular"/>
-                <a:ea typeface="Menlo Regular"/>
-                <a:cs typeface="Menlo Regular"/>
-                <a:sym typeface="Courier New"/>
-              </a:rPr>
-              <a:t>:</a:t>
-            </a:r>
-            <a:endParaRPr lang="en-US" sz="2400" dirty="0">
-              <a:solidFill>
-                <a:srgbClr val="11889C"/>
-              </a:solidFill>
-              <a:latin typeface="Menlo Regular"/>
-              <a:ea typeface="Menlo Regular"/>
-              <a:cs typeface="Menlo Regular"/>
-              <a:sym typeface="Courier New"/>
-            </a:endParaRPr>
-          </a:p>
-          <a:p>
-            <a:pPr lvl="0">
-              <a:buNone/>
-            </a:pPr>
-            <a:r>
-              <a:rPr lang="en-US" sz="2400" dirty="0">
-                <a:solidFill>
-                  <a:srgbClr val="11889C"/>
-                </a:solidFill>
-                <a:latin typeface="Menlo Regular"/>
-                <a:ea typeface="Menlo Regular"/>
-                <a:cs typeface="Menlo Regular"/>
-                <a:sym typeface="Courier New"/>
-              </a:rPr>
-              <a:t>	</a:t>
-            </a:r>
-            <a:r>
-              <a:rPr lang="en-US" sz="2400" dirty="0">
-                <a:solidFill>
-                  <a:srgbClr val="0B5C92"/>
-                </a:solidFill>
-                <a:latin typeface="Menlo Regular"/>
-                <a:ea typeface="Menlo Regular"/>
-                <a:cs typeface="Menlo Regular"/>
-                <a:sym typeface="Courier New"/>
-              </a:rPr>
-              <a:t>print</a:t>
-            </a:r>
-            <a:r>
-              <a:rPr lang="en-US" sz="2400" dirty="0" smtClean="0">
-                <a:solidFill>
-                  <a:schemeClr val="tx1"/>
-                </a:solidFill>
-                <a:latin typeface="Menlo Regular"/>
-                <a:ea typeface="Menlo Regular"/>
-                <a:cs typeface="Menlo Regular"/>
-                <a:sym typeface="Courier New"/>
-              </a:rPr>
-              <a:t>(</a:t>
-            </a:r>
-            <a:r>
-              <a:rPr lang="en-US" sz="2400" dirty="0">
-                <a:solidFill>
-                  <a:srgbClr val="FF0000"/>
-                </a:solidFill>
-                <a:latin typeface="Menlo Regular"/>
-                <a:ea typeface="Menlo Regular"/>
-                <a:cs typeface="Menlo Regular"/>
-                <a:sym typeface="Courier New"/>
-              </a:rPr>
-              <a:t>"</a:t>
-            </a:r>
-            <a:r>
-              <a:rPr lang="en-US" sz="2400" dirty="0" smtClean="0">
-                <a:solidFill>
-                  <a:srgbClr val="FF0000"/>
-                </a:solidFill>
-                <a:latin typeface="Menlo Regular"/>
-                <a:ea typeface="Menlo Regular"/>
-                <a:cs typeface="Menlo Regular"/>
-                <a:sym typeface="Courier New"/>
-              </a:rPr>
-              <a:t>I'm </a:t>
-            </a:r>
-            <a:r>
-              <a:rPr lang="en-US" sz="2400" dirty="0">
-                <a:solidFill>
-                  <a:srgbClr val="FF0000"/>
-                </a:solidFill>
-                <a:latin typeface="Menlo Regular"/>
-                <a:ea typeface="Menlo Regular"/>
-                <a:cs typeface="Menlo Regular"/>
-                <a:sym typeface="Courier New"/>
-              </a:rPr>
-              <a:t>at number </a:t>
-            </a:r>
-            <a:r>
-              <a:rPr lang="en-US" sz="2400" dirty="0" smtClean="0">
-                <a:solidFill>
-                  <a:srgbClr val="FF0000"/>
-                </a:solidFill>
-                <a:latin typeface="Menlo Regular"/>
-                <a:ea typeface="Menlo Regular"/>
-                <a:cs typeface="Menlo Regular"/>
-                <a:sym typeface="Courier New"/>
-              </a:rPr>
-              <a:t>" </a:t>
-            </a:r>
-            <a:r>
-              <a:rPr lang="en-US" sz="2400" dirty="0">
-                <a:solidFill>
-                  <a:srgbClr val="11889C"/>
-                </a:solidFill>
-                <a:latin typeface="Menlo Regular"/>
-                <a:ea typeface="Menlo Regular"/>
-                <a:cs typeface="Menlo Regular"/>
-                <a:sym typeface="Courier New"/>
-              </a:rPr>
-              <a:t>+ </a:t>
-            </a:r>
-            <a:r>
-              <a:rPr lang="en-US" sz="2400" dirty="0" err="1">
-                <a:solidFill>
-                  <a:srgbClr val="0B5C92"/>
-                </a:solidFill>
-                <a:latin typeface="Menlo Regular"/>
-                <a:ea typeface="Menlo Regular"/>
-                <a:cs typeface="Menlo Regular"/>
-                <a:sym typeface="Courier New"/>
-              </a:rPr>
-              <a:t>str</a:t>
-            </a:r>
-            <a:r>
-              <a:rPr lang="en-US" sz="2400" dirty="0">
-                <a:solidFill>
-                  <a:srgbClr val="0B5C92"/>
-                </a:solidFill>
-                <a:latin typeface="Menlo Regular"/>
-                <a:ea typeface="Menlo Regular"/>
-                <a:cs typeface="Menlo Regular"/>
-                <a:sym typeface="Courier New"/>
-              </a:rPr>
-              <a:t>(</a:t>
-            </a:r>
-            <a:r>
-              <a:rPr lang="en-US" sz="2400" dirty="0" err="1">
-                <a:solidFill>
-                  <a:schemeClr val="tx1"/>
-                </a:solidFill>
-                <a:latin typeface="Menlo Regular"/>
-                <a:ea typeface="Menlo Regular"/>
-                <a:cs typeface="Menlo Regular"/>
-                <a:sym typeface="Courier New"/>
-              </a:rPr>
-              <a:t>i</a:t>
-            </a:r>
-            <a:r>
-              <a:rPr lang="en-US" sz="2400" dirty="0" smtClean="0">
-                <a:solidFill>
-                  <a:srgbClr val="0B5C92"/>
-                </a:solidFill>
-                <a:latin typeface="Menlo Regular"/>
-                <a:ea typeface="Menlo Regular"/>
-                <a:cs typeface="Menlo Regular"/>
-                <a:sym typeface="Courier New"/>
-              </a:rPr>
-              <a:t>)</a:t>
-            </a:r>
-            <a:r>
-              <a:rPr lang="en-US" sz="2400" dirty="0" smtClean="0">
-                <a:solidFill>
-                  <a:srgbClr val="11889C"/>
-                </a:solidFill>
-                <a:latin typeface="Menlo Regular"/>
-                <a:ea typeface="Menlo Regular"/>
-                <a:cs typeface="Menlo Regular"/>
-                <a:sym typeface="Courier New"/>
-              </a:rPr>
-              <a:t>)</a:t>
-            </a:r>
-          </a:p>
-          <a:p>
-            <a:pPr lvl="0">
-              <a:buNone/>
-            </a:pPr>
-            <a:endParaRPr lang="en-US" sz="2400" dirty="0" smtClean="0">
-              <a:solidFill>
-                <a:srgbClr val="11889C"/>
-              </a:solidFill>
-              <a:latin typeface="Menlo Regular"/>
-              <a:ea typeface="Menlo Regular"/>
-              <a:cs typeface="Menlo Regular"/>
-              <a:sym typeface="Courier New"/>
-            </a:endParaRPr>
-          </a:p>
-          <a:p>
-            <a:pPr lvl="0">
-              <a:buNone/>
-            </a:pPr>
-            <a:endParaRPr lang="en-US" sz="2400" dirty="0">
-              <a:solidFill>
-                <a:srgbClr val="11889C"/>
-              </a:solidFill>
-              <a:latin typeface="Menlo Regular"/>
-              <a:ea typeface="Menlo Regular"/>
-              <a:cs typeface="Menlo Regular"/>
-              <a:sym typeface="Courier New"/>
-            </a:endParaRPr>
-          </a:p>
-          <a:p>
-            <a:pPr lvl="0">
-              <a:buNone/>
-            </a:pPr>
-            <a:r>
-              <a:rPr lang="en-US" sz="2400" dirty="0" smtClean="0">
-                <a:solidFill>
-                  <a:schemeClr val="tx1"/>
-                </a:solidFill>
-                <a:latin typeface="Menlo Regular"/>
-                <a:ea typeface="Menlo Regular"/>
-                <a:cs typeface="Menlo Regular"/>
-                <a:sym typeface="Courier New"/>
-              </a:rPr>
-              <a:t>for </a:t>
-            </a:r>
-            <a:r>
-              <a:rPr lang="en-US" sz="2400" dirty="0" err="1">
-                <a:solidFill>
-                  <a:schemeClr val="tx1"/>
-                </a:solidFill>
-                <a:latin typeface="Menlo Regular"/>
-                <a:ea typeface="Menlo Regular"/>
-                <a:cs typeface="Menlo Regular"/>
-                <a:sym typeface="Courier New"/>
-              </a:rPr>
-              <a:t>i</a:t>
-            </a:r>
-            <a:r>
-              <a:rPr lang="en-US" sz="2400" dirty="0">
-                <a:solidFill>
-                  <a:schemeClr val="tx1"/>
-                </a:solidFill>
-                <a:latin typeface="Menlo Regular"/>
-                <a:ea typeface="Menlo Regular"/>
-                <a:cs typeface="Menlo Regular"/>
-                <a:sym typeface="Courier New"/>
-              </a:rPr>
-              <a:t> in </a:t>
-            </a:r>
-            <a:r>
-              <a:rPr lang="en-US" sz="2400" dirty="0" smtClean="0">
-                <a:solidFill>
-                  <a:schemeClr val="tx1"/>
-                </a:solidFill>
-                <a:latin typeface="Menlo Regular"/>
-                <a:ea typeface="Menlo Regular"/>
-                <a:cs typeface="Menlo Regular"/>
-                <a:sym typeface="Courier New"/>
-              </a:rPr>
-              <a:t>range(</a:t>
-            </a:r>
-            <a:r>
-              <a:rPr lang="en-US" sz="2400" dirty="0" smtClean="0">
-                <a:solidFill>
-                  <a:srgbClr val="11889C"/>
-                </a:solidFill>
-                <a:latin typeface="Menlo Regular"/>
-                <a:ea typeface="Menlo Regular"/>
-                <a:cs typeface="Menlo Regular"/>
-                <a:sym typeface="Courier New"/>
-              </a:rPr>
-              <a:t>0, 10, 2</a:t>
-            </a:r>
-            <a:r>
-              <a:rPr lang="en-US" sz="2400" dirty="0" smtClean="0">
-                <a:solidFill>
-                  <a:schemeClr val="tx1"/>
-                </a:solidFill>
-                <a:latin typeface="Menlo Regular"/>
-                <a:ea typeface="Menlo Regular"/>
-                <a:cs typeface="Menlo Regular"/>
-                <a:sym typeface="Courier New"/>
-              </a:rPr>
-              <a:t>)</a:t>
-            </a:r>
-            <a:r>
-              <a:rPr lang="en-US" sz="2400" dirty="0" smtClean="0">
-                <a:solidFill>
-                  <a:srgbClr val="11889C"/>
-                </a:solidFill>
-                <a:latin typeface="Menlo Regular"/>
-                <a:ea typeface="Menlo Regular"/>
-                <a:cs typeface="Menlo Regular"/>
-                <a:sym typeface="Courier New"/>
-              </a:rPr>
-              <a:t>:</a:t>
-            </a:r>
-            <a:endParaRPr lang="en-US" sz="2400" dirty="0">
-              <a:solidFill>
-                <a:srgbClr val="11889C"/>
-              </a:solidFill>
-              <a:latin typeface="Menlo Regular"/>
-              <a:ea typeface="Menlo Regular"/>
-              <a:cs typeface="Menlo Regular"/>
-              <a:sym typeface="Courier New"/>
-            </a:endParaRPr>
-          </a:p>
-          <a:p>
-            <a:pPr lvl="0">
-              <a:buNone/>
-            </a:pPr>
-            <a:r>
-              <a:rPr lang="en-US" sz="2400" dirty="0">
-                <a:solidFill>
-                  <a:srgbClr val="11889C"/>
-                </a:solidFill>
-                <a:latin typeface="Menlo Regular"/>
-                <a:ea typeface="Menlo Regular"/>
-                <a:cs typeface="Menlo Regular"/>
-                <a:sym typeface="Courier New"/>
-              </a:rPr>
-              <a:t>	</a:t>
-            </a:r>
-            <a:r>
-              <a:rPr lang="en-US" sz="2400" dirty="0">
-                <a:solidFill>
-                  <a:srgbClr val="0B5C92"/>
-                </a:solidFill>
-                <a:latin typeface="Menlo Regular"/>
-                <a:ea typeface="Menlo Regular"/>
-                <a:cs typeface="Menlo Regular"/>
-                <a:sym typeface="Courier New"/>
-              </a:rPr>
-              <a:t>print</a:t>
-            </a:r>
-            <a:r>
-              <a:rPr lang="en-US" sz="2400" dirty="0" smtClean="0">
-                <a:solidFill>
-                  <a:schemeClr val="tx1"/>
-                </a:solidFill>
-                <a:latin typeface="Menlo Regular"/>
-                <a:ea typeface="Menlo Regular"/>
-                <a:cs typeface="Menlo Regular"/>
-                <a:sym typeface="Courier New"/>
-              </a:rPr>
-              <a:t>(</a:t>
-            </a:r>
-            <a:r>
-              <a:rPr lang="en-US" sz="2400" dirty="0">
-                <a:solidFill>
-                  <a:srgbClr val="FF0000"/>
-                </a:solidFill>
-                <a:latin typeface="Menlo Regular"/>
-                <a:ea typeface="Menlo Regular"/>
-                <a:cs typeface="Menlo Regular"/>
-                <a:sym typeface="Courier New"/>
-              </a:rPr>
-              <a:t>"</a:t>
-            </a:r>
-            <a:r>
-              <a:rPr lang="en-US" sz="2400" dirty="0" smtClean="0">
-                <a:solidFill>
-                  <a:srgbClr val="FF0000"/>
-                </a:solidFill>
-                <a:latin typeface="Menlo Regular"/>
-                <a:ea typeface="Menlo Regular"/>
-                <a:cs typeface="Menlo Regular"/>
-                <a:sym typeface="Courier New"/>
-              </a:rPr>
-              <a:t>I'm </a:t>
-            </a:r>
-            <a:r>
-              <a:rPr lang="en-US" sz="2400" dirty="0">
-                <a:solidFill>
-                  <a:srgbClr val="FF0000"/>
-                </a:solidFill>
-                <a:latin typeface="Menlo Regular"/>
-                <a:ea typeface="Menlo Regular"/>
-                <a:cs typeface="Menlo Regular"/>
-                <a:sym typeface="Courier New"/>
-              </a:rPr>
-              <a:t>at number </a:t>
-            </a:r>
-            <a:r>
-              <a:rPr lang="en-US" sz="2400" dirty="0" smtClean="0">
-                <a:solidFill>
-                  <a:srgbClr val="FF0000"/>
-                </a:solidFill>
-                <a:latin typeface="Menlo Regular"/>
-                <a:ea typeface="Menlo Regular"/>
-                <a:cs typeface="Menlo Regular"/>
-                <a:sym typeface="Courier New"/>
-              </a:rPr>
-              <a:t>" </a:t>
-            </a:r>
-            <a:r>
-              <a:rPr lang="en-US" sz="2400" dirty="0">
-                <a:solidFill>
-                  <a:srgbClr val="11889C"/>
-                </a:solidFill>
-                <a:latin typeface="Menlo Regular"/>
-                <a:ea typeface="Menlo Regular"/>
-                <a:cs typeface="Menlo Regular"/>
-                <a:sym typeface="Courier New"/>
-              </a:rPr>
-              <a:t>+ </a:t>
-            </a:r>
-            <a:r>
-              <a:rPr lang="en-US" sz="2400" dirty="0" err="1">
-                <a:solidFill>
-                  <a:srgbClr val="0B5C92"/>
-                </a:solidFill>
-                <a:latin typeface="Menlo Regular"/>
-                <a:ea typeface="Menlo Regular"/>
-                <a:cs typeface="Menlo Regular"/>
-                <a:sym typeface="Courier New"/>
-              </a:rPr>
-              <a:t>str</a:t>
-            </a:r>
-            <a:r>
-              <a:rPr lang="en-US" sz="2400" dirty="0">
-                <a:solidFill>
-                  <a:srgbClr val="0B5C92"/>
-                </a:solidFill>
-                <a:latin typeface="Menlo Regular"/>
-                <a:ea typeface="Menlo Regular"/>
-                <a:cs typeface="Menlo Regular"/>
-                <a:sym typeface="Courier New"/>
-              </a:rPr>
-              <a:t>(</a:t>
-            </a:r>
-            <a:r>
-              <a:rPr lang="en-US" sz="2400" dirty="0" err="1">
-                <a:solidFill>
-                  <a:schemeClr val="tx1"/>
-                </a:solidFill>
-                <a:latin typeface="Menlo Regular"/>
-                <a:ea typeface="Menlo Regular"/>
-                <a:cs typeface="Menlo Regular"/>
-                <a:sym typeface="Courier New"/>
-              </a:rPr>
-              <a:t>i</a:t>
-            </a:r>
-            <a:r>
-              <a:rPr lang="en-US" sz="2400" dirty="0" smtClean="0">
-                <a:solidFill>
-                  <a:srgbClr val="0B5C92"/>
-                </a:solidFill>
-                <a:latin typeface="Menlo Regular"/>
-                <a:ea typeface="Menlo Regular"/>
-                <a:cs typeface="Menlo Regular"/>
-                <a:sym typeface="Courier New"/>
-              </a:rPr>
-              <a:t>)</a:t>
-            </a:r>
-            <a:r>
-              <a:rPr lang="en-US" sz="2400" dirty="0" smtClean="0">
-                <a:solidFill>
-                  <a:srgbClr val="11889C"/>
-                </a:solidFill>
-                <a:latin typeface="Menlo Regular"/>
-                <a:ea typeface="Menlo Regular"/>
-                <a:cs typeface="Menlo Regular"/>
-                <a:sym typeface="Courier New"/>
-              </a:rPr>
-              <a:t>)</a:t>
-            </a:r>
-            <a:endParaRPr lang="en" sz="2400" dirty="0">
-              <a:solidFill>
-                <a:schemeClr val="tx1"/>
-              </a:solidFill>
-              <a:latin typeface="Menlo Regular"/>
-              <a:ea typeface="Menlo Regular"/>
-              <a:cs typeface="Menlo Regular"/>
-              <a:sym typeface="Courier New"/>
-            </a:endParaRPr>
-          </a:p>
-          <a:p>
-            <a:pPr>
-              <a:spcBef>
-                <a:spcPts val="0"/>
-              </a:spcBef>
-              <a:buNone/>
-            </a:pPr>
-            <a:endParaRPr dirty="0"/>
-          </a:p>
-        </p:txBody>
-      </p:sp>
-    </p:spTree>
-  </p:cSld>
-  <p:clrMapOvr>
-    <a:masterClrMapping/>
-  </p:clrMapOvr>
-  <p:transition xmlns:p14="http://schemas.microsoft.com/office/powerpoint/2010/main" spd="slow">
-    <p:cut/>
-  </p:transition>
-  <p:timing>
-    <p:tnLst>
-      <p:par>
-        <p:cTn xmlns:p14="http://schemas.microsoft.com/office/powerpoint/2010/main" id="1" dur="indefinite" restart="never" nodeType="tmRoot"/>
-      </p:par>
-    </p:tnLst>
-  </p:timing>
 </p:sld>
 </file>
 
@@ -14697,6 +14339,1432 @@
   <p:cSld>
     <p:spTree>
       <p:nvGrpSpPr>
+        <p:cNvPr id="1" name="Shape 98"/>
+        <p:cNvGrpSpPr/>
+        <p:nvPr/>
+      </p:nvGrpSpPr>
+      <p:grpSpPr>
+        <a:xfrm>
+          <a:off x="0" y="0"/>
+          <a:ext cx="0" cy="0"/>
+          <a:chOff x="0" y="0"/>
+          <a:chExt cx="0" cy="0"/>
+        </a:xfrm>
+      </p:grpSpPr>
+      <p:sp>
+        <p:nvSpPr>
+          <p:cNvPr id="99" name="Shape 99"/>
+          <p:cNvSpPr txBox="1">
+            <a:spLocks noGrp="1"/>
+          </p:cNvSpPr>
+          <p:nvPr>
+            <p:ph type="title"/>
+          </p:nvPr>
+        </p:nvSpPr>
+        <p:spPr>
+          <a:xfrm>
+            <a:off x="269775" y="270314"/>
+            <a:ext cx="8658810" cy="996794"/>
+          </a:xfrm>
+          <a:prstGeom prst="rect">
+            <a:avLst/>
+          </a:prstGeom>
+        </p:spPr>
+        <p:txBody>
+          <a:bodyPr lIns="38100" tIns="38100" rIns="38100" bIns="38100" anchor="t" anchorCtr="0">
+            <a:noAutofit/>
+          </a:bodyPr>
+          <a:lstStyle/>
+          <a:p>
+            <a:pPr rtl="0">
+              <a:lnSpc>
+                <a:spcPct val="100000"/>
+              </a:lnSpc>
+              <a:spcBef>
+                <a:spcPts val="0"/>
+              </a:spcBef>
+              <a:buNone/>
+            </a:pPr>
+            <a:r>
+              <a:rPr lang="en-US" sz="7200" b="1" dirty="0">
+                <a:solidFill>
+                  <a:srgbClr val="FF0000"/>
+                </a:solidFill>
+                <a:latin typeface="Yanone Kaffeesatz Bold"/>
+                <a:cs typeface="Yanone Kaffeesatz Bold"/>
+                <a:sym typeface="trebuchet ms"/>
+              </a:rPr>
+              <a:t>f</a:t>
+            </a:r>
+            <a:r>
+              <a:rPr lang="en" sz="7200" b="1" dirty="0" smtClean="0">
+                <a:solidFill>
+                  <a:srgbClr val="FF0000"/>
+                </a:solidFill>
+                <a:latin typeface="Yanone Kaffeesatz Bold"/>
+                <a:cs typeface="Yanone Kaffeesatz Bold"/>
+                <a:sym typeface="trebuchet ms"/>
+              </a:rPr>
+              <a:t>or loops</a:t>
+            </a:r>
+            <a:r>
+              <a:rPr lang="en-US" sz="7200" b="1" dirty="0" smtClean="0">
+                <a:solidFill>
+                  <a:srgbClr val="FF0000"/>
+                </a:solidFill>
+                <a:latin typeface="Yanone Kaffeesatz Bold"/>
+                <a:cs typeface="Yanone Kaffeesatz Bold"/>
+                <a:sym typeface="trebuchet ms"/>
+              </a:rPr>
+              <a:t>: </a:t>
+            </a:r>
+            <a:r>
+              <a:rPr lang="en" sz="3000" dirty="0" smtClean="0">
+                <a:solidFill>
+                  <a:schemeClr val="tx1">
+                    <a:lumMod val="50000"/>
+                    <a:lumOff val="50000"/>
+                  </a:schemeClr>
+                </a:solidFill>
+                <a:latin typeface="Ubuntu"/>
+                <a:ea typeface="arial"/>
+                <a:cs typeface="Ubuntu"/>
+                <a:sym typeface="arial"/>
+              </a:rPr>
+              <a:t>for dictionaries</a:t>
+            </a:r>
+            <a:endParaRPr lang="en" sz="3000" dirty="0">
+              <a:solidFill>
+                <a:schemeClr val="tx1">
+                  <a:lumMod val="50000"/>
+                  <a:lumOff val="50000"/>
+                </a:schemeClr>
+              </a:solidFill>
+              <a:latin typeface="Ubuntu"/>
+              <a:ea typeface="arial"/>
+              <a:cs typeface="Ubuntu"/>
+              <a:sym typeface="arial"/>
+            </a:endParaRPr>
+          </a:p>
+        </p:txBody>
+      </p:sp>
+      <p:sp>
+        <p:nvSpPr>
+          <p:cNvPr id="100" name="Shape 100"/>
+          <p:cNvSpPr txBox="1">
+            <a:spLocks noGrp="1"/>
+          </p:cNvSpPr>
+          <p:nvPr>
+            <p:ph type="body" idx="1"/>
+          </p:nvPr>
+        </p:nvSpPr>
+        <p:spPr>
+          <a:xfrm>
+            <a:off x="274319" y="1645919"/>
+            <a:ext cx="8663939" cy="5006339"/>
+          </a:xfrm>
+          <a:prstGeom prst="rect">
+            <a:avLst/>
+          </a:prstGeom>
+        </p:spPr>
+        <p:txBody>
+          <a:bodyPr lIns="38100" tIns="38100" rIns="38100" bIns="38100" anchor="t" anchorCtr="0">
+            <a:noAutofit/>
+          </a:bodyPr>
+          <a:lstStyle/>
+          <a:p>
+            <a:pPr marL="38100"/>
+            <a:endParaRPr lang="en" sz="2400" dirty="0" smtClean="0">
+              <a:solidFill>
+                <a:schemeClr val="tx1"/>
+              </a:solidFill>
+              <a:latin typeface="Menlo Regular"/>
+              <a:cs typeface="Menlo Regular"/>
+              <a:sym typeface="Courier New"/>
+            </a:endParaRPr>
+          </a:p>
+          <a:p>
+            <a:pPr marL="38100"/>
+            <a:endParaRPr lang="en" sz="2400" dirty="0">
+              <a:solidFill>
+                <a:schemeClr val="tx1"/>
+              </a:solidFill>
+              <a:latin typeface="Menlo Regular"/>
+              <a:cs typeface="Menlo Regular"/>
+              <a:sym typeface="Courier New"/>
+            </a:endParaRPr>
+          </a:p>
+          <a:p>
+            <a:pPr marL="38100"/>
+            <a:r>
+              <a:rPr lang="en" sz="2400" dirty="0" smtClean="0">
+                <a:solidFill>
+                  <a:schemeClr val="tx1"/>
+                </a:solidFill>
+                <a:latin typeface="Menlo Regular"/>
+                <a:cs typeface="Menlo Regular"/>
+                <a:sym typeface="Courier New"/>
+              </a:rPr>
+              <a:t>&gt;&gt;&gt; states </a:t>
+            </a:r>
+            <a:r>
+              <a:rPr lang="en" sz="2400" dirty="0">
+                <a:solidFill>
+                  <a:schemeClr val="tx1"/>
+                </a:solidFill>
+                <a:latin typeface="Menlo Regular"/>
+                <a:cs typeface="Menlo Regular"/>
+                <a:sym typeface="Courier New"/>
+              </a:rPr>
+              <a:t>= {</a:t>
+            </a:r>
+            <a:r>
+              <a:rPr lang="en" sz="2400" dirty="0">
+                <a:solidFill>
+                  <a:srgbClr val="D20035"/>
+                </a:solidFill>
+                <a:latin typeface="Menlo Regular"/>
+                <a:cs typeface="Menlo Regular"/>
+                <a:sym typeface="Courier New"/>
+              </a:rPr>
+              <a:t>"</a:t>
+            </a:r>
+            <a:r>
+              <a:rPr lang="en" sz="2400" dirty="0" smtClean="0">
+                <a:solidFill>
+                  <a:srgbClr val="D20035"/>
+                </a:solidFill>
+                <a:latin typeface="Menlo Regular"/>
+                <a:cs typeface="Menlo Regular"/>
+                <a:sym typeface="Courier New"/>
+              </a:rPr>
+              <a:t>VA</a:t>
+            </a:r>
+            <a:r>
+              <a:rPr lang="en-US" sz="2400" dirty="0" smtClean="0">
+                <a:solidFill>
+                  <a:srgbClr val="D20035"/>
+                </a:solidFill>
+                <a:latin typeface="Menlo Regular"/>
+                <a:cs typeface="Menlo Regular"/>
+                <a:sym typeface="Courier New"/>
+              </a:rPr>
+              <a:t>"</a:t>
+            </a:r>
+            <a:r>
+              <a:rPr lang="en" sz="2400" dirty="0" smtClean="0">
+                <a:latin typeface="Menlo Regular"/>
+                <a:cs typeface="Menlo Regular"/>
+                <a:sym typeface="Courier New"/>
+              </a:rPr>
+              <a:t>: </a:t>
+            </a:r>
+            <a:r>
+              <a:rPr lang="en" sz="2400" dirty="0">
+                <a:solidFill>
+                  <a:srgbClr val="D20035"/>
+                </a:solidFill>
+                <a:latin typeface="Menlo Regular"/>
+                <a:cs typeface="Menlo Regular"/>
+                <a:sym typeface="Courier New"/>
+              </a:rPr>
+              <a:t>"Virginia"</a:t>
+            </a:r>
+            <a:r>
+              <a:rPr lang="en" sz="2400" dirty="0">
+                <a:latin typeface="Menlo Regular"/>
+                <a:cs typeface="Menlo Regular"/>
+                <a:sym typeface="Courier New"/>
+              </a:rPr>
+              <a:t>,</a:t>
+            </a:r>
+            <a:r>
+              <a:rPr lang="en" sz="2400" dirty="0">
+                <a:solidFill>
+                  <a:srgbClr val="0E72A4"/>
+                </a:solidFill>
+                <a:latin typeface="Menlo Regular"/>
+                <a:cs typeface="Menlo Regular"/>
+                <a:sym typeface="Courier New"/>
+              </a:rPr>
+              <a:t> </a:t>
+            </a:r>
+            <a:r>
+              <a:rPr lang="en" sz="2400" dirty="0">
+                <a:solidFill>
+                  <a:srgbClr val="D20035"/>
+                </a:solidFill>
+                <a:latin typeface="Menlo Regular"/>
+                <a:cs typeface="Menlo Regular"/>
+                <a:sym typeface="Courier New"/>
+              </a:rPr>
+              <a:t>"</a:t>
+            </a:r>
+            <a:r>
+              <a:rPr lang="en" sz="2400" dirty="0" smtClean="0">
+                <a:solidFill>
+                  <a:srgbClr val="D20035"/>
+                </a:solidFill>
+                <a:latin typeface="Menlo Regular"/>
+                <a:cs typeface="Menlo Regular"/>
+                <a:sym typeface="Courier New"/>
+              </a:rPr>
+              <a:t>MD</a:t>
+            </a:r>
+            <a:r>
+              <a:rPr lang="en-US" sz="2400" dirty="0" smtClean="0">
+                <a:solidFill>
+                  <a:srgbClr val="D20035"/>
+                </a:solidFill>
+                <a:latin typeface="Menlo Regular"/>
+                <a:cs typeface="Menlo Regular"/>
+                <a:sym typeface="Courier New"/>
+              </a:rPr>
+              <a:t>"</a:t>
+            </a:r>
+            <a:r>
+              <a:rPr lang="en" sz="2400" dirty="0" smtClean="0">
+                <a:solidFill>
+                  <a:srgbClr val="D20035"/>
+                </a:solidFill>
+                <a:latin typeface="Menlo Regular"/>
+                <a:cs typeface="Menlo Regular"/>
+                <a:sym typeface="Courier New"/>
+              </a:rPr>
+              <a:t>:</a:t>
+            </a:r>
+            <a:r>
+              <a:rPr lang="en" sz="2400" dirty="0" smtClean="0">
+                <a:solidFill>
+                  <a:srgbClr val="0E72A4"/>
+                </a:solidFill>
+                <a:latin typeface="Menlo Regular"/>
+                <a:cs typeface="Menlo Regular"/>
+                <a:sym typeface="Courier New"/>
+              </a:rPr>
+              <a:t> </a:t>
+            </a:r>
+            <a:r>
+              <a:rPr lang="en" sz="2400" dirty="0">
+                <a:solidFill>
+                  <a:srgbClr val="D20035"/>
+                </a:solidFill>
+                <a:latin typeface="Menlo Regular"/>
+                <a:cs typeface="Menlo Regular"/>
+                <a:sym typeface="Courier New"/>
+              </a:rPr>
+              <a:t>"Maryland"</a:t>
+            </a:r>
+            <a:r>
+              <a:rPr lang="en" sz="2400" dirty="0">
+                <a:latin typeface="Menlo Regular"/>
+                <a:cs typeface="Menlo Regular"/>
+                <a:sym typeface="Courier New"/>
+              </a:rPr>
+              <a:t>}</a:t>
+            </a:r>
+          </a:p>
+          <a:p>
+            <a:pPr rtl="0">
+              <a:lnSpc>
+                <a:spcPct val="100000"/>
+              </a:lnSpc>
+              <a:spcBef>
+                <a:spcPts val="0"/>
+              </a:spcBef>
+              <a:buNone/>
+            </a:pPr>
+            <a:endParaRPr lang="en-US" sz="2400" dirty="0" smtClean="0">
+              <a:solidFill>
+                <a:srgbClr val="0B5C92"/>
+              </a:solidFill>
+              <a:latin typeface="Menlo Regular"/>
+              <a:ea typeface="Menlo Regular"/>
+              <a:cs typeface="Menlo Regular"/>
+              <a:sym typeface="courier new"/>
+            </a:endParaRPr>
+          </a:p>
+          <a:p>
+            <a:pPr rtl="0">
+              <a:lnSpc>
+                <a:spcPct val="100000"/>
+              </a:lnSpc>
+              <a:spcBef>
+                <a:spcPts val="0"/>
+              </a:spcBef>
+              <a:buNone/>
+            </a:pPr>
+            <a:r>
+              <a:rPr lang="en-US" sz="2400" dirty="0" smtClean="0">
+                <a:solidFill>
+                  <a:srgbClr val="0B5C92"/>
+                </a:solidFill>
+                <a:latin typeface="Menlo Regular"/>
+                <a:ea typeface="Menlo Regular"/>
+                <a:cs typeface="Menlo Regular"/>
+                <a:sym typeface="courier new"/>
+              </a:rPr>
+              <a:t>for code, state in </a:t>
+            </a:r>
+            <a:r>
+              <a:rPr lang="en-US" sz="2400" dirty="0" err="1" smtClean="0">
+                <a:solidFill>
+                  <a:srgbClr val="0B5C92"/>
+                </a:solidFill>
+                <a:latin typeface="Menlo Regular"/>
+                <a:ea typeface="Menlo Regular"/>
+                <a:cs typeface="Menlo Regular"/>
+                <a:sym typeface="courier new"/>
+              </a:rPr>
+              <a:t>states.items</a:t>
+            </a:r>
+            <a:r>
+              <a:rPr lang="en-US" sz="2400" dirty="0" smtClean="0">
+                <a:solidFill>
+                  <a:srgbClr val="0B5C92"/>
+                </a:solidFill>
+                <a:latin typeface="Menlo Regular"/>
+                <a:ea typeface="Menlo Regular"/>
+                <a:cs typeface="Menlo Regular"/>
+                <a:sym typeface="courier new"/>
+              </a:rPr>
+              <a:t>():</a:t>
+            </a:r>
+          </a:p>
+          <a:p>
+            <a:pPr rtl="0">
+              <a:lnSpc>
+                <a:spcPct val="100000"/>
+              </a:lnSpc>
+              <a:spcBef>
+                <a:spcPts val="0"/>
+              </a:spcBef>
+              <a:buNone/>
+            </a:pPr>
+            <a:r>
+              <a:rPr lang="en-US" sz="2400" dirty="0" smtClean="0">
+                <a:solidFill>
+                  <a:srgbClr val="0B5C92"/>
+                </a:solidFill>
+                <a:latin typeface="Menlo Regular"/>
+                <a:ea typeface="Menlo Regular"/>
+                <a:cs typeface="Menlo Regular"/>
+                <a:sym typeface="courier new"/>
+              </a:rPr>
+              <a:t>	print(code + " is the code for " + state)</a:t>
+            </a:r>
+          </a:p>
+          <a:p>
+            <a:pPr rtl="0">
+              <a:lnSpc>
+                <a:spcPct val="100000"/>
+              </a:lnSpc>
+              <a:spcBef>
+                <a:spcPts val="0"/>
+              </a:spcBef>
+              <a:buNone/>
+            </a:pPr>
+            <a:endParaRPr lang="en-US" sz="2400" dirty="0" smtClean="0">
+              <a:solidFill>
+                <a:schemeClr val="tx1"/>
+              </a:solidFill>
+              <a:latin typeface="Menlo Regular"/>
+              <a:ea typeface="Menlo Regular"/>
+              <a:cs typeface="Menlo Regular"/>
+              <a:sym typeface="courier new"/>
+            </a:endParaRPr>
+          </a:p>
+          <a:p>
+            <a:pPr rtl="0">
+              <a:lnSpc>
+                <a:spcPct val="100000"/>
+              </a:lnSpc>
+              <a:spcBef>
+                <a:spcPts val="0"/>
+              </a:spcBef>
+              <a:buNone/>
+            </a:pPr>
+            <a:endParaRPr lang="en-US" sz="2400" dirty="0">
+              <a:solidFill>
+                <a:schemeClr val="tx1"/>
+              </a:solidFill>
+              <a:latin typeface="Menlo Regular"/>
+              <a:ea typeface="Menlo Regular"/>
+              <a:cs typeface="Menlo Regular"/>
+              <a:sym typeface="courier new"/>
+            </a:endParaRPr>
+          </a:p>
+        </p:txBody>
+      </p:sp>
+    </p:spTree>
+  </p:cSld>
+  <p:clrMapOvr>
+    <a:masterClrMapping/>
+  </p:clrMapOvr>
+  <p:transition xmlns:p14="http://schemas.microsoft.com/office/powerpoint/2010/main" spd="slow">
+    <p:cut/>
+  </p:transition>
+  <p:timing>
+    <p:tnLst>
+      <p:par>
+        <p:cTn xmlns:p14="http://schemas.microsoft.com/office/powerpoint/2010/main" id="1" dur="indefinite" restart="never" nodeType="tmRoot"/>
+      </p:par>
+    </p:tnLst>
+  </p:timing>
+</p:sld>
+</file>
+
+<file path=ppt/slides/slide21.xml><?xml version="1.0" encoding="utf-8"?>
+<p:sld xmlns:a="http://schemas.openxmlformats.org/drawingml/2006/main" xmlns:r="http://schemas.openxmlformats.org/officeDocument/2006/relationships" xmlns:p="http://schemas.openxmlformats.org/presentationml/2006/main">
+  <p:cSld>
+    <p:spTree>
+      <p:nvGrpSpPr>
+        <p:cNvPr id="1" name="Shape 104"/>
+        <p:cNvGrpSpPr/>
+        <p:nvPr/>
+      </p:nvGrpSpPr>
+      <p:grpSpPr>
+        <a:xfrm>
+          <a:off x="0" y="0"/>
+          <a:ext cx="0" cy="0"/>
+          <a:chOff x="0" y="0"/>
+          <a:chExt cx="0" cy="0"/>
+        </a:xfrm>
+      </p:grpSpPr>
+      <p:sp>
+        <p:nvSpPr>
+          <p:cNvPr id="105" name="Shape 105"/>
+          <p:cNvSpPr txBox="1">
+            <a:spLocks noGrp="1"/>
+          </p:cNvSpPr>
+          <p:nvPr>
+            <p:ph type="title"/>
+          </p:nvPr>
+        </p:nvSpPr>
+        <p:spPr>
+          <a:xfrm>
+            <a:off x="457200" y="274637"/>
+            <a:ext cx="8229600" cy="1143000"/>
+          </a:xfrm>
+          <a:prstGeom prst="rect">
+            <a:avLst/>
+          </a:prstGeom>
+        </p:spPr>
+        <p:txBody>
+          <a:bodyPr lIns="91425" tIns="91425" rIns="91425" bIns="91425" anchor="b" anchorCtr="0">
+            <a:noAutofit/>
+          </a:bodyPr>
+          <a:lstStyle/>
+          <a:p>
+            <a:pPr>
+              <a:spcBef>
+                <a:spcPts val="0"/>
+              </a:spcBef>
+              <a:buNone/>
+            </a:pPr>
+            <a:r>
+              <a:rPr lang="en" sz="7200" dirty="0" smtClean="0">
+                <a:solidFill>
+                  <a:srgbClr val="FF0000"/>
+                </a:solidFill>
+                <a:latin typeface="Yanone Kaffeesatz Bold"/>
+                <a:cs typeface="Yanone Kaffeesatz Bold"/>
+                <a:sym typeface="Ubuntu"/>
+              </a:rPr>
+              <a:t>range</a:t>
+            </a:r>
+            <a:endParaRPr lang="en" sz="7200" dirty="0">
+              <a:solidFill>
+                <a:srgbClr val="FF0000"/>
+              </a:solidFill>
+              <a:latin typeface="Yanone Kaffeesatz Bold"/>
+              <a:cs typeface="Yanone Kaffeesatz Bold"/>
+              <a:sym typeface="Ubuntu"/>
+            </a:endParaRPr>
+          </a:p>
+        </p:txBody>
+      </p:sp>
+      <p:sp>
+        <p:nvSpPr>
+          <p:cNvPr id="106" name="Shape 106"/>
+          <p:cNvSpPr txBox="1">
+            <a:spLocks noGrp="1"/>
+          </p:cNvSpPr>
+          <p:nvPr>
+            <p:ph type="body" idx="1"/>
+          </p:nvPr>
+        </p:nvSpPr>
+        <p:spPr>
+          <a:xfrm>
+            <a:off x="457200" y="1600200"/>
+            <a:ext cx="8229600" cy="4967700"/>
+          </a:xfrm>
+          <a:prstGeom prst="rect">
+            <a:avLst/>
+          </a:prstGeom>
+        </p:spPr>
+        <p:txBody>
+          <a:bodyPr lIns="91425" tIns="91425" rIns="91425" bIns="91425" anchor="t" anchorCtr="0">
+            <a:noAutofit/>
+          </a:bodyPr>
+          <a:lstStyle/>
+          <a:p>
+            <a:pPr lvl="0">
+              <a:buNone/>
+            </a:pPr>
+            <a:endParaRPr lang="en-US" sz="2400" dirty="0" smtClean="0">
+              <a:solidFill>
+                <a:schemeClr val="tx1"/>
+              </a:solidFill>
+              <a:latin typeface="Menlo Regular"/>
+              <a:ea typeface="Menlo Regular"/>
+              <a:cs typeface="Menlo Regular"/>
+              <a:sym typeface="Courier New"/>
+            </a:endParaRPr>
+          </a:p>
+          <a:p>
+            <a:pPr lvl="0">
+              <a:buNone/>
+            </a:pPr>
+            <a:r>
+              <a:rPr lang="en-US" sz="2400" dirty="0" smtClean="0">
+                <a:solidFill>
+                  <a:schemeClr val="tx1"/>
+                </a:solidFill>
+                <a:latin typeface="Menlo Regular"/>
+                <a:ea typeface="Menlo Regular"/>
+                <a:cs typeface="Menlo Regular"/>
+                <a:sym typeface="Courier New"/>
+              </a:rPr>
+              <a:t>for </a:t>
+            </a:r>
+            <a:r>
+              <a:rPr lang="en-US" sz="2400" dirty="0" err="1" smtClean="0">
+                <a:solidFill>
+                  <a:schemeClr val="tx1"/>
+                </a:solidFill>
+                <a:latin typeface="Menlo Regular"/>
+                <a:ea typeface="Menlo Regular"/>
+                <a:cs typeface="Menlo Regular"/>
+                <a:sym typeface="Courier New"/>
+              </a:rPr>
+              <a:t>i</a:t>
+            </a:r>
+            <a:r>
+              <a:rPr lang="en-US" sz="2400" dirty="0" smtClean="0">
+                <a:solidFill>
+                  <a:schemeClr val="tx1"/>
+                </a:solidFill>
+                <a:latin typeface="Menlo Regular"/>
+                <a:ea typeface="Menlo Regular"/>
+                <a:cs typeface="Menlo Regular"/>
+                <a:sym typeface="Courier New"/>
+              </a:rPr>
+              <a:t> in range(</a:t>
+            </a:r>
+            <a:r>
+              <a:rPr lang="en-US" sz="2400" dirty="0" smtClean="0">
+                <a:solidFill>
+                  <a:srgbClr val="11889C"/>
+                </a:solidFill>
+                <a:latin typeface="Menlo Regular"/>
+                <a:ea typeface="Menlo Regular"/>
+                <a:cs typeface="Menlo Regular"/>
+                <a:sym typeface="Courier New"/>
+              </a:rPr>
+              <a:t>10</a:t>
+            </a:r>
+            <a:r>
+              <a:rPr lang="en-US" sz="2400" dirty="0" smtClean="0">
+                <a:solidFill>
+                  <a:schemeClr val="tx1"/>
+                </a:solidFill>
+                <a:latin typeface="Menlo Regular"/>
+                <a:ea typeface="Menlo Regular"/>
+                <a:cs typeface="Menlo Regular"/>
+                <a:sym typeface="Courier New"/>
+              </a:rPr>
+              <a:t>)</a:t>
+            </a:r>
+            <a:r>
+              <a:rPr lang="en-US" sz="2400" dirty="0" smtClean="0">
+                <a:solidFill>
+                  <a:srgbClr val="11889C"/>
+                </a:solidFill>
+                <a:latin typeface="Menlo Regular"/>
+                <a:ea typeface="Menlo Regular"/>
+                <a:cs typeface="Menlo Regular"/>
+                <a:sym typeface="Courier New"/>
+              </a:rPr>
+              <a:t>:</a:t>
+            </a:r>
+          </a:p>
+          <a:p>
+            <a:pPr lvl="0">
+              <a:buNone/>
+            </a:pPr>
+            <a:r>
+              <a:rPr lang="en-US" sz="2400" dirty="0">
+                <a:solidFill>
+                  <a:srgbClr val="11889C"/>
+                </a:solidFill>
+                <a:latin typeface="Menlo Regular"/>
+                <a:ea typeface="Menlo Regular"/>
+                <a:cs typeface="Menlo Regular"/>
+                <a:sym typeface="Courier New"/>
+              </a:rPr>
+              <a:t>	</a:t>
+            </a:r>
+            <a:r>
+              <a:rPr lang="en-US" sz="2400" dirty="0" smtClean="0">
+                <a:solidFill>
+                  <a:srgbClr val="0B5C92"/>
+                </a:solidFill>
+                <a:latin typeface="Menlo Regular"/>
+                <a:ea typeface="Menlo Regular"/>
+                <a:cs typeface="Menlo Regular"/>
+                <a:sym typeface="Courier New"/>
+              </a:rPr>
+              <a:t>print</a:t>
+            </a:r>
+            <a:r>
+              <a:rPr lang="en-US" sz="2400" dirty="0" smtClean="0">
+                <a:solidFill>
+                  <a:schemeClr val="tx1"/>
+                </a:solidFill>
+                <a:latin typeface="Menlo Regular"/>
+                <a:ea typeface="Menlo Regular"/>
+                <a:cs typeface="Menlo Regular"/>
+                <a:sym typeface="Courier New"/>
+              </a:rPr>
+              <a:t>(</a:t>
+            </a:r>
+            <a:r>
+              <a:rPr lang="en-US" sz="2400" dirty="0">
+                <a:solidFill>
+                  <a:srgbClr val="FF0000"/>
+                </a:solidFill>
+                <a:latin typeface="Menlo Regular"/>
+                <a:ea typeface="Menlo Regular"/>
+                <a:cs typeface="Menlo Regular"/>
+                <a:sym typeface="Courier New"/>
+              </a:rPr>
+              <a:t>"</a:t>
+            </a:r>
+            <a:r>
+              <a:rPr lang="en-US" sz="2400" dirty="0" smtClean="0">
+                <a:solidFill>
+                  <a:srgbClr val="FF0000"/>
+                </a:solidFill>
+                <a:latin typeface="Menlo Regular"/>
+                <a:ea typeface="Menlo Regular"/>
+                <a:cs typeface="Menlo Regular"/>
+                <a:sym typeface="Courier New"/>
+              </a:rPr>
+              <a:t>I'm at number " </a:t>
+            </a:r>
+            <a:r>
+              <a:rPr lang="en-US" sz="2400" dirty="0" smtClean="0">
+                <a:solidFill>
+                  <a:srgbClr val="11889C"/>
+                </a:solidFill>
+                <a:latin typeface="Menlo Regular"/>
+                <a:ea typeface="Menlo Regular"/>
+                <a:cs typeface="Menlo Regular"/>
+                <a:sym typeface="Courier New"/>
+              </a:rPr>
+              <a:t>+ </a:t>
+            </a:r>
+            <a:r>
+              <a:rPr lang="en-US" sz="2400" dirty="0" err="1" smtClean="0">
+                <a:solidFill>
+                  <a:srgbClr val="0B5C92"/>
+                </a:solidFill>
+                <a:latin typeface="Menlo Regular"/>
+                <a:ea typeface="Menlo Regular"/>
+                <a:cs typeface="Menlo Regular"/>
+                <a:sym typeface="Courier New"/>
+              </a:rPr>
+              <a:t>str</a:t>
+            </a:r>
+            <a:r>
+              <a:rPr lang="en-US" sz="2400" dirty="0" smtClean="0">
+                <a:solidFill>
+                  <a:srgbClr val="0B5C92"/>
+                </a:solidFill>
+                <a:latin typeface="Menlo Regular"/>
+                <a:ea typeface="Menlo Regular"/>
+                <a:cs typeface="Menlo Regular"/>
+                <a:sym typeface="Courier New"/>
+              </a:rPr>
+              <a:t>(</a:t>
+            </a:r>
+            <a:r>
+              <a:rPr lang="en-US" sz="2400" dirty="0" err="1" smtClean="0">
+                <a:solidFill>
+                  <a:schemeClr val="tx1"/>
+                </a:solidFill>
+                <a:latin typeface="Menlo Regular"/>
+                <a:ea typeface="Menlo Regular"/>
+                <a:cs typeface="Menlo Regular"/>
+                <a:sym typeface="Courier New"/>
+              </a:rPr>
+              <a:t>i</a:t>
+            </a:r>
+            <a:r>
+              <a:rPr lang="en-US" sz="2400" dirty="0" smtClean="0">
+                <a:solidFill>
+                  <a:srgbClr val="0B5C92"/>
+                </a:solidFill>
+                <a:latin typeface="Menlo Regular"/>
+                <a:ea typeface="Menlo Regular"/>
+                <a:cs typeface="Menlo Regular"/>
+                <a:sym typeface="Courier New"/>
+              </a:rPr>
+              <a:t>)</a:t>
+            </a:r>
+            <a:r>
+              <a:rPr lang="en-US" sz="2400" dirty="0" smtClean="0">
+                <a:solidFill>
+                  <a:srgbClr val="11889C"/>
+                </a:solidFill>
+                <a:latin typeface="Menlo Regular"/>
+                <a:ea typeface="Menlo Regular"/>
+                <a:cs typeface="Menlo Regular"/>
+                <a:sym typeface="Courier New"/>
+              </a:rPr>
+              <a:t>)</a:t>
+            </a:r>
+            <a:endParaRPr lang="en" sz="2400" dirty="0">
+              <a:solidFill>
+                <a:srgbClr val="000000"/>
+              </a:solidFill>
+              <a:latin typeface="Menlo Regular"/>
+              <a:ea typeface="Menlo Regular"/>
+              <a:cs typeface="Menlo Regular"/>
+              <a:sym typeface="Courier New"/>
+            </a:endParaRPr>
+          </a:p>
+          <a:p>
+            <a:pPr lvl="0" rtl="0">
+              <a:spcBef>
+                <a:spcPts val="0"/>
+              </a:spcBef>
+              <a:buNone/>
+            </a:pPr>
+            <a:endParaRPr lang="en" sz="2400" dirty="0" smtClean="0">
+              <a:solidFill>
+                <a:srgbClr val="000000"/>
+              </a:solidFill>
+              <a:latin typeface="Menlo Regular"/>
+              <a:ea typeface="Menlo Regular"/>
+              <a:cs typeface="Menlo Regular"/>
+              <a:sym typeface="Courier New"/>
+            </a:endParaRPr>
+          </a:p>
+          <a:p>
+            <a:pPr lvl="0">
+              <a:buNone/>
+            </a:pPr>
+            <a:endParaRPr lang="en-US" sz="2400" dirty="0" smtClean="0">
+              <a:solidFill>
+                <a:schemeClr val="tx1"/>
+              </a:solidFill>
+              <a:latin typeface="Menlo Regular"/>
+              <a:ea typeface="Menlo Regular"/>
+              <a:cs typeface="Menlo Regular"/>
+              <a:sym typeface="Courier New"/>
+            </a:endParaRPr>
+          </a:p>
+          <a:p>
+            <a:pPr lvl="0">
+              <a:buNone/>
+            </a:pPr>
+            <a:r>
+              <a:rPr lang="en-US" sz="2400" dirty="0" smtClean="0">
+                <a:solidFill>
+                  <a:schemeClr val="tx1"/>
+                </a:solidFill>
+                <a:latin typeface="Menlo Regular"/>
+                <a:ea typeface="Menlo Regular"/>
+                <a:cs typeface="Menlo Regular"/>
+                <a:sym typeface="Courier New"/>
+              </a:rPr>
+              <a:t>for </a:t>
+            </a:r>
+            <a:r>
+              <a:rPr lang="en-US" sz="2400" dirty="0" err="1">
+                <a:solidFill>
+                  <a:schemeClr val="tx1"/>
+                </a:solidFill>
+                <a:latin typeface="Menlo Regular"/>
+                <a:ea typeface="Menlo Regular"/>
+                <a:cs typeface="Menlo Regular"/>
+                <a:sym typeface="Courier New"/>
+              </a:rPr>
+              <a:t>i</a:t>
+            </a:r>
+            <a:r>
+              <a:rPr lang="en-US" sz="2400" dirty="0">
+                <a:solidFill>
+                  <a:schemeClr val="tx1"/>
+                </a:solidFill>
+                <a:latin typeface="Menlo Regular"/>
+                <a:ea typeface="Menlo Regular"/>
+                <a:cs typeface="Menlo Regular"/>
+                <a:sym typeface="Courier New"/>
+              </a:rPr>
+              <a:t> in </a:t>
+            </a:r>
+            <a:r>
+              <a:rPr lang="en-US" sz="2400" dirty="0" smtClean="0">
+                <a:solidFill>
+                  <a:schemeClr val="tx1"/>
+                </a:solidFill>
+                <a:latin typeface="Menlo Regular"/>
+                <a:ea typeface="Menlo Regular"/>
+                <a:cs typeface="Menlo Regular"/>
+                <a:sym typeface="Courier New"/>
+              </a:rPr>
+              <a:t>range(</a:t>
+            </a:r>
+            <a:r>
+              <a:rPr lang="en-US" sz="2400" dirty="0" smtClean="0">
+                <a:solidFill>
+                  <a:srgbClr val="11889C"/>
+                </a:solidFill>
+                <a:latin typeface="Menlo Regular"/>
+                <a:ea typeface="Menlo Regular"/>
+                <a:cs typeface="Menlo Regular"/>
+                <a:sym typeface="Courier New"/>
+              </a:rPr>
+              <a:t>5, 10</a:t>
+            </a:r>
+            <a:r>
+              <a:rPr lang="en-US" sz="2400" dirty="0" smtClean="0">
+                <a:solidFill>
+                  <a:schemeClr val="tx1"/>
+                </a:solidFill>
+                <a:latin typeface="Menlo Regular"/>
+                <a:ea typeface="Menlo Regular"/>
+                <a:cs typeface="Menlo Regular"/>
+                <a:sym typeface="Courier New"/>
+              </a:rPr>
+              <a:t>)</a:t>
+            </a:r>
+            <a:r>
+              <a:rPr lang="en-US" sz="2400" dirty="0" smtClean="0">
+                <a:solidFill>
+                  <a:srgbClr val="11889C"/>
+                </a:solidFill>
+                <a:latin typeface="Menlo Regular"/>
+                <a:ea typeface="Menlo Regular"/>
+                <a:cs typeface="Menlo Regular"/>
+                <a:sym typeface="Courier New"/>
+              </a:rPr>
+              <a:t>:</a:t>
+            </a:r>
+            <a:endParaRPr lang="en-US" sz="2400" dirty="0">
+              <a:solidFill>
+                <a:srgbClr val="11889C"/>
+              </a:solidFill>
+              <a:latin typeface="Menlo Regular"/>
+              <a:ea typeface="Menlo Regular"/>
+              <a:cs typeface="Menlo Regular"/>
+              <a:sym typeface="Courier New"/>
+            </a:endParaRPr>
+          </a:p>
+          <a:p>
+            <a:pPr lvl="0">
+              <a:buNone/>
+            </a:pPr>
+            <a:r>
+              <a:rPr lang="en-US" sz="2400" dirty="0">
+                <a:solidFill>
+                  <a:srgbClr val="11889C"/>
+                </a:solidFill>
+                <a:latin typeface="Menlo Regular"/>
+                <a:ea typeface="Menlo Regular"/>
+                <a:cs typeface="Menlo Regular"/>
+                <a:sym typeface="Courier New"/>
+              </a:rPr>
+              <a:t>	</a:t>
+            </a:r>
+            <a:r>
+              <a:rPr lang="en-US" sz="2400" dirty="0">
+                <a:solidFill>
+                  <a:srgbClr val="0B5C92"/>
+                </a:solidFill>
+                <a:latin typeface="Menlo Regular"/>
+                <a:ea typeface="Menlo Regular"/>
+                <a:cs typeface="Menlo Regular"/>
+                <a:sym typeface="Courier New"/>
+              </a:rPr>
+              <a:t>print</a:t>
+            </a:r>
+            <a:r>
+              <a:rPr lang="en-US" sz="2400" dirty="0" smtClean="0">
+                <a:solidFill>
+                  <a:schemeClr val="tx1"/>
+                </a:solidFill>
+                <a:latin typeface="Menlo Regular"/>
+                <a:ea typeface="Menlo Regular"/>
+                <a:cs typeface="Menlo Regular"/>
+                <a:sym typeface="Courier New"/>
+              </a:rPr>
+              <a:t>(</a:t>
+            </a:r>
+            <a:r>
+              <a:rPr lang="en-US" sz="2400" dirty="0">
+                <a:solidFill>
+                  <a:srgbClr val="FF0000"/>
+                </a:solidFill>
+                <a:latin typeface="Menlo Regular"/>
+                <a:ea typeface="Menlo Regular"/>
+                <a:cs typeface="Menlo Regular"/>
+                <a:sym typeface="Courier New"/>
+              </a:rPr>
+              <a:t>"</a:t>
+            </a:r>
+            <a:r>
+              <a:rPr lang="en-US" sz="2400" dirty="0" smtClean="0">
+                <a:solidFill>
+                  <a:srgbClr val="FF0000"/>
+                </a:solidFill>
+                <a:latin typeface="Menlo Regular"/>
+                <a:ea typeface="Menlo Regular"/>
+                <a:cs typeface="Menlo Regular"/>
+                <a:sym typeface="Courier New"/>
+              </a:rPr>
+              <a:t>I'm </a:t>
+            </a:r>
+            <a:r>
+              <a:rPr lang="en-US" sz="2400" dirty="0">
+                <a:solidFill>
+                  <a:srgbClr val="FF0000"/>
+                </a:solidFill>
+                <a:latin typeface="Menlo Regular"/>
+                <a:ea typeface="Menlo Regular"/>
+                <a:cs typeface="Menlo Regular"/>
+                <a:sym typeface="Courier New"/>
+              </a:rPr>
+              <a:t>at number </a:t>
+            </a:r>
+            <a:r>
+              <a:rPr lang="en-US" sz="2400" dirty="0" smtClean="0">
+                <a:solidFill>
+                  <a:srgbClr val="FF0000"/>
+                </a:solidFill>
+                <a:latin typeface="Menlo Regular"/>
+                <a:ea typeface="Menlo Regular"/>
+                <a:cs typeface="Menlo Regular"/>
+                <a:sym typeface="Courier New"/>
+              </a:rPr>
+              <a:t>" </a:t>
+            </a:r>
+            <a:r>
+              <a:rPr lang="en-US" sz="2400" dirty="0">
+                <a:solidFill>
+                  <a:srgbClr val="11889C"/>
+                </a:solidFill>
+                <a:latin typeface="Menlo Regular"/>
+                <a:ea typeface="Menlo Regular"/>
+                <a:cs typeface="Menlo Regular"/>
+                <a:sym typeface="Courier New"/>
+              </a:rPr>
+              <a:t>+ </a:t>
+            </a:r>
+            <a:r>
+              <a:rPr lang="en-US" sz="2400" dirty="0" err="1">
+                <a:solidFill>
+                  <a:srgbClr val="0B5C92"/>
+                </a:solidFill>
+                <a:latin typeface="Menlo Regular"/>
+                <a:ea typeface="Menlo Regular"/>
+                <a:cs typeface="Menlo Regular"/>
+                <a:sym typeface="Courier New"/>
+              </a:rPr>
+              <a:t>str</a:t>
+            </a:r>
+            <a:r>
+              <a:rPr lang="en-US" sz="2400" dirty="0">
+                <a:solidFill>
+                  <a:srgbClr val="0B5C92"/>
+                </a:solidFill>
+                <a:latin typeface="Menlo Regular"/>
+                <a:ea typeface="Menlo Regular"/>
+                <a:cs typeface="Menlo Regular"/>
+                <a:sym typeface="Courier New"/>
+              </a:rPr>
+              <a:t>(</a:t>
+            </a:r>
+            <a:r>
+              <a:rPr lang="en-US" sz="2400" dirty="0" err="1">
+                <a:solidFill>
+                  <a:schemeClr val="tx1"/>
+                </a:solidFill>
+                <a:latin typeface="Menlo Regular"/>
+                <a:ea typeface="Menlo Regular"/>
+                <a:cs typeface="Menlo Regular"/>
+                <a:sym typeface="Courier New"/>
+              </a:rPr>
+              <a:t>i</a:t>
+            </a:r>
+            <a:r>
+              <a:rPr lang="en-US" sz="2400" dirty="0" smtClean="0">
+                <a:solidFill>
+                  <a:srgbClr val="0B5C92"/>
+                </a:solidFill>
+                <a:latin typeface="Menlo Regular"/>
+                <a:ea typeface="Menlo Regular"/>
+                <a:cs typeface="Menlo Regular"/>
+                <a:sym typeface="Courier New"/>
+              </a:rPr>
+              <a:t>)</a:t>
+            </a:r>
+            <a:r>
+              <a:rPr lang="en-US" sz="2400" dirty="0" smtClean="0">
+                <a:solidFill>
+                  <a:srgbClr val="11889C"/>
+                </a:solidFill>
+                <a:latin typeface="Menlo Regular"/>
+                <a:ea typeface="Menlo Regular"/>
+                <a:cs typeface="Menlo Regular"/>
+                <a:sym typeface="Courier New"/>
+              </a:rPr>
+              <a:t>)</a:t>
+            </a:r>
+          </a:p>
+          <a:p>
+            <a:pPr lvl="0">
+              <a:buNone/>
+            </a:pPr>
+            <a:endParaRPr lang="en-US" sz="2400" dirty="0" smtClean="0">
+              <a:solidFill>
+                <a:srgbClr val="11889C"/>
+              </a:solidFill>
+              <a:latin typeface="Menlo Regular"/>
+              <a:ea typeface="Menlo Regular"/>
+              <a:cs typeface="Menlo Regular"/>
+              <a:sym typeface="Courier New"/>
+            </a:endParaRPr>
+          </a:p>
+          <a:p>
+            <a:pPr lvl="0">
+              <a:buNone/>
+            </a:pPr>
+            <a:endParaRPr lang="en-US" sz="2400" dirty="0">
+              <a:solidFill>
+                <a:srgbClr val="11889C"/>
+              </a:solidFill>
+              <a:latin typeface="Menlo Regular"/>
+              <a:ea typeface="Menlo Regular"/>
+              <a:cs typeface="Menlo Regular"/>
+              <a:sym typeface="Courier New"/>
+            </a:endParaRPr>
+          </a:p>
+          <a:p>
+            <a:pPr lvl="0">
+              <a:buNone/>
+            </a:pPr>
+            <a:r>
+              <a:rPr lang="en-US" sz="2400" dirty="0" smtClean="0">
+                <a:solidFill>
+                  <a:schemeClr val="tx1"/>
+                </a:solidFill>
+                <a:latin typeface="Menlo Regular"/>
+                <a:ea typeface="Menlo Regular"/>
+                <a:cs typeface="Menlo Regular"/>
+                <a:sym typeface="Courier New"/>
+              </a:rPr>
+              <a:t>for </a:t>
+            </a:r>
+            <a:r>
+              <a:rPr lang="en-US" sz="2400" dirty="0" err="1">
+                <a:solidFill>
+                  <a:schemeClr val="tx1"/>
+                </a:solidFill>
+                <a:latin typeface="Menlo Regular"/>
+                <a:ea typeface="Menlo Regular"/>
+                <a:cs typeface="Menlo Regular"/>
+                <a:sym typeface="Courier New"/>
+              </a:rPr>
+              <a:t>i</a:t>
+            </a:r>
+            <a:r>
+              <a:rPr lang="en-US" sz="2400" dirty="0">
+                <a:solidFill>
+                  <a:schemeClr val="tx1"/>
+                </a:solidFill>
+                <a:latin typeface="Menlo Regular"/>
+                <a:ea typeface="Menlo Regular"/>
+                <a:cs typeface="Menlo Regular"/>
+                <a:sym typeface="Courier New"/>
+              </a:rPr>
+              <a:t> in </a:t>
+            </a:r>
+            <a:r>
+              <a:rPr lang="en-US" sz="2400" dirty="0" smtClean="0">
+                <a:solidFill>
+                  <a:schemeClr val="tx1"/>
+                </a:solidFill>
+                <a:latin typeface="Menlo Regular"/>
+                <a:ea typeface="Menlo Regular"/>
+                <a:cs typeface="Menlo Regular"/>
+                <a:sym typeface="Courier New"/>
+              </a:rPr>
+              <a:t>range(</a:t>
+            </a:r>
+            <a:r>
+              <a:rPr lang="en-US" sz="2400" dirty="0" smtClean="0">
+                <a:solidFill>
+                  <a:srgbClr val="11889C"/>
+                </a:solidFill>
+                <a:latin typeface="Menlo Regular"/>
+                <a:ea typeface="Menlo Regular"/>
+                <a:cs typeface="Menlo Regular"/>
+                <a:sym typeface="Courier New"/>
+              </a:rPr>
+              <a:t>0, 10, 2</a:t>
+            </a:r>
+            <a:r>
+              <a:rPr lang="en-US" sz="2400" dirty="0" smtClean="0">
+                <a:solidFill>
+                  <a:schemeClr val="tx1"/>
+                </a:solidFill>
+                <a:latin typeface="Menlo Regular"/>
+                <a:ea typeface="Menlo Regular"/>
+                <a:cs typeface="Menlo Regular"/>
+                <a:sym typeface="Courier New"/>
+              </a:rPr>
+              <a:t>)</a:t>
+            </a:r>
+            <a:r>
+              <a:rPr lang="en-US" sz="2400" dirty="0" smtClean="0">
+                <a:solidFill>
+                  <a:srgbClr val="11889C"/>
+                </a:solidFill>
+                <a:latin typeface="Menlo Regular"/>
+                <a:ea typeface="Menlo Regular"/>
+                <a:cs typeface="Menlo Regular"/>
+                <a:sym typeface="Courier New"/>
+              </a:rPr>
+              <a:t>:</a:t>
+            </a:r>
+            <a:endParaRPr lang="en-US" sz="2400" dirty="0">
+              <a:solidFill>
+                <a:srgbClr val="11889C"/>
+              </a:solidFill>
+              <a:latin typeface="Menlo Regular"/>
+              <a:ea typeface="Menlo Regular"/>
+              <a:cs typeface="Menlo Regular"/>
+              <a:sym typeface="Courier New"/>
+            </a:endParaRPr>
+          </a:p>
+          <a:p>
+            <a:pPr lvl="0">
+              <a:buNone/>
+            </a:pPr>
+            <a:r>
+              <a:rPr lang="en-US" sz="2400" dirty="0">
+                <a:solidFill>
+                  <a:srgbClr val="11889C"/>
+                </a:solidFill>
+                <a:latin typeface="Menlo Regular"/>
+                <a:ea typeface="Menlo Regular"/>
+                <a:cs typeface="Menlo Regular"/>
+                <a:sym typeface="Courier New"/>
+              </a:rPr>
+              <a:t>	</a:t>
+            </a:r>
+            <a:r>
+              <a:rPr lang="en-US" sz="2400" dirty="0">
+                <a:solidFill>
+                  <a:srgbClr val="0B5C92"/>
+                </a:solidFill>
+                <a:latin typeface="Menlo Regular"/>
+                <a:ea typeface="Menlo Regular"/>
+                <a:cs typeface="Menlo Regular"/>
+                <a:sym typeface="Courier New"/>
+              </a:rPr>
+              <a:t>print</a:t>
+            </a:r>
+            <a:r>
+              <a:rPr lang="en-US" sz="2400" dirty="0" smtClean="0">
+                <a:solidFill>
+                  <a:schemeClr val="tx1"/>
+                </a:solidFill>
+                <a:latin typeface="Menlo Regular"/>
+                <a:ea typeface="Menlo Regular"/>
+                <a:cs typeface="Menlo Regular"/>
+                <a:sym typeface="Courier New"/>
+              </a:rPr>
+              <a:t>(</a:t>
+            </a:r>
+            <a:r>
+              <a:rPr lang="en-US" sz="2400" dirty="0">
+                <a:solidFill>
+                  <a:srgbClr val="FF0000"/>
+                </a:solidFill>
+                <a:latin typeface="Menlo Regular"/>
+                <a:ea typeface="Menlo Regular"/>
+                <a:cs typeface="Menlo Regular"/>
+                <a:sym typeface="Courier New"/>
+              </a:rPr>
+              <a:t>"</a:t>
+            </a:r>
+            <a:r>
+              <a:rPr lang="en-US" sz="2400" dirty="0" smtClean="0">
+                <a:solidFill>
+                  <a:srgbClr val="FF0000"/>
+                </a:solidFill>
+                <a:latin typeface="Menlo Regular"/>
+                <a:ea typeface="Menlo Regular"/>
+                <a:cs typeface="Menlo Regular"/>
+                <a:sym typeface="Courier New"/>
+              </a:rPr>
+              <a:t>I'm </a:t>
+            </a:r>
+            <a:r>
+              <a:rPr lang="en-US" sz="2400" dirty="0">
+                <a:solidFill>
+                  <a:srgbClr val="FF0000"/>
+                </a:solidFill>
+                <a:latin typeface="Menlo Regular"/>
+                <a:ea typeface="Menlo Regular"/>
+                <a:cs typeface="Menlo Regular"/>
+                <a:sym typeface="Courier New"/>
+              </a:rPr>
+              <a:t>at number </a:t>
+            </a:r>
+            <a:r>
+              <a:rPr lang="en-US" sz="2400" dirty="0" smtClean="0">
+                <a:solidFill>
+                  <a:srgbClr val="FF0000"/>
+                </a:solidFill>
+                <a:latin typeface="Menlo Regular"/>
+                <a:ea typeface="Menlo Regular"/>
+                <a:cs typeface="Menlo Regular"/>
+                <a:sym typeface="Courier New"/>
+              </a:rPr>
+              <a:t>" </a:t>
+            </a:r>
+            <a:r>
+              <a:rPr lang="en-US" sz="2400" dirty="0">
+                <a:solidFill>
+                  <a:srgbClr val="11889C"/>
+                </a:solidFill>
+                <a:latin typeface="Menlo Regular"/>
+                <a:ea typeface="Menlo Regular"/>
+                <a:cs typeface="Menlo Regular"/>
+                <a:sym typeface="Courier New"/>
+              </a:rPr>
+              <a:t>+ </a:t>
+            </a:r>
+            <a:r>
+              <a:rPr lang="en-US" sz="2400" dirty="0" err="1">
+                <a:solidFill>
+                  <a:srgbClr val="0B5C92"/>
+                </a:solidFill>
+                <a:latin typeface="Menlo Regular"/>
+                <a:ea typeface="Menlo Regular"/>
+                <a:cs typeface="Menlo Regular"/>
+                <a:sym typeface="Courier New"/>
+              </a:rPr>
+              <a:t>str</a:t>
+            </a:r>
+            <a:r>
+              <a:rPr lang="en-US" sz="2400" dirty="0">
+                <a:solidFill>
+                  <a:srgbClr val="0B5C92"/>
+                </a:solidFill>
+                <a:latin typeface="Menlo Regular"/>
+                <a:ea typeface="Menlo Regular"/>
+                <a:cs typeface="Menlo Regular"/>
+                <a:sym typeface="Courier New"/>
+              </a:rPr>
+              <a:t>(</a:t>
+            </a:r>
+            <a:r>
+              <a:rPr lang="en-US" sz="2400" dirty="0" err="1">
+                <a:solidFill>
+                  <a:schemeClr val="tx1"/>
+                </a:solidFill>
+                <a:latin typeface="Menlo Regular"/>
+                <a:ea typeface="Menlo Regular"/>
+                <a:cs typeface="Menlo Regular"/>
+                <a:sym typeface="Courier New"/>
+              </a:rPr>
+              <a:t>i</a:t>
+            </a:r>
+            <a:r>
+              <a:rPr lang="en-US" sz="2400" dirty="0" smtClean="0">
+                <a:solidFill>
+                  <a:srgbClr val="0B5C92"/>
+                </a:solidFill>
+                <a:latin typeface="Menlo Regular"/>
+                <a:ea typeface="Menlo Regular"/>
+                <a:cs typeface="Menlo Regular"/>
+                <a:sym typeface="Courier New"/>
+              </a:rPr>
+              <a:t>)</a:t>
+            </a:r>
+            <a:r>
+              <a:rPr lang="en-US" sz="2400" dirty="0" smtClean="0">
+                <a:solidFill>
+                  <a:srgbClr val="11889C"/>
+                </a:solidFill>
+                <a:latin typeface="Menlo Regular"/>
+                <a:ea typeface="Menlo Regular"/>
+                <a:cs typeface="Menlo Regular"/>
+                <a:sym typeface="Courier New"/>
+              </a:rPr>
+              <a:t>)</a:t>
+            </a:r>
+            <a:endParaRPr lang="en" sz="2400" dirty="0">
+              <a:solidFill>
+                <a:schemeClr val="tx1"/>
+              </a:solidFill>
+              <a:latin typeface="Menlo Regular"/>
+              <a:ea typeface="Menlo Regular"/>
+              <a:cs typeface="Menlo Regular"/>
+              <a:sym typeface="Courier New"/>
+            </a:endParaRPr>
+          </a:p>
+          <a:p>
+            <a:pPr>
+              <a:spcBef>
+                <a:spcPts val="0"/>
+              </a:spcBef>
+              <a:buNone/>
+            </a:pPr>
+            <a:endParaRPr dirty="0"/>
+          </a:p>
+        </p:txBody>
+      </p:sp>
+    </p:spTree>
+  </p:cSld>
+  <p:clrMapOvr>
+    <a:masterClrMapping/>
+  </p:clrMapOvr>
+  <p:transition xmlns:p14="http://schemas.microsoft.com/office/powerpoint/2010/main" spd="slow">
+    <p:cut/>
+  </p:transition>
+  <p:timing>
+    <p:tnLst>
+      <p:par>
+        <p:cTn xmlns:p14="http://schemas.microsoft.com/office/powerpoint/2010/main" id="1" dur="indefinite" restart="never" nodeType="tmRoot"/>
+      </p:par>
+    </p:tnLst>
+  </p:timing>
+</p:sld>
+</file>
+
+<file path=ppt/slides/slide22.xml><?xml version="1.0" encoding="utf-8"?>
+<p:sld xmlns:a="http://schemas.openxmlformats.org/drawingml/2006/main" xmlns:r="http://schemas.openxmlformats.org/officeDocument/2006/relationships" xmlns:p="http://schemas.openxmlformats.org/presentationml/2006/main">
+  <p:cSld>
+    <p:spTree>
+      <p:nvGrpSpPr>
         <p:cNvPr id="1" name="Shape 110"/>
         <p:cNvGrpSpPr/>
         <p:nvPr/>
@@ -15182,7 +16250,7 @@
 </p:sld>
 </file>
 
-<file path=ppt/slides/slide21.xml><?xml version="1.0" encoding="utf-8"?>
+<file path=ppt/slides/slide23.xml><?xml version="1.0" encoding="utf-8"?>
 <p:sld xmlns:a="http://schemas.openxmlformats.org/drawingml/2006/main" xmlns:r="http://schemas.openxmlformats.org/officeDocument/2006/relationships" xmlns:p="http://schemas.openxmlformats.org/presentationml/2006/main">
   <p:cSld>
     <p:spTree>
@@ -15805,7 +16873,7 @@
 </p:sld>
 </file>
 
-<file path=ppt/slides/slide22.xml><?xml version="1.0" encoding="utf-8"?>
+<file path=ppt/slides/slide24.xml><?xml version="1.0" encoding="utf-8"?>
 <p:sld xmlns:a="http://schemas.openxmlformats.org/drawingml/2006/main" xmlns:r="http://schemas.openxmlformats.org/officeDocument/2006/relationships" xmlns:p="http://schemas.openxmlformats.org/presentationml/2006/main">
   <p:cSld>
     <p:spTree>
@@ -16756,7 +17824,7 @@
 </p:sld>
 </file>
 
-<file path=ppt/slides/slide23.xml><?xml version="1.0" encoding="utf-8"?>
+<file path=ppt/slides/slide25.xml><?xml version="1.0" encoding="utf-8"?>
 <p:sld xmlns:a="http://schemas.openxmlformats.org/drawingml/2006/main" xmlns:r="http://schemas.openxmlformats.org/officeDocument/2006/relationships" xmlns:p="http://schemas.openxmlformats.org/presentationml/2006/main">
   <p:cSld>
     <p:spTree>
@@ -17494,7 +18562,7 @@
 </p:sld>
 </file>
 
-<file path=ppt/slides/slide24.xml><?xml version="1.0" encoding="utf-8"?>
+<file path=ppt/slides/slide26.xml><?xml version="1.0" encoding="utf-8"?>
 <p:sld xmlns:a="http://schemas.openxmlformats.org/drawingml/2006/main" xmlns:r="http://schemas.openxmlformats.org/officeDocument/2006/relationships" xmlns:p="http://schemas.openxmlformats.org/presentationml/2006/main">
   <p:cSld>
     <p:spTree>
@@ -18047,7 +19115,7 @@
 </p:sld>
 </file>
 
-<file path=ppt/slides/slide25.xml><?xml version="1.0" encoding="utf-8"?>
+<file path=ppt/slides/slide27.xml><?xml version="1.0" encoding="utf-8"?>
 <p:sld xmlns:a="http://schemas.openxmlformats.org/drawingml/2006/main" xmlns:r="http://schemas.openxmlformats.org/officeDocument/2006/relationships" xmlns:p="http://schemas.openxmlformats.org/presentationml/2006/main">
   <p:cSld>
     <p:spTree>
@@ -18548,7 +19616,7 @@
 </p:sld>
 </file>
 
-<file path=ppt/slides/slide26.xml><?xml version="1.0" encoding="utf-8"?>
+<file path=ppt/slides/slide28.xml><?xml version="1.0" encoding="utf-8"?>
 <p:sld xmlns:a="http://schemas.openxmlformats.org/drawingml/2006/main" xmlns:r="http://schemas.openxmlformats.org/officeDocument/2006/relationships" xmlns:p="http://schemas.openxmlformats.org/presentationml/2006/main">
   <p:cSld>
     <p:spTree>
@@ -19524,12 +20592,12 @@
 </p:sld>
 </file>
 
-<file path=ppt/slides/slide27.xml><?xml version="1.0" encoding="utf-8"?>
+<file path=ppt/slides/slide29.xml><?xml version="1.0" encoding="utf-8"?>
 <p:sld xmlns:a="http://schemas.openxmlformats.org/drawingml/2006/main" xmlns:r="http://schemas.openxmlformats.org/officeDocument/2006/relationships" xmlns:p="http://schemas.openxmlformats.org/presentationml/2006/main">
   <p:cSld>
     <p:spTree>
       <p:nvGrpSpPr>
-        <p:cNvPr id="1" name="Shape 152"/>
+        <p:cNvPr id="1" name="Shape 206"/>
         <p:cNvGrpSpPr/>
         <p:nvPr/>
       </p:nvGrpSpPr>
@@ -19543,7 +20611,7 @@
       </p:grpSpPr>
       <p:sp>
         <p:nvSpPr>
-          <p:cNvPr id="153" name="Shape 153"/>
+          <p:cNvPr id="207" name="Shape 207"/>
           <p:cNvSpPr txBox="1">
             <a:spLocks noGrp="1"/>
           </p:cNvSpPr>
@@ -19554,7 +20622,7 @@
         <p:spPr>
           <a:xfrm>
             <a:off x="457200" y="274636"/>
-            <a:ext cx="8229600" cy="1244953"/>
+            <a:ext cx="8229600" cy="1325563"/>
           </a:xfrm>
           <a:prstGeom prst="rect">
             <a:avLst/>
@@ -19573,28 +20641,30 @@
               <a:buNone/>
             </a:pPr>
             <a:r>
-              <a:rPr lang="en-US" sz="5500" dirty="0" smtClean="0">
+              <a:rPr lang="en-US" sz="9600" dirty="0" smtClean="0">
                 <a:solidFill>
                   <a:srgbClr val="FF0000"/>
                 </a:solidFill>
                 <a:latin typeface="Yanone Kaffeesatz Bold"/>
                 <a:cs typeface="Yanone Kaffeesatz Bold"/>
-              </a:rPr>
-              <a:t>Running Python</a:t>
-            </a:r>
-            <a:endParaRPr lang="en" sz="5500" dirty="0">
+                <a:sym typeface="Ubuntu"/>
+              </a:rPr>
+              <a:t>Packages</a:t>
+            </a:r>
+            <a:endParaRPr lang="en" sz="9600" dirty="0">
               <a:solidFill>
                 <a:srgbClr val="FF0000"/>
               </a:solidFill>
               <a:latin typeface="Yanone Kaffeesatz Bold"/>
               <a:cs typeface="Yanone Kaffeesatz Bold"/>
+              <a:sym typeface="Ubuntu"/>
             </a:endParaRPr>
           </a:p>
         </p:txBody>
       </p:sp>
       <p:sp>
         <p:nvSpPr>
-          <p:cNvPr id="154" name="Shape 154"/>
+          <p:cNvPr id="208" name="Shape 208"/>
           <p:cNvSpPr txBox="1">
             <a:spLocks noGrp="1"/>
           </p:cNvSpPr>
@@ -19617,6 +20687,27 @@
           </a:bodyPr>
           <a:lstStyle/>
           <a:p>
+            <a:pPr lvl="0" rtl="0">
+              <a:spcBef>
+                <a:spcPts val="0"/>
+              </a:spcBef>
+              <a:buNone/>
+            </a:pPr>
+            <a:r>
+              <a:rPr lang="en" dirty="0"/>
+              <a:t>Useful behavior beyond the "basics"</a:t>
+            </a:r>
+          </a:p>
+          <a:p>
+            <a:pPr lvl="0" rtl="0">
+              <a:spcBef>
+                <a:spcPts val="0"/>
+              </a:spcBef>
+              <a:buNone/>
+            </a:pPr>
+            <a:endParaRPr dirty="0"/>
+          </a:p>
+          <a:p>
             <a:pPr marL="457200" lvl="0" indent="-419100" rtl="0">
               <a:spcBef>
                 <a:spcPts val="0"/>
@@ -19629,22 +20720,13 @@
               <a:buChar char="●"/>
             </a:pPr>
             <a:r>
-              <a:rPr lang="en" dirty="0" smtClean="0"/>
-              <a:t>There </a:t>
+              <a:rPr lang="en-US" dirty="0"/>
+              <a:t>Python </a:t>
             </a:r>
             <a:r>
               <a:rPr lang="en" dirty="0"/>
-              <a:t>are different ways to run code </a:t>
-            </a:r>
-            <a:r>
-              <a:rPr lang="en" dirty="0" smtClean="0"/>
-              <a:t>through</a:t>
-            </a:r>
-            <a:r>
-              <a:rPr lang="en-US" dirty="0" smtClean="0"/>
-              <a:t> Python</a:t>
-            </a:r>
-            <a:endParaRPr lang="en" dirty="0"/>
+              <a:t>Standard Library</a:t>
+            </a:r>
           </a:p>
           <a:p>
             <a:pPr marL="914400" lvl="1" indent="-381000" rtl="0">
@@ -19659,20 +20741,12 @@
               <a:buChar char="o"/>
             </a:pPr>
             <a:r>
-              <a:rPr lang="en" dirty="0">
+              <a:rPr lang="en-US" dirty="0">
                 <a:latin typeface="Open Sans"/>
                 <a:ea typeface="Open Sans"/>
                 <a:cs typeface="Open Sans"/>
               </a:rPr>
-              <a:t>Just used </a:t>
-            </a:r>
-            <a:r>
-              <a:rPr lang="en-US" dirty="0" smtClean="0">
-                <a:latin typeface="Open Sans"/>
-                <a:ea typeface="Open Sans"/>
-                <a:cs typeface="Open Sans"/>
-              </a:rPr>
-              <a:t>Python interpreter</a:t>
+              <a:t>Math functions</a:t>
             </a:r>
             <a:endParaRPr lang="en" dirty="0">
               <a:latin typeface="Open Sans"/>
@@ -19681,7 +20755,7 @@
             </a:endParaRPr>
           </a:p>
           <a:p>
-            <a:pPr marL="914400" lvl="1" indent="-381000">
+            <a:pPr marL="914400" lvl="1" indent="-381000" rtl="0">
               <a:spcBef>
                 <a:spcPts val="0"/>
               </a:spcBef>
@@ -19693,141 +20767,21 @@
               <a:buChar char="o"/>
             </a:pPr>
             <a:r>
-              <a:rPr lang="en" dirty="0">
+              <a:rPr lang="en-US" dirty="0">
                 <a:latin typeface="Open Sans"/>
                 <a:ea typeface="Open Sans"/>
                 <a:cs typeface="Open Sans"/>
               </a:rPr>
-              <a:t>Now we'll use a file</a:t>
-            </a:r>
-          </a:p>
-        </p:txBody>
-      </p:sp>
-    </p:spTree>
-  </p:cSld>
-  <p:clrMapOvr>
-    <a:masterClrMapping/>
-  </p:clrMapOvr>
-  <p:transition xmlns:p14="http://schemas.microsoft.com/office/powerpoint/2010/main" spd="slow">
-    <p:cut/>
-  </p:transition>
-  <p:timing>
-    <p:tnLst>
-      <p:par>
-        <p:cTn xmlns:p14="http://schemas.microsoft.com/office/powerpoint/2010/main" id="1" dur="indefinite" restart="never" nodeType="tmRoot"/>
-      </p:par>
-    </p:tnLst>
-  </p:timing>
-</p:sld>
-</file>
-
-<file path=ppt/slides/slide28.xml><?xml version="1.0" encoding="utf-8"?>
-<p:sld xmlns:a="http://schemas.openxmlformats.org/drawingml/2006/main" xmlns:r="http://schemas.openxmlformats.org/officeDocument/2006/relationships" xmlns:p="http://schemas.openxmlformats.org/presentationml/2006/main">
-  <p:cSld>
-    <p:spTree>
-      <p:nvGrpSpPr>
-        <p:cNvPr id="1" name="Shape 158"/>
-        <p:cNvGrpSpPr/>
-        <p:nvPr/>
-      </p:nvGrpSpPr>
-      <p:grpSpPr>
-        <a:xfrm>
-          <a:off x="0" y="0"/>
-          <a:ext cx="0" cy="0"/>
-          <a:chOff x="0" y="0"/>
-          <a:chExt cx="0" cy="0"/>
-        </a:xfrm>
-      </p:grpSpPr>
-      <p:sp>
-        <p:nvSpPr>
-          <p:cNvPr id="159" name="Shape 159"/>
-          <p:cNvSpPr txBox="1">
-            <a:spLocks noGrp="1"/>
-          </p:cNvSpPr>
-          <p:nvPr>
-            <p:ph type="title"/>
-          </p:nvPr>
-        </p:nvSpPr>
-        <p:spPr>
-          <a:xfrm>
-            <a:off x="457200" y="274637"/>
-            <a:ext cx="8229600" cy="1585160"/>
-          </a:xfrm>
-          <a:prstGeom prst="rect">
-            <a:avLst/>
-          </a:prstGeom>
-        </p:spPr>
-        <p:txBody>
-          <a:bodyPr lIns="91425" tIns="91425" rIns="91425" bIns="91425" anchor="b" anchorCtr="0">
-            <a:noAutofit/>
-          </a:bodyPr>
-          <a:lstStyle/>
-          <a:p>
-            <a:pPr>
-              <a:spcBef>
-                <a:spcPts val="0"/>
-              </a:spcBef>
-              <a:buNone/>
-            </a:pPr>
-            <a:r>
-              <a:rPr lang="en" sz="8800" dirty="0">
-                <a:solidFill>
-                  <a:srgbClr val="FF0000"/>
-                </a:solidFill>
-                <a:latin typeface="Yanone Kaffeesatz Bold"/>
-                <a:cs typeface="Yanone Kaffeesatz Bold"/>
-              </a:rPr>
-              <a:t>Running </a:t>
-            </a:r>
-            <a:r>
-              <a:rPr lang="en" sz="8800" dirty="0" smtClean="0">
-                <a:solidFill>
-                  <a:srgbClr val="FF0000"/>
-                </a:solidFill>
-                <a:latin typeface="Yanone Kaffeesatz Bold"/>
-                <a:cs typeface="Yanone Kaffeesatz Bold"/>
-              </a:rPr>
-              <a:t>code</a:t>
-            </a:r>
-            <a:endParaRPr lang="en" sz="8800" dirty="0">
-              <a:solidFill>
-                <a:srgbClr val="FF0000"/>
-              </a:solidFill>
-              <a:latin typeface="Yanone Kaffeesatz Bold"/>
-              <a:cs typeface="Yanone Kaffeesatz Bold"/>
+              <a:t>Everything we've done so far</a:t>
+            </a:r>
+            <a:endParaRPr lang="en" dirty="0">
+              <a:latin typeface="Open Sans"/>
+              <a:ea typeface="Open Sans"/>
+              <a:cs typeface="Open Sans"/>
             </a:endParaRPr>
           </a:p>
-        </p:txBody>
-      </p:sp>
-      <p:sp>
-        <p:nvSpPr>
-          <p:cNvPr id="160" name="Shape 160"/>
-          <p:cNvSpPr txBox="1">
-            <a:spLocks noGrp="1"/>
-          </p:cNvSpPr>
-          <p:nvPr>
-            <p:ph type="body" idx="1"/>
-          </p:nvPr>
-        </p:nvSpPr>
-        <p:spPr>
-          <a:xfrm>
-            <a:off x="457200" y="1948230"/>
-            <a:ext cx="8229600" cy="4967700"/>
-          </a:xfrm>
-          <a:prstGeom prst="rect">
-            <a:avLst/>
-          </a:prstGeom>
-        </p:spPr>
-        <p:txBody>
-          <a:bodyPr lIns="91425" tIns="91425" rIns="91425" bIns="91425" anchor="t" anchorCtr="0">
-            <a:noAutofit/>
-          </a:bodyPr>
-          <a:lstStyle/>
           <a:p>
             <a:pPr marL="457200" lvl="0" indent="-419100" rtl="0">
-              <a:lnSpc>
-                <a:spcPct val="120000"/>
-              </a:lnSpc>
               <a:spcBef>
                 <a:spcPts val="0"/>
               </a:spcBef>
@@ -19839,112 +20793,63 @@
               <a:buChar char="●"/>
             </a:pPr>
             <a:r>
-              <a:rPr lang="en" dirty="0"/>
-              <a:t>Why use a file? What's different from </a:t>
-            </a:r>
-            <a:r>
-              <a:rPr lang="en-US" dirty="0" smtClean="0"/>
-              <a:t>running in the python interpreter</a:t>
-            </a:r>
-            <a:r>
-              <a:rPr lang="en" dirty="0" smtClean="0"/>
-              <a:t>?</a:t>
+              <a:rPr lang="en-US" dirty="0"/>
+              <a:t>Python packages</a:t>
             </a:r>
             <a:endParaRPr lang="en" dirty="0"/>
           </a:p>
           <a:p>
-            <a:pPr marL="457200" lvl="0" indent="-419100" rtl="0">
-              <a:lnSpc>
-                <a:spcPct val="120000"/>
-              </a:lnSpc>
+            <a:pPr marL="914400" lvl="1" indent="-381000" rtl="0">
               <a:spcBef>
                 <a:spcPts val="0"/>
               </a:spcBef>
               <a:buClr>
                 <a:schemeClr val="dk1"/>
               </a:buClr>
-              <a:buSzPct val="100000"/>
-              <a:buFont typeface="Arial"/>
-              <a:buChar char="●"/>
-            </a:pPr>
-            <a:r>
-              <a:rPr lang="en" b="1" dirty="0"/>
-              <a:t>Note</a:t>
-            </a:r>
-            <a:r>
-              <a:rPr lang="en" dirty="0"/>
-              <a:t>: the directory your terminal is currently in is your </a:t>
-            </a:r>
-            <a:r>
-              <a:rPr lang="en" b="1" i="1" dirty="0">
-                <a:solidFill>
-                  <a:srgbClr val="666666"/>
-                </a:solidFill>
-              </a:rPr>
-              <a:t>working directory</a:t>
-            </a:r>
-          </a:p>
-        </p:txBody>
-      </p:sp>
-    </p:spTree>
-  </p:cSld>
-  <p:clrMapOvr>
-    <a:masterClrMapping/>
-  </p:clrMapOvr>
-  <p:transition xmlns:p14="http://schemas.microsoft.com/office/powerpoint/2010/main" spd="slow">
-    <p:cut/>
-  </p:transition>
-  <p:timing>
-    <p:tnLst>
-      <p:par>
-        <p:cTn xmlns:p14="http://schemas.microsoft.com/office/powerpoint/2010/main" id="1" dur="indefinite" restart="never" nodeType="tmRoot"/>
-      </p:par>
-    </p:tnLst>
-  </p:timing>
-</p:sld>
-</file>
-
-<file path=ppt/slides/slide29.xml><?xml version="1.0" encoding="utf-8"?>
-<p:sld xmlns:a="http://schemas.openxmlformats.org/drawingml/2006/main" xmlns:r="http://schemas.openxmlformats.org/officeDocument/2006/relationships" xmlns:p="http://schemas.openxmlformats.org/presentationml/2006/main">
-  <p:cSld>
-    <p:spTree>
-      <p:nvGrpSpPr>
-        <p:cNvPr id="1" name="Shape 182"/>
-        <p:cNvGrpSpPr/>
-        <p:nvPr/>
-      </p:nvGrpSpPr>
-      <p:grpSpPr>
-        <a:xfrm>
-          <a:off x="0" y="0"/>
-          <a:ext cx="0" cy="0"/>
-          <a:chOff x="0" y="0"/>
-          <a:chExt cx="0" cy="0"/>
-        </a:xfrm>
-      </p:grpSpPr>
-      <p:sp>
-        <p:nvSpPr>
-          <p:cNvPr id="183" name="Shape 183"/>
-          <p:cNvSpPr txBox="1">
-            <a:spLocks noGrp="1"/>
-          </p:cNvSpPr>
-          <p:nvPr>
-            <p:ph type="ctrTitle"/>
-          </p:nvPr>
-        </p:nvSpPr>
-        <p:spPr>
-          <a:xfrm>
-            <a:off x="588264" y="3216515"/>
-            <a:ext cx="7772400" cy="3050520"/>
-          </a:xfrm>
-          <a:prstGeom prst="rect">
-            <a:avLst/>
-          </a:prstGeom>
-        </p:spPr>
-        <p:txBody>
-          <a:bodyPr lIns="91425" tIns="91425" rIns="91425" bIns="91425" anchor="b" anchorCtr="0">
-            <a:noAutofit/>
-          </a:bodyPr>
-          <a:lstStyle/>
+              <a:buSzPct val="80000"/>
+              <a:buFont typeface="Courier New"/>
+              <a:buChar char="o"/>
+            </a:pPr>
+            <a:r>
+              <a:rPr lang="en" dirty="0">
+                <a:latin typeface="Open Sans"/>
+                <a:ea typeface="Open Sans"/>
+                <a:cs typeface="Open Sans"/>
+              </a:rPr>
+              <a:t>Just about everything else</a:t>
+            </a:r>
+            <a:endParaRPr lang="en-US" dirty="0">
+              <a:latin typeface="Open Sans"/>
+              <a:ea typeface="Open Sans"/>
+              <a:cs typeface="Open Sans"/>
+            </a:endParaRPr>
+          </a:p>
+          <a:p>
+            <a:pPr marL="914400" lvl="1" indent="-381000" rtl="0">
+              <a:spcBef>
+                <a:spcPts val="0"/>
+              </a:spcBef>
+              <a:buClr>
+                <a:schemeClr val="dk1"/>
+              </a:buClr>
+              <a:buSzPct val="80000"/>
+              <a:buFont typeface="Courier New"/>
+              <a:buChar char="o"/>
+            </a:pPr>
+            <a:r>
+              <a:rPr lang="en-US" dirty="0">
+                <a:latin typeface="Open Sans"/>
+                <a:ea typeface="Open Sans"/>
+                <a:cs typeface="Open Sans"/>
+              </a:rPr>
+              <a:t>Anythin you might not need to use everytime</a:t>
+            </a:r>
+            <a:endParaRPr lang="en" dirty="0">
+              <a:latin typeface="Open Sans"/>
+              <a:ea typeface="Open Sans"/>
+              <a:cs typeface="Open Sans"/>
+            </a:endParaRPr>
+          </a:p>
           <a:p>
             <a:pPr>
               <a:spcBef>
@@ -19952,17 +20857,7 @@
               </a:spcBef>
               <a:buNone/>
             </a:pPr>
-            <a:r>
-              <a:rPr lang="en" sz="9600" dirty="0">
-                <a:solidFill>
-                  <a:srgbClr val="FF0000"/>
-                </a:solidFill>
-                <a:latin typeface="Yanone Kaffeesatz Bold"/>
-                <a:cs typeface="Yanone Kaffeesatz Bold"/>
-                <a:sym typeface="Ubuntu"/>
-              </a:rPr>
-              <a:t>Your Own Command Line Program</a:t>
-            </a:r>
+            <a:endParaRPr dirty="0"/>
           </a:p>
         </p:txBody>
       </p:sp>
@@ -21085,386 +21980,6 @@
   <p:cSld>
     <p:spTree>
       <p:nvGrpSpPr>
-        <p:cNvPr id="1" name="Shape 188"/>
-        <p:cNvGrpSpPr/>
-        <p:nvPr/>
-      </p:nvGrpSpPr>
-      <p:grpSpPr>
-        <a:xfrm>
-          <a:off x="0" y="0"/>
-          <a:ext cx="0" cy="0"/>
-          <a:chOff x="0" y="0"/>
-          <a:chExt cx="0" cy="0"/>
-        </a:xfrm>
-      </p:grpSpPr>
-      <p:sp>
-        <p:nvSpPr>
-          <p:cNvPr id="189" name="Shape 189"/>
-          <p:cNvSpPr txBox="1">
-            <a:spLocks noGrp="1"/>
-          </p:cNvSpPr>
-          <p:nvPr>
-            <p:ph type="title"/>
-          </p:nvPr>
-        </p:nvSpPr>
-        <p:spPr>
-          <a:xfrm>
-            <a:off x="457200" y="274636"/>
-            <a:ext cx="8229600" cy="1325563"/>
-          </a:xfrm>
-          <a:prstGeom prst="rect">
-            <a:avLst/>
-          </a:prstGeom>
-        </p:spPr>
-        <p:txBody>
-          <a:bodyPr lIns="91425" tIns="91425" rIns="91425" bIns="91425" anchor="b" anchorCtr="0">
-            <a:noAutofit/>
-          </a:bodyPr>
-          <a:lstStyle/>
-          <a:p>
-            <a:pPr>
-              <a:spcBef>
-                <a:spcPts val="0"/>
-              </a:spcBef>
-              <a:buNone/>
-            </a:pPr>
-            <a:r>
-              <a:rPr lang="en" sz="9600" dirty="0">
-                <a:solidFill>
-                  <a:srgbClr val="FF0000"/>
-                </a:solidFill>
-                <a:latin typeface="Yanone Kaffeesatz Bold"/>
-                <a:cs typeface="Yanone Kaffeesatz Bold"/>
-                <a:sym typeface="Ubuntu"/>
-              </a:rPr>
-              <a:t>Hello</a:t>
-            </a:r>
-            <a:r>
-              <a:rPr lang="en" dirty="0">
-                <a:latin typeface="Ubuntu"/>
-                <a:ea typeface="Ubuntu"/>
-                <a:cs typeface="Ubuntu"/>
-                <a:sym typeface="Ubuntu"/>
-              </a:rPr>
-              <a:t> </a:t>
-            </a:r>
-            <a:r>
-              <a:rPr lang="en" sz="9600" dirty="0">
-                <a:solidFill>
-                  <a:srgbClr val="FF0000"/>
-                </a:solidFill>
-                <a:latin typeface="Yanone Kaffeesatz Bold"/>
-                <a:cs typeface="Yanone Kaffeesatz Bold"/>
-                <a:sym typeface="Ubuntu"/>
-              </a:rPr>
-              <a:t>World</a:t>
-            </a:r>
-          </a:p>
-        </p:txBody>
-      </p:sp>
-      <p:sp>
-        <p:nvSpPr>
-          <p:cNvPr id="190" name="Shape 190"/>
-          <p:cNvSpPr txBox="1">
-            <a:spLocks noGrp="1"/>
-          </p:cNvSpPr>
-          <p:nvPr>
-            <p:ph type="body" idx="1"/>
-          </p:nvPr>
-        </p:nvSpPr>
-        <p:spPr>
-          <a:xfrm>
-            <a:off x="457200" y="1600200"/>
-            <a:ext cx="8229600" cy="4967700"/>
-          </a:xfrm>
-          <a:prstGeom prst="rect">
-            <a:avLst/>
-          </a:prstGeom>
-        </p:spPr>
-        <p:txBody>
-          <a:bodyPr lIns="91425" tIns="91425" rIns="91425" bIns="91425" anchor="t" anchorCtr="0">
-            <a:noAutofit/>
-          </a:bodyPr>
-          <a:lstStyle/>
-          <a:p>
-            <a:pPr lvl="0" rtl="0">
-              <a:spcBef>
-                <a:spcPts val="0"/>
-              </a:spcBef>
-              <a:buNone/>
-            </a:pPr>
-            <a:r>
-              <a:rPr lang="en" dirty="0"/>
-              <a:t>Create a file </a:t>
-            </a:r>
-            <a:r>
-              <a:rPr lang="en" dirty="0" smtClean="0"/>
-              <a:t>name</a:t>
-            </a:r>
-            <a:r>
-              <a:rPr lang="en-US" dirty="0" smtClean="0"/>
-              <a:t>d</a:t>
-            </a:r>
-            <a:r>
-              <a:rPr lang="en" dirty="0" smtClean="0"/>
-              <a:t> </a:t>
-            </a:r>
-            <a:r>
-              <a:rPr lang="en" dirty="0" smtClean="0">
-                <a:solidFill>
-                  <a:srgbClr val="0B5C92"/>
-                </a:solidFill>
-                <a:latin typeface="Menlo Regular"/>
-                <a:ea typeface="Menlo Regular"/>
-                <a:cs typeface="Menlo Regular"/>
-                <a:sym typeface="Courier New"/>
-              </a:rPr>
-              <a:t>hello.py</a:t>
-            </a:r>
-            <a:r>
-              <a:rPr lang="en" dirty="0" smtClean="0"/>
-              <a:t> </a:t>
-            </a:r>
-            <a:r>
-              <a:rPr lang="en" dirty="0"/>
-              <a:t>and </a:t>
-            </a:r>
-            <a:r>
-              <a:rPr lang="en-US" dirty="0" smtClean="0"/>
-              <a:t>add </a:t>
-            </a:r>
-            <a:r>
-              <a:rPr lang="en" dirty="0" smtClean="0"/>
-              <a:t>the </a:t>
-            </a:r>
-            <a:r>
-              <a:rPr lang="en" dirty="0"/>
-              <a:t>following code</a:t>
-            </a:r>
-          </a:p>
-          <a:p>
-            <a:pPr lvl="0" rtl="0">
-              <a:spcBef>
-                <a:spcPts val="0"/>
-              </a:spcBef>
-              <a:buNone/>
-            </a:pPr>
-            <a:endParaRPr dirty="0"/>
-          </a:p>
-          <a:p>
-            <a:pPr lvl="0" rtl="0">
-              <a:spcBef>
-                <a:spcPts val="0"/>
-              </a:spcBef>
-              <a:buNone/>
-            </a:pPr>
-            <a:r>
-              <a:rPr lang="en-US" dirty="0">
-                <a:solidFill>
-                  <a:srgbClr val="771100"/>
-                </a:solidFill>
-                <a:latin typeface="Menlo Regular"/>
-                <a:ea typeface="Menlo Regular"/>
-                <a:cs typeface="Menlo Regular"/>
-                <a:sym typeface="Courier New"/>
-              </a:rPr>
-              <a:t>p</a:t>
-            </a:r>
-            <a:r>
-              <a:rPr lang="en" dirty="0" smtClean="0">
-                <a:solidFill>
-                  <a:srgbClr val="771100"/>
-                </a:solidFill>
-                <a:latin typeface="Menlo Regular"/>
-                <a:ea typeface="Menlo Regular"/>
-                <a:cs typeface="Menlo Regular"/>
-                <a:sym typeface="Courier New"/>
-              </a:rPr>
-              <a:t>rint("</a:t>
-            </a:r>
-            <a:r>
-              <a:rPr lang="en" dirty="0" smtClean="0">
-                <a:solidFill>
-                  <a:srgbClr val="DD2200"/>
-                </a:solidFill>
-                <a:latin typeface="Menlo Regular"/>
-                <a:ea typeface="Menlo Regular"/>
-                <a:cs typeface="Menlo Regular"/>
-                <a:sym typeface="Courier New"/>
-              </a:rPr>
-              <a:t>Hello</a:t>
-            </a:r>
-            <a:r>
-              <a:rPr lang="en" dirty="0">
-                <a:solidFill>
-                  <a:srgbClr val="DD2200"/>
-                </a:solidFill>
-                <a:latin typeface="Menlo Regular"/>
-                <a:ea typeface="Menlo Regular"/>
-                <a:cs typeface="Menlo Regular"/>
-                <a:sym typeface="Courier New"/>
-              </a:rPr>
-              <a:t>, World</a:t>
-            </a:r>
-            <a:r>
-              <a:rPr lang="en" dirty="0" smtClean="0">
-                <a:solidFill>
-                  <a:srgbClr val="DD2200"/>
-                </a:solidFill>
-                <a:latin typeface="Menlo Regular"/>
-                <a:ea typeface="Menlo Regular"/>
-                <a:cs typeface="Menlo Regular"/>
-                <a:sym typeface="Courier New"/>
-              </a:rPr>
-              <a:t>!</a:t>
-            </a:r>
-            <a:r>
-              <a:rPr lang="en" dirty="0" smtClean="0">
-                <a:solidFill>
-                  <a:srgbClr val="771100"/>
-                </a:solidFill>
-                <a:latin typeface="Menlo Regular"/>
-                <a:ea typeface="Menlo Regular"/>
-                <a:cs typeface="Menlo Regular"/>
-                <a:sym typeface="Courier New"/>
-              </a:rPr>
-              <a:t>“)</a:t>
-            </a:r>
-            <a:endParaRPr lang="en" dirty="0">
-              <a:solidFill>
-                <a:srgbClr val="771100"/>
-              </a:solidFill>
-              <a:latin typeface="Menlo Regular"/>
-              <a:ea typeface="Menlo Regular"/>
-              <a:cs typeface="Menlo Regular"/>
-              <a:sym typeface="Courier New"/>
-            </a:endParaRPr>
-          </a:p>
-          <a:p>
-            <a:pPr lvl="0" rtl="0">
-              <a:spcBef>
-                <a:spcPts val="0"/>
-              </a:spcBef>
-              <a:buNone/>
-            </a:pPr>
-            <a:endParaRPr dirty="0">
-              <a:solidFill>
-                <a:srgbClr val="771100"/>
-              </a:solidFill>
-              <a:latin typeface="Menlo Regular"/>
-              <a:ea typeface="Menlo Regular"/>
-              <a:cs typeface="Menlo Regular"/>
-              <a:sym typeface="Courier New"/>
-            </a:endParaRPr>
-          </a:p>
-          <a:p>
-            <a:pPr lvl="0" rtl="0">
-              <a:spcBef>
-                <a:spcPts val="0"/>
-              </a:spcBef>
-              <a:buNone/>
-            </a:pPr>
-            <a:r>
-              <a:rPr lang="en" dirty="0">
-                <a:solidFill>
-                  <a:srgbClr val="000000"/>
-                </a:solidFill>
-              </a:rPr>
-              <a:t>Now run it</a:t>
-            </a:r>
-          </a:p>
-          <a:p>
-            <a:pPr lvl="0" rtl="0">
-              <a:spcBef>
-                <a:spcPts val="0"/>
-              </a:spcBef>
-              <a:buNone/>
-            </a:pPr>
-            <a:endParaRPr dirty="0">
-              <a:solidFill>
-                <a:srgbClr val="771100"/>
-              </a:solidFill>
-              <a:latin typeface="Menlo Regular"/>
-              <a:ea typeface="Menlo Regular"/>
-              <a:cs typeface="Menlo Regular"/>
-              <a:sym typeface="Courier New"/>
-            </a:endParaRPr>
-          </a:p>
-          <a:p>
-            <a:pPr lvl="0" rtl="0">
-              <a:spcBef>
-                <a:spcPts val="0"/>
-              </a:spcBef>
-              <a:buNone/>
-            </a:pPr>
-            <a:r>
-              <a:rPr lang="en" dirty="0">
-                <a:solidFill>
-                  <a:srgbClr val="0B5C92"/>
-                </a:solidFill>
-                <a:latin typeface="Menlo Regular"/>
-                <a:ea typeface="Menlo Regular"/>
-                <a:cs typeface="Menlo Regular"/>
-                <a:sym typeface="Courier New"/>
-              </a:rPr>
-              <a:t>$ </a:t>
-            </a:r>
-            <a:r>
-              <a:rPr lang="en" dirty="0" smtClean="0">
-                <a:solidFill>
-                  <a:srgbClr val="0B5C92"/>
-                </a:solidFill>
-                <a:latin typeface="Menlo Regular"/>
-                <a:ea typeface="Menlo Regular"/>
-                <a:cs typeface="Menlo Regular"/>
-                <a:sym typeface="Courier New"/>
-              </a:rPr>
-              <a:t>python3 hello.py</a:t>
-            </a:r>
-            <a:endParaRPr lang="en" dirty="0">
-              <a:solidFill>
-                <a:srgbClr val="0B5C92"/>
-              </a:solidFill>
-              <a:latin typeface="Menlo Regular"/>
-              <a:ea typeface="Menlo Regular"/>
-              <a:cs typeface="Menlo Regular"/>
-              <a:sym typeface="Courier New"/>
-            </a:endParaRPr>
-          </a:p>
-          <a:p>
-            <a:pPr>
-              <a:spcBef>
-                <a:spcPts val="0"/>
-              </a:spcBef>
-              <a:buNone/>
-            </a:pPr>
-            <a:endParaRPr dirty="0"/>
-          </a:p>
-        </p:txBody>
-      </p:sp>
-    </p:spTree>
-  </p:cSld>
-  <p:clrMapOvr>
-    <a:masterClrMapping/>
-  </p:clrMapOvr>
-  <p:transition xmlns:p14="http://schemas.microsoft.com/office/powerpoint/2010/main" spd="slow">
-    <p:cut/>
-  </p:transition>
-  <p:timing>
-    <p:tnLst>
-      <p:par>
-        <p:cTn xmlns:p14="http://schemas.microsoft.com/office/powerpoint/2010/main" id="1" dur="indefinite" restart="never" nodeType="tmRoot"/>
-      </p:par>
-    </p:tnLst>
-  </p:timing>
-</p:sld>
-</file>
-
-<file path=ppt/slides/slide31.xml><?xml version="1.0" encoding="utf-8"?>
-<p:sld xmlns:a="http://schemas.openxmlformats.org/drawingml/2006/main" xmlns:r="http://schemas.openxmlformats.org/officeDocument/2006/relationships" xmlns:p="http://schemas.openxmlformats.org/presentationml/2006/main">
-  <p:cSld>
-    <p:spTree>
-      <p:nvGrpSpPr>
         <p:cNvPr id="1" name="Shape 206"/>
         <p:cNvGrpSpPr/>
         <p:nvPr/>
@@ -21509,7 +22024,7 @@
               <a:buNone/>
             </a:pPr>
             <a:r>
-              <a:rPr lang="en-US" sz="9600" dirty="0" smtClean="0">
+              <a:rPr lang="en-US" sz="5500" dirty="0" smtClean="0">
                 <a:solidFill>
                   <a:srgbClr val="FF0000"/>
                 </a:solidFill>
@@ -21517,9 +22032,9 @@
                 <a:cs typeface="Yanone Kaffeesatz Bold"/>
                 <a:sym typeface="Ubuntu"/>
               </a:rPr>
-              <a:t>Packages</a:t>
-            </a:r>
-            <a:endParaRPr lang="en" sz="9600" dirty="0">
+              <a:t>Installing Packages</a:t>
+            </a:r>
+            <a:endParaRPr lang="en" sz="5500" dirty="0">
               <a:solidFill>
                 <a:srgbClr val="FF0000"/>
               </a:solidFill>
@@ -21562,293 +22077,6 @@
               <a:buNone/>
             </a:pPr>
             <a:r>
-              <a:rPr lang="en" dirty="0"/>
-              <a:t>Useful behavior beyond the "basics"</a:t>
-            </a:r>
-          </a:p>
-          <a:p>
-            <a:pPr lvl="0" rtl="0">
-              <a:spcBef>
-                <a:spcPts val="0"/>
-              </a:spcBef>
-              <a:buNone/>
-            </a:pPr>
-            <a:endParaRPr dirty="0"/>
-          </a:p>
-          <a:p>
-            <a:pPr marL="457200" lvl="0" indent="-419100" rtl="0">
-              <a:spcBef>
-                <a:spcPts val="0"/>
-              </a:spcBef>
-              <a:buClr>
-                <a:schemeClr val="dk1"/>
-              </a:buClr>
-              <a:buSzPct val="100000"/>
-              <a:buFont typeface="Arial"/>
-              <a:buChar char="●"/>
-            </a:pPr>
-            <a:r>
-              <a:rPr lang="en-US" dirty="0"/>
-              <a:t>Python </a:t>
-            </a:r>
-            <a:r>
-              <a:rPr lang="en" dirty="0"/>
-              <a:t>Standard Library</a:t>
-            </a:r>
-          </a:p>
-          <a:p>
-            <a:pPr marL="914400" lvl="1" indent="-381000" rtl="0">
-              <a:spcBef>
-                <a:spcPts val="0"/>
-              </a:spcBef>
-              <a:buClr>
-                <a:schemeClr val="dk1"/>
-              </a:buClr>
-              <a:buSzPct val="80000"/>
-              <a:buFont typeface="Courier New"/>
-              <a:buChar char="o"/>
-            </a:pPr>
-            <a:r>
-              <a:rPr lang="en-US" dirty="0">
-                <a:latin typeface="Open Sans"/>
-                <a:ea typeface="Open Sans"/>
-                <a:cs typeface="Open Sans"/>
-              </a:rPr>
-              <a:t>Math functions</a:t>
-            </a:r>
-            <a:endParaRPr lang="en" dirty="0">
-              <a:latin typeface="Open Sans"/>
-              <a:ea typeface="Open Sans"/>
-              <a:cs typeface="Open Sans"/>
-            </a:endParaRPr>
-          </a:p>
-          <a:p>
-            <a:pPr marL="914400" lvl="1" indent="-381000" rtl="0">
-              <a:spcBef>
-                <a:spcPts val="0"/>
-              </a:spcBef>
-              <a:buClr>
-                <a:schemeClr val="dk1"/>
-              </a:buClr>
-              <a:buSzPct val="80000"/>
-              <a:buFont typeface="Courier New"/>
-              <a:buChar char="o"/>
-            </a:pPr>
-            <a:r>
-              <a:rPr lang="en-US" dirty="0">
-                <a:latin typeface="Open Sans"/>
-                <a:ea typeface="Open Sans"/>
-                <a:cs typeface="Open Sans"/>
-              </a:rPr>
-              <a:t>Everything we've done so far</a:t>
-            </a:r>
-            <a:endParaRPr lang="en" dirty="0">
-              <a:latin typeface="Open Sans"/>
-              <a:ea typeface="Open Sans"/>
-              <a:cs typeface="Open Sans"/>
-            </a:endParaRPr>
-          </a:p>
-          <a:p>
-            <a:pPr marL="457200" lvl="0" indent="-419100" rtl="0">
-              <a:spcBef>
-                <a:spcPts val="0"/>
-              </a:spcBef>
-              <a:buClr>
-                <a:schemeClr val="dk1"/>
-              </a:buClr>
-              <a:buSzPct val="100000"/>
-              <a:buFont typeface="Arial"/>
-              <a:buChar char="●"/>
-            </a:pPr>
-            <a:r>
-              <a:rPr lang="en-US" dirty="0"/>
-              <a:t>Python packages</a:t>
-            </a:r>
-            <a:endParaRPr lang="en" dirty="0"/>
-          </a:p>
-          <a:p>
-            <a:pPr marL="914400" lvl="1" indent="-381000" rtl="0">
-              <a:spcBef>
-                <a:spcPts val="0"/>
-              </a:spcBef>
-              <a:buClr>
-                <a:schemeClr val="dk1"/>
-              </a:buClr>
-              <a:buSzPct val="80000"/>
-              <a:buFont typeface="Courier New"/>
-              <a:buChar char="o"/>
-            </a:pPr>
-            <a:r>
-              <a:rPr lang="en" dirty="0">
-                <a:latin typeface="Open Sans"/>
-                <a:ea typeface="Open Sans"/>
-                <a:cs typeface="Open Sans"/>
-              </a:rPr>
-              <a:t>Just about everything else</a:t>
-            </a:r>
-            <a:endParaRPr lang="en-US" dirty="0">
-              <a:latin typeface="Open Sans"/>
-              <a:ea typeface="Open Sans"/>
-              <a:cs typeface="Open Sans"/>
-            </a:endParaRPr>
-          </a:p>
-          <a:p>
-            <a:pPr marL="914400" lvl="1" indent="-381000" rtl="0">
-              <a:spcBef>
-                <a:spcPts val="0"/>
-              </a:spcBef>
-              <a:buClr>
-                <a:schemeClr val="dk1"/>
-              </a:buClr>
-              <a:buSzPct val="80000"/>
-              <a:buFont typeface="Courier New"/>
-              <a:buChar char="o"/>
-            </a:pPr>
-            <a:r>
-              <a:rPr lang="en-US" dirty="0">
-                <a:latin typeface="Open Sans"/>
-                <a:ea typeface="Open Sans"/>
-                <a:cs typeface="Open Sans"/>
-              </a:rPr>
-              <a:t>Anythin you might not need to use everytime</a:t>
-            </a:r>
-            <a:endParaRPr lang="en" dirty="0">
-              <a:latin typeface="Open Sans"/>
-              <a:ea typeface="Open Sans"/>
-              <a:cs typeface="Open Sans"/>
-            </a:endParaRPr>
-          </a:p>
-          <a:p>
-            <a:pPr>
-              <a:spcBef>
-                <a:spcPts val="0"/>
-              </a:spcBef>
-              <a:buNone/>
-            </a:pPr>
-            <a:endParaRPr dirty="0"/>
-          </a:p>
-        </p:txBody>
-      </p:sp>
-    </p:spTree>
-  </p:cSld>
-  <p:clrMapOvr>
-    <a:masterClrMapping/>
-  </p:clrMapOvr>
-  <p:transition xmlns:p14="http://schemas.microsoft.com/office/powerpoint/2010/main" spd="slow">
-    <p:cut/>
-  </p:transition>
-  <p:timing>
-    <p:tnLst>
-      <p:par>
-        <p:cTn xmlns:p14="http://schemas.microsoft.com/office/powerpoint/2010/main" id="1" dur="indefinite" restart="never" nodeType="tmRoot"/>
-      </p:par>
-    </p:tnLst>
-  </p:timing>
-</p:sld>
-</file>
-
-<file path=ppt/slides/slide32.xml><?xml version="1.0" encoding="utf-8"?>
-<p:sld xmlns:a="http://schemas.openxmlformats.org/drawingml/2006/main" xmlns:r="http://schemas.openxmlformats.org/officeDocument/2006/relationships" xmlns:p="http://schemas.openxmlformats.org/presentationml/2006/main">
-  <p:cSld>
-    <p:spTree>
-      <p:nvGrpSpPr>
-        <p:cNvPr id="1" name="Shape 206"/>
-        <p:cNvGrpSpPr/>
-        <p:nvPr/>
-      </p:nvGrpSpPr>
-      <p:grpSpPr>
-        <a:xfrm>
-          <a:off x="0" y="0"/>
-          <a:ext cx="0" cy="0"/>
-          <a:chOff x="0" y="0"/>
-          <a:chExt cx="0" cy="0"/>
-        </a:xfrm>
-      </p:grpSpPr>
-      <p:sp>
-        <p:nvSpPr>
-          <p:cNvPr id="207" name="Shape 207"/>
-          <p:cNvSpPr txBox="1">
-            <a:spLocks noGrp="1"/>
-          </p:cNvSpPr>
-          <p:nvPr>
-            <p:ph type="title"/>
-          </p:nvPr>
-        </p:nvSpPr>
-        <p:spPr>
-          <a:xfrm>
-            <a:off x="457200" y="274636"/>
-            <a:ext cx="8229600" cy="1325563"/>
-          </a:xfrm>
-          <a:prstGeom prst="rect">
-            <a:avLst/>
-          </a:prstGeom>
-        </p:spPr>
-        <p:txBody>
-          <a:bodyPr lIns="91425" tIns="91425" rIns="91425" bIns="91425" anchor="b" anchorCtr="0">
-            <a:noAutofit/>
-          </a:bodyPr>
-          <a:lstStyle/>
-          <a:p>
-            <a:pPr>
-              <a:spcBef>
-                <a:spcPts val="0"/>
-              </a:spcBef>
-              <a:buNone/>
-            </a:pPr>
-            <a:r>
-              <a:rPr lang="en-US" sz="5500" dirty="0" smtClean="0">
-                <a:solidFill>
-                  <a:srgbClr val="FF0000"/>
-                </a:solidFill>
-                <a:latin typeface="Yanone Kaffeesatz Bold"/>
-                <a:cs typeface="Yanone Kaffeesatz Bold"/>
-                <a:sym typeface="Ubuntu"/>
-              </a:rPr>
-              <a:t>Installing Packages</a:t>
-            </a:r>
-            <a:endParaRPr lang="en" sz="5500" dirty="0">
-              <a:solidFill>
-                <a:srgbClr val="FF0000"/>
-              </a:solidFill>
-              <a:latin typeface="Yanone Kaffeesatz Bold"/>
-              <a:cs typeface="Yanone Kaffeesatz Bold"/>
-              <a:sym typeface="Ubuntu"/>
-            </a:endParaRPr>
-          </a:p>
-        </p:txBody>
-      </p:sp>
-      <p:sp>
-        <p:nvSpPr>
-          <p:cNvPr id="208" name="Shape 208"/>
-          <p:cNvSpPr txBox="1">
-            <a:spLocks noGrp="1"/>
-          </p:cNvSpPr>
-          <p:nvPr>
-            <p:ph type="body" idx="1"/>
-          </p:nvPr>
-        </p:nvSpPr>
-        <p:spPr>
-          <a:xfrm>
-            <a:off x="457200" y="1600200"/>
-            <a:ext cx="8229600" cy="4967700"/>
-          </a:xfrm>
-          <a:prstGeom prst="rect">
-            <a:avLst/>
-          </a:prstGeom>
-        </p:spPr>
-        <p:txBody>
-          <a:bodyPr lIns="91425" tIns="91425" rIns="91425" bIns="91425" anchor="t" anchorCtr="0">
-            <a:noAutofit/>
-          </a:bodyPr>
-          <a:lstStyle/>
-          <a:p>
-            <a:pPr lvl="0" rtl="0">
-              <a:spcBef>
-                <a:spcPts val="0"/>
-              </a:spcBef>
-              <a:buNone/>
-            </a:pPr>
-            <a:r>
               <a:rPr lang="en-US" sz="2000" dirty="0" smtClean="0"/>
               <a:t>How do you get them on your computer?</a:t>
             </a:r>
@@ -22058,7 +22286,7 @@
 </p:sld>
 </file>
 
-<file path=ppt/slides/slide33.xml><?xml version="1.0" encoding="utf-8"?>
+<file path=ppt/slides/slide31.xml><?xml version="1.0" encoding="utf-8"?>
 <p:sld xmlns:a="http://schemas.openxmlformats.org/drawingml/2006/main" xmlns:r="http://schemas.openxmlformats.org/officeDocument/2006/relationships" xmlns:p="http://schemas.openxmlformats.org/presentationml/2006/main">
   <p:cSld>
     <p:spTree>
@@ -22552,7 +22780,7 @@
 </p:sld>
 </file>
 
-<file path=ppt/slides/slide34.xml><?xml version="1.0" encoding="utf-8"?>
+<file path=ppt/slides/slide32.xml><?xml version="1.0" encoding="utf-8"?>
 <p:sld xmlns:a="http://schemas.openxmlformats.org/drawingml/2006/main" xmlns:r="http://schemas.openxmlformats.org/officeDocument/2006/relationships" xmlns:p="http://schemas.openxmlformats.org/presentationml/2006/main">
   <p:cSld>
     <p:spTree>
@@ -22858,7 +23086,7 @@
 </p:sld>
 </file>
 
-<file path=ppt/slides/slide35.xml><?xml version="1.0" encoding="utf-8"?>
+<file path=ppt/slides/slide33.xml><?xml version="1.0" encoding="utf-8"?>
 <p:sld xmlns:a="http://schemas.openxmlformats.org/drawingml/2006/main" xmlns:r="http://schemas.openxmlformats.org/officeDocument/2006/relationships" xmlns:p="http://schemas.openxmlformats.org/presentationml/2006/main">
   <p:cSld>
     <p:spTree>
@@ -23543,7 +23771,7 @@
 </p:sld>
 </file>
 
-<file path=ppt/slides/slide36.xml><?xml version="1.0" encoding="utf-8"?>
+<file path=ppt/slides/slide34.xml><?xml version="1.0" encoding="utf-8"?>
 <p:sld xmlns:a="http://schemas.openxmlformats.org/drawingml/2006/main" xmlns:r="http://schemas.openxmlformats.org/officeDocument/2006/relationships" xmlns:p="http://schemas.openxmlformats.org/presentationml/2006/main">
   <p:cSld>
     <p:spTree>
@@ -23635,7 +23863,7 @@
 </p:sld>
 </file>
 
-<file path=ppt/slides/slide37.xml><?xml version="1.0" encoding="utf-8"?>
+<file path=ppt/slides/slide35.xml><?xml version="1.0" encoding="utf-8"?>
 <p:sld xmlns:a="http://schemas.openxmlformats.org/drawingml/2006/main" xmlns:r="http://schemas.openxmlformats.org/officeDocument/2006/relationships" xmlns:p="http://schemas.openxmlformats.org/presentationml/2006/main">
   <p:cSld>
     <p:spTree>
@@ -23855,7 +24083,7 @@
 </p:sld>
 </file>
 
-<file path=ppt/slides/slide38.xml><?xml version="1.0" encoding="utf-8"?>
+<file path=ppt/slides/slide36.xml><?xml version="1.0" encoding="utf-8"?>
 <p:sld xmlns:a="http://schemas.openxmlformats.org/drawingml/2006/main" xmlns:r="http://schemas.openxmlformats.org/officeDocument/2006/relationships" xmlns:p="http://schemas.openxmlformats.org/presentationml/2006/main">
   <p:cSld>
     <p:spTree>
@@ -24589,7 +24817,7 @@
 </p:sld>
 </file>
 
-<file path=ppt/slides/slide39.xml><?xml version="1.0" encoding="utf-8"?>
+<file path=ppt/slides/slide37.xml><?xml version="1.0" encoding="utf-8"?>
 <p:sld xmlns:a="http://schemas.openxmlformats.org/drawingml/2006/main" xmlns:r="http://schemas.openxmlformats.org/officeDocument/2006/relationships" xmlns:p="http://schemas.openxmlformats.org/presentationml/2006/main">
   <p:cSld>
     <p:spTree>
@@ -25334,6 +25562,449 @@
               <a:t>reeting(3000)</a:t>
             </a:r>
             <a:endParaRPr lang="en" sz="2200" dirty="0"/>
+          </a:p>
+        </p:txBody>
+      </p:sp>
+    </p:spTree>
+  </p:cSld>
+  <p:clrMapOvr>
+    <a:masterClrMapping/>
+  </p:clrMapOvr>
+  <p:transition xmlns:p14="http://schemas.microsoft.com/office/powerpoint/2010/main" spd="slow">
+    <p:cut/>
+  </p:transition>
+  <p:timing>
+    <p:tnLst>
+      <p:par>
+        <p:cTn xmlns:p14="http://schemas.microsoft.com/office/powerpoint/2010/main" id="1" dur="indefinite" restart="never" nodeType="tmRoot"/>
+      </p:par>
+    </p:tnLst>
+  </p:timing>
+</p:sld>
+</file>
+
+<file path=ppt/slides/slide38.xml><?xml version="1.0" encoding="utf-8"?>
+<p:sld xmlns:a="http://schemas.openxmlformats.org/drawingml/2006/main" xmlns:r="http://schemas.openxmlformats.org/officeDocument/2006/relationships" xmlns:p="http://schemas.openxmlformats.org/presentationml/2006/main">
+  <p:cSld>
+    <p:spTree>
+      <p:nvGrpSpPr>
+        <p:cNvPr id="1" name=""/>
+        <p:cNvGrpSpPr/>
+        <p:nvPr/>
+      </p:nvGrpSpPr>
+      <p:grpSpPr>
+        <a:xfrm>
+          <a:off x="0" y="0"/>
+          <a:ext cx="0" cy="0"/>
+          <a:chOff x="0" y="0"/>
+          <a:chExt cx="0" cy="0"/>
+        </a:xfrm>
+      </p:grpSpPr>
+      <p:sp>
+        <p:nvSpPr>
+          <p:cNvPr id="2" name="Title 1"/>
+          <p:cNvSpPr>
+            <a:spLocks noGrp="1"/>
+          </p:cNvSpPr>
+          <p:nvPr>
+            <p:ph type="title"/>
+          </p:nvPr>
+        </p:nvSpPr>
+        <p:spPr/>
+        <p:txBody>
+          <a:bodyPr/>
+          <a:lstStyle/>
+          <a:p>
+            <a:endParaRPr lang="en-US"/>
+          </a:p>
+        </p:txBody>
+      </p:sp>
+      <p:sp>
+        <p:nvSpPr>
+          <p:cNvPr id="3" name="Text Placeholder 2"/>
+          <p:cNvSpPr>
+            <a:spLocks noGrp="1"/>
+          </p:cNvSpPr>
+          <p:nvPr>
+            <p:ph type="body" idx="1"/>
+          </p:nvPr>
+        </p:nvSpPr>
+        <p:spPr/>
+        <p:txBody>
+          <a:bodyPr/>
+          <a:lstStyle/>
+          <a:p>
+            <a:endParaRPr lang="en-US"/>
+          </a:p>
+        </p:txBody>
+      </p:sp>
+      <p:pic>
+        <p:nvPicPr>
+          <p:cNvPr id="4" name="Picture 3"/>
+          <p:cNvPicPr>
+            <a:picLocks noChangeAspect="1"/>
+          </p:cNvPicPr>
+          <p:nvPr/>
+        </p:nvPicPr>
+        <p:blipFill>
+          <a:blip r:embed="rId2"/>
+          <a:stretch>
+            <a:fillRect/>
+          </a:stretch>
+        </p:blipFill>
+        <p:spPr>
+          <a:xfrm>
+            <a:off x="762000" y="990600"/>
+            <a:ext cx="7620000" cy="4864100"/>
+          </a:xfrm>
+          <a:prstGeom prst="rect">
+            <a:avLst/>
+          </a:prstGeom>
+        </p:spPr>
+      </p:pic>
+    </p:spTree>
+    <p:extLst>
+      <p:ext uri="{BB962C8B-B14F-4D97-AF65-F5344CB8AC3E}">
+        <p14:creationId xmlns:p14="http://schemas.microsoft.com/office/powerpoint/2010/main" val="2230707868"/>
+      </p:ext>
+    </p:extLst>
+  </p:cSld>
+  <p:clrMapOvr>
+    <a:masterClrMapping/>
+  </p:clrMapOvr>
+</p:sld>
+</file>
+
+<file path=ppt/slides/slide39.xml><?xml version="1.0" encoding="utf-8"?>
+<p:sld xmlns:a="http://schemas.openxmlformats.org/drawingml/2006/main" xmlns:r="http://schemas.openxmlformats.org/officeDocument/2006/relationships" xmlns:p="http://schemas.openxmlformats.org/presentationml/2006/main">
+  <p:cSld>
+    <p:spTree>
+      <p:nvGrpSpPr>
+        <p:cNvPr id="1" name="Shape 248"/>
+        <p:cNvGrpSpPr/>
+        <p:nvPr/>
+      </p:nvGrpSpPr>
+      <p:grpSpPr>
+        <a:xfrm>
+          <a:off x="0" y="0"/>
+          <a:ext cx="0" cy="0"/>
+          <a:chOff x="0" y="0"/>
+          <a:chExt cx="0" cy="0"/>
+        </a:xfrm>
+      </p:grpSpPr>
+      <p:sp>
+        <p:nvSpPr>
+          <p:cNvPr id="249" name="Shape 249"/>
+          <p:cNvSpPr txBox="1">
+            <a:spLocks noGrp="1"/>
+          </p:cNvSpPr>
+          <p:nvPr>
+            <p:ph type="title"/>
+          </p:nvPr>
+        </p:nvSpPr>
+        <p:spPr>
+          <a:xfrm>
+            <a:off x="457200" y="274636"/>
+            <a:ext cx="8229600" cy="1325563"/>
+          </a:xfrm>
+          <a:prstGeom prst="rect">
+            <a:avLst/>
+          </a:prstGeom>
+        </p:spPr>
+        <p:txBody>
+          <a:bodyPr lIns="91425" tIns="91425" rIns="91425" bIns="91425" anchor="b" anchorCtr="0">
+            <a:noAutofit/>
+          </a:bodyPr>
+          <a:lstStyle/>
+          <a:p>
+            <a:pPr>
+              <a:spcBef>
+                <a:spcPts val="0"/>
+              </a:spcBef>
+              <a:buNone/>
+            </a:pPr>
+            <a:r>
+              <a:rPr lang="en" sz="9600" dirty="0" smtClean="0">
+                <a:solidFill>
+                  <a:srgbClr val="FF0000"/>
+                </a:solidFill>
+                <a:latin typeface="Yanone Kaffeesatz Bold"/>
+                <a:cs typeface="Yanone Kaffeesatz Bold"/>
+              </a:rPr>
+              <a:t>Exercise</a:t>
+            </a:r>
+            <a:endParaRPr lang="en" dirty="0"/>
+          </a:p>
+        </p:txBody>
+      </p:sp>
+      <p:sp>
+        <p:nvSpPr>
+          <p:cNvPr id="250" name="Shape 250"/>
+          <p:cNvSpPr txBox="1">
+            <a:spLocks noGrp="1"/>
+          </p:cNvSpPr>
+          <p:nvPr>
+            <p:ph type="body" idx="1"/>
+          </p:nvPr>
+        </p:nvSpPr>
+        <p:spPr>
+          <a:xfrm>
+            <a:off x="457200" y="1600200"/>
+            <a:ext cx="8229600" cy="4967700"/>
+          </a:xfrm>
+          <a:prstGeom prst="rect">
+            <a:avLst/>
+          </a:prstGeom>
+        </p:spPr>
+        <p:txBody>
+          <a:bodyPr lIns="91425" tIns="91425" rIns="91425" bIns="91425" anchor="t" anchorCtr="0">
+            <a:noAutofit/>
+          </a:bodyPr>
+          <a:lstStyle/>
+          <a:p>
+            <a:pPr lvl="0" rtl="0">
+              <a:lnSpc>
+                <a:spcPct val="115000"/>
+              </a:lnSpc>
+              <a:spcBef>
+                <a:spcPts val="0"/>
+              </a:spcBef>
+              <a:buNone/>
+            </a:pPr>
+            <a:r>
+              <a:rPr lang="en" sz="2000" dirty="0">
+                <a:solidFill>
+                  <a:srgbClr val="000000"/>
+                </a:solidFill>
+              </a:rPr>
+              <a:t>Create a collection of 19th- and 20th-century authors (or historical/political figures if that's your bag!) and their birth dates (historical accuracy doesn't matter).  An example:</a:t>
+            </a:r>
+          </a:p>
+          <a:p>
+            <a:pPr lvl="0" rtl="0">
+              <a:lnSpc>
+                <a:spcPct val="115000"/>
+              </a:lnSpc>
+              <a:spcBef>
+                <a:spcPts val="0"/>
+              </a:spcBef>
+              <a:buNone/>
+            </a:pPr>
+            <a:endParaRPr sz="2000" dirty="0">
+              <a:solidFill>
+                <a:srgbClr val="000000"/>
+              </a:solidFill>
+            </a:endParaRPr>
+          </a:p>
+          <a:p>
+            <a:pPr lvl="0" rtl="0">
+              <a:lnSpc>
+                <a:spcPct val="115000"/>
+              </a:lnSpc>
+              <a:spcBef>
+                <a:spcPts val="0"/>
+              </a:spcBef>
+              <a:buNone/>
+            </a:pPr>
+            <a:r>
+              <a:rPr lang="en" sz="2000" dirty="0">
+                <a:solidFill>
+                  <a:srgbClr val="000000"/>
+                </a:solidFill>
+                <a:latin typeface="Menlo Regular"/>
+                <a:ea typeface="Menlo Regular"/>
+                <a:cs typeface="Menlo Regular"/>
+                <a:sym typeface="Courier New"/>
+              </a:rPr>
+              <a:t>birth_dates = </a:t>
+            </a:r>
+            <a:r>
+              <a:rPr lang="en" sz="2000" dirty="0">
+                <a:solidFill>
+                  <a:srgbClr val="FF0000"/>
+                </a:solidFill>
+                <a:latin typeface="Menlo Regular"/>
+                <a:ea typeface="Menlo Regular"/>
+                <a:cs typeface="Menlo Regular"/>
+                <a:sym typeface="Courier New"/>
+              </a:rPr>
+              <a:t>{"Wallace </a:t>
+            </a:r>
+            <a:r>
+              <a:rPr lang="en" sz="2000" dirty="0" smtClean="0">
+                <a:solidFill>
+                  <a:srgbClr val="FF0000"/>
+                </a:solidFill>
+                <a:latin typeface="Menlo Regular"/>
+                <a:ea typeface="Menlo Regular"/>
+                <a:cs typeface="Menlo Regular"/>
+                <a:sym typeface="Courier New"/>
+              </a:rPr>
+              <a:t>Stevens</a:t>
+            </a:r>
+            <a:r>
+              <a:rPr lang="en-US" sz="2000" dirty="0" smtClean="0">
+                <a:solidFill>
+                  <a:srgbClr val="FF0000"/>
+                </a:solidFill>
+                <a:latin typeface="Menlo Regular"/>
+                <a:ea typeface="Menlo Regular"/>
+                <a:cs typeface="Menlo Regular"/>
+                <a:sym typeface="Courier New"/>
+              </a:rPr>
+              <a:t>"</a:t>
+            </a:r>
+            <a:r>
+              <a:rPr lang="en" sz="2000" dirty="0" smtClean="0">
+                <a:solidFill>
+                  <a:srgbClr val="FF0000"/>
+                </a:solidFill>
+                <a:latin typeface="Menlo Regular"/>
+                <a:ea typeface="Menlo Regular"/>
+                <a:cs typeface="Menlo Regular"/>
+                <a:sym typeface="Courier New"/>
+              </a:rPr>
+              <a:t>:</a:t>
+            </a:r>
+            <a:r>
+              <a:rPr lang="en" sz="2000" dirty="0" smtClean="0">
+                <a:solidFill>
+                  <a:srgbClr val="000000"/>
+                </a:solidFill>
+                <a:latin typeface="Menlo Regular"/>
+                <a:ea typeface="Menlo Regular"/>
+                <a:cs typeface="Menlo Regular"/>
+                <a:sym typeface="Courier New"/>
+              </a:rPr>
+              <a:t> </a:t>
+            </a:r>
+            <a:r>
+              <a:rPr lang="en" sz="2000" dirty="0">
+                <a:solidFill>
+                  <a:srgbClr val="11889C"/>
+                </a:solidFill>
+                <a:latin typeface="Menlo Regular"/>
+                <a:ea typeface="Menlo Regular"/>
+                <a:cs typeface="Menlo Regular"/>
+                <a:sym typeface="Courier New"/>
+              </a:rPr>
+              <a:t>1879</a:t>
+            </a:r>
+            <a:r>
+              <a:rPr lang="en" sz="2000" dirty="0">
+                <a:solidFill>
+                  <a:srgbClr val="000000"/>
+                </a:solidFill>
+                <a:latin typeface="Menlo Regular"/>
+                <a:ea typeface="Menlo Regular"/>
+                <a:cs typeface="Menlo Regular"/>
+                <a:sym typeface="Courier New"/>
+              </a:rPr>
+              <a:t>}</a:t>
+            </a:r>
+          </a:p>
+          <a:p>
+            <a:pPr lvl="0" rtl="0">
+              <a:lnSpc>
+                <a:spcPct val="115000"/>
+              </a:lnSpc>
+              <a:spcBef>
+                <a:spcPts val="0"/>
+              </a:spcBef>
+              <a:buNone/>
+            </a:pPr>
+            <a:endParaRPr sz="2000" dirty="0">
+              <a:solidFill>
+                <a:srgbClr val="000000"/>
+              </a:solidFill>
+              <a:latin typeface="Menlo Regular"/>
+              <a:ea typeface="Menlo Regular"/>
+              <a:cs typeface="Menlo Regular"/>
+              <a:sym typeface="Courier New"/>
+            </a:endParaRPr>
+          </a:p>
+          <a:p>
+            <a:pPr lvl="0" rtl="0">
+              <a:lnSpc>
+                <a:spcPct val="115000"/>
+              </a:lnSpc>
+              <a:spcBef>
+                <a:spcPts val="0"/>
+              </a:spcBef>
+              <a:buNone/>
+            </a:pPr>
+            <a:r>
+              <a:rPr lang="en" sz="2000" dirty="0">
+                <a:solidFill>
+                  <a:srgbClr val="000000"/>
+                </a:solidFill>
+              </a:rPr>
+              <a:t>Count the number of 19th-century birth dates and the number of 20th-century birth dates, then print the results like:</a:t>
+            </a:r>
+          </a:p>
+          <a:p>
+            <a:pPr lvl="0" rtl="0">
+              <a:lnSpc>
+                <a:spcPct val="115000"/>
+              </a:lnSpc>
+              <a:spcBef>
+                <a:spcPts val="0"/>
+              </a:spcBef>
+              <a:buNone/>
+            </a:pPr>
+            <a:endParaRPr sz="2000" dirty="0">
+              <a:solidFill>
+                <a:srgbClr val="000000"/>
+              </a:solidFill>
+            </a:endParaRPr>
+          </a:p>
+          <a:p>
+            <a:pPr lvl="0" rtl="0">
+              <a:lnSpc>
+                <a:spcPct val="115000"/>
+              </a:lnSpc>
+              <a:spcBef>
+                <a:spcPts val="0"/>
+              </a:spcBef>
+              <a:buNone/>
+            </a:pPr>
+            <a:r>
+              <a:rPr lang="en" sz="2000" dirty="0">
+                <a:solidFill>
+                  <a:srgbClr val="000000"/>
+                </a:solidFill>
+                <a:latin typeface="Menlo Regular"/>
+                <a:ea typeface="Menlo Regular"/>
+                <a:cs typeface="Menlo Regular"/>
+                <a:sym typeface="Courier New"/>
+              </a:rPr>
+              <a:t>There are 3 19th-c. births and 2 20th-c. births in my collection.</a:t>
+            </a:r>
+          </a:p>
+          <a:p>
+            <a:pPr lvl="0" rtl="0">
+              <a:lnSpc>
+                <a:spcPct val="115000"/>
+              </a:lnSpc>
+              <a:spcBef>
+                <a:spcPts val="0"/>
+              </a:spcBef>
+              <a:buNone/>
+            </a:pPr>
+            <a:endParaRPr sz="2000" dirty="0">
+              <a:solidFill>
+                <a:srgbClr val="000000"/>
+              </a:solidFill>
+            </a:endParaRPr>
+          </a:p>
+          <a:p>
+            <a:pPr>
+              <a:spcBef>
+                <a:spcPts val="0"/>
+              </a:spcBef>
+              <a:buNone/>
+            </a:pPr>
+            <a:endParaRPr sz="2000" dirty="0"/>
           </a:p>
         </p:txBody>
       </p:sp>
@@ -25404,7 +26075,7 @@
               <a:buNone/>
             </a:pPr>
             <a:r>
-              <a:rPr lang="en" sz="7200" dirty="0">
+              <a:rPr lang="en" sz="7200" dirty="0" smtClean="0">
                 <a:solidFill>
                   <a:srgbClr val="FF0000"/>
                 </a:solidFill>
@@ -25415,7 +26086,7 @@
               <a:t>Loops &amp; Iterators</a:t>
             </a:r>
             <a:r>
-              <a:rPr lang="en-US" sz="7200" dirty="0">
+              <a:rPr lang="en-US" sz="7200" dirty="0" smtClean="0">
                 <a:solidFill>
                   <a:srgbClr val="FF0000"/>
                 </a:solidFill>
@@ -25425,46 +26096,17 @@
               </a:rPr>
               <a:t>:</a:t>
             </a:r>
-            <a:r>
-              <a:rPr lang="en-US" sz="3800" b="0" dirty="0" smtClean="0">
-                <a:solidFill>
-                  <a:srgbClr val="000000"/>
-                </a:solidFill>
-                <a:latin typeface="Ubuntu"/>
-                <a:ea typeface="Ubuntu"/>
-                <a:cs typeface="Ubuntu"/>
-                <a:sym typeface="Ubuntu"/>
-              </a:rPr>
-              <a:t> </a:t>
-            </a:r>
-            <a:r>
-              <a:rPr lang="en" sz="2800" b="0" dirty="0" smtClean="0">
-                <a:solidFill>
-                  <a:schemeClr val="bg2">
-                    <a:lumMod val="75000"/>
-                  </a:schemeClr>
-                </a:solidFill>
-                <a:latin typeface="Ubuntu"/>
-                <a:ea typeface="Ubuntu"/>
-                <a:cs typeface="Ubuntu"/>
-                <a:sym typeface="Ubuntu"/>
-              </a:rPr>
-              <a:t>repeating </a:t>
-            </a:r>
-            <a:r>
-              <a:rPr lang="en" sz="2800" b="0" dirty="0">
-                <a:solidFill>
-                  <a:schemeClr val="bg2">
-                    <a:lumMod val="75000"/>
-                  </a:schemeClr>
-                </a:solidFill>
-                <a:latin typeface="Ubuntu"/>
-                <a:ea typeface="Ubuntu"/>
-                <a:cs typeface="Ubuntu"/>
-                <a:sym typeface="Ubuntu"/>
-              </a:rPr>
-              <a:t>yourself </a:t>
-            </a:r>
+            <a:endParaRPr lang="en" sz="2800" b="0" dirty="0">
+              <a:solidFill>
+                <a:schemeClr val="bg2">
+                  <a:lumMod val="75000"/>
+                </a:schemeClr>
+              </a:solidFill>
+              <a:latin typeface="Ubuntu"/>
+              <a:ea typeface="Ubuntu"/>
+              <a:cs typeface="Ubuntu"/>
+              <a:sym typeface="Ubuntu"/>
+            </a:endParaRPr>
           </a:p>
         </p:txBody>
       </p:sp>
@@ -25497,6 +26139,67 @@
               <a:buNone/>
             </a:pPr>
             <a:r>
+              <a:rPr lang="en" sz="2000" dirty="0">
+                <a:solidFill>
+                  <a:schemeClr val="bg2">
+                    <a:lumMod val="75000"/>
+                  </a:schemeClr>
+                </a:solidFill>
+                <a:latin typeface="Ubuntu"/>
+                <a:ea typeface="Ubuntu"/>
+                <a:cs typeface="Ubuntu"/>
+                <a:sym typeface="Ubuntu"/>
+              </a:rPr>
+              <a:t>repeating </a:t>
+            </a:r>
+            <a:r>
+              <a:rPr lang="en" sz="2000" dirty="0" smtClean="0">
+                <a:solidFill>
+                  <a:schemeClr val="bg2">
+                    <a:lumMod val="75000"/>
+                  </a:schemeClr>
+                </a:solidFill>
+                <a:latin typeface="Ubuntu"/>
+                <a:ea typeface="Ubuntu"/>
+                <a:cs typeface="Ubuntu"/>
+                <a:sym typeface="Ubuntu"/>
+              </a:rPr>
+              <a:t>yourself</a:t>
+            </a:r>
+            <a:r>
+              <a:rPr lang="en-US" sz="2000" dirty="0" smtClean="0">
+                <a:solidFill>
+                  <a:schemeClr val="bg2">
+                    <a:lumMod val="75000"/>
+                  </a:schemeClr>
+                </a:solidFill>
+                <a:latin typeface="Ubuntu"/>
+                <a:ea typeface="Ubuntu"/>
+                <a:cs typeface="Ubuntu"/>
+                <a:sym typeface="Ubuntu"/>
+              </a:rPr>
+              <a:t>!</a:t>
+            </a:r>
+          </a:p>
+          <a:p>
+            <a:pPr lvl="0">
+              <a:buNone/>
+            </a:pPr>
+            <a:endParaRPr lang="en-US" sz="2000" dirty="0" smtClean="0">
+              <a:solidFill>
+                <a:srgbClr val="000000"/>
+              </a:solidFill>
+              <a:latin typeface="Menlo Regular"/>
+              <a:ea typeface="Menlo Regular"/>
+              <a:cs typeface="Menlo Regular"/>
+              <a:sym typeface="Courier New"/>
+            </a:endParaRPr>
+          </a:p>
+          <a:p>
+            <a:pPr lvl="0">
+              <a:buNone/>
+            </a:pPr>
+            <a:r>
               <a:rPr lang="en" sz="2000" dirty="0" smtClean="0">
                 <a:solidFill>
                   <a:srgbClr val="000000"/>
@@ -25925,449 +26628,6 @@
 </file>
 
 <file path=ppt/slides/slide40.xml><?xml version="1.0" encoding="utf-8"?>
-<p:sld xmlns:a="http://schemas.openxmlformats.org/drawingml/2006/main" xmlns:r="http://schemas.openxmlformats.org/officeDocument/2006/relationships" xmlns:p="http://schemas.openxmlformats.org/presentationml/2006/main">
-  <p:cSld>
-    <p:spTree>
-      <p:nvGrpSpPr>
-        <p:cNvPr id="1" name=""/>
-        <p:cNvGrpSpPr/>
-        <p:nvPr/>
-      </p:nvGrpSpPr>
-      <p:grpSpPr>
-        <a:xfrm>
-          <a:off x="0" y="0"/>
-          <a:ext cx="0" cy="0"/>
-          <a:chOff x="0" y="0"/>
-          <a:chExt cx="0" cy="0"/>
-        </a:xfrm>
-      </p:grpSpPr>
-      <p:sp>
-        <p:nvSpPr>
-          <p:cNvPr id="2" name="Title 1"/>
-          <p:cNvSpPr>
-            <a:spLocks noGrp="1"/>
-          </p:cNvSpPr>
-          <p:nvPr>
-            <p:ph type="title"/>
-          </p:nvPr>
-        </p:nvSpPr>
-        <p:spPr/>
-        <p:txBody>
-          <a:bodyPr/>
-          <a:lstStyle/>
-          <a:p>
-            <a:endParaRPr lang="en-US"/>
-          </a:p>
-        </p:txBody>
-      </p:sp>
-      <p:sp>
-        <p:nvSpPr>
-          <p:cNvPr id="3" name="Text Placeholder 2"/>
-          <p:cNvSpPr>
-            <a:spLocks noGrp="1"/>
-          </p:cNvSpPr>
-          <p:nvPr>
-            <p:ph type="body" idx="1"/>
-          </p:nvPr>
-        </p:nvSpPr>
-        <p:spPr/>
-        <p:txBody>
-          <a:bodyPr/>
-          <a:lstStyle/>
-          <a:p>
-            <a:endParaRPr lang="en-US"/>
-          </a:p>
-        </p:txBody>
-      </p:sp>
-      <p:pic>
-        <p:nvPicPr>
-          <p:cNvPr id="4" name="Picture 3"/>
-          <p:cNvPicPr>
-            <a:picLocks noChangeAspect="1"/>
-          </p:cNvPicPr>
-          <p:nvPr/>
-        </p:nvPicPr>
-        <p:blipFill>
-          <a:blip r:embed="rId2"/>
-          <a:stretch>
-            <a:fillRect/>
-          </a:stretch>
-        </p:blipFill>
-        <p:spPr>
-          <a:xfrm>
-            <a:off x="762000" y="990600"/>
-            <a:ext cx="7620000" cy="4864100"/>
-          </a:xfrm>
-          <a:prstGeom prst="rect">
-            <a:avLst/>
-          </a:prstGeom>
-        </p:spPr>
-      </p:pic>
-    </p:spTree>
-    <p:extLst>
-      <p:ext uri="{BB962C8B-B14F-4D97-AF65-F5344CB8AC3E}">
-        <p14:creationId xmlns:p14="http://schemas.microsoft.com/office/powerpoint/2010/main" val="2230707868"/>
-      </p:ext>
-    </p:extLst>
-  </p:cSld>
-  <p:clrMapOvr>
-    <a:masterClrMapping/>
-  </p:clrMapOvr>
-</p:sld>
-</file>
-
-<file path=ppt/slides/slide41.xml><?xml version="1.0" encoding="utf-8"?>
-<p:sld xmlns:a="http://schemas.openxmlformats.org/drawingml/2006/main" xmlns:r="http://schemas.openxmlformats.org/officeDocument/2006/relationships" xmlns:p="http://schemas.openxmlformats.org/presentationml/2006/main">
-  <p:cSld>
-    <p:spTree>
-      <p:nvGrpSpPr>
-        <p:cNvPr id="1" name="Shape 248"/>
-        <p:cNvGrpSpPr/>
-        <p:nvPr/>
-      </p:nvGrpSpPr>
-      <p:grpSpPr>
-        <a:xfrm>
-          <a:off x="0" y="0"/>
-          <a:ext cx="0" cy="0"/>
-          <a:chOff x="0" y="0"/>
-          <a:chExt cx="0" cy="0"/>
-        </a:xfrm>
-      </p:grpSpPr>
-      <p:sp>
-        <p:nvSpPr>
-          <p:cNvPr id="249" name="Shape 249"/>
-          <p:cNvSpPr txBox="1">
-            <a:spLocks noGrp="1"/>
-          </p:cNvSpPr>
-          <p:nvPr>
-            <p:ph type="title"/>
-          </p:nvPr>
-        </p:nvSpPr>
-        <p:spPr>
-          <a:xfrm>
-            <a:off x="457200" y="274636"/>
-            <a:ext cx="8229600" cy="1325563"/>
-          </a:xfrm>
-          <a:prstGeom prst="rect">
-            <a:avLst/>
-          </a:prstGeom>
-        </p:spPr>
-        <p:txBody>
-          <a:bodyPr lIns="91425" tIns="91425" rIns="91425" bIns="91425" anchor="b" anchorCtr="0">
-            <a:noAutofit/>
-          </a:bodyPr>
-          <a:lstStyle/>
-          <a:p>
-            <a:pPr>
-              <a:spcBef>
-                <a:spcPts val="0"/>
-              </a:spcBef>
-              <a:buNone/>
-            </a:pPr>
-            <a:r>
-              <a:rPr lang="en" sz="9600" dirty="0" smtClean="0">
-                <a:solidFill>
-                  <a:srgbClr val="FF0000"/>
-                </a:solidFill>
-                <a:latin typeface="Yanone Kaffeesatz Bold"/>
-                <a:cs typeface="Yanone Kaffeesatz Bold"/>
-              </a:rPr>
-              <a:t>Exercise</a:t>
-            </a:r>
-            <a:endParaRPr lang="en" dirty="0"/>
-          </a:p>
-        </p:txBody>
-      </p:sp>
-      <p:sp>
-        <p:nvSpPr>
-          <p:cNvPr id="250" name="Shape 250"/>
-          <p:cNvSpPr txBox="1">
-            <a:spLocks noGrp="1"/>
-          </p:cNvSpPr>
-          <p:nvPr>
-            <p:ph type="body" idx="1"/>
-          </p:nvPr>
-        </p:nvSpPr>
-        <p:spPr>
-          <a:xfrm>
-            <a:off x="457200" y="1600200"/>
-            <a:ext cx="8229600" cy="4967700"/>
-          </a:xfrm>
-          <a:prstGeom prst="rect">
-            <a:avLst/>
-          </a:prstGeom>
-        </p:spPr>
-        <p:txBody>
-          <a:bodyPr lIns="91425" tIns="91425" rIns="91425" bIns="91425" anchor="t" anchorCtr="0">
-            <a:noAutofit/>
-          </a:bodyPr>
-          <a:lstStyle/>
-          <a:p>
-            <a:pPr lvl="0" rtl="0">
-              <a:lnSpc>
-                <a:spcPct val="115000"/>
-              </a:lnSpc>
-              <a:spcBef>
-                <a:spcPts val="0"/>
-              </a:spcBef>
-              <a:buNone/>
-            </a:pPr>
-            <a:r>
-              <a:rPr lang="en" sz="2000" dirty="0">
-                <a:solidFill>
-                  <a:srgbClr val="000000"/>
-                </a:solidFill>
-              </a:rPr>
-              <a:t>Create a collection of 19th- and 20th-century authors (or historical/political figures if that's your bag!) and their birth dates (historical accuracy doesn't matter).  An example:</a:t>
-            </a:r>
-          </a:p>
-          <a:p>
-            <a:pPr lvl="0" rtl="0">
-              <a:lnSpc>
-                <a:spcPct val="115000"/>
-              </a:lnSpc>
-              <a:spcBef>
-                <a:spcPts val="0"/>
-              </a:spcBef>
-              <a:buNone/>
-            </a:pPr>
-            <a:endParaRPr sz="2000" dirty="0">
-              <a:solidFill>
-                <a:srgbClr val="000000"/>
-              </a:solidFill>
-            </a:endParaRPr>
-          </a:p>
-          <a:p>
-            <a:pPr lvl="0" rtl="0">
-              <a:lnSpc>
-                <a:spcPct val="115000"/>
-              </a:lnSpc>
-              <a:spcBef>
-                <a:spcPts val="0"/>
-              </a:spcBef>
-              <a:buNone/>
-            </a:pPr>
-            <a:r>
-              <a:rPr lang="en" sz="2000" dirty="0">
-                <a:solidFill>
-                  <a:srgbClr val="000000"/>
-                </a:solidFill>
-                <a:latin typeface="Menlo Regular"/>
-                <a:ea typeface="Menlo Regular"/>
-                <a:cs typeface="Menlo Regular"/>
-                <a:sym typeface="Courier New"/>
-              </a:rPr>
-              <a:t>birth_dates = </a:t>
-            </a:r>
-            <a:r>
-              <a:rPr lang="en" sz="2000" dirty="0">
-                <a:solidFill>
-                  <a:srgbClr val="FF0000"/>
-                </a:solidFill>
-                <a:latin typeface="Menlo Regular"/>
-                <a:ea typeface="Menlo Regular"/>
-                <a:cs typeface="Menlo Regular"/>
-                <a:sym typeface="Courier New"/>
-              </a:rPr>
-              <a:t>{"Wallace </a:t>
-            </a:r>
-            <a:r>
-              <a:rPr lang="en" sz="2000" dirty="0" smtClean="0">
-                <a:solidFill>
-                  <a:srgbClr val="FF0000"/>
-                </a:solidFill>
-                <a:latin typeface="Menlo Regular"/>
-                <a:ea typeface="Menlo Regular"/>
-                <a:cs typeface="Menlo Regular"/>
-                <a:sym typeface="Courier New"/>
-              </a:rPr>
-              <a:t>Stevens</a:t>
-            </a:r>
-            <a:r>
-              <a:rPr lang="en-US" sz="2000" dirty="0" smtClean="0">
-                <a:solidFill>
-                  <a:srgbClr val="FF0000"/>
-                </a:solidFill>
-                <a:latin typeface="Menlo Regular"/>
-                <a:ea typeface="Menlo Regular"/>
-                <a:cs typeface="Menlo Regular"/>
-                <a:sym typeface="Courier New"/>
-              </a:rPr>
-              <a:t>"</a:t>
-            </a:r>
-            <a:r>
-              <a:rPr lang="en" sz="2000" dirty="0" smtClean="0">
-                <a:solidFill>
-                  <a:srgbClr val="FF0000"/>
-                </a:solidFill>
-                <a:latin typeface="Menlo Regular"/>
-                <a:ea typeface="Menlo Regular"/>
-                <a:cs typeface="Menlo Regular"/>
-                <a:sym typeface="Courier New"/>
-              </a:rPr>
-              <a:t>:</a:t>
-            </a:r>
-            <a:r>
-              <a:rPr lang="en" sz="2000" dirty="0" smtClean="0">
-                <a:solidFill>
-                  <a:srgbClr val="000000"/>
-                </a:solidFill>
-                <a:latin typeface="Menlo Regular"/>
-                <a:ea typeface="Menlo Regular"/>
-                <a:cs typeface="Menlo Regular"/>
-                <a:sym typeface="Courier New"/>
-              </a:rPr>
-              <a:t> </a:t>
-            </a:r>
-            <a:r>
-              <a:rPr lang="en" sz="2000" dirty="0">
-                <a:solidFill>
-                  <a:srgbClr val="11889C"/>
-                </a:solidFill>
-                <a:latin typeface="Menlo Regular"/>
-                <a:ea typeface="Menlo Regular"/>
-                <a:cs typeface="Menlo Regular"/>
-                <a:sym typeface="Courier New"/>
-              </a:rPr>
-              <a:t>1879</a:t>
-            </a:r>
-            <a:r>
-              <a:rPr lang="en" sz="2000" dirty="0">
-                <a:solidFill>
-                  <a:srgbClr val="000000"/>
-                </a:solidFill>
-                <a:latin typeface="Menlo Regular"/>
-                <a:ea typeface="Menlo Regular"/>
-                <a:cs typeface="Menlo Regular"/>
-                <a:sym typeface="Courier New"/>
-              </a:rPr>
-              <a:t>}</a:t>
-            </a:r>
-          </a:p>
-          <a:p>
-            <a:pPr lvl="0" rtl="0">
-              <a:lnSpc>
-                <a:spcPct val="115000"/>
-              </a:lnSpc>
-              <a:spcBef>
-                <a:spcPts val="0"/>
-              </a:spcBef>
-              <a:buNone/>
-            </a:pPr>
-            <a:endParaRPr sz="2000" dirty="0">
-              <a:solidFill>
-                <a:srgbClr val="000000"/>
-              </a:solidFill>
-              <a:latin typeface="Menlo Regular"/>
-              <a:ea typeface="Menlo Regular"/>
-              <a:cs typeface="Menlo Regular"/>
-              <a:sym typeface="Courier New"/>
-            </a:endParaRPr>
-          </a:p>
-          <a:p>
-            <a:pPr lvl="0" rtl="0">
-              <a:lnSpc>
-                <a:spcPct val="115000"/>
-              </a:lnSpc>
-              <a:spcBef>
-                <a:spcPts val="0"/>
-              </a:spcBef>
-              <a:buNone/>
-            </a:pPr>
-            <a:r>
-              <a:rPr lang="en" sz="2000" dirty="0">
-                <a:solidFill>
-                  <a:srgbClr val="000000"/>
-                </a:solidFill>
-              </a:rPr>
-              <a:t>Count the number of 19th-century birth dates and the number of 20th-century birth dates, then print the results like:</a:t>
-            </a:r>
-          </a:p>
-          <a:p>
-            <a:pPr lvl="0" rtl="0">
-              <a:lnSpc>
-                <a:spcPct val="115000"/>
-              </a:lnSpc>
-              <a:spcBef>
-                <a:spcPts val="0"/>
-              </a:spcBef>
-              <a:buNone/>
-            </a:pPr>
-            <a:endParaRPr sz="2000" dirty="0">
-              <a:solidFill>
-                <a:srgbClr val="000000"/>
-              </a:solidFill>
-            </a:endParaRPr>
-          </a:p>
-          <a:p>
-            <a:pPr lvl="0" rtl="0">
-              <a:lnSpc>
-                <a:spcPct val="115000"/>
-              </a:lnSpc>
-              <a:spcBef>
-                <a:spcPts val="0"/>
-              </a:spcBef>
-              <a:buNone/>
-            </a:pPr>
-            <a:r>
-              <a:rPr lang="en" sz="2000" dirty="0">
-                <a:solidFill>
-                  <a:srgbClr val="000000"/>
-                </a:solidFill>
-                <a:latin typeface="Menlo Regular"/>
-                <a:ea typeface="Menlo Regular"/>
-                <a:cs typeface="Menlo Regular"/>
-                <a:sym typeface="Courier New"/>
-              </a:rPr>
-              <a:t>There are 3 19th-c. births and 2 20th-c. births in my collection.</a:t>
-            </a:r>
-          </a:p>
-          <a:p>
-            <a:pPr lvl="0" rtl="0">
-              <a:lnSpc>
-                <a:spcPct val="115000"/>
-              </a:lnSpc>
-              <a:spcBef>
-                <a:spcPts val="0"/>
-              </a:spcBef>
-              <a:buNone/>
-            </a:pPr>
-            <a:endParaRPr sz="2000" dirty="0">
-              <a:solidFill>
-                <a:srgbClr val="000000"/>
-              </a:solidFill>
-            </a:endParaRPr>
-          </a:p>
-          <a:p>
-            <a:pPr>
-              <a:spcBef>
-                <a:spcPts val="0"/>
-              </a:spcBef>
-              <a:buNone/>
-            </a:pPr>
-            <a:endParaRPr sz="2000" dirty="0"/>
-          </a:p>
-        </p:txBody>
-      </p:sp>
-    </p:spTree>
-  </p:cSld>
-  <p:clrMapOvr>
-    <a:masterClrMapping/>
-  </p:clrMapOvr>
-  <p:transition xmlns:p14="http://schemas.microsoft.com/office/powerpoint/2010/main" spd="slow">
-    <p:cut/>
-  </p:transition>
-  <p:timing>
-    <p:tnLst>
-      <p:par>
-        <p:cTn xmlns:p14="http://schemas.microsoft.com/office/powerpoint/2010/main" id="1" dur="indefinite" restart="never" nodeType="tmRoot"/>
-      </p:par>
-    </p:tnLst>
-  </p:timing>
-</p:sld>
-</file>
-
-<file path=ppt/slides/slide42.xml><?xml version="1.0" encoding="utf-8"?>
 <p:sld xmlns:a="http://schemas.openxmlformats.org/drawingml/2006/main" xmlns:r="http://schemas.openxmlformats.org/officeDocument/2006/relationships" xmlns:p="http://schemas.openxmlformats.org/presentationml/2006/main">
   <p:cSld>
     <p:spTree>
@@ -27083,7 +27343,7 @@
 </p:sld>
 </file>
 
-<file path=ppt/slides/slide43.xml><?xml version="1.0" encoding="utf-8"?>
+<file path=ppt/slides/slide41.xml><?xml version="1.0" encoding="utf-8"?>
 <p:sld xmlns:a="http://schemas.openxmlformats.org/drawingml/2006/main" xmlns:r="http://schemas.openxmlformats.org/officeDocument/2006/relationships" xmlns:p="http://schemas.openxmlformats.org/presentationml/2006/main">
   <p:cSld>
     <p:spTree>
@@ -27402,7 +27662,7 @@
 </p:sld>
 </file>
 
-<file path=ppt/slides/slide44.xml><?xml version="1.0" encoding="utf-8"?>
+<file path=ppt/slides/slide42.xml><?xml version="1.0" encoding="utf-8"?>
 <p:sld xmlns:a="http://schemas.openxmlformats.org/drawingml/2006/main" xmlns:r="http://schemas.openxmlformats.org/officeDocument/2006/relationships" xmlns:p="http://schemas.openxmlformats.org/presentationml/2006/main">
   <p:cSld>
     <p:spTree>
@@ -27494,7 +27754,7 @@
 </p:sld>
 </file>
 
-<file path=ppt/slides/slide45.xml><?xml version="1.0" encoding="utf-8"?>
+<file path=ppt/slides/slide43.xml><?xml version="1.0" encoding="utf-8"?>
 <p:sld xmlns:a="http://schemas.openxmlformats.org/drawingml/2006/main" xmlns:r="http://schemas.openxmlformats.org/officeDocument/2006/relationships" xmlns:p="http://schemas.openxmlformats.org/presentationml/2006/main">
   <p:cSld>
     <p:spTree>
@@ -29156,23 +29416,6 @@
               <a:buNone/>
             </a:pPr>
             <a:r>
-              <a:rPr lang="en-US" sz="2400" dirty="0">
-                <a:solidFill>
-                  <a:schemeClr val="tx1"/>
-                </a:solidFill>
-                <a:latin typeface="Menlo Regular"/>
-                <a:ea typeface="Menlo Regular"/>
-                <a:cs typeface="Menlo Regular"/>
-                <a:sym typeface="Courier New"/>
-              </a:rPr>
-              <a:t>numbers = [1,2,3,4,5]</a:t>
-            </a:r>
-          </a:p>
-          <a:p>
-            <a:pPr lvl="0">
-              <a:buNone/>
-            </a:pPr>
-            <a:r>
               <a:rPr lang="en" sz="2400" dirty="0">
                 <a:solidFill>
                   <a:schemeClr val="tx1"/>
@@ -29225,6 +29468,30 @@
               <a:t>for item in </a:t>
             </a:r>
             <a:r>
+              <a:rPr lang="en-US" sz="2400" dirty="0" smtClean="0">
+                <a:solidFill>
+                  <a:schemeClr val="tx1"/>
+                </a:solidFill>
+                <a:latin typeface="Menlo Regular"/>
+                <a:ea typeface="Menlo Regular"/>
+                <a:cs typeface="Menlo Regular"/>
+                <a:sym typeface="Courier New"/>
+              </a:rPr>
+              <a:t>numbers</a:t>
+            </a:r>
+            <a:r>
+              <a:rPr lang="en" sz="2400" dirty="0" smtClean="0">
+                <a:solidFill>
+                  <a:schemeClr val="tx1"/>
+                </a:solidFill>
+                <a:latin typeface="Menlo Regular"/>
+                <a:ea typeface="Menlo Regular"/>
+                <a:cs typeface="Menlo Regular"/>
+                <a:sym typeface="Courier New"/>
+              </a:rPr>
+              <a:t>:     </a:t>
+            </a:r>
+            <a:r>
               <a:rPr lang="en-US" sz="2400" dirty="0">
                 <a:solidFill>
                   <a:schemeClr val="tx1"/>
@@ -29234,10 +29501,10 @@
                 <a:cs typeface="Menlo Regular"/>
                 <a:sym typeface="Courier New"/>
               </a:rPr>
-              <a:t>numbers</a:t>
-            </a:r>
-            <a:r>
-              <a:rPr lang="en" sz="2400" dirty="0">
+              <a:t>	</a:t>
+            </a:r>
+            <a:r>
+              <a:rPr lang="en" sz="2400" dirty="0" smtClean="0">
                 <a:solidFill>
                   <a:schemeClr val="tx1"/>
                 </a:solidFill>
@@ -29246,46 +29513,10 @@
                 <a:cs typeface="Menlo Regular"/>
                 <a:sym typeface="Courier New"/>
               </a:rPr>
-              <a:t>:     </a:t>
-            </a:r>
-            <a:r>
-              <a:rPr lang="en-US" sz="2400" dirty="0">
-                <a:solidFill>
-                  <a:schemeClr val="tx1"/>
-                </a:solidFill>
-                <a:latin typeface="Menlo Regular"/>
-                <a:ea typeface="Menlo Regular"/>
-                <a:cs typeface="Menlo Regular"/>
-                <a:sym typeface="Courier New"/>
-              </a:rPr>
-              <a:t>	</a:t>
-            </a:r>
-            <a:r>
-              <a:rPr lang="en" sz="2400" dirty="0">
-                <a:solidFill>
-                  <a:schemeClr val="tx1"/>
-                </a:solidFill>
-                <a:latin typeface="Menlo Regular"/>
-                <a:ea typeface="Menlo Regular"/>
-                <a:cs typeface="Menlo Regular"/>
-                <a:sym typeface="Courier New"/>
-              </a:rPr>
-              <a:t>results.append(</a:t>
-            </a:r>
-            <a:r>
-              <a:rPr lang="en-US" sz="2400" dirty="0">
-                <a:solidFill>
-                  <a:schemeClr val="tx1"/>
-                </a:solidFill>
-                <a:latin typeface="Menlo Regular"/>
-                <a:ea typeface="Menlo Regular"/>
-                <a:cs typeface="Menlo Regular"/>
-                <a:sym typeface="Courier New"/>
-              </a:rPr>
-              <a:t>item + 5</a:t>
-            </a:r>
-            <a:r>
-              <a:rPr lang="en" sz="2400" dirty="0">
+              <a:t>results.append(item</a:t>
+            </a:r>
+            <a:r>
+              <a:rPr lang="en-US" sz="2400" dirty="0" smtClean="0">
                 <a:solidFill>
                   <a:schemeClr val="tx1"/>
                 </a:solidFill>
@@ -29356,7 +29587,7 @@
               <a:buNone/>
             </a:pPr>
             <a:r>
-              <a:rPr lang="en-US" sz="2400" dirty="0">
+              <a:rPr lang="en-US" sz="2400" dirty="0" smtClean="0">
                 <a:solidFill>
                   <a:schemeClr val="tx1"/>
                 </a:solidFill>
@@ -29365,7 +29596,7 @@
                 <a:cs typeface="Menlo Regular"/>
                 <a:sym typeface="Courier New"/>
               </a:rPr>
-              <a:t>or </a:t>
+              <a:t>We can shorten this! 3 lines in 1:</a:t>
             </a:r>
           </a:p>
           <a:p>
@@ -29383,7 +29614,7 @@
             </a:endParaRPr>
           </a:p>
           <a:p>
-            <a:pPr lvl="0">
+            <a:pPr>
               <a:buNone/>
             </a:pPr>
             <a:r>
@@ -29396,7 +29627,31 @@
                 <a:cs typeface="Menlo Regular"/>
                 <a:sym typeface="Courier New"/>
               </a:rPr>
-              <a:t>results = [item + 5 for item in numbers]</a:t>
+              <a:t>results = [</a:t>
+            </a:r>
+            <a:r>
+              <a:rPr lang="en-US" sz="2400" dirty="0" smtClean="0">
+                <a:solidFill>
+                  <a:schemeClr val="tx1"/>
+                </a:solidFill>
+                <a:latin typeface="Menlo Regular"/>
+                <a:ea typeface="Menlo Regular"/>
+                <a:cs typeface="Menlo Regular"/>
+                <a:sym typeface="Courier New"/>
+              </a:rPr>
+              <a:t>item </a:t>
+            </a:r>
+            <a:r>
+              <a:rPr lang="en-US" sz="2400" dirty="0">
+                <a:solidFill>
+                  <a:schemeClr val="tx1"/>
+                </a:solidFill>
+                <a:latin typeface="Menlo Regular"/>
+                <a:ea typeface="Menlo Regular"/>
+                <a:cs typeface="Menlo Regular"/>
+                <a:sym typeface="Courier New"/>
+              </a:rPr>
+              <a:t>for item in numbers]</a:t>
             </a:r>
           </a:p>
           <a:p>
@@ -29417,25 +29672,22 @@
             <a:pPr lvl="0">
               <a:buNone/>
             </a:pPr>
-            <a:r>
-              <a:rPr lang="en-US" sz="2400" dirty="0">
-                <a:solidFill>
-                  <a:schemeClr val="tx1"/>
-                </a:solidFill>
-                <a:latin typeface="Menlo Regular"/>
-                <a:ea typeface="Menlo Regular"/>
-                <a:cs typeface="Menlo Regular"/>
-                <a:sym typeface="Courier New"/>
-              </a:rPr>
-              <a:t>Quick! Easy! but confusing!</a:t>
-            </a:r>
+            <a:endParaRPr lang="en-US" sz="2400" dirty="0">
+              <a:solidFill>
+                <a:schemeClr val="tx1"/>
+              </a:solidFill>
+              <a:latin typeface="Menlo Regular"/>
+              <a:ea typeface="Menlo Regular"/>
+              <a:cs typeface="Menlo Regular"/>
+              <a:sym typeface="Courier New"/>
+            </a:endParaRPr>
           </a:p>
         </p:txBody>
       </p:sp>
     </p:spTree>
     <p:extLst>
       <p:ext uri="{BB962C8B-B14F-4D97-AF65-F5344CB8AC3E}">
-        <p14:creationId xmlns:p14="http://schemas.microsoft.com/office/powerpoint/2010/main" val="1665711261"/>
+        <p14:creationId xmlns:p14="http://schemas.microsoft.com/office/powerpoint/2010/main" val="3840478100"/>
       </p:ext>
     </p:extLst>
   </p:cSld>

--- a/2018/python/Python Programming Concepts II.pptx
+++ b/2018/python/Python Programming Concepts II.pptx
@@ -7,7 +7,7 @@
     <p:sldMasterId id="2147483666" r:id="rId3"/>
   </p:sldMasterIdLst>
   <p:notesMasterIdLst>
-    <p:notesMasterId r:id="rId57"/>
+    <p:notesMasterId r:id="rId58"/>
   </p:notesMasterIdLst>
   <p:sldIdLst>
     <p:sldId id="256" r:id="rId4"/>
@@ -50,19 +50,20 @@
     <p:sldId id="314" r:id="rId41"/>
     <p:sldId id="309" r:id="rId42"/>
     <p:sldId id="315" r:id="rId43"/>
-    <p:sldId id="316" r:id="rId44"/>
-    <p:sldId id="284" r:id="rId45"/>
-    <p:sldId id="285" r:id="rId46"/>
-    <p:sldId id="304" r:id="rId47"/>
-    <p:sldId id="286" r:id="rId48"/>
-    <p:sldId id="287" r:id="rId49"/>
-    <p:sldId id="288" r:id="rId50"/>
-    <p:sldId id="305" r:id="rId51"/>
-    <p:sldId id="289" r:id="rId52"/>
-    <p:sldId id="290" r:id="rId53"/>
-    <p:sldId id="291" r:id="rId54"/>
-    <p:sldId id="306" r:id="rId55"/>
-    <p:sldId id="292" r:id="rId56"/>
+    <p:sldId id="319" r:id="rId44"/>
+    <p:sldId id="316" r:id="rId45"/>
+    <p:sldId id="284" r:id="rId46"/>
+    <p:sldId id="285" r:id="rId47"/>
+    <p:sldId id="304" r:id="rId48"/>
+    <p:sldId id="286" r:id="rId49"/>
+    <p:sldId id="287" r:id="rId50"/>
+    <p:sldId id="288" r:id="rId51"/>
+    <p:sldId id="305" r:id="rId52"/>
+    <p:sldId id="289" r:id="rId53"/>
+    <p:sldId id="290" r:id="rId54"/>
+    <p:sldId id="291" r:id="rId55"/>
+    <p:sldId id="306" r:id="rId56"/>
+    <p:sldId id="292" r:id="rId57"/>
   </p:sldIdLst>
   <p:sldSz cx="9144000" cy="6858000" type="screen4x3"/>
   <p:notesSz cx="6858000" cy="9144000"/>
@@ -279,7 +280,7 @@
   </p:defaultTextStyle>
   <p:extLst>
     <p:ext uri="{EFAFB233-063F-42B5-8137-9DF3F51BA10A}">
-      <p15:sldGuideLst xmlns="" xmlns:p15="http://schemas.microsoft.com/office/powerpoint/2012/main">
+      <p15:sldGuideLst xmlns:p15="http://schemas.microsoft.com/office/powerpoint/2012/main" xmlns="">
         <p15:guide id="1" orient="horz" pos="2160">
           <p15:clr>
             <a:srgbClr val="A4A3A4"/>
@@ -4571,7 +4572,7 @@
   <p:cSld>
     <p:spTree>
       <p:nvGrpSpPr>
-        <p:cNvPr id="1" name="Shape 221"/>
+        <p:cNvPr id="1" name="Shape 135"/>
         <p:cNvGrpSpPr/>
         <p:nvPr/>
       </p:nvGrpSpPr>
@@ -4585,7 +4586,7 @@
       </p:grpSpPr>
       <p:sp>
         <p:nvSpPr>
-          <p:cNvPr id="222" name="Shape 222"/>
+          <p:cNvPr id="136" name="Shape 136"/>
           <p:cNvSpPr>
             <a:spLocks noGrp="1" noRot="1" noChangeAspect="1"/>
           </p:cNvSpPr>
@@ -4636,7 +4637,7 @@
       </p:sp>
       <p:sp>
         <p:nvSpPr>
-          <p:cNvPr id="223" name="Shape 223"/>
+          <p:cNvPr id="137" name="Shape 137"/>
           <p:cNvSpPr txBox="1">
             <a:spLocks noGrp="1"/>
           </p:cNvSpPr>
@@ -4665,16 +4666,19 @@
               </a:spcBef>
               <a:buNone/>
             </a:pPr>
-            <a:endParaRPr/>
+            <a:r>
+              <a:rPr lang="en-US" sz="1466" dirty="0" smtClean="0"/>
+              <a:t>Different</a:t>
+            </a:r>
+            <a:r>
+              <a:rPr lang="en-US" sz="1466" baseline="0" dirty="0" smtClean="0"/>
+              <a:t> variable types only activate in certain parts of a code. Remember the do block with |fruit|? Fruit cease to exist outside that do block. We can organize the access of information in our code. Organization is your best defense against bugs.</a:t>
+            </a:r>
+            <a:endParaRPr sz="1466" dirty="0"/>
           </a:p>
         </p:txBody>
       </p:sp>
     </p:spTree>
-    <p:extLst>
-      <p:ext uri="{BB962C8B-B14F-4D97-AF65-F5344CB8AC3E}">
-        <p14:creationId xmlns:p14="http://schemas.microsoft.com/office/powerpoint/2010/main" val="1346165793"/>
-      </p:ext>
-    </p:extLst>
   </p:cSld>
   <p:clrMapOvr>
     <a:masterClrMapping/>
@@ -4803,6 +4807,122 @@
   <p:cSld>
     <p:spTree>
       <p:nvGrpSpPr>
+        <p:cNvPr id="1" name="Shape 221"/>
+        <p:cNvGrpSpPr/>
+        <p:nvPr/>
+      </p:nvGrpSpPr>
+      <p:grpSpPr>
+        <a:xfrm>
+          <a:off x="0" y="0"/>
+          <a:ext cx="0" cy="0"/>
+          <a:chOff x="0" y="0"/>
+          <a:chExt cx="0" cy="0"/>
+        </a:xfrm>
+      </p:grpSpPr>
+      <p:sp>
+        <p:nvSpPr>
+          <p:cNvPr id="222" name="Shape 222"/>
+          <p:cNvSpPr>
+            <a:spLocks noGrp="1" noRot="1" noChangeAspect="1"/>
+          </p:cNvSpPr>
+          <p:nvPr>
+            <p:ph type="sldImg" idx="2"/>
+          </p:nvPr>
+        </p:nvSpPr>
+        <p:spPr>
+          <a:xfrm>
+            <a:off x="1143000" y="685800"/>
+            <a:ext cx="4572000" cy="3429000"/>
+          </a:xfrm>
+          <a:custGeom>
+            <a:avLst/>
+            <a:gdLst/>
+            <a:ahLst/>
+            <a:cxnLst/>
+            <a:rect l="0" t="0" r="0" b="0"/>
+            <a:pathLst>
+              <a:path w="120000" h="120000" extrusionOk="0">
+                <a:moveTo>
+                  <a:pt x="0" y="0"/>
+                </a:moveTo>
+                <a:lnTo>
+                  <a:pt x="120000" y="0"/>
+                </a:lnTo>
+                <a:lnTo>
+                  <a:pt x="120000" y="120000"/>
+                </a:lnTo>
+                <a:lnTo>
+                  <a:pt x="0" y="120000"/>
+                </a:lnTo>
+                <a:close/>
+              </a:path>
+            </a:pathLst>
+          </a:custGeom>
+          <a:noFill/>
+          <a:ln w="9525" cap="flat">
+            <a:solidFill>
+              <a:srgbClr val="000000"/>
+            </a:solidFill>
+            <a:prstDash val="solid"/>
+            <a:round/>
+            <a:headEnd type="none" w="med" len="med"/>
+            <a:tailEnd type="none" w="med" len="med"/>
+          </a:ln>
+        </p:spPr>
+      </p:sp>
+      <p:sp>
+        <p:nvSpPr>
+          <p:cNvPr id="223" name="Shape 223"/>
+          <p:cNvSpPr txBox="1">
+            <a:spLocks noGrp="1"/>
+          </p:cNvSpPr>
+          <p:nvPr>
+            <p:ph type="body" idx="1"/>
+          </p:nvPr>
+        </p:nvSpPr>
+        <p:spPr>
+          <a:xfrm>
+            <a:off x="685800" y="4343400"/>
+            <a:ext cx="5486399" cy="4114800"/>
+          </a:xfrm>
+          <a:prstGeom prst="rect">
+            <a:avLst/>
+          </a:prstGeom>
+        </p:spPr>
+        <p:txBody>
+          <a:bodyPr lIns="91425" tIns="91425" rIns="91425" bIns="91425" anchor="t" anchorCtr="0">
+            <a:noAutofit/>
+          </a:bodyPr>
+          <a:lstStyle/>
+          <a:p>
+            <a:pPr>
+              <a:spcBef>
+                <a:spcPts val="0"/>
+              </a:spcBef>
+              <a:buNone/>
+            </a:pPr>
+            <a:endParaRPr/>
+          </a:p>
+        </p:txBody>
+      </p:sp>
+    </p:spTree>
+    <p:extLst>
+      <p:ext uri="{BB962C8B-B14F-4D97-AF65-F5344CB8AC3E}">
+        <p14:creationId xmlns:p14="http://schemas.microsoft.com/office/powerpoint/2010/main" val="1346165793"/>
+      </p:ext>
+    </p:extLst>
+  </p:cSld>
+  <p:clrMapOvr>
+    <a:masterClrMapping/>
+  </p:clrMapOvr>
+</p:notes>
+</file>
+
+<file path=ppt/notesSlides/notesSlide43.xml><?xml version="1.0" encoding="utf-8"?>
+<p:notes xmlns:a="http://schemas.openxmlformats.org/drawingml/2006/main" xmlns:r="http://schemas.openxmlformats.org/officeDocument/2006/relationships" xmlns:p="http://schemas.openxmlformats.org/presentationml/2006/main" showMasterSp="0" showMasterPhAnim="0">
+  <p:cSld>
+    <p:spTree>
+      <p:nvGrpSpPr>
         <p:cNvPr id="1" name="Shape 227"/>
         <p:cNvGrpSpPr/>
         <p:nvPr/>
@@ -4914,7 +5034,7 @@
 </p:notes>
 </file>
 
-<file path=ppt/notesSlides/notesSlide43.xml><?xml version="1.0" encoding="utf-8"?>
+<file path=ppt/notesSlides/notesSlide44.xml><?xml version="1.0" encoding="utf-8"?>
 <p:notes xmlns:a="http://schemas.openxmlformats.org/drawingml/2006/main" xmlns:r="http://schemas.openxmlformats.org/officeDocument/2006/relationships" xmlns:p="http://schemas.openxmlformats.org/presentationml/2006/main" showMasterSp="0" showMasterPhAnim="0">
   <p:cSld>
     <p:spTree>
@@ -5030,7 +5150,7 @@
 </p:notes>
 </file>
 
-<file path=ppt/notesSlides/notesSlide44.xml><?xml version="1.0" encoding="utf-8"?>
+<file path=ppt/notesSlides/notesSlide45.xml><?xml version="1.0" encoding="utf-8"?>
 <p:notes xmlns:a="http://schemas.openxmlformats.org/drawingml/2006/main" xmlns:r="http://schemas.openxmlformats.org/officeDocument/2006/relationships" xmlns:p="http://schemas.openxmlformats.org/presentationml/2006/main" showMasterSp="0" showMasterPhAnim="0">
   <p:cSld>
     <p:spTree>
@@ -5146,7 +5266,7 @@
 </p:notes>
 </file>
 
-<file path=ppt/notesSlides/notesSlide45.xml><?xml version="1.0" encoding="utf-8"?>
+<file path=ppt/notesSlides/notesSlide46.xml><?xml version="1.0" encoding="utf-8"?>
 <p:notes xmlns:a="http://schemas.openxmlformats.org/drawingml/2006/main" xmlns:r="http://schemas.openxmlformats.org/officeDocument/2006/relationships" xmlns:p="http://schemas.openxmlformats.org/presentationml/2006/main" showMasterSp="0" showMasterPhAnim="0">
   <p:cSld>
     <p:spTree>
@@ -5262,7 +5382,7 @@
 </p:notes>
 </file>
 
-<file path=ppt/notesSlides/notesSlide46.xml><?xml version="1.0" encoding="utf-8"?>
+<file path=ppt/notesSlides/notesSlide47.xml><?xml version="1.0" encoding="utf-8"?>
 <p:notes xmlns:a="http://schemas.openxmlformats.org/drawingml/2006/main" xmlns:r="http://schemas.openxmlformats.org/officeDocument/2006/relationships" xmlns:p="http://schemas.openxmlformats.org/presentationml/2006/main" showMasterSp="0" showMasterPhAnim="0">
   <p:cSld>
     <p:spTree>
@@ -5378,7 +5498,7 @@
 </p:notes>
 </file>
 
-<file path=ppt/notesSlides/notesSlide47.xml><?xml version="1.0" encoding="utf-8"?>
+<file path=ppt/notesSlides/notesSlide48.xml><?xml version="1.0" encoding="utf-8"?>
 <p:notes xmlns:a="http://schemas.openxmlformats.org/drawingml/2006/main" xmlns:r="http://schemas.openxmlformats.org/officeDocument/2006/relationships" xmlns:p="http://schemas.openxmlformats.org/presentationml/2006/main" showMasterSp="0" showMasterPhAnim="0">
   <p:cSld>
     <p:spTree>
@@ -5494,7 +5614,7 @@
 </p:notes>
 </file>
 
-<file path=ppt/notesSlides/notesSlide48.xml><?xml version="1.0" encoding="utf-8"?>
+<file path=ppt/notesSlides/notesSlide49.xml><?xml version="1.0" encoding="utf-8"?>
 <p:notes xmlns:a="http://schemas.openxmlformats.org/drawingml/2006/main" xmlns:r="http://schemas.openxmlformats.org/officeDocument/2006/relationships" xmlns:p="http://schemas.openxmlformats.org/presentationml/2006/main" showMasterSp="0" showMasterPhAnim="0">
   <p:cSld>
     <p:spTree>
@@ -5601,122 +5721,6 @@
     <p:extLst>
       <p:ext uri="{BB962C8B-B14F-4D97-AF65-F5344CB8AC3E}">
         <p14:creationId xmlns:p14="http://schemas.microsoft.com/office/powerpoint/2010/main" val="3556418011"/>
-      </p:ext>
-    </p:extLst>
-  </p:cSld>
-  <p:clrMapOvr>
-    <a:masterClrMapping/>
-  </p:clrMapOvr>
-</p:notes>
-</file>
-
-<file path=ppt/notesSlides/notesSlide49.xml><?xml version="1.0" encoding="utf-8"?>
-<p:notes xmlns:a="http://schemas.openxmlformats.org/drawingml/2006/main" xmlns:r="http://schemas.openxmlformats.org/officeDocument/2006/relationships" xmlns:p="http://schemas.openxmlformats.org/presentationml/2006/main" showMasterSp="0" showMasterPhAnim="0">
-  <p:cSld>
-    <p:spTree>
-      <p:nvGrpSpPr>
-        <p:cNvPr id="1" name="Shape 269"/>
-        <p:cNvGrpSpPr/>
-        <p:nvPr/>
-      </p:nvGrpSpPr>
-      <p:grpSpPr>
-        <a:xfrm>
-          <a:off x="0" y="0"/>
-          <a:ext cx="0" cy="0"/>
-          <a:chOff x="0" y="0"/>
-          <a:chExt cx="0" cy="0"/>
-        </a:xfrm>
-      </p:grpSpPr>
-      <p:sp>
-        <p:nvSpPr>
-          <p:cNvPr id="270" name="Shape 270"/>
-          <p:cNvSpPr>
-            <a:spLocks noGrp="1" noRot="1" noChangeAspect="1"/>
-          </p:cNvSpPr>
-          <p:nvPr>
-            <p:ph type="sldImg" idx="2"/>
-          </p:nvPr>
-        </p:nvSpPr>
-        <p:spPr>
-          <a:xfrm>
-            <a:off x="1143000" y="685800"/>
-            <a:ext cx="4572000" cy="3429000"/>
-          </a:xfrm>
-          <a:custGeom>
-            <a:avLst/>
-            <a:gdLst/>
-            <a:ahLst/>
-            <a:cxnLst/>
-            <a:rect l="0" t="0" r="0" b="0"/>
-            <a:pathLst>
-              <a:path w="120000" h="120000" extrusionOk="0">
-                <a:moveTo>
-                  <a:pt x="0" y="0"/>
-                </a:moveTo>
-                <a:lnTo>
-                  <a:pt x="120000" y="0"/>
-                </a:lnTo>
-                <a:lnTo>
-                  <a:pt x="120000" y="120000"/>
-                </a:lnTo>
-                <a:lnTo>
-                  <a:pt x="0" y="120000"/>
-                </a:lnTo>
-                <a:close/>
-              </a:path>
-            </a:pathLst>
-          </a:custGeom>
-          <a:noFill/>
-          <a:ln w="9525" cap="flat">
-            <a:solidFill>
-              <a:srgbClr val="000000"/>
-            </a:solidFill>
-            <a:prstDash val="solid"/>
-            <a:round/>
-            <a:headEnd type="none" w="med" len="med"/>
-            <a:tailEnd type="none" w="med" len="med"/>
-          </a:ln>
-        </p:spPr>
-      </p:sp>
-      <p:sp>
-        <p:nvSpPr>
-          <p:cNvPr id="271" name="Shape 271"/>
-          <p:cNvSpPr txBox="1">
-            <a:spLocks noGrp="1"/>
-          </p:cNvSpPr>
-          <p:nvPr>
-            <p:ph type="body" idx="1"/>
-          </p:nvPr>
-        </p:nvSpPr>
-        <p:spPr>
-          <a:xfrm>
-            <a:off x="685800" y="4343400"/>
-            <a:ext cx="5486399" cy="4114800"/>
-          </a:xfrm>
-          <a:prstGeom prst="rect">
-            <a:avLst/>
-          </a:prstGeom>
-        </p:spPr>
-        <p:txBody>
-          <a:bodyPr lIns="91425" tIns="91425" rIns="91425" bIns="91425" anchor="t" anchorCtr="0">
-            <a:noAutofit/>
-          </a:bodyPr>
-          <a:lstStyle/>
-          <a:p>
-            <a:pPr>
-              <a:spcBef>
-                <a:spcPts val="0"/>
-              </a:spcBef>
-              <a:buNone/>
-            </a:pPr>
-            <a:endParaRPr/>
-          </a:p>
-        </p:txBody>
-      </p:sp>
-    </p:spTree>
-    <p:extLst>
-      <p:ext uri="{BB962C8B-B14F-4D97-AF65-F5344CB8AC3E}">
-        <p14:creationId xmlns:p14="http://schemas.microsoft.com/office/powerpoint/2010/main" val="3694530560"/>
       </p:ext>
     </p:extLst>
   </p:cSld>
@@ -5862,6 +5866,122 @@
     <p:extLst>
       <p:ext uri="{BB962C8B-B14F-4D97-AF65-F5344CB8AC3E}">
         <p14:creationId xmlns:p14="http://schemas.microsoft.com/office/powerpoint/2010/main" val="3113507419"/>
+      </p:ext>
+    </p:extLst>
+  </p:cSld>
+  <p:clrMapOvr>
+    <a:masterClrMapping/>
+  </p:clrMapOvr>
+</p:notes>
+</file>
+
+<file path=ppt/notesSlides/notesSlide50.xml><?xml version="1.0" encoding="utf-8"?>
+<p:notes xmlns:a="http://schemas.openxmlformats.org/drawingml/2006/main" xmlns:r="http://schemas.openxmlformats.org/officeDocument/2006/relationships" xmlns:p="http://schemas.openxmlformats.org/presentationml/2006/main" showMasterSp="0" showMasterPhAnim="0">
+  <p:cSld>
+    <p:spTree>
+      <p:nvGrpSpPr>
+        <p:cNvPr id="1" name="Shape 269"/>
+        <p:cNvGrpSpPr/>
+        <p:nvPr/>
+      </p:nvGrpSpPr>
+      <p:grpSpPr>
+        <a:xfrm>
+          <a:off x="0" y="0"/>
+          <a:ext cx="0" cy="0"/>
+          <a:chOff x="0" y="0"/>
+          <a:chExt cx="0" cy="0"/>
+        </a:xfrm>
+      </p:grpSpPr>
+      <p:sp>
+        <p:nvSpPr>
+          <p:cNvPr id="270" name="Shape 270"/>
+          <p:cNvSpPr>
+            <a:spLocks noGrp="1" noRot="1" noChangeAspect="1"/>
+          </p:cNvSpPr>
+          <p:nvPr>
+            <p:ph type="sldImg" idx="2"/>
+          </p:nvPr>
+        </p:nvSpPr>
+        <p:spPr>
+          <a:xfrm>
+            <a:off x="1143000" y="685800"/>
+            <a:ext cx="4572000" cy="3429000"/>
+          </a:xfrm>
+          <a:custGeom>
+            <a:avLst/>
+            <a:gdLst/>
+            <a:ahLst/>
+            <a:cxnLst/>
+            <a:rect l="0" t="0" r="0" b="0"/>
+            <a:pathLst>
+              <a:path w="120000" h="120000" extrusionOk="0">
+                <a:moveTo>
+                  <a:pt x="0" y="0"/>
+                </a:moveTo>
+                <a:lnTo>
+                  <a:pt x="120000" y="0"/>
+                </a:lnTo>
+                <a:lnTo>
+                  <a:pt x="120000" y="120000"/>
+                </a:lnTo>
+                <a:lnTo>
+                  <a:pt x="0" y="120000"/>
+                </a:lnTo>
+                <a:close/>
+              </a:path>
+            </a:pathLst>
+          </a:custGeom>
+          <a:noFill/>
+          <a:ln w="9525" cap="flat">
+            <a:solidFill>
+              <a:srgbClr val="000000"/>
+            </a:solidFill>
+            <a:prstDash val="solid"/>
+            <a:round/>
+            <a:headEnd type="none" w="med" len="med"/>
+            <a:tailEnd type="none" w="med" len="med"/>
+          </a:ln>
+        </p:spPr>
+      </p:sp>
+      <p:sp>
+        <p:nvSpPr>
+          <p:cNvPr id="271" name="Shape 271"/>
+          <p:cNvSpPr txBox="1">
+            <a:spLocks noGrp="1"/>
+          </p:cNvSpPr>
+          <p:nvPr>
+            <p:ph type="body" idx="1"/>
+          </p:nvPr>
+        </p:nvSpPr>
+        <p:spPr>
+          <a:xfrm>
+            <a:off x="685800" y="4343400"/>
+            <a:ext cx="5486399" cy="4114800"/>
+          </a:xfrm>
+          <a:prstGeom prst="rect">
+            <a:avLst/>
+          </a:prstGeom>
+        </p:spPr>
+        <p:txBody>
+          <a:bodyPr lIns="91425" tIns="91425" rIns="91425" bIns="91425" anchor="t" anchorCtr="0">
+            <a:noAutofit/>
+          </a:bodyPr>
+          <a:lstStyle/>
+          <a:p>
+            <a:pPr>
+              <a:spcBef>
+                <a:spcPts val="0"/>
+              </a:spcBef>
+              <a:buNone/>
+            </a:pPr>
+            <a:endParaRPr/>
+          </a:p>
+        </p:txBody>
+      </p:sp>
+    </p:spTree>
+    <p:extLst>
+      <p:ext uri="{BB962C8B-B14F-4D97-AF65-F5344CB8AC3E}">
+        <p14:creationId xmlns:p14="http://schemas.microsoft.com/office/powerpoint/2010/main" val="3694530560"/>
       </p:ext>
     </p:extLst>
   </p:cSld>
@@ -27250,7 +27370,7 @@
   <p:cSld>
     <p:spTree>
       <p:nvGrpSpPr>
-        <p:cNvPr id="1" name="Shape 218"/>
+        <p:cNvPr id="1" name="Shape 132"/>
         <p:cNvGrpSpPr/>
         <p:nvPr/>
       </p:nvGrpSpPr>
@@ -27264,7 +27384,7 @@
       </p:grpSpPr>
       <p:sp>
         <p:nvSpPr>
-          <p:cNvPr id="219" name="Shape 219"/>
+          <p:cNvPr id="133" name="Shape 133"/>
           <p:cNvSpPr txBox="1">
             <a:spLocks noGrp="1"/>
           </p:cNvSpPr>
@@ -27274,27 +27394,30 @@
         </p:nvSpPr>
         <p:spPr>
           <a:xfrm>
-            <a:off x="457200" y="274636"/>
-            <a:ext cx="8229600" cy="1325563"/>
+            <a:off x="274319" y="274319"/>
+            <a:ext cx="8663939" cy="1086508"/>
           </a:xfrm>
           <a:prstGeom prst="rect">
             <a:avLst/>
           </a:prstGeom>
         </p:spPr>
         <p:txBody>
-          <a:bodyPr lIns="91425" tIns="91425" rIns="91425" bIns="91425" anchor="b" anchorCtr="0">
+          <a:bodyPr lIns="38100" tIns="38100" rIns="38100" bIns="38100" anchor="t" anchorCtr="0">
             <a:noAutofit/>
           </a:bodyPr>
           <a:lstStyle/>
           <a:p>
-            <a:pPr>
-              <a:spcBef>
-                <a:spcPts val="0"/>
-              </a:spcBef>
-              <a:buNone/>
-            </a:pPr>
-            <a:r>
-              <a:rPr lang="en" sz="9600" dirty="0">
+            <a:pPr rtl="0">
+              <a:lnSpc>
+                <a:spcPct val="100000"/>
+              </a:lnSpc>
+              <a:spcBef>
+                <a:spcPts val="0"/>
+              </a:spcBef>
+              <a:buNone/>
+            </a:pPr>
+            <a:r>
+              <a:rPr lang="en" sz="7200" b="1" dirty="0">
                 <a:solidFill>
                   <a:srgbClr val="FF0000"/>
                 </a:solidFill>
@@ -27302,23 +27425,14 @@
                 <a:cs typeface="Yanone Kaffeesatz Bold"/>
                 <a:sym typeface="Ubuntu"/>
               </a:rPr>
-              <a:t>Exercise</a:t>
-            </a:r>
-            <a:r>
-              <a:rPr lang="en" b="0" dirty="0">
-                <a:latin typeface="Ubuntu"/>
-                <a:ea typeface="Ubuntu"/>
-                <a:cs typeface="Ubuntu"/>
-                <a:sym typeface="Ubuntu"/>
-              </a:rPr>
-              <a:t> </a:t>
+              <a:t>Variable Scope</a:t>
             </a:r>
           </a:p>
         </p:txBody>
       </p:sp>
       <p:sp>
         <p:nvSpPr>
-          <p:cNvPr id="220" name="Shape 220"/>
+          <p:cNvPr id="134" name="Shape 134"/>
           <p:cNvSpPr txBox="1">
             <a:spLocks noGrp="1"/>
           </p:cNvSpPr>
@@ -27328,111 +27442,636 @@
         </p:nvSpPr>
         <p:spPr>
           <a:xfrm>
-            <a:off x="457200" y="1600200"/>
-            <a:ext cx="8229600" cy="4967700"/>
+            <a:off x="274319" y="1360827"/>
+            <a:ext cx="8668822" cy="5058939"/>
           </a:xfrm>
           <a:prstGeom prst="rect">
             <a:avLst/>
           </a:prstGeom>
         </p:spPr>
         <p:txBody>
-          <a:bodyPr lIns="91425" tIns="91425" rIns="91425" bIns="91425" anchor="t" anchorCtr="0">
+          <a:bodyPr lIns="38100" tIns="38100" rIns="38100" bIns="38100" anchor="t" anchorCtr="0">
             <a:noAutofit/>
           </a:bodyPr>
           <a:lstStyle/>
           <a:p>
-            <a:pPr marL="342900" indent="-342900"/>
-            <a:r>
-              <a:rPr lang="en-US" sz="2400" dirty="0" smtClean="0">
-                <a:solidFill>
-                  <a:srgbClr val="000000"/>
-                </a:solidFill>
-                <a:sym typeface="Open Sans"/>
-              </a:rPr>
-              <a:t>Write your own method!</a:t>
-            </a:r>
-          </a:p>
-          <a:p>
-            <a:pPr>
-              <a:buNone/>
-            </a:pPr>
-            <a:endParaRPr lang="en-US" sz="2400" dirty="0" smtClean="0">
+            <a:pPr lvl="0"/>
+            <a:r>
+              <a:rPr lang="en" sz="1200" dirty="0">
+                <a:solidFill>
+                  <a:srgbClr val="0E6E6D"/>
+                </a:solidFill>
+                <a:latin typeface="Menlo Regular"/>
+                <a:ea typeface="Menlo Regular"/>
+                <a:cs typeface="Menlo Regular"/>
+                <a:sym typeface="courier new"/>
+              </a:rPr>
+              <a:t># This is a global variable</a:t>
+            </a:r>
+            <a:endParaRPr lang="en-US" sz="1200" dirty="0">
               <a:solidFill>
-                <a:srgbClr val="000000"/>
+                <a:srgbClr val="0E6E6D"/>
               </a:solidFill>
-              <a:sym typeface="Open Sans"/>
+              <a:latin typeface="Menlo Regular"/>
+              <a:ea typeface="Menlo Regular"/>
+              <a:cs typeface="Menlo Regular"/>
+              <a:sym typeface="courier new"/>
             </a:endParaRPr>
           </a:p>
           <a:p>
-            <a:pPr marL="342900" indent="-342900"/>
-            <a:r>
-              <a:rPr lang="en-US" sz="2400" dirty="0" smtClean="0">
-                <a:solidFill>
-                  <a:srgbClr val="000000"/>
-                </a:solidFill>
-                <a:sym typeface="Open Sans"/>
-              </a:rPr>
-              <a:t>Try to write another method that calls the first method.</a:t>
-            </a:r>
-          </a:p>
-          <a:p>
-            <a:pPr marL="342900" indent="-342900"/>
-            <a:endParaRPr lang="en-US" sz="2400" dirty="0">
+            <a:pPr lvl="0"/>
+            <a:r>
+              <a:rPr lang="en" sz="1200" dirty="0">
+                <a:solidFill>
+                  <a:srgbClr val="0E6E6D"/>
+                </a:solidFill>
+                <a:latin typeface="Menlo Regular"/>
+                <a:ea typeface="Menlo Regular"/>
+                <a:cs typeface="Menlo Regular"/>
+                <a:sym typeface="courier new"/>
+              </a:rPr>
+              <a:t>a = 0</a:t>
+            </a:r>
+            <a:endParaRPr lang="en-US" sz="1200" dirty="0">
               <a:solidFill>
-                <a:srgbClr val="000000"/>
+                <a:srgbClr val="0E6E6D"/>
               </a:solidFill>
-              <a:sym typeface="Open Sans"/>
+              <a:latin typeface="Menlo Regular"/>
+              <a:ea typeface="Menlo Regular"/>
+              <a:cs typeface="Menlo Regular"/>
+              <a:sym typeface="courier new"/>
             </a:endParaRPr>
           </a:p>
           <a:p>
-            <a:pPr marL="342900" indent="-342900"/>
-            <a:r>
-              <a:rPr lang="en-US" sz="2400" dirty="0" smtClean="0">
-                <a:solidFill>
-                  <a:srgbClr val="000000"/>
-                </a:solidFill>
-                <a:sym typeface="Open Sans"/>
-              </a:rPr>
-              <a:t>Why might you want to do this?</a:t>
-            </a:r>
-          </a:p>
-          <a:p>
-            <a:pPr marL="342900" indent="-342900"/>
-            <a:endParaRPr lang="en-US" sz="2400" dirty="0">
+            <a:pPr lvl="0"/>
+            <a:endParaRPr lang="en-US" sz="1200" dirty="0">
               <a:solidFill>
-                <a:srgbClr val="000000"/>
+                <a:srgbClr val="0E6E6D"/>
               </a:solidFill>
-              <a:sym typeface="Open Sans"/>
+              <a:latin typeface="Menlo Regular"/>
+              <a:ea typeface="Menlo Regular"/>
+              <a:cs typeface="Menlo Regular"/>
+              <a:sym typeface="courier new"/>
             </a:endParaRPr>
           </a:p>
           <a:p>
-            <a:pPr marL="342900" indent="-342900"/>
-            <a:r>
-              <a:rPr lang="en-US" sz="2400" dirty="0" smtClean="0">
-                <a:solidFill>
-                  <a:srgbClr val="000000"/>
-                </a:solidFill>
-                <a:sym typeface="Open Sans"/>
-              </a:rPr>
-              <a:t>Share with </a:t>
-            </a:r>
-            <a:r>
-              <a:rPr lang="en-US" sz="2400" smtClean="0">
-                <a:solidFill>
-                  <a:srgbClr val="000000"/>
-                </a:solidFill>
-                <a:sym typeface="Open Sans"/>
-              </a:rPr>
-              <a:t>your neighbor</a:t>
-            </a:r>
-            <a:endParaRPr sz="2400" dirty="0"/>
+            <a:pPr lvl="0"/>
+            <a:r>
+              <a:rPr lang="en" sz="1200" dirty="0">
+                <a:solidFill>
+                  <a:srgbClr val="0E6E6D"/>
+                </a:solidFill>
+                <a:latin typeface="Menlo Regular"/>
+                <a:ea typeface="Menlo Regular"/>
+                <a:cs typeface="Menlo Regular"/>
+                <a:sym typeface="courier new"/>
+              </a:rPr>
+              <a:t>if a == 0:   </a:t>
+            </a:r>
+            <a:endParaRPr lang="en-US" sz="1200" dirty="0">
+              <a:solidFill>
+                <a:srgbClr val="0E6E6D"/>
+              </a:solidFill>
+              <a:latin typeface="Menlo Regular"/>
+              <a:ea typeface="Menlo Regular"/>
+              <a:cs typeface="Menlo Regular"/>
+              <a:sym typeface="courier new"/>
+            </a:endParaRPr>
+          </a:p>
+          <a:p>
+            <a:pPr lvl="0"/>
+            <a:r>
+              <a:rPr lang="en-US" sz="1200" dirty="0">
+                <a:solidFill>
+                  <a:srgbClr val="0E6E6D"/>
+                </a:solidFill>
+                <a:latin typeface="Menlo Regular"/>
+                <a:ea typeface="Menlo Regular"/>
+                <a:cs typeface="Menlo Regular"/>
+                <a:sym typeface="courier new"/>
+              </a:rPr>
+              <a:t>	</a:t>
+            </a:r>
+            <a:r>
+              <a:rPr lang="en" sz="1200" dirty="0">
+                <a:solidFill>
+                  <a:srgbClr val="0E6E6D"/>
+                </a:solidFill>
+                <a:latin typeface="Menlo Regular"/>
+                <a:ea typeface="Menlo Regular"/>
+                <a:cs typeface="Menlo Regular"/>
+                <a:sym typeface="courier new"/>
+              </a:rPr>
+              <a:t># This is still a global variable</a:t>
+            </a:r>
+            <a:endParaRPr lang="en-US" sz="1200" dirty="0">
+              <a:solidFill>
+                <a:srgbClr val="0E6E6D"/>
+              </a:solidFill>
+              <a:latin typeface="Menlo Regular"/>
+              <a:ea typeface="Menlo Regular"/>
+              <a:cs typeface="Menlo Regular"/>
+              <a:sym typeface="courier new"/>
+            </a:endParaRPr>
+          </a:p>
+          <a:p>
+            <a:pPr lvl="0"/>
+            <a:r>
+              <a:rPr lang="en" sz="1200" dirty="0">
+                <a:solidFill>
+                  <a:srgbClr val="0E6E6D"/>
+                </a:solidFill>
+                <a:latin typeface="Menlo Regular"/>
+                <a:ea typeface="Menlo Regular"/>
+                <a:cs typeface="Menlo Regular"/>
+                <a:sym typeface="courier new"/>
+              </a:rPr>
+              <a:t>   </a:t>
+            </a:r>
+            <a:r>
+              <a:rPr lang="en-US" sz="1200" dirty="0">
+                <a:solidFill>
+                  <a:srgbClr val="0E6E6D"/>
+                </a:solidFill>
+                <a:latin typeface="Menlo Regular"/>
+                <a:ea typeface="Menlo Regular"/>
+                <a:cs typeface="Menlo Regular"/>
+                <a:sym typeface="courier new"/>
+              </a:rPr>
+              <a:t>	</a:t>
+            </a:r>
+            <a:r>
+              <a:rPr lang="en" sz="1200" dirty="0">
+                <a:solidFill>
+                  <a:srgbClr val="0E6E6D"/>
+                </a:solidFill>
+                <a:latin typeface="Menlo Regular"/>
+                <a:ea typeface="Menlo Regular"/>
+                <a:cs typeface="Menlo Regular"/>
+                <a:sym typeface="courier new"/>
+              </a:rPr>
+              <a:t>b = 1</a:t>
+            </a:r>
+            <a:endParaRPr lang="en-US" sz="1200" dirty="0">
+              <a:solidFill>
+                <a:srgbClr val="0E6E6D"/>
+              </a:solidFill>
+              <a:latin typeface="Menlo Regular"/>
+              <a:ea typeface="Menlo Regular"/>
+              <a:cs typeface="Menlo Regular"/>
+              <a:sym typeface="courier new"/>
+            </a:endParaRPr>
+          </a:p>
+          <a:p>
+            <a:pPr lvl="0"/>
+            <a:endParaRPr lang="en-US" sz="1200" dirty="0">
+              <a:solidFill>
+                <a:srgbClr val="0E6E6D"/>
+              </a:solidFill>
+              <a:latin typeface="Menlo Regular"/>
+              <a:ea typeface="Menlo Regular"/>
+              <a:cs typeface="Menlo Regular"/>
+              <a:sym typeface="courier new"/>
+            </a:endParaRPr>
+          </a:p>
+          <a:p>
+            <a:pPr lvl="0"/>
+            <a:r>
+              <a:rPr lang="en" sz="1200" dirty="0">
+                <a:solidFill>
+                  <a:srgbClr val="0E6E6D"/>
+                </a:solidFill>
+                <a:latin typeface="Menlo Regular"/>
+                <a:ea typeface="Menlo Regular"/>
+                <a:cs typeface="Menlo Regular"/>
+                <a:sym typeface="courier new"/>
+              </a:rPr>
+              <a:t>def my_function(c):</a:t>
+            </a:r>
+            <a:endParaRPr lang="en-US" sz="1200" dirty="0">
+              <a:solidFill>
+                <a:srgbClr val="0E6E6D"/>
+              </a:solidFill>
+              <a:latin typeface="Menlo Regular"/>
+              <a:ea typeface="Menlo Regular"/>
+              <a:cs typeface="Menlo Regular"/>
+              <a:sym typeface="courier new"/>
+            </a:endParaRPr>
+          </a:p>
+          <a:p>
+            <a:pPr lvl="0"/>
+            <a:r>
+              <a:rPr lang="en-US" sz="1200" dirty="0">
+                <a:solidFill>
+                  <a:srgbClr val="0E6E6D"/>
+                </a:solidFill>
+                <a:latin typeface="Menlo Regular"/>
+                <a:ea typeface="Menlo Regular"/>
+                <a:cs typeface="Menlo Regular"/>
+                <a:sym typeface="courier new"/>
+              </a:rPr>
+              <a:t>	</a:t>
+            </a:r>
+            <a:r>
+              <a:rPr lang="en" sz="1200" dirty="0">
+                <a:solidFill>
+                  <a:srgbClr val="0E6E6D"/>
+                </a:solidFill>
+                <a:latin typeface="Menlo Regular"/>
+                <a:ea typeface="Menlo Regular"/>
+                <a:cs typeface="Menlo Regular"/>
+                <a:sym typeface="courier new"/>
+              </a:rPr>
+              <a:t># this is a local variable    </a:t>
+            </a:r>
+            <a:endParaRPr lang="en-US" sz="1200" dirty="0">
+              <a:solidFill>
+                <a:srgbClr val="0E6E6D"/>
+              </a:solidFill>
+              <a:latin typeface="Menlo Regular"/>
+              <a:ea typeface="Menlo Regular"/>
+              <a:cs typeface="Menlo Regular"/>
+              <a:sym typeface="courier new"/>
+            </a:endParaRPr>
+          </a:p>
+          <a:p>
+            <a:pPr lvl="0"/>
+            <a:r>
+              <a:rPr lang="en-US" sz="1200" dirty="0">
+                <a:solidFill>
+                  <a:srgbClr val="0E6E6D"/>
+                </a:solidFill>
+                <a:latin typeface="Menlo Regular"/>
+                <a:ea typeface="Menlo Regular"/>
+                <a:cs typeface="Menlo Regular"/>
+                <a:sym typeface="courier new"/>
+              </a:rPr>
+              <a:t>	</a:t>
+            </a:r>
+            <a:r>
+              <a:rPr lang="en" sz="1200" dirty="0">
+                <a:solidFill>
+                  <a:srgbClr val="0E6E6D"/>
+                </a:solidFill>
+                <a:latin typeface="Menlo Regular"/>
+                <a:ea typeface="Menlo Regular"/>
+                <a:cs typeface="Menlo Regular"/>
+                <a:sym typeface="courier new"/>
+              </a:rPr>
+              <a:t>d = 3    </a:t>
+            </a:r>
+            <a:endParaRPr lang="en-US" sz="1200" dirty="0">
+              <a:solidFill>
+                <a:srgbClr val="0E6E6D"/>
+              </a:solidFill>
+              <a:latin typeface="Menlo Regular"/>
+              <a:ea typeface="Menlo Regular"/>
+              <a:cs typeface="Menlo Regular"/>
+              <a:sym typeface="courier new"/>
+            </a:endParaRPr>
+          </a:p>
+          <a:p>
+            <a:pPr lvl="0"/>
+            <a:r>
+              <a:rPr lang="en-US" sz="1200" dirty="0">
+                <a:solidFill>
+                  <a:srgbClr val="0E6E6D"/>
+                </a:solidFill>
+                <a:latin typeface="Menlo Regular"/>
+                <a:ea typeface="Menlo Regular"/>
+                <a:cs typeface="Menlo Regular"/>
+                <a:sym typeface="courier new"/>
+              </a:rPr>
+              <a:t>	</a:t>
+            </a:r>
+            <a:r>
+              <a:rPr lang="en" sz="1200" dirty="0">
+                <a:solidFill>
+                  <a:srgbClr val="0E6E6D"/>
+                </a:solidFill>
+                <a:latin typeface="Menlo Regular"/>
+                <a:ea typeface="Menlo Regular"/>
+                <a:cs typeface="Menlo Regular"/>
+                <a:sym typeface="courier new"/>
+              </a:rPr>
+              <a:t>print(c)    </a:t>
+            </a:r>
+            <a:endParaRPr lang="en-US" sz="1200" dirty="0">
+              <a:solidFill>
+                <a:srgbClr val="0E6E6D"/>
+              </a:solidFill>
+              <a:latin typeface="Menlo Regular"/>
+              <a:ea typeface="Menlo Regular"/>
+              <a:cs typeface="Menlo Regular"/>
+              <a:sym typeface="courier new"/>
+            </a:endParaRPr>
+          </a:p>
+          <a:p>
+            <a:pPr lvl="0"/>
+            <a:r>
+              <a:rPr lang="en-US" sz="1200" dirty="0">
+                <a:solidFill>
+                  <a:srgbClr val="0E6E6D"/>
+                </a:solidFill>
+                <a:latin typeface="Menlo Regular"/>
+                <a:ea typeface="Menlo Regular"/>
+                <a:cs typeface="Menlo Regular"/>
+                <a:sym typeface="courier new"/>
+              </a:rPr>
+              <a:t>	</a:t>
+            </a:r>
+            <a:r>
+              <a:rPr lang="en" sz="1200" dirty="0">
+                <a:solidFill>
+                  <a:srgbClr val="0E6E6D"/>
+                </a:solidFill>
+                <a:latin typeface="Menlo Regular"/>
+                <a:ea typeface="Menlo Regular"/>
+                <a:cs typeface="Menlo Regular"/>
+                <a:sym typeface="courier new"/>
+              </a:rPr>
+              <a:t>print(d)</a:t>
+            </a:r>
+            <a:endParaRPr lang="en-US" sz="1200" dirty="0">
+              <a:solidFill>
+                <a:srgbClr val="0E6E6D"/>
+              </a:solidFill>
+              <a:latin typeface="Menlo Regular"/>
+              <a:ea typeface="Menlo Regular"/>
+              <a:cs typeface="Menlo Regular"/>
+              <a:sym typeface="courier new"/>
+            </a:endParaRPr>
+          </a:p>
+          <a:p>
+            <a:pPr lvl="0"/>
+            <a:endParaRPr lang="en-US" sz="1200" dirty="0">
+              <a:solidFill>
+                <a:srgbClr val="0E6E6D"/>
+              </a:solidFill>
+              <a:latin typeface="Menlo Regular"/>
+              <a:ea typeface="Menlo Regular"/>
+              <a:cs typeface="Menlo Regular"/>
+              <a:sym typeface="courier new"/>
+            </a:endParaRPr>
+          </a:p>
+          <a:p>
+            <a:pPr lvl="0"/>
+            <a:r>
+              <a:rPr lang="en" sz="1200" dirty="0">
+                <a:solidFill>
+                  <a:srgbClr val="0E6E6D"/>
+                </a:solidFill>
+                <a:latin typeface="Menlo Regular"/>
+                <a:ea typeface="Menlo Regular"/>
+                <a:cs typeface="Menlo Regular"/>
+                <a:sym typeface="courier new"/>
+              </a:rPr>
+              <a:t># Now we call the function, passing the value 7 as the first and only parameter</a:t>
+            </a:r>
+            <a:endParaRPr lang="en-US" sz="1200" dirty="0">
+              <a:solidFill>
+                <a:srgbClr val="0E6E6D"/>
+              </a:solidFill>
+              <a:latin typeface="Menlo Regular"/>
+              <a:ea typeface="Menlo Regular"/>
+              <a:cs typeface="Menlo Regular"/>
+              <a:sym typeface="courier new"/>
+            </a:endParaRPr>
+          </a:p>
+          <a:p>
+            <a:pPr lvl="0"/>
+            <a:r>
+              <a:rPr lang="en" sz="1200" dirty="0">
+                <a:solidFill>
+                  <a:srgbClr val="0E6E6D"/>
+                </a:solidFill>
+                <a:latin typeface="Menlo Regular"/>
+                <a:ea typeface="Menlo Regular"/>
+                <a:cs typeface="Menlo Regular"/>
+                <a:sym typeface="courier new"/>
+              </a:rPr>
+              <a:t>my_function(7)</a:t>
+            </a:r>
+            <a:endParaRPr lang="en-US" sz="1200" dirty="0">
+              <a:solidFill>
+                <a:srgbClr val="0E6E6D"/>
+              </a:solidFill>
+              <a:latin typeface="Menlo Regular"/>
+              <a:ea typeface="Menlo Regular"/>
+              <a:cs typeface="Menlo Regular"/>
+              <a:sym typeface="courier new"/>
+            </a:endParaRPr>
+          </a:p>
+          <a:p>
+            <a:pPr lvl="0"/>
+            <a:endParaRPr lang="en-US" sz="1200" dirty="0">
+              <a:solidFill>
+                <a:srgbClr val="0E6E6D"/>
+              </a:solidFill>
+              <a:latin typeface="Menlo Regular"/>
+              <a:ea typeface="Menlo Regular"/>
+              <a:cs typeface="Menlo Regular"/>
+              <a:sym typeface="courier new"/>
+            </a:endParaRPr>
+          </a:p>
+          <a:p>
+            <a:pPr lvl="0"/>
+            <a:r>
+              <a:rPr lang="en" sz="1200" dirty="0">
+                <a:solidFill>
+                  <a:srgbClr val="0E6E6D"/>
+                </a:solidFill>
+                <a:latin typeface="Menlo Regular"/>
+                <a:ea typeface="Menlo Regular"/>
+                <a:cs typeface="Menlo Regular"/>
+                <a:sym typeface="courier new"/>
+              </a:rPr>
+              <a:t># a and b still exist</a:t>
+            </a:r>
+            <a:endParaRPr lang="en-US" sz="1200" dirty="0">
+              <a:solidFill>
+                <a:srgbClr val="0E6E6D"/>
+              </a:solidFill>
+              <a:latin typeface="Menlo Regular"/>
+              <a:ea typeface="Menlo Regular"/>
+              <a:cs typeface="Menlo Regular"/>
+              <a:sym typeface="courier new"/>
+            </a:endParaRPr>
+          </a:p>
+          <a:p>
+            <a:pPr lvl="0"/>
+            <a:r>
+              <a:rPr lang="en" sz="1200" dirty="0">
+                <a:solidFill>
+                  <a:srgbClr val="0E6E6D"/>
+                </a:solidFill>
+                <a:latin typeface="Menlo Regular"/>
+                <a:ea typeface="Menlo Regular"/>
+                <a:cs typeface="Menlo Regular"/>
+                <a:sym typeface="courier new"/>
+              </a:rPr>
+              <a:t>print(a)</a:t>
+            </a:r>
+            <a:endParaRPr lang="en-US" sz="1200" dirty="0">
+              <a:solidFill>
+                <a:srgbClr val="0E6E6D"/>
+              </a:solidFill>
+              <a:latin typeface="Menlo Regular"/>
+              <a:ea typeface="Menlo Regular"/>
+              <a:cs typeface="Menlo Regular"/>
+              <a:sym typeface="courier new"/>
+            </a:endParaRPr>
+          </a:p>
+          <a:p>
+            <a:pPr lvl="0"/>
+            <a:r>
+              <a:rPr lang="en" sz="1200" dirty="0">
+                <a:solidFill>
+                  <a:srgbClr val="0E6E6D"/>
+                </a:solidFill>
+                <a:latin typeface="Menlo Regular"/>
+                <a:ea typeface="Menlo Regular"/>
+                <a:cs typeface="Menlo Regular"/>
+                <a:sym typeface="courier new"/>
+              </a:rPr>
+              <a:t>print(b)</a:t>
+            </a:r>
+            <a:endParaRPr lang="en-US" sz="1200" dirty="0">
+              <a:solidFill>
+                <a:srgbClr val="0E6E6D"/>
+              </a:solidFill>
+              <a:latin typeface="Menlo Regular"/>
+              <a:ea typeface="Menlo Regular"/>
+              <a:cs typeface="Menlo Regular"/>
+              <a:sym typeface="courier new"/>
+            </a:endParaRPr>
+          </a:p>
+          <a:p>
+            <a:pPr lvl="0"/>
+            <a:endParaRPr lang="en-US" sz="1200" dirty="0">
+              <a:solidFill>
+                <a:srgbClr val="0E6E6D"/>
+              </a:solidFill>
+              <a:latin typeface="Menlo Regular"/>
+              <a:ea typeface="Menlo Regular"/>
+              <a:cs typeface="Menlo Regular"/>
+              <a:sym typeface="courier new"/>
+            </a:endParaRPr>
+          </a:p>
+          <a:p>
+            <a:pPr lvl="0"/>
+            <a:r>
+              <a:rPr lang="en" sz="1200" dirty="0">
+                <a:solidFill>
+                  <a:srgbClr val="0E6E6D"/>
+                </a:solidFill>
+                <a:latin typeface="Menlo Regular"/>
+                <a:ea typeface="Menlo Regular"/>
+                <a:cs typeface="Menlo Regular"/>
+                <a:sym typeface="courier new"/>
+              </a:rPr>
+              <a:t># c and d don't exist anymore -- these statements will give us name errors!</a:t>
+            </a:r>
+            <a:endParaRPr lang="en-US" sz="1200" dirty="0">
+              <a:solidFill>
+                <a:srgbClr val="0E6E6D"/>
+              </a:solidFill>
+              <a:latin typeface="Menlo Regular"/>
+              <a:ea typeface="Menlo Regular"/>
+              <a:cs typeface="Menlo Regular"/>
+              <a:sym typeface="courier new"/>
+            </a:endParaRPr>
+          </a:p>
+          <a:p>
+            <a:pPr lvl="0"/>
+            <a:r>
+              <a:rPr lang="en" sz="1200" dirty="0">
+                <a:solidFill>
+                  <a:srgbClr val="0E6E6D"/>
+                </a:solidFill>
+                <a:latin typeface="Menlo Regular"/>
+                <a:ea typeface="Menlo Regular"/>
+                <a:cs typeface="Menlo Regular"/>
+                <a:sym typeface="courier new"/>
+              </a:rPr>
+              <a:t>print(c)</a:t>
+            </a:r>
+            <a:endParaRPr lang="en-US" sz="1200" dirty="0">
+              <a:solidFill>
+                <a:srgbClr val="0E6E6D"/>
+              </a:solidFill>
+              <a:latin typeface="Menlo Regular"/>
+              <a:ea typeface="Menlo Regular"/>
+              <a:cs typeface="Menlo Regular"/>
+              <a:sym typeface="courier new"/>
+            </a:endParaRPr>
+          </a:p>
+          <a:p>
+            <a:pPr lvl="0"/>
+            <a:r>
+              <a:rPr lang="en" sz="1200" dirty="0">
+                <a:solidFill>
+                  <a:srgbClr val="0E6E6D"/>
+                </a:solidFill>
+                <a:latin typeface="Menlo Regular"/>
+                <a:ea typeface="Menlo Regular"/>
+                <a:cs typeface="Menlo Regular"/>
+                <a:sym typeface="courier new"/>
+              </a:rPr>
+              <a:t>print(d)</a:t>
+            </a:r>
+            <a:endParaRPr lang="en-US" sz="1200" dirty="0">
+              <a:solidFill>
+                <a:srgbClr val="0E6E6D"/>
+              </a:solidFill>
+              <a:latin typeface="Menlo Regular"/>
+              <a:ea typeface="Menlo Regular"/>
+              <a:cs typeface="Menlo Regular"/>
+              <a:sym typeface="courier new"/>
+            </a:endParaRPr>
+          </a:p>
+          <a:p>
+            <a:pPr lvl="0"/>
+            <a:endParaRPr lang="en-US" sz="1200" dirty="0">
+              <a:solidFill>
+                <a:srgbClr val="0E6E6D"/>
+              </a:solidFill>
+              <a:latin typeface="Menlo Regular"/>
+              <a:ea typeface="Menlo Regular"/>
+              <a:cs typeface="Menlo Regular"/>
+              <a:sym typeface="courier new"/>
+            </a:endParaRPr>
+          </a:p>
+          <a:p>
+            <a:pPr lvl="0"/>
+            <a:r>
+              <a:rPr lang="en-US" sz="1200" dirty="0">
+                <a:solidFill>
+                  <a:srgbClr val="0E6E6D"/>
+                </a:solidFill>
+                <a:latin typeface="Menlo Regular"/>
+                <a:ea typeface="Menlo Regular"/>
+                <a:cs typeface="Menlo Regular"/>
+                <a:sym typeface="courier new"/>
+              </a:rPr>
+              <a:t>Taken from http://python-textbok.readthedocs.io/en/1.0/Variables_and_Scope.html</a:t>
+            </a:r>
+            <a:endParaRPr lang="en" sz="1200" dirty="0">
+              <a:solidFill>
+                <a:srgbClr val="0E6E6D"/>
+              </a:solidFill>
+              <a:latin typeface="Menlo Regular"/>
+              <a:ea typeface="Menlo Regular"/>
+              <a:cs typeface="Menlo Regular"/>
+              <a:sym typeface="courier new"/>
+            </a:endParaRPr>
           </a:p>
         </p:txBody>
       </p:sp>
     </p:spTree>
     <p:extLst>
       <p:ext uri="{BB962C8B-B14F-4D97-AF65-F5344CB8AC3E}">
-        <p14:creationId xmlns:p14="http://schemas.microsoft.com/office/powerpoint/2010/main" val="1368190142"/>
+        <p14:creationId xmlns:p14="http://schemas.microsoft.com/office/powerpoint/2010/main" val="2362794825"/>
       </p:ext>
     </p:extLst>
   </p:cSld>
@@ -27548,6 +28187,213 @@
           </a:bodyPr>
           <a:lstStyle/>
           <a:p>
+            <a:pPr marL="342900" indent="-342900"/>
+            <a:r>
+              <a:rPr lang="en-US" sz="2400" dirty="0" smtClean="0">
+                <a:solidFill>
+                  <a:srgbClr val="000000"/>
+                </a:solidFill>
+                <a:sym typeface="Open Sans"/>
+              </a:rPr>
+              <a:t>Write your own method!</a:t>
+            </a:r>
+          </a:p>
+          <a:p>
+            <a:pPr>
+              <a:buNone/>
+            </a:pPr>
+            <a:endParaRPr lang="en-US" sz="2400" dirty="0" smtClean="0">
+              <a:solidFill>
+                <a:srgbClr val="000000"/>
+              </a:solidFill>
+              <a:sym typeface="Open Sans"/>
+            </a:endParaRPr>
+          </a:p>
+          <a:p>
+            <a:pPr marL="342900" indent="-342900"/>
+            <a:r>
+              <a:rPr lang="en-US" sz="2400" dirty="0" smtClean="0">
+                <a:solidFill>
+                  <a:srgbClr val="000000"/>
+                </a:solidFill>
+                <a:sym typeface="Open Sans"/>
+              </a:rPr>
+              <a:t>Try to write another method that calls the first method.</a:t>
+            </a:r>
+          </a:p>
+          <a:p>
+            <a:pPr marL="342900" indent="-342900"/>
+            <a:endParaRPr lang="en-US" sz="2400" dirty="0">
+              <a:solidFill>
+                <a:srgbClr val="000000"/>
+              </a:solidFill>
+              <a:sym typeface="Open Sans"/>
+            </a:endParaRPr>
+          </a:p>
+          <a:p>
+            <a:pPr marL="342900" indent="-342900"/>
+            <a:r>
+              <a:rPr lang="en-US" sz="2400" dirty="0" smtClean="0">
+                <a:solidFill>
+                  <a:srgbClr val="000000"/>
+                </a:solidFill>
+                <a:sym typeface="Open Sans"/>
+              </a:rPr>
+              <a:t>Why might you want to do this?</a:t>
+            </a:r>
+          </a:p>
+          <a:p>
+            <a:pPr marL="342900" indent="-342900"/>
+            <a:endParaRPr lang="en-US" sz="2400" dirty="0">
+              <a:solidFill>
+                <a:srgbClr val="000000"/>
+              </a:solidFill>
+              <a:sym typeface="Open Sans"/>
+            </a:endParaRPr>
+          </a:p>
+          <a:p>
+            <a:pPr marL="342900" indent="-342900"/>
+            <a:r>
+              <a:rPr lang="en-US" sz="2400" dirty="0" smtClean="0">
+                <a:solidFill>
+                  <a:srgbClr val="000000"/>
+                </a:solidFill>
+                <a:sym typeface="Open Sans"/>
+              </a:rPr>
+              <a:t>Share with </a:t>
+            </a:r>
+            <a:r>
+              <a:rPr lang="en-US" sz="2400" smtClean="0">
+                <a:solidFill>
+                  <a:srgbClr val="000000"/>
+                </a:solidFill>
+                <a:sym typeface="Open Sans"/>
+              </a:rPr>
+              <a:t>your neighbor</a:t>
+            </a:r>
+            <a:endParaRPr sz="2400" dirty="0"/>
+          </a:p>
+        </p:txBody>
+      </p:sp>
+    </p:spTree>
+    <p:extLst>
+      <p:ext uri="{BB962C8B-B14F-4D97-AF65-F5344CB8AC3E}">
+        <p14:creationId xmlns:p14="http://schemas.microsoft.com/office/powerpoint/2010/main" val="1368190142"/>
+      </p:ext>
+    </p:extLst>
+  </p:cSld>
+  <p:clrMapOvr>
+    <a:masterClrMapping/>
+  </p:clrMapOvr>
+  <p:transition xmlns:p14="http://schemas.microsoft.com/office/powerpoint/2010/main" spd="slow">
+    <p:cut/>
+  </p:transition>
+  <p:timing>
+    <p:tnLst>
+      <p:par>
+        <p:cTn xmlns:p14="http://schemas.microsoft.com/office/powerpoint/2010/main" id="1" dur="indefinite" restart="never" nodeType="tmRoot"/>
+      </p:par>
+    </p:tnLst>
+  </p:timing>
+</p:sld>
+</file>
+
+<file path=ppt/slides/slide43.xml><?xml version="1.0" encoding="utf-8"?>
+<p:sld xmlns:a="http://schemas.openxmlformats.org/drawingml/2006/main" xmlns:r="http://schemas.openxmlformats.org/officeDocument/2006/relationships" xmlns:p="http://schemas.openxmlformats.org/presentationml/2006/main">
+  <p:cSld>
+    <p:spTree>
+      <p:nvGrpSpPr>
+        <p:cNvPr id="1" name="Shape 218"/>
+        <p:cNvGrpSpPr/>
+        <p:nvPr/>
+      </p:nvGrpSpPr>
+      <p:grpSpPr>
+        <a:xfrm>
+          <a:off x="0" y="0"/>
+          <a:ext cx="0" cy="0"/>
+          <a:chOff x="0" y="0"/>
+          <a:chExt cx="0" cy="0"/>
+        </a:xfrm>
+      </p:grpSpPr>
+      <p:sp>
+        <p:nvSpPr>
+          <p:cNvPr id="219" name="Shape 219"/>
+          <p:cNvSpPr txBox="1">
+            <a:spLocks noGrp="1"/>
+          </p:cNvSpPr>
+          <p:nvPr>
+            <p:ph type="title"/>
+          </p:nvPr>
+        </p:nvSpPr>
+        <p:spPr>
+          <a:xfrm>
+            <a:off x="457200" y="274636"/>
+            <a:ext cx="8229600" cy="1325563"/>
+          </a:xfrm>
+          <a:prstGeom prst="rect">
+            <a:avLst/>
+          </a:prstGeom>
+        </p:spPr>
+        <p:txBody>
+          <a:bodyPr lIns="91425" tIns="91425" rIns="91425" bIns="91425" anchor="b" anchorCtr="0">
+            <a:noAutofit/>
+          </a:bodyPr>
+          <a:lstStyle/>
+          <a:p>
+            <a:pPr>
+              <a:spcBef>
+                <a:spcPts val="0"/>
+              </a:spcBef>
+              <a:buNone/>
+            </a:pPr>
+            <a:r>
+              <a:rPr lang="en" sz="9600" dirty="0">
+                <a:solidFill>
+                  <a:srgbClr val="FF0000"/>
+                </a:solidFill>
+                <a:latin typeface="Yanone Kaffeesatz Bold"/>
+                <a:cs typeface="Yanone Kaffeesatz Bold"/>
+                <a:sym typeface="Ubuntu"/>
+              </a:rPr>
+              <a:t>Exercise</a:t>
+            </a:r>
+            <a:r>
+              <a:rPr lang="en" b="0" dirty="0">
+                <a:latin typeface="Ubuntu"/>
+                <a:ea typeface="Ubuntu"/>
+                <a:cs typeface="Ubuntu"/>
+                <a:sym typeface="Ubuntu"/>
+              </a:rPr>
+              <a:t> </a:t>
+            </a:r>
+          </a:p>
+        </p:txBody>
+      </p:sp>
+      <p:sp>
+        <p:nvSpPr>
+          <p:cNvPr id="220" name="Shape 220"/>
+          <p:cNvSpPr txBox="1">
+            <a:spLocks noGrp="1"/>
+          </p:cNvSpPr>
+          <p:nvPr>
+            <p:ph type="body" idx="1"/>
+          </p:nvPr>
+        </p:nvSpPr>
+        <p:spPr>
+          <a:xfrm>
+            <a:off x="457200" y="1600200"/>
+            <a:ext cx="8229600" cy="4967700"/>
+          </a:xfrm>
+          <a:prstGeom prst="rect">
+            <a:avLst/>
+          </a:prstGeom>
+        </p:spPr>
+        <p:txBody>
+          <a:bodyPr lIns="91425" tIns="91425" rIns="91425" bIns="91425" anchor="t" anchorCtr="0">
+            <a:noAutofit/>
+          </a:bodyPr>
+          <a:lstStyle/>
+          <a:p>
             <a:pPr lvl="0" rtl="0">
               <a:spcBef>
                 <a:spcPts val="0"/>
@@ -27803,7 +28649,7 @@
 </p:sld>
 </file>
 
-<file path=ppt/slides/slide43.xml><?xml version="1.0" encoding="utf-8"?>
+<file path=ppt/slides/slide44.xml><?xml version="1.0" encoding="utf-8"?>
 <p:sld xmlns:a="http://schemas.openxmlformats.org/drawingml/2006/main" xmlns:r="http://schemas.openxmlformats.org/officeDocument/2006/relationships" xmlns:p="http://schemas.openxmlformats.org/presentationml/2006/main">
   <p:cSld>
     <p:spTree>
@@ -28488,7 +29334,7 @@
 </p:sld>
 </file>
 
-<file path=ppt/slides/slide44.xml><?xml version="1.0" encoding="utf-8"?>
+<file path=ppt/slides/slide45.xml><?xml version="1.0" encoding="utf-8"?>
 <p:sld xmlns:a="http://schemas.openxmlformats.org/drawingml/2006/main" xmlns:r="http://schemas.openxmlformats.org/officeDocument/2006/relationships" xmlns:p="http://schemas.openxmlformats.org/presentationml/2006/main">
   <p:cSld>
     <p:spTree>
@@ -28580,7 +29426,7 @@
 </p:sld>
 </file>
 
-<file path=ppt/slides/slide45.xml><?xml version="1.0" encoding="utf-8"?>
+<file path=ppt/slides/slide46.xml><?xml version="1.0" encoding="utf-8"?>
 <p:sld xmlns:a="http://schemas.openxmlformats.org/drawingml/2006/main" xmlns:r="http://schemas.openxmlformats.org/officeDocument/2006/relationships" xmlns:p="http://schemas.openxmlformats.org/presentationml/2006/main">
   <p:cSld>
     <p:spTree>
@@ -28800,7 +29646,7 @@
 </p:sld>
 </file>
 
-<file path=ppt/slides/slide46.xml><?xml version="1.0" encoding="utf-8"?>
+<file path=ppt/slides/slide47.xml><?xml version="1.0" encoding="utf-8"?>
 <p:sld xmlns:a="http://schemas.openxmlformats.org/drawingml/2006/main" xmlns:r="http://schemas.openxmlformats.org/officeDocument/2006/relationships" xmlns:p="http://schemas.openxmlformats.org/presentationml/2006/main">
   <p:cSld>
     <p:spTree>
@@ -29534,7 +30380,7 @@
 </p:sld>
 </file>
 
-<file path=ppt/slides/slide47.xml><?xml version="1.0" encoding="utf-8"?>
+<file path=ppt/slides/slide48.xml><?xml version="1.0" encoding="utf-8"?>
 <p:sld xmlns:a="http://schemas.openxmlformats.org/drawingml/2006/main" xmlns:r="http://schemas.openxmlformats.org/officeDocument/2006/relationships" xmlns:p="http://schemas.openxmlformats.org/presentationml/2006/main">
   <p:cSld>
     <p:spTree>
@@ -30300,7 +31146,7 @@
 </p:sld>
 </file>
 
-<file path=ppt/slides/slide48.xml><?xml version="1.0" encoding="utf-8"?>
+<file path=ppt/slides/slide49.xml><?xml version="1.0" encoding="utf-8"?>
 <p:sld xmlns:a="http://schemas.openxmlformats.org/drawingml/2006/main" xmlns:r="http://schemas.openxmlformats.org/officeDocument/2006/relationships" xmlns:p="http://schemas.openxmlformats.org/presentationml/2006/main">
   <p:cSld>
     <p:spTree>
@@ -30389,357 +31235,6 @@
   <p:clrMapOvr>
     <a:masterClrMapping/>
   </p:clrMapOvr>
-</p:sld>
-</file>
-
-<file path=ppt/slides/slide49.xml><?xml version="1.0" encoding="utf-8"?>
-<p:sld xmlns:a="http://schemas.openxmlformats.org/drawingml/2006/main" xmlns:r="http://schemas.openxmlformats.org/officeDocument/2006/relationships" xmlns:p="http://schemas.openxmlformats.org/presentationml/2006/main">
-  <p:cSld>
-    <p:spTree>
-      <p:nvGrpSpPr>
-        <p:cNvPr id="1" name="Shape 248"/>
-        <p:cNvGrpSpPr/>
-        <p:nvPr/>
-      </p:nvGrpSpPr>
-      <p:grpSpPr>
-        <a:xfrm>
-          <a:off x="0" y="0"/>
-          <a:ext cx="0" cy="0"/>
-          <a:chOff x="0" y="0"/>
-          <a:chExt cx="0" cy="0"/>
-        </a:xfrm>
-      </p:grpSpPr>
-      <p:sp>
-        <p:nvSpPr>
-          <p:cNvPr id="249" name="Shape 249"/>
-          <p:cNvSpPr txBox="1">
-            <a:spLocks noGrp="1"/>
-          </p:cNvSpPr>
-          <p:nvPr>
-            <p:ph type="title"/>
-          </p:nvPr>
-        </p:nvSpPr>
-        <p:spPr>
-          <a:xfrm>
-            <a:off x="457200" y="274636"/>
-            <a:ext cx="8229600" cy="1325563"/>
-          </a:xfrm>
-          <a:prstGeom prst="rect">
-            <a:avLst/>
-          </a:prstGeom>
-        </p:spPr>
-        <p:txBody>
-          <a:bodyPr lIns="91425" tIns="91425" rIns="91425" bIns="91425" anchor="b" anchorCtr="0">
-            <a:noAutofit/>
-          </a:bodyPr>
-          <a:lstStyle/>
-          <a:p>
-            <a:pPr>
-              <a:spcBef>
-                <a:spcPts val="0"/>
-              </a:spcBef>
-              <a:buNone/>
-            </a:pPr>
-            <a:r>
-              <a:rPr lang="en" sz="9600" dirty="0" smtClean="0">
-                <a:solidFill>
-                  <a:srgbClr val="FF0000"/>
-                </a:solidFill>
-                <a:latin typeface="Yanone Kaffeesatz Bold"/>
-                <a:cs typeface="Yanone Kaffeesatz Bold"/>
-              </a:rPr>
-              <a:t>Exercise</a:t>
-            </a:r>
-            <a:endParaRPr lang="en" dirty="0"/>
-          </a:p>
-        </p:txBody>
-      </p:sp>
-      <p:sp>
-        <p:nvSpPr>
-          <p:cNvPr id="250" name="Shape 250"/>
-          <p:cNvSpPr txBox="1">
-            <a:spLocks noGrp="1"/>
-          </p:cNvSpPr>
-          <p:nvPr>
-            <p:ph type="body" idx="1"/>
-          </p:nvPr>
-        </p:nvSpPr>
-        <p:spPr>
-          <a:xfrm>
-            <a:off x="457200" y="1600200"/>
-            <a:ext cx="8229600" cy="4967700"/>
-          </a:xfrm>
-          <a:prstGeom prst="rect">
-            <a:avLst/>
-          </a:prstGeom>
-        </p:spPr>
-        <p:txBody>
-          <a:bodyPr lIns="91425" tIns="91425" rIns="91425" bIns="91425" anchor="t" anchorCtr="0">
-            <a:noAutofit/>
-          </a:bodyPr>
-          <a:lstStyle/>
-          <a:p>
-            <a:pPr lvl="0" rtl="0">
-              <a:lnSpc>
-                <a:spcPct val="115000"/>
-              </a:lnSpc>
-              <a:spcBef>
-                <a:spcPts val="0"/>
-              </a:spcBef>
-              <a:buNone/>
-            </a:pPr>
-            <a:r>
-              <a:rPr lang="en" sz="2000" dirty="0">
-                <a:solidFill>
-                  <a:srgbClr val="000000"/>
-                </a:solidFill>
-              </a:rPr>
-              <a:t>Create a collection of 19th- and 20th-century authors (or historical/political figures if that's your bag!) and their birth dates (historical accuracy doesn't matter).  An example:</a:t>
-            </a:r>
-          </a:p>
-          <a:p>
-            <a:pPr lvl="0" rtl="0">
-              <a:lnSpc>
-                <a:spcPct val="115000"/>
-              </a:lnSpc>
-              <a:spcBef>
-                <a:spcPts val="0"/>
-              </a:spcBef>
-              <a:buNone/>
-            </a:pPr>
-            <a:endParaRPr sz="2000" dirty="0">
-              <a:solidFill>
-                <a:srgbClr val="000000"/>
-              </a:solidFill>
-            </a:endParaRPr>
-          </a:p>
-          <a:p>
-            <a:pPr lvl="0" rtl="0">
-              <a:lnSpc>
-                <a:spcPct val="115000"/>
-              </a:lnSpc>
-              <a:spcBef>
-                <a:spcPts val="0"/>
-              </a:spcBef>
-              <a:buNone/>
-            </a:pPr>
-            <a:r>
-              <a:rPr lang="en" sz="2000" dirty="0">
-                <a:solidFill>
-                  <a:srgbClr val="000000"/>
-                </a:solidFill>
-                <a:latin typeface="Menlo Regular"/>
-                <a:ea typeface="Menlo Regular"/>
-                <a:cs typeface="Menlo Regular"/>
-                <a:sym typeface="Courier New"/>
-              </a:rPr>
-              <a:t>birth_dates = </a:t>
-            </a:r>
-            <a:r>
-              <a:rPr lang="en" sz="2000" dirty="0">
-                <a:solidFill>
-                  <a:srgbClr val="FF0000"/>
-                </a:solidFill>
-                <a:latin typeface="Menlo Regular"/>
-                <a:ea typeface="Menlo Regular"/>
-                <a:cs typeface="Menlo Regular"/>
-                <a:sym typeface="Courier New"/>
-              </a:rPr>
-              <a:t>{"Wallace </a:t>
-            </a:r>
-            <a:r>
-              <a:rPr lang="en" sz="2000" dirty="0" smtClean="0">
-                <a:solidFill>
-                  <a:srgbClr val="FF0000"/>
-                </a:solidFill>
-                <a:latin typeface="Menlo Regular"/>
-                <a:ea typeface="Menlo Regular"/>
-                <a:cs typeface="Menlo Regular"/>
-                <a:sym typeface="Courier New"/>
-              </a:rPr>
-              <a:t>Stevens</a:t>
-            </a:r>
-            <a:r>
-              <a:rPr lang="en-US" sz="2000" dirty="0" smtClean="0">
-                <a:solidFill>
-                  <a:srgbClr val="FF0000"/>
-                </a:solidFill>
-                <a:latin typeface="Menlo Regular"/>
-                <a:ea typeface="Menlo Regular"/>
-                <a:cs typeface="Menlo Regular"/>
-                <a:sym typeface="Courier New"/>
-              </a:rPr>
-              <a:t>"</a:t>
-            </a:r>
-            <a:r>
-              <a:rPr lang="en" sz="2000" dirty="0" smtClean="0">
-                <a:solidFill>
-                  <a:srgbClr val="FF0000"/>
-                </a:solidFill>
-                <a:latin typeface="Menlo Regular"/>
-                <a:ea typeface="Menlo Regular"/>
-                <a:cs typeface="Menlo Regular"/>
-                <a:sym typeface="Courier New"/>
-              </a:rPr>
-              <a:t>:</a:t>
-            </a:r>
-            <a:r>
-              <a:rPr lang="en" sz="2000" dirty="0" smtClean="0">
-                <a:solidFill>
-                  <a:srgbClr val="000000"/>
-                </a:solidFill>
-                <a:latin typeface="Menlo Regular"/>
-                <a:ea typeface="Menlo Regular"/>
-                <a:cs typeface="Menlo Regular"/>
-                <a:sym typeface="Courier New"/>
-              </a:rPr>
-              <a:t> </a:t>
-            </a:r>
-            <a:r>
-              <a:rPr lang="en" sz="2000" dirty="0">
-                <a:solidFill>
-                  <a:srgbClr val="11889C"/>
-                </a:solidFill>
-                <a:latin typeface="Menlo Regular"/>
-                <a:ea typeface="Menlo Regular"/>
-                <a:cs typeface="Menlo Regular"/>
-                <a:sym typeface="Courier New"/>
-              </a:rPr>
-              <a:t>1879</a:t>
-            </a:r>
-            <a:r>
-              <a:rPr lang="en" sz="2000" dirty="0">
-                <a:solidFill>
-                  <a:srgbClr val="000000"/>
-                </a:solidFill>
-                <a:latin typeface="Menlo Regular"/>
-                <a:ea typeface="Menlo Regular"/>
-                <a:cs typeface="Menlo Regular"/>
-                <a:sym typeface="Courier New"/>
-              </a:rPr>
-              <a:t>}</a:t>
-            </a:r>
-          </a:p>
-          <a:p>
-            <a:pPr lvl="0" rtl="0">
-              <a:lnSpc>
-                <a:spcPct val="115000"/>
-              </a:lnSpc>
-              <a:spcBef>
-                <a:spcPts val="0"/>
-              </a:spcBef>
-              <a:buNone/>
-            </a:pPr>
-            <a:endParaRPr sz="2000" dirty="0">
-              <a:solidFill>
-                <a:srgbClr val="000000"/>
-              </a:solidFill>
-              <a:latin typeface="Menlo Regular"/>
-              <a:ea typeface="Menlo Regular"/>
-              <a:cs typeface="Menlo Regular"/>
-              <a:sym typeface="Courier New"/>
-            </a:endParaRPr>
-          </a:p>
-          <a:p>
-            <a:pPr lvl="0" rtl="0">
-              <a:lnSpc>
-                <a:spcPct val="115000"/>
-              </a:lnSpc>
-              <a:spcBef>
-                <a:spcPts val="0"/>
-              </a:spcBef>
-              <a:buNone/>
-            </a:pPr>
-            <a:r>
-              <a:rPr lang="en" sz="2000" dirty="0">
-                <a:solidFill>
-                  <a:srgbClr val="000000"/>
-                </a:solidFill>
-              </a:rPr>
-              <a:t>Count the number of 19th-century birth dates and the number of 20th-century birth dates, then print the results like:</a:t>
-            </a:r>
-          </a:p>
-          <a:p>
-            <a:pPr lvl="0" rtl="0">
-              <a:lnSpc>
-                <a:spcPct val="115000"/>
-              </a:lnSpc>
-              <a:spcBef>
-                <a:spcPts val="0"/>
-              </a:spcBef>
-              <a:buNone/>
-            </a:pPr>
-            <a:endParaRPr sz="2000" dirty="0">
-              <a:solidFill>
-                <a:srgbClr val="000000"/>
-              </a:solidFill>
-            </a:endParaRPr>
-          </a:p>
-          <a:p>
-            <a:pPr lvl="0" rtl="0">
-              <a:lnSpc>
-                <a:spcPct val="115000"/>
-              </a:lnSpc>
-              <a:spcBef>
-                <a:spcPts val="0"/>
-              </a:spcBef>
-              <a:buNone/>
-            </a:pPr>
-            <a:r>
-              <a:rPr lang="en" sz="2000" dirty="0">
-                <a:solidFill>
-                  <a:srgbClr val="000000"/>
-                </a:solidFill>
-                <a:latin typeface="Menlo Regular"/>
-                <a:ea typeface="Menlo Regular"/>
-                <a:cs typeface="Menlo Regular"/>
-                <a:sym typeface="Courier New"/>
-              </a:rPr>
-              <a:t>There are 3 19th-c. births and 2 20th-c. births in my collection.</a:t>
-            </a:r>
-          </a:p>
-          <a:p>
-            <a:pPr lvl="0" rtl="0">
-              <a:lnSpc>
-                <a:spcPct val="115000"/>
-              </a:lnSpc>
-              <a:spcBef>
-                <a:spcPts val="0"/>
-              </a:spcBef>
-              <a:buNone/>
-            </a:pPr>
-            <a:endParaRPr sz="2000" dirty="0">
-              <a:solidFill>
-                <a:srgbClr val="000000"/>
-              </a:solidFill>
-            </a:endParaRPr>
-          </a:p>
-          <a:p>
-            <a:pPr>
-              <a:spcBef>
-                <a:spcPts val="0"/>
-              </a:spcBef>
-              <a:buNone/>
-            </a:pPr>
-            <a:endParaRPr sz="2000" dirty="0"/>
-          </a:p>
-        </p:txBody>
-      </p:sp>
-    </p:spTree>
-  </p:cSld>
-  <p:clrMapOvr>
-    <a:masterClrMapping/>
-  </p:clrMapOvr>
-  <p:transition xmlns:p14="http://schemas.microsoft.com/office/powerpoint/2010/main" spd="slow">
-    <p:cut/>
-  </p:transition>
-  <p:timing>
-    <p:tnLst>
-      <p:par>
-        <p:cTn xmlns:p14="http://schemas.microsoft.com/office/powerpoint/2010/main" id="1" dur="indefinite" restart="never" nodeType="tmRoot"/>
-      </p:par>
-    </p:tnLst>
-  </p:timing>
 </p:sld>
 </file>
 
@@ -31144,6 +31639,357 @@
   <p:cSld>
     <p:spTree>
       <p:nvGrpSpPr>
+        <p:cNvPr id="1" name="Shape 248"/>
+        <p:cNvGrpSpPr/>
+        <p:nvPr/>
+      </p:nvGrpSpPr>
+      <p:grpSpPr>
+        <a:xfrm>
+          <a:off x="0" y="0"/>
+          <a:ext cx="0" cy="0"/>
+          <a:chOff x="0" y="0"/>
+          <a:chExt cx="0" cy="0"/>
+        </a:xfrm>
+      </p:grpSpPr>
+      <p:sp>
+        <p:nvSpPr>
+          <p:cNvPr id="249" name="Shape 249"/>
+          <p:cNvSpPr txBox="1">
+            <a:spLocks noGrp="1"/>
+          </p:cNvSpPr>
+          <p:nvPr>
+            <p:ph type="title"/>
+          </p:nvPr>
+        </p:nvSpPr>
+        <p:spPr>
+          <a:xfrm>
+            <a:off x="457200" y="274636"/>
+            <a:ext cx="8229600" cy="1325563"/>
+          </a:xfrm>
+          <a:prstGeom prst="rect">
+            <a:avLst/>
+          </a:prstGeom>
+        </p:spPr>
+        <p:txBody>
+          <a:bodyPr lIns="91425" tIns="91425" rIns="91425" bIns="91425" anchor="b" anchorCtr="0">
+            <a:noAutofit/>
+          </a:bodyPr>
+          <a:lstStyle/>
+          <a:p>
+            <a:pPr>
+              <a:spcBef>
+                <a:spcPts val="0"/>
+              </a:spcBef>
+              <a:buNone/>
+            </a:pPr>
+            <a:r>
+              <a:rPr lang="en" sz="9600" dirty="0" smtClean="0">
+                <a:solidFill>
+                  <a:srgbClr val="FF0000"/>
+                </a:solidFill>
+                <a:latin typeface="Yanone Kaffeesatz Bold"/>
+                <a:cs typeface="Yanone Kaffeesatz Bold"/>
+              </a:rPr>
+              <a:t>Exercise</a:t>
+            </a:r>
+            <a:endParaRPr lang="en" dirty="0"/>
+          </a:p>
+        </p:txBody>
+      </p:sp>
+      <p:sp>
+        <p:nvSpPr>
+          <p:cNvPr id="250" name="Shape 250"/>
+          <p:cNvSpPr txBox="1">
+            <a:spLocks noGrp="1"/>
+          </p:cNvSpPr>
+          <p:nvPr>
+            <p:ph type="body" idx="1"/>
+          </p:nvPr>
+        </p:nvSpPr>
+        <p:spPr>
+          <a:xfrm>
+            <a:off x="457200" y="1600200"/>
+            <a:ext cx="8229600" cy="4967700"/>
+          </a:xfrm>
+          <a:prstGeom prst="rect">
+            <a:avLst/>
+          </a:prstGeom>
+        </p:spPr>
+        <p:txBody>
+          <a:bodyPr lIns="91425" tIns="91425" rIns="91425" bIns="91425" anchor="t" anchorCtr="0">
+            <a:noAutofit/>
+          </a:bodyPr>
+          <a:lstStyle/>
+          <a:p>
+            <a:pPr lvl="0" rtl="0">
+              <a:lnSpc>
+                <a:spcPct val="115000"/>
+              </a:lnSpc>
+              <a:spcBef>
+                <a:spcPts val="0"/>
+              </a:spcBef>
+              <a:buNone/>
+            </a:pPr>
+            <a:r>
+              <a:rPr lang="en" sz="2000" dirty="0">
+                <a:solidFill>
+                  <a:srgbClr val="000000"/>
+                </a:solidFill>
+              </a:rPr>
+              <a:t>Create a collection of 19th- and 20th-century authors (or historical/political figures if that's your bag!) and their birth dates (historical accuracy doesn't matter).  An example:</a:t>
+            </a:r>
+          </a:p>
+          <a:p>
+            <a:pPr lvl="0" rtl="0">
+              <a:lnSpc>
+                <a:spcPct val="115000"/>
+              </a:lnSpc>
+              <a:spcBef>
+                <a:spcPts val="0"/>
+              </a:spcBef>
+              <a:buNone/>
+            </a:pPr>
+            <a:endParaRPr sz="2000" dirty="0">
+              <a:solidFill>
+                <a:srgbClr val="000000"/>
+              </a:solidFill>
+            </a:endParaRPr>
+          </a:p>
+          <a:p>
+            <a:pPr lvl="0" rtl="0">
+              <a:lnSpc>
+                <a:spcPct val="115000"/>
+              </a:lnSpc>
+              <a:spcBef>
+                <a:spcPts val="0"/>
+              </a:spcBef>
+              <a:buNone/>
+            </a:pPr>
+            <a:r>
+              <a:rPr lang="en" sz="2000" dirty="0">
+                <a:solidFill>
+                  <a:srgbClr val="000000"/>
+                </a:solidFill>
+                <a:latin typeface="Menlo Regular"/>
+                <a:ea typeface="Menlo Regular"/>
+                <a:cs typeface="Menlo Regular"/>
+                <a:sym typeface="Courier New"/>
+              </a:rPr>
+              <a:t>birth_dates = </a:t>
+            </a:r>
+            <a:r>
+              <a:rPr lang="en" sz="2000" dirty="0">
+                <a:solidFill>
+                  <a:srgbClr val="FF0000"/>
+                </a:solidFill>
+                <a:latin typeface="Menlo Regular"/>
+                <a:ea typeface="Menlo Regular"/>
+                <a:cs typeface="Menlo Regular"/>
+                <a:sym typeface="Courier New"/>
+              </a:rPr>
+              <a:t>{"Wallace </a:t>
+            </a:r>
+            <a:r>
+              <a:rPr lang="en" sz="2000" dirty="0" smtClean="0">
+                <a:solidFill>
+                  <a:srgbClr val="FF0000"/>
+                </a:solidFill>
+                <a:latin typeface="Menlo Regular"/>
+                <a:ea typeface="Menlo Regular"/>
+                <a:cs typeface="Menlo Regular"/>
+                <a:sym typeface="Courier New"/>
+              </a:rPr>
+              <a:t>Stevens</a:t>
+            </a:r>
+            <a:r>
+              <a:rPr lang="en-US" sz="2000" dirty="0" smtClean="0">
+                <a:solidFill>
+                  <a:srgbClr val="FF0000"/>
+                </a:solidFill>
+                <a:latin typeface="Menlo Regular"/>
+                <a:ea typeface="Menlo Regular"/>
+                <a:cs typeface="Menlo Regular"/>
+                <a:sym typeface="Courier New"/>
+              </a:rPr>
+              <a:t>"</a:t>
+            </a:r>
+            <a:r>
+              <a:rPr lang="en" sz="2000" dirty="0" smtClean="0">
+                <a:solidFill>
+                  <a:srgbClr val="FF0000"/>
+                </a:solidFill>
+                <a:latin typeface="Menlo Regular"/>
+                <a:ea typeface="Menlo Regular"/>
+                <a:cs typeface="Menlo Regular"/>
+                <a:sym typeface="Courier New"/>
+              </a:rPr>
+              <a:t>:</a:t>
+            </a:r>
+            <a:r>
+              <a:rPr lang="en" sz="2000" dirty="0" smtClean="0">
+                <a:solidFill>
+                  <a:srgbClr val="000000"/>
+                </a:solidFill>
+                <a:latin typeface="Menlo Regular"/>
+                <a:ea typeface="Menlo Regular"/>
+                <a:cs typeface="Menlo Regular"/>
+                <a:sym typeface="Courier New"/>
+              </a:rPr>
+              <a:t> </a:t>
+            </a:r>
+            <a:r>
+              <a:rPr lang="en" sz="2000" dirty="0">
+                <a:solidFill>
+                  <a:srgbClr val="11889C"/>
+                </a:solidFill>
+                <a:latin typeface="Menlo Regular"/>
+                <a:ea typeface="Menlo Regular"/>
+                <a:cs typeface="Menlo Regular"/>
+                <a:sym typeface="Courier New"/>
+              </a:rPr>
+              <a:t>1879</a:t>
+            </a:r>
+            <a:r>
+              <a:rPr lang="en" sz="2000" dirty="0">
+                <a:solidFill>
+                  <a:srgbClr val="000000"/>
+                </a:solidFill>
+                <a:latin typeface="Menlo Regular"/>
+                <a:ea typeface="Menlo Regular"/>
+                <a:cs typeface="Menlo Regular"/>
+                <a:sym typeface="Courier New"/>
+              </a:rPr>
+              <a:t>}</a:t>
+            </a:r>
+          </a:p>
+          <a:p>
+            <a:pPr lvl="0" rtl="0">
+              <a:lnSpc>
+                <a:spcPct val="115000"/>
+              </a:lnSpc>
+              <a:spcBef>
+                <a:spcPts val="0"/>
+              </a:spcBef>
+              <a:buNone/>
+            </a:pPr>
+            <a:endParaRPr sz="2000" dirty="0">
+              <a:solidFill>
+                <a:srgbClr val="000000"/>
+              </a:solidFill>
+              <a:latin typeface="Menlo Regular"/>
+              <a:ea typeface="Menlo Regular"/>
+              <a:cs typeface="Menlo Regular"/>
+              <a:sym typeface="Courier New"/>
+            </a:endParaRPr>
+          </a:p>
+          <a:p>
+            <a:pPr lvl="0" rtl="0">
+              <a:lnSpc>
+                <a:spcPct val="115000"/>
+              </a:lnSpc>
+              <a:spcBef>
+                <a:spcPts val="0"/>
+              </a:spcBef>
+              <a:buNone/>
+            </a:pPr>
+            <a:r>
+              <a:rPr lang="en" sz="2000" dirty="0">
+                <a:solidFill>
+                  <a:srgbClr val="000000"/>
+                </a:solidFill>
+              </a:rPr>
+              <a:t>Count the number of 19th-century birth dates and the number of 20th-century birth dates, then print the results like:</a:t>
+            </a:r>
+          </a:p>
+          <a:p>
+            <a:pPr lvl="0" rtl="0">
+              <a:lnSpc>
+                <a:spcPct val="115000"/>
+              </a:lnSpc>
+              <a:spcBef>
+                <a:spcPts val="0"/>
+              </a:spcBef>
+              <a:buNone/>
+            </a:pPr>
+            <a:endParaRPr sz="2000" dirty="0">
+              <a:solidFill>
+                <a:srgbClr val="000000"/>
+              </a:solidFill>
+            </a:endParaRPr>
+          </a:p>
+          <a:p>
+            <a:pPr lvl="0" rtl="0">
+              <a:lnSpc>
+                <a:spcPct val="115000"/>
+              </a:lnSpc>
+              <a:spcBef>
+                <a:spcPts val="0"/>
+              </a:spcBef>
+              <a:buNone/>
+            </a:pPr>
+            <a:r>
+              <a:rPr lang="en" sz="2000" dirty="0">
+                <a:solidFill>
+                  <a:srgbClr val="000000"/>
+                </a:solidFill>
+                <a:latin typeface="Menlo Regular"/>
+                <a:ea typeface="Menlo Regular"/>
+                <a:cs typeface="Menlo Regular"/>
+                <a:sym typeface="Courier New"/>
+              </a:rPr>
+              <a:t>There are 3 19th-c. births and 2 20th-c. births in my collection.</a:t>
+            </a:r>
+          </a:p>
+          <a:p>
+            <a:pPr lvl="0" rtl="0">
+              <a:lnSpc>
+                <a:spcPct val="115000"/>
+              </a:lnSpc>
+              <a:spcBef>
+                <a:spcPts val="0"/>
+              </a:spcBef>
+              <a:buNone/>
+            </a:pPr>
+            <a:endParaRPr sz="2000" dirty="0">
+              <a:solidFill>
+                <a:srgbClr val="000000"/>
+              </a:solidFill>
+            </a:endParaRPr>
+          </a:p>
+          <a:p>
+            <a:pPr>
+              <a:spcBef>
+                <a:spcPts val="0"/>
+              </a:spcBef>
+              <a:buNone/>
+            </a:pPr>
+            <a:endParaRPr sz="2000" dirty="0"/>
+          </a:p>
+        </p:txBody>
+      </p:sp>
+    </p:spTree>
+  </p:cSld>
+  <p:clrMapOvr>
+    <a:masterClrMapping/>
+  </p:clrMapOvr>
+  <p:transition xmlns:p14="http://schemas.microsoft.com/office/powerpoint/2010/main" spd="slow">
+    <p:cut/>
+  </p:transition>
+  <p:timing>
+    <p:tnLst>
+      <p:par>
+        <p:cTn xmlns:p14="http://schemas.microsoft.com/office/powerpoint/2010/main" id="1" dur="indefinite" restart="never" nodeType="tmRoot"/>
+      </p:par>
+    </p:tnLst>
+  </p:timing>
+</p:sld>
+</file>
+
+<file path=ppt/slides/slide51.xml><?xml version="1.0" encoding="utf-8"?>
+<p:sld xmlns:a="http://schemas.openxmlformats.org/drawingml/2006/main" xmlns:r="http://schemas.openxmlformats.org/officeDocument/2006/relationships" xmlns:p="http://schemas.openxmlformats.org/presentationml/2006/main">
+  <p:cSld>
+    <p:spTree>
+      <p:nvGrpSpPr>
         <p:cNvPr id="1" name="Shape 254"/>
         <p:cNvGrpSpPr/>
         <p:nvPr/>
@@ -31855,7 +32701,7 @@
 </p:sld>
 </file>
 
-<file path=ppt/slides/slide51.xml><?xml version="1.0" encoding="utf-8"?>
+<file path=ppt/slides/slide52.xml><?xml version="1.0" encoding="utf-8"?>
 <p:sld xmlns:a="http://schemas.openxmlformats.org/drawingml/2006/main" xmlns:r="http://schemas.openxmlformats.org/officeDocument/2006/relationships" xmlns:p="http://schemas.openxmlformats.org/presentationml/2006/main">
   <p:cSld>
     <p:spTree>
@@ -32174,7 +33020,7 @@
 </p:sld>
 </file>
 
-<file path=ppt/slides/slide52.xml><?xml version="1.0" encoding="utf-8"?>
+<file path=ppt/slides/slide53.xml><?xml version="1.0" encoding="utf-8"?>
 <p:sld xmlns:a="http://schemas.openxmlformats.org/drawingml/2006/main" xmlns:r="http://schemas.openxmlformats.org/officeDocument/2006/relationships" xmlns:p="http://schemas.openxmlformats.org/presentationml/2006/main">
   <p:cSld>
     <p:spTree>
@@ -32266,7 +33112,7 @@
 </p:sld>
 </file>
 
-<file path=ppt/slides/slide53.xml><?xml version="1.0" encoding="utf-8"?>
+<file path=ppt/slides/slide54.xml><?xml version="1.0" encoding="utf-8"?>
 <p:sld xmlns:a="http://schemas.openxmlformats.org/drawingml/2006/main" xmlns:r="http://schemas.openxmlformats.org/officeDocument/2006/relationships" xmlns:p="http://schemas.openxmlformats.org/presentationml/2006/main">
   <p:cSld>
     <p:spTree>
@@ -32617,11 +33463,7 @@
             </a:pPr>
             <a:r>
               <a:rPr lang="en-US" sz="3600" dirty="0" smtClean="0"/>
-              <a:t>X is our name we will give for each individ</a:t>
-            </a:r>
-            <a:r>
-              <a:rPr lang="en-US" sz="3600" dirty="0" smtClean="0"/>
-              <a:t>ual item as we step over them.</a:t>
+              <a:t>X is our name we will give for each individual item as we step over them.</a:t>
             </a:r>
             <a:endParaRPr sz="3600" dirty="0"/>
           </a:p>

--- a/2018/python/Python Programming Concepts II.pptx
+++ b/2018/python/Python Programming Concepts II.pptx
@@ -280,7 +280,7 @@
   </p:defaultTextStyle>
   <p:extLst>
     <p:ext uri="{EFAFB233-063F-42B5-8137-9DF3F51BA10A}">
-      <p15:sldGuideLst xmlns:p15="http://schemas.microsoft.com/office/powerpoint/2012/main" xmlns="">
+      <p15:sldGuideLst xmlns:p15="http://schemas.microsoft.com/office/powerpoint/2012/main">
         <p15:guide id="1" orient="horz" pos="2160">
           <p15:clr>
             <a:srgbClr val="A4A3A4"/>
@@ -4679,6 +4679,11 @@
         </p:txBody>
       </p:sp>
     </p:spTree>
+    <p:extLst>
+      <p:ext uri="{BB962C8B-B14F-4D97-AF65-F5344CB8AC3E}">
+        <p14:creationId xmlns:p14="http://schemas.microsoft.com/office/powerpoint/2010/main" val="1358397458"/>
+      </p:ext>
+    </p:extLst>
   </p:cSld>
   <p:clrMapOvr>
     <a:masterClrMapping/>
@@ -12170,7 +12175,7 @@
             </a:r>
             <a:r>
               <a:rPr lang="en-US" dirty="0"/>
-              <a:t>7</a:t>
+              <a:t>8</a:t>
             </a:r>
             <a:endParaRPr lang="en" dirty="0"/>
           </a:p>
@@ -12181,13 +12186,13 @@
   <p:clrMapOvr>
     <a:masterClrMapping/>
   </p:clrMapOvr>
-  <p:transition xmlns:p14="http://schemas.microsoft.com/office/powerpoint/2010/main" spd="slow">
+  <p:transition spd="slow">
     <p:cut/>
   </p:transition>
   <p:timing>
     <p:tnLst>
       <p:par>
-        <p:cTn xmlns:p14="http://schemas.microsoft.com/office/powerpoint/2010/main" id="1" dur="indefinite" restart="never" nodeType="tmRoot"/>
+        <p:cTn id="1" dur="indefinite" restart="never" nodeType="tmRoot"/>
       </p:par>
     </p:tnLst>
   </p:timing>
@@ -12527,13 +12532,13 @@
   <p:clrMapOvr>
     <a:masterClrMapping/>
   </p:clrMapOvr>
-  <p:transition xmlns:p14="http://schemas.microsoft.com/office/powerpoint/2010/main" spd="slow">
+  <p:transition spd="slow">
     <p:cut/>
   </p:transition>
   <p:timing>
     <p:tnLst>
       <p:par>
-        <p:cTn xmlns:p14="http://schemas.microsoft.com/office/powerpoint/2010/main" id="1" dur="indefinite" restart="never" nodeType="tmRoot"/>
+        <p:cTn id="1" dur="indefinite" restart="never" nodeType="tmRoot"/>
       </p:par>
     </p:tnLst>
   </p:timing>
@@ -12913,13 +12918,13 @@
   <p:clrMapOvr>
     <a:masterClrMapping/>
   </p:clrMapOvr>
-  <p:transition xmlns:p14="http://schemas.microsoft.com/office/powerpoint/2010/main" spd="slow">
+  <p:transition spd="slow">
     <p:cut/>
   </p:transition>
   <p:timing>
     <p:tnLst>
       <p:par>
-        <p:cTn xmlns:p14="http://schemas.microsoft.com/office/powerpoint/2010/main" id="1" dur="indefinite" restart="never" nodeType="tmRoot"/>
+        <p:cTn id="1" dur="indefinite" restart="never" nodeType="tmRoot"/>
       </p:par>
     </p:tnLst>
   </p:timing>
@@ -13387,13 +13392,13 @@
   <p:clrMapOvr>
     <a:masterClrMapping/>
   </p:clrMapOvr>
-  <p:transition xmlns:p14="http://schemas.microsoft.com/office/powerpoint/2010/main" spd="slow">
+  <p:transition spd="slow">
     <p:cut/>
   </p:transition>
   <p:timing>
     <p:tnLst>
       <p:par>
-        <p:cTn xmlns:p14="http://schemas.microsoft.com/office/powerpoint/2010/main" id="1" dur="indefinite" restart="never" nodeType="tmRoot"/>
+        <p:cTn id="1" dur="indefinite" restart="never" nodeType="tmRoot"/>
       </p:par>
     </p:tnLst>
   </p:timing>
@@ -13781,13 +13786,13 @@
   <p:clrMapOvr>
     <a:masterClrMapping/>
   </p:clrMapOvr>
-  <p:transition xmlns:p14="http://schemas.microsoft.com/office/powerpoint/2010/main" spd="slow">
+  <p:transition spd="slow">
     <p:cut/>
   </p:transition>
   <p:timing>
     <p:tnLst>
       <p:par>
-        <p:cTn xmlns:p14="http://schemas.microsoft.com/office/powerpoint/2010/main" id="1" dur="indefinite" restart="never" nodeType="tmRoot"/>
+        <p:cTn id="1" dur="indefinite" restart="never" nodeType="tmRoot"/>
       </p:par>
     </p:tnLst>
   </p:timing>
@@ -14173,13 +14178,13 @@
   <p:clrMapOvr>
     <a:masterClrMapping/>
   </p:clrMapOvr>
-  <p:transition xmlns:p14="http://schemas.microsoft.com/office/powerpoint/2010/main" spd="slow">
+  <p:transition spd="slow">
     <p:cut/>
   </p:transition>
   <p:timing>
     <p:tnLst>
       <p:par>
-        <p:cTn xmlns:p14="http://schemas.microsoft.com/office/powerpoint/2010/main" id="1" dur="indefinite" restart="never" nodeType="tmRoot"/>
+        <p:cTn id="1" dur="indefinite" restart="never" nodeType="tmRoot"/>
       </p:par>
     </p:tnLst>
   </p:timing>
@@ -14658,13 +14663,13 @@
   <p:clrMapOvr>
     <a:masterClrMapping/>
   </p:clrMapOvr>
-  <p:transition xmlns:p14="http://schemas.microsoft.com/office/powerpoint/2010/main" spd="slow">
+  <p:transition spd="slow">
     <p:cut/>
   </p:transition>
   <p:timing>
     <p:tnLst>
       <p:par>
-        <p:cTn xmlns:p14="http://schemas.microsoft.com/office/powerpoint/2010/main" id="1" dur="indefinite" restart="never" nodeType="tmRoot"/>
+        <p:cTn id="1" dur="indefinite" restart="never" nodeType="tmRoot"/>
       </p:par>
     </p:tnLst>
   </p:timing>
@@ -14859,13 +14864,13 @@
   <p:clrMapOvr>
     <a:masterClrMapping/>
   </p:clrMapOvr>
-  <p:transition xmlns:p14="http://schemas.microsoft.com/office/powerpoint/2010/main" spd="slow">
+  <p:transition spd="slow">
     <p:cut/>
   </p:transition>
   <p:timing>
     <p:tnLst>
       <p:par>
-        <p:cTn xmlns:p14="http://schemas.microsoft.com/office/powerpoint/2010/main" id="1" dur="indefinite" restart="never" nodeType="tmRoot"/>
+        <p:cTn id="1" dur="indefinite" restart="never" nodeType="tmRoot"/>
       </p:par>
     </p:tnLst>
   </p:timing>
@@ -15335,13 +15340,13 @@
   <p:clrMapOvr>
     <a:masterClrMapping/>
   </p:clrMapOvr>
-  <p:transition xmlns:p14="http://schemas.microsoft.com/office/powerpoint/2010/main" spd="slow">
+  <p:transition spd="slow">
     <p:cut/>
   </p:transition>
   <p:timing>
     <p:tnLst>
       <p:par>
-        <p:cTn xmlns:p14="http://schemas.microsoft.com/office/powerpoint/2010/main" id="1" dur="indefinite" restart="never" nodeType="tmRoot"/>
+        <p:cTn id="1" dur="indefinite" restart="never" nodeType="tmRoot"/>
       </p:par>
     </p:tnLst>
   </p:timing>
@@ -15605,13 +15610,13 @@
   <p:clrMapOvr>
     <a:overrideClrMapping bg1="lt1" tx1="dk1" bg2="dk2" tx2="lt2" accent1="accent1" accent2="accent2" accent3="accent3" accent4="accent4" accent5="accent5" accent6="accent6" hlink="hlink" folHlink="folHlink"/>
   </p:clrMapOvr>
-  <p:transition xmlns:p14="http://schemas.microsoft.com/office/powerpoint/2010/main" spd="slow">
+  <p:transition spd="slow">
     <p:cut/>
   </p:transition>
   <p:timing>
     <p:tnLst>
       <p:par>
-        <p:cTn xmlns:p14="http://schemas.microsoft.com/office/powerpoint/2010/main" id="1" dur="indefinite" restart="never" nodeType="tmRoot"/>
+        <p:cTn id="1" dur="indefinite" restart="never" nodeType="tmRoot"/>
       </p:par>
     </p:tnLst>
   </p:timing>
@@ -15950,13 +15955,13 @@
   <p:clrMapOvr>
     <a:masterClrMapping/>
   </p:clrMapOvr>
-  <p:transition xmlns:p14="http://schemas.microsoft.com/office/powerpoint/2010/main" spd="slow">
+  <p:transition spd="slow">
     <p:cut/>
   </p:transition>
   <p:timing>
     <p:tnLst>
       <p:par>
-        <p:cTn xmlns:p14="http://schemas.microsoft.com/office/powerpoint/2010/main" id="1" dur="indefinite" restart="never" nodeType="tmRoot"/>
+        <p:cTn id="1" dur="indefinite" restart="never" nodeType="tmRoot"/>
       </p:par>
     </p:tnLst>
   </p:timing>
@@ -16087,13 +16092,13 @@
   <p:clrMapOvr>
     <a:masterClrMapping/>
   </p:clrMapOvr>
-  <p:transition xmlns:p14="http://schemas.microsoft.com/office/powerpoint/2010/main" spd="slow">
+  <p:transition spd="slow">
     <p:cut/>
   </p:transition>
   <p:timing>
     <p:tnLst>
       <p:par>
-        <p:cTn xmlns:p14="http://schemas.microsoft.com/office/powerpoint/2010/main" id="1" dur="indefinite" restart="never" nodeType="tmRoot"/>
+        <p:cTn id="1" dur="indefinite" restart="never" nodeType="tmRoot"/>
       </p:par>
     </p:tnLst>
   </p:timing>
@@ -16312,13 +16317,13 @@
   <p:clrMapOvr>
     <a:masterClrMapping/>
   </p:clrMapOvr>
-  <p:transition xmlns:p14="http://schemas.microsoft.com/office/powerpoint/2010/main" spd="slow">
+  <p:transition spd="slow">
     <p:cut/>
   </p:transition>
   <p:timing>
     <p:tnLst>
       <p:par>
-        <p:cTn xmlns:p14="http://schemas.microsoft.com/office/powerpoint/2010/main" id="1" dur="indefinite" restart="never" nodeType="tmRoot"/>
+        <p:cTn id="1" dur="indefinite" restart="never" nodeType="tmRoot"/>
       </p:par>
     </p:tnLst>
   </p:timing>
@@ -16884,13 +16889,13 @@
   <p:clrMapOvr>
     <a:masterClrMapping/>
   </p:clrMapOvr>
-  <p:transition xmlns:p14="http://schemas.microsoft.com/office/powerpoint/2010/main" spd="slow">
+  <p:transition spd="slow">
     <p:cut/>
   </p:transition>
   <p:timing>
     <p:tnLst>
       <p:par>
-        <p:cTn xmlns:p14="http://schemas.microsoft.com/office/powerpoint/2010/main" id="1" dur="indefinite" restart="never" nodeType="tmRoot"/>
+        <p:cTn id="1" dur="indefinite" restart="never" nodeType="tmRoot"/>
       </p:par>
     </p:tnLst>
   </p:timing>
@@ -17830,13 +17835,13 @@
   <p:clrMapOvr>
     <a:masterClrMapping/>
   </p:clrMapOvr>
-  <p:transition xmlns:p14="http://schemas.microsoft.com/office/powerpoint/2010/main" spd="slow">
+  <p:transition spd="slow">
     <p:cut/>
   </p:transition>
   <p:timing>
     <p:tnLst>
       <p:par>
-        <p:cTn xmlns:p14="http://schemas.microsoft.com/office/powerpoint/2010/main" id="1" dur="indefinite" restart="never" nodeType="tmRoot"/>
+        <p:cTn id="1" dur="indefinite" restart="never" nodeType="tmRoot"/>
       </p:par>
     </p:tnLst>
   </p:timing>
@@ -18320,13 +18325,13 @@
   <p:clrMapOvr>
     <a:masterClrMapping/>
   </p:clrMapOvr>
-  <p:transition xmlns:p14="http://schemas.microsoft.com/office/powerpoint/2010/main" spd="slow">
+  <p:transition spd="slow">
     <p:cut/>
   </p:transition>
   <p:timing>
     <p:tnLst>
       <p:par>
-        <p:cTn xmlns:p14="http://schemas.microsoft.com/office/powerpoint/2010/main" id="1" dur="indefinite" restart="never" nodeType="tmRoot"/>
+        <p:cTn id="1" dur="indefinite" restart="never" nodeType="tmRoot"/>
       </p:par>
     </p:tnLst>
   </p:timing>
@@ -18943,13 +18948,13 @@
   <p:clrMapOvr>
     <a:masterClrMapping/>
   </p:clrMapOvr>
-  <p:transition xmlns:p14="http://schemas.microsoft.com/office/powerpoint/2010/main" spd="slow">
+  <p:transition spd="slow">
     <p:cut/>
   </p:transition>
   <p:timing>
     <p:tnLst>
       <p:par>
-        <p:cTn xmlns:p14="http://schemas.microsoft.com/office/powerpoint/2010/main" id="1" dur="indefinite" restart="never" nodeType="tmRoot"/>
+        <p:cTn id="1" dur="indefinite" restart="never" nodeType="tmRoot"/>
       </p:par>
     </p:tnLst>
   </p:timing>
@@ -19894,13 +19899,13 @@
   <p:clrMapOvr>
     <a:masterClrMapping/>
   </p:clrMapOvr>
-  <p:transition xmlns:p14="http://schemas.microsoft.com/office/powerpoint/2010/main" spd="slow">
+  <p:transition spd="slow">
     <p:cut/>
   </p:transition>
   <p:timing>
     <p:tnLst>
       <p:par>
-        <p:cTn xmlns:p14="http://schemas.microsoft.com/office/powerpoint/2010/main" id="1" dur="indefinite" restart="never" nodeType="tmRoot"/>
+        <p:cTn id="1" dur="indefinite" restart="never" nodeType="tmRoot"/>
       </p:par>
     </p:tnLst>
   </p:timing>
@@ -20632,13 +20637,13 @@
   <p:clrMapOvr>
     <a:masterClrMapping/>
   </p:clrMapOvr>
-  <p:transition xmlns:p14="http://schemas.microsoft.com/office/powerpoint/2010/main" spd="slow">
+  <p:transition spd="slow">
     <p:cut/>
   </p:transition>
   <p:timing>
     <p:tnLst>
       <p:par>
-        <p:cTn xmlns:p14="http://schemas.microsoft.com/office/powerpoint/2010/main" id="1" dur="indefinite" restart="never" nodeType="tmRoot"/>
+        <p:cTn id="1" dur="indefinite" restart="never" nodeType="tmRoot"/>
       </p:par>
     </p:tnLst>
   </p:timing>
@@ -21185,13 +21190,13 @@
   <p:clrMapOvr>
     <a:masterClrMapping/>
   </p:clrMapOvr>
-  <p:transition xmlns:p14="http://schemas.microsoft.com/office/powerpoint/2010/main" spd="slow">
+  <p:transition spd="slow">
     <p:cut/>
   </p:transition>
   <p:timing>
     <p:tnLst>
       <p:par>
-        <p:cTn xmlns:p14="http://schemas.microsoft.com/office/powerpoint/2010/main" id="1" dur="indefinite" restart="never" nodeType="tmRoot"/>
+        <p:cTn id="1" dur="indefinite" restart="never" nodeType="tmRoot"/>
       </p:par>
     </p:tnLst>
   </p:timing>
@@ -21686,13 +21691,13 @@
   <p:clrMapOvr>
     <a:masterClrMapping/>
   </p:clrMapOvr>
-  <p:transition xmlns:p14="http://schemas.microsoft.com/office/powerpoint/2010/main" spd="slow">
+  <p:transition spd="slow">
     <p:cut/>
   </p:transition>
   <p:timing>
     <p:tnLst>
       <p:par>
-        <p:cTn xmlns:p14="http://schemas.microsoft.com/office/powerpoint/2010/main" id="1" dur="indefinite" restart="never" nodeType="tmRoot"/>
+        <p:cTn id="1" dur="indefinite" restart="never" nodeType="tmRoot"/>
       </p:par>
     </p:tnLst>
   </p:timing>
@@ -22782,13 +22787,13 @@
   <p:clrMapOvr>
     <a:masterClrMapping/>
   </p:clrMapOvr>
-  <p:transition xmlns:p14="http://schemas.microsoft.com/office/powerpoint/2010/main" spd="slow">
+  <p:transition spd="slow">
     <p:cut/>
   </p:transition>
   <p:timing>
     <p:tnLst>
       <p:par>
-        <p:cTn xmlns:p14="http://schemas.microsoft.com/office/powerpoint/2010/main" id="1" dur="indefinite" restart="never" nodeType="tmRoot"/>
+        <p:cTn id="1" dur="indefinite" restart="never" nodeType="tmRoot"/>
       </p:par>
     </p:tnLst>
   </p:timing>
@@ -23758,13 +23763,13 @@
   <p:clrMapOvr>
     <a:masterClrMapping/>
   </p:clrMapOvr>
-  <p:transition xmlns:p14="http://schemas.microsoft.com/office/powerpoint/2010/main" spd="slow">
+  <p:transition spd="slow">
     <p:cut/>
   </p:transition>
   <p:timing>
     <p:tnLst>
       <p:par>
-        <p:cTn xmlns:p14="http://schemas.microsoft.com/office/powerpoint/2010/main" id="1" dur="indefinite" restart="never" nodeType="tmRoot"/>
+        <p:cTn id="1" dur="indefinite" restart="never" nodeType="tmRoot"/>
       </p:par>
     </p:tnLst>
   </p:timing>
@@ -24045,13 +24050,13 @@
   <p:clrMapOvr>
     <a:masterClrMapping/>
   </p:clrMapOvr>
-  <p:transition xmlns:p14="http://schemas.microsoft.com/office/powerpoint/2010/main" spd="slow">
+  <p:transition spd="slow">
     <p:cut/>
   </p:transition>
   <p:timing>
     <p:tnLst>
       <p:par>
-        <p:cTn xmlns:p14="http://schemas.microsoft.com/office/powerpoint/2010/main" id="1" dur="indefinite" restart="never" nodeType="tmRoot"/>
+        <p:cTn id="1" dur="indefinite" restart="never" nodeType="tmRoot"/>
       </p:par>
     </p:tnLst>
   </p:timing>
@@ -24356,13 +24361,13 @@
   <p:clrMapOvr>
     <a:masterClrMapping/>
   </p:clrMapOvr>
-  <p:transition xmlns:p14="http://schemas.microsoft.com/office/powerpoint/2010/main" spd="slow">
+  <p:transition spd="slow">
     <p:cut/>
   </p:transition>
   <p:timing>
     <p:tnLst>
       <p:par>
-        <p:cTn xmlns:p14="http://schemas.microsoft.com/office/powerpoint/2010/main" id="1" dur="indefinite" restart="never" nodeType="tmRoot"/>
+        <p:cTn id="1" dur="indefinite" restart="never" nodeType="tmRoot"/>
       </p:par>
     </p:tnLst>
   </p:timing>
@@ -24850,13 +24855,13 @@
   <p:clrMapOvr>
     <a:masterClrMapping/>
   </p:clrMapOvr>
-  <p:transition xmlns:p14="http://schemas.microsoft.com/office/powerpoint/2010/main" spd="slow">
+  <p:transition spd="slow">
     <p:cut/>
   </p:transition>
   <p:timing>
     <p:tnLst>
       <p:par>
-        <p:cTn xmlns:p14="http://schemas.microsoft.com/office/powerpoint/2010/main" id="1" dur="indefinite" restart="never" nodeType="tmRoot"/>
+        <p:cTn id="1" dur="indefinite" restart="never" nodeType="tmRoot"/>
       </p:par>
     </p:tnLst>
   </p:timing>
@@ -25053,13 +25058,13 @@
   <p:clrMapOvr>
     <a:masterClrMapping/>
   </p:clrMapOvr>
-  <p:transition xmlns:p14="http://schemas.microsoft.com/office/powerpoint/2010/main" spd="slow">
+  <p:transition spd="slow">
     <p:cut/>
   </p:transition>
   <p:timing>
     <p:tnLst>
       <p:par>
-        <p:cTn xmlns:p14="http://schemas.microsoft.com/office/powerpoint/2010/main" id="1" dur="indefinite" restart="never" nodeType="tmRoot"/>
+        <p:cTn id="1" dur="indefinite" restart="never" nodeType="tmRoot"/>
       </p:par>
     </p:tnLst>
   </p:timing>
@@ -25313,13 +25318,13 @@
   <p:clrMapOvr>
     <a:masterClrMapping/>
   </p:clrMapOvr>
-  <p:transition xmlns:p14="http://schemas.microsoft.com/office/powerpoint/2010/main" spd="slow">
+  <p:transition spd="slow">
     <p:cut/>
   </p:transition>
   <p:timing>
     <p:tnLst>
       <p:par>
-        <p:cTn xmlns:p14="http://schemas.microsoft.com/office/powerpoint/2010/main" id="1" dur="indefinite" restart="never" nodeType="tmRoot"/>
+        <p:cTn id="1" dur="indefinite" restart="never" nodeType="tmRoot"/>
       </p:par>
     </p:tnLst>
   </p:timing>
@@ -25568,13 +25573,13 @@
   <p:clrMapOvr>
     <a:masterClrMapping/>
   </p:clrMapOvr>
-  <p:transition xmlns:p14="http://schemas.microsoft.com/office/powerpoint/2010/main" spd="slow">
+  <p:transition spd="slow">
     <p:cut/>
   </p:transition>
   <p:timing>
     <p:tnLst>
       <p:par>
-        <p:cTn xmlns:p14="http://schemas.microsoft.com/office/powerpoint/2010/main" id="1" dur="indefinite" restart="never" nodeType="tmRoot"/>
+        <p:cTn id="1" dur="indefinite" restart="never" nodeType="tmRoot"/>
       </p:par>
     </p:tnLst>
   </p:timing>
@@ -25812,13 +25817,13 @@
   <p:clrMapOvr>
     <a:masterClrMapping/>
   </p:clrMapOvr>
-  <p:transition xmlns:p14="http://schemas.microsoft.com/office/powerpoint/2010/main" spd="slow">
+  <p:transition spd="slow">
     <p:cut/>
   </p:transition>
   <p:timing>
     <p:tnLst>
       <p:par>
-        <p:cTn xmlns:p14="http://schemas.microsoft.com/office/powerpoint/2010/main" id="1" dur="indefinite" restart="never" nodeType="tmRoot"/>
+        <p:cTn id="1" dur="indefinite" restart="never" nodeType="tmRoot"/>
       </p:par>
     </p:tnLst>
   </p:timing>
@@ -26056,13 +26061,13 @@
   <p:clrMapOvr>
     <a:masterClrMapping/>
   </p:clrMapOvr>
-  <p:transition xmlns:p14="http://schemas.microsoft.com/office/powerpoint/2010/main" spd="slow">
+  <p:transition spd="slow">
     <p:cut/>
   </p:transition>
   <p:timing>
     <p:tnLst>
       <p:par>
-        <p:cTn xmlns:p14="http://schemas.microsoft.com/office/powerpoint/2010/main" id="1" dur="indefinite" restart="never" nodeType="tmRoot"/>
+        <p:cTn id="1" dur="indefinite" restart="never" nodeType="tmRoot"/>
       </p:par>
     </p:tnLst>
   </p:timing>
@@ -26417,13 +26422,13 @@
   <p:clrMapOvr>
     <a:masterClrMapping/>
   </p:clrMapOvr>
-  <p:transition xmlns:p14="http://schemas.microsoft.com/office/powerpoint/2010/main" spd="slow">
+  <p:transition spd="slow">
     <p:cut/>
   </p:transition>
   <p:timing>
     <p:tnLst>
       <p:par>
-        <p:cTn xmlns:p14="http://schemas.microsoft.com/office/powerpoint/2010/main" id="1" dur="indefinite" restart="never" nodeType="tmRoot"/>
+        <p:cTn id="1" dur="indefinite" restart="never" nodeType="tmRoot"/>
       </p:par>
     </p:tnLst>
   </p:timing>
@@ -27018,13 +27023,13 @@
   <p:clrMapOvr>
     <a:masterClrMapping/>
   </p:clrMapOvr>
-  <p:transition xmlns:p14="http://schemas.microsoft.com/office/powerpoint/2010/main" spd="slow">
+  <p:transition spd="slow">
     <p:cut/>
   </p:transition>
   <p:timing>
     <p:tnLst>
       <p:par>
-        <p:cTn xmlns:p14="http://schemas.microsoft.com/office/powerpoint/2010/main" id="1" dur="indefinite" restart="never" nodeType="tmRoot"/>
+        <p:cTn id="1" dur="indefinite" restart="never" nodeType="tmRoot"/>
       </p:par>
     </p:tnLst>
   </p:timing>
@@ -27352,13 +27357,13 @@
   <p:clrMapOvr>
     <a:masterClrMapping/>
   </p:clrMapOvr>
-  <p:transition xmlns:p14="http://schemas.microsoft.com/office/powerpoint/2010/main" spd="slow">
+  <p:transition spd="slow">
     <p:cut/>
   </p:transition>
   <p:timing>
     <p:tnLst>
       <p:par>
-        <p:cTn xmlns:p14="http://schemas.microsoft.com/office/powerpoint/2010/main" id="1" dur="indefinite" restart="never" nodeType="tmRoot"/>
+        <p:cTn id="1" dur="indefinite" restart="never" nodeType="tmRoot"/>
       </p:par>
     </p:tnLst>
   </p:timing>
@@ -28078,13 +28083,13 @@
   <p:clrMapOvr>
     <a:masterClrMapping/>
   </p:clrMapOvr>
-  <p:transition xmlns:p14="http://schemas.microsoft.com/office/powerpoint/2010/main" spd="slow">
+  <p:transition spd="slow">
     <p:cut/>
   </p:transition>
   <p:timing>
     <p:tnLst>
       <p:par>
-        <p:cTn xmlns:p14="http://schemas.microsoft.com/office/powerpoint/2010/main" id="1" dur="indefinite" restart="never" nodeType="tmRoot"/>
+        <p:cTn id="1" dur="indefinite" restart="never" nodeType="tmRoot"/>
       </p:par>
     </p:tnLst>
   </p:timing>
@@ -28285,13 +28290,13 @@
   <p:clrMapOvr>
     <a:masterClrMapping/>
   </p:clrMapOvr>
-  <p:transition xmlns:p14="http://schemas.microsoft.com/office/powerpoint/2010/main" spd="slow">
+  <p:transition spd="slow">
     <p:cut/>
   </p:transition>
   <p:timing>
     <p:tnLst>
       <p:par>
-        <p:cTn xmlns:p14="http://schemas.microsoft.com/office/powerpoint/2010/main" id="1" dur="indefinite" restart="never" nodeType="tmRoot"/>
+        <p:cTn id="1" dur="indefinite" restart="never" nodeType="tmRoot"/>
       </p:par>
     </p:tnLst>
   </p:timing>
@@ -28636,13 +28641,13 @@
   <p:clrMapOvr>
     <a:masterClrMapping/>
   </p:clrMapOvr>
-  <p:transition xmlns:p14="http://schemas.microsoft.com/office/powerpoint/2010/main" spd="slow">
+  <p:transition spd="slow">
     <p:cut/>
   </p:transition>
   <p:timing>
     <p:tnLst>
       <p:par>
-        <p:cTn xmlns:p14="http://schemas.microsoft.com/office/powerpoint/2010/main" id="1" dur="indefinite" restart="never" nodeType="tmRoot"/>
+        <p:cTn id="1" dur="indefinite" restart="never" nodeType="tmRoot"/>
       </p:par>
     </p:tnLst>
   </p:timing>
@@ -29321,13 +29326,13 @@
   <p:clrMapOvr>
     <a:masterClrMapping/>
   </p:clrMapOvr>
-  <p:transition xmlns:p14="http://schemas.microsoft.com/office/powerpoint/2010/main" spd="slow">
+  <p:transition spd="slow">
     <p:cut/>
   </p:transition>
   <p:timing>
     <p:tnLst>
       <p:par>
-        <p:cTn xmlns:p14="http://schemas.microsoft.com/office/powerpoint/2010/main" id="1" dur="indefinite" restart="never" nodeType="tmRoot"/>
+        <p:cTn id="1" dur="indefinite" restart="never" nodeType="tmRoot"/>
       </p:par>
     </p:tnLst>
   </p:timing>
@@ -29633,13 +29638,13 @@
   <p:clrMapOvr>
     <a:masterClrMapping/>
   </p:clrMapOvr>
-  <p:transition xmlns:p14="http://schemas.microsoft.com/office/powerpoint/2010/main" spd="slow">
+  <p:transition spd="slow">
     <p:cut/>
   </p:transition>
   <p:timing>
     <p:tnLst>
       <p:par>
-        <p:cTn xmlns:p14="http://schemas.microsoft.com/office/powerpoint/2010/main" id="1" dur="indefinite" restart="never" nodeType="tmRoot"/>
+        <p:cTn id="1" dur="indefinite" restart="never" nodeType="tmRoot"/>
       </p:par>
     </p:tnLst>
   </p:timing>
@@ -30367,13 +30372,13 @@
   <p:clrMapOvr>
     <a:masterClrMapping/>
   </p:clrMapOvr>
-  <p:transition xmlns:p14="http://schemas.microsoft.com/office/powerpoint/2010/main" spd="slow">
+  <p:transition spd="slow">
     <p:cut/>
   </p:transition>
   <p:timing>
     <p:tnLst>
       <p:par>
-        <p:cTn xmlns:p14="http://schemas.microsoft.com/office/powerpoint/2010/main" id="1" dur="indefinite" restart="never" nodeType="tmRoot"/>
+        <p:cTn id="1" dur="indefinite" restart="never" nodeType="tmRoot"/>
       </p:par>
     </p:tnLst>
   </p:timing>
@@ -31133,13 +31138,13 @@
   <p:clrMapOvr>
     <a:masterClrMapping/>
   </p:clrMapOvr>
-  <p:transition xmlns:p14="http://schemas.microsoft.com/office/powerpoint/2010/main" spd="slow">
+  <p:transition spd="slow">
     <p:cut/>
   </p:transition>
   <p:timing>
     <p:tnLst>
       <p:par>
-        <p:cTn xmlns:p14="http://schemas.microsoft.com/office/powerpoint/2010/main" id="1" dur="indefinite" restart="never" nodeType="tmRoot"/>
+        <p:cTn id="1" dur="indefinite" restart="never" nodeType="tmRoot"/>
       </p:par>
     </p:tnLst>
   </p:timing>
@@ -31621,13 +31626,13 @@
   <p:clrMapOvr>
     <a:masterClrMapping/>
   </p:clrMapOvr>
-  <p:transition xmlns:p14="http://schemas.microsoft.com/office/powerpoint/2010/main" spd="slow">
+  <p:transition spd="slow">
     <p:cut/>
   </p:transition>
   <p:timing>
     <p:tnLst>
       <p:par>
-        <p:cTn xmlns:p14="http://schemas.microsoft.com/office/powerpoint/2010/main" id="1" dur="indefinite" restart="never" nodeType="tmRoot"/>
+        <p:cTn id="1" dur="indefinite" restart="never" nodeType="tmRoot"/>
       </p:par>
     </p:tnLst>
   </p:timing>
@@ -31972,13 +31977,13 @@
   <p:clrMapOvr>
     <a:masterClrMapping/>
   </p:clrMapOvr>
-  <p:transition xmlns:p14="http://schemas.microsoft.com/office/powerpoint/2010/main" spd="slow">
+  <p:transition spd="slow">
     <p:cut/>
   </p:transition>
   <p:timing>
     <p:tnLst>
       <p:par>
-        <p:cTn xmlns:p14="http://schemas.microsoft.com/office/powerpoint/2010/main" id="1" dur="indefinite" restart="never" nodeType="tmRoot"/>
+        <p:cTn id="1" dur="indefinite" restart="never" nodeType="tmRoot"/>
       </p:par>
     </p:tnLst>
   </p:timing>
@@ -32695,7 +32700,7 @@
   <p:clrMapOvr>
     <a:masterClrMapping/>
   </p:clrMapOvr>
-  <p:transition xmlns:p14="http://schemas.microsoft.com/office/powerpoint/2010/main" spd="slow">
+  <p:transition spd="slow">
     <p:cut/>
   </p:transition>
 </p:sld>
@@ -33014,7 +33019,7 @@
   <p:clrMapOvr>
     <a:masterClrMapping/>
   </p:clrMapOvr>
-  <p:transition xmlns:p14="http://schemas.microsoft.com/office/powerpoint/2010/main" spd="slow">
+  <p:transition spd="slow">
     <p:cut/>
   </p:transition>
 </p:sld>
@@ -33178,7 +33183,7 @@
   <p:clrMapOvr>
     <a:masterClrMapping/>
   </p:clrMapOvr>
-  <p:transition xmlns:p14="http://schemas.microsoft.com/office/powerpoint/2010/main" spd="slow">
+  <p:transition spd="slow">
     <p:cut/>
   </p:transition>
 </p:sld>
@@ -33488,13 +33493,13 @@
   <p:clrMapOvr>
     <a:masterClrMapping/>
   </p:clrMapOvr>
-  <p:transition xmlns:p14="http://schemas.microsoft.com/office/powerpoint/2010/main" spd="slow">
+  <p:transition spd="slow">
     <p:cut/>
   </p:transition>
   <p:timing>
     <p:tnLst>
       <p:par>
-        <p:cTn xmlns:p14="http://schemas.microsoft.com/office/powerpoint/2010/main" id="1" dur="indefinite" restart="never" nodeType="tmRoot"/>
+        <p:cTn id="1" dur="indefinite" restart="never" nodeType="tmRoot"/>
       </p:par>
     </p:tnLst>
   </p:timing>
@@ -33924,13 +33929,13 @@
   <p:clrMapOvr>
     <a:masterClrMapping/>
   </p:clrMapOvr>
-  <p:transition xmlns:p14="http://schemas.microsoft.com/office/powerpoint/2010/main" spd="slow">
+  <p:transition spd="slow">
     <p:cut/>
   </p:transition>
   <p:timing>
     <p:tnLst>
       <p:par>
-        <p:cTn xmlns:p14="http://schemas.microsoft.com/office/powerpoint/2010/main" id="1" dur="indefinite" restart="never" nodeType="tmRoot"/>
+        <p:cTn id="1" dur="indefinite" restart="never" nodeType="tmRoot"/>
       </p:par>
     </p:tnLst>
   </p:timing>
@@ -34476,13 +34481,13 @@
   <p:clrMapOvr>
     <a:masterClrMapping/>
   </p:clrMapOvr>
-  <p:transition xmlns:p14="http://schemas.microsoft.com/office/powerpoint/2010/main" spd="slow">
+  <p:transition spd="slow">
     <p:cut/>
   </p:transition>
   <p:timing>
     <p:tnLst>
       <p:par>
-        <p:cTn xmlns:p14="http://schemas.microsoft.com/office/powerpoint/2010/main" id="1" dur="indefinite" restart="never" nodeType="tmRoot"/>
+        <p:cTn id="1" dur="indefinite" restart="never" nodeType="tmRoot"/>
       </p:par>
     </p:tnLst>
   </p:timing>
@@ -34793,13 +34798,13 @@
   <p:clrMapOvr>
     <a:masterClrMapping/>
   </p:clrMapOvr>
-  <p:transition xmlns:p14="http://schemas.microsoft.com/office/powerpoint/2010/main" spd="slow">
+  <p:transition spd="slow">
     <p:cut/>
   </p:transition>
   <p:timing>
     <p:tnLst>
       <p:par>
-        <p:cTn xmlns:p14="http://schemas.microsoft.com/office/powerpoint/2010/main" id="1" dur="indefinite" restart="never" nodeType="tmRoot"/>
+        <p:cTn id="1" dur="indefinite" restart="never" nodeType="tmRoot"/>
       </p:par>
     </p:tnLst>
   </p:timing>
